--- a/MOM- Taking India to MARS.pptx
+++ b/MOM- Taking India to MARS.pptx
@@ -5,14 +5,15 @@
     <p:sldMasterId id="2147483648" r:id="rId4"/>
   </p:sldMasterIdLst>
   <p:notesMasterIdLst>
-    <p:notesMasterId r:id="rId10"/>
+    <p:notesMasterId r:id="rId11"/>
   </p:notesMasterIdLst>
   <p:sldIdLst>
     <p:sldId id="292" r:id="rId5"/>
     <p:sldId id="293" r:id="rId6"/>
-    <p:sldId id="294" r:id="rId7"/>
-    <p:sldId id="295" r:id="rId8"/>
-    <p:sldId id="296" r:id="rId9"/>
+    <p:sldId id="297" r:id="rId7"/>
+    <p:sldId id="294" r:id="rId8"/>
+    <p:sldId id="295" r:id="rId9"/>
+    <p:sldId id="296" r:id="rId10"/>
   </p:sldIdLst>
   <p:sldSz cx="9144000" cy="6858000" type="screen4x3"/>
   <p:notesSz cx="6858000" cy="9144000"/>
@@ -8286,15 +8287,7 @@
                   <a:schemeClr val="tx1"/>
                 </a:solidFill>
               </a:rPr>
-              <a:t>Taking </a:t>
-            </a:r>
-            <a:r>
-              <a:rPr lang="en-US" dirty="0" smtClean="0">
-                <a:solidFill>
-                  <a:schemeClr val="tx1"/>
-                </a:solidFill>
-              </a:rPr>
-              <a:t>India to MARS</a:t>
+              <a:t>Taking India to MARS</a:t>
             </a:r>
             <a:endParaRPr lang="en-US" dirty="0">
               <a:solidFill>
@@ -8314,7 +8307,7 @@
         </p:nvSpPr>
         <p:spPr>
           <a:xfrm>
-            <a:off x="4572000" y="4953000"/>
+            <a:off x="4577305" y="5169061"/>
             <a:ext cx="4572000" cy="1676400"/>
           </a:xfrm>
           <a:prstGeom prst="rect">
@@ -8323,7 +8316,7 @@
         </p:spPr>
         <p:txBody>
           <a:bodyPr vert="horz">
-            <a:normAutofit/>
+            <a:normAutofit fontScale="92500" lnSpcReduction="10000"/>
           </a:bodyPr>
           <a:lstStyle/>
           <a:p>
@@ -8374,7 +8367,7 @@
               </a:rPr>
               <a:t>programme</a:t>
             </a:r>
-            <a:endParaRPr kumimoji="0" lang="en-US" sz="3000" b="0" i="0" u="none" strike="noStrike" kern="1200" cap="none" spc="0" normalizeH="0" baseline="0" noProof="0" dirty="0">
+            <a:endParaRPr kumimoji="0" lang="en-US" sz="3000" b="0" i="0" u="none" strike="noStrike" kern="1200" cap="none" spc="0" normalizeH="0" baseline="0" noProof="0" dirty="0" smtClean="0">
               <a:ln>
                 <a:noFill/>
               </a:ln>
@@ -8385,6 +8378,145 @@
               <a:uLnTx/>
               <a:uFillTx/>
               <a:ea typeface="+mn-ea"/>
+              <a:cs typeface="Arial" pitchFamily="34" charset="0"/>
+            </a:endParaRPr>
+          </a:p>
+          <a:p>
+            <a:pPr marL="411480" marR="0" lvl="0" indent="-342900" algn="l" defTabSz="914400" rtl="0" eaLnBrk="1" fontAlgn="auto" latinLnBrk="0" hangingPunct="1">
+              <a:lnSpc>
+                <a:spcPct val="100000"/>
+              </a:lnSpc>
+              <a:spcBef>
+                <a:spcPts val="700"/>
+              </a:spcBef>
+              <a:spcAft>
+                <a:spcPts val="0"/>
+              </a:spcAft>
+              <a:buClrTx/>
+              <a:buSzPct val="95000"/>
+              <a:tabLst/>
+              <a:defRPr/>
+            </a:pPr>
+            <a:r>
+              <a:rPr kumimoji="0" lang="en-US" sz="2400" b="0" i="0" u="none" strike="noStrike" kern="1200" cap="none" spc="0" normalizeH="0" baseline="0" noProof="0" dirty="0" err="1" smtClean="0">
+                <a:ln>
+                  <a:noFill/>
+                </a:ln>
+                <a:solidFill>
+                  <a:schemeClr val="tx1"/>
+                </a:solidFill>
+                <a:effectLst/>
+                <a:uLnTx/>
+                <a:uFillTx/>
+                <a:cs typeface="Arial" pitchFamily="34" charset="0"/>
+              </a:rPr>
+              <a:t>Tedx</a:t>
+            </a:r>
+            <a:r>
+              <a:rPr kumimoji="0" lang="en-US" sz="2400" b="0" i="0" u="none" strike="noStrike" kern="1200" cap="none" spc="0" normalizeH="0" baseline="0" noProof="0" dirty="0" smtClean="0">
+                <a:ln>
+                  <a:noFill/>
+                </a:ln>
+                <a:solidFill>
+                  <a:schemeClr val="tx1"/>
+                </a:solidFill>
+                <a:effectLst/>
+                <a:uLnTx/>
+                <a:uFillTx/>
+                <a:cs typeface="Arial" pitchFamily="34" charset="0"/>
+              </a:rPr>
+              <a:t> video by </a:t>
+            </a:r>
+            <a:r>
+              <a:rPr kumimoji="0" lang="en-US" sz="2400" b="0" i="0" u="none" strike="noStrike" kern="1200" cap="none" spc="0" normalizeH="0" baseline="0" noProof="0" dirty="0" err="1" smtClean="0">
+                <a:ln>
+                  <a:noFill/>
+                </a:ln>
+                <a:solidFill>
+                  <a:schemeClr val="tx1"/>
+                </a:solidFill>
+                <a:effectLst/>
+                <a:uLnTx/>
+                <a:uFillTx/>
+                <a:cs typeface="Arial" pitchFamily="34" charset="0"/>
+              </a:rPr>
+              <a:t>Ritu</a:t>
+            </a:r>
+            <a:r>
+              <a:rPr kumimoji="0" lang="en-US" sz="2400" b="0" i="0" u="none" strike="noStrike" kern="1200" cap="none" spc="0" normalizeH="0" baseline="0" noProof="0" dirty="0" smtClean="0">
+                <a:ln>
+                  <a:noFill/>
+                </a:ln>
+                <a:solidFill>
+                  <a:schemeClr val="tx1"/>
+                </a:solidFill>
+                <a:effectLst/>
+                <a:uLnTx/>
+                <a:uFillTx/>
+                <a:cs typeface="Arial" pitchFamily="34" charset="0"/>
+              </a:rPr>
+              <a:t> </a:t>
+            </a:r>
+            <a:r>
+              <a:rPr kumimoji="0" lang="en-US" sz="2400" b="0" i="0" u="none" strike="noStrike" kern="1200" cap="none" spc="0" normalizeH="0" baseline="0" noProof="0" dirty="0" err="1" smtClean="0">
+                <a:ln>
+                  <a:noFill/>
+                </a:ln>
+                <a:solidFill>
+                  <a:schemeClr val="tx1"/>
+                </a:solidFill>
+                <a:effectLst/>
+                <a:uLnTx/>
+                <a:uFillTx/>
+                <a:cs typeface="Arial" pitchFamily="34" charset="0"/>
+              </a:rPr>
+              <a:t>karidhal</a:t>
+            </a:r>
+            <a:endParaRPr kumimoji="0" lang="en-US" sz="2400" b="0" i="0" u="none" strike="noStrike" kern="1200" cap="none" spc="0" normalizeH="0" baseline="0" noProof="0" dirty="0" smtClean="0">
+              <a:ln>
+                <a:noFill/>
+              </a:ln>
+              <a:solidFill>
+                <a:schemeClr val="tx1"/>
+              </a:solidFill>
+              <a:effectLst/>
+              <a:uLnTx/>
+              <a:uFillTx/>
+              <a:cs typeface="Arial" pitchFamily="34" charset="0"/>
+            </a:endParaRPr>
+          </a:p>
+          <a:p>
+            <a:pPr marL="411480" marR="0" lvl="0" indent="-342900" algn="l" defTabSz="914400" rtl="0" eaLnBrk="1" fontAlgn="auto" latinLnBrk="0" hangingPunct="1">
+              <a:lnSpc>
+                <a:spcPct val="100000"/>
+              </a:lnSpc>
+              <a:spcBef>
+                <a:spcPts val="700"/>
+              </a:spcBef>
+              <a:spcAft>
+                <a:spcPts val="0"/>
+              </a:spcAft>
+              <a:buClrTx/>
+              <a:buSzPct val="95000"/>
+              <a:tabLst/>
+              <a:defRPr/>
+            </a:pPr>
+            <a:r>
+              <a:rPr lang="en-US" sz="2400" dirty="0" smtClean="0">
+                <a:cs typeface="Arial" pitchFamily="34" charset="0"/>
+              </a:rPr>
+              <a:t>Deputy Operations directions</a:t>
+            </a:r>
+            <a:endParaRPr kumimoji="0" lang="en-US" sz="2400" b="0" i="0" u="none" strike="noStrike" kern="1200" cap="none" spc="0" normalizeH="0" baseline="0" noProof="0" dirty="0">
+              <a:ln>
+                <a:noFill/>
+              </a:ln>
+              <a:solidFill>
+                <a:schemeClr val="tx1"/>
+              </a:solidFill>
+              <a:effectLst/>
+              <a:uLnTx/>
+              <a:uFillTx/>
               <a:cs typeface="Arial" pitchFamily="34" charset="0"/>
             </a:endParaRPr>
           </a:p>
@@ -8484,11 +8616,6 @@
               </a:rPr>
               <a:t>Mars Orbital Mission</a:t>
             </a:r>
-            <a:endParaRPr lang="en-US" sz="2400" dirty="0" smtClean="0">
-              <a:solidFill>
-                <a:schemeClr val="tx1"/>
-              </a:solidFill>
-            </a:endParaRPr>
           </a:p>
           <a:p>
             <a:endParaRPr lang="en-US" sz="2400" dirty="0">
@@ -8499,23 +8626,36 @@
           </a:p>
         </p:txBody>
       </p:sp>
-      <p:sp>
-        <p:nvSpPr>
-          <p:cNvPr id="3" name="Picture Placeholder 2"/>
-          <p:cNvSpPr>
-            <a:spLocks noGrp="1"/>
-          </p:cNvSpPr>
+      <p:pic>
+        <p:nvPicPr>
+          <p:cNvPr id="7" name="Picture Placeholder 6"/>
+          <p:cNvPicPr>
+            <a:picLocks noGrp="1" noChangeAspect="1"/>
+          </p:cNvPicPr>
           <p:nvPr>
             <p:ph type="pic" idx="1"/>
           </p:nvPr>
-        </p:nvSpPr>
+        </p:nvPicPr>
+        <p:blipFill>
+          <a:blip r:embed="rId2" cstate="print">
+            <a:extLst>
+              <a:ext uri="{28A0092B-C50C-407E-A947-70E740481C1C}">
+                <a14:useLocalDpi xmlns:a14="http://schemas.microsoft.com/office/drawing/2010/main" val="0"/>
+              </a:ext>
+            </a:extLst>
+          </a:blip>
+          <a:srcRect t="7762" b="7762"/>
+          <a:stretch>
+            <a:fillRect/>
+          </a:stretch>
+        </p:blipFill>
         <p:spPr>
           <a:xfrm>
-            <a:off x="365760" y="1915218"/>
+            <a:off x="76200" y="1822440"/>
             <a:ext cx="8778240" cy="4960144"/>
           </a:xfrm>
         </p:spPr>
-      </p:sp>
+      </p:pic>
     </p:spTree>
   </p:cSld>
   <p:clrMapOvr>
@@ -8564,12 +8704,518 @@
           <a:lstStyle/>
           <a:p>
             <a:r>
+              <a:rPr lang="en-US" sz="4000" dirty="0" smtClean="0"/>
+              <a:t>History</a:t>
+            </a:r>
+            <a:endParaRPr lang="en-US" sz="4000" dirty="0"/>
+          </a:p>
+        </p:txBody>
+      </p:sp>
+      <p:sp>
+        <p:nvSpPr>
+          <p:cNvPr id="4" name="Text Placeholder 3"/>
+          <p:cNvSpPr>
+            <a:spLocks noGrp="1"/>
+          </p:cNvSpPr>
+          <p:nvPr>
+            <p:ph type="body" sz="half" idx="2"/>
+          </p:nvPr>
+        </p:nvSpPr>
+        <p:spPr/>
+        <p:txBody>
+          <a:bodyPr>
+            <a:normAutofit/>
+          </a:bodyPr>
+          <a:lstStyle/>
+          <a:p>
+            <a:r>
+              <a:rPr lang="en-US" sz="3600" dirty="0" smtClean="0"/>
+              <a:t>			ISRO</a:t>
+            </a:r>
+            <a:endParaRPr lang="en-US" sz="3600" dirty="0"/>
+          </a:p>
+        </p:txBody>
+      </p:sp>
+      <p:sp>
+        <p:nvSpPr>
+          <p:cNvPr id="5" name="Text Placeholder 3"/>
+          <p:cNvSpPr txBox="1">
+            <a:spLocks/>
+          </p:cNvSpPr>
+          <p:nvPr/>
+        </p:nvSpPr>
+        <p:spPr>
+          <a:xfrm>
+            <a:off x="4495800" y="1843088"/>
+            <a:ext cx="4114800" cy="4405312"/>
+          </a:xfrm>
+          <a:prstGeom prst="rect">
+            <a:avLst/>
+          </a:prstGeom>
+        </p:spPr>
+        <p:txBody>
+          <a:bodyPr vert="horz">
+            <a:normAutofit/>
+          </a:bodyPr>
+          <a:lstStyle>
+            <a:lvl1pPr marL="27432" indent="0" algn="l" rtl="0" eaLnBrk="1" latinLnBrk="0" hangingPunct="1">
+              <a:spcBef>
+                <a:spcPts val="0"/>
+              </a:spcBef>
+              <a:buSzPct val="95000"/>
+              <a:buFont typeface="Wingdings"/>
+              <a:buNone/>
+              <a:defRPr sz="1400" kern="1200">
+                <a:solidFill>
+                  <a:schemeClr val="tx1"/>
+                </a:solidFill>
+                <a:latin typeface="+mn-lt"/>
+                <a:ea typeface="+mn-ea"/>
+                <a:cs typeface="Arial" pitchFamily="34" charset="0"/>
+              </a:defRPr>
+            </a:lvl1pPr>
+            <a:lvl2pPr marL="740664" indent="-285750" algn="l" rtl="0" eaLnBrk="1" latinLnBrk="0" hangingPunct="1">
+              <a:spcBef>
+                <a:spcPct val="20000"/>
+              </a:spcBef>
+              <a:buClr>
+                <a:schemeClr val="accent2"/>
+              </a:buClr>
+              <a:buSzPct val="90000"/>
+              <a:buFont typeface="Wingdings"/>
+              <a:buChar char=""/>
+              <a:defRPr sz="1200" kern="1200">
+                <a:solidFill>
+                  <a:schemeClr val="tx1"/>
+                </a:solidFill>
+                <a:latin typeface="+mn-lt"/>
+                <a:ea typeface="+mn-ea"/>
+                <a:cs typeface="Arial" pitchFamily="34" charset="0"/>
+              </a:defRPr>
+            </a:lvl2pPr>
+            <a:lvl3pPr marL="996696" indent="-228600" algn="l" rtl="0" eaLnBrk="1" latinLnBrk="0" hangingPunct="1">
+              <a:spcBef>
+                <a:spcPct val="20000"/>
+              </a:spcBef>
+              <a:buClr>
+                <a:schemeClr val="accent2"/>
+              </a:buClr>
+              <a:buFont typeface="Wingdings 2"/>
+              <a:buChar char=""/>
+              <a:defRPr sz="1000" kern="1200">
+                <a:solidFill>
+                  <a:schemeClr val="tx1"/>
+                </a:solidFill>
+                <a:latin typeface="+mn-lt"/>
+                <a:ea typeface="+mn-ea"/>
+                <a:cs typeface="Arial" pitchFamily="34" charset="0"/>
+              </a:defRPr>
+            </a:lvl3pPr>
+            <a:lvl4pPr marL="1261872" indent="-228600" algn="l" rtl="0" eaLnBrk="1" latinLnBrk="0" hangingPunct="1">
+              <a:spcBef>
+                <a:spcPct val="20000"/>
+              </a:spcBef>
+              <a:buClr>
+                <a:schemeClr val="accent3"/>
+              </a:buClr>
+              <a:buFont typeface="Wingdings 3"/>
+              <a:buChar char=""/>
+              <a:defRPr sz="900" kern="1200">
+                <a:solidFill>
+                  <a:schemeClr val="tx1"/>
+                </a:solidFill>
+                <a:latin typeface="+mn-lt"/>
+                <a:ea typeface="+mn-ea"/>
+                <a:cs typeface="Arial" pitchFamily="34" charset="0"/>
+              </a:defRPr>
+            </a:lvl4pPr>
+            <a:lvl5pPr marL="1481328" indent="-210312" algn="l" rtl="0" eaLnBrk="1" latinLnBrk="0" hangingPunct="1">
+              <a:spcBef>
+                <a:spcPct val="20000"/>
+              </a:spcBef>
+              <a:buClr>
+                <a:schemeClr val="accent3"/>
+              </a:buClr>
+              <a:buFont typeface="Wingdings 2"/>
+              <a:buChar char=""/>
+              <a:defRPr sz="900" kern="1200">
+                <a:solidFill>
+                  <a:schemeClr val="tx1"/>
+                </a:solidFill>
+                <a:latin typeface="+mn-lt"/>
+                <a:ea typeface="+mn-ea"/>
+                <a:cs typeface="Arial" pitchFamily="34" charset="0"/>
+              </a:defRPr>
+            </a:lvl5pPr>
+            <a:lvl6pPr marL="1709928" indent="-210312" algn="l" rtl="0" eaLnBrk="1" latinLnBrk="0" hangingPunct="1">
+              <a:spcBef>
+                <a:spcPct val="20000"/>
+              </a:spcBef>
+              <a:buClr>
+                <a:schemeClr val="accent3"/>
+              </a:buClr>
+              <a:buFont typeface="Wingdings 2"/>
+              <a:buChar char=""/>
+              <a:defRPr sz="1800" kern="1200">
+                <a:solidFill>
+                  <a:schemeClr val="tx1"/>
+                </a:solidFill>
+                <a:latin typeface="+mn-lt"/>
+                <a:ea typeface="+mn-ea"/>
+                <a:cs typeface="+mn-cs"/>
+              </a:defRPr>
+            </a:lvl6pPr>
+            <a:lvl7pPr marL="1901952" indent="-182880" algn="l" rtl="0" eaLnBrk="1" latinLnBrk="0" hangingPunct="1">
+              <a:spcBef>
+                <a:spcPct val="20000"/>
+              </a:spcBef>
+              <a:buClr>
+                <a:schemeClr val="accent4"/>
+              </a:buClr>
+              <a:buFont typeface="Wingdings 2"/>
+              <a:buChar char=""/>
+              <a:defRPr sz="1600" kern="1200">
+                <a:solidFill>
+                  <a:schemeClr val="tx1"/>
+                </a:solidFill>
+                <a:latin typeface="+mn-lt"/>
+                <a:ea typeface="+mn-ea"/>
+                <a:cs typeface="+mn-cs"/>
+              </a:defRPr>
+            </a:lvl7pPr>
+            <a:lvl8pPr marL="2093976" indent="-182880" algn="l" rtl="0" eaLnBrk="1" latinLnBrk="0" hangingPunct="1">
+              <a:spcBef>
+                <a:spcPct val="20000"/>
+              </a:spcBef>
+              <a:buClr>
+                <a:schemeClr val="accent4"/>
+              </a:buClr>
+              <a:buFont typeface="Wingdings 2"/>
+              <a:buChar char=""/>
+              <a:defRPr sz="1600" kern="1200">
+                <a:solidFill>
+                  <a:schemeClr val="tx1"/>
+                </a:solidFill>
+                <a:latin typeface="+mn-lt"/>
+                <a:ea typeface="+mn-ea"/>
+                <a:cs typeface="+mn-cs"/>
+              </a:defRPr>
+            </a:lvl8pPr>
+            <a:lvl9pPr marL="2286000" indent="-182880" algn="l" rtl="0" eaLnBrk="1" latinLnBrk="0" hangingPunct="1">
+              <a:spcBef>
+                <a:spcPct val="20000"/>
+              </a:spcBef>
+              <a:buClr>
+                <a:schemeClr val="accent4"/>
+              </a:buClr>
+              <a:buFont typeface="Wingdings 2"/>
+              <a:buChar char=""/>
+              <a:defRPr sz="1600" kern="1200">
+                <a:solidFill>
+                  <a:schemeClr val="tx1"/>
+                </a:solidFill>
+                <a:latin typeface="+mn-lt"/>
+                <a:ea typeface="+mn-ea"/>
+                <a:cs typeface="+mn-cs"/>
+              </a:defRPr>
+            </a:lvl9pPr>
+            <a:extLst/>
+          </a:lstStyle>
+          <a:p>
+            <a:endParaRPr lang="en-US" sz="1800" dirty="0"/>
+          </a:p>
+        </p:txBody>
+      </p:sp>
+      <p:sp>
+        <p:nvSpPr>
+          <p:cNvPr id="7" name="Text Placeholder 3"/>
+          <p:cNvSpPr txBox="1">
+            <a:spLocks/>
+          </p:cNvSpPr>
+          <p:nvPr/>
+        </p:nvSpPr>
+        <p:spPr>
+          <a:xfrm>
+            <a:off x="4800600" y="3276600"/>
+            <a:ext cx="4191000" cy="990600"/>
+          </a:xfrm>
+          <a:prstGeom prst="rect">
+            <a:avLst/>
+          </a:prstGeom>
+        </p:spPr>
+        <p:txBody>
+          <a:bodyPr vert="horz">
+            <a:normAutofit lnSpcReduction="10000"/>
+          </a:bodyPr>
+          <a:lstStyle>
+            <a:lvl1pPr marL="27432" indent="0" algn="l" rtl="0" eaLnBrk="1" latinLnBrk="0" hangingPunct="1">
+              <a:spcBef>
+                <a:spcPts val="0"/>
+              </a:spcBef>
+              <a:buSzPct val="95000"/>
+              <a:buFont typeface="Wingdings"/>
+              <a:buNone/>
+              <a:defRPr sz="1400" kern="1200">
+                <a:solidFill>
+                  <a:schemeClr val="tx1"/>
+                </a:solidFill>
+                <a:latin typeface="+mn-lt"/>
+                <a:ea typeface="+mn-ea"/>
+                <a:cs typeface="Arial" pitchFamily="34" charset="0"/>
+              </a:defRPr>
+            </a:lvl1pPr>
+            <a:lvl2pPr marL="740664" indent="-285750" algn="l" rtl="0" eaLnBrk="1" latinLnBrk="0" hangingPunct="1">
+              <a:spcBef>
+                <a:spcPct val="20000"/>
+              </a:spcBef>
+              <a:buClr>
+                <a:schemeClr val="accent2"/>
+              </a:buClr>
+              <a:buSzPct val="90000"/>
+              <a:buFont typeface="Wingdings"/>
+              <a:buChar char=""/>
+              <a:defRPr sz="1200" kern="1200">
+                <a:solidFill>
+                  <a:schemeClr val="tx1"/>
+                </a:solidFill>
+                <a:latin typeface="+mn-lt"/>
+                <a:ea typeface="+mn-ea"/>
+                <a:cs typeface="Arial" pitchFamily="34" charset="0"/>
+              </a:defRPr>
+            </a:lvl2pPr>
+            <a:lvl3pPr marL="996696" indent="-228600" algn="l" rtl="0" eaLnBrk="1" latinLnBrk="0" hangingPunct="1">
+              <a:spcBef>
+                <a:spcPct val="20000"/>
+              </a:spcBef>
+              <a:buClr>
+                <a:schemeClr val="accent2"/>
+              </a:buClr>
+              <a:buFont typeface="Wingdings 2"/>
+              <a:buChar char=""/>
+              <a:defRPr sz="1000" kern="1200">
+                <a:solidFill>
+                  <a:schemeClr val="tx1"/>
+                </a:solidFill>
+                <a:latin typeface="+mn-lt"/>
+                <a:ea typeface="+mn-ea"/>
+                <a:cs typeface="Arial" pitchFamily="34" charset="0"/>
+              </a:defRPr>
+            </a:lvl3pPr>
+            <a:lvl4pPr marL="1261872" indent="-228600" algn="l" rtl="0" eaLnBrk="1" latinLnBrk="0" hangingPunct="1">
+              <a:spcBef>
+                <a:spcPct val="20000"/>
+              </a:spcBef>
+              <a:buClr>
+                <a:schemeClr val="accent3"/>
+              </a:buClr>
+              <a:buFont typeface="Wingdings 3"/>
+              <a:buChar char=""/>
+              <a:defRPr sz="900" kern="1200">
+                <a:solidFill>
+                  <a:schemeClr val="tx1"/>
+                </a:solidFill>
+                <a:latin typeface="+mn-lt"/>
+                <a:ea typeface="+mn-ea"/>
+                <a:cs typeface="Arial" pitchFamily="34" charset="0"/>
+              </a:defRPr>
+            </a:lvl4pPr>
+            <a:lvl5pPr marL="1481328" indent="-210312" algn="l" rtl="0" eaLnBrk="1" latinLnBrk="0" hangingPunct="1">
+              <a:spcBef>
+                <a:spcPct val="20000"/>
+              </a:spcBef>
+              <a:buClr>
+                <a:schemeClr val="accent3"/>
+              </a:buClr>
+              <a:buFont typeface="Wingdings 2"/>
+              <a:buChar char=""/>
+              <a:defRPr sz="900" kern="1200">
+                <a:solidFill>
+                  <a:schemeClr val="tx1"/>
+                </a:solidFill>
+                <a:latin typeface="+mn-lt"/>
+                <a:ea typeface="+mn-ea"/>
+                <a:cs typeface="Arial" pitchFamily="34" charset="0"/>
+              </a:defRPr>
+            </a:lvl5pPr>
+            <a:lvl6pPr marL="1709928" indent="-210312" algn="l" rtl="0" eaLnBrk="1" latinLnBrk="0" hangingPunct="1">
+              <a:spcBef>
+                <a:spcPct val="20000"/>
+              </a:spcBef>
+              <a:buClr>
+                <a:schemeClr val="accent3"/>
+              </a:buClr>
+              <a:buFont typeface="Wingdings 2"/>
+              <a:buChar char=""/>
+              <a:defRPr sz="1800" kern="1200">
+                <a:solidFill>
+                  <a:schemeClr val="tx1"/>
+                </a:solidFill>
+                <a:latin typeface="+mn-lt"/>
+                <a:ea typeface="+mn-ea"/>
+                <a:cs typeface="+mn-cs"/>
+              </a:defRPr>
+            </a:lvl6pPr>
+            <a:lvl7pPr marL="1901952" indent="-182880" algn="l" rtl="0" eaLnBrk="1" latinLnBrk="0" hangingPunct="1">
+              <a:spcBef>
+                <a:spcPct val="20000"/>
+              </a:spcBef>
+              <a:buClr>
+                <a:schemeClr val="accent4"/>
+              </a:buClr>
+              <a:buFont typeface="Wingdings 2"/>
+              <a:buChar char=""/>
+              <a:defRPr sz="1600" kern="1200">
+                <a:solidFill>
+                  <a:schemeClr val="tx1"/>
+                </a:solidFill>
+                <a:latin typeface="+mn-lt"/>
+                <a:ea typeface="+mn-ea"/>
+                <a:cs typeface="+mn-cs"/>
+              </a:defRPr>
+            </a:lvl7pPr>
+            <a:lvl8pPr marL="2093976" indent="-182880" algn="l" rtl="0" eaLnBrk="1" latinLnBrk="0" hangingPunct="1">
+              <a:spcBef>
+                <a:spcPct val="20000"/>
+              </a:spcBef>
+              <a:buClr>
+                <a:schemeClr val="accent4"/>
+              </a:buClr>
+              <a:buFont typeface="Wingdings 2"/>
+              <a:buChar char=""/>
+              <a:defRPr sz="1600" kern="1200">
+                <a:solidFill>
+                  <a:schemeClr val="tx1"/>
+                </a:solidFill>
+                <a:latin typeface="+mn-lt"/>
+                <a:ea typeface="+mn-ea"/>
+                <a:cs typeface="+mn-cs"/>
+              </a:defRPr>
+            </a:lvl8pPr>
+            <a:lvl9pPr marL="2286000" indent="-182880" algn="l" rtl="0" eaLnBrk="1" latinLnBrk="0" hangingPunct="1">
+              <a:spcBef>
+                <a:spcPct val="20000"/>
+              </a:spcBef>
+              <a:buClr>
+                <a:schemeClr val="accent4"/>
+              </a:buClr>
+              <a:buFont typeface="Wingdings 2"/>
+              <a:buChar char=""/>
+              <a:defRPr sz="1600" kern="1200">
+                <a:solidFill>
+                  <a:schemeClr val="tx1"/>
+                </a:solidFill>
+                <a:latin typeface="+mn-lt"/>
+                <a:ea typeface="+mn-ea"/>
+                <a:cs typeface="+mn-cs"/>
+              </a:defRPr>
+            </a:lvl9pPr>
+            <a:extLst/>
+          </a:lstStyle>
+          <a:p>
+            <a:r>
+              <a:rPr lang="en-US" sz="3200" dirty="0" smtClean="0"/>
+              <a:t>Dr. </a:t>
+            </a:r>
+            <a:r>
+              <a:rPr lang="en-US" sz="3200" dirty="0" err="1" smtClean="0"/>
+              <a:t>Vikram</a:t>
+            </a:r>
+            <a:r>
+              <a:rPr lang="en-US" sz="3200" dirty="0" smtClean="0"/>
+              <a:t> Sarabhai</a:t>
+            </a:r>
+          </a:p>
+          <a:p>
+            <a:r>
+              <a:rPr lang="en-US" sz="3200" dirty="0" smtClean="0"/>
+              <a:t>1960</a:t>
+            </a:r>
+            <a:endParaRPr lang="en-US" sz="3200" dirty="0"/>
+          </a:p>
+        </p:txBody>
+      </p:sp>
+      <p:pic>
+        <p:nvPicPr>
+          <p:cNvPr id="8" name="Picture 7"/>
+          <p:cNvPicPr>
+            <a:picLocks noChangeAspect="1"/>
+          </p:cNvPicPr>
+          <p:nvPr/>
+        </p:nvPicPr>
+        <p:blipFill>
+          <a:blip r:embed="rId2" cstate="print">
+            <a:extLst>
+              <a:ext uri="{28A0092B-C50C-407E-A947-70E740481C1C}">
+                <a14:useLocalDpi xmlns:a14="http://schemas.microsoft.com/office/drawing/2010/main" val="0"/>
+              </a:ext>
+            </a:extLst>
+          </a:blip>
+          <a:stretch>
+            <a:fillRect/>
+          </a:stretch>
+        </p:blipFill>
+        <p:spPr>
+          <a:xfrm>
+            <a:off x="457200" y="1981200"/>
+            <a:ext cx="3886200" cy="3962400"/>
+          </a:xfrm>
+          <a:prstGeom prst="rect">
+            <a:avLst/>
+          </a:prstGeom>
+        </p:spPr>
+      </p:pic>
+    </p:spTree>
+    <p:extLst>
+      <p:ext uri="{BB962C8B-B14F-4D97-AF65-F5344CB8AC3E}">
+        <p14:creationId xmlns:p14="http://schemas.microsoft.com/office/powerpoint/2010/main" val="1695743895"/>
+      </p:ext>
+    </p:extLst>
+  </p:cSld>
+  <p:clrMapOvr>
+    <a:masterClrMapping/>
+  </p:clrMapOvr>
+</p:sld>
+</file>
+
+<file path=ppt/slides/slide4.xml><?xml version="1.0" encoding="utf-8"?>
+<p:sld xmlns:a="http://schemas.openxmlformats.org/drawingml/2006/main" xmlns:r="http://schemas.openxmlformats.org/officeDocument/2006/relationships" xmlns:p="http://schemas.openxmlformats.org/presentationml/2006/main">
+  <p:cSld>
+    <p:spTree>
+      <p:nvGrpSpPr>
+        <p:cNvPr id="1" name=""/>
+        <p:cNvGrpSpPr/>
+        <p:nvPr/>
+      </p:nvGrpSpPr>
+      <p:grpSpPr>
+        <a:xfrm>
+          <a:off x="0" y="0"/>
+          <a:ext cx="0" cy="0"/>
+          <a:chOff x="0" y="0"/>
+          <a:chExt cx="0" cy="0"/>
+        </a:xfrm>
+      </p:grpSpPr>
+      <p:sp>
+        <p:nvSpPr>
+          <p:cNvPr id="2" name="Title 1"/>
+          <p:cNvSpPr>
+            <a:spLocks noGrp="1"/>
+          </p:cNvSpPr>
+          <p:nvPr>
+            <p:ph type="title"/>
+          </p:nvPr>
+        </p:nvSpPr>
+        <p:spPr/>
+        <p:txBody>
+          <a:bodyPr/>
+          <a:lstStyle/>
+          <a:p>
+            <a:r>
               <a:rPr lang="en-US" sz="4000" dirty="0" smtClean="0">
                 <a:solidFill>
                   <a:schemeClr val="tx1"/>
                 </a:solidFill>
               </a:rPr>
-              <a:t>Research</a:t>
+              <a:t>Facts about MOM</a:t>
             </a:r>
             <a:endParaRPr lang="en-US" sz="4000" dirty="0">
               <a:solidFill>
@@ -8601,11 +9247,19 @@
           <a:p>
             <a:r>
               <a:rPr lang="en-US" dirty="0" smtClean="0"/>
-              <a:t> </a:t>
+              <a:t>There are some of the real </a:t>
+            </a:r>
+            <a:r>
+              <a:rPr lang="en-US" dirty="0" err="1" smtClean="0"/>
+              <a:t>criticle</a:t>
+            </a:r>
+            <a:r>
+              <a:rPr lang="en-US" dirty="0" smtClean="0"/>
+              <a:t> issues with the MOM</a:t>
             </a:r>
             <a:r>
               <a:rPr lang="en-US" sz="1900" dirty="0" smtClean="0"/>
-              <a:t>Summarize your research here in three to five bullet points:</a:t>
+              <a:t>:</a:t>
             </a:r>
             <a:endParaRPr lang="en-US" dirty="0" smtClean="0"/>
           </a:p>
@@ -8616,19 +9270,16 @@
             </a:pPr>
             <a:r>
               <a:rPr lang="en-US" sz="1900" dirty="0" smtClean="0"/>
-              <a:t>1</a:t>
+              <a:t>Min distance - 54.6 million </a:t>
             </a:r>
             <a:r>
-              <a:rPr lang="en-US" sz="1900" baseline="30000" dirty="0" smtClean="0"/>
-              <a:t>st</a:t>
+              <a:rPr lang="en-US" sz="1900" dirty="0" err="1" smtClean="0"/>
+              <a:t>kms</a:t>
             </a:r>
-            <a:r>
-              <a:rPr lang="en-US" sz="1900" dirty="0" smtClean="0"/>
-              <a:t> bullet point</a:t>
-            </a:r>
-          </a:p>
-          <a:p>
-            <a:pPr lvl="1"/>
+            <a:endParaRPr lang="en-US" sz="1900" dirty="0" smtClean="0"/>
+          </a:p>
+          <a:p>
+            <a:pPr marL="454914" lvl="1" indent="0"/>
             <a:endParaRPr lang="en-US" sz="800" dirty="0" smtClean="0"/>
           </a:p>
           <a:p>
@@ -8638,41 +9289,13 @@
             </a:pPr>
             <a:r>
               <a:rPr lang="en-US" sz="1900" dirty="0" smtClean="0"/>
-              <a:t>2</a:t>
+              <a:t>Max distance – 401 million </a:t>
             </a:r>
             <a:r>
-              <a:rPr lang="en-US" sz="1900" baseline="30000" dirty="0" smtClean="0"/>
-              <a:t>nd</a:t>
+              <a:rPr lang="en-US" sz="1900" dirty="0" err="1" smtClean="0"/>
+              <a:t>kms</a:t>
             </a:r>
-            <a:r>
-              <a:rPr lang="en-US" sz="1900" dirty="0" smtClean="0"/>
-              <a:t> bullet point</a:t>
-            </a:r>
-          </a:p>
-          <a:p>
-            <a:pPr lvl="1">
-              <a:buFontTx/>
-              <a:buChar char="•"/>
-            </a:pPr>
-            <a:endParaRPr lang="en-US" sz="800" dirty="0" smtClean="0"/>
-          </a:p>
-          <a:p>
-            <a:pPr lvl="1">
-              <a:buFontTx/>
-              <a:buChar char="•"/>
-            </a:pPr>
-            <a:r>
-              <a:rPr lang="en-US" sz="1900" dirty="0" smtClean="0"/>
-              <a:t>3</a:t>
-            </a:r>
-            <a:r>
-              <a:rPr lang="en-US" sz="1900" baseline="30000" dirty="0" smtClean="0"/>
-              <a:t>rd</a:t>
-            </a:r>
-            <a:r>
-              <a:rPr lang="en-US" sz="1900" dirty="0" smtClean="0"/>
-              <a:t> bullet point</a:t>
-            </a:r>
+            <a:endParaRPr lang="en-US" sz="1900" dirty="0" smtClean="0"/>
           </a:p>
           <a:p>
             <a:pPr lvl="1">
@@ -8748,10 +9371,17 @@
   <p:clrMapOvr>
     <a:masterClrMapping/>
   </p:clrMapOvr>
+  <p:timing>
+    <p:tnLst>
+      <p:par>
+        <p:cTn id="1" dur="indefinite" restart="never" nodeType="tmRoot"/>
+      </p:par>
+    </p:tnLst>
+  </p:timing>
 </p:sld>
 </file>
 
-<file path=ppt/slides/slide4.xml><?xml version="1.0" encoding="utf-8"?>
+<file path=ppt/slides/slide5.xml><?xml version="1.0" encoding="utf-8"?>
 <p:sld xmlns:a="http://schemas.openxmlformats.org/drawingml/2006/main" xmlns:r="http://schemas.openxmlformats.org/officeDocument/2006/relationships" xmlns:p="http://schemas.openxmlformats.org/presentationml/2006/main">
   <p:cSld>
     <p:spTree>
@@ -10502,7 +11132,7 @@
 </p:sld>
 </file>
 
-<file path=ppt/slides/slide5.xml><?xml version="1.0" encoding="utf-8"?>
+<file path=ppt/slides/slide6.xml><?xml version="1.0" encoding="utf-8"?>
 <p:sld xmlns:a="http://schemas.openxmlformats.org/drawingml/2006/main" xmlns:r="http://schemas.openxmlformats.org/officeDocument/2006/relationships" xmlns:p="http://schemas.openxmlformats.org/presentationml/2006/main">
   <p:cSld>
     <p:spTree>
@@ -11201,153 +11831,6 @@
 </file>
 
 <file path=customXml/item1.xml><?xml version="1.0" encoding="utf-8"?>
-<p:properties xmlns:p="http://schemas.microsoft.com/office/2006/metadata/properties" xmlns:xsi="http://www.w3.org/2001/XMLSchema-instance" xmlns:pc="http://schemas.microsoft.com/office/infopath/2007/PartnerControls">
-  <documentManagement>
-    <MarketSpecific xmlns="4873beb7-5857-4685-be1f-d57550cc96cc" xsi:nil="true"/>
-    <ApprovalStatus xmlns="4873beb7-5857-4685-be1f-d57550cc96cc">InProgress</ApprovalStatus>
-    <DirectSourceMarket xmlns="4873beb7-5857-4685-be1f-d57550cc96cc" xsi:nil="true"/>
-    <PrimaryImageGen xmlns="4873beb7-5857-4685-be1f-d57550cc96cc">true</PrimaryImageGen>
-    <ThumbnailAssetId xmlns="4873beb7-5857-4685-be1f-d57550cc96cc" xsi:nil="true"/>
-    <TPFriendlyName xmlns="4873beb7-5857-4685-be1f-d57550cc96cc">School presentation</TPFriendlyName>
-    <NumericId xmlns="4873beb7-5857-4685-be1f-d57550cc96cc">-1</NumericId>
-    <BusinessGroup xmlns="4873beb7-5857-4685-be1f-d57550cc96cc" xsi:nil="true"/>
-    <SourceTitle xmlns="4873beb7-5857-4685-be1f-d57550cc96cc">School presentation</SourceTitle>
-    <APEditor xmlns="4873beb7-5857-4685-be1f-d57550cc96cc">
-      <UserInfo>
-        <DisplayName>REDMOND\v-luannv</DisplayName>
-        <AccountId>92</AccountId>
-        <AccountType/>
-      </UserInfo>
-    </APEditor>
-    <OpenTemplate xmlns="4873beb7-5857-4685-be1f-d57550cc96cc">true</OpenTemplate>
-    <UALocComments xmlns="4873beb7-5857-4685-be1f-d57550cc96cc" xsi:nil="true"/>
-    <ParentAssetId xmlns="4873beb7-5857-4685-be1f-d57550cc96cc" xsi:nil="true"/>
-    <IntlLangReviewDate xmlns="4873beb7-5857-4685-be1f-d57550cc96cc" xsi:nil="true"/>
-    <PublishStatusLookup xmlns="4873beb7-5857-4685-be1f-d57550cc96cc">
-      <Value>267205</Value>
-      <Value>1299831</Value>
-    </PublishStatusLookup>
-    <MachineTranslated xmlns="4873beb7-5857-4685-be1f-d57550cc96cc">false</MachineTranslated>
-    <OriginalSourceMarket xmlns="4873beb7-5857-4685-be1f-d57550cc96cc" xsi:nil="true"/>
-    <TPInstallLocation xmlns="4873beb7-5857-4685-be1f-d57550cc96cc">{My Templates}</TPInstallLocation>
-    <APDescription xmlns="4873beb7-5857-4685-be1f-d57550cc96cc" xsi:nil="true"/>
-    <ContentItem xmlns="4873beb7-5857-4685-be1f-d57550cc96cc" xsi:nil="true"/>
-    <ClipArtFilename xmlns="4873beb7-5857-4685-be1f-d57550cc96cc" xsi:nil="true"/>
-    <PublishTargets xmlns="4873beb7-5857-4685-be1f-d57550cc96cc">OfficeOnline</PublishTargets>
-    <TimesCloned xmlns="4873beb7-5857-4685-be1f-d57550cc96cc" xsi:nil="true"/>
-    <AcquiredFrom xmlns="4873beb7-5857-4685-be1f-d57550cc96cc" xsi:nil="true"/>
-    <AssetStart xmlns="4873beb7-5857-4685-be1f-d57550cc96cc">2009-05-30T20:57:38+00:00</AssetStart>
-    <Provider xmlns="4873beb7-5857-4685-be1f-d57550cc96cc">EY006220130</Provider>
-    <LastHandOff xmlns="4873beb7-5857-4685-be1f-d57550cc96cc" xsi:nil="true"/>
-    <TPClientViewer xmlns="4873beb7-5857-4685-be1f-d57550cc96cc">Microsoft Office PowerPoint</TPClientViewer>
-    <IsDeleted xmlns="4873beb7-5857-4685-be1f-d57550cc96cc">false</IsDeleted>
-    <TemplateStatus xmlns="4873beb7-5857-4685-be1f-d57550cc96cc">Complete</TemplateStatus>
-    <SubmitterId xmlns="4873beb7-5857-4685-be1f-d57550cc96cc" xsi:nil="true"/>
-    <TPExecutable xmlns="4873beb7-5857-4685-be1f-d57550cc96cc" xsi:nil="true"/>
-    <AssetType xmlns="4873beb7-5857-4685-be1f-d57550cc96cc">TP</AssetType>
-    <CSXSubmissionDate xmlns="4873beb7-5857-4685-be1f-d57550cc96cc" xsi:nil="true"/>
-    <CSXUpdate xmlns="4873beb7-5857-4685-be1f-d57550cc96cc">false</CSXUpdate>
-    <ApprovalLog xmlns="4873beb7-5857-4685-be1f-d57550cc96cc" xsi:nil="true"/>
-    <BugNumber xmlns="4873beb7-5857-4685-be1f-d57550cc96cc">236</BugNumber>
-    <Milestone xmlns="4873beb7-5857-4685-be1f-d57550cc96cc" xsi:nil="true"/>
-    <OriginAsset xmlns="4873beb7-5857-4685-be1f-d57550cc96cc" xsi:nil="true"/>
-    <TPComponent xmlns="4873beb7-5857-4685-be1f-d57550cc96cc">PPTFiles</TPComponent>
-    <AssetId xmlns="4873beb7-5857-4685-be1f-d57550cc96cc">TP010290551</AssetId>
-    <TPLaunchHelpLink xmlns="4873beb7-5857-4685-be1f-d57550cc96cc" xsi:nil="true"/>
-    <TPApplication xmlns="4873beb7-5857-4685-be1f-d57550cc96cc">PowerPoint</TPApplication>
-    <IntlLocPriority xmlns="4873beb7-5857-4685-be1f-d57550cc96cc" xsi:nil="true"/>
-    <IntlLangReviewer xmlns="4873beb7-5857-4685-be1f-d57550cc96cc" xsi:nil="true"/>
-    <HandoffToMSDN xmlns="4873beb7-5857-4685-be1f-d57550cc96cc" xsi:nil="true"/>
-    <PlannedPubDate xmlns="4873beb7-5857-4685-be1f-d57550cc96cc" xsi:nil="true"/>
-    <CrawlForDependencies xmlns="4873beb7-5857-4685-be1f-d57550cc96cc">false</CrawlForDependencies>
-    <TrustLevel xmlns="4873beb7-5857-4685-be1f-d57550cc96cc">1 Microsoft Managed Content</TrustLevel>
-    <IsSearchable xmlns="4873beb7-5857-4685-be1f-d57550cc96cc">false</IsSearchable>
-    <TPNamespace xmlns="4873beb7-5857-4685-be1f-d57550cc96cc">POWERPNT</TPNamespace>
-    <Markets xmlns="4873beb7-5857-4685-be1f-d57550cc96cc"/>
-    <IntlLangReview xmlns="4873beb7-5857-4685-be1f-d57550cc96cc" xsi:nil="true"/>
-    <UAProjectedTotalWords xmlns="4873beb7-5857-4685-be1f-d57550cc96cc" xsi:nil="true"/>
-    <OutputCachingOn xmlns="4873beb7-5857-4685-be1f-d57550cc96cc">false</OutputCachingOn>
-    <AverageRating xmlns="4873beb7-5857-4685-be1f-d57550cc96cc" xsi:nil="true"/>
-    <TPCommandLine xmlns="4873beb7-5857-4685-be1f-d57550cc96cc">{PP} /n {FilePath}</TPCommandLine>
-    <TPAppVersion xmlns="4873beb7-5857-4685-be1f-d57550cc96cc">12</TPAppVersion>
-    <APAuthor xmlns="4873beb7-5857-4685-be1f-d57550cc96cc">
-      <UserInfo>
-        <DisplayName>REDMOND\cynvey</DisplayName>
-        <AccountId>191</AccountId>
-        <AccountType/>
-      </UserInfo>
-    </APAuthor>
-    <EditorialStatus xmlns="4873beb7-5857-4685-be1f-d57550cc96cc" xsi:nil="true"/>
-    <TPLaunchHelpLinkType xmlns="4873beb7-5857-4685-be1f-d57550cc96cc">Template</TPLaunchHelpLinkType>
-    <LastModifiedDateTime xmlns="4873beb7-5857-4685-be1f-d57550cc96cc" xsi:nil="true"/>
-    <UACurrentWords xmlns="4873beb7-5857-4685-be1f-d57550cc96cc">0</UACurrentWords>
-    <UALocRecommendation xmlns="4873beb7-5857-4685-be1f-d57550cc96cc">Localize</UALocRecommendation>
-    <ArtSampleDocs xmlns="4873beb7-5857-4685-be1f-d57550cc96cc" xsi:nil="true"/>
-    <UANotes xmlns="4873beb7-5857-4685-be1f-d57550cc96cc" xsi:nil="true"/>
-    <ShowIn xmlns="4873beb7-5857-4685-be1f-d57550cc96cc" xsi:nil="true"/>
-    <CSXHash xmlns="4873beb7-5857-4685-be1f-d57550cc96cc" xsi:nil="true"/>
-    <VoteCount xmlns="4873beb7-5857-4685-be1f-d57550cc96cc" xsi:nil="true"/>
-    <AssetExpire xmlns="4873beb7-5857-4685-be1f-d57550cc96cc">2100-01-01T00:00:00+00:00</AssetExpire>
-    <CSXSubmissionMarket xmlns="4873beb7-5857-4685-be1f-d57550cc96cc" xsi:nil="true"/>
-    <DSATActionTaken xmlns="4873beb7-5857-4685-be1f-d57550cc96cc" xsi:nil="true"/>
-    <LastPublishResultLookup xmlns="4873beb7-5857-4685-be1f-d57550cc96cc" xsi:nil="true"/>
-    <PolicheckWords xmlns="4873beb7-5857-4685-be1f-d57550cc96cc" xsi:nil="true"/>
-    <FriendlyTitle xmlns="4873beb7-5857-4685-be1f-d57550cc96cc" xsi:nil="true"/>
-    <Manager xmlns="4873beb7-5857-4685-be1f-d57550cc96cc" xsi:nil="true"/>
-    <EditorialTags xmlns="4873beb7-5857-4685-be1f-d57550cc96cc" xsi:nil="true"/>
-    <LegacyData xmlns="4873beb7-5857-4685-be1f-d57550cc96cc" xsi:nil="true"/>
-    <Downloads xmlns="4873beb7-5857-4685-be1f-d57550cc96cc">0</Downloads>
-    <Providers xmlns="4873beb7-5857-4685-be1f-d57550cc96cc" xsi:nil="true"/>
-    <TemplateTemplateType xmlns="4873beb7-5857-4685-be1f-d57550cc96cc">PowerPoint 12 Default</TemplateTemplateType>
-    <OOCacheId xmlns="4873beb7-5857-4685-be1f-d57550cc96cc" xsi:nil="true"/>
-    <BlockPublish xmlns="4873beb7-5857-4685-be1f-d57550cc96cc" xsi:nil="true"/>
-    <CampaignTagsTaxHTField0 xmlns="4873beb7-5857-4685-be1f-d57550cc96cc">
-      <Terms xmlns="http://schemas.microsoft.com/office/infopath/2007/PartnerControls"/>
-    </CampaignTagsTaxHTField0>
-    <LocLastLocAttemptVersionLookup xmlns="4873beb7-5857-4685-be1f-d57550cc96cc">116328</LocLastLocAttemptVersionLookup>
-    <LocLastLocAttemptVersionTypeLookup xmlns="4873beb7-5857-4685-be1f-d57550cc96cc" xsi:nil="true"/>
-    <LocOverallPreviewStatusLookup xmlns="4873beb7-5857-4685-be1f-d57550cc96cc" xsi:nil="true"/>
-    <LocOverallPublishStatusLookup xmlns="4873beb7-5857-4685-be1f-d57550cc96cc" xsi:nil="true"/>
-    <TaxCatchAll xmlns="4873beb7-5857-4685-be1f-d57550cc96cc"/>
-    <LocNewPublishedVersionLookup xmlns="4873beb7-5857-4685-be1f-d57550cc96cc" xsi:nil="true"/>
-    <LocPublishedDependentAssetsLookup xmlns="4873beb7-5857-4685-be1f-d57550cc96cc" xsi:nil="true"/>
-    <LocComments xmlns="4873beb7-5857-4685-be1f-d57550cc96cc" xsi:nil="true"/>
-    <LocProcessedForMarketsLookup xmlns="4873beb7-5857-4685-be1f-d57550cc96cc" xsi:nil="true"/>
-    <LocRecommendedHandoff xmlns="4873beb7-5857-4685-be1f-d57550cc96cc" xsi:nil="true"/>
-    <LocManualTestRequired xmlns="4873beb7-5857-4685-be1f-d57550cc96cc" xsi:nil="true"/>
-    <LocProcessedForHandoffsLookup xmlns="4873beb7-5857-4685-be1f-d57550cc96cc" xsi:nil="true"/>
-    <LocOverallHandbackStatusLookup xmlns="4873beb7-5857-4685-be1f-d57550cc96cc" xsi:nil="true"/>
-    <LocalizationTagsTaxHTField0 xmlns="4873beb7-5857-4685-be1f-d57550cc96cc">
-      <Terms xmlns="http://schemas.microsoft.com/office/infopath/2007/PartnerControls"/>
-    </LocalizationTagsTaxHTField0>
-    <FeatureTagsTaxHTField0 xmlns="4873beb7-5857-4685-be1f-d57550cc96cc">
-      <Terms xmlns="http://schemas.microsoft.com/office/infopath/2007/PartnerControls"/>
-    </FeatureTagsTaxHTField0>
-    <LocOverallLocStatusLookup xmlns="4873beb7-5857-4685-be1f-d57550cc96cc" xsi:nil="true"/>
-    <LocPublishedLinkedAssetsLookup xmlns="4873beb7-5857-4685-be1f-d57550cc96cc" xsi:nil="true"/>
-    <InternalTagsTaxHTField0 xmlns="4873beb7-5857-4685-be1f-d57550cc96cc">
-      <Terms xmlns="http://schemas.microsoft.com/office/infopath/2007/PartnerControls"/>
-    </InternalTagsTaxHTField0>
-    <RecommendationsModifier xmlns="4873beb7-5857-4685-be1f-d57550cc96cc" xsi:nil="true"/>
-    <ScenarioTagsTaxHTField0 xmlns="4873beb7-5857-4685-be1f-d57550cc96cc">
-      <Terms xmlns="http://schemas.microsoft.com/office/infopath/2007/PartnerControls"/>
-    </ScenarioTagsTaxHTField0>
-    <OriginalRelease xmlns="4873beb7-5857-4685-be1f-d57550cc96cc">14</OriginalRelease>
-    <LocMarketGroupTiers2 xmlns="4873beb7-5857-4685-be1f-d57550cc96cc" xsi:nil="true"/>
-  </documentManagement>
-</p:properties>
-</file>
-
-<file path=customXml/item2.xml><?xml version="1.0" encoding="utf-8"?>
-<?mso-contentType ?>
-<FormTemplates xmlns="http://schemas.microsoft.com/sharepoint/v3/contenttype/forms">
-  <Display>DocumentLibraryForm</Display>
-  <Edit>AssetEditForm</Edit>
-  <New>DocumentLibraryForm</New>
-</FormTemplates>
-</file>
-
-<file path=customXml/item3.xml><?xml version="1.0" encoding="utf-8"?>
 <ct:contentTypeSchema xmlns:ct="http://schemas.microsoft.com/office/2006/metadata/contentType" xmlns:ma="http://schemas.microsoft.com/office/2006/metadata/properties/metaAttributes" ct:_="" ma:_="" ma:contentTypeName="TemplateFile" ma:contentTypeID="0x0101006EDDDB5EE6D98C44930B742096920B300400F5B6D36B3EF94B4E9A635CDF2A18F5B8" ma:contentTypeVersion="72" ma:contentTypeDescription="Create a new document." ma:contentTypeScope="" ma:versionID="a23e56308344d904b51738559c3d67c9">
   <xsd:schema xmlns:xsd="http://www.w3.org/2001/XMLSchema" xmlns:xs="http://www.w3.org/2001/XMLSchema" xmlns:p="http://schemas.microsoft.com/office/2006/metadata/properties" xmlns:ns2="4873beb7-5857-4685-be1f-d57550cc96cc" targetNamespace="http://schemas.microsoft.com/office/2006/metadata/properties" ma:root="true" ma:fieldsID="cd0908cc4600e77bf5da051303e00c8d" ns2:_="">
     <xsd:import namespace="4873beb7-5857-4685-be1f-d57550cc96cc"/>
@@ -12387,31 +12870,154 @@
 </ct:contentTypeSchema>
 </file>
 
-<file path=customXml/itemProps1.xml><?xml version="1.0" encoding="utf-8"?>
-<ds:datastoreItem xmlns:ds="http://schemas.openxmlformats.org/officeDocument/2006/customXml" ds:itemID="{455BBB07-81B5-4230-80E8-17D88D7B5A44}">
-  <ds:schemaRefs>
-    <ds:schemaRef ds:uri="4873beb7-5857-4685-be1f-d57550cc96cc"/>
-    <ds:schemaRef ds:uri="http://purl.org/dc/terms/"/>
-    <ds:schemaRef ds:uri="http://purl.org/dc/elements/1.1/"/>
-    <ds:schemaRef ds:uri="http://www.w3.org/XML/1998/namespace"/>
-    <ds:schemaRef ds:uri="http://schemas.openxmlformats.org/package/2006/metadata/core-properties"/>
-    <ds:schemaRef ds:uri="http://schemas.microsoft.com/office/2006/documentManagement/types"/>
-    <ds:schemaRef ds:uri="http://schemas.microsoft.com/office/infopath/2007/PartnerControls"/>
-    <ds:schemaRef ds:uri="http://schemas.microsoft.com/office/2006/metadata/properties"/>
-    <ds:schemaRef ds:uri="http://purl.org/dc/dcmitype/"/>
-  </ds:schemaRefs>
-</ds:datastoreItem>
+<file path=customXml/item2.xml><?xml version="1.0" encoding="utf-8"?>
+<?mso-contentType ?>
+<FormTemplates xmlns="http://schemas.microsoft.com/sharepoint/v3/contenttype/forms">
+  <Display>DocumentLibraryForm</Display>
+  <Edit>AssetEditForm</Edit>
+  <New>DocumentLibraryForm</New>
+</FormTemplates>
 </file>
 
-<file path=customXml/itemProps2.xml><?xml version="1.0" encoding="utf-8"?>
-<ds:datastoreItem xmlns:ds="http://schemas.openxmlformats.org/officeDocument/2006/customXml" ds:itemID="{153D0EEB-48D4-4D47-B029-07D95F2CF443}">
-  <ds:schemaRefs>
-    <ds:schemaRef ds:uri="http://schemas.microsoft.com/sharepoint/v3/contenttype/forms"/>
-  </ds:schemaRefs>
-</ds:datastoreItem>
+<file path=customXml/item3.xml><?xml version="1.0" encoding="utf-8"?>
+<p:properties xmlns:p="http://schemas.microsoft.com/office/2006/metadata/properties" xmlns:xsi="http://www.w3.org/2001/XMLSchema-instance" xmlns:pc="http://schemas.microsoft.com/office/infopath/2007/PartnerControls">
+  <documentManagement>
+    <MarketSpecific xmlns="4873beb7-5857-4685-be1f-d57550cc96cc" xsi:nil="true"/>
+    <ApprovalStatus xmlns="4873beb7-5857-4685-be1f-d57550cc96cc">InProgress</ApprovalStatus>
+    <DirectSourceMarket xmlns="4873beb7-5857-4685-be1f-d57550cc96cc" xsi:nil="true"/>
+    <PrimaryImageGen xmlns="4873beb7-5857-4685-be1f-d57550cc96cc">true</PrimaryImageGen>
+    <ThumbnailAssetId xmlns="4873beb7-5857-4685-be1f-d57550cc96cc" xsi:nil="true"/>
+    <TPFriendlyName xmlns="4873beb7-5857-4685-be1f-d57550cc96cc">School presentation</TPFriendlyName>
+    <NumericId xmlns="4873beb7-5857-4685-be1f-d57550cc96cc">-1</NumericId>
+    <BusinessGroup xmlns="4873beb7-5857-4685-be1f-d57550cc96cc" xsi:nil="true"/>
+    <SourceTitle xmlns="4873beb7-5857-4685-be1f-d57550cc96cc">School presentation</SourceTitle>
+    <APEditor xmlns="4873beb7-5857-4685-be1f-d57550cc96cc">
+      <UserInfo>
+        <DisplayName>REDMOND\v-luannv</DisplayName>
+        <AccountId>92</AccountId>
+        <AccountType/>
+      </UserInfo>
+    </APEditor>
+    <OpenTemplate xmlns="4873beb7-5857-4685-be1f-d57550cc96cc">true</OpenTemplate>
+    <UALocComments xmlns="4873beb7-5857-4685-be1f-d57550cc96cc" xsi:nil="true"/>
+    <ParentAssetId xmlns="4873beb7-5857-4685-be1f-d57550cc96cc" xsi:nil="true"/>
+    <IntlLangReviewDate xmlns="4873beb7-5857-4685-be1f-d57550cc96cc" xsi:nil="true"/>
+    <PublishStatusLookup xmlns="4873beb7-5857-4685-be1f-d57550cc96cc">
+      <Value>267205</Value>
+      <Value>1299831</Value>
+    </PublishStatusLookup>
+    <MachineTranslated xmlns="4873beb7-5857-4685-be1f-d57550cc96cc">false</MachineTranslated>
+    <OriginalSourceMarket xmlns="4873beb7-5857-4685-be1f-d57550cc96cc" xsi:nil="true"/>
+    <TPInstallLocation xmlns="4873beb7-5857-4685-be1f-d57550cc96cc">{My Templates}</TPInstallLocation>
+    <APDescription xmlns="4873beb7-5857-4685-be1f-d57550cc96cc" xsi:nil="true"/>
+    <ContentItem xmlns="4873beb7-5857-4685-be1f-d57550cc96cc" xsi:nil="true"/>
+    <ClipArtFilename xmlns="4873beb7-5857-4685-be1f-d57550cc96cc" xsi:nil="true"/>
+    <PublishTargets xmlns="4873beb7-5857-4685-be1f-d57550cc96cc">OfficeOnline</PublishTargets>
+    <TimesCloned xmlns="4873beb7-5857-4685-be1f-d57550cc96cc" xsi:nil="true"/>
+    <AcquiredFrom xmlns="4873beb7-5857-4685-be1f-d57550cc96cc" xsi:nil="true"/>
+    <AssetStart xmlns="4873beb7-5857-4685-be1f-d57550cc96cc">2009-05-30T20:57:38+00:00</AssetStart>
+    <Provider xmlns="4873beb7-5857-4685-be1f-d57550cc96cc">EY006220130</Provider>
+    <LastHandOff xmlns="4873beb7-5857-4685-be1f-d57550cc96cc" xsi:nil="true"/>
+    <TPClientViewer xmlns="4873beb7-5857-4685-be1f-d57550cc96cc">Microsoft Office PowerPoint</TPClientViewer>
+    <IsDeleted xmlns="4873beb7-5857-4685-be1f-d57550cc96cc">false</IsDeleted>
+    <TemplateStatus xmlns="4873beb7-5857-4685-be1f-d57550cc96cc">Complete</TemplateStatus>
+    <SubmitterId xmlns="4873beb7-5857-4685-be1f-d57550cc96cc" xsi:nil="true"/>
+    <TPExecutable xmlns="4873beb7-5857-4685-be1f-d57550cc96cc" xsi:nil="true"/>
+    <AssetType xmlns="4873beb7-5857-4685-be1f-d57550cc96cc">TP</AssetType>
+    <CSXSubmissionDate xmlns="4873beb7-5857-4685-be1f-d57550cc96cc" xsi:nil="true"/>
+    <CSXUpdate xmlns="4873beb7-5857-4685-be1f-d57550cc96cc">false</CSXUpdate>
+    <ApprovalLog xmlns="4873beb7-5857-4685-be1f-d57550cc96cc" xsi:nil="true"/>
+    <BugNumber xmlns="4873beb7-5857-4685-be1f-d57550cc96cc">236</BugNumber>
+    <Milestone xmlns="4873beb7-5857-4685-be1f-d57550cc96cc" xsi:nil="true"/>
+    <OriginAsset xmlns="4873beb7-5857-4685-be1f-d57550cc96cc" xsi:nil="true"/>
+    <TPComponent xmlns="4873beb7-5857-4685-be1f-d57550cc96cc">PPTFiles</TPComponent>
+    <AssetId xmlns="4873beb7-5857-4685-be1f-d57550cc96cc">TP010290551</AssetId>
+    <TPLaunchHelpLink xmlns="4873beb7-5857-4685-be1f-d57550cc96cc" xsi:nil="true"/>
+    <TPApplication xmlns="4873beb7-5857-4685-be1f-d57550cc96cc">PowerPoint</TPApplication>
+    <IntlLocPriority xmlns="4873beb7-5857-4685-be1f-d57550cc96cc" xsi:nil="true"/>
+    <IntlLangReviewer xmlns="4873beb7-5857-4685-be1f-d57550cc96cc" xsi:nil="true"/>
+    <HandoffToMSDN xmlns="4873beb7-5857-4685-be1f-d57550cc96cc" xsi:nil="true"/>
+    <PlannedPubDate xmlns="4873beb7-5857-4685-be1f-d57550cc96cc" xsi:nil="true"/>
+    <CrawlForDependencies xmlns="4873beb7-5857-4685-be1f-d57550cc96cc">false</CrawlForDependencies>
+    <TrustLevel xmlns="4873beb7-5857-4685-be1f-d57550cc96cc">1 Microsoft Managed Content</TrustLevel>
+    <IsSearchable xmlns="4873beb7-5857-4685-be1f-d57550cc96cc">false</IsSearchable>
+    <TPNamespace xmlns="4873beb7-5857-4685-be1f-d57550cc96cc">POWERPNT</TPNamespace>
+    <Markets xmlns="4873beb7-5857-4685-be1f-d57550cc96cc"/>
+    <IntlLangReview xmlns="4873beb7-5857-4685-be1f-d57550cc96cc" xsi:nil="true"/>
+    <UAProjectedTotalWords xmlns="4873beb7-5857-4685-be1f-d57550cc96cc" xsi:nil="true"/>
+    <OutputCachingOn xmlns="4873beb7-5857-4685-be1f-d57550cc96cc">false</OutputCachingOn>
+    <AverageRating xmlns="4873beb7-5857-4685-be1f-d57550cc96cc" xsi:nil="true"/>
+    <TPCommandLine xmlns="4873beb7-5857-4685-be1f-d57550cc96cc">{PP} /n {FilePath}</TPCommandLine>
+    <TPAppVersion xmlns="4873beb7-5857-4685-be1f-d57550cc96cc">12</TPAppVersion>
+    <APAuthor xmlns="4873beb7-5857-4685-be1f-d57550cc96cc">
+      <UserInfo>
+        <DisplayName>REDMOND\cynvey</DisplayName>
+        <AccountId>191</AccountId>
+        <AccountType/>
+      </UserInfo>
+    </APAuthor>
+    <EditorialStatus xmlns="4873beb7-5857-4685-be1f-d57550cc96cc" xsi:nil="true"/>
+    <TPLaunchHelpLinkType xmlns="4873beb7-5857-4685-be1f-d57550cc96cc">Template</TPLaunchHelpLinkType>
+    <LastModifiedDateTime xmlns="4873beb7-5857-4685-be1f-d57550cc96cc" xsi:nil="true"/>
+    <UACurrentWords xmlns="4873beb7-5857-4685-be1f-d57550cc96cc">0</UACurrentWords>
+    <UALocRecommendation xmlns="4873beb7-5857-4685-be1f-d57550cc96cc">Localize</UALocRecommendation>
+    <ArtSampleDocs xmlns="4873beb7-5857-4685-be1f-d57550cc96cc" xsi:nil="true"/>
+    <UANotes xmlns="4873beb7-5857-4685-be1f-d57550cc96cc" xsi:nil="true"/>
+    <ShowIn xmlns="4873beb7-5857-4685-be1f-d57550cc96cc" xsi:nil="true"/>
+    <CSXHash xmlns="4873beb7-5857-4685-be1f-d57550cc96cc" xsi:nil="true"/>
+    <VoteCount xmlns="4873beb7-5857-4685-be1f-d57550cc96cc" xsi:nil="true"/>
+    <AssetExpire xmlns="4873beb7-5857-4685-be1f-d57550cc96cc">2100-01-01T00:00:00+00:00</AssetExpire>
+    <CSXSubmissionMarket xmlns="4873beb7-5857-4685-be1f-d57550cc96cc" xsi:nil="true"/>
+    <DSATActionTaken xmlns="4873beb7-5857-4685-be1f-d57550cc96cc" xsi:nil="true"/>
+    <LastPublishResultLookup xmlns="4873beb7-5857-4685-be1f-d57550cc96cc" xsi:nil="true"/>
+    <PolicheckWords xmlns="4873beb7-5857-4685-be1f-d57550cc96cc" xsi:nil="true"/>
+    <FriendlyTitle xmlns="4873beb7-5857-4685-be1f-d57550cc96cc" xsi:nil="true"/>
+    <Manager xmlns="4873beb7-5857-4685-be1f-d57550cc96cc" xsi:nil="true"/>
+    <EditorialTags xmlns="4873beb7-5857-4685-be1f-d57550cc96cc" xsi:nil="true"/>
+    <LegacyData xmlns="4873beb7-5857-4685-be1f-d57550cc96cc" xsi:nil="true"/>
+    <Downloads xmlns="4873beb7-5857-4685-be1f-d57550cc96cc">0</Downloads>
+    <Providers xmlns="4873beb7-5857-4685-be1f-d57550cc96cc" xsi:nil="true"/>
+    <TemplateTemplateType xmlns="4873beb7-5857-4685-be1f-d57550cc96cc">PowerPoint 12 Default</TemplateTemplateType>
+    <OOCacheId xmlns="4873beb7-5857-4685-be1f-d57550cc96cc" xsi:nil="true"/>
+    <BlockPublish xmlns="4873beb7-5857-4685-be1f-d57550cc96cc" xsi:nil="true"/>
+    <CampaignTagsTaxHTField0 xmlns="4873beb7-5857-4685-be1f-d57550cc96cc">
+      <Terms xmlns="http://schemas.microsoft.com/office/infopath/2007/PartnerControls"/>
+    </CampaignTagsTaxHTField0>
+    <LocLastLocAttemptVersionLookup xmlns="4873beb7-5857-4685-be1f-d57550cc96cc">116328</LocLastLocAttemptVersionLookup>
+    <LocLastLocAttemptVersionTypeLookup xmlns="4873beb7-5857-4685-be1f-d57550cc96cc" xsi:nil="true"/>
+    <LocOverallPreviewStatusLookup xmlns="4873beb7-5857-4685-be1f-d57550cc96cc" xsi:nil="true"/>
+    <LocOverallPublishStatusLookup xmlns="4873beb7-5857-4685-be1f-d57550cc96cc" xsi:nil="true"/>
+    <TaxCatchAll xmlns="4873beb7-5857-4685-be1f-d57550cc96cc"/>
+    <LocNewPublishedVersionLookup xmlns="4873beb7-5857-4685-be1f-d57550cc96cc" xsi:nil="true"/>
+    <LocPublishedDependentAssetsLookup xmlns="4873beb7-5857-4685-be1f-d57550cc96cc" xsi:nil="true"/>
+    <LocComments xmlns="4873beb7-5857-4685-be1f-d57550cc96cc" xsi:nil="true"/>
+    <LocProcessedForMarketsLookup xmlns="4873beb7-5857-4685-be1f-d57550cc96cc" xsi:nil="true"/>
+    <LocRecommendedHandoff xmlns="4873beb7-5857-4685-be1f-d57550cc96cc" xsi:nil="true"/>
+    <LocManualTestRequired xmlns="4873beb7-5857-4685-be1f-d57550cc96cc" xsi:nil="true"/>
+    <LocProcessedForHandoffsLookup xmlns="4873beb7-5857-4685-be1f-d57550cc96cc" xsi:nil="true"/>
+    <LocOverallHandbackStatusLookup xmlns="4873beb7-5857-4685-be1f-d57550cc96cc" xsi:nil="true"/>
+    <LocalizationTagsTaxHTField0 xmlns="4873beb7-5857-4685-be1f-d57550cc96cc">
+      <Terms xmlns="http://schemas.microsoft.com/office/infopath/2007/PartnerControls"/>
+    </LocalizationTagsTaxHTField0>
+    <FeatureTagsTaxHTField0 xmlns="4873beb7-5857-4685-be1f-d57550cc96cc">
+      <Terms xmlns="http://schemas.microsoft.com/office/infopath/2007/PartnerControls"/>
+    </FeatureTagsTaxHTField0>
+    <LocOverallLocStatusLookup xmlns="4873beb7-5857-4685-be1f-d57550cc96cc" xsi:nil="true"/>
+    <LocPublishedLinkedAssetsLookup xmlns="4873beb7-5857-4685-be1f-d57550cc96cc" xsi:nil="true"/>
+    <InternalTagsTaxHTField0 xmlns="4873beb7-5857-4685-be1f-d57550cc96cc">
+      <Terms xmlns="http://schemas.microsoft.com/office/infopath/2007/PartnerControls"/>
+    </InternalTagsTaxHTField0>
+    <RecommendationsModifier xmlns="4873beb7-5857-4685-be1f-d57550cc96cc" xsi:nil="true"/>
+    <ScenarioTagsTaxHTField0 xmlns="4873beb7-5857-4685-be1f-d57550cc96cc">
+      <Terms xmlns="http://schemas.microsoft.com/office/infopath/2007/PartnerControls"/>
+    </ScenarioTagsTaxHTField0>
+    <OriginalRelease xmlns="4873beb7-5857-4685-be1f-d57550cc96cc">14</OriginalRelease>
+    <LocMarketGroupTiers2 xmlns="4873beb7-5857-4685-be1f-d57550cc96cc" xsi:nil="true"/>
+  </documentManagement>
+</p:properties>
 </file>
 
-<file path=customXml/itemProps3.xml><?xml version="1.0" encoding="utf-8"?>
+<file path=customXml/itemProps1.xml><?xml version="1.0" encoding="utf-8"?>
 <ds:datastoreItem xmlns:ds="http://schemas.openxmlformats.org/officeDocument/2006/customXml" ds:itemID="{9C256434-A32F-422C-BBE8-1B351A55677D}">
   <ds:schemaRefs>
     <ds:schemaRef ds:uri="http://schemas.microsoft.com/office/2006/metadata/contentType"/>
@@ -12427,4 +13033,28 @@
     <ds:schemaRef ds:uri="http://schemas.microsoft.com/internal/obd"/>
   </ds:schemaRefs>
 </ds:datastoreItem>
+</file>
+
+<file path=customXml/itemProps2.xml><?xml version="1.0" encoding="utf-8"?>
+<ds:datastoreItem xmlns:ds="http://schemas.openxmlformats.org/officeDocument/2006/customXml" ds:itemID="{153D0EEB-48D4-4D47-B029-07D95F2CF443}">
+  <ds:schemaRefs>
+    <ds:schemaRef ds:uri="http://schemas.microsoft.com/sharepoint/v3/contenttype/forms"/>
+  </ds:schemaRefs>
+</ds:datastoreItem>
+</file>
+
+<file path=customXml/itemProps3.xml><?xml version="1.0" encoding="utf-8"?>
+<ds:datastoreItem xmlns:ds="http://schemas.openxmlformats.org/officeDocument/2006/customXml" ds:itemID="{455BBB07-81B5-4230-80E8-17D88D7B5A44}">
+  <ds:schemaRefs>
+    <ds:schemaRef ds:uri="4873beb7-5857-4685-be1f-d57550cc96cc"/>
+    <ds:schemaRef ds:uri="http://purl.org/dc/terms/"/>
+    <ds:schemaRef ds:uri="http://purl.org/dc/elements/1.1/"/>
+    <ds:schemaRef ds:uri="http://www.w3.org/XML/1998/namespace"/>
+    <ds:schemaRef ds:uri="http://schemas.openxmlformats.org/package/2006/metadata/core-properties"/>
+    <ds:schemaRef ds:uri="http://schemas.microsoft.com/office/2006/documentManagement/types"/>
+    <ds:schemaRef ds:uri="http://schemas.microsoft.com/office/infopath/2007/PartnerControls"/>
+    <ds:schemaRef ds:uri="http://schemas.microsoft.com/office/2006/metadata/properties"/>
+    <ds:schemaRef ds:uri="http://purl.org/dc/dcmitype/"/>
+  </ds:schemaRefs>
+</ds:datastoreItem>
 </file>
--- a/MOM- Taking India to MARS.pptx
+++ b/MOM- Taking India to MARS.pptx
@@ -5,15 +5,16 @@
     <p:sldMasterId id="2147483648" r:id="rId4"/>
   </p:sldMasterIdLst>
   <p:notesMasterIdLst>
-    <p:notesMasterId r:id="rId11"/>
+    <p:notesMasterId r:id="rId12"/>
   </p:notesMasterIdLst>
   <p:sldIdLst>
     <p:sldId id="292" r:id="rId5"/>
     <p:sldId id="293" r:id="rId6"/>
     <p:sldId id="297" r:id="rId7"/>
-    <p:sldId id="294" r:id="rId8"/>
-    <p:sldId id="295" r:id="rId9"/>
-    <p:sldId id="296" r:id="rId10"/>
+    <p:sldId id="298" r:id="rId8"/>
+    <p:sldId id="294" r:id="rId9"/>
+    <p:sldId id="299" r:id="rId10"/>
+    <p:sldId id="296" r:id="rId11"/>
   </p:sldIdLst>
   <p:sldSz cx="9144000" cy="6858000" type="screen4x3"/>
   <p:notesSz cx="6858000" cy="9144000"/>
@@ -129,4018 +130,6 @@
 </p:presentation>
 </file>
 
-<file path=ppt/diagrams/colors1.xml><?xml version="1.0" encoding="utf-8"?>
-<dgm:colorsDef xmlns:dgm="http://schemas.openxmlformats.org/drawingml/2006/diagram" xmlns:a="http://schemas.openxmlformats.org/drawingml/2006/main" uniqueId="urn:microsoft.com/office/officeart/2005/8/colors/accent0_3">
-  <dgm:title val=""/>
-  <dgm:desc val=""/>
-  <dgm:catLst>
-    <dgm:cat type="mainScheme" pri="10300"/>
-  </dgm:catLst>
-  <dgm:styleLbl name="node0">
-    <dgm:fillClrLst meth="repeat">
-      <a:schemeClr val="dk2"/>
-    </dgm:fillClrLst>
-    <dgm:linClrLst meth="repeat">
-      <a:schemeClr val="lt2"/>
-    </dgm:linClrLst>
-    <dgm:effectClrLst/>
-    <dgm:txLinClrLst/>
-    <dgm:txFillClrLst/>
-    <dgm:txEffectClrLst/>
-  </dgm:styleLbl>
-  <dgm:styleLbl name="alignNode1">
-    <dgm:fillClrLst meth="repeat">
-      <a:schemeClr val="dk2"/>
-    </dgm:fillClrLst>
-    <dgm:linClrLst meth="repeat">
-      <a:schemeClr val="dk2"/>
-    </dgm:linClrLst>
-    <dgm:effectClrLst/>
-    <dgm:txLinClrLst/>
-    <dgm:txFillClrLst/>
-    <dgm:txEffectClrLst/>
-  </dgm:styleLbl>
-  <dgm:styleLbl name="node1">
-    <dgm:fillClrLst meth="repeat">
-      <a:schemeClr val="dk2"/>
-    </dgm:fillClrLst>
-    <dgm:linClrLst meth="repeat">
-      <a:schemeClr val="lt2"/>
-    </dgm:linClrLst>
-    <dgm:effectClrLst/>
-    <dgm:txLinClrLst/>
-    <dgm:txFillClrLst/>
-    <dgm:txEffectClrLst/>
-  </dgm:styleLbl>
-  <dgm:styleLbl name="lnNode1">
-    <dgm:fillClrLst meth="repeat">
-      <a:schemeClr val="dk2"/>
-    </dgm:fillClrLst>
-    <dgm:linClrLst meth="repeat">
-      <a:schemeClr val="lt2"/>
-    </dgm:linClrLst>
-    <dgm:effectClrLst/>
-    <dgm:txLinClrLst/>
-    <dgm:txFillClrLst/>
-    <dgm:txEffectClrLst/>
-  </dgm:styleLbl>
-  <dgm:styleLbl name="vennNode1">
-    <dgm:fillClrLst meth="repeat">
-      <a:schemeClr val="dk2">
-        <a:alpha val="50000"/>
-      </a:schemeClr>
-    </dgm:fillClrLst>
-    <dgm:linClrLst meth="repeat">
-      <a:schemeClr val="lt2"/>
-    </dgm:linClrLst>
-    <dgm:effectClrLst/>
-    <dgm:txLinClrLst/>
-    <dgm:txFillClrLst/>
-    <dgm:txEffectClrLst/>
-  </dgm:styleLbl>
-  <dgm:styleLbl name="node2">
-    <dgm:fillClrLst meth="repeat">
-      <a:schemeClr val="dk2"/>
-    </dgm:fillClrLst>
-    <dgm:linClrLst meth="repeat">
-      <a:schemeClr val="lt2"/>
-    </dgm:linClrLst>
-    <dgm:effectClrLst/>
-    <dgm:txLinClrLst/>
-    <dgm:txFillClrLst/>
-    <dgm:txEffectClrLst/>
-  </dgm:styleLbl>
-  <dgm:styleLbl name="node3">
-    <dgm:fillClrLst meth="repeat">
-      <a:schemeClr val="dk2"/>
-    </dgm:fillClrLst>
-    <dgm:linClrLst meth="repeat">
-      <a:schemeClr val="lt2"/>
-    </dgm:linClrLst>
-    <dgm:effectClrLst/>
-    <dgm:txLinClrLst/>
-    <dgm:txFillClrLst/>
-    <dgm:txEffectClrLst/>
-  </dgm:styleLbl>
-  <dgm:styleLbl name="node4">
-    <dgm:fillClrLst meth="repeat">
-      <a:schemeClr val="dk2"/>
-    </dgm:fillClrLst>
-    <dgm:linClrLst meth="repeat">
-      <a:schemeClr val="lt2"/>
-    </dgm:linClrLst>
-    <dgm:effectClrLst/>
-    <dgm:txLinClrLst/>
-    <dgm:txFillClrLst/>
-    <dgm:txEffectClrLst/>
-  </dgm:styleLbl>
-  <dgm:styleLbl name="fgImgPlace1">
-    <dgm:fillClrLst meth="repeat">
-      <a:schemeClr val="dk2">
-        <a:tint val="50000"/>
-      </a:schemeClr>
-    </dgm:fillClrLst>
-    <dgm:linClrLst meth="repeat">
-      <a:schemeClr val="lt2"/>
-    </dgm:linClrLst>
-    <dgm:effectClrLst/>
-    <dgm:txLinClrLst/>
-    <dgm:txFillClrLst meth="repeat">
-      <a:schemeClr val="lt2"/>
-    </dgm:txFillClrLst>
-    <dgm:txEffectClrLst/>
-  </dgm:styleLbl>
-  <dgm:styleLbl name="alignImgPlace1">
-    <dgm:fillClrLst meth="repeat">
-      <a:schemeClr val="dk2">
-        <a:tint val="50000"/>
-      </a:schemeClr>
-    </dgm:fillClrLst>
-    <dgm:linClrLst meth="repeat">
-      <a:schemeClr val="dk2">
-        <a:shade val="80000"/>
-      </a:schemeClr>
-    </dgm:linClrLst>
-    <dgm:effectClrLst/>
-    <dgm:txLinClrLst/>
-    <dgm:txFillClrLst meth="repeat">
-      <a:schemeClr val="lt2"/>
-    </dgm:txFillClrLst>
-    <dgm:txEffectClrLst/>
-  </dgm:styleLbl>
-  <dgm:styleLbl name="bgImgPlace1">
-    <dgm:fillClrLst meth="repeat">
-      <a:schemeClr val="dk2">
-        <a:tint val="50000"/>
-      </a:schemeClr>
-    </dgm:fillClrLst>
-    <dgm:linClrLst meth="repeat">
-      <a:schemeClr val="dk2">
-        <a:shade val="80000"/>
-      </a:schemeClr>
-    </dgm:linClrLst>
-    <dgm:effectClrLst/>
-    <dgm:txLinClrLst/>
-    <dgm:txFillClrLst meth="repeat">
-      <a:schemeClr val="lt2"/>
-    </dgm:txFillClrLst>
-    <dgm:txEffectClrLst/>
-  </dgm:styleLbl>
-  <dgm:styleLbl name="sibTrans2D1">
-    <dgm:fillClrLst meth="repeat">
-      <a:schemeClr val="dk2">
-        <a:tint val="60000"/>
-      </a:schemeClr>
-    </dgm:fillClrLst>
-    <dgm:linClrLst meth="repeat">
-      <a:schemeClr val="dk2">
-        <a:tint val="60000"/>
-      </a:schemeClr>
-    </dgm:linClrLst>
-    <dgm:effectClrLst/>
-    <dgm:txLinClrLst/>
-    <dgm:txFillClrLst/>
-    <dgm:txEffectClrLst/>
-  </dgm:styleLbl>
-  <dgm:styleLbl name="fgSibTrans2D1">
-    <dgm:fillClrLst meth="repeat">
-      <a:schemeClr val="dk2">
-        <a:tint val="60000"/>
-      </a:schemeClr>
-    </dgm:fillClrLst>
-    <dgm:linClrLst meth="repeat">
-      <a:schemeClr val="dk2">
-        <a:tint val="60000"/>
-      </a:schemeClr>
-    </dgm:linClrLst>
-    <dgm:effectClrLst/>
-    <dgm:txLinClrLst/>
-    <dgm:txFillClrLst/>
-    <dgm:txEffectClrLst/>
-  </dgm:styleLbl>
-  <dgm:styleLbl name="bgSibTrans2D1">
-    <dgm:fillClrLst meth="repeat">
-      <a:schemeClr val="dk2">
-        <a:tint val="60000"/>
-      </a:schemeClr>
-    </dgm:fillClrLst>
-    <dgm:linClrLst meth="repeat">
-      <a:schemeClr val="dk2">
-        <a:tint val="60000"/>
-      </a:schemeClr>
-    </dgm:linClrLst>
-    <dgm:effectClrLst/>
-    <dgm:txLinClrLst/>
-    <dgm:txFillClrLst/>
-    <dgm:txEffectClrLst/>
-  </dgm:styleLbl>
-  <dgm:styleLbl name="sibTrans1D1">
-    <dgm:fillClrLst meth="repeat">
-      <a:schemeClr val="dk2"/>
-    </dgm:fillClrLst>
-    <dgm:linClrLst meth="repeat">
-      <a:schemeClr val="dk2"/>
-    </dgm:linClrLst>
-    <dgm:effectClrLst/>
-    <dgm:txLinClrLst/>
-    <dgm:txFillClrLst meth="repeat">
-      <a:schemeClr val="lt2"/>
-    </dgm:txFillClrLst>
-    <dgm:txEffectClrLst/>
-  </dgm:styleLbl>
-  <dgm:styleLbl name="callout">
-    <dgm:fillClrLst meth="repeat">
-      <a:schemeClr val="dk2"/>
-    </dgm:fillClrLst>
-    <dgm:linClrLst meth="repeat">
-      <a:schemeClr val="dk2">
-        <a:tint val="50000"/>
-      </a:schemeClr>
-    </dgm:linClrLst>
-    <dgm:effectClrLst/>
-    <dgm:txLinClrLst/>
-    <dgm:txFillClrLst meth="repeat">
-      <a:schemeClr val="lt2"/>
-    </dgm:txFillClrLst>
-    <dgm:txEffectClrLst/>
-  </dgm:styleLbl>
-  <dgm:styleLbl name="asst0">
-    <dgm:fillClrLst meth="repeat">
-      <a:schemeClr val="dk2"/>
-    </dgm:fillClrLst>
-    <dgm:linClrLst meth="repeat">
-      <a:schemeClr val="lt2"/>
-    </dgm:linClrLst>
-    <dgm:effectClrLst/>
-    <dgm:txLinClrLst/>
-    <dgm:txFillClrLst/>
-    <dgm:txEffectClrLst/>
-  </dgm:styleLbl>
-  <dgm:styleLbl name="asst1">
-    <dgm:fillClrLst meth="repeat">
-      <a:schemeClr val="dk2"/>
-    </dgm:fillClrLst>
-    <dgm:linClrLst meth="repeat">
-      <a:schemeClr val="lt2"/>
-    </dgm:linClrLst>
-    <dgm:effectClrLst/>
-    <dgm:txLinClrLst/>
-    <dgm:txFillClrLst/>
-    <dgm:txEffectClrLst/>
-  </dgm:styleLbl>
-  <dgm:styleLbl name="asst2">
-    <dgm:fillClrLst meth="repeat">
-      <a:schemeClr val="dk2"/>
-    </dgm:fillClrLst>
-    <dgm:linClrLst meth="repeat">
-      <a:schemeClr val="lt2"/>
-    </dgm:linClrLst>
-    <dgm:effectClrLst/>
-    <dgm:txLinClrLst/>
-    <dgm:txFillClrLst/>
-    <dgm:txEffectClrLst/>
-  </dgm:styleLbl>
-  <dgm:styleLbl name="asst3">
-    <dgm:fillClrLst meth="repeat">
-      <a:schemeClr val="dk2"/>
-    </dgm:fillClrLst>
-    <dgm:linClrLst meth="repeat">
-      <a:schemeClr val="lt2"/>
-    </dgm:linClrLst>
-    <dgm:effectClrLst/>
-    <dgm:txLinClrLst/>
-    <dgm:txFillClrLst/>
-    <dgm:txEffectClrLst/>
-  </dgm:styleLbl>
-  <dgm:styleLbl name="asst4">
-    <dgm:fillClrLst meth="repeat">
-      <a:schemeClr val="dk2"/>
-    </dgm:fillClrLst>
-    <dgm:linClrLst meth="repeat">
-      <a:schemeClr val="lt2"/>
-    </dgm:linClrLst>
-    <dgm:effectClrLst/>
-    <dgm:txLinClrLst/>
-    <dgm:txFillClrLst/>
-    <dgm:txEffectClrLst/>
-  </dgm:styleLbl>
-  <dgm:styleLbl name="parChTrans2D1">
-    <dgm:fillClrLst meth="repeat">
-      <a:schemeClr val="dk2">
-        <a:tint val="60000"/>
-      </a:schemeClr>
-    </dgm:fillClrLst>
-    <dgm:linClrLst meth="repeat">
-      <a:schemeClr val="dk2">
-        <a:tint val="60000"/>
-      </a:schemeClr>
-    </dgm:linClrLst>
-    <dgm:effectClrLst/>
-    <dgm:txLinClrLst/>
-    <dgm:txFillClrLst meth="repeat">
-      <a:schemeClr val="lt2"/>
-    </dgm:txFillClrLst>
-    <dgm:txEffectClrLst/>
-  </dgm:styleLbl>
-  <dgm:styleLbl name="parChTrans2D2">
-    <dgm:fillClrLst meth="repeat">
-      <a:schemeClr val="dk2"/>
-    </dgm:fillClrLst>
-    <dgm:linClrLst meth="repeat">
-      <a:schemeClr val="dk2"/>
-    </dgm:linClrLst>
-    <dgm:effectClrLst/>
-    <dgm:txLinClrLst/>
-    <dgm:txFillClrLst meth="repeat">
-      <a:schemeClr val="lt2"/>
-    </dgm:txFillClrLst>
-    <dgm:txEffectClrLst/>
-  </dgm:styleLbl>
-  <dgm:styleLbl name="parChTrans2D3">
-    <dgm:fillClrLst meth="repeat">
-      <a:schemeClr val="dk2"/>
-    </dgm:fillClrLst>
-    <dgm:linClrLst meth="repeat">
-      <a:schemeClr val="dk2"/>
-    </dgm:linClrLst>
-    <dgm:effectClrLst/>
-    <dgm:txLinClrLst/>
-    <dgm:txFillClrLst meth="repeat">
-      <a:schemeClr val="lt2"/>
-    </dgm:txFillClrLst>
-    <dgm:txEffectClrLst/>
-  </dgm:styleLbl>
-  <dgm:styleLbl name="parChTrans2D4">
-    <dgm:fillClrLst meth="repeat">
-      <a:schemeClr val="dk2"/>
-    </dgm:fillClrLst>
-    <dgm:linClrLst meth="repeat">
-      <a:schemeClr val="dk2"/>
-    </dgm:linClrLst>
-    <dgm:effectClrLst/>
-    <dgm:txLinClrLst/>
-    <dgm:txFillClrLst meth="repeat">
-      <a:schemeClr val="lt2"/>
-    </dgm:txFillClrLst>
-    <dgm:txEffectClrLst/>
-  </dgm:styleLbl>
-  <dgm:styleLbl name="parChTrans1D1">
-    <dgm:fillClrLst meth="repeat">
-      <a:schemeClr val="dk2"/>
-    </dgm:fillClrLst>
-    <dgm:linClrLst meth="repeat">
-      <a:schemeClr val="dk2">
-        <a:shade val="60000"/>
-      </a:schemeClr>
-    </dgm:linClrLst>
-    <dgm:effectClrLst/>
-    <dgm:txLinClrLst/>
-    <dgm:txFillClrLst meth="repeat">
-      <a:schemeClr val="tx1"/>
-    </dgm:txFillClrLst>
-    <dgm:txEffectClrLst/>
-  </dgm:styleLbl>
-  <dgm:styleLbl name="parChTrans1D2">
-    <dgm:fillClrLst meth="repeat">
-      <a:schemeClr val="dk2"/>
-    </dgm:fillClrLst>
-    <dgm:linClrLst meth="repeat">
-      <a:schemeClr val="dk2">
-        <a:shade val="60000"/>
-      </a:schemeClr>
-    </dgm:linClrLst>
-    <dgm:effectClrLst/>
-    <dgm:txLinClrLst/>
-    <dgm:txFillClrLst meth="repeat">
-      <a:schemeClr val="tx1"/>
-    </dgm:txFillClrLst>
-    <dgm:txEffectClrLst/>
-  </dgm:styleLbl>
-  <dgm:styleLbl name="parChTrans1D3">
-    <dgm:fillClrLst meth="repeat">
-      <a:schemeClr val="dk2"/>
-    </dgm:fillClrLst>
-    <dgm:linClrLst meth="repeat">
-      <a:schemeClr val="dk2">
-        <a:shade val="80000"/>
-      </a:schemeClr>
-    </dgm:linClrLst>
-    <dgm:effectClrLst/>
-    <dgm:txLinClrLst/>
-    <dgm:txFillClrLst meth="repeat">
-      <a:schemeClr val="tx1"/>
-    </dgm:txFillClrLst>
-    <dgm:txEffectClrLst/>
-  </dgm:styleLbl>
-  <dgm:styleLbl name="parChTrans1D4">
-    <dgm:fillClrLst meth="repeat">
-      <a:schemeClr val="dk2"/>
-    </dgm:fillClrLst>
-    <dgm:linClrLst meth="repeat">
-      <a:schemeClr val="dk2">
-        <a:shade val="80000"/>
-      </a:schemeClr>
-    </dgm:linClrLst>
-    <dgm:effectClrLst/>
-    <dgm:txLinClrLst/>
-    <dgm:txFillClrLst meth="repeat">
-      <a:schemeClr val="tx1"/>
-    </dgm:txFillClrLst>
-    <dgm:txEffectClrLst/>
-  </dgm:styleLbl>
-  <dgm:styleLbl name="fgAcc1">
-    <dgm:fillClrLst meth="repeat">
-      <a:schemeClr val="lt2">
-        <a:alpha val="90000"/>
-      </a:schemeClr>
-    </dgm:fillClrLst>
-    <dgm:linClrLst meth="repeat">
-      <a:schemeClr val="dk2"/>
-    </dgm:linClrLst>
-    <dgm:effectClrLst/>
-    <dgm:txLinClrLst/>
-    <dgm:txFillClrLst meth="repeat">
-      <a:schemeClr val="dk1"/>
-    </dgm:txFillClrLst>
-    <dgm:txEffectClrLst/>
-  </dgm:styleLbl>
-  <dgm:styleLbl name="conFgAcc1">
-    <dgm:fillClrLst meth="repeat">
-      <a:schemeClr val="lt2">
-        <a:alpha val="90000"/>
-      </a:schemeClr>
-    </dgm:fillClrLst>
-    <dgm:linClrLst meth="repeat">
-      <a:schemeClr val="dk2"/>
-    </dgm:linClrLst>
-    <dgm:effectClrLst/>
-    <dgm:txLinClrLst/>
-    <dgm:txFillClrLst meth="repeat">
-      <a:schemeClr val="dk1"/>
-    </dgm:txFillClrLst>
-    <dgm:txEffectClrLst/>
-  </dgm:styleLbl>
-  <dgm:styleLbl name="alignAcc1">
-    <dgm:fillClrLst meth="repeat">
-      <a:schemeClr val="lt2">
-        <a:alpha val="90000"/>
-      </a:schemeClr>
-    </dgm:fillClrLst>
-    <dgm:linClrLst meth="repeat">
-      <a:schemeClr val="dk2"/>
-    </dgm:linClrLst>
-    <dgm:effectClrLst/>
-    <dgm:txLinClrLst/>
-    <dgm:txFillClrLst meth="repeat">
-      <a:schemeClr val="dk1"/>
-    </dgm:txFillClrLst>
-    <dgm:txEffectClrLst/>
-  </dgm:styleLbl>
-  <dgm:styleLbl name="trAlignAcc1">
-    <dgm:fillClrLst meth="repeat">
-      <a:schemeClr val="lt2">
-        <a:alpha val="40000"/>
-      </a:schemeClr>
-    </dgm:fillClrLst>
-    <dgm:linClrLst meth="repeat">
-      <a:schemeClr val="dk2"/>
-    </dgm:linClrLst>
-    <dgm:effectClrLst/>
-    <dgm:txLinClrLst/>
-    <dgm:txFillClrLst meth="repeat">
-      <a:schemeClr val="dk1"/>
-    </dgm:txFillClrLst>
-    <dgm:txEffectClrLst/>
-  </dgm:styleLbl>
-  <dgm:styleLbl name="bgAcc1">
-    <dgm:fillClrLst meth="repeat">
-      <a:schemeClr val="lt2">
-        <a:alpha val="90000"/>
-      </a:schemeClr>
-    </dgm:fillClrLst>
-    <dgm:linClrLst meth="repeat">
-      <a:schemeClr val="dk2"/>
-    </dgm:linClrLst>
-    <dgm:effectClrLst/>
-    <dgm:txLinClrLst/>
-    <dgm:txFillClrLst meth="repeat">
-      <a:schemeClr val="dk1"/>
-    </dgm:txFillClrLst>
-    <dgm:txEffectClrLst/>
-  </dgm:styleLbl>
-  <dgm:styleLbl name="solidFgAcc1">
-    <dgm:fillClrLst meth="repeat">
-      <a:schemeClr val="lt2"/>
-    </dgm:fillClrLst>
-    <dgm:linClrLst meth="repeat">
-      <a:schemeClr val="dk2"/>
-    </dgm:linClrLst>
-    <dgm:effectClrLst/>
-    <dgm:txLinClrLst/>
-    <dgm:txFillClrLst meth="repeat">
-      <a:schemeClr val="dk1"/>
-    </dgm:txFillClrLst>
-    <dgm:txEffectClrLst/>
-  </dgm:styleLbl>
-  <dgm:styleLbl name="solidAlignAcc1">
-    <dgm:fillClrLst meth="repeat">
-      <a:schemeClr val="lt2"/>
-    </dgm:fillClrLst>
-    <dgm:linClrLst meth="repeat">
-      <a:schemeClr val="dk2"/>
-    </dgm:linClrLst>
-    <dgm:effectClrLst/>
-    <dgm:txLinClrLst/>
-    <dgm:txFillClrLst meth="repeat">
-      <a:schemeClr val="dk1"/>
-    </dgm:txFillClrLst>
-    <dgm:txEffectClrLst/>
-  </dgm:styleLbl>
-  <dgm:styleLbl name="solidBgAcc1">
-    <dgm:fillClrLst meth="repeat">
-      <a:schemeClr val="lt2"/>
-    </dgm:fillClrLst>
-    <dgm:linClrLst meth="repeat">
-      <a:schemeClr val="dk2"/>
-    </dgm:linClrLst>
-    <dgm:effectClrLst/>
-    <dgm:txLinClrLst/>
-    <dgm:txFillClrLst meth="repeat">
-      <a:schemeClr val="dk1"/>
-    </dgm:txFillClrLst>
-    <dgm:txEffectClrLst/>
-  </dgm:styleLbl>
-  <dgm:styleLbl name="fgAccFollowNode1">
-    <dgm:fillClrLst meth="repeat">
-      <a:schemeClr val="dk2">
-        <a:alpha val="90000"/>
-        <a:tint val="40000"/>
-      </a:schemeClr>
-    </dgm:fillClrLst>
-    <dgm:linClrLst meth="repeat">
-      <a:schemeClr val="dk2">
-        <a:alpha val="90000"/>
-        <a:tint val="40000"/>
-      </a:schemeClr>
-    </dgm:linClrLst>
-    <dgm:effectClrLst/>
-    <dgm:txLinClrLst/>
-    <dgm:txFillClrLst meth="repeat">
-      <a:schemeClr val="dk1"/>
-    </dgm:txFillClrLst>
-    <dgm:txEffectClrLst/>
-  </dgm:styleLbl>
-  <dgm:styleLbl name="alignAccFollowNode1">
-    <dgm:fillClrLst meth="repeat">
-      <a:schemeClr val="dk2">
-        <a:alpha val="90000"/>
-        <a:tint val="40000"/>
-      </a:schemeClr>
-    </dgm:fillClrLst>
-    <dgm:linClrLst meth="repeat">
-      <a:schemeClr val="dk2">
-        <a:alpha val="90000"/>
-        <a:tint val="40000"/>
-      </a:schemeClr>
-    </dgm:linClrLst>
-    <dgm:effectClrLst/>
-    <dgm:txLinClrLst/>
-    <dgm:txFillClrLst meth="repeat">
-      <a:schemeClr val="dk1"/>
-    </dgm:txFillClrLst>
-    <dgm:txEffectClrLst/>
-  </dgm:styleLbl>
-  <dgm:styleLbl name="bgAccFollowNode1">
-    <dgm:fillClrLst meth="repeat">
-      <a:schemeClr val="dk2">
-        <a:alpha val="90000"/>
-        <a:tint val="40000"/>
-      </a:schemeClr>
-    </dgm:fillClrLst>
-    <dgm:linClrLst meth="repeat">
-      <a:schemeClr val="dk2">
-        <a:alpha val="90000"/>
-        <a:tint val="40000"/>
-      </a:schemeClr>
-    </dgm:linClrLst>
-    <dgm:effectClrLst/>
-    <dgm:txLinClrLst/>
-    <dgm:txFillClrLst meth="repeat">
-      <a:schemeClr val="dk1"/>
-    </dgm:txFillClrLst>
-    <dgm:txEffectClrLst/>
-  </dgm:styleLbl>
-  <dgm:styleLbl name="fgAcc0">
-    <dgm:fillClrLst meth="repeat">
-      <a:schemeClr val="lt2">
-        <a:alpha val="90000"/>
-      </a:schemeClr>
-    </dgm:fillClrLst>
-    <dgm:linClrLst meth="repeat">
-      <a:schemeClr val="dk2"/>
-    </dgm:linClrLst>
-    <dgm:effectClrLst/>
-    <dgm:txLinClrLst/>
-    <dgm:txFillClrLst meth="repeat">
-      <a:schemeClr val="dk1"/>
-    </dgm:txFillClrLst>
-    <dgm:txEffectClrLst/>
-  </dgm:styleLbl>
-  <dgm:styleLbl name="fgAcc2">
-    <dgm:fillClrLst meth="repeat">
-      <a:schemeClr val="lt2">
-        <a:alpha val="90000"/>
-      </a:schemeClr>
-    </dgm:fillClrLst>
-    <dgm:linClrLst meth="repeat">
-      <a:schemeClr val="dk2"/>
-    </dgm:linClrLst>
-    <dgm:effectClrLst/>
-    <dgm:txLinClrLst/>
-    <dgm:txFillClrLst meth="repeat">
-      <a:schemeClr val="dk1"/>
-    </dgm:txFillClrLst>
-    <dgm:txEffectClrLst/>
-  </dgm:styleLbl>
-  <dgm:styleLbl name="fgAcc3">
-    <dgm:fillClrLst meth="repeat">
-      <a:schemeClr val="lt2">
-        <a:alpha val="90000"/>
-      </a:schemeClr>
-    </dgm:fillClrLst>
-    <dgm:linClrLst meth="repeat">
-      <a:schemeClr val="dk2"/>
-    </dgm:linClrLst>
-    <dgm:effectClrLst/>
-    <dgm:txLinClrLst/>
-    <dgm:txFillClrLst meth="repeat">
-      <a:schemeClr val="dk1"/>
-    </dgm:txFillClrLst>
-    <dgm:txEffectClrLst/>
-  </dgm:styleLbl>
-  <dgm:styleLbl name="fgAcc4">
-    <dgm:fillClrLst meth="repeat">
-      <a:schemeClr val="lt2">
-        <a:alpha val="90000"/>
-      </a:schemeClr>
-    </dgm:fillClrLst>
-    <dgm:linClrLst meth="repeat">
-      <a:schemeClr val="dk2"/>
-    </dgm:linClrLst>
-    <dgm:effectClrLst/>
-    <dgm:txLinClrLst/>
-    <dgm:txFillClrLst meth="repeat">
-      <a:schemeClr val="dk1"/>
-    </dgm:txFillClrLst>
-    <dgm:txEffectClrLst/>
-  </dgm:styleLbl>
-  <dgm:styleLbl name="bgShp">
-    <dgm:fillClrLst meth="repeat">
-      <a:schemeClr val="dk2">
-        <a:tint val="40000"/>
-      </a:schemeClr>
-    </dgm:fillClrLst>
-    <dgm:linClrLst meth="repeat">
-      <a:schemeClr val="dk2"/>
-    </dgm:linClrLst>
-    <dgm:effectClrLst/>
-    <dgm:txLinClrLst/>
-    <dgm:txFillClrLst meth="repeat">
-      <a:schemeClr val="dk1"/>
-    </dgm:txFillClrLst>
-    <dgm:txEffectClrLst/>
-  </dgm:styleLbl>
-  <dgm:styleLbl name="dkBgShp">
-    <dgm:fillClrLst meth="repeat">
-      <a:schemeClr val="dk2">
-        <a:shade val="80000"/>
-      </a:schemeClr>
-    </dgm:fillClrLst>
-    <dgm:linClrLst meth="repeat">
-      <a:schemeClr val="dk2"/>
-    </dgm:linClrLst>
-    <dgm:effectClrLst/>
-    <dgm:txLinClrLst/>
-    <dgm:txFillClrLst meth="repeat">
-      <a:schemeClr val="lt1"/>
-    </dgm:txFillClrLst>
-    <dgm:txEffectClrLst/>
-  </dgm:styleLbl>
-  <dgm:styleLbl name="trBgShp">
-    <dgm:fillClrLst meth="repeat">
-      <a:schemeClr val="dk2">
-        <a:tint val="50000"/>
-        <a:alpha val="40000"/>
-      </a:schemeClr>
-    </dgm:fillClrLst>
-    <dgm:linClrLst meth="repeat">
-      <a:schemeClr val="dk2"/>
-    </dgm:linClrLst>
-    <dgm:effectClrLst/>
-    <dgm:txLinClrLst/>
-    <dgm:txFillClrLst meth="repeat">
-      <a:schemeClr val="lt1"/>
-    </dgm:txFillClrLst>
-    <dgm:txEffectClrLst/>
-  </dgm:styleLbl>
-  <dgm:styleLbl name="fgShp">
-    <dgm:fillClrLst meth="repeat">
-      <a:schemeClr val="dk2">
-        <a:tint val="60000"/>
-      </a:schemeClr>
-    </dgm:fillClrLst>
-    <dgm:linClrLst meth="repeat">
-      <a:schemeClr val="lt2"/>
-    </dgm:linClrLst>
-    <dgm:effectClrLst/>
-    <dgm:txLinClrLst/>
-    <dgm:txFillClrLst meth="repeat">
-      <a:schemeClr val="dk1"/>
-    </dgm:txFillClrLst>
-    <dgm:txEffectClrLst/>
-  </dgm:styleLbl>
-  <dgm:styleLbl name="revTx">
-    <dgm:fillClrLst meth="repeat">
-      <a:schemeClr val="lt2">
-        <a:alpha val="0"/>
-      </a:schemeClr>
-    </dgm:fillClrLst>
-    <dgm:linClrLst meth="repeat">
-      <a:schemeClr val="dk1">
-        <a:alpha val="0"/>
-      </a:schemeClr>
-    </dgm:linClrLst>
-    <dgm:effectClrLst/>
-    <dgm:txLinClrLst/>
-    <dgm:txFillClrLst meth="repeat">
-      <a:schemeClr val="tx1"/>
-    </dgm:txFillClrLst>
-    <dgm:txEffectClrLst/>
-  </dgm:styleLbl>
-</dgm:colorsDef>
-</file>
-
-<file path=ppt/diagrams/data1.xml><?xml version="1.0" encoding="utf-8"?>
-<dgm:dataModel xmlns:dgm="http://schemas.openxmlformats.org/drawingml/2006/diagram" xmlns:a="http://schemas.openxmlformats.org/drawingml/2006/main">
-  <dgm:ptLst>
-    <dgm:pt modelId="{978A06C0-4888-4ADC-BB0C-9E7361168730}" type="doc">
-      <dgm:prSet loTypeId="urn:microsoft.com/office/officeart/2005/8/layout/target1" loCatId="relationship" qsTypeId="urn:microsoft.com/office/officeart/2005/8/quickstyle/3d6" qsCatId="3D" csTypeId="urn:microsoft.com/office/officeart/2005/8/colors/accent0_3" csCatId="mainScheme"/>
-      <dgm:spPr/>
-      <dgm:t>
-        <a:bodyPr/>
-        <a:lstStyle/>
-        <a:p>
-          <a:endParaRPr lang="en-US"/>
-        </a:p>
-      </dgm:t>
-    </dgm:pt>
-    <dgm:pt modelId="{566E96CA-8735-4E63-8D54-7B02E452E33D}">
-      <dgm:prSet/>
-      <dgm:spPr/>
-      <dgm:t>
-        <a:bodyPr/>
-        <a:lstStyle/>
-        <a:p>
-          <a:pPr rtl="0"/>
-          <a:r>
-            <a:rPr lang="en-US" dirty="0" smtClean="0">
-              <a:latin typeface="+mn-lt"/>
-              <a:cs typeface="Arial" pitchFamily="34" charset="0"/>
-            </a:rPr>
-            <a:t>The sun is in the center of all orbits</a:t>
-          </a:r>
-          <a:endParaRPr lang="en-US" dirty="0">
-            <a:latin typeface="+mn-lt"/>
-            <a:cs typeface="Arial" pitchFamily="34" charset="0"/>
-          </a:endParaRPr>
-        </a:p>
-      </dgm:t>
-    </dgm:pt>
-    <dgm:pt modelId="{A01A9E41-DF95-4BCB-BF9F-376913A77E2E}" type="parTrans" cxnId="{6526A243-8A27-4C04-8B49-6B697ABA410A}">
-      <dgm:prSet/>
-      <dgm:spPr/>
-      <dgm:t>
-        <a:bodyPr/>
-        <a:lstStyle/>
-        <a:p>
-          <a:endParaRPr lang="en-US"/>
-        </a:p>
-      </dgm:t>
-    </dgm:pt>
-    <dgm:pt modelId="{76AB8D80-F69A-434E-81B9-73FEF72CC578}" type="sibTrans" cxnId="{6526A243-8A27-4C04-8B49-6B697ABA410A}">
-      <dgm:prSet/>
-      <dgm:spPr/>
-      <dgm:t>
-        <a:bodyPr/>
-        <a:lstStyle/>
-        <a:p>
-          <a:endParaRPr lang="en-US"/>
-        </a:p>
-      </dgm:t>
-    </dgm:pt>
-    <dgm:pt modelId="{062EC279-DBB5-4FB2-A50F-143FC9F6C740}">
-      <dgm:prSet/>
-      <dgm:spPr/>
-      <dgm:t>
-        <a:bodyPr/>
-        <a:lstStyle/>
-        <a:p>
-          <a:pPr rtl="0"/>
-          <a:r>
-            <a:rPr lang="en-US" dirty="0" smtClean="0">
-              <a:latin typeface="+mn-lt"/>
-              <a:cs typeface="Arial" pitchFamily="34" charset="0"/>
-            </a:rPr>
-            <a:t>There are smaller planets closer to the sun</a:t>
-          </a:r>
-          <a:endParaRPr lang="en-US" dirty="0">
-            <a:latin typeface="+mn-lt"/>
-            <a:cs typeface="Arial" pitchFamily="34" charset="0"/>
-          </a:endParaRPr>
-        </a:p>
-      </dgm:t>
-    </dgm:pt>
-    <dgm:pt modelId="{96F5537F-9F33-4E8D-A843-B0BB93AD5F51}" type="parTrans" cxnId="{02A9E34A-0234-47EA-82F6-490648A5BBDB}">
-      <dgm:prSet/>
-      <dgm:spPr/>
-      <dgm:t>
-        <a:bodyPr/>
-        <a:lstStyle/>
-        <a:p>
-          <a:endParaRPr lang="en-US"/>
-        </a:p>
-      </dgm:t>
-    </dgm:pt>
-    <dgm:pt modelId="{607C11F1-8A58-4B97-9478-8E41AD02BD07}" type="sibTrans" cxnId="{02A9E34A-0234-47EA-82F6-490648A5BBDB}">
-      <dgm:prSet/>
-      <dgm:spPr/>
-      <dgm:t>
-        <a:bodyPr/>
-        <a:lstStyle/>
-        <a:p>
-          <a:endParaRPr lang="en-US"/>
-        </a:p>
-      </dgm:t>
-    </dgm:pt>
-    <dgm:pt modelId="{554B6B70-78BF-4B46-9BF4-E86FFF69B0AD}">
-      <dgm:prSet/>
-      <dgm:spPr/>
-      <dgm:t>
-        <a:bodyPr/>
-        <a:lstStyle/>
-        <a:p>
-          <a:pPr rtl="0"/>
-          <a:r>
-            <a:rPr lang="en-US" dirty="0" smtClean="0">
-              <a:latin typeface="+mn-lt"/>
-              <a:cs typeface="Arial" pitchFamily="34" charset="0"/>
-            </a:rPr>
-            <a:t>There is a mix of planet sizes further away</a:t>
-          </a:r>
-          <a:endParaRPr lang="en-US" dirty="0">
-            <a:latin typeface="+mn-lt"/>
-            <a:cs typeface="Arial" pitchFamily="34" charset="0"/>
-          </a:endParaRPr>
-        </a:p>
-      </dgm:t>
-    </dgm:pt>
-    <dgm:pt modelId="{E505A992-23B5-4A06-BB51-E11F804383FC}" type="parTrans" cxnId="{36B31DB1-1FA1-45E4-8AE5-BA441E41E11D}">
-      <dgm:prSet/>
-      <dgm:spPr/>
-      <dgm:t>
-        <a:bodyPr/>
-        <a:lstStyle/>
-        <a:p>
-          <a:endParaRPr lang="en-US"/>
-        </a:p>
-      </dgm:t>
-    </dgm:pt>
-    <dgm:pt modelId="{6F81C20C-D97B-4A8B-987A-9EED43F613EE}" type="sibTrans" cxnId="{36B31DB1-1FA1-45E4-8AE5-BA441E41E11D}">
-      <dgm:prSet/>
-      <dgm:spPr/>
-      <dgm:t>
-        <a:bodyPr/>
-        <a:lstStyle/>
-        <a:p>
-          <a:endParaRPr lang="en-US"/>
-        </a:p>
-      </dgm:t>
-    </dgm:pt>
-    <dgm:pt modelId="{F83FC547-7C98-4BA1-A525-A388021023AD}" type="pres">
-      <dgm:prSet presAssocID="{978A06C0-4888-4ADC-BB0C-9E7361168730}" presName="composite" presStyleCnt="0">
-        <dgm:presLayoutVars>
-          <dgm:chMax val="5"/>
-          <dgm:dir/>
-          <dgm:resizeHandles val="exact"/>
-        </dgm:presLayoutVars>
-      </dgm:prSet>
-      <dgm:spPr/>
-      <dgm:t>
-        <a:bodyPr/>
-        <a:lstStyle/>
-        <a:p>
-          <a:endParaRPr lang="en-US"/>
-        </a:p>
-      </dgm:t>
-    </dgm:pt>
-    <dgm:pt modelId="{5B2A6C11-B8FD-420B-BE47-355E2F8B3DFC}" type="pres">
-      <dgm:prSet presAssocID="{566E96CA-8735-4E63-8D54-7B02E452E33D}" presName="circle1" presStyleLbl="lnNode1" presStyleIdx="0" presStyleCnt="3" custLinFactNeighborX="-5556" custLinFactNeighborY="12418"/>
-      <dgm:spPr>
-        <a:solidFill>
-          <a:srgbClr val="0070C0"/>
-        </a:solidFill>
-      </dgm:spPr>
-    </dgm:pt>
-    <dgm:pt modelId="{3D7AB509-6BA0-4C30-9B59-90C18990B40E}" type="pres">
-      <dgm:prSet presAssocID="{566E96CA-8735-4E63-8D54-7B02E452E33D}" presName="text1" presStyleLbl="revTx" presStyleIdx="0" presStyleCnt="3">
-        <dgm:presLayoutVars>
-          <dgm:bulletEnabled val="1"/>
-        </dgm:presLayoutVars>
-      </dgm:prSet>
-      <dgm:spPr/>
-      <dgm:t>
-        <a:bodyPr/>
-        <a:lstStyle/>
-        <a:p>
-          <a:endParaRPr lang="en-US"/>
-        </a:p>
-      </dgm:t>
-    </dgm:pt>
-    <dgm:pt modelId="{DC840353-2282-4112-92DE-A3E5E740D83E}" type="pres">
-      <dgm:prSet presAssocID="{566E96CA-8735-4E63-8D54-7B02E452E33D}" presName="line1" presStyleLbl="callout" presStyleIdx="0" presStyleCnt="6"/>
-      <dgm:spPr/>
-    </dgm:pt>
-    <dgm:pt modelId="{8C034039-2DFB-4963-879A-D2FCDCB1BD05}" type="pres">
-      <dgm:prSet presAssocID="{566E96CA-8735-4E63-8D54-7B02E452E33D}" presName="d1" presStyleLbl="callout" presStyleIdx="1" presStyleCnt="6"/>
-      <dgm:spPr/>
-    </dgm:pt>
-    <dgm:pt modelId="{1F39E39C-0280-4F42-94ED-A35C53334115}" type="pres">
-      <dgm:prSet presAssocID="{062EC279-DBB5-4FB2-A50F-143FC9F6C740}" presName="circle2" presStyleLbl="lnNode1" presStyleIdx="1" presStyleCnt="3"/>
-      <dgm:spPr>
-        <a:solidFill>
-          <a:srgbClr val="0070C0">
-            <a:alpha val="39000"/>
-          </a:srgbClr>
-        </a:solidFill>
-      </dgm:spPr>
-      <dgm:t>
-        <a:bodyPr/>
-        <a:lstStyle/>
-        <a:p>
-          <a:endParaRPr lang="en-US"/>
-        </a:p>
-      </dgm:t>
-    </dgm:pt>
-    <dgm:pt modelId="{D1036620-22CD-4210-B9CB-CC9557B12E47}" type="pres">
-      <dgm:prSet presAssocID="{062EC279-DBB5-4FB2-A50F-143FC9F6C740}" presName="text2" presStyleLbl="revTx" presStyleIdx="1" presStyleCnt="3">
-        <dgm:presLayoutVars>
-          <dgm:bulletEnabled val="1"/>
-        </dgm:presLayoutVars>
-      </dgm:prSet>
-      <dgm:spPr/>
-      <dgm:t>
-        <a:bodyPr/>
-        <a:lstStyle/>
-        <a:p>
-          <a:endParaRPr lang="en-US"/>
-        </a:p>
-      </dgm:t>
-    </dgm:pt>
-    <dgm:pt modelId="{FD6221E4-5503-4B42-94DA-FE23DE0A12B5}" type="pres">
-      <dgm:prSet presAssocID="{062EC279-DBB5-4FB2-A50F-143FC9F6C740}" presName="line2" presStyleLbl="callout" presStyleIdx="2" presStyleCnt="6"/>
-      <dgm:spPr/>
-    </dgm:pt>
-    <dgm:pt modelId="{FD53BD5F-3D10-4661-9F3E-B99C43FB6B3C}" type="pres">
-      <dgm:prSet presAssocID="{062EC279-DBB5-4FB2-A50F-143FC9F6C740}" presName="d2" presStyleLbl="callout" presStyleIdx="3" presStyleCnt="6"/>
-      <dgm:spPr/>
-    </dgm:pt>
-    <dgm:pt modelId="{3F30D057-F4F1-4E8E-BA1C-1EA6ED36557C}" type="pres">
-      <dgm:prSet presAssocID="{554B6B70-78BF-4B46-9BF4-E86FFF69B0AD}" presName="circle3" presStyleLbl="lnNode1" presStyleIdx="2" presStyleCnt="3"/>
-      <dgm:spPr>
-        <a:solidFill>
-          <a:srgbClr val="002060"/>
-        </a:solidFill>
-      </dgm:spPr>
-    </dgm:pt>
-    <dgm:pt modelId="{72554440-F6E0-409C-BEB8-1658A7D0C84D}" type="pres">
-      <dgm:prSet presAssocID="{554B6B70-78BF-4B46-9BF4-E86FFF69B0AD}" presName="text3" presStyleLbl="revTx" presStyleIdx="2" presStyleCnt="3">
-        <dgm:presLayoutVars>
-          <dgm:bulletEnabled val="1"/>
-        </dgm:presLayoutVars>
-      </dgm:prSet>
-      <dgm:spPr/>
-      <dgm:t>
-        <a:bodyPr/>
-        <a:lstStyle/>
-        <a:p>
-          <a:endParaRPr lang="en-US"/>
-        </a:p>
-      </dgm:t>
-    </dgm:pt>
-    <dgm:pt modelId="{3565DF0B-FF98-431E-94BA-52C1748A7EE8}" type="pres">
-      <dgm:prSet presAssocID="{554B6B70-78BF-4B46-9BF4-E86FFF69B0AD}" presName="line3" presStyleLbl="callout" presStyleIdx="4" presStyleCnt="6"/>
-      <dgm:spPr/>
-    </dgm:pt>
-    <dgm:pt modelId="{FA4F0EDC-FF8B-47C2-911B-5D735A0E2535}" type="pres">
-      <dgm:prSet presAssocID="{554B6B70-78BF-4B46-9BF4-E86FFF69B0AD}" presName="d3" presStyleLbl="callout" presStyleIdx="5" presStyleCnt="6"/>
-      <dgm:spPr/>
-    </dgm:pt>
-  </dgm:ptLst>
-  <dgm:cxnLst>
-    <dgm:cxn modelId="{3D3B5D40-1BD1-4060-B6B2-2DD98431D479}" type="presOf" srcId="{062EC279-DBB5-4FB2-A50F-143FC9F6C740}" destId="{D1036620-22CD-4210-B9CB-CC9557B12E47}" srcOrd="0" destOrd="0" presId="urn:microsoft.com/office/officeart/2005/8/layout/target1"/>
-    <dgm:cxn modelId="{66DB6C31-96F0-4334-AD0F-CE70084A8431}" type="presOf" srcId="{566E96CA-8735-4E63-8D54-7B02E452E33D}" destId="{3D7AB509-6BA0-4C30-9B59-90C18990B40E}" srcOrd="0" destOrd="0" presId="urn:microsoft.com/office/officeart/2005/8/layout/target1"/>
-    <dgm:cxn modelId="{B96DAC0F-CB73-411F-92AD-052AAD8AD0E5}" type="presOf" srcId="{978A06C0-4888-4ADC-BB0C-9E7361168730}" destId="{F83FC547-7C98-4BA1-A525-A388021023AD}" srcOrd="0" destOrd="0" presId="urn:microsoft.com/office/officeart/2005/8/layout/target1"/>
-    <dgm:cxn modelId="{02A9E34A-0234-47EA-82F6-490648A5BBDB}" srcId="{978A06C0-4888-4ADC-BB0C-9E7361168730}" destId="{062EC279-DBB5-4FB2-A50F-143FC9F6C740}" srcOrd="1" destOrd="0" parTransId="{96F5537F-9F33-4E8D-A843-B0BB93AD5F51}" sibTransId="{607C11F1-8A58-4B97-9478-8E41AD02BD07}"/>
-    <dgm:cxn modelId="{CCA53FD9-E033-4104-AC52-AB1B2811ADA5}" type="presOf" srcId="{554B6B70-78BF-4B46-9BF4-E86FFF69B0AD}" destId="{72554440-F6E0-409C-BEB8-1658A7D0C84D}" srcOrd="0" destOrd="0" presId="urn:microsoft.com/office/officeart/2005/8/layout/target1"/>
-    <dgm:cxn modelId="{36B31DB1-1FA1-45E4-8AE5-BA441E41E11D}" srcId="{978A06C0-4888-4ADC-BB0C-9E7361168730}" destId="{554B6B70-78BF-4B46-9BF4-E86FFF69B0AD}" srcOrd="2" destOrd="0" parTransId="{E505A992-23B5-4A06-BB51-E11F804383FC}" sibTransId="{6F81C20C-D97B-4A8B-987A-9EED43F613EE}"/>
-    <dgm:cxn modelId="{6526A243-8A27-4C04-8B49-6B697ABA410A}" srcId="{978A06C0-4888-4ADC-BB0C-9E7361168730}" destId="{566E96CA-8735-4E63-8D54-7B02E452E33D}" srcOrd="0" destOrd="0" parTransId="{A01A9E41-DF95-4BCB-BF9F-376913A77E2E}" sibTransId="{76AB8D80-F69A-434E-81B9-73FEF72CC578}"/>
-    <dgm:cxn modelId="{7AB30518-AEDF-4BB4-90A3-7D27D529C4C3}" type="presParOf" srcId="{F83FC547-7C98-4BA1-A525-A388021023AD}" destId="{5B2A6C11-B8FD-420B-BE47-355E2F8B3DFC}" srcOrd="0" destOrd="0" presId="urn:microsoft.com/office/officeart/2005/8/layout/target1"/>
-    <dgm:cxn modelId="{F9A34EC6-2636-4E42-BD58-F7DE83BA8FC8}" type="presParOf" srcId="{F83FC547-7C98-4BA1-A525-A388021023AD}" destId="{3D7AB509-6BA0-4C30-9B59-90C18990B40E}" srcOrd="1" destOrd="0" presId="urn:microsoft.com/office/officeart/2005/8/layout/target1"/>
-    <dgm:cxn modelId="{A8960AC4-775E-4D5E-ADEA-9A462D9D0210}" type="presParOf" srcId="{F83FC547-7C98-4BA1-A525-A388021023AD}" destId="{DC840353-2282-4112-92DE-A3E5E740D83E}" srcOrd="2" destOrd="0" presId="urn:microsoft.com/office/officeart/2005/8/layout/target1"/>
-    <dgm:cxn modelId="{21D543BF-BB3E-4D21-AA4B-E17DF7FAA8ED}" type="presParOf" srcId="{F83FC547-7C98-4BA1-A525-A388021023AD}" destId="{8C034039-2DFB-4963-879A-D2FCDCB1BD05}" srcOrd="3" destOrd="0" presId="urn:microsoft.com/office/officeart/2005/8/layout/target1"/>
-    <dgm:cxn modelId="{221C3BD8-8155-40E2-AB95-14D4A5537EA6}" type="presParOf" srcId="{F83FC547-7C98-4BA1-A525-A388021023AD}" destId="{1F39E39C-0280-4F42-94ED-A35C53334115}" srcOrd="4" destOrd="0" presId="urn:microsoft.com/office/officeart/2005/8/layout/target1"/>
-    <dgm:cxn modelId="{A2CF1743-3444-4D9B-AFE3-A7CA7A7B4716}" type="presParOf" srcId="{F83FC547-7C98-4BA1-A525-A388021023AD}" destId="{D1036620-22CD-4210-B9CB-CC9557B12E47}" srcOrd="5" destOrd="0" presId="urn:microsoft.com/office/officeart/2005/8/layout/target1"/>
-    <dgm:cxn modelId="{A7D562A6-A5F4-436E-94F9-33885AD5D8C9}" type="presParOf" srcId="{F83FC547-7C98-4BA1-A525-A388021023AD}" destId="{FD6221E4-5503-4B42-94DA-FE23DE0A12B5}" srcOrd="6" destOrd="0" presId="urn:microsoft.com/office/officeart/2005/8/layout/target1"/>
-    <dgm:cxn modelId="{C8F72AE5-8E4D-46B3-8C24-644ABDC933B3}" type="presParOf" srcId="{F83FC547-7C98-4BA1-A525-A388021023AD}" destId="{FD53BD5F-3D10-4661-9F3E-B99C43FB6B3C}" srcOrd="7" destOrd="0" presId="urn:microsoft.com/office/officeart/2005/8/layout/target1"/>
-    <dgm:cxn modelId="{649F1897-A3AC-42DC-ACF4-1D81A28FC6C5}" type="presParOf" srcId="{F83FC547-7C98-4BA1-A525-A388021023AD}" destId="{3F30D057-F4F1-4E8E-BA1C-1EA6ED36557C}" srcOrd="8" destOrd="0" presId="urn:microsoft.com/office/officeart/2005/8/layout/target1"/>
-    <dgm:cxn modelId="{087D1B95-6858-466E-94AD-1B9C661710BB}" type="presParOf" srcId="{F83FC547-7C98-4BA1-A525-A388021023AD}" destId="{72554440-F6E0-409C-BEB8-1658A7D0C84D}" srcOrd="9" destOrd="0" presId="urn:microsoft.com/office/officeart/2005/8/layout/target1"/>
-    <dgm:cxn modelId="{DE8E6C1C-9A74-4FA6-9EB5-1BB03280FD97}" type="presParOf" srcId="{F83FC547-7C98-4BA1-A525-A388021023AD}" destId="{3565DF0B-FF98-431E-94BA-52C1748A7EE8}" srcOrd="10" destOrd="0" presId="urn:microsoft.com/office/officeart/2005/8/layout/target1"/>
-    <dgm:cxn modelId="{09849858-7AC5-47D4-9D48-29B7F5C09474}" type="presParOf" srcId="{F83FC547-7C98-4BA1-A525-A388021023AD}" destId="{FA4F0EDC-FF8B-47C2-911B-5D735A0E2535}" srcOrd="11" destOrd="0" presId="urn:microsoft.com/office/officeart/2005/8/layout/target1"/>
-  </dgm:cxnLst>
-  <dgm:bg/>
-  <dgm:whole/>
-  <dgm:extLst>
-    <a:ext uri="http://schemas.microsoft.com/office/drawing/2008/diagram">
-      <dsp:dataModelExt xmlns:dsp="http://schemas.microsoft.com/office/drawing/2008/diagram" relId="rId6" minVer="http://schemas.openxmlformats.org/drawingml/2006/diagram"/>
-    </a:ext>
-  </dgm:extLst>
-</dgm:dataModel>
-</file>
-
-<file path=ppt/diagrams/drawing1.xml><?xml version="1.0" encoding="utf-8"?>
-<dsp:drawing xmlns:dgm="http://schemas.openxmlformats.org/drawingml/2006/diagram" xmlns:dsp="http://schemas.microsoft.com/office/drawing/2008/diagram" xmlns:a="http://schemas.openxmlformats.org/drawingml/2006/main">
-  <dsp:spTree>
-    <dsp:nvGrpSpPr>
-      <dsp:cNvPr id="0" name=""/>
-      <dsp:cNvGrpSpPr/>
-    </dsp:nvGrpSpPr>
-    <dsp:grpSpPr/>
-    <dsp:sp modelId="{3F30D057-F4F1-4E8E-BA1C-1EA6ED36557C}">
-      <dsp:nvSpPr>
-        <dsp:cNvPr id="0" name=""/>
-        <dsp:cNvSpPr/>
-      </dsp:nvSpPr>
-      <dsp:spPr>
-        <a:xfrm>
-          <a:off x="571500" y="914399"/>
-          <a:ext cx="2743200" cy="2743200"/>
-        </a:xfrm>
-        <a:prstGeom prst="ellipse">
-          <a:avLst/>
-        </a:prstGeom>
-        <a:solidFill>
-          <a:srgbClr val="002060"/>
-        </a:solidFill>
-        <a:ln>
-          <a:noFill/>
-        </a:ln>
-        <a:effectLst>
-          <a:glow rad="63500">
-            <a:schemeClr val="dk2">
-              <a:hueOff val="0"/>
-              <a:satOff val="0"/>
-              <a:lumOff val="0"/>
-              <a:alphaOff val="0"/>
-              <a:alpha val="45000"/>
-              <a:satMod val="120000"/>
-            </a:schemeClr>
-          </a:glow>
-        </a:effectLst>
-        <a:scene3d>
-          <a:camera prst="orthographicFront" fov="0">
-            <a:rot lat="0" lon="0" rev="0"/>
-          </a:camera>
-          <a:lightRig rig="brightRoom" dir="tl">
-            <a:rot lat="0" lon="0" rev="8700000"/>
-          </a:lightRig>
-        </a:scene3d>
-        <a:sp3d prstMaterial="plastic">
-          <a:bevelT w="50800" h="50800"/>
-          <a:bevelB w="50800" h="50800"/>
-        </a:sp3d>
-      </dsp:spPr>
-      <dsp:style>
-        <a:lnRef idx="0">
-          <a:scrgbClr r="0" g="0" b="0"/>
-        </a:lnRef>
-        <a:fillRef idx="1">
-          <a:scrgbClr r="0" g="0" b="0"/>
-        </a:fillRef>
-        <a:effectRef idx="2">
-          <a:scrgbClr r="0" g="0" b="0"/>
-        </a:effectRef>
-        <a:fontRef idx="minor">
-          <a:schemeClr val="lt1"/>
-        </a:fontRef>
-      </dsp:style>
-    </dsp:sp>
-    <dsp:sp modelId="{1F39E39C-0280-4F42-94ED-A35C53334115}">
-      <dsp:nvSpPr>
-        <dsp:cNvPr id="0" name=""/>
-        <dsp:cNvSpPr/>
-      </dsp:nvSpPr>
-      <dsp:spPr>
-        <a:xfrm>
-          <a:off x="1120140" y="1463039"/>
-          <a:ext cx="1645920" cy="1645920"/>
-        </a:xfrm>
-        <a:prstGeom prst="ellipse">
-          <a:avLst/>
-        </a:prstGeom>
-        <a:solidFill>
-          <a:srgbClr val="0070C0">
-            <a:alpha val="39000"/>
-          </a:srgbClr>
-        </a:solidFill>
-        <a:ln>
-          <a:noFill/>
-        </a:ln>
-        <a:effectLst>
-          <a:glow rad="63500">
-            <a:schemeClr val="dk2">
-              <a:hueOff val="0"/>
-              <a:satOff val="0"/>
-              <a:lumOff val="0"/>
-              <a:alphaOff val="0"/>
-              <a:alpha val="45000"/>
-              <a:satMod val="120000"/>
-            </a:schemeClr>
-          </a:glow>
-        </a:effectLst>
-        <a:scene3d>
-          <a:camera prst="orthographicFront" fov="0">
-            <a:rot lat="0" lon="0" rev="0"/>
-          </a:camera>
-          <a:lightRig rig="brightRoom" dir="tl">
-            <a:rot lat="0" lon="0" rev="8700000"/>
-          </a:lightRig>
-        </a:scene3d>
-        <a:sp3d prstMaterial="plastic">
-          <a:bevelT w="50800" h="50800"/>
-          <a:bevelB w="50800" h="50800"/>
-        </a:sp3d>
-      </dsp:spPr>
-      <dsp:style>
-        <a:lnRef idx="0">
-          <a:scrgbClr r="0" g="0" b="0"/>
-        </a:lnRef>
-        <a:fillRef idx="1">
-          <a:scrgbClr r="0" g="0" b="0"/>
-        </a:fillRef>
-        <a:effectRef idx="2">
-          <a:scrgbClr r="0" g="0" b="0"/>
-        </a:effectRef>
-        <a:fontRef idx="minor">
-          <a:schemeClr val="lt1"/>
-        </a:fontRef>
-      </dsp:style>
-    </dsp:sp>
-    <dsp:sp modelId="{5B2A6C11-B8FD-420B-BE47-355E2F8B3DFC}">
-      <dsp:nvSpPr>
-        <dsp:cNvPr id="0" name=""/>
-        <dsp:cNvSpPr/>
-      </dsp:nvSpPr>
-      <dsp:spPr>
-        <a:xfrm>
-          <a:off x="1638297" y="2079810"/>
-          <a:ext cx="548640" cy="548640"/>
-        </a:xfrm>
-        <a:prstGeom prst="ellipse">
-          <a:avLst/>
-        </a:prstGeom>
-        <a:solidFill>
-          <a:srgbClr val="0070C0"/>
-        </a:solidFill>
-        <a:ln>
-          <a:noFill/>
-        </a:ln>
-        <a:effectLst>
-          <a:glow rad="63500">
-            <a:schemeClr val="dk2">
-              <a:hueOff val="0"/>
-              <a:satOff val="0"/>
-              <a:lumOff val="0"/>
-              <a:alphaOff val="0"/>
-              <a:alpha val="45000"/>
-              <a:satMod val="120000"/>
-            </a:schemeClr>
-          </a:glow>
-        </a:effectLst>
-        <a:scene3d>
-          <a:camera prst="orthographicFront" fov="0">
-            <a:rot lat="0" lon="0" rev="0"/>
-          </a:camera>
-          <a:lightRig rig="brightRoom" dir="tl">
-            <a:rot lat="0" lon="0" rev="8700000"/>
-          </a:lightRig>
-        </a:scene3d>
-        <a:sp3d prstMaterial="plastic">
-          <a:bevelT w="50800" h="50800"/>
-          <a:bevelB w="50800" h="50800"/>
-        </a:sp3d>
-      </dsp:spPr>
-      <dsp:style>
-        <a:lnRef idx="0">
-          <a:scrgbClr r="0" g="0" b="0"/>
-        </a:lnRef>
-        <a:fillRef idx="1">
-          <a:scrgbClr r="0" g="0" b="0"/>
-        </a:fillRef>
-        <a:effectRef idx="2">
-          <a:scrgbClr r="0" g="0" b="0"/>
-        </a:effectRef>
-        <a:fontRef idx="minor">
-          <a:schemeClr val="lt1"/>
-        </a:fontRef>
-      </dsp:style>
-    </dsp:sp>
-    <dsp:sp modelId="{3D7AB509-6BA0-4C30-9B59-90C18990B40E}">
-      <dsp:nvSpPr>
-        <dsp:cNvPr id="0" name=""/>
-        <dsp:cNvSpPr/>
-      </dsp:nvSpPr>
-      <dsp:spPr>
-        <a:xfrm>
-          <a:off x="3771900" y="0"/>
-          <a:ext cx="1371600" cy="800100"/>
-        </a:xfrm>
-        <a:prstGeom prst="rect">
-          <a:avLst/>
-        </a:prstGeom>
-        <a:solidFill>
-          <a:schemeClr val="lt2">
-            <a:alpha val="0"/>
-            <a:hueOff val="0"/>
-            <a:satOff val="0"/>
-            <a:lumOff val="0"/>
-            <a:alphaOff val="0"/>
-          </a:schemeClr>
-        </a:solidFill>
-        <a:ln>
-          <a:noFill/>
-        </a:ln>
-        <a:effectLst/>
-      </dsp:spPr>
-      <dsp:style>
-        <a:lnRef idx="0">
-          <a:scrgbClr r="0" g="0" b="0"/>
-        </a:lnRef>
-        <a:fillRef idx="1">
-          <a:scrgbClr r="0" g="0" b="0"/>
-        </a:fillRef>
-        <a:effectRef idx="0">
-          <a:scrgbClr r="0" g="0" b="0"/>
-        </a:effectRef>
-        <a:fontRef idx="minor"/>
-      </dsp:style>
-      <dsp:txBody>
-        <a:bodyPr spcFirstLastPara="0" vert="horz" wrap="square" lIns="99568" tIns="17780" rIns="17780" bIns="17780" numCol="1" spcCol="1270" anchor="ctr" anchorCtr="0">
-          <a:noAutofit/>
-        </a:bodyPr>
-        <a:lstStyle/>
-        <a:p>
-          <a:pPr lvl="0" algn="l" defTabSz="622300" rtl="0">
-            <a:lnSpc>
-              <a:spcPct val="90000"/>
-            </a:lnSpc>
-            <a:spcBef>
-              <a:spcPct val="0"/>
-            </a:spcBef>
-            <a:spcAft>
-              <a:spcPct val="35000"/>
-            </a:spcAft>
-          </a:pPr>
-          <a:r>
-            <a:rPr lang="en-US" sz="1400" kern="1200" dirty="0" smtClean="0">
-              <a:latin typeface="+mn-lt"/>
-              <a:cs typeface="Arial" pitchFamily="34" charset="0"/>
-            </a:rPr>
-            <a:t>The sun is in the center of all orbits</a:t>
-          </a:r>
-          <a:endParaRPr lang="en-US" sz="1400" kern="1200" dirty="0">
-            <a:latin typeface="+mn-lt"/>
-            <a:cs typeface="Arial" pitchFamily="34" charset="0"/>
-          </a:endParaRPr>
-        </a:p>
-      </dsp:txBody>
-      <dsp:txXfrm>
-        <a:off x="3771900" y="0"/>
-        <a:ext cx="1371600" cy="800100"/>
-      </dsp:txXfrm>
-    </dsp:sp>
-    <dsp:sp modelId="{DC840353-2282-4112-92DE-A3E5E740D83E}">
-      <dsp:nvSpPr>
-        <dsp:cNvPr id="0" name=""/>
-        <dsp:cNvSpPr/>
-      </dsp:nvSpPr>
-      <dsp:spPr>
-        <a:xfrm>
-          <a:off x="3429000" y="400049"/>
-          <a:ext cx="342900" cy="0"/>
-        </a:xfrm>
-        <a:prstGeom prst="line">
-          <a:avLst/>
-        </a:prstGeom>
-        <a:solidFill>
-          <a:schemeClr val="dk2">
-            <a:hueOff val="0"/>
-            <a:satOff val="0"/>
-            <a:lumOff val="0"/>
-            <a:alphaOff val="0"/>
-          </a:schemeClr>
-        </a:solidFill>
-        <a:ln w="19050" cap="flat" cmpd="sng" algn="ctr">
-          <a:solidFill>
-            <a:schemeClr val="dk2">
-              <a:tint val="50000"/>
-              <a:hueOff val="0"/>
-              <a:satOff val="0"/>
-              <a:lumOff val="0"/>
-              <a:alphaOff val="0"/>
-            </a:schemeClr>
-          </a:solidFill>
-          <a:prstDash val="solid"/>
-        </a:ln>
-        <a:effectLst/>
-        <a:sp3d z="75000" prstMaterial="plastic"/>
-      </dsp:spPr>
-      <dsp:style>
-        <a:lnRef idx="2">
-          <a:scrgbClr r="0" g="0" b="0"/>
-        </a:lnRef>
-        <a:fillRef idx="1">
-          <a:scrgbClr r="0" g="0" b="0"/>
-        </a:fillRef>
-        <a:effectRef idx="0">
-          <a:scrgbClr r="0" g="0" b="0"/>
-        </a:effectRef>
-        <a:fontRef idx="minor"/>
-      </dsp:style>
-    </dsp:sp>
-    <dsp:sp modelId="{8C034039-2DFB-4963-879A-D2FCDCB1BD05}">
-      <dsp:nvSpPr>
-        <dsp:cNvPr id="0" name=""/>
-        <dsp:cNvSpPr/>
-      </dsp:nvSpPr>
-      <dsp:spPr>
-        <a:xfrm rot="5400000">
-          <a:off x="1742617" y="600989"/>
-          <a:ext cx="1885492" cy="1484528"/>
-        </a:xfrm>
-        <a:prstGeom prst="line">
-          <a:avLst/>
-        </a:prstGeom>
-        <a:solidFill>
-          <a:schemeClr val="dk2">
-            <a:hueOff val="0"/>
-            <a:satOff val="0"/>
-            <a:lumOff val="0"/>
-            <a:alphaOff val="0"/>
-          </a:schemeClr>
-        </a:solidFill>
-        <a:ln w="19050" cap="flat" cmpd="sng" algn="ctr">
-          <a:solidFill>
-            <a:schemeClr val="dk2">
-              <a:tint val="50000"/>
-              <a:hueOff val="0"/>
-              <a:satOff val="0"/>
-              <a:lumOff val="0"/>
-              <a:alphaOff val="0"/>
-            </a:schemeClr>
-          </a:solidFill>
-          <a:prstDash val="solid"/>
-        </a:ln>
-        <a:effectLst/>
-        <a:sp3d z="75000" prstMaterial="plastic"/>
-      </dsp:spPr>
-      <dsp:style>
-        <a:lnRef idx="2">
-          <a:scrgbClr r="0" g="0" b="0"/>
-        </a:lnRef>
-        <a:fillRef idx="1">
-          <a:scrgbClr r="0" g="0" b="0"/>
-        </a:fillRef>
-        <a:effectRef idx="0">
-          <a:scrgbClr r="0" g="0" b="0"/>
-        </a:effectRef>
-        <a:fontRef idx="minor"/>
-      </dsp:style>
-    </dsp:sp>
-    <dsp:sp modelId="{D1036620-22CD-4210-B9CB-CC9557B12E47}">
-      <dsp:nvSpPr>
-        <dsp:cNvPr id="0" name=""/>
-        <dsp:cNvSpPr/>
-      </dsp:nvSpPr>
-      <dsp:spPr>
-        <a:xfrm>
-          <a:off x="3771900" y="800099"/>
-          <a:ext cx="1371600" cy="800100"/>
-        </a:xfrm>
-        <a:prstGeom prst="rect">
-          <a:avLst/>
-        </a:prstGeom>
-        <a:solidFill>
-          <a:schemeClr val="lt2">
-            <a:alpha val="0"/>
-            <a:hueOff val="0"/>
-            <a:satOff val="0"/>
-            <a:lumOff val="0"/>
-            <a:alphaOff val="0"/>
-          </a:schemeClr>
-        </a:solidFill>
-        <a:ln>
-          <a:noFill/>
-        </a:ln>
-        <a:effectLst/>
-      </dsp:spPr>
-      <dsp:style>
-        <a:lnRef idx="0">
-          <a:scrgbClr r="0" g="0" b="0"/>
-        </a:lnRef>
-        <a:fillRef idx="1">
-          <a:scrgbClr r="0" g="0" b="0"/>
-        </a:fillRef>
-        <a:effectRef idx="0">
-          <a:scrgbClr r="0" g="0" b="0"/>
-        </a:effectRef>
-        <a:fontRef idx="minor"/>
-      </dsp:style>
-      <dsp:txBody>
-        <a:bodyPr spcFirstLastPara="0" vert="horz" wrap="square" lIns="99568" tIns="17780" rIns="17780" bIns="17780" numCol="1" spcCol="1270" anchor="ctr" anchorCtr="0">
-          <a:noAutofit/>
-        </a:bodyPr>
-        <a:lstStyle/>
-        <a:p>
-          <a:pPr lvl="0" algn="l" defTabSz="622300" rtl="0">
-            <a:lnSpc>
-              <a:spcPct val="90000"/>
-            </a:lnSpc>
-            <a:spcBef>
-              <a:spcPct val="0"/>
-            </a:spcBef>
-            <a:spcAft>
-              <a:spcPct val="35000"/>
-            </a:spcAft>
-          </a:pPr>
-          <a:r>
-            <a:rPr lang="en-US" sz="1400" kern="1200" dirty="0" smtClean="0">
-              <a:latin typeface="+mn-lt"/>
-              <a:cs typeface="Arial" pitchFamily="34" charset="0"/>
-            </a:rPr>
-            <a:t>There are smaller planets closer to the sun</a:t>
-          </a:r>
-          <a:endParaRPr lang="en-US" sz="1400" kern="1200" dirty="0">
-            <a:latin typeface="+mn-lt"/>
-            <a:cs typeface="Arial" pitchFamily="34" charset="0"/>
-          </a:endParaRPr>
-        </a:p>
-      </dsp:txBody>
-      <dsp:txXfrm>
-        <a:off x="3771900" y="800099"/>
-        <a:ext cx="1371600" cy="800100"/>
-      </dsp:txXfrm>
-    </dsp:sp>
-    <dsp:sp modelId="{FD6221E4-5503-4B42-94DA-FE23DE0A12B5}">
-      <dsp:nvSpPr>
-        <dsp:cNvPr id="0" name=""/>
-        <dsp:cNvSpPr/>
-      </dsp:nvSpPr>
-      <dsp:spPr>
-        <a:xfrm>
-          <a:off x="3429000" y="1200149"/>
-          <a:ext cx="342900" cy="0"/>
-        </a:xfrm>
-        <a:prstGeom prst="line">
-          <a:avLst/>
-        </a:prstGeom>
-        <a:solidFill>
-          <a:schemeClr val="dk2">
-            <a:hueOff val="0"/>
-            <a:satOff val="0"/>
-            <a:lumOff val="0"/>
-            <a:alphaOff val="0"/>
-          </a:schemeClr>
-        </a:solidFill>
-        <a:ln w="19050" cap="flat" cmpd="sng" algn="ctr">
-          <a:solidFill>
-            <a:schemeClr val="dk2">
-              <a:tint val="50000"/>
-              <a:hueOff val="0"/>
-              <a:satOff val="0"/>
-              <a:lumOff val="0"/>
-              <a:alphaOff val="0"/>
-            </a:schemeClr>
-          </a:solidFill>
-          <a:prstDash val="solid"/>
-        </a:ln>
-        <a:effectLst/>
-        <a:sp3d z="75000" prstMaterial="plastic"/>
-      </dsp:spPr>
-      <dsp:style>
-        <a:lnRef idx="2">
-          <a:scrgbClr r="0" g="0" b="0"/>
-        </a:lnRef>
-        <a:fillRef idx="1">
-          <a:scrgbClr r="0" g="0" b="0"/>
-        </a:fillRef>
-        <a:effectRef idx="0">
-          <a:scrgbClr r="0" g="0" b="0"/>
-        </a:effectRef>
-        <a:fontRef idx="minor"/>
-      </dsp:style>
-    </dsp:sp>
-    <dsp:sp modelId="{FD53BD5F-3D10-4661-9F3E-B99C43FB6B3C}">
-      <dsp:nvSpPr>
-        <dsp:cNvPr id="0" name=""/>
-        <dsp:cNvSpPr/>
-      </dsp:nvSpPr>
-      <dsp:spPr>
-        <a:xfrm rot="5400000">
-          <a:off x="2147331" y="1388607"/>
-          <a:ext cx="1469257" cy="1091336"/>
-        </a:xfrm>
-        <a:prstGeom prst="line">
-          <a:avLst/>
-        </a:prstGeom>
-        <a:solidFill>
-          <a:schemeClr val="dk2">
-            <a:hueOff val="0"/>
-            <a:satOff val="0"/>
-            <a:lumOff val="0"/>
-            <a:alphaOff val="0"/>
-          </a:schemeClr>
-        </a:solidFill>
-        <a:ln w="19050" cap="flat" cmpd="sng" algn="ctr">
-          <a:solidFill>
-            <a:schemeClr val="dk2">
-              <a:tint val="50000"/>
-              <a:hueOff val="0"/>
-              <a:satOff val="0"/>
-              <a:lumOff val="0"/>
-              <a:alphaOff val="0"/>
-            </a:schemeClr>
-          </a:solidFill>
-          <a:prstDash val="solid"/>
-        </a:ln>
-        <a:effectLst/>
-        <a:sp3d z="75000" prstMaterial="plastic"/>
-      </dsp:spPr>
-      <dsp:style>
-        <a:lnRef idx="2">
-          <a:scrgbClr r="0" g="0" b="0"/>
-        </a:lnRef>
-        <a:fillRef idx="1">
-          <a:scrgbClr r="0" g="0" b="0"/>
-        </a:fillRef>
-        <a:effectRef idx="0">
-          <a:scrgbClr r="0" g="0" b="0"/>
-        </a:effectRef>
-        <a:fontRef idx="minor"/>
-      </dsp:style>
-    </dsp:sp>
-    <dsp:sp modelId="{72554440-F6E0-409C-BEB8-1658A7D0C84D}">
-      <dsp:nvSpPr>
-        <dsp:cNvPr id="0" name=""/>
-        <dsp:cNvSpPr/>
-      </dsp:nvSpPr>
-      <dsp:spPr>
-        <a:xfrm>
-          <a:off x="3771900" y="1600199"/>
-          <a:ext cx="1371600" cy="800100"/>
-        </a:xfrm>
-        <a:prstGeom prst="rect">
-          <a:avLst/>
-        </a:prstGeom>
-        <a:solidFill>
-          <a:schemeClr val="lt2">
-            <a:alpha val="0"/>
-            <a:hueOff val="0"/>
-            <a:satOff val="0"/>
-            <a:lumOff val="0"/>
-            <a:alphaOff val="0"/>
-          </a:schemeClr>
-        </a:solidFill>
-        <a:ln>
-          <a:noFill/>
-        </a:ln>
-        <a:effectLst/>
-      </dsp:spPr>
-      <dsp:style>
-        <a:lnRef idx="0">
-          <a:scrgbClr r="0" g="0" b="0"/>
-        </a:lnRef>
-        <a:fillRef idx="1">
-          <a:scrgbClr r="0" g="0" b="0"/>
-        </a:fillRef>
-        <a:effectRef idx="0">
-          <a:scrgbClr r="0" g="0" b="0"/>
-        </a:effectRef>
-        <a:fontRef idx="minor"/>
-      </dsp:style>
-      <dsp:txBody>
-        <a:bodyPr spcFirstLastPara="0" vert="horz" wrap="square" lIns="99568" tIns="17780" rIns="17780" bIns="17780" numCol="1" spcCol="1270" anchor="ctr" anchorCtr="0">
-          <a:noAutofit/>
-        </a:bodyPr>
-        <a:lstStyle/>
-        <a:p>
-          <a:pPr lvl="0" algn="l" defTabSz="622300" rtl="0">
-            <a:lnSpc>
-              <a:spcPct val="90000"/>
-            </a:lnSpc>
-            <a:spcBef>
-              <a:spcPct val="0"/>
-            </a:spcBef>
-            <a:spcAft>
-              <a:spcPct val="35000"/>
-            </a:spcAft>
-          </a:pPr>
-          <a:r>
-            <a:rPr lang="en-US" sz="1400" kern="1200" dirty="0" smtClean="0">
-              <a:latin typeface="+mn-lt"/>
-              <a:cs typeface="Arial" pitchFamily="34" charset="0"/>
-            </a:rPr>
-            <a:t>There is a mix of planet sizes further away</a:t>
-          </a:r>
-          <a:endParaRPr lang="en-US" sz="1400" kern="1200" dirty="0">
-            <a:latin typeface="+mn-lt"/>
-            <a:cs typeface="Arial" pitchFamily="34" charset="0"/>
-          </a:endParaRPr>
-        </a:p>
-      </dsp:txBody>
-      <dsp:txXfrm>
-        <a:off x="3771900" y="1600199"/>
-        <a:ext cx="1371600" cy="800100"/>
-      </dsp:txXfrm>
-    </dsp:sp>
-    <dsp:sp modelId="{3565DF0B-FF98-431E-94BA-52C1748A7EE8}">
-      <dsp:nvSpPr>
-        <dsp:cNvPr id="0" name=""/>
-        <dsp:cNvSpPr/>
-      </dsp:nvSpPr>
-      <dsp:spPr>
-        <a:xfrm>
-          <a:off x="3429000" y="2000249"/>
-          <a:ext cx="342900" cy="0"/>
-        </a:xfrm>
-        <a:prstGeom prst="line">
-          <a:avLst/>
-        </a:prstGeom>
-        <a:solidFill>
-          <a:schemeClr val="dk2">
-            <a:hueOff val="0"/>
-            <a:satOff val="0"/>
-            <a:lumOff val="0"/>
-            <a:alphaOff val="0"/>
-          </a:schemeClr>
-        </a:solidFill>
-        <a:ln w="19050" cap="flat" cmpd="sng" algn="ctr">
-          <a:solidFill>
-            <a:schemeClr val="dk2">
-              <a:tint val="50000"/>
-              <a:hueOff val="0"/>
-              <a:satOff val="0"/>
-              <a:lumOff val="0"/>
-              <a:alphaOff val="0"/>
-            </a:schemeClr>
-          </a:solidFill>
-          <a:prstDash val="solid"/>
-        </a:ln>
-        <a:effectLst/>
-        <a:sp3d z="75000" prstMaterial="plastic"/>
-      </dsp:spPr>
-      <dsp:style>
-        <a:lnRef idx="2">
-          <a:scrgbClr r="0" g="0" b="0"/>
-        </a:lnRef>
-        <a:fillRef idx="1">
-          <a:scrgbClr r="0" g="0" b="0"/>
-        </a:fillRef>
-        <a:effectRef idx="0">
-          <a:scrgbClr r="0" g="0" b="0"/>
-        </a:effectRef>
-        <a:fontRef idx="minor"/>
-      </dsp:style>
-    </dsp:sp>
-    <dsp:sp modelId="{FA4F0EDC-FF8B-47C2-911B-5D735A0E2535}">
-      <dsp:nvSpPr>
-        <dsp:cNvPr id="0" name=""/>
-        <dsp:cNvSpPr/>
-      </dsp:nvSpPr>
-      <dsp:spPr>
-        <a:xfrm rot="5400000">
-          <a:off x="2552547" y="2175586"/>
-          <a:ext cx="1049731" cy="698144"/>
-        </a:xfrm>
-        <a:prstGeom prst="line">
-          <a:avLst/>
-        </a:prstGeom>
-        <a:solidFill>
-          <a:schemeClr val="dk2">
-            <a:hueOff val="0"/>
-            <a:satOff val="0"/>
-            <a:lumOff val="0"/>
-            <a:alphaOff val="0"/>
-          </a:schemeClr>
-        </a:solidFill>
-        <a:ln w="19050" cap="flat" cmpd="sng" algn="ctr">
-          <a:solidFill>
-            <a:schemeClr val="dk2">
-              <a:tint val="50000"/>
-              <a:hueOff val="0"/>
-              <a:satOff val="0"/>
-              <a:lumOff val="0"/>
-              <a:alphaOff val="0"/>
-            </a:schemeClr>
-          </a:solidFill>
-          <a:prstDash val="solid"/>
-        </a:ln>
-        <a:effectLst/>
-        <a:sp3d z="75000" prstMaterial="plastic"/>
-      </dsp:spPr>
-      <dsp:style>
-        <a:lnRef idx="2">
-          <a:scrgbClr r="0" g="0" b="0"/>
-        </a:lnRef>
-        <a:fillRef idx="1">
-          <a:scrgbClr r="0" g="0" b="0"/>
-        </a:fillRef>
-        <a:effectRef idx="0">
-          <a:scrgbClr r="0" g="0" b="0"/>
-        </a:effectRef>
-        <a:fontRef idx="minor"/>
-      </dsp:style>
-    </dsp:sp>
-  </dsp:spTree>
-</dsp:drawing>
-</file>
-
-<file path=ppt/diagrams/layout1.xml><?xml version="1.0" encoding="utf-8"?>
-<dgm:layoutDef xmlns:dgm="http://schemas.openxmlformats.org/drawingml/2006/diagram" xmlns:a="http://schemas.openxmlformats.org/drawingml/2006/main" uniqueId="urn:microsoft.com/office/officeart/2005/8/layout/target1">
-  <dgm:title val=""/>
-  <dgm:desc val=""/>
-  <dgm:catLst>
-    <dgm:cat type="relationship" pri="25000"/>
-    <dgm:cat type="convert" pri="20000"/>
-  </dgm:catLst>
-  <dgm:sampData useDef="1">
-    <dgm:dataModel>
-      <dgm:ptLst/>
-      <dgm:bg/>
-      <dgm:whole/>
-    </dgm:dataModel>
-  </dgm:sampData>
-  <dgm:styleData>
-    <dgm:dataModel>
-      <dgm:ptLst>
-        <dgm:pt modelId="0" type="doc"/>
-        <dgm:pt modelId="1"/>
-        <dgm:pt modelId="2"/>
-      </dgm:ptLst>
-      <dgm:cxnLst>
-        <dgm:cxn modelId="3" srcId="0" destId="1" srcOrd="0" destOrd="0"/>
-        <dgm:cxn modelId="4" srcId="0" destId="2" srcOrd="1" destOrd="0"/>
-      </dgm:cxnLst>
-      <dgm:bg/>
-      <dgm:whole/>
-    </dgm:dataModel>
-  </dgm:styleData>
-  <dgm:clrData>
-    <dgm:dataModel>
-      <dgm:ptLst>
-        <dgm:pt modelId="0" type="doc"/>
-        <dgm:pt modelId="1"/>
-        <dgm:pt modelId="2"/>
-        <dgm:pt modelId="3"/>
-        <dgm:pt modelId="4"/>
-      </dgm:ptLst>
-      <dgm:cxnLst>
-        <dgm:cxn modelId="5" srcId="0" destId="1" srcOrd="0" destOrd="0"/>
-        <dgm:cxn modelId="6" srcId="0" destId="2" srcOrd="1" destOrd="0"/>
-        <dgm:cxn modelId="7" srcId="0" destId="3" srcOrd="2" destOrd="0"/>
-        <dgm:cxn modelId="8" srcId="0" destId="4" srcOrd="3" destOrd="0"/>
-      </dgm:cxnLst>
-      <dgm:bg/>
-      <dgm:whole/>
-    </dgm:dataModel>
-  </dgm:clrData>
-  <dgm:layoutNode name="composite">
-    <dgm:varLst>
-      <dgm:chMax val="5"/>
-      <dgm:dir/>
-      <dgm:resizeHandles val="exact"/>
-    </dgm:varLst>
-    <dgm:alg type="composite">
-      <dgm:param type="ar" val="1.25"/>
-    </dgm:alg>
-    <dgm:shape xmlns:r="http://schemas.openxmlformats.org/officeDocument/2006/relationships" r:blip="">
-      <dgm:adjLst/>
-    </dgm:shape>
-    <dgm:presOf/>
-    <dgm:choose name="Name0">
-      <dgm:if name="Name1" func="var" arg="dir" op="equ" val="norm">
-        <dgm:choose name="Name2">
-          <dgm:if name="Name3" axis="ch" ptType="node" func="cnt" op="equ" val="0">
-            <dgm:constrLst/>
-          </dgm:if>
-          <dgm:if name="Name4" axis="ch" ptType="node" func="cnt" op="equ" val="1">
-            <dgm:constrLst>
-              <dgm:constr type="primFontSz" for="des" ptType="node" op="equ" val="65"/>
-              <dgm:constr type="w" for="ch" forName="circle1" refType="w" fact="0.6"/>
-              <dgm:constr type="h" for="ch" forName="circle1" refType="w" refFor="ch" refForName="circle1"/>
-              <dgm:constr type="ctrX" for="ch" forName="circle1" refType="w" fact="0.3"/>
-              <dgm:constr type="ctrY" for="ch" forName="circle1" refType="h" fact="0.625"/>
-              <dgm:constr type="w" for="ch" forName="text1" refType="w" fact="0.3"/>
-              <dgm:constr type="h" for="ch" forName="text1" refType="h" fact="0.3125"/>
-              <dgm:constr type="r" for="ch" forName="text1" refType="w"/>
-              <dgm:constr type="t" for="ch" forName="text1"/>
-              <dgm:constr type="l" for="ch" forName="line1" refType="w" fact="0.625"/>
-              <dgm:constr type="ctrY" for="ch" forName="line1" refType="ctrY" refFor="ch" refForName="text1"/>
-              <dgm:constr type="r" for="ch" forName="line1" refType="l" refFor="ch" refForName="text1"/>
-              <dgm:constr type="h" for="ch" forName="line1"/>
-              <dgm:constr type="l" for="ch" forName="d1" refType="w" fact="0.3"/>
-              <dgm:constr type="b" for="ch" forName="d1" refType="h" fact="0.625"/>
-              <dgm:constr type="w" for="ch" forName="d1" refType="w" fact="0.32475"/>
-              <dgm:constr type="h" for="ch" forName="d1" refType="h" fact="0.469"/>
-            </dgm:constrLst>
-          </dgm:if>
-          <dgm:if name="Name5" axis="ch" ptType="node" func="cnt" op="equ" val="2">
-            <dgm:constrLst>
-              <dgm:constr type="primFontSz" for="des" ptType="node" op="equ" val="65"/>
-              <dgm:constr type="w" for="ch" forName="circle1" refType="w" fact="0.2"/>
-              <dgm:constr type="h" for="ch" forName="circle1" refType="w" refFor="ch" refForName="circle1"/>
-              <dgm:constr type="ctrX" for="ch" forName="circle1" refType="w" fact="0.3"/>
-              <dgm:constr type="ctrY" for="ch" forName="circle1" refType="h" fact="0.625"/>
-              <dgm:constr type="w" for="ch" forName="text1" refType="w" fact="0.3"/>
-              <dgm:constr type="h" for="ch" forName="text1" refType="h" fact="0.3125"/>
-              <dgm:constr type="r" for="ch" forName="text1" refType="w"/>
-              <dgm:constr type="t" for="ch" forName="text1"/>
-              <dgm:constr type="l" for="ch" forName="line1" refType="w" fact="0.625"/>
-              <dgm:constr type="ctrY" for="ch" forName="line1" refType="ctrY" refFor="ch" refForName="text1"/>
-              <dgm:constr type="w" for="ch" forName="line1" refType="w" fact="0.075"/>
-              <dgm:constr type="h" for="ch" forName="line1"/>
-              <dgm:constr type="l" for="ch" forName="d1" refType="w" fact="0.3"/>
-              <dgm:constr type="b" for="ch" forName="d1" refType="h" fact="0.625"/>
-              <dgm:constr type="w" for="ch" forName="d1" refType="w" fact="0.32475"/>
-              <dgm:constr type="h" for="ch" forName="d1" refType="h" fact="0.469"/>
-              <dgm:constr type="w" for="ch" forName="circle2" refType="w" fact="0.6"/>
-              <dgm:constr type="h" for="ch" forName="circle2" refType="w" refFor="ch" refForName="circle2"/>
-              <dgm:constr type="ctrX" for="ch" forName="circle2" refType="w" fact="0.3"/>
-              <dgm:constr type="ctrY" for="ch" forName="circle2" refType="h" fact="0.625"/>
-              <dgm:constr type="w" for="ch" forName="text2" refType="w" fact="0.3"/>
-              <dgm:constr type="h" for="ch" forName="text2" refType="h" fact="0.3125"/>
-              <dgm:constr type="r" for="ch" forName="text2" refType="w"/>
-              <dgm:constr type="t" for="ch" forName="text2" refType="b" refFor="ch" refForName="text1"/>
-              <dgm:constr type="l" for="ch" forName="line2" refType="w" fact="0.625"/>
-              <dgm:constr type="ctrY" for="ch" forName="line2" refType="ctrY" refFor="ch" refForName="text2"/>
-              <dgm:constr type="w" for="ch" forName="line2" refType="w" fact="0.075"/>
-              <dgm:constr type="h" for="ch" forName="line2"/>
-              <dgm:constr type="l" for="ch" forName="d2" refType="w" fact="0.44325"/>
-              <dgm:constr type="b" for="ch" forName="d2" refType="h" fact="0.7975"/>
-              <dgm:constr type="w" for="ch" forName="d2" refType="w" fact="0.1815"/>
-              <dgm:constr type="h" for="ch" forName="d2" refType="h" fact="0.3283"/>
-            </dgm:constrLst>
-          </dgm:if>
-          <dgm:if name="Name6" axis="ch" ptType="node" func="cnt" op="equ" val="3">
-            <dgm:constrLst>
-              <dgm:constr type="primFontSz" for="des" ptType="node" op="equ" val="65"/>
-              <dgm:constr type="w" for="ch" forName="circle1" refType="w" fact="0.12"/>
-              <dgm:constr type="h" for="ch" forName="circle1" refType="w" refFor="ch" refForName="circle1"/>
-              <dgm:constr type="ctrX" for="ch" forName="circle1" refType="w" fact="0.3"/>
-              <dgm:constr type="ctrY" for="ch" forName="circle1" refType="h" fact="0.625"/>
-              <dgm:constr type="w" for="ch" forName="text1" refType="w" fact="0.3"/>
-              <dgm:constr type="h" for="ch" forName="text1" refType="h" fact="0.21875"/>
-              <dgm:constr type="r" for="ch" forName="text1" refType="w"/>
-              <dgm:constr type="t" for="ch" forName="text1"/>
-              <dgm:constr type="l" for="ch" forName="line1" refType="w" fact="0.625"/>
-              <dgm:constr type="ctrY" for="ch" forName="line1" refType="ctrY" refFor="ch" refForName="text1"/>
-              <dgm:constr type="w" for="ch" forName="line1" refType="w" fact="0.075"/>
-              <dgm:constr type="h" for="ch" forName="line1"/>
-              <dgm:constr type="l" for="ch" forName="d1" refType="w" fact="0.3"/>
-              <dgm:constr type="b" for="ch" forName="d1" refType="h" fact="0.625"/>
-              <dgm:constr type="w" for="ch" forName="d1" refType="w" fact="0.3247"/>
-              <dgm:constr type="h" for="ch" forName="d1" refType="h" fact="0.5155"/>
-              <dgm:constr type="w" for="ch" forName="circle2" refType="w" fact="0.36"/>
-              <dgm:constr type="h" for="ch" forName="circle2" refType="w" refFor="ch" refForName="circle2"/>
-              <dgm:constr type="ctrX" for="ch" forName="circle2" refType="w" fact="0.3"/>
-              <dgm:constr type="ctrY" for="ch" forName="circle2" refType="h" fact="0.625"/>
-              <dgm:constr type="w" for="ch" forName="text2" refType="w" fact="0.3"/>
-              <dgm:constr type="h" for="ch" forName="text2" refType="h" fact="0.21875"/>
-              <dgm:constr type="r" for="ch" forName="text2" refType="w"/>
-              <dgm:constr type="t" for="ch" forName="text2" refType="b" refFor="ch" refForName="text1"/>
-              <dgm:constr type="l" for="ch" forName="line2" refType="w" fact="0.625"/>
-              <dgm:constr type="ctrY" for="ch" forName="line2" refType="ctrY" refFor="ch" refForName="text2"/>
-              <dgm:constr type="w" for="ch" forName="line2" refType="w" fact="0.075"/>
-              <dgm:constr type="h" for="ch" forName="line2"/>
-              <dgm:constr type="l" for="ch" forName="d2" refType="w" fact="0.386"/>
-              <dgm:constr type="b" for="ch" forName="d2" refType="h" fact="0.72969"/>
-              <dgm:constr type="w" for="ch" forName="d2" refType="w" fact="0.2387"/>
-              <dgm:constr type="h" for="ch" forName="d2" refType="h" fact="0.4017"/>
-              <dgm:constr type="w" for="ch" forName="circle3" refType="w" fact="0.6"/>
-              <dgm:constr type="h" for="ch" forName="circle3" refType="w" refFor="ch" refForName="circle3"/>
-              <dgm:constr type="ctrX" for="ch" forName="circle3" refType="ctrX" refFor="ch" refForName="circle1"/>
-              <dgm:constr type="ctrY" for="ch" forName="circle3" refType="ctrY" refFor="ch" refForName="circle1"/>
-              <dgm:constr type="w" for="ch" forName="text3" refType="w" fact="0.3"/>
-              <dgm:constr type="h" for="ch" forName="text3" refType="h" fact="0.21875"/>
-              <dgm:constr type="r" for="ch" forName="text3" refType="w"/>
-              <dgm:constr type="t" for="ch" forName="text3" refType="b" refFor="ch" refForName="text2"/>
-              <dgm:constr type="l" for="ch" forName="line3" refType="w" fact="0.625"/>
-              <dgm:constr type="ctrY" for="ch" forName="line3" refType="ctrY" refFor="ch" refForName="text3"/>
-              <dgm:constr type="w" for="ch" forName="line3" refType="w" fact="0.075"/>
-              <dgm:constr type="h" for="ch" forName="line3"/>
-              <dgm:constr type="l" for="ch" forName="d3" refType="w" fact="0.47175"/>
-              <dgm:constr type="b" for="ch" forName="d3" refType="h" fact="0.83375"/>
-              <dgm:constr type="w" for="ch" forName="d3" refType="w" fact="0.1527"/>
-              <dgm:constr type="h" for="ch" forName="d3" refType="h" fact="0.287"/>
-            </dgm:constrLst>
-          </dgm:if>
-          <dgm:if name="Name7" axis="ch" ptType="node" func="cnt" op="equ" val="4">
-            <dgm:constrLst>
-              <dgm:constr type="primFontSz" for="des" ptType="node" op="equ" val="65"/>
-              <dgm:constr type="w" for="ch" forName="circle1" refType="w" fact="0.0857"/>
-              <dgm:constr type="h" for="ch" forName="circle1" refType="w" refFor="ch" refForName="circle1"/>
-              <dgm:constr type="ctrX" for="ch" forName="circle1" refType="w" fact="0.3"/>
-              <dgm:constr type="ctrY" for="ch" forName="circle1" refType="h" fact="0.625"/>
-              <dgm:constr type="w" for="ch" forName="text1" refType="w" fact="0.3"/>
-              <dgm:constr type="h" for="ch" forName="text1" refType="h" fact="0.17938"/>
-              <dgm:constr type="r" for="ch" forName="text1" refType="w"/>
-              <dgm:constr type="t" for="ch" forName="text1"/>
-              <dgm:constr type="l" for="ch" forName="line1" refType="w" fact="0.625"/>
-              <dgm:constr type="ctrY" for="ch" forName="line1" refType="ctrY" refFor="ch" refForName="text1"/>
-              <dgm:constr type="w" for="ch" forName="line1" refType="w" fact="0.075"/>
-              <dgm:constr type="h" for="ch" forName="line1"/>
-              <dgm:constr type="l" for="ch" forName="d1" refType="w" fact="0.295"/>
-              <dgm:constr type="b" for="ch" forName="d1" refType="h" fact="0.62"/>
-              <dgm:constr type="w" for="ch" forName="d1" refType="w" fact="0.33"/>
-              <dgm:constr type="h" for="ch" forName="d1" refType="h" fact="0.53"/>
-              <dgm:constr type="w" for="ch" forName="circle2" refType="w" fact="0.2571"/>
-              <dgm:constr type="h" for="ch" forName="circle2" refType="w" refFor="ch" refForName="circle2"/>
-              <dgm:constr type="ctrX" for="ch" forName="circle2" refType="w" fact="0.3"/>
-              <dgm:constr type="ctrY" for="ch" forName="circle2" refType="h" fact="0.625"/>
-              <dgm:constr type="w" for="ch" forName="text2" refType="w" fact="0.3"/>
-              <dgm:constr type="h" for="ch" forName="text2" refType="h" fact="0.17938"/>
-              <dgm:constr type="r" for="ch" forName="text2" refType="w"/>
-              <dgm:constr type="t" for="ch" forName="text2" refType="b" refFor="ch" refForName="text1"/>
-              <dgm:constr type="l" for="ch" forName="line2" refType="w" fact="0.625"/>
-              <dgm:constr type="ctrY" for="ch" forName="line2" refType="ctrY" refFor="ch" refForName="text2"/>
-              <dgm:constr type="w" for="ch" forName="line2" refType="w" fact="0.075"/>
-              <dgm:constr type="h" for="ch" forName="line2"/>
-              <dgm:constr type="l" for="ch" forName="d2" refType="w" fact="0.36625"/>
-              <dgm:constr type="b" for="ch" forName="d2" refType="h" fact="0.70438"/>
-              <dgm:constr type="w" for="ch" forName="d2" refType="w" fact="0.2585"/>
-              <dgm:constr type="h" for="ch" forName="d2" refType="h" fact="0.43525"/>
-              <dgm:constr type="w" for="ch" forName="circle3" refType="w" fact="0.4285"/>
-              <dgm:constr type="h" for="ch" forName="circle3" refType="w" refFor="ch" refForName="circle3"/>
-              <dgm:constr type="ctrX" for="ch" forName="circle3" refType="ctrX" refFor="ch" refForName="circle1"/>
-              <dgm:constr type="ctrY" for="ch" forName="circle3" refType="ctrY" refFor="ch" refForName="circle1"/>
-              <dgm:constr type="w" for="ch" forName="text3" refType="w" fact="0.3"/>
-              <dgm:constr type="h" for="ch" forName="text3" refType="h" fact="0.17938"/>
-              <dgm:constr type="r" for="ch" forName="text3" refType="w"/>
-              <dgm:constr type="t" for="ch" forName="text3" refType="b" refFor="ch" refForName="text2"/>
-              <dgm:constr type="l" for="ch" forName="line3" refType="w" fact="0.625"/>
-              <dgm:constr type="ctrY" for="ch" forName="line3" refType="ctrY" refFor="ch" refForName="text3"/>
-              <dgm:constr type="w" for="ch" forName="line3" refType="w" fact="0.075"/>
-              <dgm:constr type="h" for="ch" forName="line3"/>
-              <dgm:constr type="l" for="ch" forName="d3" refType="w" fact="0.4255"/>
-              <dgm:constr type="b" for="ch" forName="d3" refType="h" fact="0.78031"/>
-              <dgm:constr type="w" for="ch" forName="d3" refType="w" fact="0.1995"/>
-              <dgm:constr type="h" for="ch" forName="d3" refType="h" fact="0.332"/>
-              <dgm:constr type="w" for="ch" forName="circle4" refType="w" fact="0.6"/>
-              <dgm:constr type="h" for="ch" forName="circle4" refType="w" refFor="ch" refForName="circle4"/>
-              <dgm:constr type="ctrX" for="ch" forName="circle4" refType="ctrX" refFor="ch" refForName="circle1"/>
-              <dgm:constr type="ctrY" for="ch" forName="circle4" refType="ctrY" refFor="ch" refForName="circle1"/>
-              <dgm:constr type="w" for="ch" forName="text4" refType="w" fact="0.3"/>
-              <dgm:constr type="h" for="ch" forName="text4" refType="h" fact="0.17938"/>
-              <dgm:constr type="r" for="ch" forName="text4" refType="w"/>
-              <dgm:constr type="t" for="ch" forName="text4" refType="b" refFor="ch" refForName="text3"/>
-              <dgm:constr type="l" for="ch" forName="line4" refType="w" fact="0.625"/>
-              <dgm:constr type="ctrY" for="ch" forName="line4" refType="ctrY" refFor="ch" refForName="text4"/>
-              <dgm:constr type="w" for="ch" forName="line4" refType="w" fact="0.075"/>
-              <dgm:constr type="h" for="ch" forName="line4"/>
-              <dgm:constr type="l" for="ch" forName="d4" refType="w" fact="0.48525"/>
-              <dgm:constr type="b" for="ch" forName="d4" refType="h" fact="0.85594"/>
-              <dgm:constr type="w" for="ch" forName="d4" refType="w" fact="0.1394"/>
-              <dgm:constr type="h" for="ch" forName="d4" refType="h" fact="0.2282"/>
-            </dgm:constrLst>
-          </dgm:if>
-          <dgm:if name="Name8" axis="ch" ptType="node" func="cnt" op="gte" val="5">
-            <dgm:constrLst>
-              <dgm:constr type="primFontSz" for="des" ptType="node" op="equ" val="65"/>
-              <dgm:constr type="w" for="ch" forName="circle1" refType="w" fact="0.0667"/>
-              <dgm:constr type="h" for="ch" forName="circle1" refType="w" refFor="ch" refForName="circle1"/>
-              <dgm:constr type="ctrX" for="ch" forName="circle1" refType="w" fact="0.3"/>
-              <dgm:constr type="ctrY" for="ch" forName="circle1" refType="h" fact="0.625"/>
-              <dgm:constr type="w" for="ch" forName="text1" refType="w" fact="0.3"/>
-              <dgm:constr type="h" for="ch" forName="text1" refType="h" fact="0.1324"/>
-              <dgm:constr type="r" for="ch" forName="text1" refType="w"/>
-              <dgm:constr type="ctrY" for="ch" forName="text1" refType="h" fact="0.13"/>
-              <dgm:constr type="l" for="ch" forName="line1" refType="w" fact="0.625"/>
-              <dgm:constr type="ctrY" for="ch" forName="line1" refType="ctrY" refFor="ch" refForName="text1"/>
-              <dgm:constr type="w" for="ch" forName="line1" refType="w" fact="0.075"/>
-              <dgm:constr type="h" for="ch" forName="line1"/>
-              <dgm:constr type="l" for="ch" forName="d1" refType="w" fact="0.3"/>
-              <dgm:constr type="b" for="ch" forName="d1" refType="h" fact="0.625"/>
-              <dgm:constr type="w" for="ch" forName="d1" refType="w" fact="0.3245"/>
-              <dgm:constr type="h" for="ch" forName="d1" refType="h" fact="0.495"/>
-              <dgm:constr type="w" for="ch" forName="circle2" refType="w" fact="0.2"/>
-              <dgm:constr type="h" for="ch" forName="circle2" refType="w" refFor="ch" refForName="circle2"/>
-              <dgm:constr type="ctrX" for="ch" forName="circle2" refType="w" fact="0.3"/>
-              <dgm:constr type="ctrY" for="ch" forName="circle2" refType="h" fact="0.625"/>
-              <dgm:constr type="w" for="ch" forName="text2" refType="w" fact="0.3"/>
-              <dgm:constr type="h" for="ch" forName="text2" refType="h" fact="0.1324"/>
-              <dgm:constr type="r" for="ch" forName="text2" refType="w"/>
-              <dgm:constr type="ctrY" for="ch" forName="text2" refType="h" fact="0.27"/>
-              <dgm:constr type="l" for="ch" forName="line2" refType="w" fact="0.625"/>
-              <dgm:constr type="ctrY" for="ch" forName="line2" refType="ctrY" refFor="ch" refForName="text2"/>
-              <dgm:constr type="w" for="ch" forName="line2" refType="w" fact="0.075"/>
-              <dgm:constr type="h" for="ch" forName="line2"/>
-              <dgm:constr type="l" for="ch" forName="d2" refType="w" fact="0.3498"/>
-              <dgm:constr type="b" for="ch" forName="d2" refType="h" fact="0.682"/>
-              <dgm:constr type="w" for="ch" forName="d2" refType="w" fact="0.275"/>
-              <dgm:constr type="h" for="ch" forName="d2" refType="h" fact="0.41215"/>
-              <dgm:constr type="w" for="ch" forName="circle3" refType="w" fact="0.3334"/>
-              <dgm:constr type="h" for="ch" forName="circle3" refType="w" refFor="ch" refForName="circle3"/>
-              <dgm:constr type="ctrX" for="ch" forName="circle3" refType="ctrX" refFor="ch" refForName="circle1"/>
-              <dgm:constr type="ctrY" for="ch" forName="circle3" refType="ctrY" refFor="ch" refForName="circle1"/>
-              <dgm:constr type="w" for="ch" forName="text3" refType="w" fact="0.3"/>
-              <dgm:constr type="h" for="ch" forName="text3" refType="h" fact="0.1324"/>
-              <dgm:constr type="r" for="ch" forName="text3" refType="w"/>
-              <dgm:constr type="ctrY" for="ch" forName="text3" refType="h" fact="0.41"/>
-              <dgm:constr type="l" for="ch" forName="line3" refType="w" fact="0.625"/>
-              <dgm:constr type="ctrY" for="ch" forName="line3" refType="ctrY" refFor="ch" refForName="text3"/>
-              <dgm:constr type="w" for="ch" forName="line3" refType="w" fact="0.075"/>
-              <dgm:constr type="h" for="ch" forName="line3"/>
-              <dgm:constr type="l" for="ch" forName="d3" refType="w" fact="0.394"/>
-              <dgm:constr type="b" for="ch" forName="d3" refType="h" fact="0.735"/>
-              <dgm:constr type="w" for="ch" forName="d3" refType="w" fact="0.231"/>
-              <dgm:constr type="h" for="ch" forName="d3" refType="h" fact="0.325"/>
-              <dgm:constr type="w" for="ch" forName="circle4" refType="w" fact="0.4667"/>
-              <dgm:constr type="h" for="ch" forName="circle4" refType="w" refFor="ch" refForName="circle4"/>
-              <dgm:constr type="ctrX" for="ch" forName="circle4" refType="ctrX" refFor="ch" refForName="circle1"/>
-              <dgm:constr type="ctrY" for="ch" forName="circle4" refType="ctrY" refFor="ch" refForName="circle1"/>
-              <dgm:constr type="w" for="ch" forName="text4" refType="w" fact="0.3"/>
-              <dgm:constr type="h" for="ch" forName="text4" refType="h" fact="0.1324"/>
-              <dgm:constr type="r" for="ch" forName="text4" refType="w"/>
-              <dgm:constr type="ctrY" for="ch" forName="text4" refType="h" fact="0.547"/>
-              <dgm:constr type="l" for="ch" forName="line4" refType="w" fact="0.625"/>
-              <dgm:constr type="ctrY" for="ch" forName="line4" refType="ctrY" refFor="ch" refForName="text4"/>
-              <dgm:constr type="w" for="ch" forName="line4" refType="w" fact="0.075"/>
-              <dgm:constr type="h" for="ch" forName="line4"/>
-              <dgm:constr type="l" for="ch" forName="d4" refType="w" fact="0.446"/>
-              <dgm:constr type="b" for="ch" forName="d4" refType="h" fact="0.795"/>
-              <dgm:constr type="w" for="ch" forName="d4" refType="w" fact="0.179"/>
-              <dgm:constr type="h" for="ch" forName="d4" refType="h" fact="0.248"/>
-              <dgm:constr type="w" for="ch" forName="circle5" refType="w" fact="0.6"/>
-              <dgm:constr type="h" for="ch" forName="circle5" refType="w" refFor="ch" refForName="circle5"/>
-              <dgm:constr type="ctrX" for="ch" forName="circle5" refType="ctrX" refFor="ch" refForName="circle1"/>
-              <dgm:constr type="ctrY" for="ch" forName="circle5" refType="ctrY" refFor="ch" refForName="circle1"/>
-              <dgm:constr type="w" for="ch" forName="text5" refType="w" fact="0.3"/>
-              <dgm:constr type="h" for="ch" forName="text5" refType="h" fact="0.1324"/>
-              <dgm:constr type="r" for="ch" forName="text5" refType="w"/>
-              <dgm:constr type="ctrY" for="ch" forName="text5" refType="h" fact="0.68"/>
-              <dgm:constr type="l" for="ch" forName="line5" refType="w" fact="0.625"/>
-              <dgm:constr type="ctrY" for="ch" forName="line5" refType="ctrY" refFor="ch" refForName="text5"/>
-              <dgm:constr type="w" for="ch" forName="line5" refType="w" fact="0.075"/>
-              <dgm:constr type="h" for="ch" forName="line5"/>
-              <dgm:constr type="l" for="ch" forName="d5" refType="w" fact="0.495"/>
-              <dgm:constr type="b" for="ch" forName="d5" refType="h" fact="0.855"/>
-              <dgm:constr type="w" for="ch" forName="d5" refType="w" fact="0.13"/>
-              <dgm:constr type="h" for="ch" forName="d5" refType="h" fact="0.175"/>
-            </dgm:constrLst>
-          </dgm:if>
-          <dgm:else name="Name9"/>
-        </dgm:choose>
-      </dgm:if>
-      <dgm:else name="Name10">
-        <dgm:choose name="Name11">
-          <dgm:if name="Name12" axis="ch" ptType="node" func="cnt" op="equ" val="0">
-            <dgm:constrLst/>
-          </dgm:if>
-          <dgm:if name="Name13" axis="ch" ptType="node" func="cnt" op="equ" val="1">
-            <dgm:constrLst>
-              <dgm:constr type="primFontSz" for="des" ptType="node" op="equ" val="65"/>
-              <dgm:constr type="w" for="ch" forName="circle1" refType="w" fact="0.6"/>
-              <dgm:constr type="h" for="ch" forName="circle1" refType="w" refFor="ch" refForName="circle1"/>
-              <dgm:constr type="ctrX" for="ch" forName="circle1" refType="w" fact="0.7"/>
-              <dgm:constr type="ctrY" for="ch" forName="circle1" refType="h" fact="0.625"/>
-              <dgm:constr type="w" for="ch" forName="text1" refType="w" fact="0.3"/>
-              <dgm:constr type="h" for="ch" forName="text1" refType="h" fact="0.3125"/>
-              <dgm:constr type="l" for="ch" forName="text1"/>
-              <dgm:constr type="t" for="ch" forName="text1"/>
-              <dgm:constr type="l" for="ch" forName="line1" refType="r" refFor="ch" refForName="text1"/>
-              <dgm:constr type="ctrY" for="ch" forName="line1" refType="ctrY" refFor="ch" refForName="text1"/>
-              <dgm:constr type="r" for="ch" forName="line1" refType="w" fact="0.375"/>
-              <dgm:constr type="h" for="ch" forName="line1"/>
-              <dgm:constr type="r" for="ch" forName="d1" refType="w" fact="0.7"/>
-              <dgm:constr type="b" for="ch" forName="d1" refType="h" fact="0.625"/>
-              <dgm:constr type="w" for="ch" forName="d1" refType="w" fact="0.32475"/>
-              <dgm:constr type="h" for="ch" forName="d1" refType="h" fact="0.469"/>
-            </dgm:constrLst>
-          </dgm:if>
-          <dgm:if name="Name14" axis="ch" ptType="node" func="cnt" op="equ" val="2">
-            <dgm:constrLst>
-              <dgm:constr type="primFontSz" for="des" ptType="node" op="equ" val="65"/>
-              <dgm:constr type="w" for="ch" forName="circle1" refType="w" fact="0.2"/>
-              <dgm:constr type="h" for="ch" forName="circle1" refType="w" refFor="ch" refForName="circle1"/>
-              <dgm:constr type="ctrX" for="ch" forName="circle1" refType="w" fact="0.7"/>
-              <dgm:constr type="ctrY" for="ch" forName="circle1" refType="h" fact="0.625"/>
-              <dgm:constr type="w" for="ch" forName="text1" refType="w" fact="0.3"/>
-              <dgm:constr type="h" for="ch" forName="text1" refType="h" fact="0.3125"/>
-              <dgm:constr type="l" for="ch" forName="text1"/>
-              <dgm:constr type="t" for="ch" forName="text1"/>
-              <dgm:constr type="l" for="ch" forName="line1" refType="r" refFor="ch" refForName="text1"/>
-              <dgm:constr type="ctrY" for="ch" forName="line1" refType="ctrY" refFor="ch" refForName="text1"/>
-              <dgm:constr type="r" for="ch" forName="line1" refType="w" fact="0.375"/>
-              <dgm:constr type="h" for="ch" forName="line1"/>
-              <dgm:constr type="r" for="ch" forName="d1" refType="w" fact="0.7"/>
-              <dgm:constr type="b" for="ch" forName="d1" refType="h" fact="0.625"/>
-              <dgm:constr type="w" for="ch" forName="d1" refType="w" fact="0.32475"/>
-              <dgm:constr type="h" for="ch" forName="d1" refType="h" fact="0.469"/>
-              <dgm:constr type="w" for="ch" forName="circle2" refType="w" fact="0.6"/>
-              <dgm:constr type="h" for="ch" forName="circle2" refType="w" refFor="ch" refForName="circle2"/>
-              <dgm:constr type="ctrX" for="ch" forName="circle2" refType="w" fact="0.7"/>
-              <dgm:constr type="ctrY" for="ch" forName="circle2" refType="h" fact="0.625"/>
-              <dgm:constr type="w" for="ch" forName="text2" refType="w" fact="0.3"/>
-              <dgm:constr type="h" for="ch" forName="text2" refType="h" fact="0.3125"/>
-              <dgm:constr type="l" for="ch" forName="text2"/>
-              <dgm:constr type="t" for="ch" forName="text2" refType="b" refFor="ch" refForName="text1"/>
-              <dgm:constr type="l" for="ch" forName="line2" refType="r" refFor="ch" refForName="text2"/>
-              <dgm:constr type="ctrY" for="ch" forName="line2" refType="ctrY" refFor="ch" refForName="text2"/>
-              <dgm:constr type="r" for="ch" forName="line2" refType="w" fact="0.375"/>
-              <dgm:constr type="h" for="ch" forName="line2"/>
-              <dgm:constr type="r" for="ch" forName="d2" refType="w" fact="0.55675"/>
-              <dgm:constr type="b" for="ch" forName="d2" refType="h" fact="0.7975"/>
-              <dgm:constr type="w" for="ch" forName="d2" refType="w" fact="0.1815"/>
-              <dgm:constr type="h" for="ch" forName="d2" refType="h" fact="0.3283"/>
-            </dgm:constrLst>
-          </dgm:if>
-          <dgm:if name="Name15" axis="ch" ptType="node" func="cnt" op="equ" val="3">
-            <dgm:constrLst>
-              <dgm:constr type="primFontSz" for="des" ptType="node" op="equ" val="65"/>
-              <dgm:constr type="w" for="ch" forName="circle1" refType="w" fact="0.12"/>
-              <dgm:constr type="h" for="ch" forName="circle1" refType="w" refFor="ch" refForName="circle1"/>
-              <dgm:constr type="ctrX" for="ch" forName="circle1" refType="w" fact="0.7"/>
-              <dgm:constr type="ctrY" for="ch" forName="circle1" refType="h" fact="0.625"/>
-              <dgm:constr type="w" for="ch" forName="text1" refType="w" fact="0.3"/>
-              <dgm:constr type="h" for="ch" forName="text1" refType="h" fact="0.21875"/>
-              <dgm:constr type="l" for="ch" forName="text1"/>
-              <dgm:constr type="t" for="ch" forName="text1"/>
-              <dgm:constr type="l" for="ch" forName="line1" refType="r" refFor="ch" refForName="text1"/>
-              <dgm:constr type="ctrY" for="ch" forName="line1" refType="ctrY" refFor="ch" refForName="text1"/>
-              <dgm:constr type="r" for="ch" forName="line1" refType="w" fact="0.375"/>
-              <dgm:constr type="h" for="ch" forName="line1"/>
-              <dgm:constr type="r" for="ch" forName="d1" refType="w" fact="0.7"/>
-              <dgm:constr type="b" for="ch" forName="d1" refType="h" fact="0.625"/>
-              <dgm:constr type="w" for="ch" forName="d1" refType="w" fact="0.3247"/>
-              <dgm:constr type="h" for="ch" forName="d1" refType="h" fact="0.5155"/>
-              <dgm:constr type="w" for="ch" forName="circle2" refType="w" fact="0.36"/>
-              <dgm:constr type="h" for="ch" forName="circle2" refType="w" refFor="ch" refForName="circle2"/>
-              <dgm:constr type="ctrX" for="ch" forName="circle2" refType="w" fact="0.7"/>
-              <dgm:constr type="ctrY" for="ch" forName="circle2" refType="h" fact="0.625"/>
-              <dgm:constr type="w" for="ch" forName="text2" refType="w" fact="0.3"/>
-              <dgm:constr type="h" for="ch" forName="text2" refType="h" fact="0.21875"/>
-              <dgm:constr type="l" for="ch" forName="text2"/>
-              <dgm:constr type="t" for="ch" forName="text2" refType="b" refFor="ch" refForName="text1"/>
-              <dgm:constr type="l" for="ch" forName="line2" refType="r" refFor="ch" refForName="text2"/>
-              <dgm:constr type="ctrY" for="ch" forName="line2" refType="ctrY" refFor="ch" refForName="text2"/>
-              <dgm:constr type="r" for="ch" forName="line2" refType="w" fact="0.375"/>
-              <dgm:constr type="h" for="ch" forName="line2"/>
-              <dgm:constr type="r" for="ch" forName="d2" refType="w" fact="0.614"/>
-              <dgm:constr type="b" for="ch" forName="d2" refType="h" fact="0.72969"/>
-              <dgm:constr type="w" for="ch" forName="d2" refType="w" fact="0.2387"/>
-              <dgm:constr type="h" for="ch" forName="d2" refType="h" fact="0.4017"/>
-              <dgm:constr type="w" for="ch" forName="circle3" refType="w" fact="0.6"/>
-              <dgm:constr type="h" for="ch" forName="circle3" refType="w" refFor="ch" refForName="circle3"/>
-              <dgm:constr type="ctrX" for="ch" forName="circle3" refType="ctrX" refFor="ch" refForName="circle1"/>
-              <dgm:constr type="ctrY" for="ch" forName="circle3" refType="ctrY" refFor="ch" refForName="circle1"/>
-              <dgm:constr type="w" for="ch" forName="text3" refType="w" fact="0.3"/>
-              <dgm:constr type="h" for="ch" forName="text3" refType="h" fact="0.21875"/>
-              <dgm:constr type="l" for="ch" forName="text3"/>
-              <dgm:constr type="t" for="ch" forName="text3" refType="b" refFor="ch" refForName="text2"/>
-              <dgm:constr type="l" for="ch" forName="line3" refType="r" refFor="ch" refForName="text3"/>
-              <dgm:constr type="ctrY" for="ch" forName="line3" refType="ctrY" refFor="ch" refForName="text3"/>
-              <dgm:constr type="r" for="ch" forName="line3" refType="w" fact="0.375"/>
-              <dgm:constr type="h" for="ch" forName="line3"/>
-              <dgm:constr type="r" for="ch" forName="d3" refType="w" fact="0.52825"/>
-              <dgm:constr type="b" for="ch" forName="d3" refType="h" fact="0.83375"/>
-              <dgm:constr type="w" for="ch" forName="d3" refType="w" fact="0.1527"/>
-              <dgm:constr type="h" for="ch" forName="d3" refType="h" fact="0.287"/>
-            </dgm:constrLst>
-          </dgm:if>
-          <dgm:if name="Name16" axis="ch" ptType="node" func="cnt" op="equ" val="4">
-            <dgm:constrLst>
-              <dgm:constr type="primFontSz" for="des" ptType="node" op="equ" val="65"/>
-              <dgm:constr type="w" for="ch" forName="circle1" refType="w" fact="0.0857"/>
-              <dgm:constr type="h" for="ch" forName="circle1" refType="w" refFor="ch" refForName="circle1"/>
-              <dgm:constr type="ctrX" for="ch" forName="circle1" refType="w" fact="0.7"/>
-              <dgm:constr type="ctrY" for="ch" forName="circle1" refType="h" fact="0.625"/>
-              <dgm:constr type="w" for="ch" forName="text1" refType="w" fact="0.3"/>
-              <dgm:constr type="h" for="ch" forName="text1" refType="h" fact="0.17938"/>
-              <dgm:constr type="l" for="ch" forName="text1"/>
-              <dgm:constr type="t" for="ch" forName="text1"/>
-              <dgm:constr type="l" for="ch" forName="line1" refType="r" refFor="ch" refForName="text1"/>
-              <dgm:constr type="ctrY" for="ch" forName="line1" refType="ctrY" refFor="ch" refForName="text1"/>
-              <dgm:constr type="r" for="ch" forName="line1" refType="w" fact="0.375"/>
-              <dgm:constr type="h" for="ch" forName="line1"/>
-              <dgm:constr type="r" for="ch" forName="d1" refType="w" fact="0.705"/>
-              <dgm:constr type="b" for="ch" forName="d1" refType="h" fact="0.62"/>
-              <dgm:constr type="w" for="ch" forName="d1" refType="w" fact="0.33"/>
-              <dgm:constr type="h" for="ch" forName="d1" refType="h" fact="0.53"/>
-              <dgm:constr type="w" for="ch" forName="circle2" refType="w" fact="0.2571"/>
-              <dgm:constr type="h" for="ch" forName="circle2" refType="w" refFor="ch" refForName="circle2"/>
-              <dgm:constr type="ctrX" for="ch" forName="circle2" refType="w" fact="0.7"/>
-              <dgm:constr type="ctrY" for="ch" forName="circle2" refType="h" fact="0.625"/>
-              <dgm:constr type="w" for="ch" forName="text2" refType="w" fact="0.3"/>
-              <dgm:constr type="h" for="ch" forName="text2" refType="h" fact="0.17938"/>
-              <dgm:constr type="l" for="ch" forName="text2"/>
-              <dgm:constr type="t" for="ch" forName="text2" refType="b" refFor="ch" refForName="text1"/>
-              <dgm:constr type="l" for="ch" forName="line2" refType="r" refFor="ch" refForName="text2"/>
-              <dgm:constr type="ctrY" for="ch" forName="line2" refType="ctrY" refFor="ch" refForName="text2"/>
-              <dgm:constr type="r" for="ch" forName="line2" refType="w" fact="0.375"/>
-              <dgm:constr type="h" for="ch" forName="line2"/>
-              <dgm:constr type="r" for="ch" forName="d2" refType="w" fact="0.63375"/>
-              <dgm:constr type="b" for="ch" forName="d2" refType="h" fact="0.70438"/>
-              <dgm:constr type="w" for="ch" forName="d2" refType="w" fact="0.2585"/>
-              <dgm:constr type="h" for="ch" forName="d2" refType="h" fact="0.43525"/>
-              <dgm:constr type="w" for="ch" forName="circle3" refType="w" fact="0.4285"/>
-              <dgm:constr type="h" for="ch" forName="circle3" refType="w" refFor="ch" refForName="circle3"/>
-              <dgm:constr type="ctrX" for="ch" forName="circle3" refType="ctrX" refFor="ch" refForName="circle1"/>
-              <dgm:constr type="ctrY" for="ch" forName="circle3" refType="ctrY" refFor="ch" refForName="circle1"/>
-              <dgm:constr type="w" for="ch" forName="text3" refType="w" fact="0.3"/>
-              <dgm:constr type="h" for="ch" forName="text3" refType="h" fact="0.17938"/>
-              <dgm:constr type="l" for="ch" forName="text3"/>
-              <dgm:constr type="t" for="ch" forName="text3" refType="b" refFor="ch" refForName="text2"/>
-              <dgm:constr type="l" for="ch" forName="line3" refType="r" refFor="ch" refForName="text3"/>
-              <dgm:constr type="ctrY" for="ch" forName="line3" refType="ctrY" refFor="ch" refForName="text3"/>
-              <dgm:constr type="r" for="ch" forName="line3" refType="w" fact="0.375"/>
-              <dgm:constr type="h" for="ch" forName="line3"/>
-              <dgm:constr type="r" for="ch" forName="d3" refType="w" fact="0.5745"/>
-              <dgm:constr type="b" for="ch" forName="d3" refType="h" fact="0.78031"/>
-              <dgm:constr type="w" for="ch" forName="d3" refType="w" fact="0.1995"/>
-              <dgm:constr type="h" for="ch" forName="d3" refType="h" fact="0.332"/>
-              <dgm:constr type="w" for="ch" forName="circle4" refType="w" fact="0.6"/>
-              <dgm:constr type="h" for="ch" forName="circle4" refType="w" refFor="ch" refForName="circle4"/>
-              <dgm:constr type="ctrX" for="ch" forName="circle4" refType="ctrX" refFor="ch" refForName="circle1"/>
-              <dgm:constr type="ctrY" for="ch" forName="circle4" refType="ctrY" refFor="ch" refForName="circle1"/>
-              <dgm:constr type="w" for="ch" forName="text4" refType="w" fact="0.3"/>
-              <dgm:constr type="h" for="ch" forName="text4" refType="h" fact="0.17938"/>
-              <dgm:constr type="l" for="ch" forName="text4"/>
-              <dgm:constr type="t" for="ch" forName="text4" refType="b" refFor="ch" refForName="text3"/>
-              <dgm:constr type="l" for="ch" forName="line4" refType="r" refFor="ch" refForName="text4"/>
-              <dgm:constr type="ctrY" for="ch" forName="line4" refType="ctrY" refFor="ch" refForName="text4"/>
-              <dgm:constr type="r" for="ch" forName="line4" refType="w" fact="0.375"/>
-              <dgm:constr type="h" for="ch" forName="line4"/>
-              <dgm:constr type="r" for="ch" forName="d4" refType="w" fact="0.51475"/>
-              <dgm:constr type="b" for="ch" forName="d4" refType="h" fact="0.85594"/>
-              <dgm:constr type="w" for="ch" forName="d4" refType="w" fact="0.1394"/>
-              <dgm:constr type="h" for="ch" forName="d4" refType="h" fact="0.2282"/>
-            </dgm:constrLst>
-          </dgm:if>
-          <dgm:if name="Name17" axis="ch" ptType="node" func="cnt" op="gte" val="5">
-            <dgm:constrLst>
-              <dgm:constr type="primFontSz" for="des" ptType="node" op="equ" val="65"/>
-              <dgm:constr type="w" for="ch" forName="circle1" refType="w" fact="0.0667"/>
-              <dgm:constr type="h" for="ch" forName="circle1" refType="w" refFor="ch" refForName="circle1"/>
-              <dgm:constr type="ctrX" for="ch" forName="circle1" refType="w" fact="0.7"/>
-              <dgm:constr type="ctrY" for="ch" forName="circle1" refType="h" fact="0.625"/>
-              <dgm:constr type="w" for="ch" forName="text1" refType="w" fact="0.3"/>
-              <dgm:constr type="h" for="ch" forName="text1" refType="h" fact="0.1324"/>
-              <dgm:constr type="l" for="ch" forName="text1"/>
-              <dgm:constr type="ctrY" for="ch" forName="text1" refType="h" fact="0.13"/>
-              <dgm:constr type="l" for="ch" forName="line1" refType="r" refFor="ch" refForName="text1"/>
-              <dgm:constr type="ctrY" for="ch" forName="line1" refType="ctrY" refFor="ch" refForName="text1"/>
-              <dgm:constr type="r" for="ch" forName="line1" refType="w" fact="0.375"/>
-              <dgm:constr type="h" for="ch" forName="line1"/>
-              <dgm:constr type="r" for="ch" forName="d1" refType="w" fact="0.7"/>
-              <dgm:constr type="b" for="ch" forName="d1" refType="h" fact="0.625"/>
-              <dgm:constr type="w" for="ch" forName="d1" refType="w" fact="0.3245"/>
-              <dgm:constr type="h" for="ch" forName="d1" refType="h" fact="0.495"/>
-              <dgm:constr type="w" for="ch" forName="circle2" refType="w" fact="0.2"/>
-              <dgm:constr type="h" for="ch" forName="circle2" refType="w" refFor="ch" refForName="circle2"/>
-              <dgm:constr type="ctrX" for="ch" forName="circle2" refType="w" fact="0.7"/>
-              <dgm:constr type="ctrY" for="ch" forName="circle2" refType="h" fact="0.625"/>
-              <dgm:constr type="w" for="ch" forName="text2" refType="w" fact="0.3"/>
-              <dgm:constr type="h" for="ch" forName="text2" refType="h" fact="0.1324"/>
-              <dgm:constr type="l" for="ch" forName="text2"/>
-              <dgm:constr type="ctrY" for="ch" forName="text2" refType="h" fact="0.27"/>
-              <dgm:constr type="l" for="ch" forName="line2" refType="r" refFor="ch" refForName="text2"/>
-              <dgm:constr type="ctrY" for="ch" forName="line2" refType="ctrY" refFor="ch" refForName="text2"/>
-              <dgm:constr type="r" for="ch" forName="line2" refType="w" fact="0.375"/>
-              <dgm:constr type="h" for="ch" forName="line2"/>
-              <dgm:constr type="r" for="ch" forName="d2" refType="w" fact="0.6502"/>
-              <dgm:constr type="b" for="ch" forName="d2" refType="h" fact="0.682"/>
-              <dgm:constr type="w" for="ch" forName="d2" refType="w" fact="0.275"/>
-              <dgm:constr type="h" for="ch" forName="d2" refType="h" fact="0.41215"/>
-              <dgm:constr type="w" for="ch" forName="circle3" refType="w" fact="0.3334"/>
-              <dgm:constr type="h" for="ch" forName="circle3" refType="w" refFor="ch" refForName="circle3"/>
-              <dgm:constr type="ctrX" for="ch" forName="circle3" refType="ctrX" refFor="ch" refForName="circle1"/>
-              <dgm:constr type="ctrY" for="ch" forName="circle3" refType="ctrY" refFor="ch" refForName="circle1"/>
-              <dgm:constr type="w" for="ch" forName="text3" refType="w" fact="0.3"/>
-              <dgm:constr type="h" for="ch" forName="text3" refType="h" fact="0.1324"/>
-              <dgm:constr type="l" for="ch" forName="text3"/>
-              <dgm:constr type="ctrY" for="ch" forName="text3" refType="h" fact="0.41"/>
-              <dgm:constr type="l" for="ch" forName="line3" refType="r" refFor="ch" refForName="text3"/>
-              <dgm:constr type="ctrY" for="ch" forName="line3" refType="ctrY" refFor="ch" refForName="text3"/>
-              <dgm:constr type="r" for="ch" forName="line3" refType="w" fact="0.375"/>
-              <dgm:constr type="h" for="ch" forName="line3"/>
-              <dgm:constr type="r" for="ch" forName="d3" refType="w" fact="0.606"/>
-              <dgm:constr type="b" for="ch" forName="d3" refType="h" fact="0.735"/>
-              <dgm:constr type="w" for="ch" forName="d3" refType="w" fact="0.231"/>
-              <dgm:constr type="h" for="ch" forName="d3" refType="h" fact="0.325"/>
-              <dgm:constr type="w" for="ch" forName="circle4" refType="w" fact="0.4667"/>
-              <dgm:constr type="h" for="ch" forName="circle4" refType="w" refFor="ch" refForName="circle4"/>
-              <dgm:constr type="ctrX" for="ch" forName="circle4" refType="ctrX" refFor="ch" refForName="circle1"/>
-              <dgm:constr type="ctrY" for="ch" forName="circle4" refType="ctrY" refFor="ch" refForName="circle1"/>
-              <dgm:constr type="w" for="ch" forName="text4" refType="w" fact="0.3"/>
-              <dgm:constr type="h" for="ch" forName="text4" refType="h" fact="0.1324"/>
-              <dgm:constr type="l" for="ch" forName="text4"/>
-              <dgm:constr type="ctrY" for="ch" forName="text4" refType="h" fact="0.547"/>
-              <dgm:constr type="l" for="ch" forName="line4" refType="r" refFor="ch" refForName="text4"/>
-              <dgm:constr type="ctrY" for="ch" forName="line4" refType="ctrY" refFor="ch" refForName="text4"/>
-              <dgm:constr type="r" for="ch" forName="line4" refType="w" fact="0.375"/>
-              <dgm:constr type="h" for="ch" forName="line4"/>
-              <dgm:constr type="r" for="ch" forName="d4" refType="w" fact="0.554"/>
-              <dgm:constr type="b" for="ch" forName="d4" refType="h" fact="0.795"/>
-              <dgm:constr type="w" for="ch" forName="d4" refType="w" fact="0.179"/>
-              <dgm:constr type="h" for="ch" forName="d4" refType="h" fact="0.248"/>
-              <dgm:constr type="w" for="ch" forName="circle5" refType="w" fact="0.6"/>
-              <dgm:constr type="h" for="ch" forName="circle5" refType="w" refFor="ch" refForName="circle5"/>
-              <dgm:constr type="ctrX" for="ch" forName="circle5" refType="ctrX" refFor="ch" refForName="circle1"/>
-              <dgm:constr type="ctrY" for="ch" forName="circle5" refType="ctrY" refFor="ch" refForName="circle1"/>
-              <dgm:constr type="w" for="ch" forName="text5" refType="w" fact="0.3"/>
-              <dgm:constr type="h" for="ch" forName="text5" refType="h" fact="0.1324"/>
-              <dgm:constr type="l" for="ch" forName="text5"/>
-              <dgm:constr type="ctrY" for="ch" forName="text5" refType="h" fact="0.68"/>
-              <dgm:constr type="l" for="ch" forName="line5" refType="r" refFor="ch" refForName="text5"/>
-              <dgm:constr type="ctrY" for="ch" forName="line5" refType="ctrY" refFor="ch" refForName="text5"/>
-              <dgm:constr type="r" for="ch" forName="line5" refType="w" fact="0.375"/>
-              <dgm:constr type="h" for="ch" forName="line5"/>
-              <dgm:constr type="r" for="ch" forName="d5" refType="w" fact="0.505"/>
-              <dgm:constr type="b" for="ch" forName="d5" refType="h" fact="0.855"/>
-              <dgm:constr type="w" for="ch" forName="d5" refType="w" fact="0.13"/>
-              <dgm:constr type="h" for="ch" forName="d5" refType="h" fact="0.175"/>
-            </dgm:constrLst>
-          </dgm:if>
-          <dgm:else name="Name18"/>
-        </dgm:choose>
-      </dgm:else>
-    </dgm:choose>
-    <dgm:ruleLst/>
-    <dgm:forEach name="Name19" axis="ch" ptType="node" cnt="1">
-      <dgm:layoutNode name="circle1" styleLbl="lnNode1">
-        <dgm:alg type="sp"/>
-        <dgm:shape xmlns:r="http://schemas.openxmlformats.org/officeDocument/2006/relationships" type="ellipse" r:blip="">
-          <dgm:adjLst/>
-        </dgm:shape>
-        <dgm:presOf/>
-        <dgm:constrLst/>
-        <dgm:ruleLst/>
-      </dgm:layoutNode>
-      <dgm:layoutNode name="text1" styleLbl="revTx">
-        <dgm:varLst>
-          <dgm:bulletEnabled val="1"/>
-        </dgm:varLst>
-        <dgm:choose name="Name20">
-          <dgm:if name="Name21" func="var" arg="dir" op="equ" val="norm">
-            <dgm:choose name="Name22">
-              <dgm:if name="Name23" axis="root des" ptType="all node" func="maxDepth" op="gt" val="1">
-                <dgm:alg type="tx">
-                  <dgm:param type="parTxLTRAlign" val="l"/>
-                  <dgm:param type="parTxRTLAlign" val="r"/>
-                </dgm:alg>
-              </dgm:if>
-              <dgm:else name="Name24">
-                <dgm:alg type="tx">
-                  <dgm:param type="parTxLTRAlign" val="l"/>
-                  <dgm:param type="parTxRTLAlign" val="l"/>
-                </dgm:alg>
-              </dgm:else>
-            </dgm:choose>
-          </dgm:if>
-          <dgm:else name="Name25">
-            <dgm:choose name="Name26">
-              <dgm:if name="Name27" axis="root des" ptType="all node" func="maxDepth" op="gt" val="1">
-                <dgm:alg type="tx">
-                  <dgm:param type="parTxLTRAlign" val="l"/>
-                  <dgm:param type="parTxRTLAlign" val="r"/>
-                </dgm:alg>
-              </dgm:if>
-              <dgm:else name="Name28">
-                <dgm:alg type="tx">
-                  <dgm:param type="parTxLTRAlign" val="r"/>
-                  <dgm:param type="parTxRTLAlign" val="r"/>
-                </dgm:alg>
-              </dgm:else>
-            </dgm:choose>
-          </dgm:else>
-        </dgm:choose>
-        <dgm:shape xmlns:r="http://schemas.openxmlformats.org/officeDocument/2006/relationships" type="rect" r:blip="">
-          <dgm:adjLst/>
-        </dgm:shape>
-        <dgm:presOf axis="desOrSelf" ptType="node"/>
-        <dgm:choose name="Name29">
-          <dgm:if name="Name30" func="var" arg="dir" op="equ" val="norm">
-            <dgm:constrLst>
-              <dgm:constr type="tMarg" refType="primFontSz" fact="0.1"/>
-              <dgm:constr type="bMarg" refType="primFontSz" fact="0.1"/>
-              <dgm:constr type="rMarg" refType="primFontSz" fact="0.1"/>
-            </dgm:constrLst>
-          </dgm:if>
-          <dgm:else name="Name31">
-            <dgm:constrLst>
-              <dgm:constr type="tMarg" refType="primFontSz" fact="0.1"/>
-              <dgm:constr type="bMarg" refType="primFontSz" fact="0.1"/>
-              <dgm:constr type="lMarg" refType="primFontSz" fact="0.1"/>
-            </dgm:constrLst>
-          </dgm:else>
-        </dgm:choose>
-        <dgm:ruleLst>
-          <dgm:rule type="primFontSz" val="5" fact="NaN" max="NaN"/>
-        </dgm:ruleLst>
-      </dgm:layoutNode>
-      <dgm:layoutNode name="line1" styleLbl="callout">
-        <dgm:alg type="sp"/>
-        <dgm:shape xmlns:r="http://schemas.openxmlformats.org/officeDocument/2006/relationships" type="line" r:blip="">
-          <dgm:adjLst/>
-        </dgm:shape>
-        <dgm:presOf/>
-        <dgm:constrLst/>
-        <dgm:ruleLst/>
-      </dgm:layoutNode>
-      <dgm:layoutNode name="d1" styleLbl="callout">
-        <dgm:alg type="sp"/>
-        <dgm:choose name="Name32">
-          <dgm:if name="Name33" func="var" arg="dir" op="equ" val="norm">
-            <dgm:shape xmlns:r="http://schemas.openxmlformats.org/officeDocument/2006/relationships" rot="90" type="line" r:blip="">
-              <dgm:adjLst/>
-            </dgm:shape>
-          </dgm:if>
-          <dgm:else name="Name34">
-            <dgm:shape xmlns:r="http://schemas.openxmlformats.org/officeDocument/2006/relationships" rot="180" type="line" r:blip="">
-              <dgm:adjLst/>
-            </dgm:shape>
-          </dgm:else>
-        </dgm:choose>
-        <dgm:presOf/>
-        <dgm:constrLst/>
-        <dgm:ruleLst/>
-      </dgm:layoutNode>
-    </dgm:forEach>
-    <dgm:forEach name="Name35" axis="ch" ptType="node" st="2" cnt="1">
-      <dgm:layoutNode name="circle2" styleLbl="lnNode1">
-        <dgm:alg type="sp"/>
-        <dgm:shape xmlns:r="http://schemas.openxmlformats.org/officeDocument/2006/relationships" type="ellipse" r:blip="" zOrderOff="-5">
-          <dgm:adjLst/>
-        </dgm:shape>
-        <dgm:presOf/>
-        <dgm:constrLst/>
-        <dgm:ruleLst/>
-      </dgm:layoutNode>
-      <dgm:layoutNode name="text2" styleLbl="revTx">
-        <dgm:varLst>
-          <dgm:bulletEnabled val="1"/>
-        </dgm:varLst>
-        <dgm:choose name="Name36">
-          <dgm:if name="Name37" func="var" arg="dir" op="equ" val="norm">
-            <dgm:choose name="Name38">
-              <dgm:if name="Name39" axis="root des" ptType="all node" func="maxDepth" op="gt" val="1">
-                <dgm:alg type="tx">
-                  <dgm:param type="parTxLTRAlign" val="l"/>
-                  <dgm:param type="parTxRTLAlign" val="r"/>
-                </dgm:alg>
-              </dgm:if>
-              <dgm:else name="Name40">
-                <dgm:alg type="tx">
-                  <dgm:param type="parTxLTRAlign" val="l"/>
-                  <dgm:param type="parTxRTLAlign" val="l"/>
-                </dgm:alg>
-              </dgm:else>
-            </dgm:choose>
-          </dgm:if>
-          <dgm:else name="Name41">
-            <dgm:choose name="Name42">
-              <dgm:if name="Name43" axis="root des" ptType="all node" func="maxDepth" op="gt" val="1">
-                <dgm:alg type="tx">
-                  <dgm:param type="parTxLTRAlign" val="l"/>
-                  <dgm:param type="parTxRTLAlign" val="r"/>
-                </dgm:alg>
-              </dgm:if>
-              <dgm:else name="Name44">
-                <dgm:alg type="tx">
-                  <dgm:param type="parTxLTRAlign" val="r"/>
-                  <dgm:param type="parTxRTLAlign" val="r"/>
-                </dgm:alg>
-              </dgm:else>
-            </dgm:choose>
-          </dgm:else>
-        </dgm:choose>
-        <dgm:shape xmlns:r="http://schemas.openxmlformats.org/officeDocument/2006/relationships" type="rect" r:blip="">
-          <dgm:adjLst/>
-        </dgm:shape>
-        <dgm:presOf axis="desOrSelf" ptType="node"/>
-        <dgm:choose name="Name45">
-          <dgm:if name="Name46" func="var" arg="dir" op="equ" val="norm">
-            <dgm:constrLst>
-              <dgm:constr type="tMarg" refType="primFontSz" fact="0.1"/>
-              <dgm:constr type="bMarg" refType="primFontSz" fact="0.1"/>
-              <dgm:constr type="rMarg" refType="primFontSz" fact="0.1"/>
-            </dgm:constrLst>
-          </dgm:if>
-          <dgm:else name="Name47">
-            <dgm:constrLst>
-              <dgm:constr type="tMarg" refType="primFontSz" fact="0.1"/>
-              <dgm:constr type="bMarg" refType="primFontSz" fact="0.1"/>
-              <dgm:constr type="lMarg" refType="primFontSz" fact="0.1"/>
-            </dgm:constrLst>
-          </dgm:else>
-        </dgm:choose>
-        <dgm:ruleLst>
-          <dgm:rule type="primFontSz" val="5" fact="NaN" max="NaN"/>
-        </dgm:ruleLst>
-      </dgm:layoutNode>
-      <dgm:layoutNode name="line2" styleLbl="callout">
-        <dgm:alg type="sp"/>
-        <dgm:shape xmlns:r="http://schemas.openxmlformats.org/officeDocument/2006/relationships" type="line" r:blip="">
-          <dgm:adjLst/>
-        </dgm:shape>
-        <dgm:presOf/>
-        <dgm:constrLst/>
-        <dgm:ruleLst/>
-      </dgm:layoutNode>
-      <dgm:layoutNode name="d2" styleLbl="callout">
-        <dgm:alg type="sp"/>
-        <dgm:choose name="Name48">
-          <dgm:if name="Name49" func="var" arg="dir" op="equ" val="norm">
-            <dgm:shape xmlns:r="http://schemas.openxmlformats.org/officeDocument/2006/relationships" rot="90" type="line" r:blip="">
-              <dgm:adjLst/>
-            </dgm:shape>
-          </dgm:if>
-          <dgm:else name="Name50">
-            <dgm:shape xmlns:r="http://schemas.openxmlformats.org/officeDocument/2006/relationships" rot="180" type="line" r:blip="">
-              <dgm:adjLst/>
-            </dgm:shape>
-          </dgm:else>
-        </dgm:choose>
-        <dgm:presOf/>
-        <dgm:constrLst/>
-        <dgm:ruleLst/>
-      </dgm:layoutNode>
-    </dgm:forEach>
-    <dgm:forEach name="Name51" axis="ch" ptType="node" st="3" cnt="1">
-      <dgm:layoutNode name="circle3" styleLbl="lnNode1">
-        <dgm:alg type="sp"/>
-        <dgm:shape xmlns:r="http://schemas.openxmlformats.org/officeDocument/2006/relationships" type="ellipse" r:blip="" zOrderOff="-10">
-          <dgm:adjLst/>
-        </dgm:shape>
-        <dgm:presOf/>
-        <dgm:constrLst/>
-        <dgm:ruleLst/>
-      </dgm:layoutNode>
-      <dgm:layoutNode name="text3" styleLbl="revTx">
-        <dgm:varLst>
-          <dgm:bulletEnabled val="1"/>
-        </dgm:varLst>
-        <dgm:choose name="Name52">
-          <dgm:if name="Name53" func="var" arg="dir" op="equ" val="norm">
-            <dgm:choose name="Name54">
-              <dgm:if name="Name55" axis="root des" ptType="all node" func="maxDepth" op="gt" val="1">
-                <dgm:alg type="tx">
-                  <dgm:param type="parTxLTRAlign" val="l"/>
-                  <dgm:param type="parTxRTLAlign" val="r"/>
-                </dgm:alg>
-              </dgm:if>
-              <dgm:else name="Name56">
-                <dgm:alg type="tx">
-                  <dgm:param type="parTxLTRAlign" val="l"/>
-                  <dgm:param type="parTxRTLAlign" val="l"/>
-                </dgm:alg>
-              </dgm:else>
-            </dgm:choose>
-          </dgm:if>
-          <dgm:else name="Name57">
-            <dgm:choose name="Name58">
-              <dgm:if name="Name59" axis="root des" ptType="all node" func="maxDepth" op="gt" val="1">
-                <dgm:alg type="tx">
-                  <dgm:param type="parTxLTRAlign" val="l"/>
-                  <dgm:param type="parTxRTLAlign" val="r"/>
-                </dgm:alg>
-              </dgm:if>
-              <dgm:else name="Name60">
-                <dgm:alg type="tx">
-                  <dgm:param type="parTxLTRAlign" val="r"/>
-                  <dgm:param type="parTxRTLAlign" val="r"/>
-                </dgm:alg>
-              </dgm:else>
-            </dgm:choose>
-          </dgm:else>
-        </dgm:choose>
-        <dgm:shape xmlns:r="http://schemas.openxmlformats.org/officeDocument/2006/relationships" type="rect" r:blip="">
-          <dgm:adjLst/>
-        </dgm:shape>
-        <dgm:presOf axis="desOrSelf" ptType="node"/>
-        <dgm:choose name="Name61">
-          <dgm:if name="Name62" func="var" arg="dir" op="equ" val="norm">
-            <dgm:constrLst>
-              <dgm:constr type="tMarg" refType="primFontSz" fact="0.1"/>
-              <dgm:constr type="bMarg" refType="primFontSz" fact="0.1"/>
-              <dgm:constr type="rMarg" refType="primFontSz" fact="0.1"/>
-            </dgm:constrLst>
-          </dgm:if>
-          <dgm:else name="Name63">
-            <dgm:constrLst>
-              <dgm:constr type="tMarg" refType="primFontSz" fact="0.1"/>
-              <dgm:constr type="bMarg" refType="primFontSz" fact="0.1"/>
-              <dgm:constr type="lMarg" refType="primFontSz" fact="0.1"/>
-            </dgm:constrLst>
-          </dgm:else>
-        </dgm:choose>
-        <dgm:ruleLst>
-          <dgm:rule type="primFontSz" val="5" fact="NaN" max="NaN"/>
-        </dgm:ruleLst>
-      </dgm:layoutNode>
-      <dgm:layoutNode name="line3" styleLbl="callout">
-        <dgm:alg type="sp"/>
-        <dgm:shape xmlns:r="http://schemas.openxmlformats.org/officeDocument/2006/relationships" type="line" r:blip="">
-          <dgm:adjLst/>
-        </dgm:shape>
-        <dgm:presOf/>
-        <dgm:constrLst/>
-        <dgm:ruleLst/>
-      </dgm:layoutNode>
-      <dgm:layoutNode name="d3" styleLbl="callout">
-        <dgm:alg type="sp"/>
-        <dgm:choose name="Name64">
-          <dgm:if name="Name65" func="var" arg="dir" op="equ" val="norm">
-            <dgm:shape xmlns:r="http://schemas.openxmlformats.org/officeDocument/2006/relationships" rot="90" type="line" r:blip="">
-              <dgm:adjLst/>
-            </dgm:shape>
-          </dgm:if>
-          <dgm:else name="Name66">
-            <dgm:shape xmlns:r="http://schemas.openxmlformats.org/officeDocument/2006/relationships" rot="180" type="line" r:blip="">
-              <dgm:adjLst/>
-            </dgm:shape>
-          </dgm:else>
-        </dgm:choose>
-        <dgm:presOf/>
-        <dgm:constrLst/>
-        <dgm:ruleLst/>
-      </dgm:layoutNode>
-    </dgm:forEach>
-    <dgm:forEach name="Name67" axis="ch" ptType="node" st="4" cnt="1">
-      <dgm:layoutNode name="circle4" styleLbl="lnNode1">
-        <dgm:alg type="sp"/>
-        <dgm:shape xmlns:r="http://schemas.openxmlformats.org/officeDocument/2006/relationships" type="ellipse" r:blip="" zOrderOff="-15">
-          <dgm:adjLst/>
-        </dgm:shape>
-        <dgm:presOf/>
-        <dgm:constrLst/>
-        <dgm:ruleLst/>
-      </dgm:layoutNode>
-      <dgm:layoutNode name="text4" styleLbl="revTx">
-        <dgm:varLst>
-          <dgm:bulletEnabled val="1"/>
-        </dgm:varLst>
-        <dgm:choose name="Name68">
-          <dgm:if name="Name69" func="var" arg="dir" op="equ" val="norm">
-            <dgm:choose name="Name70">
-              <dgm:if name="Name71" axis="root des" ptType="all node" func="maxDepth" op="gt" val="1">
-                <dgm:alg type="tx">
-                  <dgm:param type="parTxLTRAlign" val="l"/>
-                  <dgm:param type="parTxRTLAlign" val="r"/>
-                </dgm:alg>
-              </dgm:if>
-              <dgm:else name="Name72">
-                <dgm:alg type="tx">
-                  <dgm:param type="parTxLTRAlign" val="l"/>
-                  <dgm:param type="parTxRTLAlign" val="l"/>
-                </dgm:alg>
-              </dgm:else>
-            </dgm:choose>
-          </dgm:if>
-          <dgm:else name="Name73">
-            <dgm:choose name="Name74">
-              <dgm:if name="Name75" axis="root des" ptType="all node" func="maxDepth" op="gt" val="1">
-                <dgm:alg type="tx">
-                  <dgm:param type="parTxLTRAlign" val="l"/>
-                  <dgm:param type="parTxRTLAlign" val="r"/>
-                </dgm:alg>
-              </dgm:if>
-              <dgm:else name="Name76">
-                <dgm:alg type="tx">
-                  <dgm:param type="parTxLTRAlign" val="r"/>
-                  <dgm:param type="parTxRTLAlign" val="r"/>
-                </dgm:alg>
-              </dgm:else>
-            </dgm:choose>
-          </dgm:else>
-        </dgm:choose>
-        <dgm:shape xmlns:r="http://schemas.openxmlformats.org/officeDocument/2006/relationships" type="rect" r:blip="">
-          <dgm:adjLst/>
-        </dgm:shape>
-        <dgm:presOf axis="desOrSelf" ptType="node"/>
-        <dgm:choose name="Name77">
-          <dgm:if name="Name78" func="var" arg="dir" op="equ" val="norm">
-            <dgm:constrLst>
-              <dgm:constr type="tMarg" refType="primFontSz" fact="0.1"/>
-              <dgm:constr type="bMarg" refType="primFontSz" fact="0.1"/>
-              <dgm:constr type="rMarg" refType="primFontSz" fact="0.1"/>
-            </dgm:constrLst>
-          </dgm:if>
-          <dgm:else name="Name79">
-            <dgm:constrLst>
-              <dgm:constr type="tMarg" refType="primFontSz" fact="0.1"/>
-              <dgm:constr type="bMarg" refType="primFontSz" fact="0.1"/>
-              <dgm:constr type="lMarg" refType="primFontSz" fact="0.1"/>
-            </dgm:constrLst>
-          </dgm:else>
-        </dgm:choose>
-        <dgm:ruleLst>
-          <dgm:rule type="primFontSz" val="5" fact="NaN" max="NaN"/>
-        </dgm:ruleLst>
-      </dgm:layoutNode>
-      <dgm:layoutNode name="line4" styleLbl="callout">
-        <dgm:alg type="sp"/>
-        <dgm:shape xmlns:r="http://schemas.openxmlformats.org/officeDocument/2006/relationships" type="line" r:blip="">
-          <dgm:adjLst/>
-        </dgm:shape>
-        <dgm:presOf/>
-        <dgm:constrLst/>
-        <dgm:ruleLst/>
-      </dgm:layoutNode>
-      <dgm:layoutNode name="d4" styleLbl="callout">
-        <dgm:alg type="sp"/>
-        <dgm:choose name="Name80">
-          <dgm:if name="Name81" func="var" arg="dir" op="equ" val="norm">
-            <dgm:shape xmlns:r="http://schemas.openxmlformats.org/officeDocument/2006/relationships" rot="90" type="line" r:blip="">
-              <dgm:adjLst/>
-            </dgm:shape>
-          </dgm:if>
-          <dgm:else name="Name82">
-            <dgm:shape xmlns:r="http://schemas.openxmlformats.org/officeDocument/2006/relationships" rot="180" type="line" r:blip="">
-              <dgm:adjLst/>
-            </dgm:shape>
-          </dgm:else>
-        </dgm:choose>
-        <dgm:presOf/>
-        <dgm:constrLst/>
-        <dgm:ruleLst/>
-      </dgm:layoutNode>
-    </dgm:forEach>
-    <dgm:forEach name="Name83" axis="ch" ptType="node" st="5" cnt="1">
-      <dgm:layoutNode name="circle5" styleLbl="lnNode1">
-        <dgm:alg type="sp"/>
-        <dgm:shape xmlns:r="http://schemas.openxmlformats.org/officeDocument/2006/relationships" type="ellipse" r:blip="" zOrderOff="-20">
-          <dgm:adjLst/>
-        </dgm:shape>
-        <dgm:presOf/>
-        <dgm:constrLst/>
-        <dgm:ruleLst/>
-      </dgm:layoutNode>
-      <dgm:layoutNode name="text5" styleLbl="revTx">
-        <dgm:varLst>
-          <dgm:bulletEnabled val="1"/>
-        </dgm:varLst>
-        <dgm:choose name="Name84">
-          <dgm:if name="Name85" func="var" arg="dir" op="equ" val="norm">
-            <dgm:choose name="Name86">
-              <dgm:if name="Name87" axis="root des" ptType="all node" func="maxDepth" op="gt" val="1">
-                <dgm:alg type="tx">
-                  <dgm:param type="parTxLTRAlign" val="l"/>
-                  <dgm:param type="parTxRTLAlign" val="r"/>
-                </dgm:alg>
-              </dgm:if>
-              <dgm:else name="Name88">
-                <dgm:alg type="tx">
-                  <dgm:param type="parTxLTRAlign" val="l"/>
-                  <dgm:param type="parTxRTLAlign" val="l"/>
-                </dgm:alg>
-              </dgm:else>
-            </dgm:choose>
-          </dgm:if>
-          <dgm:else name="Name89">
-            <dgm:choose name="Name90">
-              <dgm:if name="Name91" axis="root des" ptType="all node" func="maxDepth" op="gt" val="1">
-                <dgm:alg type="tx">
-                  <dgm:param type="parTxLTRAlign" val="l"/>
-                  <dgm:param type="parTxRTLAlign" val="r"/>
-                </dgm:alg>
-              </dgm:if>
-              <dgm:else name="Name92">
-                <dgm:alg type="tx">
-                  <dgm:param type="parTxLTRAlign" val="r"/>
-                  <dgm:param type="parTxRTLAlign" val="r"/>
-                </dgm:alg>
-              </dgm:else>
-            </dgm:choose>
-          </dgm:else>
-        </dgm:choose>
-        <dgm:shape xmlns:r="http://schemas.openxmlformats.org/officeDocument/2006/relationships" type="rect" r:blip="">
-          <dgm:adjLst/>
-        </dgm:shape>
-        <dgm:presOf axis="desOrSelf" ptType="node"/>
-        <dgm:choose name="Name93">
-          <dgm:if name="Name94" func="var" arg="dir" op="equ" val="norm">
-            <dgm:constrLst>
-              <dgm:constr type="tMarg" refType="primFontSz" fact="0.1"/>
-              <dgm:constr type="bMarg" refType="primFontSz" fact="0.1"/>
-              <dgm:constr type="rMarg" refType="primFontSz" fact="0.1"/>
-            </dgm:constrLst>
-          </dgm:if>
-          <dgm:else name="Name95">
-            <dgm:constrLst>
-              <dgm:constr type="tMarg" refType="primFontSz" fact="0.1"/>
-              <dgm:constr type="bMarg" refType="primFontSz" fact="0.1"/>
-              <dgm:constr type="lMarg" refType="primFontSz" fact="0.1"/>
-            </dgm:constrLst>
-          </dgm:else>
-        </dgm:choose>
-        <dgm:ruleLst>
-          <dgm:rule type="primFontSz" val="5" fact="NaN" max="NaN"/>
-        </dgm:ruleLst>
-      </dgm:layoutNode>
-      <dgm:layoutNode name="line5" styleLbl="callout">
-        <dgm:alg type="sp"/>
-        <dgm:shape xmlns:r="http://schemas.openxmlformats.org/officeDocument/2006/relationships" type="line" r:blip="">
-          <dgm:adjLst/>
-        </dgm:shape>
-        <dgm:presOf/>
-        <dgm:constrLst/>
-        <dgm:ruleLst/>
-      </dgm:layoutNode>
-      <dgm:layoutNode name="d5" styleLbl="callout">
-        <dgm:alg type="sp"/>
-        <dgm:choose name="Name96">
-          <dgm:if name="Name97" func="var" arg="dir" op="equ" val="norm">
-            <dgm:shape xmlns:r="http://schemas.openxmlformats.org/officeDocument/2006/relationships" rot="90" type="line" r:blip="">
-              <dgm:adjLst/>
-            </dgm:shape>
-          </dgm:if>
-          <dgm:else name="Name98">
-            <dgm:shape xmlns:r="http://schemas.openxmlformats.org/officeDocument/2006/relationships" rot="180" type="line" r:blip="">
-              <dgm:adjLst/>
-            </dgm:shape>
-          </dgm:else>
-        </dgm:choose>
-        <dgm:presOf/>
-        <dgm:constrLst/>
-        <dgm:ruleLst/>
-      </dgm:layoutNode>
-    </dgm:forEach>
-  </dgm:layoutNode>
-</dgm:layoutDef>
-</file>
-
-<file path=ppt/diagrams/quickStyle1.xml><?xml version="1.0" encoding="utf-8"?>
-<dgm:styleDef xmlns:dgm="http://schemas.openxmlformats.org/drawingml/2006/diagram" xmlns:a="http://schemas.openxmlformats.org/drawingml/2006/main" uniqueId="urn:microsoft.com/office/officeart/2005/8/quickstyle/3d6">
-  <dgm:title val=""/>
-  <dgm:desc val=""/>
-  <dgm:catLst>
-    <dgm:cat type="3D" pri="11600"/>
-  </dgm:catLst>
-  <dgm:scene3d>
-    <a:camera prst="perspectiveRelaxedModerately" zoom="92000"/>
-    <a:lightRig rig="balanced" dir="t">
-      <a:rot lat="0" lon="0" rev="12700000"/>
-    </a:lightRig>
-  </dgm:scene3d>
-  <dgm:styleLbl name="node0">
-    <dgm:scene3d>
-      <a:camera prst="orthographicFront"/>
-      <a:lightRig rig="threePt" dir="t"/>
-    </dgm:scene3d>
-    <dgm:sp3d prstMaterial="plastic">
-      <a:bevelT w="50800" h="50800"/>
-      <a:bevelB w="50800" h="50800"/>
-    </dgm:sp3d>
-    <dgm:txPr/>
-    <dgm:style>
-      <a:lnRef idx="0">
-        <a:scrgbClr r="0" g="0" b="0"/>
-      </a:lnRef>
-      <a:fillRef idx="1">
-        <a:scrgbClr r="0" g="0" b="0"/>
-      </a:fillRef>
-      <a:effectRef idx="2">
-        <a:scrgbClr r="0" g="0" b="0"/>
-      </a:effectRef>
-      <a:fontRef idx="minor">
-        <a:schemeClr val="lt1"/>
-      </a:fontRef>
-    </dgm:style>
-  </dgm:styleLbl>
-  <dgm:styleLbl name="lnNode1">
-    <dgm:scene3d>
-      <a:camera prst="orthographicFront"/>
-      <a:lightRig rig="threePt" dir="t"/>
-    </dgm:scene3d>
-    <dgm:sp3d prstMaterial="plastic">
-      <a:bevelT w="50800" h="50800"/>
-      <a:bevelB w="50800" h="50800"/>
-    </dgm:sp3d>
-    <dgm:txPr/>
-    <dgm:style>
-      <a:lnRef idx="0">
-        <a:scrgbClr r="0" g="0" b="0"/>
-      </a:lnRef>
-      <a:fillRef idx="1">
-        <a:scrgbClr r="0" g="0" b="0"/>
-      </a:fillRef>
-      <a:effectRef idx="2">
-        <a:scrgbClr r="0" g="0" b="0"/>
-      </a:effectRef>
-      <a:fontRef idx="minor">
-        <a:schemeClr val="lt1"/>
-      </a:fontRef>
-    </dgm:style>
-  </dgm:styleLbl>
-  <dgm:styleLbl name="vennNode1">
-    <dgm:scene3d>
-      <a:camera prst="orthographicFront"/>
-      <a:lightRig rig="threePt" dir="t"/>
-    </dgm:scene3d>
-    <dgm:sp3d prstMaterial="plastic">
-      <a:bevelT w="50800" h="50800"/>
-      <a:bevelB w="50800" h="50800"/>
-    </dgm:sp3d>
-    <dgm:txPr/>
-    <dgm:style>
-      <a:lnRef idx="0">
-        <a:scrgbClr r="0" g="0" b="0"/>
-      </a:lnRef>
-      <a:fillRef idx="1">
-        <a:scrgbClr r="0" g="0" b="0"/>
-      </a:fillRef>
-      <a:effectRef idx="2">
-        <a:scrgbClr r="0" g="0" b="0"/>
-      </a:effectRef>
-      <a:fontRef idx="minor">
-        <a:schemeClr val="tx1"/>
-      </a:fontRef>
-    </dgm:style>
-  </dgm:styleLbl>
-  <dgm:styleLbl name="alignNode1">
-    <dgm:scene3d>
-      <a:camera prst="orthographicFront"/>
-      <a:lightRig rig="threePt" dir="t"/>
-    </dgm:scene3d>
-    <dgm:sp3d prstMaterial="plastic">
-      <a:bevelT w="50800" h="50800"/>
-      <a:bevelB w="50800" h="50800"/>
-    </dgm:sp3d>
-    <dgm:txPr/>
-    <dgm:style>
-      <a:lnRef idx="1">
-        <a:scrgbClr r="0" g="0" b="0"/>
-      </a:lnRef>
-      <a:fillRef idx="1">
-        <a:scrgbClr r="0" g="0" b="0"/>
-      </a:fillRef>
-      <a:effectRef idx="2">
-        <a:scrgbClr r="0" g="0" b="0"/>
-      </a:effectRef>
-      <a:fontRef idx="minor">
-        <a:schemeClr val="lt1"/>
-      </a:fontRef>
-    </dgm:style>
-  </dgm:styleLbl>
-  <dgm:styleLbl name="node1">
-    <dgm:scene3d>
-      <a:camera prst="orthographicFront"/>
-      <a:lightRig rig="threePt" dir="t"/>
-    </dgm:scene3d>
-    <dgm:sp3d prstMaterial="plastic">
-      <a:bevelT w="50800" h="50800"/>
-      <a:bevelB w="50800" h="50800"/>
-    </dgm:sp3d>
-    <dgm:txPr/>
-    <dgm:style>
-      <a:lnRef idx="0">
-        <a:scrgbClr r="0" g="0" b="0"/>
-      </a:lnRef>
-      <a:fillRef idx="1">
-        <a:scrgbClr r="0" g="0" b="0"/>
-      </a:fillRef>
-      <a:effectRef idx="2">
-        <a:scrgbClr r="0" g="0" b="0"/>
-      </a:effectRef>
-      <a:fontRef idx="minor">
-        <a:schemeClr val="lt1"/>
-      </a:fontRef>
-    </dgm:style>
-  </dgm:styleLbl>
-  <dgm:styleLbl name="node2">
-    <dgm:scene3d>
-      <a:camera prst="orthographicFront"/>
-      <a:lightRig rig="threePt" dir="t"/>
-    </dgm:scene3d>
-    <dgm:sp3d prstMaterial="plastic">
-      <a:bevelT w="50800" h="50800"/>
-      <a:bevelB w="50800" h="50800"/>
-    </dgm:sp3d>
-    <dgm:txPr/>
-    <dgm:style>
-      <a:lnRef idx="0">
-        <a:scrgbClr r="0" g="0" b="0"/>
-      </a:lnRef>
-      <a:fillRef idx="1">
-        <a:scrgbClr r="0" g="0" b="0"/>
-      </a:fillRef>
-      <a:effectRef idx="2">
-        <a:scrgbClr r="0" g="0" b="0"/>
-      </a:effectRef>
-      <a:fontRef idx="minor">
-        <a:schemeClr val="lt1"/>
-      </a:fontRef>
-    </dgm:style>
-  </dgm:styleLbl>
-  <dgm:styleLbl name="node3">
-    <dgm:scene3d>
-      <a:camera prst="orthographicFront"/>
-      <a:lightRig rig="threePt" dir="t"/>
-    </dgm:scene3d>
-    <dgm:sp3d prstMaterial="plastic">
-      <a:bevelT w="50800" h="50800"/>
-      <a:bevelB w="50800" h="50800"/>
-    </dgm:sp3d>
-    <dgm:txPr/>
-    <dgm:style>
-      <a:lnRef idx="0">
-        <a:scrgbClr r="0" g="0" b="0"/>
-      </a:lnRef>
-      <a:fillRef idx="1">
-        <a:scrgbClr r="0" g="0" b="0"/>
-      </a:fillRef>
-      <a:effectRef idx="2">
-        <a:scrgbClr r="0" g="0" b="0"/>
-      </a:effectRef>
-      <a:fontRef idx="minor">
-        <a:schemeClr val="lt1"/>
-      </a:fontRef>
-    </dgm:style>
-  </dgm:styleLbl>
-  <dgm:styleLbl name="node4">
-    <dgm:scene3d>
-      <a:camera prst="orthographicFront"/>
-      <a:lightRig rig="threePt" dir="t"/>
-    </dgm:scene3d>
-    <dgm:sp3d prstMaterial="plastic">
-      <a:bevelT w="50800" h="50800"/>
-      <a:bevelB w="50800" h="50800"/>
-    </dgm:sp3d>
-    <dgm:txPr/>
-    <dgm:style>
-      <a:lnRef idx="0">
-        <a:scrgbClr r="0" g="0" b="0"/>
-      </a:lnRef>
-      <a:fillRef idx="1">
-        <a:scrgbClr r="0" g="0" b="0"/>
-      </a:fillRef>
-      <a:effectRef idx="2">
-        <a:scrgbClr r="0" g="0" b="0"/>
-      </a:effectRef>
-      <a:fontRef idx="minor">
-        <a:schemeClr val="lt1"/>
-      </a:fontRef>
-    </dgm:style>
-  </dgm:styleLbl>
-  <dgm:styleLbl name="fgImgPlace1">
-    <dgm:scene3d>
-      <a:camera prst="orthographicFront"/>
-      <a:lightRig rig="threePt" dir="t"/>
-    </dgm:scene3d>
-    <dgm:sp3d z="50080" prstMaterial="plastic">
-      <a:bevelT w="50800" h="50800"/>
-      <a:bevelB w="50800" h="50800"/>
-    </dgm:sp3d>
-    <dgm:txPr/>
-    <dgm:style>
-      <a:lnRef idx="0">
-        <a:scrgbClr r="0" g="0" b="0"/>
-      </a:lnRef>
-      <a:fillRef idx="1">
-        <a:scrgbClr r="0" g="0" b="0"/>
-      </a:fillRef>
-      <a:effectRef idx="2">
-        <a:scrgbClr r="0" g="0" b="0"/>
-      </a:effectRef>
-      <a:fontRef idx="minor"/>
-    </dgm:style>
-  </dgm:styleLbl>
-  <dgm:styleLbl name="alignImgPlace1">
-    <dgm:scene3d>
-      <a:camera prst="orthographicFront"/>
-      <a:lightRig rig="threePt" dir="t"/>
-    </dgm:scene3d>
-    <dgm:sp3d prstMaterial="plastic">
-      <a:bevelT w="50800" h="50800"/>
-      <a:bevelB w="50800" h="50800"/>
-    </dgm:sp3d>
-    <dgm:txPr/>
-    <dgm:style>
-      <a:lnRef idx="0">
-        <a:scrgbClr r="0" g="0" b="0"/>
-      </a:lnRef>
-      <a:fillRef idx="1">
-        <a:scrgbClr r="0" g="0" b="0"/>
-      </a:fillRef>
-      <a:effectRef idx="2">
-        <a:scrgbClr r="0" g="0" b="0"/>
-      </a:effectRef>
-      <a:fontRef idx="minor"/>
-    </dgm:style>
-  </dgm:styleLbl>
-  <dgm:styleLbl name="bgImgPlace1">
-    <dgm:scene3d>
-      <a:camera prst="orthographicFront"/>
-      <a:lightRig rig="threePt" dir="t"/>
-    </dgm:scene3d>
-    <dgm:sp3d z="-54000" prstMaterial="plastic">
-      <a:bevelT w="50800" h="50800"/>
-      <a:bevelB w="50800" h="50800"/>
-    </dgm:sp3d>
-    <dgm:txPr/>
-    <dgm:style>
-      <a:lnRef idx="0">
-        <a:scrgbClr r="0" g="0" b="0"/>
-      </a:lnRef>
-      <a:fillRef idx="1">
-        <a:scrgbClr r="0" g="0" b="0"/>
-      </a:fillRef>
-      <a:effectRef idx="2">
-        <a:scrgbClr r="0" g="0" b="0"/>
-      </a:effectRef>
-      <a:fontRef idx="minor"/>
-    </dgm:style>
-  </dgm:styleLbl>
-  <dgm:styleLbl name="sibTrans2D1">
-    <dgm:scene3d>
-      <a:camera prst="orthographicFront"/>
-      <a:lightRig rig="threePt" dir="t"/>
-    </dgm:scene3d>
-    <dgm:sp3d z="-25400" prstMaterial="plastic">
-      <a:bevelT w="25400" h="25400"/>
-      <a:bevelB w="25400" h="25400"/>
-    </dgm:sp3d>
-    <dgm:txPr/>
-    <dgm:style>
-      <a:lnRef idx="1">
-        <a:scrgbClr r="0" g="0" b="0"/>
-      </a:lnRef>
-      <a:fillRef idx="1">
-        <a:scrgbClr r="0" g="0" b="0"/>
-      </a:fillRef>
-      <a:effectRef idx="2">
-        <a:scrgbClr r="0" g="0" b="0"/>
-      </a:effectRef>
-      <a:fontRef idx="minor">
-        <a:schemeClr val="lt1"/>
-      </a:fontRef>
-    </dgm:style>
-  </dgm:styleLbl>
-  <dgm:styleLbl name="fgSibTrans2D1">
-    <dgm:scene3d>
-      <a:camera prst="orthographicFront"/>
-      <a:lightRig rig="threePt" dir="t"/>
-    </dgm:scene3d>
-    <dgm:sp3d z="50080" prstMaterial="plastic">
-      <a:bevelT w="25400" h="25400"/>
-      <a:bevelB w="25400" h="25400"/>
-    </dgm:sp3d>
-    <dgm:txPr/>
-    <dgm:style>
-      <a:lnRef idx="1">
-        <a:scrgbClr r="0" g="0" b="0"/>
-      </a:lnRef>
-      <a:fillRef idx="1">
-        <a:scrgbClr r="0" g="0" b="0"/>
-      </a:fillRef>
-      <a:effectRef idx="2">
-        <a:scrgbClr r="0" g="0" b="0"/>
-      </a:effectRef>
-      <a:fontRef idx="minor">
-        <a:schemeClr val="lt1"/>
-      </a:fontRef>
-    </dgm:style>
-  </dgm:styleLbl>
-  <dgm:styleLbl name="bgSibTrans2D1">
-    <dgm:scene3d>
-      <a:camera prst="orthographicFront"/>
-      <a:lightRig rig="threePt" dir="t"/>
-    </dgm:scene3d>
-    <dgm:sp3d z="-54080" prstMaterial="plastic">
-      <a:bevelT w="25400" h="25400"/>
-      <a:bevelB w="25400" h="25400"/>
-    </dgm:sp3d>
-    <dgm:txPr/>
-    <dgm:style>
-      <a:lnRef idx="1">
-        <a:scrgbClr r="0" g="0" b="0"/>
-      </a:lnRef>
-      <a:fillRef idx="1">
-        <a:scrgbClr r="0" g="0" b="0"/>
-      </a:fillRef>
-      <a:effectRef idx="2">
-        <a:scrgbClr r="0" g="0" b="0"/>
-      </a:effectRef>
-      <a:fontRef idx="minor">
-        <a:schemeClr val="lt1"/>
-      </a:fontRef>
-    </dgm:style>
-  </dgm:styleLbl>
-  <dgm:styleLbl name="sibTrans1D1">
-    <dgm:scene3d>
-      <a:camera prst="orthographicFront"/>
-      <a:lightRig rig="threePt" dir="t"/>
-    </dgm:scene3d>
-    <dgm:sp3d z="-25400" prstMaterial="plastic"/>
-    <dgm:txPr/>
-    <dgm:style>
-      <a:lnRef idx="1">
-        <a:scrgbClr r="0" g="0" b="0"/>
-      </a:lnRef>
-      <a:fillRef idx="0">
-        <a:scrgbClr r="0" g="0" b="0"/>
-      </a:fillRef>
-      <a:effectRef idx="0">
-        <a:scrgbClr r="0" g="0" b="0"/>
-      </a:effectRef>
-      <a:fontRef idx="minor"/>
-    </dgm:style>
-  </dgm:styleLbl>
-  <dgm:styleLbl name="callout">
-    <dgm:scene3d>
-      <a:camera prst="orthographicFront"/>
-      <a:lightRig rig="threePt" dir="t"/>
-    </dgm:scene3d>
-    <dgm:sp3d z="75000" prstMaterial="plastic"/>
-    <dgm:txPr/>
-    <dgm:style>
-      <a:lnRef idx="2">
-        <a:scrgbClr r="0" g="0" b="0"/>
-      </a:lnRef>
-      <a:fillRef idx="1">
-        <a:scrgbClr r="0" g="0" b="0"/>
-      </a:fillRef>
-      <a:effectRef idx="0">
-        <a:scrgbClr r="0" g="0" b="0"/>
-      </a:effectRef>
-      <a:fontRef idx="minor"/>
-    </dgm:style>
-  </dgm:styleLbl>
-  <dgm:styleLbl name="asst0">
-    <dgm:scene3d>
-      <a:camera prst="orthographicFront"/>
-      <a:lightRig rig="threePt" dir="t"/>
-    </dgm:scene3d>
-    <dgm:sp3d prstMaterial="plastic">
-      <a:bevelT w="50800" h="50800"/>
-      <a:bevelB w="50800" h="50800"/>
-    </dgm:sp3d>
-    <dgm:txPr/>
-    <dgm:style>
-      <a:lnRef idx="0">
-        <a:scrgbClr r="0" g="0" b="0"/>
-      </a:lnRef>
-      <a:fillRef idx="1">
-        <a:scrgbClr r="0" g="0" b="0"/>
-      </a:fillRef>
-      <a:effectRef idx="2">
-        <a:scrgbClr r="0" g="0" b="0"/>
-      </a:effectRef>
-      <a:fontRef idx="minor">
-        <a:schemeClr val="lt1"/>
-      </a:fontRef>
-    </dgm:style>
-  </dgm:styleLbl>
-  <dgm:styleLbl name="asst1">
-    <dgm:scene3d>
-      <a:camera prst="orthographicFront"/>
-      <a:lightRig rig="threePt" dir="t"/>
-    </dgm:scene3d>
-    <dgm:sp3d prstMaterial="plastic">
-      <a:bevelT w="50800" h="50800"/>
-      <a:bevelB w="50800" h="50800"/>
-    </dgm:sp3d>
-    <dgm:txPr/>
-    <dgm:style>
-      <a:lnRef idx="0">
-        <a:scrgbClr r="0" g="0" b="0"/>
-      </a:lnRef>
-      <a:fillRef idx="1">
-        <a:scrgbClr r="0" g="0" b="0"/>
-      </a:fillRef>
-      <a:effectRef idx="2">
-        <a:scrgbClr r="0" g="0" b="0"/>
-      </a:effectRef>
-      <a:fontRef idx="minor">
-        <a:schemeClr val="lt1"/>
-      </a:fontRef>
-    </dgm:style>
-  </dgm:styleLbl>
-  <dgm:styleLbl name="asst2">
-    <dgm:scene3d>
-      <a:camera prst="orthographicFront"/>
-      <a:lightRig rig="threePt" dir="t"/>
-    </dgm:scene3d>
-    <dgm:sp3d prstMaterial="plastic">
-      <a:bevelT w="50800" h="50800"/>
-      <a:bevelB w="50800" h="50800"/>
-    </dgm:sp3d>
-    <dgm:txPr/>
-    <dgm:style>
-      <a:lnRef idx="0">
-        <a:scrgbClr r="0" g="0" b="0"/>
-      </a:lnRef>
-      <a:fillRef idx="1">
-        <a:scrgbClr r="0" g="0" b="0"/>
-      </a:fillRef>
-      <a:effectRef idx="2">
-        <a:scrgbClr r="0" g="0" b="0"/>
-      </a:effectRef>
-      <a:fontRef idx="minor">
-        <a:schemeClr val="lt1"/>
-      </a:fontRef>
-    </dgm:style>
-  </dgm:styleLbl>
-  <dgm:styleLbl name="asst3">
-    <dgm:scene3d>
-      <a:camera prst="orthographicFront"/>
-      <a:lightRig rig="threePt" dir="t"/>
-    </dgm:scene3d>
-    <dgm:sp3d prstMaterial="plastic">
-      <a:bevelT w="50800" h="50800"/>
-      <a:bevelB w="50800" h="50800"/>
-    </dgm:sp3d>
-    <dgm:txPr/>
-    <dgm:style>
-      <a:lnRef idx="0">
-        <a:scrgbClr r="0" g="0" b="0"/>
-      </a:lnRef>
-      <a:fillRef idx="1">
-        <a:scrgbClr r="0" g="0" b="0"/>
-      </a:fillRef>
-      <a:effectRef idx="2">
-        <a:scrgbClr r="0" g="0" b="0"/>
-      </a:effectRef>
-      <a:fontRef idx="minor">
-        <a:schemeClr val="lt1"/>
-      </a:fontRef>
-    </dgm:style>
-  </dgm:styleLbl>
-  <dgm:styleLbl name="parChTrans2D1">
-    <dgm:scene3d>
-      <a:camera prst="orthographicFront"/>
-      <a:lightRig rig="threePt" dir="t"/>
-    </dgm:scene3d>
-    <dgm:sp3d z="-25400" prstMaterial="plastic">
-      <a:bevelT w="25400" h="25400"/>
-      <a:bevelB w="25400" h="25400"/>
-    </dgm:sp3d>
-    <dgm:txPr/>
-    <dgm:style>
-      <a:lnRef idx="0">
-        <a:scrgbClr r="0" g="0" b="0"/>
-      </a:lnRef>
-      <a:fillRef idx="1">
-        <a:scrgbClr r="0" g="0" b="0"/>
-      </a:fillRef>
-      <a:effectRef idx="2">
-        <a:scrgbClr r="0" g="0" b="0"/>
-      </a:effectRef>
-      <a:fontRef idx="minor">
-        <a:schemeClr val="lt1"/>
-      </a:fontRef>
-    </dgm:style>
-  </dgm:styleLbl>
-  <dgm:styleLbl name="parChTrans2D2">
-    <dgm:scene3d>
-      <a:camera prst="orthographicFront"/>
-      <a:lightRig rig="threePt" dir="t"/>
-    </dgm:scene3d>
-    <dgm:sp3d z="-25400" prstMaterial="plastic">
-      <a:bevelT w="25400" h="25400"/>
-      <a:bevelB w="25400" h="25400"/>
-    </dgm:sp3d>
-    <dgm:txPr/>
-    <dgm:style>
-      <a:lnRef idx="0">
-        <a:scrgbClr r="0" g="0" b="0"/>
-      </a:lnRef>
-      <a:fillRef idx="1">
-        <a:scrgbClr r="0" g="0" b="0"/>
-      </a:fillRef>
-      <a:effectRef idx="2">
-        <a:scrgbClr r="0" g="0" b="0"/>
-      </a:effectRef>
-      <a:fontRef idx="minor">
-        <a:schemeClr val="lt1"/>
-      </a:fontRef>
-    </dgm:style>
-  </dgm:styleLbl>
-  <dgm:styleLbl name="parChTrans2D3">
-    <dgm:scene3d>
-      <a:camera prst="orthographicFront"/>
-      <a:lightRig rig="threePt" dir="t"/>
-    </dgm:scene3d>
-    <dgm:sp3d z="-25400" prstMaterial="plastic">
-      <a:bevelT w="25400" h="25400"/>
-      <a:bevelB w="25400" h="25400"/>
-    </dgm:sp3d>
-    <dgm:txPr/>
-    <dgm:style>
-      <a:lnRef idx="0">
-        <a:scrgbClr r="0" g="0" b="0"/>
-      </a:lnRef>
-      <a:fillRef idx="1">
-        <a:scrgbClr r="0" g="0" b="0"/>
-      </a:fillRef>
-      <a:effectRef idx="2">
-        <a:scrgbClr r="0" g="0" b="0"/>
-      </a:effectRef>
-      <a:fontRef idx="minor">
-        <a:schemeClr val="lt1"/>
-      </a:fontRef>
-    </dgm:style>
-  </dgm:styleLbl>
-  <dgm:styleLbl name="parChTrans2D4">
-    <dgm:scene3d>
-      <a:camera prst="orthographicFront"/>
-      <a:lightRig rig="threePt" dir="t"/>
-    </dgm:scene3d>
-    <dgm:sp3d z="-25400" prstMaterial="plastic">
-      <a:bevelT w="25400" h="25400"/>
-      <a:bevelB w="25400" h="25400"/>
-    </dgm:sp3d>
-    <dgm:txPr/>
-    <dgm:style>
-      <a:lnRef idx="0">
-        <a:scrgbClr r="0" g="0" b="0"/>
-      </a:lnRef>
-      <a:fillRef idx="1">
-        <a:scrgbClr r="0" g="0" b="0"/>
-      </a:fillRef>
-      <a:effectRef idx="2">
-        <a:scrgbClr r="0" g="0" b="0"/>
-      </a:effectRef>
-      <a:fontRef idx="minor">
-        <a:schemeClr val="lt1"/>
-      </a:fontRef>
-    </dgm:style>
-  </dgm:styleLbl>
-  <dgm:styleLbl name="parChTrans1D1">
-    <dgm:scene3d>
-      <a:camera prst="orthographicFront"/>
-      <a:lightRig rig="threePt" dir="t"/>
-    </dgm:scene3d>
-    <dgm:sp3d z="-25400" prstMaterial="plastic"/>
-    <dgm:txPr/>
-    <dgm:style>
-      <a:lnRef idx="2">
-        <a:scrgbClr r="0" g="0" b="0"/>
-      </a:lnRef>
-      <a:fillRef idx="0">
-        <a:scrgbClr r="0" g="0" b="0"/>
-      </a:fillRef>
-      <a:effectRef idx="0">
-        <a:scrgbClr r="0" g="0" b="0"/>
-      </a:effectRef>
-      <a:fontRef idx="minor">
-        <a:schemeClr val="tx1"/>
-      </a:fontRef>
-    </dgm:style>
-  </dgm:styleLbl>
-  <dgm:styleLbl name="parChTrans1D2">
-    <dgm:scene3d>
-      <a:camera prst="orthographicFront"/>
-      <a:lightRig rig="threePt" dir="t"/>
-    </dgm:scene3d>
-    <dgm:sp3d z="-25400" prstMaterial="plastic"/>
-    <dgm:txPr/>
-    <dgm:style>
-      <a:lnRef idx="2">
-        <a:scrgbClr r="0" g="0" b="0"/>
-      </a:lnRef>
-      <a:fillRef idx="0">
-        <a:scrgbClr r="0" g="0" b="0"/>
-      </a:fillRef>
-      <a:effectRef idx="0">
-        <a:scrgbClr r="0" g="0" b="0"/>
-      </a:effectRef>
-      <a:fontRef idx="minor">
-        <a:schemeClr val="tx1"/>
-      </a:fontRef>
-    </dgm:style>
-  </dgm:styleLbl>
-  <dgm:styleLbl name="parChTrans1D3">
-    <dgm:scene3d>
-      <a:camera prst="orthographicFront"/>
-      <a:lightRig rig="threePt" dir="t"/>
-    </dgm:scene3d>
-    <dgm:sp3d z="-25400" prstMaterial="plastic"/>
-    <dgm:txPr/>
-    <dgm:style>
-      <a:lnRef idx="2">
-        <a:scrgbClr r="0" g="0" b="0"/>
-      </a:lnRef>
-      <a:fillRef idx="0">
-        <a:scrgbClr r="0" g="0" b="0"/>
-      </a:fillRef>
-      <a:effectRef idx="0">
-        <a:scrgbClr r="0" g="0" b="0"/>
-      </a:effectRef>
-      <a:fontRef idx="minor">
-        <a:schemeClr val="tx1"/>
-      </a:fontRef>
-    </dgm:style>
-  </dgm:styleLbl>
-  <dgm:styleLbl name="parChTrans1D4">
-    <dgm:scene3d>
-      <a:camera prst="orthographicFront"/>
-      <a:lightRig rig="threePt" dir="t"/>
-    </dgm:scene3d>
-    <dgm:sp3d z="-25400" prstMaterial="plastic"/>
-    <dgm:txPr/>
-    <dgm:style>
-      <a:lnRef idx="2">
-        <a:scrgbClr r="0" g="0" b="0"/>
-      </a:lnRef>
-      <a:fillRef idx="0">
-        <a:scrgbClr r="0" g="0" b="0"/>
-      </a:fillRef>
-      <a:effectRef idx="0">
-        <a:scrgbClr r="0" g="0" b="0"/>
-      </a:effectRef>
-      <a:fontRef idx="minor">
-        <a:schemeClr val="tx1"/>
-      </a:fontRef>
-    </dgm:style>
-  </dgm:styleLbl>
-  <dgm:styleLbl name="fgAcc1">
-    <dgm:scene3d>
-      <a:camera prst="orthographicFront"/>
-      <a:lightRig rig="threePt" dir="t"/>
-    </dgm:scene3d>
-    <dgm:sp3d z="50080" prstMaterial="plastic">
-      <a:bevelT w="25400" h="25400"/>
-      <a:bevelB w="25400" h="25400"/>
-    </dgm:sp3d>
-    <dgm:txPr/>
-    <dgm:style>
-      <a:lnRef idx="1">
-        <a:scrgbClr r="0" g="0" b="0"/>
-      </a:lnRef>
-      <a:fillRef idx="1">
-        <a:scrgbClr r="0" g="0" b="0"/>
-      </a:fillRef>
-      <a:effectRef idx="2">
-        <a:scrgbClr r="0" g="0" b="0"/>
-      </a:effectRef>
-      <a:fontRef idx="minor"/>
-    </dgm:style>
-  </dgm:styleLbl>
-  <dgm:styleLbl name="conFgAcc1">
-    <dgm:scene3d>
-      <a:camera prst="orthographicFront"/>
-      <a:lightRig rig="threePt" dir="t"/>
-    </dgm:scene3d>
-    <dgm:sp3d z="-152400" prstMaterial="plastic">
-      <a:bevelT w="25400" h="25400"/>
-      <a:bevelB w="25400" h="25400"/>
-    </dgm:sp3d>
-    <dgm:txPr/>
-    <dgm:style>
-      <a:lnRef idx="1">
-        <a:scrgbClr r="0" g="0" b="0"/>
-      </a:lnRef>
-      <a:fillRef idx="1">
-        <a:scrgbClr r="0" g="0" b="0"/>
-      </a:fillRef>
-      <a:effectRef idx="2">
-        <a:scrgbClr r="0" g="0" b="0"/>
-      </a:effectRef>
-      <a:fontRef idx="minor"/>
-    </dgm:style>
-  </dgm:styleLbl>
-  <dgm:styleLbl name="alignAcc1">
-    <dgm:scene3d>
-      <a:camera prst="orthographicFront"/>
-      <a:lightRig rig="threePt" dir="t"/>
-    </dgm:scene3d>
-    <dgm:sp3d prstMaterial="plastic">
-      <a:bevelT w="25400" h="25400"/>
-      <a:bevelB w="25400" h="25400"/>
-    </dgm:sp3d>
-    <dgm:txPr/>
-    <dgm:style>
-      <a:lnRef idx="1">
-        <a:scrgbClr r="0" g="0" b="0"/>
-      </a:lnRef>
-      <a:fillRef idx="1">
-        <a:scrgbClr r="0" g="0" b="0"/>
-      </a:fillRef>
-      <a:effectRef idx="2">
-        <a:scrgbClr r="0" g="0" b="0"/>
-      </a:effectRef>
-      <a:fontRef idx="minor"/>
-    </dgm:style>
-  </dgm:styleLbl>
-  <dgm:styleLbl name="trAlignAcc1">
-    <dgm:scene3d>
-      <a:camera prst="orthographicFront"/>
-      <a:lightRig rig="threePt" dir="t"/>
-    </dgm:scene3d>
-    <dgm:sp3d prstMaterial="plastic">
-      <a:bevelT w="50800" h="50800"/>
-      <a:bevelB w="50800" h="50800"/>
-    </dgm:sp3d>
-    <dgm:txPr/>
-    <dgm:style>
-      <a:lnRef idx="1">
-        <a:scrgbClr r="0" g="0" b="0"/>
-      </a:lnRef>
-      <a:fillRef idx="1">
-        <a:scrgbClr r="0" g="0" b="0"/>
-      </a:fillRef>
-      <a:effectRef idx="2">
-        <a:scrgbClr r="0" g="0" b="0"/>
-      </a:effectRef>
-      <a:fontRef idx="minor"/>
-    </dgm:style>
-  </dgm:styleLbl>
-  <dgm:styleLbl name="bgAcc1">
-    <dgm:scene3d>
-      <a:camera prst="orthographicFront"/>
-      <a:lightRig rig="threePt" dir="t"/>
-    </dgm:scene3d>
-    <dgm:sp3d z="-152400" prstMaterial="plastic">
-      <a:bevelT w="25400" h="25400"/>
-      <a:bevelB w="25400" h="25400"/>
-    </dgm:sp3d>
-    <dgm:txPr/>
-    <dgm:style>
-      <a:lnRef idx="1">
-        <a:scrgbClr r="0" g="0" b="0"/>
-      </a:lnRef>
-      <a:fillRef idx="1">
-        <a:scrgbClr r="0" g="0" b="0"/>
-      </a:fillRef>
-      <a:effectRef idx="2">
-        <a:scrgbClr r="0" g="0" b="0"/>
-      </a:effectRef>
-      <a:fontRef idx="minor"/>
-    </dgm:style>
-  </dgm:styleLbl>
-  <dgm:styleLbl name="solidFgAcc1">
-    <dgm:scene3d>
-      <a:camera prst="orthographicFront"/>
-      <a:lightRig rig="threePt" dir="t"/>
-    </dgm:scene3d>
-    <dgm:sp3d z="152400" prstMaterial="plastic">
-      <a:bevelT w="25400" h="25400"/>
-      <a:bevelB w="25400" h="25400"/>
-    </dgm:sp3d>
-    <dgm:txPr/>
-    <dgm:style>
-      <a:lnRef idx="1">
-        <a:scrgbClr r="0" g="0" b="0"/>
-      </a:lnRef>
-      <a:fillRef idx="1">
-        <a:scrgbClr r="0" g="0" b="0"/>
-      </a:fillRef>
-      <a:effectRef idx="2">
-        <a:scrgbClr r="0" g="0" b="0"/>
-      </a:effectRef>
-      <a:fontRef idx="minor"/>
-    </dgm:style>
-  </dgm:styleLbl>
-  <dgm:styleLbl name="solidAlignAcc1">
-    <dgm:scene3d>
-      <a:camera prst="orthographicFront"/>
-      <a:lightRig rig="threePt" dir="t"/>
-    </dgm:scene3d>
-    <dgm:sp3d prstMaterial="plastic">
-      <a:bevelT w="25400" h="25400"/>
-      <a:bevelB w="25400" h="25400"/>
-    </dgm:sp3d>
-    <dgm:txPr/>
-    <dgm:style>
-      <a:lnRef idx="1">
-        <a:scrgbClr r="0" g="0" b="0"/>
-      </a:lnRef>
-      <a:fillRef idx="1">
-        <a:scrgbClr r="0" g="0" b="0"/>
-      </a:fillRef>
-      <a:effectRef idx="2">
-        <a:scrgbClr r="0" g="0" b="0"/>
-      </a:effectRef>
-      <a:fontRef idx="minor"/>
-    </dgm:style>
-  </dgm:styleLbl>
-  <dgm:styleLbl name="solidBgAcc1">
-    <dgm:scene3d>
-      <a:camera prst="orthographicFront"/>
-      <a:lightRig rig="threePt" dir="t"/>
-    </dgm:scene3d>
-    <dgm:sp3d z="-152400" prstMaterial="plastic">
-      <a:bevelT w="25400" h="25400"/>
-      <a:bevelB w="25400" h="25400"/>
-    </dgm:sp3d>
-    <dgm:txPr/>
-    <dgm:style>
-      <a:lnRef idx="1">
-        <a:scrgbClr r="0" g="0" b="0"/>
-      </a:lnRef>
-      <a:fillRef idx="1">
-        <a:scrgbClr r="0" g="0" b="0"/>
-      </a:fillRef>
-      <a:effectRef idx="2">
-        <a:scrgbClr r="0" g="0" b="0"/>
-      </a:effectRef>
-      <a:fontRef idx="minor"/>
-    </dgm:style>
-  </dgm:styleLbl>
-  <dgm:styleLbl name="fgAccFollowNode1">
-    <dgm:scene3d>
-      <a:camera prst="orthographicFront"/>
-      <a:lightRig rig="threePt" dir="t"/>
-    </dgm:scene3d>
-    <dgm:sp3d z="50080" prstMaterial="plastic">
-      <a:bevelT w="25400" h="25400"/>
-      <a:bevelB w="25400" h="25400"/>
-    </dgm:sp3d>
-    <dgm:txPr/>
-    <dgm:style>
-      <a:lnRef idx="0">
-        <a:scrgbClr r="0" g="0" b="0"/>
-      </a:lnRef>
-      <a:fillRef idx="1">
-        <a:scrgbClr r="0" g="0" b="0"/>
-      </a:fillRef>
-      <a:effectRef idx="2">
-        <a:scrgbClr r="0" g="0" b="0"/>
-      </a:effectRef>
-      <a:fontRef idx="minor"/>
-    </dgm:style>
-  </dgm:styleLbl>
-  <dgm:styleLbl name="alignAccFollowNode1">
-    <dgm:scene3d>
-      <a:camera prst="orthographicFront"/>
-      <a:lightRig rig="threePt" dir="t"/>
-    </dgm:scene3d>
-    <dgm:sp3d prstMaterial="plastic">
-      <a:bevelT w="25400" h="25400"/>
-      <a:bevelB w="25400" h="25400"/>
-    </dgm:sp3d>
-    <dgm:txPr/>
-    <dgm:style>
-      <a:lnRef idx="0">
-        <a:scrgbClr r="0" g="0" b="0"/>
-      </a:lnRef>
-      <a:fillRef idx="1">
-        <a:scrgbClr r="0" g="0" b="0"/>
-      </a:fillRef>
-      <a:effectRef idx="2">
-        <a:scrgbClr r="0" g="0" b="0"/>
-      </a:effectRef>
-      <a:fontRef idx="minor"/>
-    </dgm:style>
-  </dgm:styleLbl>
-  <dgm:styleLbl name="bgAccFollowNode1">
-    <dgm:scene3d>
-      <a:camera prst="orthographicFront"/>
-      <a:lightRig rig="threePt" dir="t"/>
-    </dgm:scene3d>
-    <dgm:sp3d z="-152400" prstMaterial="plastic">
-      <a:bevelT w="25400" h="25400"/>
-      <a:bevelB w="25400" h="25400"/>
-    </dgm:sp3d>
-    <dgm:txPr/>
-    <dgm:style>
-      <a:lnRef idx="0">
-        <a:scrgbClr r="0" g="0" b="0"/>
-      </a:lnRef>
-      <a:fillRef idx="1">
-        <a:scrgbClr r="0" g="0" b="0"/>
-      </a:fillRef>
-      <a:effectRef idx="2">
-        <a:scrgbClr r="0" g="0" b="0"/>
-      </a:effectRef>
-      <a:fontRef idx="minor"/>
-    </dgm:style>
-  </dgm:styleLbl>
-  <dgm:styleLbl name="fgAcc0">
-    <dgm:scene3d>
-      <a:camera prst="orthographicFront"/>
-      <a:lightRig rig="threePt" dir="t"/>
-    </dgm:scene3d>
-    <dgm:sp3d z="50080" prstMaterial="plastic">
-      <a:bevelT w="25400" h="25400"/>
-      <a:bevelB w="25400" h="25400"/>
-    </dgm:sp3d>
-    <dgm:txPr/>
-    <dgm:style>
-      <a:lnRef idx="1">
-        <a:scrgbClr r="0" g="0" b="0"/>
-      </a:lnRef>
-      <a:fillRef idx="1">
-        <a:scrgbClr r="0" g="0" b="0"/>
-      </a:fillRef>
-      <a:effectRef idx="0">
-        <a:scrgbClr r="0" g="0" b="0"/>
-      </a:effectRef>
-      <a:fontRef idx="minor"/>
-    </dgm:style>
-  </dgm:styleLbl>
-  <dgm:styleLbl name="fgAcc2">
-    <dgm:scene3d>
-      <a:camera prst="orthographicFront"/>
-      <a:lightRig rig="threePt" dir="t"/>
-    </dgm:scene3d>
-    <dgm:sp3d z="50080" prstMaterial="plastic">
-      <a:bevelT w="25400" h="25400"/>
-      <a:bevelB w="25400" h="25400"/>
-    </dgm:sp3d>
-    <dgm:txPr/>
-    <dgm:style>
-      <a:lnRef idx="1">
-        <a:scrgbClr r="0" g="0" b="0"/>
-      </a:lnRef>
-      <a:fillRef idx="1">
-        <a:scrgbClr r="0" g="0" b="0"/>
-      </a:fillRef>
-      <a:effectRef idx="0">
-        <a:scrgbClr r="0" g="0" b="0"/>
-      </a:effectRef>
-      <a:fontRef idx="minor"/>
-    </dgm:style>
-  </dgm:styleLbl>
-  <dgm:styleLbl name="fgAcc3">
-    <dgm:scene3d>
-      <a:camera prst="orthographicFront"/>
-      <a:lightRig rig="threePt" dir="t"/>
-    </dgm:scene3d>
-    <dgm:sp3d z="50080" prstMaterial="plastic">
-      <a:bevelT w="25400" h="25400"/>
-      <a:bevelB w="25400" h="25400"/>
-    </dgm:sp3d>
-    <dgm:txPr/>
-    <dgm:style>
-      <a:lnRef idx="1">
-        <a:scrgbClr r="0" g="0" b="0"/>
-      </a:lnRef>
-      <a:fillRef idx="1">
-        <a:scrgbClr r="0" g="0" b="0"/>
-      </a:fillRef>
-      <a:effectRef idx="0">
-        <a:scrgbClr r="0" g="0" b="0"/>
-      </a:effectRef>
-      <a:fontRef idx="minor"/>
-    </dgm:style>
-  </dgm:styleLbl>
-  <dgm:styleLbl name="fgAcc4">
-    <dgm:scene3d>
-      <a:camera prst="orthographicFront"/>
-      <a:lightRig rig="threePt" dir="t"/>
-    </dgm:scene3d>
-    <dgm:sp3d z="50080" prstMaterial="plastic">
-      <a:bevelT w="25400" h="25400"/>
-      <a:bevelB w="25400" h="25400"/>
-    </dgm:sp3d>
-    <dgm:txPr/>
-    <dgm:style>
-      <a:lnRef idx="1">
-        <a:scrgbClr r="0" g="0" b="0"/>
-      </a:lnRef>
-      <a:fillRef idx="1">
-        <a:scrgbClr r="0" g="0" b="0"/>
-      </a:fillRef>
-      <a:effectRef idx="0">
-        <a:scrgbClr r="0" g="0" b="0"/>
-      </a:effectRef>
-      <a:fontRef idx="minor"/>
-    </dgm:style>
-  </dgm:styleLbl>
-  <dgm:styleLbl name="bgShp">
-    <dgm:scene3d>
-      <a:camera prst="orthographicFront"/>
-      <a:lightRig rig="threePt" dir="t"/>
-    </dgm:scene3d>
-    <dgm:sp3d z="-152400" prstMaterial="plastic">
-      <a:bevelT w="25400" h="25400"/>
-      <a:bevelB w="25400" h="25400"/>
-    </dgm:sp3d>
-    <dgm:txPr/>
-    <dgm:style>
-      <a:lnRef idx="0">
-        <a:scrgbClr r="0" g="0" b="0"/>
-      </a:lnRef>
-      <a:fillRef idx="1">
-        <a:scrgbClr r="0" g="0" b="0"/>
-      </a:fillRef>
-      <a:effectRef idx="0">
-        <a:scrgbClr r="0" g="0" b="0"/>
-      </a:effectRef>
-      <a:fontRef idx="minor"/>
-    </dgm:style>
-  </dgm:styleLbl>
-  <dgm:styleLbl name="dkBgShp">
-    <dgm:scene3d>
-      <a:camera prst="orthographicFront"/>
-      <a:lightRig rig="threePt" dir="t"/>
-    </dgm:scene3d>
-    <dgm:sp3d prstMaterial="plastic">
-      <a:bevelT w="50800" h="50800"/>
-      <a:bevelB w="50800" h="50800"/>
-    </dgm:sp3d>
-    <dgm:txPr/>
-    <dgm:style>
-      <a:lnRef idx="0">
-        <a:scrgbClr r="0" g="0" b="0"/>
-      </a:lnRef>
-      <a:fillRef idx="1">
-        <a:scrgbClr r="0" g="0" b="0"/>
-      </a:fillRef>
-      <a:effectRef idx="2">
-        <a:scrgbClr r="0" g="0" b="0"/>
-      </a:effectRef>
-      <a:fontRef idx="minor"/>
-    </dgm:style>
-  </dgm:styleLbl>
-  <dgm:styleLbl name="trBgShp">
-    <dgm:scene3d>
-      <a:camera prst="orthographicFront"/>
-      <a:lightRig rig="threePt" dir="t"/>
-    </dgm:scene3d>
-    <dgm:sp3d z="-10400" extrusionH="12700" prstMaterial="plastic"/>
-    <dgm:txPr/>
-    <dgm:style>
-      <a:lnRef idx="0">
-        <a:scrgbClr r="0" g="0" b="0"/>
-      </a:lnRef>
-      <a:fillRef idx="1">
-        <a:scrgbClr r="0" g="0" b="0"/>
-      </a:fillRef>
-      <a:effectRef idx="0">
-        <a:scrgbClr r="0" g="0" b="0"/>
-      </a:effectRef>
-      <a:fontRef idx="minor"/>
-    </dgm:style>
-  </dgm:styleLbl>
-  <dgm:styleLbl name="fgShp">
-    <dgm:scene3d>
-      <a:camera prst="orthographicFront"/>
-      <a:lightRig rig="threePt" dir="t"/>
-    </dgm:scene3d>
-    <dgm:sp3d z="50080" prstMaterial="plastic">
-      <a:bevelT w="50800" h="50800"/>
-      <a:bevelB w="50800" h="50800"/>
-    </dgm:sp3d>
-    <dgm:txPr/>
-    <dgm:style>
-      <a:lnRef idx="0">
-        <a:scrgbClr r="0" g="0" b="0"/>
-      </a:lnRef>
-      <a:fillRef idx="1">
-        <a:scrgbClr r="0" g="0" b="0"/>
-      </a:fillRef>
-      <a:effectRef idx="2">
-        <a:scrgbClr r="0" g="0" b="0"/>
-      </a:effectRef>
-      <a:fontRef idx="minor"/>
-    </dgm:style>
-  </dgm:styleLbl>
-  <dgm:styleLbl name="revTx">
-    <dgm:scene3d>
-      <a:camera prst="orthographicFront"/>
-      <a:lightRig rig="threePt" dir="t"/>
-    </dgm:scene3d>
-    <dgm:sp3d/>
-    <dgm:txPr/>
-    <dgm:style>
-      <a:lnRef idx="0">
-        <a:scrgbClr r="0" g="0" b="0"/>
-      </a:lnRef>
-      <a:fillRef idx="1">
-        <a:scrgbClr r="0" g="0" b="0"/>
-      </a:fillRef>
-      <a:effectRef idx="0">
-        <a:scrgbClr r="0" g="0" b="0"/>
-      </a:effectRef>
-      <a:fontRef idx="minor"/>
-    </dgm:style>
-  </dgm:styleLbl>
-</dgm:styleDef>
-</file>
-
 <file path=ppt/notesMasters/notesMaster1.xml><?xml version="1.0" encoding="utf-8"?>
 <p:notesMaster xmlns:a="http://schemas.openxmlformats.org/drawingml/2006/main" xmlns:r="http://schemas.openxmlformats.org/officeDocument/2006/relationships" xmlns:p="http://schemas.openxmlformats.org/presentationml/2006/main">
   <p:cSld>
@@ -4226,7 +215,7 @@
             <a:fld id="{C238408C-6839-46EE-8131-EDA75C487F2E}" type="datetimeFigureOut">
               <a:rPr lang="en-US" smtClean="0"/>
               <a:pPr/>
-              <a:t>10/10/2017</a:t>
+              <a:t>10/11/2017</a:t>
             </a:fld>
             <a:endParaRPr lang="en-US"/>
           </a:p>
@@ -4558,7 +547,7 @@
             <a:fld id="{743653DA-8BF4-4869-96FE-9BCF43372D46}" type="datetimeFigureOut">
               <a:rPr lang="en-US" smtClean="0"/>
               <a:pPr/>
-              <a:t>10/10/2017</a:t>
+              <a:t>10/11/2017</a:t>
             </a:fld>
             <a:endParaRPr lang="en-US" dirty="0"/>
           </a:p>
@@ -5291,7 +1280,7 @@
             <a:fld id="{B7129108-AC8D-4212-9283-60D9E99BF07A}" type="datetimeFigureOut">
               <a:rPr lang="en-US" smtClean="0"/>
               <a:pPr/>
-              <a:t>10/10/2017</a:t>
+              <a:t>10/11/2017</a:t>
             </a:fld>
             <a:endParaRPr lang="en-US" dirty="0"/>
           </a:p>
@@ -5520,7 +1509,7 @@
             <a:fld id="{B6DED3D3-6235-4F4C-B439-DF277FB555A7}" type="datetimeFigureOut">
               <a:rPr lang="en-US" smtClean="0"/>
               <a:pPr/>
-              <a:t>10/10/2017</a:t>
+              <a:t>10/11/2017</a:t>
             </a:fld>
             <a:endParaRPr lang="en-US" dirty="0"/>
           </a:p>
@@ -5808,7 +1797,7 @@
             <a:fld id="{3B5F1E3E-4B2F-4895-B65E-28B2E64F39F6}" type="datetimeFigureOut">
               <a:rPr lang="en-US" smtClean="0"/>
               <a:pPr/>
-              <a:t>10/10/2017</a:t>
+              <a:t>10/11/2017</a:t>
             </a:fld>
             <a:endParaRPr lang="en-US" dirty="0"/>
           </a:p>
@@ -6280,7 +2269,7 @@
             <a:fld id="{63085435-8225-4333-BFFA-0096413F0D76}" type="datetimeFigureOut">
               <a:rPr lang="en-US" smtClean="0"/>
               <a:pPr/>
-              <a:t>10/10/2017</a:t>
+              <a:t>10/11/2017</a:t>
             </a:fld>
             <a:endParaRPr lang="en-US"/>
           </a:p>
@@ -6823,7 +2812,7 @@
             <a:fld id="{0783C494-2A87-468C-A21B-CB14FB9ABB00}" type="datetimeFigureOut">
               <a:rPr lang="en-US" smtClean="0"/>
               <a:pPr/>
-              <a:t>10/10/2017</a:t>
+              <a:t>10/11/2017</a:t>
             </a:fld>
             <a:endParaRPr lang="en-US"/>
           </a:p>
@@ -6915,7 +2904,7 @@
             <a:fld id="{9A180FA0-5B31-4864-A2BB-719EA5A679C6}" type="datetimeFigureOut">
               <a:rPr lang="en-US" smtClean="0"/>
               <a:pPr/>
-              <a:t>10/10/2017</a:t>
+              <a:t>10/11/2017</a:t>
             </a:fld>
             <a:endParaRPr lang="en-US"/>
           </a:p>
@@ -7169,7 +3158,7 @@
             <a:fld id="{4BECC0C8-36B8-442A-833D-B6AACE86BB77}" type="datetimeFigureOut">
               <a:rPr lang="en-US" smtClean="0"/>
               <a:pPr/>
-              <a:t>10/10/2017</a:t>
+              <a:t>10/11/2017</a:t>
             </a:fld>
             <a:endParaRPr lang="en-US"/>
           </a:p>
@@ -7438,7 +3427,7 @@
             <a:fld id="{51E20EC5-AC53-4169-941E-EDF10CD23748}" type="datetimeFigureOut">
               <a:rPr lang="en-US" smtClean="0"/>
               <a:pPr/>
-              <a:t>10/10/2017</a:t>
+              <a:t>10/11/2017</a:t>
             </a:fld>
             <a:endParaRPr lang="en-US" dirty="0"/>
           </a:p>
@@ -7852,7 +3841,7 @@
                 </a:solidFill>
               </a:rPr>
               <a:pPr/>
-              <a:t>10/10/2017</a:t>
+              <a:t>10/11/2017</a:t>
             </a:fld>
             <a:endParaRPr lang="en-US" sz="1100" dirty="0">
               <a:solidFill>
@@ -8614,7 +4603,23 @@
                   <a:schemeClr val="tx1"/>
                 </a:solidFill>
               </a:rPr>
-              <a:t>Mars Orbital Mission</a:t>
+              <a:t>Mars </a:t>
+            </a:r>
+            <a:r>
+              <a:rPr lang="en-US" sz="2400" dirty="0" smtClean="0">
+                <a:solidFill>
+                  <a:schemeClr val="tx1"/>
+                </a:solidFill>
+              </a:rPr>
+              <a:t>Orbiter </a:t>
+            </a:r>
+            <a:r>
+              <a:rPr lang="en-US" sz="2400" dirty="0" smtClean="0">
+                <a:solidFill>
+                  <a:schemeClr val="tx1"/>
+                </a:solidFill>
+              </a:rPr>
+              <a:t>Mission</a:t>
             </a:r>
           </a:p>
           <a:p>
@@ -9210,174 +5215,243 @@
           <a:lstStyle/>
           <a:p>
             <a:r>
-              <a:rPr lang="en-US" sz="4000" dirty="0" smtClean="0">
-                <a:solidFill>
-                  <a:schemeClr val="tx1"/>
-                </a:solidFill>
-              </a:rPr>
-              <a:t>Facts about MOM</a:t>
-            </a:r>
-            <a:endParaRPr lang="en-US" sz="4000" dirty="0">
-              <a:solidFill>
-                <a:schemeClr val="tx1"/>
-              </a:solidFill>
-            </a:endParaRPr>
-          </a:p>
-        </p:txBody>
-      </p:sp>
-      <p:sp>
-        <p:nvSpPr>
-          <p:cNvPr id="3" name="Text Placeholder 2"/>
-          <p:cNvSpPr>
-            <a:spLocks noGrp="1"/>
+              <a:rPr lang="en-US" sz="4000" dirty="0" smtClean="0"/>
+              <a:t>Earlier Days</a:t>
+            </a:r>
+            <a:endParaRPr lang="en-US" sz="4000" dirty="0"/>
+          </a:p>
+        </p:txBody>
+      </p:sp>
+      <p:sp>
+        <p:nvSpPr>
+          <p:cNvPr id="5" name="Text Placeholder 3"/>
+          <p:cNvSpPr txBox="1">
+            <a:spLocks/>
           </p:cNvSpPr>
-          <p:nvPr>
-            <p:ph type="body" idx="1"/>
-          </p:nvPr>
+          <p:nvPr/>
         </p:nvSpPr>
         <p:spPr>
           <a:xfrm>
-            <a:off x="685800" y="1435100"/>
-            <a:ext cx="8153400" cy="4965700"/>
+            <a:off x="4495800" y="1843088"/>
+            <a:ext cx="4114800" cy="4405312"/>
           </a:xfrm>
+          <a:prstGeom prst="rect">
+            <a:avLst/>
+          </a:prstGeom>
         </p:spPr>
         <p:txBody>
-          <a:bodyPr/>
-          <a:lstStyle/>
-          <a:p>
-            <a:r>
-              <a:rPr lang="en-US" dirty="0" smtClean="0"/>
-              <a:t>There are some of the real </a:t>
-            </a:r>
-            <a:r>
-              <a:rPr lang="en-US" dirty="0" err="1" smtClean="0"/>
-              <a:t>criticle</a:t>
-            </a:r>
-            <a:r>
-              <a:rPr lang="en-US" dirty="0" smtClean="0"/>
-              <a:t> issues with the MOM</a:t>
-            </a:r>
-            <a:r>
-              <a:rPr lang="en-US" sz="1900" dirty="0" smtClean="0"/>
-              <a:t>:</a:t>
-            </a:r>
-            <a:endParaRPr lang="en-US" dirty="0" smtClean="0"/>
-          </a:p>
-          <a:p>
-            <a:pPr lvl="1">
-              <a:buFontTx/>
-              <a:buChar char="•"/>
-            </a:pPr>
-            <a:r>
-              <a:rPr lang="en-US" sz="1900" dirty="0" smtClean="0"/>
-              <a:t>Min distance - 54.6 million </a:t>
-            </a:r>
-            <a:r>
-              <a:rPr lang="en-US" sz="1900" dirty="0" err="1" smtClean="0"/>
-              <a:t>kms</a:t>
-            </a:r>
-            <a:endParaRPr lang="en-US" sz="1900" dirty="0" smtClean="0"/>
-          </a:p>
-          <a:p>
-            <a:pPr marL="454914" lvl="1" indent="0"/>
-            <a:endParaRPr lang="en-US" sz="800" dirty="0" smtClean="0"/>
-          </a:p>
-          <a:p>
-            <a:pPr lvl="1">
-              <a:buFontTx/>
-              <a:buChar char="•"/>
-            </a:pPr>
-            <a:r>
-              <a:rPr lang="en-US" sz="1900" dirty="0" smtClean="0"/>
-              <a:t>Max distance – 401 million </a:t>
-            </a:r>
-            <a:r>
-              <a:rPr lang="en-US" sz="1900" dirty="0" err="1" smtClean="0"/>
-              <a:t>kms</a:t>
-            </a:r>
-            <a:endParaRPr lang="en-US" sz="1900" dirty="0" smtClean="0"/>
-          </a:p>
-          <a:p>
-            <a:pPr lvl="1">
-              <a:buFontTx/>
-              <a:buChar char="•"/>
-            </a:pPr>
-            <a:endParaRPr lang="en-US" sz="800" dirty="0" smtClean="0"/>
-          </a:p>
-          <a:p>
-            <a:pPr lvl="1">
-              <a:buFontTx/>
-              <a:buChar char="•"/>
-            </a:pPr>
-            <a:r>
-              <a:rPr lang="en-US" sz="1900" dirty="0" smtClean="0"/>
-              <a:t>4</a:t>
-            </a:r>
-            <a:r>
-              <a:rPr lang="en-US" sz="1900" baseline="30000" dirty="0" smtClean="0"/>
-              <a:t>th</a:t>
-            </a:r>
-            <a:r>
-              <a:rPr lang="en-US" sz="1900" dirty="0" smtClean="0"/>
-              <a:t> bullet point</a:t>
-            </a:r>
-          </a:p>
-          <a:p>
-            <a:pPr lvl="1">
-              <a:buFontTx/>
-              <a:buChar char="•"/>
-            </a:pPr>
-            <a:endParaRPr lang="en-US" sz="800" dirty="0" smtClean="0"/>
-          </a:p>
-          <a:p>
-            <a:pPr lvl="1">
-              <a:buFontTx/>
-              <a:buChar char="•"/>
-            </a:pPr>
-            <a:r>
-              <a:rPr lang="en-US" sz="1900" dirty="0" smtClean="0"/>
-              <a:t>5</a:t>
-            </a:r>
-            <a:r>
-              <a:rPr lang="en-US" sz="1900" baseline="30000" dirty="0" smtClean="0"/>
-              <a:t>th</a:t>
-            </a:r>
-            <a:r>
-              <a:rPr lang="en-US" sz="1900" dirty="0" smtClean="0"/>
-              <a:t> bullet point</a:t>
-            </a:r>
-            <a:endParaRPr lang="en-US" dirty="0"/>
-          </a:p>
-        </p:txBody>
-      </p:sp>
-      <p:graphicFrame>
-        <p:nvGraphicFramePr>
-          <p:cNvPr id="7" name="Diagram 6"/>
-          <p:cNvGraphicFramePr/>
+          <a:bodyPr vert="horz">
+            <a:normAutofit/>
+          </a:bodyPr>
+          <a:lstStyle>
+            <a:lvl1pPr marL="27432" indent="0" algn="l" rtl="0" eaLnBrk="1" latinLnBrk="0" hangingPunct="1">
+              <a:spcBef>
+                <a:spcPts val="0"/>
+              </a:spcBef>
+              <a:buSzPct val="95000"/>
+              <a:buFont typeface="Wingdings"/>
+              <a:buNone/>
+              <a:defRPr sz="1400" kern="1200">
+                <a:solidFill>
+                  <a:schemeClr val="tx1"/>
+                </a:solidFill>
+                <a:latin typeface="+mn-lt"/>
+                <a:ea typeface="+mn-ea"/>
+                <a:cs typeface="Arial" pitchFamily="34" charset="0"/>
+              </a:defRPr>
+            </a:lvl1pPr>
+            <a:lvl2pPr marL="740664" indent="-285750" algn="l" rtl="0" eaLnBrk="1" latinLnBrk="0" hangingPunct="1">
+              <a:spcBef>
+                <a:spcPct val="20000"/>
+              </a:spcBef>
+              <a:buClr>
+                <a:schemeClr val="accent2"/>
+              </a:buClr>
+              <a:buSzPct val="90000"/>
+              <a:buFont typeface="Wingdings"/>
+              <a:buChar char=""/>
+              <a:defRPr sz="1200" kern="1200">
+                <a:solidFill>
+                  <a:schemeClr val="tx1"/>
+                </a:solidFill>
+                <a:latin typeface="+mn-lt"/>
+                <a:ea typeface="+mn-ea"/>
+                <a:cs typeface="Arial" pitchFamily="34" charset="0"/>
+              </a:defRPr>
+            </a:lvl2pPr>
+            <a:lvl3pPr marL="996696" indent="-228600" algn="l" rtl="0" eaLnBrk="1" latinLnBrk="0" hangingPunct="1">
+              <a:spcBef>
+                <a:spcPct val="20000"/>
+              </a:spcBef>
+              <a:buClr>
+                <a:schemeClr val="accent2"/>
+              </a:buClr>
+              <a:buFont typeface="Wingdings 2"/>
+              <a:buChar char=""/>
+              <a:defRPr sz="1000" kern="1200">
+                <a:solidFill>
+                  <a:schemeClr val="tx1"/>
+                </a:solidFill>
+                <a:latin typeface="+mn-lt"/>
+                <a:ea typeface="+mn-ea"/>
+                <a:cs typeface="Arial" pitchFamily="34" charset="0"/>
+              </a:defRPr>
+            </a:lvl3pPr>
+            <a:lvl4pPr marL="1261872" indent="-228600" algn="l" rtl="0" eaLnBrk="1" latinLnBrk="0" hangingPunct="1">
+              <a:spcBef>
+                <a:spcPct val="20000"/>
+              </a:spcBef>
+              <a:buClr>
+                <a:schemeClr val="accent3"/>
+              </a:buClr>
+              <a:buFont typeface="Wingdings 3"/>
+              <a:buChar char=""/>
+              <a:defRPr sz="900" kern="1200">
+                <a:solidFill>
+                  <a:schemeClr val="tx1"/>
+                </a:solidFill>
+                <a:latin typeface="+mn-lt"/>
+                <a:ea typeface="+mn-ea"/>
+                <a:cs typeface="Arial" pitchFamily="34" charset="0"/>
+              </a:defRPr>
+            </a:lvl4pPr>
+            <a:lvl5pPr marL="1481328" indent="-210312" algn="l" rtl="0" eaLnBrk="1" latinLnBrk="0" hangingPunct="1">
+              <a:spcBef>
+                <a:spcPct val="20000"/>
+              </a:spcBef>
+              <a:buClr>
+                <a:schemeClr val="accent3"/>
+              </a:buClr>
+              <a:buFont typeface="Wingdings 2"/>
+              <a:buChar char=""/>
+              <a:defRPr sz="900" kern="1200">
+                <a:solidFill>
+                  <a:schemeClr val="tx1"/>
+                </a:solidFill>
+                <a:latin typeface="+mn-lt"/>
+                <a:ea typeface="+mn-ea"/>
+                <a:cs typeface="Arial" pitchFamily="34" charset="0"/>
+              </a:defRPr>
+            </a:lvl5pPr>
+            <a:lvl6pPr marL="1709928" indent="-210312" algn="l" rtl="0" eaLnBrk="1" latinLnBrk="0" hangingPunct="1">
+              <a:spcBef>
+                <a:spcPct val="20000"/>
+              </a:spcBef>
+              <a:buClr>
+                <a:schemeClr val="accent3"/>
+              </a:buClr>
+              <a:buFont typeface="Wingdings 2"/>
+              <a:buChar char=""/>
+              <a:defRPr sz="1800" kern="1200">
+                <a:solidFill>
+                  <a:schemeClr val="tx1"/>
+                </a:solidFill>
+                <a:latin typeface="+mn-lt"/>
+                <a:ea typeface="+mn-ea"/>
+                <a:cs typeface="+mn-cs"/>
+              </a:defRPr>
+            </a:lvl6pPr>
+            <a:lvl7pPr marL="1901952" indent="-182880" algn="l" rtl="0" eaLnBrk="1" latinLnBrk="0" hangingPunct="1">
+              <a:spcBef>
+                <a:spcPct val="20000"/>
+              </a:spcBef>
+              <a:buClr>
+                <a:schemeClr val="accent4"/>
+              </a:buClr>
+              <a:buFont typeface="Wingdings 2"/>
+              <a:buChar char=""/>
+              <a:defRPr sz="1600" kern="1200">
+                <a:solidFill>
+                  <a:schemeClr val="tx1"/>
+                </a:solidFill>
+                <a:latin typeface="+mn-lt"/>
+                <a:ea typeface="+mn-ea"/>
+                <a:cs typeface="+mn-cs"/>
+              </a:defRPr>
+            </a:lvl7pPr>
+            <a:lvl8pPr marL="2093976" indent="-182880" algn="l" rtl="0" eaLnBrk="1" latinLnBrk="0" hangingPunct="1">
+              <a:spcBef>
+                <a:spcPct val="20000"/>
+              </a:spcBef>
+              <a:buClr>
+                <a:schemeClr val="accent4"/>
+              </a:buClr>
+              <a:buFont typeface="Wingdings 2"/>
+              <a:buChar char=""/>
+              <a:defRPr sz="1600" kern="1200">
+                <a:solidFill>
+                  <a:schemeClr val="tx1"/>
+                </a:solidFill>
+                <a:latin typeface="+mn-lt"/>
+                <a:ea typeface="+mn-ea"/>
+                <a:cs typeface="+mn-cs"/>
+              </a:defRPr>
+            </a:lvl8pPr>
+            <a:lvl9pPr marL="2286000" indent="-182880" algn="l" rtl="0" eaLnBrk="1" latinLnBrk="0" hangingPunct="1">
+              <a:spcBef>
+                <a:spcPct val="20000"/>
+              </a:spcBef>
+              <a:buClr>
+                <a:schemeClr val="accent4"/>
+              </a:buClr>
+              <a:buFont typeface="Wingdings 2"/>
+              <a:buChar char=""/>
+              <a:defRPr sz="1600" kern="1200">
+                <a:solidFill>
+                  <a:schemeClr val="tx1"/>
+                </a:solidFill>
+                <a:latin typeface="+mn-lt"/>
+                <a:ea typeface="+mn-ea"/>
+                <a:cs typeface="+mn-cs"/>
+              </a:defRPr>
+            </a:lvl9pPr>
+            <a:extLst/>
+          </a:lstStyle>
+          <a:p>
+            <a:endParaRPr lang="en-US" sz="1800" dirty="0"/>
+          </a:p>
+        </p:txBody>
+      </p:sp>
+      <p:pic>
+        <p:nvPicPr>
+          <p:cNvPr id="3" name="Picture 2"/>
+          <p:cNvPicPr>
+            <a:picLocks noChangeAspect="1"/>
+          </p:cNvPicPr>
           <p:nvPr/>
-        </p:nvGraphicFramePr>
-        <p:xfrm>
-          <a:off x="3276600" y="2743200"/>
-          <a:ext cx="5715000" cy="3657600"/>
-        </p:xfrm>
-        <a:graphic>
-          <a:graphicData uri="http://schemas.openxmlformats.org/drawingml/2006/diagram">
-            <dgm:relIds xmlns:dgm="http://schemas.openxmlformats.org/drawingml/2006/diagram" xmlns:r="http://schemas.openxmlformats.org/officeDocument/2006/relationships" r:dm="rId2" r:lo="rId3" r:qs="rId4" r:cs="rId5"/>
-          </a:graphicData>
-        </a:graphic>
-      </p:graphicFrame>
+        </p:nvPicPr>
+        <p:blipFill>
+          <a:blip r:embed="rId2">
+            <a:extLst>
+              <a:ext uri="{28A0092B-C50C-407E-A947-70E740481C1C}">
+                <a14:useLocalDpi xmlns:a14="http://schemas.microsoft.com/office/drawing/2010/main" val="0"/>
+              </a:ext>
+            </a:extLst>
+          </a:blip>
+          <a:stretch>
+            <a:fillRect/>
+          </a:stretch>
+        </p:blipFill>
+        <p:spPr>
+          <a:xfrm>
+            <a:off x="152400" y="1454944"/>
+            <a:ext cx="8839200" cy="5181600"/>
+          </a:xfrm>
+          <a:prstGeom prst="rect">
+            <a:avLst/>
+          </a:prstGeom>
+        </p:spPr>
+      </p:pic>
     </p:spTree>
+    <p:extLst>
+      <p:ext uri="{BB962C8B-B14F-4D97-AF65-F5344CB8AC3E}">
+        <p14:creationId xmlns:p14="http://schemas.microsoft.com/office/powerpoint/2010/main" val="107196225"/>
+      </p:ext>
+    </p:extLst>
   </p:cSld>
   <p:clrMapOvr>
     <a:masterClrMapping/>
   </p:clrMapOvr>
-  <p:timing>
-    <p:tnLst>
-      <p:par>
-        <p:cTn id="1" dur="indefinite" restart="never" nodeType="tmRoot"/>
-      </p:par>
-    </p:tnLst>
-  </p:timing>
 </p:sld>
 </file>
 
@@ -9419,7 +5493,15 @@
                   <a:schemeClr val="tx1"/>
                 </a:solidFill>
               </a:rPr>
-              <a:t>Variables</a:t>
+              <a:t>Facts about </a:t>
+            </a:r>
+            <a:r>
+              <a:rPr lang="en-US" sz="4000" dirty="0" smtClean="0">
+                <a:solidFill>
+                  <a:schemeClr val="tx1"/>
+                </a:solidFill>
+              </a:rPr>
+              <a:t>Mars</a:t>
             </a:r>
             <a:endParaRPr lang="en-US" sz="4000" dirty="0">
               <a:solidFill>
@@ -9441,8 +5523,8 @@
         </p:nvSpPr>
         <p:spPr>
           <a:xfrm>
-            <a:off x="685800" y="1219200"/>
-            <a:ext cx="8229600" cy="4787900"/>
+            <a:off x="685800" y="1905000"/>
+            <a:ext cx="8153400" cy="4495800"/>
           </a:xfrm>
         </p:spPr>
         <p:txBody>
@@ -9451,1672 +5533,78 @@
           </a:bodyPr>
           <a:lstStyle/>
           <a:p>
-            <a:pPr marL="411480" lvl="0" indent="-342900">
-              <a:buFont typeface="Wingdings"/>
-              <a:buChar char=""/>
-              <a:defRPr/>
+            <a:endParaRPr lang="en-US" sz="2800" dirty="0" smtClean="0"/>
+          </a:p>
+          <a:p>
+            <a:pPr lvl="1">
+              <a:buFontTx/>
+              <a:buChar char="•"/>
             </a:pPr>
             <a:r>
-              <a:rPr lang="en-US" sz="1400" dirty="0" smtClean="0"/>
-              <a:t>Controlled variables:  These are the things that are kept the same throughout your experiments.</a:t>
-            </a:r>
-          </a:p>
-          <a:p>
-            <a:pPr marL="411480" lvl="0" indent="-342900">
-              <a:buFont typeface="Wingdings"/>
-              <a:buChar char=""/>
-              <a:defRPr/>
+              <a:rPr lang="en-US" sz="2800" dirty="0" smtClean="0"/>
+              <a:t>Min distance - 54.6 million </a:t>
+            </a:r>
+            <a:r>
+              <a:rPr lang="en-US" sz="2800" dirty="0" smtClean="0"/>
+              <a:t>km</a:t>
+            </a:r>
+            <a:endParaRPr lang="en-US" sz="2800" dirty="0" smtClean="0"/>
+          </a:p>
+          <a:p>
+            <a:pPr lvl="1">
+              <a:buFontTx/>
+              <a:buChar char="•"/>
             </a:pPr>
             <a:r>
-              <a:rPr lang="en-US" sz="1400" dirty="0" smtClean="0"/>
-              <a:t>Independent variable:  The </a:t>
-            </a:r>
-            <a:r>
-              <a:rPr lang="en-US" sz="1400" u="sng" dirty="0" smtClean="0"/>
-              <a:t>one</a:t>
-            </a:r>
-            <a:r>
-              <a:rPr lang="en-US" sz="1400" dirty="0" smtClean="0"/>
-              <a:t> variable that you purposely change and test.</a:t>
-            </a:r>
-          </a:p>
-          <a:p>
-            <a:pPr marL="411480" lvl="0" indent="-342900">
-              <a:buFont typeface="Wingdings"/>
-              <a:buChar char=""/>
-              <a:defRPr/>
+              <a:rPr lang="en-US" sz="2800" dirty="0" smtClean="0"/>
+              <a:t>Max distance – 401 million </a:t>
+            </a:r>
+            <a:r>
+              <a:rPr lang="en-US" sz="2800" dirty="0" smtClean="0"/>
+              <a:t>km</a:t>
+            </a:r>
+          </a:p>
+          <a:p>
+            <a:pPr lvl="1">
+              <a:buFontTx/>
+              <a:buChar char="•"/>
             </a:pPr>
             <a:r>
-              <a:rPr lang="en-US" sz="1400" dirty="0" smtClean="0"/>
-              <a:t>Dependent variable:  The measure of change observed because of the independent variable.  It is important to decide how you are going to measure the change.</a:t>
-            </a:r>
-          </a:p>
-          <a:p>
-            <a:endParaRPr lang="en-US" sz="1400" dirty="0"/>
-          </a:p>
-        </p:txBody>
-      </p:sp>
-      <p:graphicFrame>
-        <p:nvGraphicFramePr>
-          <p:cNvPr id="5" name="Table 4"/>
-          <p:cNvGraphicFramePr>
-            <a:graphicFrameLocks noGrp="1"/>
-          </p:cNvGraphicFramePr>
-          <p:nvPr/>
-        </p:nvGraphicFramePr>
-        <p:xfrm>
-          <a:off x="2438400" y="2438400"/>
-          <a:ext cx="4876800" cy="4267200"/>
-        </p:xfrm>
-        <a:graphic>
-          <a:graphicData uri="http://schemas.openxmlformats.org/drawingml/2006/table">
-            <a:tbl>
-              <a:tblPr firstRow="1" bandRow="1">
-                <a:tableStyleId>{8A107856-5554-42FB-B03E-39F5DBC370BA}</a:tableStyleId>
-              </a:tblPr>
-              <a:tblGrid>
-                <a:gridCol w="1161143">
-                  <a:extLst>
-                    <a:ext uri="{9D8B030D-6E8A-4147-A177-3AD203B41FA5}">
-                      <a16:colId xmlns:a16="http://schemas.microsoft.com/office/drawing/2014/main" val="20000"/>
-                    </a:ext>
-                  </a:extLst>
-                </a:gridCol>
-                <a:gridCol w="1277257">
-                  <a:extLst>
-                    <a:ext uri="{9D8B030D-6E8A-4147-A177-3AD203B41FA5}">
-                      <a16:colId xmlns:a16="http://schemas.microsoft.com/office/drawing/2014/main" val="20001"/>
-                    </a:ext>
-                  </a:extLst>
-                </a:gridCol>
-                <a:gridCol w="1219200">
-                  <a:extLst>
-                    <a:ext uri="{9D8B030D-6E8A-4147-A177-3AD203B41FA5}">
-                      <a16:colId xmlns:a16="http://schemas.microsoft.com/office/drawing/2014/main" val="20002"/>
-                    </a:ext>
-                  </a:extLst>
-                </a:gridCol>
-                <a:gridCol w="1219200">
-                  <a:extLst>
-                    <a:ext uri="{9D8B030D-6E8A-4147-A177-3AD203B41FA5}">
-                      <a16:colId xmlns:a16="http://schemas.microsoft.com/office/drawing/2014/main" val="20003"/>
-                    </a:ext>
-                  </a:extLst>
-                </a:gridCol>
-              </a:tblGrid>
-              <a:tr h="1016000">
-                <a:tc>
-                  <a:txBody>
-                    <a:bodyPr/>
-                    <a:lstStyle/>
-                    <a:p>
-                      <a:r>
-                        <a:rPr lang="en-US" dirty="0" smtClean="0">
-                          <a:solidFill>
-                            <a:schemeClr val="tx1"/>
-                          </a:solidFill>
-                          <a:latin typeface="Gill Sans MT" pitchFamily="34" charset="0"/>
-                        </a:rPr>
-                        <a:t>Planet</a:t>
-                      </a:r>
-                      <a:endParaRPr lang="en-US" dirty="0">
-                        <a:solidFill>
-                          <a:schemeClr val="tx1"/>
-                        </a:solidFill>
-                        <a:latin typeface="Gill Sans MT" pitchFamily="34" charset="0"/>
-                      </a:endParaRPr>
-                    </a:p>
-                  </a:txBody>
-                  <a:tcPr>
-                    <a:gradFill>
-                      <a:gsLst>
-                        <a:gs pos="0">
-                          <a:schemeClr val="bg1">
-                            <a:shade val="100000"/>
-                            <a:satMod val="150000"/>
-                          </a:schemeClr>
-                        </a:gs>
-                        <a:gs pos="65000">
-                          <a:schemeClr val="bg1">
-                            <a:shade val="90000"/>
-                            <a:satMod val="375000"/>
-                          </a:schemeClr>
-                        </a:gs>
-                        <a:gs pos="100000">
-                          <a:schemeClr val="bg2">
-                            <a:tint val="88000"/>
-                            <a:satMod val="400000"/>
-                          </a:schemeClr>
-                        </a:gs>
-                      </a:gsLst>
-                      <a:lin ang="5400000" scaled="0"/>
-                    </a:gradFill>
-                  </a:tcPr>
-                </a:tc>
-                <a:tc>
-                  <a:txBody>
-                    <a:bodyPr/>
-                    <a:lstStyle/>
-                    <a:p>
-                      <a:r>
-                        <a:rPr lang="en-US" dirty="0" smtClean="0">
-                          <a:solidFill>
-                            <a:schemeClr val="tx1"/>
-                          </a:solidFill>
-                          <a:latin typeface="Gill Sans MT" pitchFamily="34" charset="0"/>
-                        </a:rPr>
-                        <a:t>Mass</a:t>
-                      </a:r>
-                      <a:endParaRPr lang="en-US" dirty="0">
-                        <a:solidFill>
-                          <a:schemeClr val="tx1"/>
-                        </a:solidFill>
-                        <a:latin typeface="Gill Sans MT" pitchFamily="34" charset="0"/>
-                      </a:endParaRPr>
-                    </a:p>
-                  </a:txBody>
-                  <a:tcPr>
-                    <a:gradFill>
-                      <a:gsLst>
-                        <a:gs pos="0">
-                          <a:schemeClr val="bg1">
-                            <a:shade val="100000"/>
-                            <a:satMod val="150000"/>
-                          </a:schemeClr>
-                        </a:gs>
-                        <a:gs pos="65000">
-                          <a:schemeClr val="bg1">
-                            <a:shade val="90000"/>
-                            <a:satMod val="375000"/>
-                          </a:schemeClr>
-                        </a:gs>
-                        <a:gs pos="100000">
-                          <a:schemeClr val="bg2">
-                            <a:tint val="88000"/>
-                            <a:satMod val="400000"/>
-                          </a:schemeClr>
-                        </a:gs>
-                      </a:gsLst>
-                      <a:lin ang="5400000" scaled="0"/>
-                    </a:gradFill>
-                  </a:tcPr>
-                </a:tc>
-                <a:tc>
-                  <a:txBody>
-                    <a:bodyPr/>
-                    <a:lstStyle/>
-                    <a:p>
-                      <a:r>
-                        <a:rPr lang="en-US" dirty="0" smtClean="0">
-                          <a:solidFill>
-                            <a:schemeClr val="tx1"/>
-                          </a:solidFill>
-                          <a:latin typeface="Gill Sans MT" pitchFamily="34" charset="0"/>
-                        </a:rPr>
-                        <a:t>Period of rotation </a:t>
-                      </a:r>
-                      <a:endParaRPr lang="en-US" dirty="0">
-                        <a:solidFill>
-                          <a:schemeClr val="tx1"/>
-                        </a:solidFill>
-                        <a:latin typeface="Gill Sans MT" pitchFamily="34" charset="0"/>
-                      </a:endParaRPr>
-                    </a:p>
-                  </a:txBody>
-                  <a:tcPr>
-                    <a:gradFill>
-                      <a:gsLst>
-                        <a:gs pos="0">
-                          <a:schemeClr val="bg1">
-                            <a:shade val="100000"/>
-                            <a:satMod val="150000"/>
-                          </a:schemeClr>
-                        </a:gs>
-                        <a:gs pos="65000">
-                          <a:schemeClr val="bg1">
-                            <a:shade val="90000"/>
-                            <a:satMod val="375000"/>
-                          </a:schemeClr>
-                        </a:gs>
-                        <a:gs pos="100000">
-                          <a:schemeClr val="bg2">
-                            <a:tint val="88000"/>
-                            <a:satMod val="400000"/>
-                          </a:schemeClr>
-                        </a:gs>
-                      </a:gsLst>
-                      <a:lin ang="5400000" scaled="0"/>
-                    </a:gradFill>
-                  </a:tcPr>
-                </a:tc>
-                <a:tc>
-                  <a:txBody>
-                    <a:bodyPr/>
-                    <a:lstStyle/>
-                    <a:p>
-                      <a:r>
-                        <a:rPr lang="en-US" dirty="0" smtClean="0">
-                          <a:solidFill>
-                            <a:schemeClr val="tx1"/>
-                          </a:solidFill>
-                          <a:latin typeface="Gill Sans MT" pitchFamily="34" charset="0"/>
-                        </a:rPr>
-                        <a:t>Distance from the sun </a:t>
-                      </a:r>
-                      <a:endParaRPr lang="en-US" dirty="0">
-                        <a:solidFill>
-                          <a:schemeClr val="tx1"/>
-                        </a:solidFill>
-                        <a:latin typeface="Gill Sans MT" pitchFamily="34" charset="0"/>
-                      </a:endParaRPr>
-                    </a:p>
-                  </a:txBody>
-                  <a:tcPr>
-                    <a:gradFill>
-                      <a:gsLst>
-                        <a:gs pos="0">
-                          <a:schemeClr val="bg1">
-                            <a:shade val="100000"/>
-                            <a:satMod val="150000"/>
-                          </a:schemeClr>
-                        </a:gs>
-                        <a:gs pos="65000">
-                          <a:schemeClr val="bg1">
-                            <a:shade val="90000"/>
-                            <a:satMod val="375000"/>
-                          </a:schemeClr>
-                        </a:gs>
-                        <a:gs pos="100000">
-                          <a:schemeClr val="bg2">
-                            <a:tint val="88000"/>
-                            <a:satMod val="400000"/>
-                          </a:schemeClr>
-                        </a:gs>
-                      </a:gsLst>
-                      <a:lin ang="5400000" scaled="0"/>
-                    </a:gradFill>
-                  </a:tcPr>
-                </a:tc>
-                <a:extLst>
-                  <a:ext uri="{0D108BD9-81ED-4DB2-BD59-A6C34878D82A}">
-                    <a16:rowId xmlns:a16="http://schemas.microsoft.com/office/drawing/2014/main" val="10000"/>
-                  </a:ext>
-                </a:extLst>
-              </a:tr>
-              <a:tr h="406400">
-                <a:tc>
-                  <a:txBody>
-                    <a:bodyPr/>
-                    <a:lstStyle/>
-                    <a:p>
-                      <a:r>
-                        <a:rPr lang="en-US" dirty="0" smtClean="0">
-                          <a:solidFill>
-                            <a:schemeClr val="tx1"/>
-                          </a:solidFill>
-                          <a:latin typeface="Gill Sans MT" pitchFamily="34" charset="0"/>
-                        </a:rPr>
-                        <a:t>Mercury</a:t>
-                      </a:r>
-                    </a:p>
-                  </a:txBody>
-                  <a:tcPr>
-                    <a:gradFill>
-                      <a:gsLst>
-                        <a:gs pos="0">
-                          <a:schemeClr val="bg1">
-                            <a:shade val="100000"/>
-                            <a:satMod val="150000"/>
-                          </a:schemeClr>
-                        </a:gs>
-                        <a:gs pos="65000">
-                          <a:schemeClr val="bg1">
-                            <a:shade val="90000"/>
-                            <a:satMod val="375000"/>
-                          </a:schemeClr>
-                        </a:gs>
-                        <a:gs pos="100000">
-                          <a:schemeClr val="bg2">
-                            <a:tint val="88000"/>
-                            <a:satMod val="400000"/>
-                          </a:schemeClr>
-                        </a:gs>
-                      </a:gsLst>
-                      <a:lin ang="5400000" scaled="0"/>
-                    </a:gradFill>
-                  </a:tcPr>
-                </a:tc>
-                <a:tc>
-                  <a:txBody>
-                    <a:bodyPr/>
-                    <a:lstStyle/>
-                    <a:p>
-                      <a:endParaRPr lang="en-US" dirty="0">
-                        <a:solidFill>
-                          <a:schemeClr val="tx1"/>
-                        </a:solidFill>
-                        <a:latin typeface="Gill Sans MT" pitchFamily="34" charset="0"/>
-                      </a:endParaRPr>
-                    </a:p>
-                  </a:txBody>
-                  <a:tcPr>
-                    <a:gradFill>
-                      <a:gsLst>
-                        <a:gs pos="0">
-                          <a:schemeClr val="bg1">
-                            <a:shade val="100000"/>
-                            <a:satMod val="150000"/>
-                          </a:schemeClr>
-                        </a:gs>
-                        <a:gs pos="65000">
-                          <a:schemeClr val="bg1">
-                            <a:shade val="90000"/>
-                            <a:satMod val="375000"/>
-                          </a:schemeClr>
-                        </a:gs>
-                        <a:gs pos="100000">
-                          <a:schemeClr val="bg2">
-                            <a:tint val="88000"/>
-                            <a:satMod val="400000"/>
-                          </a:schemeClr>
-                        </a:gs>
-                      </a:gsLst>
-                      <a:lin ang="5400000" scaled="0"/>
-                    </a:gradFill>
-                  </a:tcPr>
-                </a:tc>
-                <a:tc>
-                  <a:txBody>
-                    <a:bodyPr/>
-                    <a:lstStyle/>
-                    <a:p>
-                      <a:endParaRPr lang="en-US" dirty="0">
-                        <a:solidFill>
-                          <a:schemeClr val="tx1"/>
-                        </a:solidFill>
-                        <a:latin typeface="Gill Sans MT" pitchFamily="34" charset="0"/>
-                      </a:endParaRPr>
-                    </a:p>
-                  </a:txBody>
-                  <a:tcPr>
-                    <a:gradFill>
-                      <a:gsLst>
-                        <a:gs pos="0">
-                          <a:schemeClr val="bg1">
-                            <a:shade val="100000"/>
-                            <a:satMod val="150000"/>
-                          </a:schemeClr>
-                        </a:gs>
-                        <a:gs pos="65000">
-                          <a:schemeClr val="bg1">
-                            <a:shade val="90000"/>
-                            <a:satMod val="375000"/>
-                          </a:schemeClr>
-                        </a:gs>
-                        <a:gs pos="100000">
-                          <a:schemeClr val="bg2">
-                            <a:tint val="88000"/>
-                            <a:satMod val="400000"/>
-                          </a:schemeClr>
-                        </a:gs>
-                      </a:gsLst>
-                      <a:lin ang="5400000" scaled="0"/>
-                    </a:gradFill>
-                  </a:tcPr>
-                </a:tc>
-                <a:tc>
-                  <a:txBody>
-                    <a:bodyPr/>
-                    <a:lstStyle/>
-                    <a:p>
-                      <a:endParaRPr lang="en-US" dirty="0">
-                        <a:solidFill>
-                          <a:schemeClr val="tx1"/>
-                        </a:solidFill>
-                        <a:latin typeface="Gill Sans MT" pitchFamily="34" charset="0"/>
-                      </a:endParaRPr>
-                    </a:p>
-                  </a:txBody>
-                  <a:tcPr>
-                    <a:gradFill>
-                      <a:gsLst>
-                        <a:gs pos="0">
-                          <a:schemeClr val="bg1">
-                            <a:shade val="100000"/>
-                            <a:satMod val="150000"/>
-                          </a:schemeClr>
-                        </a:gs>
-                        <a:gs pos="65000">
-                          <a:schemeClr val="bg1">
-                            <a:shade val="90000"/>
-                            <a:satMod val="375000"/>
-                          </a:schemeClr>
-                        </a:gs>
-                        <a:gs pos="100000">
-                          <a:schemeClr val="bg2">
-                            <a:tint val="88000"/>
-                            <a:satMod val="400000"/>
-                          </a:schemeClr>
-                        </a:gs>
-                      </a:gsLst>
-                      <a:lin ang="5400000" scaled="0"/>
-                    </a:gradFill>
-                  </a:tcPr>
-                </a:tc>
-                <a:extLst>
-                  <a:ext uri="{0D108BD9-81ED-4DB2-BD59-A6C34878D82A}">
-                    <a16:rowId xmlns:a16="http://schemas.microsoft.com/office/drawing/2014/main" val="10001"/>
-                  </a:ext>
-                </a:extLst>
-              </a:tr>
-              <a:tr h="406400">
-                <a:tc>
-                  <a:txBody>
-                    <a:bodyPr/>
-                    <a:lstStyle/>
-                    <a:p>
-                      <a:r>
-                        <a:rPr lang="en-US" dirty="0" smtClean="0">
-                          <a:solidFill>
-                            <a:schemeClr val="tx1"/>
-                          </a:solidFill>
-                          <a:latin typeface="Gill Sans MT" pitchFamily="34" charset="0"/>
-                        </a:rPr>
-                        <a:t>Venus</a:t>
-                      </a:r>
-                      <a:endParaRPr lang="en-US" dirty="0">
-                        <a:solidFill>
-                          <a:schemeClr val="tx1"/>
-                        </a:solidFill>
-                        <a:latin typeface="Gill Sans MT" pitchFamily="34" charset="0"/>
-                      </a:endParaRPr>
-                    </a:p>
-                  </a:txBody>
-                  <a:tcPr>
-                    <a:gradFill>
-                      <a:gsLst>
-                        <a:gs pos="0">
-                          <a:schemeClr val="bg1">
-                            <a:shade val="100000"/>
-                            <a:satMod val="150000"/>
-                          </a:schemeClr>
-                        </a:gs>
-                        <a:gs pos="65000">
-                          <a:schemeClr val="bg1">
-                            <a:shade val="90000"/>
-                            <a:satMod val="375000"/>
-                          </a:schemeClr>
-                        </a:gs>
-                        <a:gs pos="100000">
-                          <a:schemeClr val="bg2">
-                            <a:tint val="88000"/>
-                            <a:satMod val="400000"/>
-                          </a:schemeClr>
-                        </a:gs>
-                      </a:gsLst>
-                      <a:lin ang="5400000" scaled="0"/>
-                    </a:gradFill>
-                  </a:tcPr>
-                </a:tc>
-                <a:tc>
-                  <a:txBody>
-                    <a:bodyPr/>
-                    <a:lstStyle/>
-                    <a:p>
-                      <a:endParaRPr lang="en-US" dirty="0">
-                        <a:solidFill>
-                          <a:schemeClr val="tx1"/>
-                        </a:solidFill>
-                        <a:latin typeface="Gill Sans MT" pitchFamily="34" charset="0"/>
-                      </a:endParaRPr>
-                    </a:p>
-                  </a:txBody>
-                  <a:tcPr>
-                    <a:gradFill>
-                      <a:gsLst>
-                        <a:gs pos="0">
-                          <a:schemeClr val="bg1">
-                            <a:shade val="100000"/>
-                            <a:satMod val="150000"/>
-                          </a:schemeClr>
-                        </a:gs>
-                        <a:gs pos="65000">
-                          <a:schemeClr val="bg1">
-                            <a:shade val="90000"/>
-                            <a:satMod val="375000"/>
-                          </a:schemeClr>
-                        </a:gs>
-                        <a:gs pos="100000">
-                          <a:schemeClr val="bg2">
-                            <a:tint val="88000"/>
-                            <a:satMod val="400000"/>
-                          </a:schemeClr>
-                        </a:gs>
-                      </a:gsLst>
-                      <a:lin ang="5400000" scaled="0"/>
-                    </a:gradFill>
-                  </a:tcPr>
-                </a:tc>
-                <a:tc>
-                  <a:txBody>
-                    <a:bodyPr/>
-                    <a:lstStyle/>
-                    <a:p>
-                      <a:endParaRPr lang="en-US">
-                        <a:solidFill>
-                          <a:schemeClr val="tx1"/>
-                        </a:solidFill>
-                        <a:latin typeface="Gill Sans MT" pitchFamily="34" charset="0"/>
-                      </a:endParaRPr>
-                    </a:p>
-                  </a:txBody>
-                  <a:tcPr>
-                    <a:gradFill>
-                      <a:gsLst>
-                        <a:gs pos="0">
-                          <a:schemeClr val="bg1">
-                            <a:shade val="100000"/>
-                            <a:satMod val="150000"/>
-                          </a:schemeClr>
-                        </a:gs>
-                        <a:gs pos="65000">
-                          <a:schemeClr val="bg1">
-                            <a:shade val="90000"/>
-                            <a:satMod val="375000"/>
-                          </a:schemeClr>
-                        </a:gs>
-                        <a:gs pos="100000">
-                          <a:schemeClr val="bg2">
-                            <a:tint val="88000"/>
-                            <a:satMod val="400000"/>
-                          </a:schemeClr>
-                        </a:gs>
-                      </a:gsLst>
-                      <a:lin ang="5400000" scaled="0"/>
-                    </a:gradFill>
-                  </a:tcPr>
-                </a:tc>
-                <a:tc>
-                  <a:txBody>
-                    <a:bodyPr/>
-                    <a:lstStyle/>
-                    <a:p>
-                      <a:endParaRPr lang="en-US">
-                        <a:solidFill>
-                          <a:schemeClr val="tx1"/>
-                        </a:solidFill>
-                        <a:latin typeface="Gill Sans MT" pitchFamily="34" charset="0"/>
-                      </a:endParaRPr>
-                    </a:p>
-                  </a:txBody>
-                  <a:tcPr>
-                    <a:gradFill>
-                      <a:gsLst>
-                        <a:gs pos="0">
-                          <a:schemeClr val="bg1">
-                            <a:shade val="100000"/>
-                            <a:satMod val="150000"/>
-                          </a:schemeClr>
-                        </a:gs>
-                        <a:gs pos="65000">
-                          <a:schemeClr val="bg1">
-                            <a:shade val="90000"/>
-                            <a:satMod val="375000"/>
-                          </a:schemeClr>
-                        </a:gs>
-                        <a:gs pos="100000">
-                          <a:schemeClr val="bg2">
-                            <a:tint val="88000"/>
-                            <a:satMod val="400000"/>
-                          </a:schemeClr>
-                        </a:gs>
-                      </a:gsLst>
-                      <a:lin ang="5400000" scaled="0"/>
-                    </a:gradFill>
-                  </a:tcPr>
-                </a:tc>
-                <a:extLst>
-                  <a:ext uri="{0D108BD9-81ED-4DB2-BD59-A6C34878D82A}">
-                    <a16:rowId xmlns:a16="http://schemas.microsoft.com/office/drawing/2014/main" val="10002"/>
-                  </a:ext>
-                </a:extLst>
-              </a:tr>
-              <a:tr h="406400">
-                <a:tc>
-                  <a:txBody>
-                    <a:bodyPr/>
-                    <a:lstStyle/>
-                    <a:p>
-                      <a:r>
-                        <a:rPr lang="en-US" dirty="0" smtClean="0">
-                          <a:solidFill>
-                            <a:schemeClr val="tx1"/>
-                          </a:solidFill>
-                          <a:latin typeface="Gill Sans MT" pitchFamily="34" charset="0"/>
-                        </a:rPr>
-                        <a:t>Earth</a:t>
-                      </a:r>
-                      <a:endParaRPr lang="en-US" dirty="0">
-                        <a:solidFill>
-                          <a:schemeClr val="tx1"/>
-                        </a:solidFill>
-                        <a:latin typeface="Gill Sans MT" pitchFamily="34" charset="0"/>
-                      </a:endParaRPr>
-                    </a:p>
-                  </a:txBody>
-                  <a:tcPr>
-                    <a:gradFill>
-                      <a:gsLst>
-                        <a:gs pos="0">
-                          <a:schemeClr val="bg1">
-                            <a:shade val="100000"/>
-                            <a:satMod val="150000"/>
-                          </a:schemeClr>
-                        </a:gs>
-                        <a:gs pos="65000">
-                          <a:schemeClr val="bg1">
-                            <a:shade val="90000"/>
-                            <a:satMod val="375000"/>
-                          </a:schemeClr>
-                        </a:gs>
-                        <a:gs pos="100000">
-                          <a:schemeClr val="bg2">
-                            <a:tint val="88000"/>
-                            <a:satMod val="400000"/>
-                          </a:schemeClr>
-                        </a:gs>
-                      </a:gsLst>
-                      <a:lin ang="5400000" scaled="0"/>
-                    </a:gradFill>
-                  </a:tcPr>
-                </a:tc>
-                <a:tc>
-                  <a:txBody>
-                    <a:bodyPr/>
-                    <a:lstStyle/>
-                    <a:p>
-                      <a:endParaRPr lang="en-US" dirty="0">
-                        <a:solidFill>
-                          <a:schemeClr val="tx1"/>
-                        </a:solidFill>
-                        <a:latin typeface="Gill Sans MT" pitchFamily="34" charset="0"/>
-                      </a:endParaRPr>
-                    </a:p>
-                  </a:txBody>
-                  <a:tcPr>
-                    <a:gradFill>
-                      <a:gsLst>
-                        <a:gs pos="0">
-                          <a:schemeClr val="bg1">
-                            <a:shade val="100000"/>
-                            <a:satMod val="150000"/>
-                          </a:schemeClr>
-                        </a:gs>
-                        <a:gs pos="65000">
-                          <a:schemeClr val="bg1">
-                            <a:shade val="90000"/>
-                            <a:satMod val="375000"/>
-                          </a:schemeClr>
-                        </a:gs>
-                        <a:gs pos="100000">
-                          <a:schemeClr val="bg2">
-                            <a:tint val="88000"/>
-                            <a:satMod val="400000"/>
-                          </a:schemeClr>
-                        </a:gs>
-                      </a:gsLst>
-                      <a:lin ang="5400000" scaled="0"/>
-                    </a:gradFill>
-                  </a:tcPr>
-                </a:tc>
-                <a:tc>
-                  <a:txBody>
-                    <a:bodyPr/>
-                    <a:lstStyle/>
-                    <a:p>
-                      <a:endParaRPr lang="en-US" dirty="0">
-                        <a:solidFill>
-                          <a:schemeClr val="tx1"/>
-                        </a:solidFill>
-                        <a:latin typeface="Gill Sans MT" pitchFamily="34" charset="0"/>
-                      </a:endParaRPr>
-                    </a:p>
-                  </a:txBody>
-                  <a:tcPr>
-                    <a:gradFill>
-                      <a:gsLst>
-                        <a:gs pos="0">
-                          <a:schemeClr val="bg1">
-                            <a:shade val="100000"/>
-                            <a:satMod val="150000"/>
-                          </a:schemeClr>
-                        </a:gs>
-                        <a:gs pos="65000">
-                          <a:schemeClr val="bg1">
-                            <a:shade val="90000"/>
-                            <a:satMod val="375000"/>
-                          </a:schemeClr>
-                        </a:gs>
-                        <a:gs pos="100000">
-                          <a:schemeClr val="bg2">
-                            <a:tint val="88000"/>
-                            <a:satMod val="400000"/>
-                          </a:schemeClr>
-                        </a:gs>
-                      </a:gsLst>
-                      <a:lin ang="5400000" scaled="0"/>
-                    </a:gradFill>
-                  </a:tcPr>
-                </a:tc>
-                <a:tc>
-                  <a:txBody>
-                    <a:bodyPr/>
-                    <a:lstStyle/>
-                    <a:p>
-                      <a:endParaRPr lang="en-US" dirty="0">
-                        <a:solidFill>
-                          <a:schemeClr val="tx1"/>
-                        </a:solidFill>
-                        <a:latin typeface="Gill Sans MT" pitchFamily="34" charset="0"/>
-                      </a:endParaRPr>
-                    </a:p>
-                  </a:txBody>
-                  <a:tcPr>
-                    <a:gradFill>
-                      <a:gsLst>
-                        <a:gs pos="0">
-                          <a:schemeClr val="bg1">
-                            <a:shade val="100000"/>
-                            <a:satMod val="150000"/>
-                          </a:schemeClr>
-                        </a:gs>
-                        <a:gs pos="65000">
-                          <a:schemeClr val="bg1">
-                            <a:shade val="90000"/>
-                            <a:satMod val="375000"/>
-                          </a:schemeClr>
-                        </a:gs>
-                        <a:gs pos="100000">
-                          <a:schemeClr val="bg2">
-                            <a:tint val="88000"/>
-                            <a:satMod val="400000"/>
-                          </a:schemeClr>
-                        </a:gs>
-                      </a:gsLst>
-                      <a:lin ang="5400000" scaled="0"/>
-                    </a:gradFill>
-                  </a:tcPr>
-                </a:tc>
-                <a:extLst>
-                  <a:ext uri="{0D108BD9-81ED-4DB2-BD59-A6C34878D82A}">
-                    <a16:rowId xmlns:a16="http://schemas.microsoft.com/office/drawing/2014/main" val="10003"/>
-                  </a:ext>
-                </a:extLst>
-              </a:tr>
-              <a:tr h="406400">
-                <a:tc>
-                  <a:txBody>
-                    <a:bodyPr/>
-                    <a:lstStyle/>
-                    <a:p>
-                      <a:r>
-                        <a:rPr lang="en-US" dirty="0" smtClean="0">
-                          <a:solidFill>
-                            <a:schemeClr val="tx1"/>
-                          </a:solidFill>
-                          <a:latin typeface="Gill Sans MT" pitchFamily="34" charset="0"/>
-                        </a:rPr>
-                        <a:t>Mars</a:t>
-                      </a:r>
-                      <a:endParaRPr lang="en-US" dirty="0">
-                        <a:solidFill>
-                          <a:schemeClr val="tx1"/>
-                        </a:solidFill>
-                        <a:latin typeface="Gill Sans MT" pitchFamily="34" charset="0"/>
-                      </a:endParaRPr>
-                    </a:p>
-                  </a:txBody>
-                  <a:tcPr>
-                    <a:gradFill>
-                      <a:gsLst>
-                        <a:gs pos="0">
-                          <a:schemeClr val="bg1">
-                            <a:shade val="100000"/>
-                            <a:satMod val="150000"/>
-                          </a:schemeClr>
-                        </a:gs>
-                        <a:gs pos="65000">
-                          <a:schemeClr val="bg1">
-                            <a:shade val="90000"/>
-                            <a:satMod val="375000"/>
-                          </a:schemeClr>
-                        </a:gs>
-                        <a:gs pos="100000">
-                          <a:schemeClr val="bg2">
-                            <a:tint val="88000"/>
-                            <a:satMod val="400000"/>
-                          </a:schemeClr>
-                        </a:gs>
-                      </a:gsLst>
-                      <a:lin ang="5400000" scaled="0"/>
-                    </a:gradFill>
-                  </a:tcPr>
-                </a:tc>
-                <a:tc>
-                  <a:txBody>
-                    <a:bodyPr/>
-                    <a:lstStyle/>
-                    <a:p>
-                      <a:endParaRPr lang="en-US" dirty="0">
-                        <a:solidFill>
-                          <a:schemeClr val="tx1"/>
-                        </a:solidFill>
-                        <a:latin typeface="Gill Sans MT" pitchFamily="34" charset="0"/>
-                      </a:endParaRPr>
-                    </a:p>
-                  </a:txBody>
-                  <a:tcPr>
-                    <a:gradFill>
-                      <a:gsLst>
-                        <a:gs pos="0">
-                          <a:schemeClr val="bg1">
-                            <a:shade val="100000"/>
-                            <a:satMod val="150000"/>
-                          </a:schemeClr>
-                        </a:gs>
-                        <a:gs pos="65000">
-                          <a:schemeClr val="bg1">
-                            <a:shade val="90000"/>
-                            <a:satMod val="375000"/>
-                          </a:schemeClr>
-                        </a:gs>
-                        <a:gs pos="100000">
-                          <a:schemeClr val="bg2">
-                            <a:tint val="88000"/>
-                            <a:satMod val="400000"/>
-                          </a:schemeClr>
-                        </a:gs>
-                      </a:gsLst>
-                      <a:lin ang="5400000" scaled="0"/>
-                    </a:gradFill>
-                  </a:tcPr>
-                </a:tc>
-                <a:tc>
-                  <a:txBody>
-                    <a:bodyPr/>
-                    <a:lstStyle/>
-                    <a:p>
-                      <a:endParaRPr lang="en-US">
-                        <a:solidFill>
-                          <a:schemeClr val="tx1"/>
-                        </a:solidFill>
-                        <a:latin typeface="Gill Sans MT" pitchFamily="34" charset="0"/>
-                      </a:endParaRPr>
-                    </a:p>
-                  </a:txBody>
-                  <a:tcPr>
-                    <a:gradFill>
-                      <a:gsLst>
-                        <a:gs pos="0">
-                          <a:schemeClr val="bg1">
-                            <a:shade val="100000"/>
-                            <a:satMod val="150000"/>
-                          </a:schemeClr>
-                        </a:gs>
-                        <a:gs pos="65000">
-                          <a:schemeClr val="bg1">
-                            <a:shade val="90000"/>
-                            <a:satMod val="375000"/>
-                          </a:schemeClr>
-                        </a:gs>
-                        <a:gs pos="100000">
-                          <a:schemeClr val="bg2">
-                            <a:tint val="88000"/>
-                            <a:satMod val="400000"/>
-                          </a:schemeClr>
-                        </a:gs>
-                      </a:gsLst>
-                      <a:lin ang="5400000" scaled="0"/>
-                    </a:gradFill>
-                  </a:tcPr>
-                </a:tc>
-                <a:tc>
-                  <a:txBody>
-                    <a:bodyPr/>
-                    <a:lstStyle/>
-                    <a:p>
-                      <a:endParaRPr lang="en-US">
-                        <a:solidFill>
-                          <a:schemeClr val="tx1"/>
-                        </a:solidFill>
-                        <a:latin typeface="Gill Sans MT" pitchFamily="34" charset="0"/>
-                      </a:endParaRPr>
-                    </a:p>
-                  </a:txBody>
-                  <a:tcPr>
-                    <a:gradFill>
-                      <a:gsLst>
-                        <a:gs pos="0">
-                          <a:schemeClr val="bg1">
-                            <a:shade val="100000"/>
-                            <a:satMod val="150000"/>
-                          </a:schemeClr>
-                        </a:gs>
-                        <a:gs pos="65000">
-                          <a:schemeClr val="bg1">
-                            <a:shade val="90000"/>
-                            <a:satMod val="375000"/>
-                          </a:schemeClr>
-                        </a:gs>
-                        <a:gs pos="100000">
-                          <a:schemeClr val="bg2">
-                            <a:tint val="88000"/>
-                            <a:satMod val="400000"/>
-                          </a:schemeClr>
-                        </a:gs>
-                      </a:gsLst>
-                      <a:lin ang="5400000" scaled="0"/>
-                    </a:gradFill>
-                  </a:tcPr>
-                </a:tc>
-                <a:extLst>
-                  <a:ext uri="{0D108BD9-81ED-4DB2-BD59-A6C34878D82A}">
-                    <a16:rowId xmlns:a16="http://schemas.microsoft.com/office/drawing/2014/main" val="10004"/>
-                  </a:ext>
-                </a:extLst>
-              </a:tr>
-              <a:tr h="406400">
-                <a:tc>
-                  <a:txBody>
-                    <a:bodyPr/>
-                    <a:lstStyle/>
-                    <a:p>
-                      <a:r>
-                        <a:rPr lang="en-US" dirty="0" smtClean="0">
-                          <a:solidFill>
-                            <a:schemeClr val="tx1"/>
-                          </a:solidFill>
-                          <a:latin typeface="Gill Sans MT" pitchFamily="34" charset="0"/>
-                        </a:rPr>
-                        <a:t>Jupiter</a:t>
-                      </a:r>
-                      <a:endParaRPr lang="en-US" dirty="0">
-                        <a:solidFill>
-                          <a:schemeClr val="tx1"/>
-                        </a:solidFill>
-                        <a:latin typeface="Gill Sans MT" pitchFamily="34" charset="0"/>
-                      </a:endParaRPr>
-                    </a:p>
-                  </a:txBody>
-                  <a:tcPr>
-                    <a:gradFill>
-                      <a:gsLst>
-                        <a:gs pos="0">
-                          <a:schemeClr val="bg1">
-                            <a:shade val="100000"/>
-                            <a:satMod val="150000"/>
-                          </a:schemeClr>
-                        </a:gs>
-                        <a:gs pos="65000">
-                          <a:schemeClr val="bg1">
-                            <a:shade val="90000"/>
-                            <a:satMod val="375000"/>
-                          </a:schemeClr>
-                        </a:gs>
-                        <a:gs pos="100000">
-                          <a:schemeClr val="bg2">
-                            <a:tint val="88000"/>
-                            <a:satMod val="400000"/>
-                          </a:schemeClr>
-                        </a:gs>
-                      </a:gsLst>
-                      <a:lin ang="5400000" scaled="0"/>
-                    </a:gradFill>
-                  </a:tcPr>
-                </a:tc>
-                <a:tc>
-                  <a:txBody>
-                    <a:bodyPr/>
-                    <a:lstStyle/>
-                    <a:p>
-                      <a:endParaRPr lang="en-US" dirty="0">
-                        <a:solidFill>
-                          <a:schemeClr val="tx1"/>
-                        </a:solidFill>
-                        <a:latin typeface="Gill Sans MT" pitchFamily="34" charset="0"/>
-                      </a:endParaRPr>
-                    </a:p>
-                  </a:txBody>
-                  <a:tcPr>
-                    <a:gradFill>
-                      <a:gsLst>
-                        <a:gs pos="0">
-                          <a:schemeClr val="bg1">
-                            <a:shade val="100000"/>
-                            <a:satMod val="150000"/>
-                          </a:schemeClr>
-                        </a:gs>
-                        <a:gs pos="65000">
-                          <a:schemeClr val="bg1">
-                            <a:shade val="90000"/>
-                            <a:satMod val="375000"/>
-                          </a:schemeClr>
-                        </a:gs>
-                        <a:gs pos="100000">
-                          <a:schemeClr val="bg2">
-                            <a:tint val="88000"/>
-                            <a:satMod val="400000"/>
-                          </a:schemeClr>
-                        </a:gs>
-                      </a:gsLst>
-                      <a:lin ang="5400000" scaled="0"/>
-                    </a:gradFill>
-                  </a:tcPr>
-                </a:tc>
-                <a:tc>
-                  <a:txBody>
-                    <a:bodyPr/>
-                    <a:lstStyle/>
-                    <a:p>
-                      <a:endParaRPr lang="en-US" dirty="0">
-                        <a:solidFill>
-                          <a:schemeClr val="tx1"/>
-                        </a:solidFill>
-                        <a:latin typeface="Gill Sans MT" pitchFamily="34" charset="0"/>
-                      </a:endParaRPr>
-                    </a:p>
-                  </a:txBody>
-                  <a:tcPr>
-                    <a:gradFill>
-                      <a:gsLst>
-                        <a:gs pos="0">
-                          <a:schemeClr val="bg1">
-                            <a:shade val="100000"/>
-                            <a:satMod val="150000"/>
-                          </a:schemeClr>
-                        </a:gs>
-                        <a:gs pos="65000">
-                          <a:schemeClr val="bg1">
-                            <a:shade val="90000"/>
-                            <a:satMod val="375000"/>
-                          </a:schemeClr>
-                        </a:gs>
-                        <a:gs pos="100000">
-                          <a:schemeClr val="bg2">
-                            <a:tint val="88000"/>
-                            <a:satMod val="400000"/>
-                          </a:schemeClr>
-                        </a:gs>
-                      </a:gsLst>
-                      <a:lin ang="5400000" scaled="0"/>
-                    </a:gradFill>
-                  </a:tcPr>
-                </a:tc>
-                <a:tc>
-                  <a:txBody>
-                    <a:bodyPr/>
-                    <a:lstStyle/>
-                    <a:p>
-                      <a:endParaRPr lang="en-US">
-                        <a:solidFill>
-                          <a:schemeClr val="tx1"/>
-                        </a:solidFill>
-                        <a:latin typeface="Gill Sans MT" pitchFamily="34" charset="0"/>
-                      </a:endParaRPr>
-                    </a:p>
-                  </a:txBody>
-                  <a:tcPr>
-                    <a:gradFill>
-                      <a:gsLst>
-                        <a:gs pos="0">
-                          <a:schemeClr val="bg1">
-                            <a:shade val="100000"/>
-                            <a:satMod val="150000"/>
-                          </a:schemeClr>
-                        </a:gs>
-                        <a:gs pos="65000">
-                          <a:schemeClr val="bg1">
-                            <a:shade val="90000"/>
-                            <a:satMod val="375000"/>
-                          </a:schemeClr>
-                        </a:gs>
-                        <a:gs pos="100000">
-                          <a:schemeClr val="bg2">
-                            <a:tint val="88000"/>
-                            <a:satMod val="400000"/>
-                          </a:schemeClr>
-                        </a:gs>
-                      </a:gsLst>
-                      <a:lin ang="5400000" scaled="0"/>
-                    </a:gradFill>
-                  </a:tcPr>
-                </a:tc>
-                <a:extLst>
-                  <a:ext uri="{0D108BD9-81ED-4DB2-BD59-A6C34878D82A}">
-                    <a16:rowId xmlns:a16="http://schemas.microsoft.com/office/drawing/2014/main" val="10005"/>
-                  </a:ext>
-                </a:extLst>
-              </a:tr>
-              <a:tr h="406400">
-                <a:tc>
-                  <a:txBody>
-                    <a:bodyPr/>
-                    <a:lstStyle/>
-                    <a:p>
-                      <a:r>
-                        <a:rPr lang="en-US" dirty="0" smtClean="0">
-                          <a:solidFill>
-                            <a:schemeClr val="tx1"/>
-                          </a:solidFill>
-                          <a:latin typeface="Gill Sans MT" pitchFamily="34" charset="0"/>
-                        </a:rPr>
-                        <a:t>Saturn</a:t>
-                      </a:r>
-                      <a:endParaRPr lang="en-US" dirty="0">
-                        <a:solidFill>
-                          <a:schemeClr val="tx1"/>
-                        </a:solidFill>
-                        <a:latin typeface="Gill Sans MT" pitchFamily="34" charset="0"/>
-                      </a:endParaRPr>
-                    </a:p>
-                  </a:txBody>
-                  <a:tcPr>
-                    <a:gradFill>
-                      <a:gsLst>
-                        <a:gs pos="0">
-                          <a:schemeClr val="bg1">
-                            <a:shade val="100000"/>
-                            <a:satMod val="150000"/>
-                          </a:schemeClr>
-                        </a:gs>
-                        <a:gs pos="65000">
-                          <a:schemeClr val="bg1">
-                            <a:shade val="90000"/>
-                            <a:satMod val="375000"/>
-                          </a:schemeClr>
-                        </a:gs>
-                        <a:gs pos="100000">
-                          <a:schemeClr val="bg2">
-                            <a:tint val="88000"/>
-                            <a:satMod val="400000"/>
-                          </a:schemeClr>
-                        </a:gs>
-                      </a:gsLst>
-                      <a:lin ang="5400000" scaled="0"/>
-                    </a:gradFill>
-                  </a:tcPr>
-                </a:tc>
-                <a:tc>
-                  <a:txBody>
-                    <a:bodyPr/>
-                    <a:lstStyle/>
-                    <a:p>
-                      <a:endParaRPr lang="en-US" dirty="0">
-                        <a:solidFill>
-                          <a:schemeClr val="tx1"/>
-                        </a:solidFill>
-                        <a:latin typeface="Gill Sans MT" pitchFamily="34" charset="0"/>
-                      </a:endParaRPr>
-                    </a:p>
-                  </a:txBody>
-                  <a:tcPr>
-                    <a:gradFill>
-                      <a:gsLst>
-                        <a:gs pos="0">
-                          <a:schemeClr val="bg1">
-                            <a:shade val="100000"/>
-                            <a:satMod val="150000"/>
-                          </a:schemeClr>
-                        </a:gs>
-                        <a:gs pos="65000">
-                          <a:schemeClr val="bg1">
-                            <a:shade val="90000"/>
-                            <a:satMod val="375000"/>
-                          </a:schemeClr>
-                        </a:gs>
-                        <a:gs pos="100000">
-                          <a:schemeClr val="bg2">
-                            <a:tint val="88000"/>
-                            <a:satMod val="400000"/>
-                          </a:schemeClr>
-                        </a:gs>
-                      </a:gsLst>
-                      <a:lin ang="5400000" scaled="0"/>
-                    </a:gradFill>
-                  </a:tcPr>
-                </a:tc>
-                <a:tc>
-                  <a:txBody>
-                    <a:bodyPr/>
-                    <a:lstStyle/>
-                    <a:p>
-                      <a:endParaRPr lang="en-US">
-                        <a:solidFill>
-                          <a:schemeClr val="tx1"/>
-                        </a:solidFill>
-                        <a:latin typeface="Gill Sans MT" pitchFamily="34" charset="0"/>
-                      </a:endParaRPr>
-                    </a:p>
-                  </a:txBody>
-                  <a:tcPr>
-                    <a:gradFill>
-                      <a:gsLst>
-                        <a:gs pos="0">
-                          <a:schemeClr val="bg1">
-                            <a:shade val="100000"/>
-                            <a:satMod val="150000"/>
-                          </a:schemeClr>
-                        </a:gs>
-                        <a:gs pos="65000">
-                          <a:schemeClr val="bg1">
-                            <a:shade val="90000"/>
-                            <a:satMod val="375000"/>
-                          </a:schemeClr>
-                        </a:gs>
-                        <a:gs pos="100000">
-                          <a:schemeClr val="bg2">
-                            <a:tint val="88000"/>
-                            <a:satMod val="400000"/>
-                          </a:schemeClr>
-                        </a:gs>
-                      </a:gsLst>
-                      <a:lin ang="5400000" scaled="0"/>
-                    </a:gradFill>
-                  </a:tcPr>
-                </a:tc>
-                <a:tc>
-                  <a:txBody>
-                    <a:bodyPr/>
-                    <a:lstStyle/>
-                    <a:p>
-                      <a:endParaRPr lang="en-US">
-                        <a:solidFill>
-                          <a:schemeClr val="tx1"/>
-                        </a:solidFill>
-                        <a:latin typeface="Gill Sans MT" pitchFamily="34" charset="0"/>
-                      </a:endParaRPr>
-                    </a:p>
-                  </a:txBody>
-                  <a:tcPr>
-                    <a:gradFill>
-                      <a:gsLst>
-                        <a:gs pos="0">
-                          <a:schemeClr val="bg1">
-                            <a:shade val="100000"/>
-                            <a:satMod val="150000"/>
-                          </a:schemeClr>
-                        </a:gs>
-                        <a:gs pos="65000">
-                          <a:schemeClr val="bg1">
-                            <a:shade val="90000"/>
-                            <a:satMod val="375000"/>
-                          </a:schemeClr>
-                        </a:gs>
-                        <a:gs pos="100000">
-                          <a:schemeClr val="bg2">
-                            <a:tint val="88000"/>
-                            <a:satMod val="400000"/>
-                          </a:schemeClr>
-                        </a:gs>
-                      </a:gsLst>
-                      <a:lin ang="5400000" scaled="0"/>
-                    </a:gradFill>
-                  </a:tcPr>
-                </a:tc>
-                <a:extLst>
-                  <a:ext uri="{0D108BD9-81ED-4DB2-BD59-A6C34878D82A}">
-                    <a16:rowId xmlns:a16="http://schemas.microsoft.com/office/drawing/2014/main" val="10006"/>
-                  </a:ext>
-                </a:extLst>
-              </a:tr>
-              <a:tr h="406400">
-                <a:tc>
-                  <a:txBody>
-                    <a:bodyPr/>
-                    <a:lstStyle/>
-                    <a:p>
-                      <a:r>
-                        <a:rPr lang="en-US" dirty="0" smtClean="0">
-                          <a:solidFill>
-                            <a:schemeClr val="tx1"/>
-                          </a:solidFill>
-                          <a:latin typeface="Gill Sans MT" pitchFamily="34" charset="0"/>
-                        </a:rPr>
-                        <a:t>Uranus</a:t>
-                      </a:r>
-                      <a:endParaRPr lang="en-US" dirty="0">
-                        <a:solidFill>
-                          <a:schemeClr val="tx1"/>
-                        </a:solidFill>
-                        <a:latin typeface="Gill Sans MT" pitchFamily="34" charset="0"/>
-                      </a:endParaRPr>
-                    </a:p>
-                  </a:txBody>
-                  <a:tcPr>
-                    <a:gradFill>
-                      <a:gsLst>
-                        <a:gs pos="0">
-                          <a:schemeClr val="bg1">
-                            <a:shade val="100000"/>
-                            <a:satMod val="150000"/>
-                          </a:schemeClr>
-                        </a:gs>
-                        <a:gs pos="65000">
-                          <a:schemeClr val="bg1">
-                            <a:shade val="90000"/>
-                            <a:satMod val="375000"/>
-                          </a:schemeClr>
-                        </a:gs>
-                        <a:gs pos="100000">
-                          <a:schemeClr val="bg2">
-                            <a:tint val="88000"/>
-                            <a:satMod val="400000"/>
-                          </a:schemeClr>
-                        </a:gs>
-                      </a:gsLst>
-                      <a:lin ang="5400000" scaled="0"/>
-                    </a:gradFill>
-                  </a:tcPr>
-                </a:tc>
-                <a:tc>
-                  <a:txBody>
-                    <a:bodyPr/>
-                    <a:lstStyle/>
-                    <a:p>
-                      <a:endParaRPr lang="en-US" dirty="0">
-                        <a:solidFill>
-                          <a:schemeClr val="tx1"/>
-                        </a:solidFill>
-                        <a:latin typeface="Gill Sans MT" pitchFamily="34" charset="0"/>
-                      </a:endParaRPr>
-                    </a:p>
-                  </a:txBody>
-                  <a:tcPr>
-                    <a:gradFill>
-                      <a:gsLst>
-                        <a:gs pos="0">
-                          <a:schemeClr val="bg1">
-                            <a:shade val="100000"/>
-                            <a:satMod val="150000"/>
-                          </a:schemeClr>
-                        </a:gs>
-                        <a:gs pos="65000">
-                          <a:schemeClr val="bg1">
-                            <a:shade val="90000"/>
-                            <a:satMod val="375000"/>
-                          </a:schemeClr>
-                        </a:gs>
-                        <a:gs pos="100000">
-                          <a:schemeClr val="bg2">
-                            <a:tint val="88000"/>
-                            <a:satMod val="400000"/>
-                          </a:schemeClr>
-                        </a:gs>
-                      </a:gsLst>
-                      <a:lin ang="5400000" scaled="0"/>
-                    </a:gradFill>
-                  </a:tcPr>
-                </a:tc>
-                <a:tc>
-                  <a:txBody>
-                    <a:bodyPr/>
-                    <a:lstStyle/>
-                    <a:p>
-                      <a:endParaRPr lang="en-US" dirty="0">
-                        <a:solidFill>
-                          <a:schemeClr val="tx1"/>
-                        </a:solidFill>
-                        <a:latin typeface="Gill Sans MT" pitchFamily="34" charset="0"/>
-                      </a:endParaRPr>
-                    </a:p>
-                  </a:txBody>
-                  <a:tcPr>
-                    <a:gradFill>
-                      <a:gsLst>
-                        <a:gs pos="0">
-                          <a:schemeClr val="bg1">
-                            <a:shade val="100000"/>
-                            <a:satMod val="150000"/>
-                          </a:schemeClr>
-                        </a:gs>
-                        <a:gs pos="65000">
-                          <a:schemeClr val="bg1">
-                            <a:shade val="90000"/>
-                            <a:satMod val="375000"/>
-                          </a:schemeClr>
-                        </a:gs>
-                        <a:gs pos="100000">
-                          <a:schemeClr val="bg2">
-                            <a:tint val="88000"/>
-                            <a:satMod val="400000"/>
-                          </a:schemeClr>
-                        </a:gs>
-                      </a:gsLst>
-                      <a:lin ang="5400000" scaled="0"/>
-                    </a:gradFill>
-                  </a:tcPr>
-                </a:tc>
-                <a:tc>
-                  <a:txBody>
-                    <a:bodyPr/>
-                    <a:lstStyle/>
-                    <a:p>
-                      <a:endParaRPr lang="en-US" dirty="0">
-                        <a:solidFill>
-                          <a:schemeClr val="tx1"/>
-                        </a:solidFill>
-                        <a:latin typeface="Gill Sans MT" pitchFamily="34" charset="0"/>
-                      </a:endParaRPr>
-                    </a:p>
-                  </a:txBody>
-                  <a:tcPr>
-                    <a:gradFill>
-                      <a:gsLst>
-                        <a:gs pos="0">
-                          <a:schemeClr val="bg1">
-                            <a:shade val="100000"/>
-                            <a:satMod val="150000"/>
-                          </a:schemeClr>
-                        </a:gs>
-                        <a:gs pos="65000">
-                          <a:schemeClr val="bg1">
-                            <a:shade val="90000"/>
-                            <a:satMod val="375000"/>
-                          </a:schemeClr>
-                        </a:gs>
-                        <a:gs pos="100000">
-                          <a:schemeClr val="bg2">
-                            <a:tint val="88000"/>
-                            <a:satMod val="400000"/>
-                          </a:schemeClr>
-                        </a:gs>
-                      </a:gsLst>
-                      <a:lin ang="5400000" scaled="0"/>
-                    </a:gradFill>
-                  </a:tcPr>
-                </a:tc>
-                <a:extLst>
-                  <a:ext uri="{0D108BD9-81ED-4DB2-BD59-A6C34878D82A}">
-                    <a16:rowId xmlns:a16="http://schemas.microsoft.com/office/drawing/2014/main" val="10007"/>
-                  </a:ext>
-                </a:extLst>
-              </a:tr>
-              <a:tr h="406400">
-                <a:tc>
-                  <a:txBody>
-                    <a:bodyPr/>
-                    <a:lstStyle/>
-                    <a:p>
-                      <a:r>
-                        <a:rPr lang="en-US" dirty="0" smtClean="0">
-                          <a:solidFill>
-                            <a:schemeClr val="tx1"/>
-                          </a:solidFill>
-                          <a:latin typeface="Gill Sans MT" pitchFamily="34" charset="0"/>
-                        </a:rPr>
-                        <a:t>Neptune</a:t>
-                      </a:r>
-                      <a:endParaRPr lang="en-US" dirty="0">
-                        <a:solidFill>
-                          <a:schemeClr val="tx1"/>
-                        </a:solidFill>
-                        <a:latin typeface="Gill Sans MT" pitchFamily="34" charset="0"/>
-                      </a:endParaRPr>
-                    </a:p>
-                  </a:txBody>
-                  <a:tcPr>
-                    <a:gradFill>
-                      <a:gsLst>
-                        <a:gs pos="0">
-                          <a:schemeClr val="bg1">
-                            <a:shade val="100000"/>
-                            <a:satMod val="150000"/>
-                          </a:schemeClr>
-                        </a:gs>
-                        <a:gs pos="65000">
-                          <a:schemeClr val="bg1">
-                            <a:shade val="90000"/>
-                            <a:satMod val="375000"/>
-                          </a:schemeClr>
-                        </a:gs>
-                        <a:gs pos="100000">
-                          <a:schemeClr val="bg2">
-                            <a:tint val="88000"/>
-                            <a:satMod val="400000"/>
-                          </a:schemeClr>
-                        </a:gs>
-                      </a:gsLst>
-                      <a:lin ang="5400000" scaled="0"/>
-                    </a:gradFill>
-                  </a:tcPr>
-                </a:tc>
-                <a:tc>
-                  <a:txBody>
-                    <a:bodyPr/>
-                    <a:lstStyle/>
-                    <a:p>
-                      <a:endParaRPr lang="en-US" dirty="0">
-                        <a:solidFill>
-                          <a:schemeClr val="tx1"/>
-                        </a:solidFill>
-                        <a:latin typeface="Gill Sans MT" pitchFamily="34" charset="0"/>
-                      </a:endParaRPr>
-                    </a:p>
-                  </a:txBody>
-                  <a:tcPr>
-                    <a:gradFill>
-                      <a:gsLst>
-                        <a:gs pos="0">
-                          <a:schemeClr val="bg1">
-                            <a:shade val="100000"/>
-                            <a:satMod val="150000"/>
-                          </a:schemeClr>
-                        </a:gs>
-                        <a:gs pos="65000">
-                          <a:schemeClr val="bg1">
-                            <a:shade val="90000"/>
-                            <a:satMod val="375000"/>
-                          </a:schemeClr>
-                        </a:gs>
-                        <a:gs pos="100000">
-                          <a:schemeClr val="bg2">
-                            <a:tint val="88000"/>
-                            <a:satMod val="400000"/>
-                          </a:schemeClr>
-                        </a:gs>
-                      </a:gsLst>
-                      <a:lin ang="5400000" scaled="0"/>
-                    </a:gradFill>
-                  </a:tcPr>
-                </a:tc>
-                <a:tc>
-                  <a:txBody>
-                    <a:bodyPr/>
-                    <a:lstStyle/>
-                    <a:p>
-                      <a:endParaRPr lang="en-US" dirty="0">
-                        <a:solidFill>
-                          <a:schemeClr val="tx1"/>
-                        </a:solidFill>
-                        <a:latin typeface="Gill Sans MT" pitchFamily="34" charset="0"/>
-                      </a:endParaRPr>
-                    </a:p>
-                  </a:txBody>
-                  <a:tcPr>
-                    <a:gradFill>
-                      <a:gsLst>
-                        <a:gs pos="0">
-                          <a:schemeClr val="bg1">
-                            <a:shade val="100000"/>
-                            <a:satMod val="150000"/>
-                          </a:schemeClr>
-                        </a:gs>
-                        <a:gs pos="65000">
-                          <a:schemeClr val="bg1">
-                            <a:shade val="90000"/>
-                            <a:satMod val="375000"/>
-                          </a:schemeClr>
-                        </a:gs>
-                        <a:gs pos="100000">
-                          <a:schemeClr val="bg2">
-                            <a:tint val="88000"/>
-                            <a:satMod val="400000"/>
-                          </a:schemeClr>
-                        </a:gs>
-                      </a:gsLst>
-                      <a:lin ang="5400000" scaled="0"/>
-                    </a:gradFill>
-                  </a:tcPr>
-                </a:tc>
-                <a:tc>
-                  <a:txBody>
-                    <a:bodyPr/>
-                    <a:lstStyle/>
-                    <a:p>
-                      <a:endParaRPr lang="en-US" dirty="0">
-                        <a:solidFill>
-                          <a:schemeClr val="tx1"/>
-                        </a:solidFill>
-                        <a:latin typeface="Gill Sans MT" pitchFamily="34" charset="0"/>
-                      </a:endParaRPr>
-                    </a:p>
-                  </a:txBody>
-                  <a:tcPr>
-                    <a:gradFill>
-                      <a:gsLst>
-                        <a:gs pos="0">
-                          <a:schemeClr val="bg1">
-                            <a:shade val="100000"/>
-                            <a:satMod val="150000"/>
-                          </a:schemeClr>
-                        </a:gs>
-                        <a:gs pos="65000">
-                          <a:schemeClr val="bg1">
-                            <a:shade val="90000"/>
-                            <a:satMod val="375000"/>
-                          </a:schemeClr>
-                        </a:gs>
-                        <a:gs pos="100000">
-                          <a:schemeClr val="bg2">
-                            <a:tint val="88000"/>
-                            <a:satMod val="400000"/>
-                          </a:schemeClr>
-                        </a:gs>
-                      </a:gsLst>
-                      <a:lin ang="5400000" scaled="0"/>
-                    </a:gradFill>
-                  </a:tcPr>
-                </a:tc>
-                <a:extLst>
-                  <a:ext uri="{0D108BD9-81ED-4DB2-BD59-A6C34878D82A}">
-                    <a16:rowId xmlns:a16="http://schemas.microsoft.com/office/drawing/2014/main" val="10008"/>
-                  </a:ext>
-                </a:extLst>
-              </a:tr>
-            </a:tbl>
-          </a:graphicData>
-        </a:graphic>
-      </p:graphicFrame>
+              <a:rPr lang="en-US" sz="2800" dirty="0" smtClean="0"/>
+              <a:t>Year span- 687 earth days</a:t>
+            </a:r>
+          </a:p>
+          <a:p>
+            <a:pPr lvl="1">
+              <a:buFontTx/>
+              <a:buChar char="•"/>
+            </a:pPr>
+            <a:r>
+              <a:rPr lang="en-US" sz="2800" dirty="0" smtClean="0"/>
+              <a:t>2 satellites- </a:t>
+            </a:r>
+            <a:r>
+              <a:rPr lang="en-US" sz="2800" dirty="0" err="1" smtClean="0"/>
+              <a:t>Phobos</a:t>
+            </a:r>
+            <a:r>
+              <a:rPr lang="en-US" sz="2800" dirty="0" smtClean="0"/>
+              <a:t> and Deimos</a:t>
+            </a:r>
+          </a:p>
+          <a:p>
+            <a:pPr lvl="1">
+              <a:buFontTx/>
+              <a:buChar char="•"/>
+            </a:pPr>
+            <a:r>
+              <a:rPr lang="en-US" sz="2800" dirty="0" smtClean="0"/>
+              <a:t>Size is half of the earth</a:t>
+            </a:r>
+            <a:endParaRPr lang="en-US" sz="2800" dirty="0"/>
+          </a:p>
+        </p:txBody>
+      </p:sp>
     </p:spTree>
   </p:cSld>
   <p:clrMapOvr>
@@ -11165,12 +5653,200 @@
           <a:lstStyle/>
           <a:p>
             <a:r>
+              <a:rPr lang="en-US" sz="4000" dirty="0" smtClean="0">
+                <a:solidFill>
+                  <a:schemeClr val="tx1"/>
+                </a:solidFill>
+              </a:rPr>
+              <a:t>Facts about </a:t>
+            </a:r>
+            <a:r>
+              <a:rPr lang="en-US" sz="4000" dirty="0" smtClean="0">
+                <a:solidFill>
+                  <a:schemeClr val="tx1"/>
+                </a:solidFill>
+              </a:rPr>
+              <a:t>MOM</a:t>
+            </a:r>
+            <a:endParaRPr lang="en-US" sz="4000" dirty="0">
+              <a:solidFill>
+                <a:schemeClr val="tx1"/>
+              </a:solidFill>
+            </a:endParaRPr>
+          </a:p>
+        </p:txBody>
+      </p:sp>
+      <p:sp>
+        <p:nvSpPr>
+          <p:cNvPr id="3" name="Text Placeholder 2"/>
+          <p:cNvSpPr>
+            <a:spLocks noGrp="1"/>
+          </p:cNvSpPr>
+          <p:nvPr>
+            <p:ph type="body" idx="1"/>
+          </p:nvPr>
+        </p:nvSpPr>
+        <p:spPr>
+          <a:xfrm>
+            <a:off x="685800" y="1435100"/>
+            <a:ext cx="8153400" cy="4965700"/>
+          </a:xfrm>
+        </p:spPr>
+        <p:txBody>
+          <a:bodyPr>
+            <a:normAutofit/>
+          </a:bodyPr>
+          <a:lstStyle/>
+          <a:p>
+            <a:pPr marL="454914" lvl="1" indent="0"/>
+            <a:endParaRPr lang="en-US" sz="2800" dirty="0" smtClean="0"/>
+          </a:p>
+          <a:p>
+            <a:pPr lvl="1">
+              <a:buFontTx/>
+              <a:buChar char="•"/>
+            </a:pPr>
+            <a:endParaRPr lang="en-US" sz="2800" dirty="0" smtClean="0"/>
+          </a:p>
+          <a:p>
+            <a:pPr lvl="1">
+              <a:buFontTx/>
+              <a:buChar char="•"/>
+            </a:pPr>
+            <a:r>
+              <a:rPr lang="en-US" sz="2800" dirty="0" smtClean="0"/>
+              <a:t>Total travelled distance – 650 millions km</a:t>
+            </a:r>
+            <a:endParaRPr lang="en-US" sz="2800" dirty="0" smtClean="0"/>
+          </a:p>
+          <a:p>
+            <a:pPr lvl="1">
+              <a:buFontTx/>
+              <a:buChar char="•"/>
+            </a:pPr>
+            <a:r>
+              <a:rPr lang="en-US" sz="2800" dirty="0" smtClean="0"/>
+              <a:t>Min fuel used</a:t>
+            </a:r>
+          </a:p>
+          <a:p>
+            <a:pPr lvl="1">
+              <a:buFontTx/>
+              <a:buChar char="•"/>
+            </a:pPr>
+            <a:r>
+              <a:rPr lang="en-US" sz="2800" dirty="0" smtClean="0"/>
+              <a:t>First interplanetary mission for ISRO</a:t>
+            </a:r>
+          </a:p>
+          <a:p>
+            <a:pPr lvl="1">
+              <a:buFontTx/>
+              <a:buChar char="•"/>
+            </a:pPr>
+            <a:r>
+              <a:rPr lang="en-US" sz="2800" dirty="0" smtClean="0"/>
+              <a:t>First mission- First attempt success</a:t>
+            </a:r>
+          </a:p>
+          <a:p>
+            <a:pPr lvl="1">
+              <a:buFontTx/>
+              <a:buChar char="•"/>
+            </a:pPr>
+            <a:r>
+              <a:rPr lang="en-US" sz="2800" dirty="0" smtClean="0"/>
+              <a:t>Min cost- </a:t>
+            </a:r>
+            <a:r>
+              <a:rPr lang="en-IN" sz="3200" b="1" dirty="0" smtClean="0"/>
+              <a:t>₹ </a:t>
+            </a:r>
+            <a:r>
+              <a:rPr lang="en-US" sz="2800" dirty="0" smtClean="0"/>
+              <a:t>4.5 billion</a:t>
+            </a:r>
+          </a:p>
+          <a:p>
+            <a:pPr lvl="1">
+              <a:buFontTx/>
+              <a:buChar char="•"/>
+            </a:pPr>
+            <a:endParaRPr lang="en-US" sz="2800" dirty="0" smtClean="0"/>
+          </a:p>
+          <a:p>
+            <a:pPr lvl="1">
+              <a:buFontTx/>
+              <a:buChar char="•"/>
+            </a:pPr>
+            <a:endParaRPr lang="en-US" sz="2800" dirty="0"/>
+          </a:p>
+        </p:txBody>
+      </p:sp>
+    </p:spTree>
+    <p:extLst>
+      <p:ext uri="{BB962C8B-B14F-4D97-AF65-F5344CB8AC3E}">
+        <p14:creationId xmlns:p14="http://schemas.microsoft.com/office/powerpoint/2010/main" val="1905867381"/>
+      </p:ext>
+    </p:extLst>
+  </p:cSld>
+  <p:clrMapOvr>
+    <a:masterClrMapping/>
+  </p:clrMapOvr>
+  <p:timing>
+    <p:tnLst>
+      <p:par>
+        <p:cTn id="1" dur="indefinite" restart="never" nodeType="tmRoot"/>
+      </p:par>
+    </p:tnLst>
+  </p:timing>
+</p:sld>
+</file>
+
+<file path=ppt/slides/slide7.xml><?xml version="1.0" encoding="utf-8"?>
+<p:sld xmlns:a="http://schemas.openxmlformats.org/drawingml/2006/main" xmlns:r="http://schemas.openxmlformats.org/officeDocument/2006/relationships" xmlns:p="http://schemas.openxmlformats.org/presentationml/2006/main">
+  <p:cSld>
+    <p:spTree>
+      <p:nvGrpSpPr>
+        <p:cNvPr id="1" name=""/>
+        <p:cNvGrpSpPr/>
+        <p:nvPr/>
+      </p:nvGrpSpPr>
+      <p:grpSpPr>
+        <a:xfrm>
+          <a:off x="0" y="0"/>
+          <a:ext cx="0" cy="0"/>
+          <a:chOff x="0" y="0"/>
+          <a:chExt cx="0" cy="0"/>
+        </a:xfrm>
+      </p:grpSpPr>
+      <p:sp>
+        <p:nvSpPr>
+          <p:cNvPr id="2" name="Title 1"/>
+          <p:cNvSpPr>
+            <a:spLocks noGrp="1"/>
+          </p:cNvSpPr>
+          <p:nvPr>
+            <p:ph type="title"/>
+          </p:nvPr>
+        </p:nvSpPr>
+        <p:spPr>
+          <a:xfrm>
+            <a:off x="914400" y="512064"/>
+            <a:ext cx="7086600" cy="914400"/>
+          </a:xfrm>
+        </p:spPr>
+        <p:txBody>
+          <a:bodyPr/>
+          <a:lstStyle/>
+          <a:p>
+            <a:r>
               <a:rPr lang="en-US" dirty="0" smtClean="0">
                 <a:solidFill>
                   <a:schemeClr val="tx1"/>
                 </a:solidFill>
               </a:rPr>
-              <a:t>Works Cited</a:t>
+              <a:t>Conclusion</a:t>
             </a:r>
             <a:endParaRPr lang="en-US" dirty="0">
               <a:solidFill>
@@ -11190,7 +5866,12 @@
             <p:ph idx="1"/>
           </p:nvPr>
         </p:nvSpPr>
-        <p:spPr/>
+        <p:spPr>
+          <a:xfrm>
+            <a:off x="1295400" y="3276600"/>
+            <a:ext cx="7391400" cy="3078960"/>
+          </a:xfrm>
+        </p:spPr>
         <p:txBody>
           <a:bodyPr/>
           <a:lstStyle/>
@@ -11200,10 +5881,42 @@
             </a:pPr>
             <a:r>
               <a:rPr lang="en-US" dirty="0" smtClean="0"/>
-              <a:t>	Be sure to include print and electronic sources and put them in alphabetical order.</a:t>
-            </a:r>
-          </a:p>
-          <a:p>
+              <a:t>We, the Indians, no longer </a:t>
+            </a:r>
+            <a:r>
+              <a:rPr lang="en-US" dirty="0" smtClean="0"/>
+              <a:t>are</a:t>
+            </a:r>
+            <a:r>
+              <a:rPr lang="en-US" dirty="0" smtClean="0"/>
+              <a:t> behind</a:t>
+            </a:r>
+          </a:p>
+          <a:p>
+            <a:pPr lvl="0">
+              <a:buNone/>
+            </a:pPr>
+            <a:r>
+              <a:rPr lang="en-US" dirty="0" smtClean="0"/>
+              <a:t>from anybody from the west. </a:t>
+            </a:r>
+          </a:p>
+          <a:p>
+            <a:pPr lvl="0">
+              <a:buNone/>
+            </a:pPr>
+            <a:r>
+              <a:rPr lang="en-US" dirty="0"/>
+              <a:t>	</a:t>
+            </a:r>
+            <a:r>
+              <a:rPr lang="en-US" dirty="0" smtClean="0"/>
+              <a:t>		     </a:t>
+            </a:r>
+            <a:r>
+              <a:rPr lang="en-US" dirty="0" smtClean="0"/>
+              <a:t>Feel PROUD.</a:t>
+            </a:r>
             <a:endParaRPr lang="en-US" dirty="0"/>
           </a:p>
         </p:txBody>
@@ -11831,6 +6544,15 @@
 </file>
 
 <file path=customXml/item1.xml><?xml version="1.0" encoding="utf-8"?>
+<?mso-contentType ?>
+<FormTemplates xmlns="http://schemas.microsoft.com/sharepoint/v3/contenttype/forms">
+  <Display>DocumentLibraryForm</Display>
+  <Edit>AssetEditForm</Edit>
+  <New>DocumentLibraryForm</New>
+</FormTemplates>
+</file>
+
+<file path=customXml/item2.xml><?xml version="1.0" encoding="utf-8"?>
 <ct:contentTypeSchema xmlns:ct="http://schemas.microsoft.com/office/2006/metadata/contentType" xmlns:ma="http://schemas.microsoft.com/office/2006/metadata/properties/metaAttributes" ct:_="" ma:_="" ma:contentTypeName="TemplateFile" ma:contentTypeID="0x0101006EDDDB5EE6D98C44930B742096920B300400F5B6D36B3EF94B4E9A635CDF2A18F5B8" ma:contentTypeVersion="72" ma:contentTypeDescription="Create a new document." ma:contentTypeScope="" ma:versionID="a23e56308344d904b51738559c3d67c9">
   <xsd:schema xmlns:xsd="http://www.w3.org/2001/XMLSchema" xmlns:xs="http://www.w3.org/2001/XMLSchema" xmlns:p="http://schemas.microsoft.com/office/2006/metadata/properties" xmlns:ns2="4873beb7-5857-4685-be1f-d57550cc96cc" targetNamespace="http://schemas.microsoft.com/office/2006/metadata/properties" ma:root="true" ma:fieldsID="cd0908cc4600e77bf5da051303e00c8d" ns2:_="">
     <xsd:import namespace="4873beb7-5857-4685-be1f-d57550cc96cc"/>
@@ -12868,15 +7590,6 @@
     <xs:element name="TermId" type="xs:string"/>
   </xs:schema>
 </ct:contentTypeSchema>
-</file>
-
-<file path=customXml/item2.xml><?xml version="1.0" encoding="utf-8"?>
-<?mso-contentType ?>
-<FormTemplates xmlns="http://schemas.microsoft.com/sharepoint/v3/contenttype/forms">
-  <Display>DocumentLibraryForm</Display>
-  <Edit>AssetEditForm</Edit>
-  <New>DocumentLibraryForm</New>
-</FormTemplates>
 </file>
 
 <file path=customXml/item3.xml><?xml version="1.0" encoding="utf-8"?>
@@ -13018,6 +7731,14 @@
 </file>
 
 <file path=customXml/itemProps1.xml><?xml version="1.0" encoding="utf-8"?>
+<ds:datastoreItem xmlns:ds="http://schemas.openxmlformats.org/officeDocument/2006/customXml" ds:itemID="{153D0EEB-48D4-4D47-B029-07D95F2CF443}">
+  <ds:schemaRefs>
+    <ds:schemaRef ds:uri="http://schemas.microsoft.com/sharepoint/v3/contenttype/forms"/>
+  </ds:schemaRefs>
+</ds:datastoreItem>
+</file>
+
+<file path=customXml/itemProps2.xml><?xml version="1.0" encoding="utf-8"?>
 <ds:datastoreItem xmlns:ds="http://schemas.openxmlformats.org/officeDocument/2006/customXml" ds:itemID="{9C256434-A32F-422C-BBE8-1B351A55677D}">
   <ds:schemaRefs>
     <ds:schemaRef ds:uri="http://schemas.microsoft.com/office/2006/metadata/contentType"/>
@@ -13031,14 +7752,6 @@
     <ds:schemaRef ds:uri="http://purl.org/dc/elements/1.1/"/>
     <ds:schemaRef ds:uri="http://purl.org/dc/terms/"/>
     <ds:schemaRef ds:uri="http://schemas.microsoft.com/internal/obd"/>
-  </ds:schemaRefs>
-</ds:datastoreItem>
-</file>
-
-<file path=customXml/itemProps2.xml><?xml version="1.0" encoding="utf-8"?>
-<ds:datastoreItem xmlns:ds="http://schemas.openxmlformats.org/officeDocument/2006/customXml" ds:itemID="{153D0EEB-48D4-4D47-B029-07D95F2CF443}">
-  <ds:schemaRefs>
-    <ds:schemaRef ds:uri="http://schemas.microsoft.com/sharepoint/v3/contenttype/forms"/>
   </ds:schemaRefs>
 </ds:datastoreItem>
 </file>

--- a/MOM- Taking India to MARS.pptx
+++ b/MOM- Taking India to MARS.pptx
@@ -5,16 +5,15 @@
     <p:sldMasterId id="2147483648" r:id="rId4"/>
   </p:sldMasterIdLst>
   <p:notesMasterIdLst>
-    <p:notesMasterId r:id="rId12"/>
+    <p:notesMasterId r:id="rId11"/>
   </p:notesMasterIdLst>
   <p:sldIdLst>
     <p:sldId id="292" r:id="rId5"/>
     <p:sldId id="293" r:id="rId6"/>
     <p:sldId id="297" r:id="rId7"/>
-    <p:sldId id="298" r:id="rId8"/>
-    <p:sldId id="294" r:id="rId9"/>
-    <p:sldId id="299" r:id="rId10"/>
-    <p:sldId id="296" r:id="rId11"/>
+    <p:sldId id="294" r:id="rId8"/>
+    <p:sldId id="295" r:id="rId9"/>
+    <p:sldId id="296" r:id="rId10"/>
   </p:sldIdLst>
   <p:sldSz cx="9144000" cy="6858000" type="screen4x3"/>
   <p:notesSz cx="6858000" cy="9144000"/>
@@ -130,6 +129,4018 @@
 </p:presentation>
 </file>
 
+<file path=ppt/diagrams/colors1.xml><?xml version="1.0" encoding="utf-8"?>
+<dgm:colorsDef xmlns:dgm="http://schemas.openxmlformats.org/drawingml/2006/diagram" xmlns:a="http://schemas.openxmlformats.org/drawingml/2006/main" uniqueId="urn:microsoft.com/office/officeart/2005/8/colors/accent0_3">
+  <dgm:title val=""/>
+  <dgm:desc val=""/>
+  <dgm:catLst>
+    <dgm:cat type="mainScheme" pri="10300"/>
+  </dgm:catLst>
+  <dgm:styleLbl name="node0">
+    <dgm:fillClrLst meth="repeat">
+      <a:schemeClr val="dk2"/>
+    </dgm:fillClrLst>
+    <dgm:linClrLst meth="repeat">
+      <a:schemeClr val="lt2"/>
+    </dgm:linClrLst>
+    <dgm:effectClrLst/>
+    <dgm:txLinClrLst/>
+    <dgm:txFillClrLst/>
+    <dgm:txEffectClrLst/>
+  </dgm:styleLbl>
+  <dgm:styleLbl name="alignNode1">
+    <dgm:fillClrLst meth="repeat">
+      <a:schemeClr val="dk2"/>
+    </dgm:fillClrLst>
+    <dgm:linClrLst meth="repeat">
+      <a:schemeClr val="dk2"/>
+    </dgm:linClrLst>
+    <dgm:effectClrLst/>
+    <dgm:txLinClrLst/>
+    <dgm:txFillClrLst/>
+    <dgm:txEffectClrLst/>
+  </dgm:styleLbl>
+  <dgm:styleLbl name="node1">
+    <dgm:fillClrLst meth="repeat">
+      <a:schemeClr val="dk2"/>
+    </dgm:fillClrLst>
+    <dgm:linClrLst meth="repeat">
+      <a:schemeClr val="lt2"/>
+    </dgm:linClrLst>
+    <dgm:effectClrLst/>
+    <dgm:txLinClrLst/>
+    <dgm:txFillClrLst/>
+    <dgm:txEffectClrLst/>
+  </dgm:styleLbl>
+  <dgm:styleLbl name="lnNode1">
+    <dgm:fillClrLst meth="repeat">
+      <a:schemeClr val="dk2"/>
+    </dgm:fillClrLst>
+    <dgm:linClrLst meth="repeat">
+      <a:schemeClr val="lt2"/>
+    </dgm:linClrLst>
+    <dgm:effectClrLst/>
+    <dgm:txLinClrLst/>
+    <dgm:txFillClrLst/>
+    <dgm:txEffectClrLst/>
+  </dgm:styleLbl>
+  <dgm:styleLbl name="vennNode1">
+    <dgm:fillClrLst meth="repeat">
+      <a:schemeClr val="dk2">
+        <a:alpha val="50000"/>
+      </a:schemeClr>
+    </dgm:fillClrLst>
+    <dgm:linClrLst meth="repeat">
+      <a:schemeClr val="lt2"/>
+    </dgm:linClrLst>
+    <dgm:effectClrLst/>
+    <dgm:txLinClrLst/>
+    <dgm:txFillClrLst/>
+    <dgm:txEffectClrLst/>
+  </dgm:styleLbl>
+  <dgm:styleLbl name="node2">
+    <dgm:fillClrLst meth="repeat">
+      <a:schemeClr val="dk2"/>
+    </dgm:fillClrLst>
+    <dgm:linClrLst meth="repeat">
+      <a:schemeClr val="lt2"/>
+    </dgm:linClrLst>
+    <dgm:effectClrLst/>
+    <dgm:txLinClrLst/>
+    <dgm:txFillClrLst/>
+    <dgm:txEffectClrLst/>
+  </dgm:styleLbl>
+  <dgm:styleLbl name="node3">
+    <dgm:fillClrLst meth="repeat">
+      <a:schemeClr val="dk2"/>
+    </dgm:fillClrLst>
+    <dgm:linClrLst meth="repeat">
+      <a:schemeClr val="lt2"/>
+    </dgm:linClrLst>
+    <dgm:effectClrLst/>
+    <dgm:txLinClrLst/>
+    <dgm:txFillClrLst/>
+    <dgm:txEffectClrLst/>
+  </dgm:styleLbl>
+  <dgm:styleLbl name="node4">
+    <dgm:fillClrLst meth="repeat">
+      <a:schemeClr val="dk2"/>
+    </dgm:fillClrLst>
+    <dgm:linClrLst meth="repeat">
+      <a:schemeClr val="lt2"/>
+    </dgm:linClrLst>
+    <dgm:effectClrLst/>
+    <dgm:txLinClrLst/>
+    <dgm:txFillClrLst/>
+    <dgm:txEffectClrLst/>
+  </dgm:styleLbl>
+  <dgm:styleLbl name="fgImgPlace1">
+    <dgm:fillClrLst meth="repeat">
+      <a:schemeClr val="dk2">
+        <a:tint val="50000"/>
+      </a:schemeClr>
+    </dgm:fillClrLst>
+    <dgm:linClrLst meth="repeat">
+      <a:schemeClr val="lt2"/>
+    </dgm:linClrLst>
+    <dgm:effectClrLst/>
+    <dgm:txLinClrLst/>
+    <dgm:txFillClrLst meth="repeat">
+      <a:schemeClr val="lt2"/>
+    </dgm:txFillClrLst>
+    <dgm:txEffectClrLst/>
+  </dgm:styleLbl>
+  <dgm:styleLbl name="alignImgPlace1">
+    <dgm:fillClrLst meth="repeat">
+      <a:schemeClr val="dk2">
+        <a:tint val="50000"/>
+      </a:schemeClr>
+    </dgm:fillClrLst>
+    <dgm:linClrLst meth="repeat">
+      <a:schemeClr val="dk2">
+        <a:shade val="80000"/>
+      </a:schemeClr>
+    </dgm:linClrLst>
+    <dgm:effectClrLst/>
+    <dgm:txLinClrLst/>
+    <dgm:txFillClrLst meth="repeat">
+      <a:schemeClr val="lt2"/>
+    </dgm:txFillClrLst>
+    <dgm:txEffectClrLst/>
+  </dgm:styleLbl>
+  <dgm:styleLbl name="bgImgPlace1">
+    <dgm:fillClrLst meth="repeat">
+      <a:schemeClr val="dk2">
+        <a:tint val="50000"/>
+      </a:schemeClr>
+    </dgm:fillClrLst>
+    <dgm:linClrLst meth="repeat">
+      <a:schemeClr val="dk2">
+        <a:shade val="80000"/>
+      </a:schemeClr>
+    </dgm:linClrLst>
+    <dgm:effectClrLst/>
+    <dgm:txLinClrLst/>
+    <dgm:txFillClrLst meth="repeat">
+      <a:schemeClr val="lt2"/>
+    </dgm:txFillClrLst>
+    <dgm:txEffectClrLst/>
+  </dgm:styleLbl>
+  <dgm:styleLbl name="sibTrans2D1">
+    <dgm:fillClrLst meth="repeat">
+      <a:schemeClr val="dk2">
+        <a:tint val="60000"/>
+      </a:schemeClr>
+    </dgm:fillClrLst>
+    <dgm:linClrLst meth="repeat">
+      <a:schemeClr val="dk2">
+        <a:tint val="60000"/>
+      </a:schemeClr>
+    </dgm:linClrLst>
+    <dgm:effectClrLst/>
+    <dgm:txLinClrLst/>
+    <dgm:txFillClrLst/>
+    <dgm:txEffectClrLst/>
+  </dgm:styleLbl>
+  <dgm:styleLbl name="fgSibTrans2D1">
+    <dgm:fillClrLst meth="repeat">
+      <a:schemeClr val="dk2">
+        <a:tint val="60000"/>
+      </a:schemeClr>
+    </dgm:fillClrLst>
+    <dgm:linClrLst meth="repeat">
+      <a:schemeClr val="dk2">
+        <a:tint val="60000"/>
+      </a:schemeClr>
+    </dgm:linClrLst>
+    <dgm:effectClrLst/>
+    <dgm:txLinClrLst/>
+    <dgm:txFillClrLst/>
+    <dgm:txEffectClrLst/>
+  </dgm:styleLbl>
+  <dgm:styleLbl name="bgSibTrans2D1">
+    <dgm:fillClrLst meth="repeat">
+      <a:schemeClr val="dk2">
+        <a:tint val="60000"/>
+      </a:schemeClr>
+    </dgm:fillClrLst>
+    <dgm:linClrLst meth="repeat">
+      <a:schemeClr val="dk2">
+        <a:tint val="60000"/>
+      </a:schemeClr>
+    </dgm:linClrLst>
+    <dgm:effectClrLst/>
+    <dgm:txLinClrLst/>
+    <dgm:txFillClrLst/>
+    <dgm:txEffectClrLst/>
+  </dgm:styleLbl>
+  <dgm:styleLbl name="sibTrans1D1">
+    <dgm:fillClrLst meth="repeat">
+      <a:schemeClr val="dk2"/>
+    </dgm:fillClrLst>
+    <dgm:linClrLst meth="repeat">
+      <a:schemeClr val="dk2"/>
+    </dgm:linClrLst>
+    <dgm:effectClrLst/>
+    <dgm:txLinClrLst/>
+    <dgm:txFillClrLst meth="repeat">
+      <a:schemeClr val="lt2"/>
+    </dgm:txFillClrLst>
+    <dgm:txEffectClrLst/>
+  </dgm:styleLbl>
+  <dgm:styleLbl name="callout">
+    <dgm:fillClrLst meth="repeat">
+      <a:schemeClr val="dk2"/>
+    </dgm:fillClrLst>
+    <dgm:linClrLst meth="repeat">
+      <a:schemeClr val="dk2">
+        <a:tint val="50000"/>
+      </a:schemeClr>
+    </dgm:linClrLst>
+    <dgm:effectClrLst/>
+    <dgm:txLinClrLst/>
+    <dgm:txFillClrLst meth="repeat">
+      <a:schemeClr val="lt2"/>
+    </dgm:txFillClrLst>
+    <dgm:txEffectClrLst/>
+  </dgm:styleLbl>
+  <dgm:styleLbl name="asst0">
+    <dgm:fillClrLst meth="repeat">
+      <a:schemeClr val="dk2"/>
+    </dgm:fillClrLst>
+    <dgm:linClrLst meth="repeat">
+      <a:schemeClr val="lt2"/>
+    </dgm:linClrLst>
+    <dgm:effectClrLst/>
+    <dgm:txLinClrLst/>
+    <dgm:txFillClrLst/>
+    <dgm:txEffectClrLst/>
+  </dgm:styleLbl>
+  <dgm:styleLbl name="asst1">
+    <dgm:fillClrLst meth="repeat">
+      <a:schemeClr val="dk2"/>
+    </dgm:fillClrLst>
+    <dgm:linClrLst meth="repeat">
+      <a:schemeClr val="lt2"/>
+    </dgm:linClrLst>
+    <dgm:effectClrLst/>
+    <dgm:txLinClrLst/>
+    <dgm:txFillClrLst/>
+    <dgm:txEffectClrLst/>
+  </dgm:styleLbl>
+  <dgm:styleLbl name="asst2">
+    <dgm:fillClrLst meth="repeat">
+      <a:schemeClr val="dk2"/>
+    </dgm:fillClrLst>
+    <dgm:linClrLst meth="repeat">
+      <a:schemeClr val="lt2"/>
+    </dgm:linClrLst>
+    <dgm:effectClrLst/>
+    <dgm:txLinClrLst/>
+    <dgm:txFillClrLst/>
+    <dgm:txEffectClrLst/>
+  </dgm:styleLbl>
+  <dgm:styleLbl name="asst3">
+    <dgm:fillClrLst meth="repeat">
+      <a:schemeClr val="dk2"/>
+    </dgm:fillClrLst>
+    <dgm:linClrLst meth="repeat">
+      <a:schemeClr val="lt2"/>
+    </dgm:linClrLst>
+    <dgm:effectClrLst/>
+    <dgm:txLinClrLst/>
+    <dgm:txFillClrLst/>
+    <dgm:txEffectClrLst/>
+  </dgm:styleLbl>
+  <dgm:styleLbl name="asst4">
+    <dgm:fillClrLst meth="repeat">
+      <a:schemeClr val="dk2"/>
+    </dgm:fillClrLst>
+    <dgm:linClrLst meth="repeat">
+      <a:schemeClr val="lt2"/>
+    </dgm:linClrLst>
+    <dgm:effectClrLst/>
+    <dgm:txLinClrLst/>
+    <dgm:txFillClrLst/>
+    <dgm:txEffectClrLst/>
+  </dgm:styleLbl>
+  <dgm:styleLbl name="parChTrans2D1">
+    <dgm:fillClrLst meth="repeat">
+      <a:schemeClr val="dk2">
+        <a:tint val="60000"/>
+      </a:schemeClr>
+    </dgm:fillClrLst>
+    <dgm:linClrLst meth="repeat">
+      <a:schemeClr val="dk2">
+        <a:tint val="60000"/>
+      </a:schemeClr>
+    </dgm:linClrLst>
+    <dgm:effectClrLst/>
+    <dgm:txLinClrLst/>
+    <dgm:txFillClrLst meth="repeat">
+      <a:schemeClr val="lt2"/>
+    </dgm:txFillClrLst>
+    <dgm:txEffectClrLst/>
+  </dgm:styleLbl>
+  <dgm:styleLbl name="parChTrans2D2">
+    <dgm:fillClrLst meth="repeat">
+      <a:schemeClr val="dk2"/>
+    </dgm:fillClrLst>
+    <dgm:linClrLst meth="repeat">
+      <a:schemeClr val="dk2"/>
+    </dgm:linClrLst>
+    <dgm:effectClrLst/>
+    <dgm:txLinClrLst/>
+    <dgm:txFillClrLst meth="repeat">
+      <a:schemeClr val="lt2"/>
+    </dgm:txFillClrLst>
+    <dgm:txEffectClrLst/>
+  </dgm:styleLbl>
+  <dgm:styleLbl name="parChTrans2D3">
+    <dgm:fillClrLst meth="repeat">
+      <a:schemeClr val="dk2"/>
+    </dgm:fillClrLst>
+    <dgm:linClrLst meth="repeat">
+      <a:schemeClr val="dk2"/>
+    </dgm:linClrLst>
+    <dgm:effectClrLst/>
+    <dgm:txLinClrLst/>
+    <dgm:txFillClrLst meth="repeat">
+      <a:schemeClr val="lt2"/>
+    </dgm:txFillClrLst>
+    <dgm:txEffectClrLst/>
+  </dgm:styleLbl>
+  <dgm:styleLbl name="parChTrans2D4">
+    <dgm:fillClrLst meth="repeat">
+      <a:schemeClr val="dk2"/>
+    </dgm:fillClrLst>
+    <dgm:linClrLst meth="repeat">
+      <a:schemeClr val="dk2"/>
+    </dgm:linClrLst>
+    <dgm:effectClrLst/>
+    <dgm:txLinClrLst/>
+    <dgm:txFillClrLst meth="repeat">
+      <a:schemeClr val="lt2"/>
+    </dgm:txFillClrLst>
+    <dgm:txEffectClrLst/>
+  </dgm:styleLbl>
+  <dgm:styleLbl name="parChTrans1D1">
+    <dgm:fillClrLst meth="repeat">
+      <a:schemeClr val="dk2"/>
+    </dgm:fillClrLst>
+    <dgm:linClrLst meth="repeat">
+      <a:schemeClr val="dk2">
+        <a:shade val="60000"/>
+      </a:schemeClr>
+    </dgm:linClrLst>
+    <dgm:effectClrLst/>
+    <dgm:txLinClrLst/>
+    <dgm:txFillClrLst meth="repeat">
+      <a:schemeClr val="tx1"/>
+    </dgm:txFillClrLst>
+    <dgm:txEffectClrLst/>
+  </dgm:styleLbl>
+  <dgm:styleLbl name="parChTrans1D2">
+    <dgm:fillClrLst meth="repeat">
+      <a:schemeClr val="dk2"/>
+    </dgm:fillClrLst>
+    <dgm:linClrLst meth="repeat">
+      <a:schemeClr val="dk2">
+        <a:shade val="60000"/>
+      </a:schemeClr>
+    </dgm:linClrLst>
+    <dgm:effectClrLst/>
+    <dgm:txLinClrLst/>
+    <dgm:txFillClrLst meth="repeat">
+      <a:schemeClr val="tx1"/>
+    </dgm:txFillClrLst>
+    <dgm:txEffectClrLst/>
+  </dgm:styleLbl>
+  <dgm:styleLbl name="parChTrans1D3">
+    <dgm:fillClrLst meth="repeat">
+      <a:schemeClr val="dk2"/>
+    </dgm:fillClrLst>
+    <dgm:linClrLst meth="repeat">
+      <a:schemeClr val="dk2">
+        <a:shade val="80000"/>
+      </a:schemeClr>
+    </dgm:linClrLst>
+    <dgm:effectClrLst/>
+    <dgm:txLinClrLst/>
+    <dgm:txFillClrLst meth="repeat">
+      <a:schemeClr val="tx1"/>
+    </dgm:txFillClrLst>
+    <dgm:txEffectClrLst/>
+  </dgm:styleLbl>
+  <dgm:styleLbl name="parChTrans1D4">
+    <dgm:fillClrLst meth="repeat">
+      <a:schemeClr val="dk2"/>
+    </dgm:fillClrLst>
+    <dgm:linClrLst meth="repeat">
+      <a:schemeClr val="dk2">
+        <a:shade val="80000"/>
+      </a:schemeClr>
+    </dgm:linClrLst>
+    <dgm:effectClrLst/>
+    <dgm:txLinClrLst/>
+    <dgm:txFillClrLst meth="repeat">
+      <a:schemeClr val="tx1"/>
+    </dgm:txFillClrLst>
+    <dgm:txEffectClrLst/>
+  </dgm:styleLbl>
+  <dgm:styleLbl name="fgAcc1">
+    <dgm:fillClrLst meth="repeat">
+      <a:schemeClr val="lt2">
+        <a:alpha val="90000"/>
+      </a:schemeClr>
+    </dgm:fillClrLst>
+    <dgm:linClrLst meth="repeat">
+      <a:schemeClr val="dk2"/>
+    </dgm:linClrLst>
+    <dgm:effectClrLst/>
+    <dgm:txLinClrLst/>
+    <dgm:txFillClrLst meth="repeat">
+      <a:schemeClr val="dk1"/>
+    </dgm:txFillClrLst>
+    <dgm:txEffectClrLst/>
+  </dgm:styleLbl>
+  <dgm:styleLbl name="conFgAcc1">
+    <dgm:fillClrLst meth="repeat">
+      <a:schemeClr val="lt2">
+        <a:alpha val="90000"/>
+      </a:schemeClr>
+    </dgm:fillClrLst>
+    <dgm:linClrLst meth="repeat">
+      <a:schemeClr val="dk2"/>
+    </dgm:linClrLst>
+    <dgm:effectClrLst/>
+    <dgm:txLinClrLst/>
+    <dgm:txFillClrLst meth="repeat">
+      <a:schemeClr val="dk1"/>
+    </dgm:txFillClrLst>
+    <dgm:txEffectClrLst/>
+  </dgm:styleLbl>
+  <dgm:styleLbl name="alignAcc1">
+    <dgm:fillClrLst meth="repeat">
+      <a:schemeClr val="lt2">
+        <a:alpha val="90000"/>
+      </a:schemeClr>
+    </dgm:fillClrLst>
+    <dgm:linClrLst meth="repeat">
+      <a:schemeClr val="dk2"/>
+    </dgm:linClrLst>
+    <dgm:effectClrLst/>
+    <dgm:txLinClrLst/>
+    <dgm:txFillClrLst meth="repeat">
+      <a:schemeClr val="dk1"/>
+    </dgm:txFillClrLst>
+    <dgm:txEffectClrLst/>
+  </dgm:styleLbl>
+  <dgm:styleLbl name="trAlignAcc1">
+    <dgm:fillClrLst meth="repeat">
+      <a:schemeClr val="lt2">
+        <a:alpha val="40000"/>
+      </a:schemeClr>
+    </dgm:fillClrLst>
+    <dgm:linClrLst meth="repeat">
+      <a:schemeClr val="dk2"/>
+    </dgm:linClrLst>
+    <dgm:effectClrLst/>
+    <dgm:txLinClrLst/>
+    <dgm:txFillClrLst meth="repeat">
+      <a:schemeClr val="dk1"/>
+    </dgm:txFillClrLst>
+    <dgm:txEffectClrLst/>
+  </dgm:styleLbl>
+  <dgm:styleLbl name="bgAcc1">
+    <dgm:fillClrLst meth="repeat">
+      <a:schemeClr val="lt2">
+        <a:alpha val="90000"/>
+      </a:schemeClr>
+    </dgm:fillClrLst>
+    <dgm:linClrLst meth="repeat">
+      <a:schemeClr val="dk2"/>
+    </dgm:linClrLst>
+    <dgm:effectClrLst/>
+    <dgm:txLinClrLst/>
+    <dgm:txFillClrLst meth="repeat">
+      <a:schemeClr val="dk1"/>
+    </dgm:txFillClrLst>
+    <dgm:txEffectClrLst/>
+  </dgm:styleLbl>
+  <dgm:styleLbl name="solidFgAcc1">
+    <dgm:fillClrLst meth="repeat">
+      <a:schemeClr val="lt2"/>
+    </dgm:fillClrLst>
+    <dgm:linClrLst meth="repeat">
+      <a:schemeClr val="dk2"/>
+    </dgm:linClrLst>
+    <dgm:effectClrLst/>
+    <dgm:txLinClrLst/>
+    <dgm:txFillClrLst meth="repeat">
+      <a:schemeClr val="dk1"/>
+    </dgm:txFillClrLst>
+    <dgm:txEffectClrLst/>
+  </dgm:styleLbl>
+  <dgm:styleLbl name="solidAlignAcc1">
+    <dgm:fillClrLst meth="repeat">
+      <a:schemeClr val="lt2"/>
+    </dgm:fillClrLst>
+    <dgm:linClrLst meth="repeat">
+      <a:schemeClr val="dk2"/>
+    </dgm:linClrLst>
+    <dgm:effectClrLst/>
+    <dgm:txLinClrLst/>
+    <dgm:txFillClrLst meth="repeat">
+      <a:schemeClr val="dk1"/>
+    </dgm:txFillClrLst>
+    <dgm:txEffectClrLst/>
+  </dgm:styleLbl>
+  <dgm:styleLbl name="solidBgAcc1">
+    <dgm:fillClrLst meth="repeat">
+      <a:schemeClr val="lt2"/>
+    </dgm:fillClrLst>
+    <dgm:linClrLst meth="repeat">
+      <a:schemeClr val="dk2"/>
+    </dgm:linClrLst>
+    <dgm:effectClrLst/>
+    <dgm:txLinClrLst/>
+    <dgm:txFillClrLst meth="repeat">
+      <a:schemeClr val="dk1"/>
+    </dgm:txFillClrLst>
+    <dgm:txEffectClrLst/>
+  </dgm:styleLbl>
+  <dgm:styleLbl name="fgAccFollowNode1">
+    <dgm:fillClrLst meth="repeat">
+      <a:schemeClr val="dk2">
+        <a:alpha val="90000"/>
+        <a:tint val="40000"/>
+      </a:schemeClr>
+    </dgm:fillClrLst>
+    <dgm:linClrLst meth="repeat">
+      <a:schemeClr val="dk2">
+        <a:alpha val="90000"/>
+        <a:tint val="40000"/>
+      </a:schemeClr>
+    </dgm:linClrLst>
+    <dgm:effectClrLst/>
+    <dgm:txLinClrLst/>
+    <dgm:txFillClrLst meth="repeat">
+      <a:schemeClr val="dk1"/>
+    </dgm:txFillClrLst>
+    <dgm:txEffectClrLst/>
+  </dgm:styleLbl>
+  <dgm:styleLbl name="alignAccFollowNode1">
+    <dgm:fillClrLst meth="repeat">
+      <a:schemeClr val="dk2">
+        <a:alpha val="90000"/>
+        <a:tint val="40000"/>
+      </a:schemeClr>
+    </dgm:fillClrLst>
+    <dgm:linClrLst meth="repeat">
+      <a:schemeClr val="dk2">
+        <a:alpha val="90000"/>
+        <a:tint val="40000"/>
+      </a:schemeClr>
+    </dgm:linClrLst>
+    <dgm:effectClrLst/>
+    <dgm:txLinClrLst/>
+    <dgm:txFillClrLst meth="repeat">
+      <a:schemeClr val="dk1"/>
+    </dgm:txFillClrLst>
+    <dgm:txEffectClrLst/>
+  </dgm:styleLbl>
+  <dgm:styleLbl name="bgAccFollowNode1">
+    <dgm:fillClrLst meth="repeat">
+      <a:schemeClr val="dk2">
+        <a:alpha val="90000"/>
+        <a:tint val="40000"/>
+      </a:schemeClr>
+    </dgm:fillClrLst>
+    <dgm:linClrLst meth="repeat">
+      <a:schemeClr val="dk2">
+        <a:alpha val="90000"/>
+        <a:tint val="40000"/>
+      </a:schemeClr>
+    </dgm:linClrLst>
+    <dgm:effectClrLst/>
+    <dgm:txLinClrLst/>
+    <dgm:txFillClrLst meth="repeat">
+      <a:schemeClr val="dk1"/>
+    </dgm:txFillClrLst>
+    <dgm:txEffectClrLst/>
+  </dgm:styleLbl>
+  <dgm:styleLbl name="fgAcc0">
+    <dgm:fillClrLst meth="repeat">
+      <a:schemeClr val="lt2">
+        <a:alpha val="90000"/>
+      </a:schemeClr>
+    </dgm:fillClrLst>
+    <dgm:linClrLst meth="repeat">
+      <a:schemeClr val="dk2"/>
+    </dgm:linClrLst>
+    <dgm:effectClrLst/>
+    <dgm:txLinClrLst/>
+    <dgm:txFillClrLst meth="repeat">
+      <a:schemeClr val="dk1"/>
+    </dgm:txFillClrLst>
+    <dgm:txEffectClrLst/>
+  </dgm:styleLbl>
+  <dgm:styleLbl name="fgAcc2">
+    <dgm:fillClrLst meth="repeat">
+      <a:schemeClr val="lt2">
+        <a:alpha val="90000"/>
+      </a:schemeClr>
+    </dgm:fillClrLst>
+    <dgm:linClrLst meth="repeat">
+      <a:schemeClr val="dk2"/>
+    </dgm:linClrLst>
+    <dgm:effectClrLst/>
+    <dgm:txLinClrLst/>
+    <dgm:txFillClrLst meth="repeat">
+      <a:schemeClr val="dk1"/>
+    </dgm:txFillClrLst>
+    <dgm:txEffectClrLst/>
+  </dgm:styleLbl>
+  <dgm:styleLbl name="fgAcc3">
+    <dgm:fillClrLst meth="repeat">
+      <a:schemeClr val="lt2">
+        <a:alpha val="90000"/>
+      </a:schemeClr>
+    </dgm:fillClrLst>
+    <dgm:linClrLst meth="repeat">
+      <a:schemeClr val="dk2"/>
+    </dgm:linClrLst>
+    <dgm:effectClrLst/>
+    <dgm:txLinClrLst/>
+    <dgm:txFillClrLst meth="repeat">
+      <a:schemeClr val="dk1"/>
+    </dgm:txFillClrLst>
+    <dgm:txEffectClrLst/>
+  </dgm:styleLbl>
+  <dgm:styleLbl name="fgAcc4">
+    <dgm:fillClrLst meth="repeat">
+      <a:schemeClr val="lt2">
+        <a:alpha val="90000"/>
+      </a:schemeClr>
+    </dgm:fillClrLst>
+    <dgm:linClrLst meth="repeat">
+      <a:schemeClr val="dk2"/>
+    </dgm:linClrLst>
+    <dgm:effectClrLst/>
+    <dgm:txLinClrLst/>
+    <dgm:txFillClrLst meth="repeat">
+      <a:schemeClr val="dk1"/>
+    </dgm:txFillClrLst>
+    <dgm:txEffectClrLst/>
+  </dgm:styleLbl>
+  <dgm:styleLbl name="bgShp">
+    <dgm:fillClrLst meth="repeat">
+      <a:schemeClr val="dk2">
+        <a:tint val="40000"/>
+      </a:schemeClr>
+    </dgm:fillClrLst>
+    <dgm:linClrLst meth="repeat">
+      <a:schemeClr val="dk2"/>
+    </dgm:linClrLst>
+    <dgm:effectClrLst/>
+    <dgm:txLinClrLst/>
+    <dgm:txFillClrLst meth="repeat">
+      <a:schemeClr val="dk1"/>
+    </dgm:txFillClrLst>
+    <dgm:txEffectClrLst/>
+  </dgm:styleLbl>
+  <dgm:styleLbl name="dkBgShp">
+    <dgm:fillClrLst meth="repeat">
+      <a:schemeClr val="dk2">
+        <a:shade val="80000"/>
+      </a:schemeClr>
+    </dgm:fillClrLst>
+    <dgm:linClrLst meth="repeat">
+      <a:schemeClr val="dk2"/>
+    </dgm:linClrLst>
+    <dgm:effectClrLst/>
+    <dgm:txLinClrLst/>
+    <dgm:txFillClrLst meth="repeat">
+      <a:schemeClr val="lt1"/>
+    </dgm:txFillClrLst>
+    <dgm:txEffectClrLst/>
+  </dgm:styleLbl>
+  <dgm:styleLbl name="trBgShp">
+    <dgm:fillClrLst meth="repeat">
+      <a:schemeClr val="dk2">
+        <a:tint val="50000"/>
+        <a:alpha val="40000"/>
+      </a:schemeClr>
+    </dgm:fillClrLst>
+    <dgm:linClrLst meth="repeat">
+      <a:schemeClr val="dk2"/>
+    </dgm:linClrLst>
+    <dgm:effectClrLst/>
+    <dgm:txLinClrLst/>
+    <dgm:txFillClrLst meth="repeat">
+      <a:schemeClr val="lt1"/>
+    </dgm:txFillClrLst>
+    <dgm:txEffectClrLst/>
+  </dgm:styleLbl>
+  <dgm:styleLbl name="fgShp">
+    <dgm:fillClrLst meth="repeat">
+      <a:schemeClr val="dk2">
+        <a:tint val="60000"/>
+      </a:schemeClr>
+    </dgm:fillClrLst>
+    <dgm:linClrLst meth="repeat">
+      <a:schemeClr val="lt2"/>
+    </dgm:linClrLst>
+    <dgm:effectClrLst/>
+    <dgm:txLinClrLst/>
+    <dgm:txFillClrLst meth="repeat">
+      <a:schemeClr val="dk1"/>
+    </dgm:txFillClrLst>
+    <dgm:txEffectClrLst/>
+  </dgm:styleLbl>
+  <dgm:styleLbl name="revTx">
+    <dgm:fillClrLst meth="repeat">
+      <a:schemeClr val="lt2">
+        <a:alpha val="0"/>
+      </a:schemeClr>
+    </dgm:fillClrLst>
+    <dgm:linClrLst meth="repeat">
+      <a:schemeClr val="dk1">
+        <a:alpha val="0"/>
+      </a:schemeClr>
+    </dgm:linClrLst>
+    <dgm:effectClrLst/>
+    <dgm:txLinClrLst/>
+    <dgm:txFillClrLst meth="repeat">
+      <a:schemeClr val="tx1"/>
+    </dgm:txFillClrLst>
+    <dgm:txEffectClrLst/>
+  </dgm:styleLbl>
+</dgm:colorsDef>
+</file>
+
+<file path=ppt/diagrams/data1.xml><?xml version="1.0" encoding="utf-8"?>
+<dgm:dataModel xmlns:dgm="http://schemas.openxmlformats.org/drawingml/2006/diagram" xmlns:a="http://schemas.openxmlformats.org/drawingml/2006/main">
+  <dgm:ptLst>
+    <dgm:pt modelId="{978A06C0-4888-4ADC-BB0C-9E7361168730}" type="doc">
+      <dgm:prSet loTypeId="urn:microsoft.com/office/officeart/2005/8/layout/target1" loCatId="relationship" qsTypeId="urn:microsoft.com/office/officeart/2005/8/quickstyle/3d6" qsCatId="3D" csTypeId="urn:microsoft.com/office/officeart/2005/8/colors/accent0_3" csCatId="mainScheme"/>
+      <dgm:spPr/>
+      <dgm:t>
+        <a:bodyPr/>
+        <a:lstStyle/>
+        <a:p>
+          <a:endParaRPr lang="en-US"/>
+        </a:p>
+      </dgm:t>
+    </dgm:pt>
+    <dgm:pt modelId="{566E96CA-8735-4E63-8D54-7B02E452E33D}">
+      <dgm:prSet/>
+      <dgm:spPr/>
+      <dgm:t>
+        <a:bodyPr/>
+        <a:lstStyle/>
+        <a:p>
+          <a:pPr rtl="0"/>
+          <a:r>
+            <a:rPr lang="en-US" dirty="0" smtClean="0">
+              <a:latin typeface="+mn-lt"/>
+              <a:cs typeface="Arial" pitchFamily="34" charset="0"/>
+            </a:rPr>
+            <a:t>The sun is in the center of all orbits</a:t>
+          </a:r>
+          <a:endParaRPr lang="en-US" dirty="0">
+            <a:latin typeface="+mn-lt"/>
+            <a:cs typeface="Arial" pitchFamily="34" charset="0"/>
+          </a:endParaRPr>
+        </a:p>
+      </dgm:t>
+    </dgm:pt>
+    <dgm:pt modelId="{A01A9E41-DF95-4BCB-BF9F-376913A77E2E}" type="parTrans" cxnId="{6526A243-8A27-4C04-8B49-6B697ABA410A}">
+      <dgm:prSet/>
+      <dgm:spPr/>
+      <dgm:t>
+        <a:bodyPr/>
+        <a:lstStyle/>
+        <a:p>
+          <a:endParaRPr lang="en-US"/>
+        </a:p>
+      </dgm:t>
+    </dgm:pt>
+    <dgm:pt modelId="{76AB8D80-F69A-434E-81B9-73FEF72CC578}" type="sibTrans" cxnId="{6526A243-8A27-4C04-8B49-6B697ABA410A}">
+      <dgm:prSet/>
+      <dgm:spPr/>
+      <dgm:t>
+        <a:bodyPr/>
+        <a:lstStyle/>
+        <a:p>
+          <a:endParaRPr lang="en-US"/>
+        </a:p>
+      </dgm:t>
+    </dgm:pt>
+    <dgm:pt modelId="{062EC279-DBB5-4FB2-A50F-143FC9F6C740}">
+      <dgm:prSet/>
+      <dgm:spPr/>
+      <dgm:t>
+        <a:bodyPr/>
+        <a:lstStyle/>
+        <a:p>
+          <a:pPr rtl="0"/>
+          <a:r>
+            <a:rPr lang="en-US" dirty="0" smtClean="0">
+              <a:latin typeface="+mn-lt"/>
+              <a:cs typeface="Arial" pitchFamily="34" charset="0"/>
+            </a:rPr>
+            <a:t>There are smaller planets closer to the sun</a:t>
+          </a:r>
+          <a:endParaRPr lang="en-US" dirty="0">
+            <a:latin typeface="+mn-lt"/>
+            <a:cs typeface="Arial" pitchFamily="34" charset="0"/>
+          </a:endParaRPr>
+        </a:p>
+      </dgm:t>
+    </dgm:pt>
+    <dgm:pt modelId="{96F5537F-9F33-4E8D-A843-B0BB93AD5F51}" type="parTrans" cxnId="{02A9E34A-0234-47EA-82F6-490648A5BBDB}">
+      <dgm:prSet/>
+      <dgm:spPr/>
+      <dgm:t>
+        <a:bodyPr/>
+        <a:lstStyle/>
+        <a:p>
+          <a:endParaRPr lang="en-US"/>
+        </a:p>
+      </dgm:t>
+    </dgm:pt>
+    <dgm:pt modelId="{607C11F1-8A58-4B97-9478-8E41AD02BD07}" type="sibTrans" cxnId="{02A9E34A-0234-47EA-82F6-490648A5BBDB}">
+      <dgm:prSet/>
+      <dgm:spPr/>
+      <dgm:t>
+        <a:bodyPr/>
+        <a:lstStyle/>
+        <a:p>
+          <a:endParaRPr lang="en-US"/>
+        </a:p>
+      </dgm:t>
+    </dgm:pt>
+    <dgm:pt modelId="{554B6B70-78BF-4B46-9BF4-E86FFF69B0AD}">
+      <dgm:prSet/>
+      <dgm:spPr/>
+      <dgm:t>
+        <a:bodyPr/>
+        <a:lstStyle/>
+        <a:p>
+          <a:pPr rtl="0"/>
+          <a:r>
+            <a:rPr lang="en-US" dirty="0" smtClean="0">
+              <a:latin typeface="+mn-lt"/>
+              <a:cs typeface="Arial" pitchFamily="34" charset="0"/>
+            </a:rPr>
+            <a:t>There is a mix of planet sizes further away</a:t>
+          </a:r>
+          <a:endParaRPr lang="en-US" dirty="0">
+            <a:latin typeface="+mn-lt"/>
+            <a:cs typeface="Arial" pitchFamily="34" charset="0"/>
+          </a:endParaRPr>
+        </a:p>
+      </dgm:t>
+    </dgm:pt>
+    <dgm:pt modelId="{E505A992-23B5-4A06-BB51-E11F804383FC}" type="parTrans" cxnId="{36B31DB1-1FA1-45E4-8AE5-BA441E41E11D}">
+      <dgm:prSet/>
+      <dgm:spPr/>
+      <dgm:t>
+        <a:bodyPr/>
+        <a:lstStyle/>
+        <a:p>
+          <a:endParaRPr lang="en-US"/>
+        </a:p>
+      </dgm:t>
+    </dgm:pt>
+    <dgm:pt modelId="{6F81C20C-D97B-4A8B-987A-9EED43F613EE}" type="sibTrans" cxnId="{36B31DB1-1FA1-45E4-8AE5-BA441E41E11D}">
+      <dgm:prSet/>
+      <dgm:spPr/>
+      <dgm:t>
+        <a:bodyPr/>
+        <a:lstStyle/>
+        <a:p>
+          <a:endParaRPr lang="en-US"/>
+        </a:p>
+      </dgm:t>
+    </dgm:pt>
+    <dgm:pt modelId="{F83FC547-7C98-4BA1-A525-A388021023AD}" type="pres">
+      <dgm:prSet presAssocID="{978A06C0-4888-4ADC-BB0C-9E7361168730}" presName="composite" presStyleCnt="0">
+        <dgm:presLayoutVars>
+          <dgm:chMax val="5"/>
+          <dgm:dir/>
+          <dgm:resizeHandles val="exact"/>
+        </dgm:presLayoutVars>
+      </dgm:prSet>
+      <dgm:spPr/>
+      <dgm:t>
+        <a:bodyPr/>
+        <a:lstStyle/>
+        <a:p>
+          <a:endParaRPr lang="en-US"/>
+        </a:p>
+      </dgm:t>
+    </dgm:pt>
+    <dgm:pt modelId="{5B2A6C11-B8FD-420B-BE47-355E2F8B3DFC}" type="pres">
+      <dgm:prSet presAssocID="{566E96CA-8735-4E63-8D54-7B02E452E33D}" presName="circle1" presStyleLbl="lnNode1" presStyleIdx="0" presStyleCnt="3" custLinFactNeighborX="-5556" custLinFactNeighborY="12418"/>
+      <dgm:spPr>
+        <a:solidFill>
+          <a:srgbClr val="0070C0"/>
+        </a:solidFill>
+      </dgm:spPr>
+    </dgm:pt>
+    <dgm:pt modelId="{3D7AB509-6BA0-4C30-9B59-90C18990B40E}" type="pres">
+      <dgm:prSet presAssocID="{566E96CA-8735-4E63-8D54-7B02E452E33D}" presName="text1" presStyleLbl="revTx" presStyleIdx="0" presStyleCnt="3">
+        <dgm:presLayoutVars>
+          <dgm:bulletEnabled val="1"/>
+        </dgm:presLayoutVars>
+      </dgm:prSet>
+      <dgm:spPr/>
+      <dgm:t>
+        <a:bodyPr/>
+        <a:lstStyle/>
+        <a:p>
+          <a:endParaRPr lang="en-US"/>
+        </a:p>
+      </dgm:t>
+    </dgm:pt>
+    <dgm:pt modelId="{DC840353-2282-4112-92DE-A3E5E740D83E}" type="pres">
+      <dgm:prSet presAssocID="{566E96CA-8735-4E63-8D54-7B02E452E33D}" presName="line1" presStyleLbl="callout" presStyleIdx="0" presStyleCnt="6"/>
+      <dgm:spPr/>
+    </dgm:pt>
+    <dgm:pt modelId="{8C034039-2DFB-4963-879A-D2FCDCB1BD05}" type="pres">
+      <dgm:prSet presAssocID="{566E96CA-8735-4E63-8D54-7B02E452E33D}" presName="d1" presStyleLbl="callout" presStyleIdx="1" presStyleCnt="6"/>
+      <dgm:spPr/>
+    </dgm:pt>
+    <dgm:pt modelId="{1F39E39C-0280-4F42-94ED-A35C53334115}" type="pres">
+      <dgm:prSet presAssocID="{062EC279-DBB5-4FB2-A50F-143FC9F6C740}" presName="circle2" presStyleLbl="lnNode1" presStyleIdx="1" presStyleCnt="3"/>
+      <dgm:spPr>
+        <a:solidFill>
+          <a:srgbClr val="0070C0">
+            <a:alpha val="39000"/>
+          </a:srgbClr>
+        </a:solidFill>
+      </dgm:spPr>
+      <dgm:t>
+        <a:bodyPr/>
+        <a:lstStyle/>
+        <a:p>
+          <a:endParaRPr lang="en-US"/>
+        </a:p>
+      </dgm:t>
+    </dgm:pt>
+    <dgm:pt modelId="{D1036620-22CD-4210-B9CB-CC9557B12E47}" type="pres">
+      <dgm:prSet presAssocID="{062EC279-DBB5-4FB2-A50F-143FC9F6C740}" presName="text2" presStyleLbl="revTx" presStyleIdx="1" presStyleCnt="3">
+        <dgm:presLayoutVars>
+          <dgm:bulletEnabled val="1"/>
+        </dgm:presLayoutVars>
+      </dgm:prSet>
+      <dgm:spPr/>
+      <dgm:t>
+        <a:bodyPr/>
+        <a:lstStyle/>
+        <a:p>
+          <a:endParaRPr lang="en-US"/>
+        </a:p>
+      </dgm:t>
+    </dgm:pt>
+    <dgm:pt modelId="{FD6221E4-5503-4B42-94DA-FE23DE0A12B5}" type="pres">
+      <dgm:prSet presAssocID="{062EC279-DBB5-4FB2-A50F-143FC9F6C740}" presName="line2" presStyleLbl="callout" presStyleIdx="2" presStyleCnt="6"/>
+      <dgm:spPr/>
+    </dgm:pt>
+    <dgm:pt modelId="{FD53BD5F-3D10-4661-9F3E-B99C43FB6B3C}" type="pres">
+      <dgm:prSet presAssocID="{062EC279-DBB5-4FB2-A50F-143FC9F6C740}" presName="d2" presStyleLbl="callout" presStyleIdx="3" presStyleCnt="6"/>
+      <dgm:spPr/>
+    </dgm:pt>
+    <dgm:pt modelId="{3F30D057-F4F1-4E8E-BA1C-1EA6ED36557C}" type="pres">
+      <dgm:prSet presAssocID="{554B6B70-78BF-4B46-9BF4-E86FFF69B0AD}" presName="circle3" presStyleLbl="lnNode1" presStyleIdx="2" presStyleCnt="3"/>
+      <dgm:spPr>
+        <a:solidFill>
+          <a:srgbClr val="002060"/>
+        </a:solidFill>
+      </dgm:spPr>
+    </dgm:pt>
+    <dgm:pt modelId="{72554440-F6E0-409C-BEB8-1658A7D0C84D}" type="pres">
+      <dgm:prSet presAssocID="{554B6B70-78BF-4B46-9BF4-E86FFF69B0AD}" presName="text3" presStyleLbl="revTx" presStyleIdx="2" presStyleCnt="3">
+        <dgm:presLayoutVars>
+          <dgm:bulletEnabled val="1"/>
+        </dgm:presLayoutVars>
+      </dgm:prSet>
+      <dgm:spPr/>
+      <dgm:t>
+        <a:bodyPr/>
+        <a:lstStyle/>
+        <a:p>
+          <a:endParaRPr lang="en-US"/>
+        </a:p>
+      </dgm:t>
+    </dgm:pt>
+    <dgm:pt modelId="{3565DF0B-FF98-431E-94BA-52C1748A7EE8}" type="pres">
+      <dgm:prSet presAssocID="{554B6B70-78BF-4B46-9BF4-E86FFF69B0AD}" presName="line3" presStyleLbl="callout" presStyleIdx="4" presStyleCnt="6"/>
+      <dgm:spPr/>
+    </dgm:pt>
+    <dgm:pt modelId="{FA4F0EDC-FF8B-47C2-911B-5D735A0E2535}" type="pres">
+      <dgm:prSet presAssocID="{554B6B70-78BF-4B46-9BF4-E86FFF69B0AD}" presName="d3" presStyleLbl="callout" presStyleIdx="5" presStyleCnt="6"/>
+      <dgm:spPr/>
+    </dgm:pt>
+  </dgm:ptLst>
+  <dgm:cxnLst>
+    <dgm:cxn modelId="{3D3B5D40-1BD1-4060-B6B2-2DD98431D479}" type="presOf" srcId="{062EC279-DBB5-4FB2-A50F-143FC9F6C740}" destId="{D1036620-22CD-4210-B9CB-CC9557B12E47}" srcOrd="0" destOrd="0" presId="urn:microsoft.com/office/officeart/2005/8/layout/target1"/>
+    <dgm:cxn modelId="{66DB6C31-96F0-4334-AD0F-CE70084A8431}" type="presOf" srcId="{566E96CA-8735-4E63-8D54-7B02E452E33D}" destId="{3D7AB509-6BA0-4C30-9B59-90C18990B40E}" srcOrd="0" destOrd="0" presId="urn:microsoft.com/office/officeart/2005/8/layout/target1"/>
+    <dgm:cxn modelId="{B96DAC0F-CB73-411F-92AD-052AAD8AD0E5}" type="presOf" srcId="{978A06C0-4888-4ADC-BB0C-9E7361168730}" destId="{F83FC547-7C98-4BA1-A525-A388021023AD}" srcOrd="0" destOrd="0" presId="urn:microsoft.com/office/officeart/2005/8/layout/target1"/>
+    <dgm:cxn modelId="{02A9E34A-0234-47EA-82F6-490648A5BBDB}" srcId="{978A06C0-4888-4ADC-BB0C-9E7361168730}" destId="{062EC279-DBB5-4FB2-A50F-143FC9F6C740}" srcOrd="1" destOrd="0" parTransId="{96F5537F-9F33-4E8D-A843-B0BB93AD5F51}" sibTransId="{607C11F1-8A58-4B97-9478-8E41AD02BD07}"/>
+    <dgm:cxn modelId="{CCA53FD9-E033-4104-AC52-AB1B2811ADA5}" type="presOf" srcId="{554B6B70-78BF-4B46-9BF4-E86FFF69B0AD}" destId="{72554440-F6E0-409C-BEB8-1658A7D0C84D}" srcOrd="0" destOrd="0" presId="urn:microsoft.com/office/officeart/2005/8/layout/target1"/>
+    <dgm:cxn modelId="{36B31DB1-1FA1-45E4-8AE5-BA441E41E11D}" srcId="{978A06C0-4888-4ADC-BB0C-9E7361168730}" destId="{554B6B70-78BF-4B46-9BF4-E86FFF69B0AD}" srcOrd="2" destOrd="0" parTransId="{E505A992-23B5-4A06-BB51-E11F804383FC}" sibTransId="{6F81C20C-D97B-4A8B-987A-9EED43F613EE}"/>
+    <dgm:cxn modelId="{6526A243-8A27-4C04-8B49-6B697ABA410A}" srcId="{978A06C0-4888-4ADC-BB0C-9E7361168730}" destId="{566E96CA-8735-4E63-8D54-7B02E452E33D}" srcOrd="0" destOrd="0" parTransId="{A01A9E41-DF95-4BCB-BF9F-376913A77E2E}" sibTransId="{76AB8D80-F69A-434E-81B9-73FEF72CC578}"/>
+    <dgm:cxn modelId="{7AB30518-AEDF-4BB4-90A3-7D27D529C4C3}" type="presParOf" srcId="{F83FC547-7C98-4BA1-A525-A388021023AD}" destId="{5B2A6C11-B8FD-420B-BE47-355E2F8B3DFC}" srcOrd="0" destOrd="0" presId="urn:microsoft.com/office/officeart/2005/8/layout/target1"/>
+    <dgm:cxn modelId="{F9A34EC6-2636-4E42-BD58-F7DE83BA8FC8}" type="presParOf" srcId="{F83FC547-7C98-4BA1-A525-A388021023AD}" destId="{3D7AB509-6BA0-4C30-9B59-90C18990B40E}" srcOrd="1" destOrd="0" presId="urn:microsoft.com/office/officeart/2005/8/layout/target1"/>
+    <dgm:cxn modelId="{A8960AC4-775E-4D5E-ADEA-9A462D9D0210}" type="presParOf" srcId="{F83FC547-7C98-4BA1-A525-A388021023AD}" destId="{DC840353-2282-4112-92DE-A3E5E740D83E}" srcOrd="2" destOrd="0" presId="urn:microsoft.com/office/officeart/2005/8/layout/target1"/>
+    <dgm:cxn modelId="{21D543BF-BB3E-4D21-AA4B-E17DF7FAA8ED}" type="presParOf" srcId="{F83FC547-7C98-4BA1-A525-A388021023AD}" destId="{8C034039-2DFB-4963-879A-D2FCDCB1BD05}" srcOrd="3" destOrd="0" presId="urn:microsoft.com/office/officeart/2005/8/layout/target1"/>
+    <dgm:cxn modelId="{221C3BD8-8155-40E2-AB95-14D4A5537EA6}" type="presParOf" srcId="{F83FC547-7C98-4BA1-A525-A388021023AD}" destId="{1F39E39C-0280-4F42-94ED-A35C53334115}" srcOrd="4" destOrd="0" presId="urn:microsoft.com/office/officeart/2005/8/layout/target1"/>
+    <dgm:cxn modelId="{A2CF1743-3444-4D9B-AFE3-A7CA7A7B4716}" type="presParOf" srcId="{F83FC547-7C98-4BA1-A525-A388021023AD}" destId="{D1036620-22CD-4210-B9CB-CC9557B12E47}" srcOrd="5" destOrd="0" presId="urn:microsoft.com/office/officeart/2005/8/layout/target1"/>
+    <dgm:cxn modelId="{A7D562A6-A5F4-436E-94F9-33885AD5D8C9}" type="presParOf" srcId="{F83FC547-7C98-4BA1-A525-A388021023AD}" destId="{FD6221E4-5503-4B42-94DA-FE23DE0A12B5}" srcOrd="6" destOrd="0" presId="urn:microsoft.com/office/officeart/2005/8/layout/target1"/>
+    <dgm:cxn modelId="{C8F72AE5-8E4D-46B3-8C24-644ABDC933B3}" type="presParOf" srcId="{F83FC547-7C98-4BA1-A525-A388021023AD}" destId="{FD53BD5F-3D10-4661-9F3E-B99C43FB6B3C}" srcOrd="7" destOrd="0" presId="urn:microsoft.com/office/officeart/2005/8/layout/target1"/>
+    <dgm:cxn modelId="{649F1897-A3AC-42DC-ACF4-1D81A28FC6C5}" type="presParOf" srcId="{F83FC547-7C98-4BA1-A525-A388021023AD}" destId="{3F30D057-F4F1-4E8E-BA1C-1EA6ED36557C}" srcOrd="8" destOrd="0" presId="urn:microsoft.com/office/officeart/2005/8/layout/target1"/>
+    <dgm:cxn modelId="{087D1B95-6858-466E-94AD-1B9C661710BB}" type="presParOf" srcId="{F83FC547-7C98-4BA1-A525-A388021023AD}" destId="{72554440-F6E0-409C-BEB8-1658A7D0C84D}" srcOrd="9" destOrd="0" presId="urn:microsoft.com/office/officeart/2005/8/layout/target1"/>
+    <dgm:cxn modelId="{DE8E6C1C-9A74-4FA6-9EB5-1BB03280FD97}" type="presParOf" srcId="{F83FC547-7C98-4BA1-A525-A388021023AD}" destId="{3565DF0B-FF98-431E-94BA-52C1748A7EE8}" srcOrd="10" destOrd="0" presId="urn:microsoft.com/office/officeart/2005/8/layout/target1"/>
+    <dgm:cxn modelId="{09849858-7AC5-47D4-9D48-29B7F5C09474}" type="presParOf" srcId="{F83FC547-7C98-4BA1-A525-A388021023AD}" destId="{FA4F0EDC-FF8B-47C2-911B-5D735A0E2535}" srcOrd="11" destOrd="0" presId="urn:microsoft.com/office/officeart/2005/8/layout/target1"/>
+  </dgm:cxnLst>
+  <dgm:bg/>
+  <dgm:whole/>
+  <dgm:extLst>
+    <a:ext uri="http://schemas.microsoft.com/office/drawing/2008/diagram">
+      <dsp:dataModelExt xmlns:dsp="http://schemas.microsoft.com/office/drawing/2008/diagram" relId="rId6" minVer="http://schemas.openxmlformats.org/drawingml/2006/diagram"/>
+    </a:ext>
+  </dgm:extLst>
+</dgm:dataModel>
+</file>
+
+<file path=ppt/diagrams/drawing1.xml><?xml version="1.0" encoding="utf-8"?>
+<dsp:drawing xmlns:dgm="http://schemas.openxmlformats.org/drawingml/2006/diagram" xmlns:dsp="http://schemas.microsoft.com/office/drawing/2008/diagram" xmlns:a="http://schemas.openxmlformats.org/drawingml/2006/main">
+  <dsp:spTree>
+    <dsp:nvGrpSpPr>
+      <dsp:cNvPr id="0" name=""/>
+      <dsp:cNvGrpSpPr/>
+    </dsp:nvGrpSpPr>
+    <dsp:grpSpPr/>
+    <dsp:sp modelId="{3F30D057-F4F1-4E8E-BA1C-1EA6ED36557C}">
+      <dsp:nvSpPr>
+        <dsp:cNvPr id="0" name=""/>
+        <dsp:cNvSpPr/>
+      </dsp:nvSpPr>
+      <dsp:spPr>
+        <a:xfrm>
+          <a:off x="571500" y="914399"/>
+          <a:ext cx="2743200" cy="2743200"/>
+        </a:xfrm>
+        <a:prstGeom prst="ellipse">
+          <a:avLst/>
+        </a:prstGeom>
+        <a:solidFill>
+          <a:srgbClr val="002060"/>
+        </a:solidFill>
+        <a:ln>
+          <a:noFill/>
+        </a:ln>
+        <a:effectLst>
+          <a:glow rad="63500">
+            <a:schemeClr val="dk2">
+              <a:hueOff val="0"/>
+              <a:satOff val="0"/>
+              <a:lumOff val="0"/>
+              <a:alphaOff val="0"/>
+              <a:alpha val="45000"/>
+              <a:satMod val="120000"/>
+            </a:schemeClr>
+          </a:glow>
+        </a:effectLst>
+        <a:scene3d>
+          <a:camera prst="orthographicFront" fov="0">
+            <a:rot lat="0" lon="0" rev="0"/>
+          </a:camera>
+          <a:lightRig rig="brightRoom" dir="tl">
+            <a:rot lat="0" lon="0" rev="8700000"/>
+          </a:lightRig>
+        </a:scene3d>
+        <a:sp3d prstMaterial="plastic">
+          <a:bevelT w="50800" h="50800"/>
+          <a:bevelB w="50800" h="50800"/>
+        </a:sp3d>
+      </dsp:spPr>
+      <dsp:style>
+        <a:lnRef idx="0">
+          <a:scrgbClr r="0" g="0" b="0"/>
+        </a:lnRef>
+        <a:fillRef idx="1">
+          <a:scrgbClr r="0" g="0" b="0"/>
+        </a:fillRef>
+        <a:effectRef idx="2">
+          <a:scrgbClr r="0" g="0" b="0"/>
+        </a:effectRef>
+        <a:fontRef idx="minor">
+          <a:schemeClr val="lt1"/>
+        </a:fontRef>
+      </dsp:style>
+    </dsp:sp>
+    <dsp:sp modelId="{1F39E39C-0280-4F42-94ED-A35C53334115}">
+      <dsp:nvSpPr>
+        <dsp:cNvPr id="0" name=""/>
+        <dsp:cNvSpPr/>
+      </dsp:nvSpPr>
+      <dsp:spPr>
+        <a:xfrm>
+          <a:off x="1120140" y="1463039"/>
+          <a:ext cx="1645920" cy="1645920"/>
+        </a:xfrm>
+        <a:prstGeom prst="ellipse">
+          <a:avLst/>
+        </a:prstGeom>
+        <a:solidFill>
+          <a:srgbClr val="0070C0">
+            <a:alpha val="39000"/>
+          </a:srgbClr>
+        </a:solidFill>
+        <a:ln>
+          <a:noFill/>
+        </a:ln>
+        <a:effectLst>
+          <a:glow rad="63500">
+            <a:schemeClr val="dk2">
+              <a:hueOff val="0"/>
+              <a:satOff val="0"/>
+              <a:lumOff val="0"/>
+              <a:alphaOff val="0"/>
+              <a:alpha val="45000"/>
+              <a:satMod val="120000"/>
+            </a:schemeClr>
+          </a:glow>
+        </a:effectLst>
+        <a:scene3d>
+          <a:camera prst="orthographicFront" fov="0">
+            <a:rot lat="0" lon="0" rev="0"/>
+          </a:camera>
+          <a:lightRig rig="brightRoom" dir="tl">
+            <a:rot lat="0" lon="0" rev="8700000"/>
+          </a:lightRig>
+        </a:scene3d>
+        <a:sp3d prstMaterial="plastic">
+          <a:bevelT w="50800" h="50800"/>
+          <a:bevelB w="50800" h="50800"/>
+        </a:sp3d>
+      </dsp:spPr>
+      <dsp:style>
+        <a:lnRef idx="0">
+          <a:scrgbClr r="0" g="0" b="0"/>
+        </a:lnRef>
+        <a:fillRef idx="1">
+          <a:scrgbClr r="0" g="0" b="0"/>
+        </a:fillRef>
+        <a:effectRef idx="2">
+          <a:scrgbClr r="0" g="0" b="0"/>
+        </a:effectRef>
+        <a:fontRef idx="minor">
+          <a:schemeClr val="lt1"/>
+        </a:fontRef>
+      </dsp:style>
+    </dsp:sp>
+    <dsp:sp modelId="{5B2A6C11-B8FD-420B-BE47-355E2F8B3DFC}">
+      <dsp:nvSpPr>
+        <dsp:cNvPr id="0" name=""/>
+        <dsp:cNvSpPr/>
+      </dsp:nvSpPr>
+      <dsp:spPr>
+        <a:xfrm>
+          <a:off x="1638297" y="2079810"/>
+          <a:ext cx="548640" cy="548640"/>
+        </a:xfrm>
+        <a:prstGeom prst="ellipse">
+          <a:avLst/>
+        </a:prstGeom>
+        <a:solidFill>
+          <a:srgbClr val="0070C0"/>
+        </a:solidFill>
+        <a:ln>
+          <a:noFill/>
+        </a:ln>
+        <a:effectLst>
+          <a:glow rad="63500">
+            <a:schemeClr val="dk2">
+              <a:hueOff val="0"/>
+              <a:satOff val="0"/>
+              <a:lumOff val="0"/>
+              <a:alphaOff val="0"/>
+              <a:alpha val="45000"/>
+              <a:satMod val="120000"/>
+            </a:schemeClr>
+          </a:glow>
+        </a:effectLst>
+        <a:scene3d>
+          <a:camera prst="orthographicFront" fov="0">
+            <a:rot lat="0" lon="0" rev="0"/>
+          </a:camera>
+          <a:lightRig rig="brightRoom" dir="tl">
+            <a:rot lat="0" lon="0" rev="8700000"/>
+          </a:lightRig>
+        </a:scene3d>
+        <a:sp3d prstMaterial="plastic">
+          <a:bevelT w="50800" h="50800"/>
+          <a:bevelB w="50800" h="50800"/>
+        </a:sp3d>
+      </dsp:spPr>
+      <dsp:style>
+        <a:lnRef idx="0">
+          <a:scrgbClr r="0" g="0" b="0"/>
+        </a:lnRef>
+        <a:fillRef idx="1">
+          <a:scrgbClr r="0" g="0" b="0"/>
+        </a:fillRef>
+        <a:effectRef idx="2">
+          <a:scrgbClr r="0" g="0" b="0"/>
+        </a:effectRef>
+        <a:fontRef idx="minor">
+          <a:schemeClr val="lt1"/>
+        </a:fontRef>
+      </dsp:style>
+    </dsp:sp>
+    <dsp:sp modelId="{3D7AB509-6BA0-4C30-9B59-90C18990B40E}">
+      <dsp:nvSpPr>
+        <dsp:cNvPr id="0" name=""/>
+        <dsp:cNvSpPr/>
+      </dsp:nvSpPr>
+      <dsp:spPr>
+        <a:xfrm>
+          <a:off x="3771900" y="0"/>
+          <a:ext cx="1371600" cy="800100"/>
+        </a:xfrm>
+        <a:prstGeom prst="rect">
+          <a:avLst/>
+        </a:prstGeom>
+        <a:solidFill>
+          <a:schemeClr val="lt2">
+            <a:alpha val="0"/>
+            <a:hueOff val="0"/>
+            <a:satOff val="0"/>
+            <a:lumOff val="0"/>
+            <a:alphaOff val="0"/>
+          </a:schemeClr>
+        </a:solidFill>
+        <a:ln>
+          <a:noFill/>
+        </a:ln>
+        <a:effectLst/>
+      </dsp:spPr>
+      <dsp:style>
+        <a:lnRef idx="0">
+          <a:scrgbClr r="0" g="0" b="0"/>
+        </a:lnRef>
+        <a:fillRef idx="1">
+          <a:scrgbClr r="0" g="0" b="0"/>
+        </a:fillRef>
+        <a:effectRef idx="0">
+          <a:scrgbClr r="0" g="0" b="0"/>
+        </a:effectRef>
+        <a:fontRef idx="minor"/>
+      </dsp:style>
+      <dsp:txBody>
+        <a:bodyPr spcFirstLastPara="0" vert="horz" wrap="square" lIns="99568" tIns="17780" rIns="17780" bIns="17780" numCol="1" spcCol="1270" anchor="ctr" anchorCtr="0">
+          <a:noAutofit/>
+        </a:bodyPr>
+        <a:lstStyle/>
+        <a:p>
+          <a:pPr lvl="0" algn="l" defTabSz="622300" rtl="0">
+            <a:lnSpc>
+              <a:spcPct val="90000"/>
+            </a:lnSpc>
+            <a:spcBef>
+              <a:spcPct val="0"/>
+            </a:spcBef>
+            <a:spcAft>
+              <a:spcPct val="35000"/>
+            </a:spcAft>
+          </a:pPr>
+          <a:r>
+            <a:rPr lang="en-US" sz="1400" kern="1200" dirty="0" smtClean="0">
+              <a:latin typeface="+mn-lt"/>
+              <a:cs typeface="Arial" pitchFamily="34" charset="0"/>
+            </a:rPr>
+            <a:t>The sun is in the center of all orbits</a:t>
+          </a:r>
+          <a:endParaRPr lang="en-US" sz="1400" kern="1200" dirty="0">
+            <a:latin typeface="+mn-lt"/>
+            <a:cs typeface="Arial" pitchFamily="34" charset="0"/>
+          </a:endParaRPr>
+        </a:p>
+      </dsp:txBody>
+      <dsp:txXfrm>
+        <a:off x="3771900" y="0"/>
+        <a:ext cx="1371600" cy="800100"/>
+      </dsp:txXfrm>
+    </dsp:sp>
+    <dsp:sp modelId="{DC840353-2282-4112-92DE-A3E5E740D83E}">
+      <dsp:nvSpPr>
+        <dsp:cNvPr id="0" name=""/>
+        <dsp:cNvSpPr/>
+      </dsp:nvSpPr>
+      <dsp:spPr>
+        <a:xfrm>
+          <a:off x="3429000" y="400049"/>
+          <a:ext cx="342900" cy="0"/>
+        </a:xfrm>
+        <a:prstGeom prst="line">
+          <a:avLst/>
+        </a:prstGeom>
+        <a:solidFill>
+          <a:schemeClr val="dk2">
+            <a:hueOff val="0"/>
+            <a:satOff val="0"/>
+            <a:lumOff val="0"/>
+            <a:alphaOff val="0"/>
+          </a:schemeClr>
+        </a:solidFill>
+        <a:ln w="19050" cap="flat" cmpd="sng" algn="ctr">
+          <a:solidFill>
+            <a:schemeClr val="dk2">
+              <a:tint val="50000"/>
+              <a:hueOff val="0"/>
+              <a:satOff val="0"/>
+              <a:lumOff val="0"/>
+              <a:alphaOff val="0"/>
+            </a:schemeClr>
+          </a:solidFill>
+          <a:prstDash val="solid"/>
+        </a:ln>
+        <a:effectLst/>
+        <a:sp3d z="75000" prstMaterial="plastic"/>
+      </dsp:spPr>
+      <dsp:style>
+        <a:lnRef idx="2">
+          <a:scrgbClr r="0" g="0" b="0"/>
+        </a:lnRef>
+        <a:fillRef idx="1">
+          <a:scrgbClr r="0" g="0" b="0"/>
+        </a:fillRef>
+        <a:effectRef idx="0">
+          <a:scrgbClr r="0" g="0" b="0"/>
+        </a:effectRef>
+        <a:fontRef idx="minor"/>
+      </dsp:style>
+    </dsp:sp>
+    <dsp:sp modelId="{8C034039-2DFB-4963-879A-D2FCDCB1BD05}">
+      <dsp:nvSpPr>
+        <dsp:cNvPr id="0" name=""/>
+        <dsp:cNvSpPr/>
+      </dsp:nvSpPr>
+      <dsp:spPr>
+        <a:xfrm rot="5400000">
+          <a:off x="1742617" y="600989"/>
+          <a:ext cx="1885492" cy="1484528"/>
+        </a:xfrm>
+        <a:prstGeom prst="line">
+          <a:avLst/>
+        </a:prstGeom>
+        <a:solidFill>
+          <a:schemeClr val="dk2">
+            <a:hueOff val="0"/>
+            <a:satOff val="0"/>
+            <a:lumOff val="0"/>
+            <a:alphaOff val="0"/>
+          </a:schemeClr>
+        </a:solidFill>
+        <a:ln w="19050" cap="flat" cmpd="sng" algn="ctr">
+          <a:solidFill>
+            <a:schemeClr val="dk2">
+              <a:tint val="50000"/>
+              <a:hueOff val="0"/>
+              <a:satOff val="0"/>
+              <a:lumOff val="0"/>
+              <a:alphaOff val="0"/>
+            </a:schemeClr>
+          </a:solidFill>
+          <a:prstDash val="solid"/>
+        </a:ln>
+        <a:effectLst/>
+        <a:sp3d z="75000" prstMaterial="plastic"/>
+      </dsp:spPr>
+      <dsp:style>
+        <a:lnRef idx="2">
+          <a:scrgbClr r="0" g="0" b="0"/>
+        </a:lnRef>
+        <a:fillRef idx="1">
+          <a:scrgbClr r="0" g="0" b="0"/>
+        </a:fillRef>
+        <a:effectRef idx="0">
+          <a:scrgbClr r="0" g="0" b="0"/>
+        </a:effectRef>
+        <a:fontRef idx="minor"/>
+      </dsp:style>
+    </dsp:sp>
+    <dsp:sp modelId="{D1036620-22CD-4210-B9CB-CC9557B12E47}">
+      <dsp:nvSpPr>
+        <dsp:cNvPr id="0" name=""/>
+        <dsp:cNvSpPr/>
+      </dsp:nvSpPr>
+      <dsp:spPr>
+        <a:xfrm>
+          <a:off x="3771900" y="800099"/>
+          <a:ext cx="1371600" cy="800100"/>
+        </a:xfrm>
+        <a:prstGeom prst="rect">
+          <a:avLst/>
+        </a:prstGeom>
+        <a:solidFill>
+          <a:schemeClr val="lt2">
+            <a:alpha val="0"/>
+            <a:hueOff val="0"/>
+            <a:satOff val="0"/>
+            <a:lumOff val="0"/>
+            <a:alphaOff val="0"/>
+          </a:schemeClr>
+        </a:solidFill>
+        <a:ln>
+          <a:noFill/>
+        </a:ln>
+        <a:effectLst/>
+      </dsp:spPr>
+      <dsp:style>
+        <a:lnRef idx="0">
+          <a:scrgbClr r="0" g="0" b="0"/>
+        </a:lnRef>
+        <a:fillRef idx="1">
+          <a:scrgbClr r="0" g="0" b="0"/>
+        </a:fillRef>
+        <a:effectRef idx="0">
+          <a:scrgbClr r="0" g="0" b="0"/>
+        </a:effectRef>
+        <a:fontRef idx="minor"/>
+      </dsp:style>
+      <dsp:txBody>
+        <a:bodyPr spcFirstLastPara="0" vert="horz" wrap="square" lIns="99568" tIns="17780" rIns="17780" bIns="17780" numCol="1" spcCol="1270" anchor="ctr" anchorCtr="0">
+          <a:noAutofit/>
+        </a:bodyPr>
+        <a:lstStyle/>
+        <a:p>
+          <a:pPr lvl="0" algn="l" defTabSz="622300" rtl="0">
+            <a:lnSpc>
+              <a:spcPct val="90000"/>
+            </a:lnSpc>
+            <a:spcBef>
+              <a:spcPct val="0"/>
+            </a:spcBef>
+            <a:spcAft>
+              <a:spcPct val="35000"/>
+            </a:spcAft>
+          </a:pPr>
+          <a:r>
+            <a:rPr lang="en-US" sz="1400" kern="1200" dirty="0" smtClean="0">
+              <a:latin typeface="+mn-lt"/>
+              <a:cs typeface="Arial" pitchFamily="34" charset="0"/>
+            </a:rPr>
+            <a:t>There are smaller planets closer to the sun</a:t>
+          </a:r>
+          <a:endParaRPr lang="en-US" sz="1400" kern="1200" dirty="0">
+            <a:latin typeface="+mn-lt"/>
+            <a:cs typeface="Arial" pitchFamily="34" charset="0"/>
+          </a:endParaRPr>
+        </a:p>
+      </dsp:txBody>
+      <dsp:txXfrm>
+        <a:off x="3771900" y="800099"/>
+        <a:ext cx="1371600" cy="800100"/>
+      </dsp:txXfrm>
+    </dsp:sp>
+    <dsp:sp modelId="{FD6221E4-5503-4B42-94DA-FE23DE0A12B5}">
+      <dsp:nvSpPr>
+        <dsp:cNvPr id="0" name=""/>
+        <dsp:cNvSpPr/>
+      </dsp:nvSpPr>
+      <dsp:spPr>
+        <a:xfrm>
+          <a:off x="3429000" y="1200149"/>
+          <a:ext cx="342900" cy="0"/>
+        </a:xfrm>
+        <a:prstGeom prst="line">
+          <a:avLst/>
+        </a:prstGeom>
+        <a:solidFill>
+          <a:schemeClr val="dk2">
+            <a:hueOff val="0"/>
+            <a:satOff val="0"/>
+            <a:lumOff val="0"/>
+            <a:alphaOff val="0"/>
+          </a:schemeClr>
+        </a:solidFill>
+        <a:ln w="19050" cap="flat" cmpd="sng" algn="ctr">
+          <a:solidFill>
+            <a:schemeClr val="dk2">
+              <a:tint val="50000"/>
+              <a:hueOff val="0"/>
+              <a:satOff val="0"/>
+              <a:lumOff val="0"/>
+              <a:alphaOff val="0"/>
+            </a:schemeClr>
+          </a:solidFill>
+          <a:prstDash val="solid"/>
+        </a:ln>
+        <a:effectLst/>
+        <a:sp3d z="75000" prstMaterial="plastic"/>
+      </dsp:spPr>
+      <dsp:style>
+        <a:lnRef idx="2">
+          <a:scrgbClr r="0" g="0" b="0"/>
+        </a:lnRef>
+        <a:fillRef idx="1">
+          <a:scrgbClr r="0" g="0" b="0"/>
+        </a:fillRef>
+        <a:effectRef idx="0">
+          <a:scrgbClr r="0" g="0" b="0"/>
+        </a:effectRef>
+        <a:fontRef idx="minor"/>
+      </dsp:style>
+    </dsp:sp>
+    <dsp:sp modelId="{FD53BD5F-3D10-4661-9F3E-B99C43FB6B3C}">
+      <dsp:nvSpPr>
+        <dsp:cNvPr id="0" name=""/>
+        <dsp:cNvSpPr/>
+      </dsp:nvSpPr>
+      <dsp:spPr>
+        <a:xfrm rot="5400000">
+          <a:off x="2147331" y="1388607"/>
+          <a:ext cx="1469257" cy="1091336"/>
+        </a:xfrm>
+        <a:prstGeom prst="line">
+          <a:avLst/>
+        </a:prstGeom>
+        <a:solidFill>
+          <a:schemeClr val="dk2">
+            <a:hueOff val="0"/>
+            <a:satOff val="0"/>
+            <a:lumOff val="0"/>
+            <a:alphaOff val="0"/>
+          </a:schemeClr>
+        </a:solidFill>
+        <a:ln w="19050" cap="flat" cmpd="sng" algn="ctr">
+          <a:solidFill>
+            <a:schemeClr val="dk2">
+              <a:tint val="50000"/>
+              <a:hueOff val="0"/>
+              <a:satOff val="0"/>
+              <a:lumOff val="0"/>
+              <a:alphaOff val="0"/>
+            </a:schemeClr>
+          </a:solidFill>
+          <a:prstDash val="solid"/>
+        </a:ln>
+        <a:effectLst/>
+        <a:sp3d z="75000" prstMaterial="plastic"/>
+      </dsp:spPr>
+      <dsp:style>
+        <a:lnRef idx="2">
+          <a:scrgbClr r="0" g="0" b="0"/>
+        </a:lnRef>
+        <a:fillRef idx="1">
+          <a:scrgbClr r="0" g="0" b="0"/>
+        </a:fillRef>
+        <a:effectRef idx="0">
+          <a:scrgbClr r="0" g="0" b="0"/>
+        </a:effectRef>
+        <a:fontRef idx="minor"/>
+      </dsp:style>
+    </dsp:sp>
+    <dsp:sp modelId="{72554440-F6E0-409C-BEB8-1658A7D0C84D}">
+      <dsp:nvSpPr>
+        <dsp:cNvPr id="0" name=""/>
+        <dsp:cNvSpPr/>
+      </dsp:nvSpPr>
+      <dsp:spPr>
+        <a:xfrm>
+          <a:off x="3771900" y="1600199"/>
+          <a:ext cx="1371600" cy="800100"/>
+        </a:xfrm>
+        <a:prstGeom prst="rect">
+          <a:avLst/>
+        </a:prstGeom>
+        <a:solidFill>
+          <a:schemeClr val="lt2">
+            <a:alpha val="0"/>
+            <a:hueOff val="0"/>
+            <a:satOff val="0"/>
+            <a:lumOff val="0"/>
+            <a:alphaOff val="0"/>
+          </a:schemeClr>
+        </a:solidFill>
+        <a:ln>
+          <a:noFill/>
+        </a:ln>
+        <a:effectLst/>
+      </dsp:spPr>
+      <dsp:style>
+        <a:lnRef idx="0">
+          <a:scrgbClr r="0" g="0" b="0"/>
+        </a:lnRef>
+        <a:fillRef idx="1">
+          <a:scrgbClr r="0" g="0" b="0"/>
+        </a:fillRef>
+        <a:effectRef idx="0">
+          <a:scrgbClr r="0" g="0" b="0"/>
+        </a:effectRef>
+        <a:fontRef idx="minor"/>
+      </dsp:style>
+      <dsp:txBody>
+        <a:bodyPr spcFirstLastPara="0" vert="horz" wrap="square" lIns="99568" tIns="17780" rIns="17780" bIns="17780" numCol="1" spcCol="1270" anchor="ctr" anchorCtr="0">
+          <a:noAutofit/>
+        </a:bodyPr>
+        <a:lstStyle/>
+        <a:p>
+          <a:pPr lvl="0" algn="l" defTabSz="622300" rtl="0">
+            <a:lnSpc>
+              <a:spcPct val="90000"/>
+            </a:lnSpc>
+            <a:spcBef>
+              <a:spcPct val="0"/>
+            </a:spcBef>
+            <a:spcAft>
+              <a:spcPct val="35000"/>
+            </a:spcAft>
+          </a:pPr>
+          <a:r>
+            <a:rPr lang="en-US" sz="1400" kern="1200" dirty="0" smtClean="0">
+              <a:latin typeface="+mn-lt"/>
+              <a:cs typeface="Arial" pitchFamily="34" charset="0"/>
+            </a:rPr>
+            <a:t>There is a mix of planet sizes further away</a:t>
+          </a:r>
+          <a:endParaRPr lang="en-US" sz="1400" kern="1200" dirty="0">
+            <a:latin typeface="+mn-lt"/>
+            <a:cs typeface="Arial" pitchFamily="34" charset="0"/>
+          </a:endParaRPr>
+        </a:p>
+      </dsp:txBody>
+      <dsp:txXfrm>
+        <a:off x="3771900" y="1600199"/>
+        <a:ext cx="1371600" cy="800100"/>
+      </dsp:txXfrm>
+    </dsp:sp>
+    <dsp:sp modelId="{3565DF0B-FF98-431E-94BA-52C1748A7EE8}">
+      <dsp:nvSpPr>
+        <dsp:cNvPr id="0" name=""/>
+        <dsp:cNvSpPr/>
+      </dsp:nvSpPr>
+      <dsp:spPr>
+        <a:xfrm>
+          <a:off x="3429000" y="2000249"/>
+          <a:ext cx="342900" cy="0"/>
+        </a:xfrm>
+        <a:prstGeom prst="line">
+          <a:avLst/>
+        </a:prstGeom>
+        <a:solidFill>
+          <a:schemeClr val="dk2">
+            <a:hueOff val="0"/>
+            <a:satOff val="0"/>
+            <a:lumOff val="0"/>
+            <a:alphaOff val="0"/>
+          </a:schemeClr>
+        </a:solidFill>
+        <a:ln w="19050" cap="flat" cmpd="sng" algn="ctr">
+          <a:solidFill>
+            <a:schemeClr val="dk2">
+              <a:tint val="50000"/>
+              <a:hueOff val="0"/>
+              <a:satOff val="0"/>
+              <a:lumOff val="0"/>
+              <a:alphaOff val="0"/>
+            </a:schemeClr>
+          </a:solidFill>
+          <a:prstDash val="solid"/>
+        </a:ln>
+        <a:effectLst/>
+        <a:sp3d z="75000" prstMaterial="plastic"/>
+      </dsp:spPr>
+      <dsp:style>
+        <a:lnRef idx="2">
+          <a:scrgbClr r="0" g="0" b="0"/>
+        </a:lnRef>
+        <a:fillRef idx="1">
+          <a:scrgbClr r="0" g="0" b="0"/>
+        </a:fillRef>
+        <a:effectRef idx="0">
+          <a:scrgbClr r="0" g="0" b="0"/>
+        </a:effectRef>
+        <a:fontRef idx="minor"/>
+      </dsp:style>
+    </dsp:sp>
+    <dsp:sp modelId="{FA4F0EDC-FF8B-47C2-911B-5D735A0E2535}">
+      <dsp:nvSpPr>
+        <dsp:cNvPr id="0" name=""/>
+        <dsp:cNvSpPr/>
+      </dsp:nvSpPr>
+      <dsp:spPr>
+        <a:xfrm rot="5400000">
+          <a:off x="2552547" y="2175586"/>
+          <a:ext cx="1049731" cy="698144"/>
+        </a:xfrm>
+        <a:prstGeom prst="line">
+          <a:avLst/>
+        </a:prstGeom>
+        <a:solidFill>
+          <a:schemeClr val="dk2">
+            <a:hueOff val="0"/>
+            <a:satOff val="0"/>
+            <a:lumOff val="0"/>
+            <a:alphaOff val="0"/>
+          </a:schemeClr>
+        </a:solidFill>
+        <a:ln w="19050" cap="flat" cmpd="sng" algn="ctr">
+          <a:solidFill>
+            <a:schemeClr val="dk2">
+              <a:tint val="50000"/>
+              <a:hueOff val="0"/>
+              <a:satOff val="0"/>
+              <a:lumOff val="0"/>
+              <a:alphaOff val="0"/>
+            </a:schemeClr>
+          </a:solidFill>
+          <a:prstDash val="solid"/>
+        </a:ln>
+        <a:effectLst/>
+        <a:sp3d z="75000" prstMaterial="plastic"/>
+      </dsp:spPr>
+      <dsp:style>
+        <a:lnRef idx="2">
+          <a:scrgbClr r="0" g="0" b="0"/>
+        </a:lnRef>
+        <a:fillRef idx="1">
+          <a:scrgbClr r="0" g="0" b="0"/>
+        </a:fillRef>
+        <a:effectRef idx="0">
+          <a:scrgbClr r="0" g="0" b="0"/>
+        </a:effectRef>
+        <a:fontRef idx="minor"/>
+      </dsp:style>
+    </dsp:sp>
+  </dsp:spTree>
+</dsp:drawing>
+</file>
+
+<file path=ppt/diagrams/layout1.xml><?xml version="1.0" encoding="utf-8"?>
+<dgm:layoutDef xmlns:dgm="http://schemas.openxmlformats.org/drawingml/2006/diagram" xmlns:a="http://schemas.openxmlformats.org/drawingml/2006/main" uniqueId="urn:microsoft.com/office/officeart/2005/8/layout/target1">
+  <dgm:title val=""/>
+  <dgm:desc val=""/>
+  <dgm:catLst>
+    <dgm:cat type="relationship" pri="25000"/>
+    <dgm:cat type="convert" pri="20000"/>
+  </dgm:catLst>
+  <dgm:sampData useDef="1">
+    <dgm:dataModel>
+      <dgm:ptLst/>
+      <dgm:bg/>
+      <dgm:whole/>
+    </dgm:dataModel>
+  </dgm:sampData>
+  <dgm:styleData>
+    <dgm:dataModel>
+      <dgm:ptLst>
+        <dgm:pt modelId="0" type="doc"/>
+        <dgm:pt modelId="1"/>
+        <dgm:pt modelId="2"/>
+      </dgm:ptLst>
+      <dgm:cxnLst>
+        <dgm:cxn modelId="3" srcId="0" destId="1" srcOrd="0" destOrd="0"/>
+        <dgm:cxn modelId="4" srcId="0" destId="2" srcOrd="1" destOrd="0"/>
+      </dgm:cxnLst>
+      <dgm:bg/>
+      <dgm:whole/>
+    </dgm:dataModel>
+  </dgm:styleData>
+  <dgm:clrData>
+    <dgm:dataModel>
+      <dgm:ptLst>
+        <dgm:pt modelId="0" type="doc"/>
+        <dgm:pt modelId="1"/>
+        <dgm:pt modelId="2"/>
+        <dgm:pt modelId="3"/>
+        <dgm:pt modelId="4"/>
+      </dgm:ptLst>
+      <dgm:cxnLst>
+        <dgm:cxn modelId="5" srcId="0" destId="1" srcOrd="0" destOrd="0"/>
+        <dgm:cxn modelId="6" srcId="0" destId="2" srcOrd="1" destOrd="0"/>
+        <dgm:cxn modelId="7" srcId="0" destId="3" srcOrd="2" destOrd="0"/>
+        <dgm:cxn modelId="8" srcId="0" destId="4" srcOrd="3" destOrd="0"/>
+      </dgm:cxnLst>
+      <dgm:bg/>
+      <dgm:whole/>
+    </dgm:dataModel>
+  </dgm:clrData>
+  <dgm:layoutNode name="composite">
+    <dgm:varLst>
+      <dgm:chMax val="5"/>
+      <dgm:dir/>
+      <dgm:resizeHandles val="exact"/>
+    </dgm:varLst>
+    <dgm:alg type="composite">
+      <dgm:param type="ar" val="1.25"/>
+    </dgm:alg>
+    <dgm:shape xmlns:r="http://schemas.openxmlformats.org/officeDocument/2006/relationships" r:blip="">
+      <dgm:adjLst/>
+    </dgm:shape>
+    <dgm:presOf/>
+    <dgm:choose name="Name0">
+      <dgm:if name="Name1" func="var" arg="dir" op="equ" val="norm">
+        <dgm:choose name="Name2">
+          <dgm:if name="Name3" axis="ch" ptType="node" func="cnt" op="equ" val="0">
+            <dgm:constrLst/>
+          </dgm:if>
+          <dgm:if name="Name4" axis="ch" ptType="node" func="cnt" op="equ" val="1">
+            <dgm:constrLst>
+              <dgm:constr type="primFontSz" for="des" ptType="node" op="equ" val="65"/>
+              <dgm:constr type="w" for="ch" forName="circle1" refType="w" fact="0.6"/>
+              <dgm:constr type="h" for="ch" forName="circle1" refType="w" refFor="ch" refForName="circle1"/>
+              <dgm:constr type="ctrX" for="ch" forName="circle1" refType="w" fact="0.3"/>
+              <dgm:constr type="ctrY" for="ch" forName="circle1" refType="h" fact="0.625"/>
+              <dgm:constr type="w" for="ch" forName="text1" refType="w" fact="0.3"/>
+              <dgm:constr type="h" for="ch" forName="text1" refType="h" fact="0.3125"/>
+              <dgm:constr type="r" for="ch" forName="text1" refType="w"/>
+              <dgm:constr type="t" for="ch" forName="text1"/>
+              <dgm:constr type="l" for="ch" forName="line1" refType="w" fact="0.625"/>
+              <dgm:constr type="ctrY" for="ch" forName="line1" refType="ctrY" refFor="ch" refForName="text1"/>
+              <dgm:constr type="r" for="ch" forName="line1" refType="l" refFor="ch" refForName="text1"/>
+              <dgm:constr type="h" for="ch" forName="line1"/>
+              <dgm:constr type="l" for="ch" forName="d1" refType="w" fact="0.3"/>
+              <dgm:constr type="b" for="ch" forName="d1" refType="h" fact="0.625"/>
+              <dgm:constr type="w" for="ch" forName="d1" refType="w" fact="0.32475"/>
+              <dgm:constr type="h" for="ch" forName="d1" refType="h" fact="0.469"/>
+            </dgm:constrLst>
+          </dgm:if>
+          <dgm:if name="Name5" axis="ch" ptType="node" func="cnt" op="equ" val="2">
+            <dgm:constrLst>
+              <dgm:constr type="primFontSz" for="des" ptType="node" op="equ" val="65"/>
+              <dgm:constr type="w" for="ch" forName="circle1" refType="w" fact="0.2"/>
+              <dgm:constr type="h" for="ch" forName="circle1" refType="w" refFor="ch" refForName="circle1"/>
+              <dgm:constr type="ctrX" for="ch" forName="circle1" refType="w" fact="0.3"/>
+              <dgm:constr type="ctrY" for="ch" forName="circle1" refType="h" fact="0.625"/>
+              <dgm:constr type="w" for="ch" forName="text1" refType="w" fact="0.3"/>
+              <dgm:constr type="h" for="ch" forName="text1" refType="h" fact="0.3125"/>
+              <dgm:constr type="r" for="ch" forName="text1" refType="w"/>
+              <dgm:constr type="t" for="ch" forName="text1"/>
+              <dgm:constr type="l" for="ch" forName="line1" refType="w" fact="0.625"/>
+              <dgm:constr type="ctrY" for="ch" forName="line1" refType="ctrY" refFor="ch" refForName="text1"/>
+              <dgm:constr type="w" for="ch" forName="line1" refType="w" fact="0.075"/>
+              <dgm:constr type="h" for="ch" forName="line1"/>
+              <dgm:constr type="l" for="ch" forName="d1" refType="w" fact="0.3"/>
+              <dgm:constr type="b" for="ch" forName="d1" refType="h" fact="0.625"/>
+              <dgm:constr type="w" for="ch" forName="d1" refType="w" fact="0.32475"/>
+              <dgm:constr type="h" for="ch" forName="d1" refType="h" fact="0.469"/>
+              <dgm:constr type="w" for="ch" forName="circle2" refType="w" fact="0.6"/>
+              <dgm:constr type="h" for="ch" forName="circle2" refType="w" refFor="ch" refForName="circle2"/>
+              <dgm:constr type="ctrX" for="ch" forName="circle2" refType="w" fact="0.3"/>
+              <dgm:constr type="ctrY" for="ch" forName="circle2" refType="h" fact="0.625"/>
+              <dgm:constr type="w" for="ch" forName="text2" refType="w" fact="0.3"/>
+              <dgm:constr type="h" for="ch" forName="text2" refType="h" fact="0.3125"/>
+              <dgm:constr type="r" for="ch" forName="text2" refType="w"/>
+              <dgm:constr type="t" for="ch" forName="text2" refType="b" refFor="ch" refForName="text1"/>
+              <dgm:constr type="l" for="ch" forName="line2" refType="w" fact="0.625"/>
+              <dgm:constr type="ctrY" for="ch" forName="line2" refType="ctrY" refFor="ch" refForName="text2"/>
+              <dgm:constr type="w" for="ch" forName="line2" refType="w" fact="0.075"/>
+              <dgm:constr type="h" for="ch" forName="line2"/>
+              <dgm:constr type="l" for="ch" forName="d2" refType="w" fact="0.44325"/>
+              <dgm:constr type="b" for="ch" forName="d2" refType="h" fact="0.7975"/>
+              <dgm:constr type="w" for="ch" forName="d2" refType="w" fact="0.1815"/>
+              <dgm:constr type="h" for="ch" forName="d2" refType="h" fact="0.3283"/>
+            </dgm:constrLst>
+          </dgm:if>
+          <dgm:if name="Name6" axis="ch" ptType="node" func="cnt" op="equ" val="3">
+            <dgm:constrLst>
+              <dgm:constr type="primFontSz" for="des" ptType="node" op="equ" val="65"/>
+              <dgm:constr type="w" for="ch" forName="circle1" refType="w" fact="0.12"/>
+              <dgm:constr type="h" for="ch" forName="circle1" refType="w" refFor="ch" refForName="circle1"/>
+              <dgm:constr type="ctrX" for="ch" forName="circle1" refType="w" fact="0.3"/>
+              <dgm:constr type="ctrY" for="ch" forName="circle1" refType="h" fact="0.625"/>
+              <dgm:constr type="w" for="ch" forName="text1" refType="w" fact="0.3"/>
+              <dgm:constr type="h" for="ch" forName="text1" refType="h" fact="0.21875"/>
+              <dgm:constr type="r" for="ch" forName="text1" refType="w"/>
+              <dgm:constr type="t" for="ch" forName="text1"/>
+              <dgm:constr type="l" for="ch" forName="line1" refType="w" fact="0.625"/>
+              <dgm:constr type="ctrY" for="ch" forName="line1" refType="ctrY" refFor="ch" refForName="text1"/>
+              <dgm:constr type="w" for="ch" forName="line1" refType="w" fact="0.075"/>
+              <dgm:constr type="h" for="ch" forName="line1"/>
+              <dgm:constr type="l" for="ch" forName="d1" refType="w" fact="0.3"/>
+              <dgm:constr type="b" for="ch" forName="d1" refType="h" fact="0.625"/>
+              <dgm:constr type="w" for="ch" forName="d1" refType="w" fact="0.3247"/>
+              <dgm:constr type="h" for="ch" forName="d1" refType="h" fact="0.5155"/>
+              <dgm:constr type="w" for="ch" forName="circle2" refType="w" fact="0.36"/>
+              <dgm:constr type="h" for="ch" forName="circle2" refType="w" refFor="ch" refForName="circle2"/>
+              <dgm:constr type="ctrX" for="ch" forName="circle2" refType="w" fact="0.3"/>
+              <dgm:constr type="ctrY" for="ch" forName="circle2" refType="h" fact="0.625"/>
+              <dgm:constr type="w" for="ch" forName="text2" refType="w" fact="0.3"/>
+              <dgm:constr type="h" for="ch" forName="text2" refType="h" fact="0.21875"/>
+              <dgm:constr type="r" for="ch" forName="text2" refType="w"/>
+              <dgm:constr type="t" for="ch" forName="text2" refType="b" refFor="ch" refForName="text1"/>
+              <dgm:constr type="l" for="ch" forName="line2" refType="w" fact="0.625"/>
+              <dgm:constr type="ctrY" for="ch" forName="line2" refType="ctrY" refFor="ch" refForName="text2"/>
+              <dgm:constr type="w" for="ch" forName="line2" refType="w" fact="0.075"/>
+              <dgm:constr type="h" for="ch" forName="line2"/>
+              <dgm:constr type="l" for="ch" forName="d2" refType="w" fact="0.386"/>
+              <dgm:constr type="b" for="ch" forName="d2" refType="h" fact="0.72969"/>
+              <dgm:constr type="w" for="ch" forName="d2" refType="w" fact="0.2387"/>
+              <dgm:constr type="h" for="ch" forName="d2" refType="h" fact="0.4017"/>
+              <dgm:constr type="w" for="ch" forName="circle3" refType="w" fact="0.6"/>
+              <dgm:constr type="h" for="ch" forName="circle3" refType="w" refFor="ch" refForName="circle3"/>
+              <dgm:constr type="ctrX" for="ch" forName="circle3" refType="ctrX" refFor="ch" refForName="circle1"/>
+              <dgm:constr type="ctrY" for="ch" forName="circle3" refType="ctrY" refFor="ch" refForName="circle1"/>
+              <dgm:constr type="w" for="ch" forName="text3" refType="w" fact="0.3"/>
+              <dgm:constr type="h" for="ch" forName="text3" refType="h" fact="0.21875"/>
+              <dgm:constr type="r" for="ch" forName="text3" refType="w"/>
+              <dgm:constr type="t" for="ch" forName="text3" refType="b" refFor="ch" refForName="text2"/>
+              <dgm:constr type="l" for="ch" forName="line3" refType="w" fact="0.625"/>
+              <dgm:constr type="ctrY" for="ch" forName="line3" refType="ctrY" refFor="ch" refForName="text3"/>
+              <dgm:constr type="w" for="ch" forName="line3" refType="w" fact="0.075"/>
+              <dgm:constr type="h" for="ch" forName="line3"/>
+              <dgm:constr type="l" for="ch" forName="d3" refType="w" fact="0.47175"/>
+              <dgm:constr type="b" for="ch" forName="d3" refType="h" fact="0.83375"/>
+              <dgm:constr type="w" for="ch" forName="d3" refType="w" fact="0.1527"/>
+              <dgm:constr type="h" for="ch" forName="d3" refType="h" fact="0.287"/>
+            </dgm:constrLst>
+          </dgm:if>
+          <dgm:if name="Name7" axis="ch" ptType="node" func="cnt" op="equ" val="4">
+            <dgm:constrLst>
+              <dgm:constr type="primFontSz" for="des" ptType="node" op="equ" val="65"/>
+              <dgm:constr type="w" for="ch" forName="circle1" refType="w" fact="0.0857"/>
+              <dgm:constr type="h" for="ch" forName="circle1" refType="w" refFor="ch" refForName="circle1"/>
+              <dgm:constr type="ctrX" for="ch" forName="circle1" refType="w" fact="0.3"/>
+              <dgm:constr type="ctrY" for="ch" forName="circle1" refType="h" fact="0.625"/>
+              <dgm:constr type="w" for="ch" forName="text1" refType="w" fact="0.3"/>
+              <dgm:constr type="h" for="ch" forName="text1" refType="h" fact="0.17938"/>
+              <dgm:constr type="r" for="ch" forName="text1" refType="w"/>
+              <dgm:constr type="t" for="ch" forName="text1"/>
+              <dgm:constr type="l" for="ch" forName="line1" refType="w" fact="0.625"/>
+              <dgm:constr type="ctrY" for="ch" forName="line1" refType="ctrY" refFor="ch" refForName="text1"/>
+              <dgm:constr type="w" for="ch" forName="line1" refType="w" fact="0.075"/>
+              <dgm:constr type="h" for="ch" forName="line1"/>
+              <dgm:constr type="l" for="ch" forName="d1" refType="w" fact="0.295"/>
+              <dgm:constr type="b" for="ch" forName="d1" refType="h" fact="0.62"/>
+              <dgm:constr type="w" for="ch" forName="d1" refType="w" fact="0.33"/>
+              <dgm:constr type="h" for="ch" forName="d1" refType="h" fact="0.53"/>
+              <dgm:constr type="w" for="ch" forName="circle2" refType="w" fact="0.2571"/>
+              <dgm:constr type="h" for="ch" forName="circle2" refType="w" refFor="ch" refForName="circle2"/>
+              <dgm:constr type="ctrX" for="ch" forName="circle2" refType="w" fact="0.3"/>
+              <dgm:constr type="ctrY" for="ch" forName="circle2" refType="h" fact="0.625"/>
+              <dgm:constr type="w" for="ch" forName="text2" refType="w" fact="0.3"/>
+              <dgm:constr type="h" for="ch" forName="text2" refType="h" fact="0.17938"/>
+              <dgm:constr type="r" for="ch" forName="text2" refType="w"/>
+              <dgm:constr type="t" for="ch" forName="text2" refType="b" refFor="ch" refForName="text1"/>
+              <dgm:constr type="l" for="ch" forName="line2" refType="w" fact="0.625"/>
+              <dgm:constr type="ctrY" for="ch" forName="line2" refType="ctrY" refFor="ch" refForName="text2"/>
+              <dgm:constr type="w" for="ch" forName="line2" refType="w" fact="0.075"/>
+              <dgm:constr type="h" for="ch" forName="line2"/>
+              <dgm:constr type="l" for="ch" forName="d2" refType="w" fact="0.36625"/>
+              <dgm:constr type="b" for="ch" forName="d2" refType="h" fact="0.70438"/>
+              <dgm:constr type="w" for="ch" forName="d2" refType="w" fact="0.2585"/>
+              <dgm:constr type="h" for="ch" forName="d2" refType="h" fact="0.43525"/>
+              <dgm:constr type="w" for="ch" forName="circle3" refType="w" fact="0.4285"/>
+              <dgm:constr type="h" for="ch" forName="circle3" refType="w" refFor="ch" refForName="circle3"/>
+              <dgm:constr type="ctrX" for="ch" forName="circle3" refType="ctrX" refFor="ch" refForName="circle1"/>
+              <dgm:constr type="ctrY" for="ch" forName="circle3" refType="ctrY" refFor="ch" refForName="circle1"/>
+              <dgm:constr type="w" for="ch" forName="text3" refType="w" fact="0.3"/>
+              <dgm:constr type="h" for="ch" forName="text3" refType="h" fact="0.17938"/>
+              <dgm:constr type="r" for="ch" forName="text3" refType="w"/>
+              <dgm:constr type="t" for="ch" forName="text3" refType="b" refFor="ch" refForName="text2"/>
+              <dgm:constr type="l" for="ch" forName="line3" refType="w" fact="0.625"/>
+              <dgm:constr type="ctrY" for="ch" forName="line3" refType="ctrY" refFor="ch" refForName="text3"/>
+              <dgm:constr type="w" for="ch" forName="line3" refType="w" fact="0.075"/>
+              <dgm:constr type="h" for="ch" forName="line3"/>
+              <dgm:constr type="l" for="ch" forName="d3" refType="w" fact="0.4255"/>
+              <dgm:constr type="b" for="ch" forName="d3" refType="h" fact="0.78031"/>
+              <dgm:constr type="w" for="ch" forName="d3" refType="w" fact="0.1995"/>
+              <dgm:constr type="h" for="ch" forName="d3" refType="h" fact="0.332"/>
+              <dgm:constr type="w" for="ch" forName="circle4" refType="w" fact="0.6"/>
+              <dgm:constr type="h" for="ch" forName="circle4" refType="w" refFor="ch" refForName="circle4"/>
+              <dgm:constr type="ctrX" for="ch" forName="circle4" refType="ctrX" refFor="ch" refForName="circle1"/>
+              <dgm:constr type="ctrY" for="ch" forName="circle4" refType="ctrY" refFor="ch" refForName="circle1"/>
+              <dgm:constr type="w" for="ch" forName="text4" refType="w" fact="0.3"/>
+              <dgm:constr type="h" for="ch" forName="text4" refType="h" fact="0.17938"/>
+              <dgm:constr type="r" for="ch" forName="text4" refType="w"/>
+              <dgm:constr type="t" for="ch" forName="text4" refType="b" refFor="ch" refForName="text3"/>
+              <dgm:constr type="l" for="ch" forName="line4" refType="w" fact="0.625"/>
+              <dgm:constr type="ctrY" for="ch" forName="line4" refType="ctrY" refFor="ch" refForName="text4"/>
+              <dgm:constr type="w" for="ch" forName="line4" refType="w" fact="0.075"/>
+              <dgm:constr type="h" for="ch" forName="line4"/>
+              <dgm:constr type="l" for="ch" forName="d4" refType="w" fact="0.48525"/>
+              <dgm:constr type="b" for="ch" forName="d4" refType="h" fact="0.85594"/>
+              <dgm:constr type="w" for="ch" forName="d4" refType="w" fact="0.1394"/>
+              <dgm:constr type="h" for="ch" forName="d4" refType="h" fact="0.2282"/>
+            </dgm:constrLst>
+          </dgm:if>
+          <dgm:if name="Name8" axis="ch" ptType="node" func="cnt" op="gte" val="5">
+            <dgm:constrLst>
+              <dgm:constr type="primFontSz" for="des" ptType="node" op="equ" val="65"/>
+              <dgm:constr type="w" for="ch" forName="circle1" refType="w" fact="0.0667"/>
+              <dgm:constr type="h" for="ch" forName="circle1" refType="w" refFor="ch" refForName="circle1"/>
+              <dgm:constr type="ctrX" for="ch" forName="circle1" refType="w" fact="0.3"/>
+              <dgm:constr type="ctrY" for="ch" forName="circle1" refType="h" fact="0.625"/>
+              <dgm:constr type="w" for="ch" forName="text1" refType="w" fact="0.3"/>
+              <dgm:constr type="h" for="ch" forName="text1" refType="h" fact="0.1324"/>
+              <dgm:constr type="r" for="ch" forName="text1" refType="w"/>
+              <dgm:constr type="ctrY" for="ch" forName="text1" refType="h" fact="0.13"/>
+              <dgm:constr type="l" for="ch" forName="line1" refType="w" fact="0.625"/>
+              <dgm:constr type="ctrY" for="ch" forName="line1" refType="ctrY" refFor="ch" refForName="text1"/>
+              <dgm:constr type="w" for="ch" forName="line1" refType="w" fact="0.075"/>
+              <dgm:constr type="h" for="ch" forName="line1"/>
+              <dgm:constr type="l" for="ch" forName="d1" refType="w" fact="0.3"/>
+              <dgm:constr type="b" for="ch" forName="d1" refType="h" fact="0.625"/>
+              <dgm:constr type="w" for="ch" forName="d1" refType="w" fact="0.3245"/>
+              <dgm:constr type="h" for="ch" forName="d1" refType="h" fact="0.495"/>
+              <dgm:constr type="w" for="ch" forName="circle2" refType="w" fact="0.2"/>
+              <dgm:constr type="h" for="ch" forName="circle2" refType="w" refFor="ch" refForName="circle2"/>
+              <dgm:constr type="ctrX" for="ch" forName="circle2" refType="w" fact="0.3"/>
+              <dgm:constr type="ctrY" for="ch" forName="circle2" refType="h" fact="0.625"/>
+              <dgm:constr type="w" for="ch" forName="text2" refType="w" fact="0.3"/>
+              <dgm:constr type="h" for="ch" forName="text2" refType="h" fact="0.1324"/>
+              <dgm:constr type="r" for="ch" forName="text2" refType="w"/>
+              <dgm:constr type="ctrY" for="ch" forName="text2" refType="h" fact="0.27"/>
+              <dgm:constr type="l" for="ch" forName="line2" refType="w" fact="0.625"/>
+              <dgm:constr type="ctrY" for="ch" forName="line2" refType="ctrY" refFor="ch" refForName="text2"/>
+              <dgm:constr type="w" for="ch" forName="line2" refType="w" fact="0.075"/>
+              <dgm:constr type="h" for="ch" forName="line2"/>
+              <dgm:constr type="l" for="ch" forName="d2" refType="w" fact="0.3498"/>
+              <dgm:constr type="b" for="ch" forName="d2" refType="h" fact="0.682"/>
+              <dgm:constr type="w" for="ch" forName="d2" refType="w" fact="0.275"/>
+              <dgm:constr type="h" for="ch" forName="d2" refType="h" fact="0.41215"/>
+              <dgm:constr type="w" for="ch" forName="circle3" refType="w" fact="0.3334"/>
+              <dgm:constr type="h" for="ch" forName="circle3" refType="w" refFor="ch" refForName="circle3"/>
+              <dgm:constr type="ctrX" for="ch" forName="circle3" refType="ctrX" refFor="ch" refForName="circle1"/>
+              <dgm:constr type="ctrY" for="ch" forName="circle3" refType="ctrY" refFor="ch" refForName="circle1"/>
+              <dgm:constr type="w" for="ch" forName="text3" refType="w" fact="0.3"/>
+              <dgm:constr type="h" for="ch" forName="text3" refType="h" fact="0.1324"/>
+              <dgm:constr type="r" for="ch" forName="text3" refType="w"/>
+              <dgm:constr type="ctrY" for="ch" forName="text3" refType="h" fact="0.41"/>
+              <dgm:constr type="l" for="ch" forName="line3" refType="w" fact="0.625"/>
+              <dgm:constr type="ctrY" for="ch" forName="line3" refType="ctrY" refFor="ch" refForName="text3"/>
+              <dgm:constr type="w" for="ch" forName="line3" refType="w" fact="0.075"/>
+              <dgm:constr type="h" for="ch" forName="line3"/>
+              <dgm:constr type="l" for="ch" forName="d3" refType="w" fact="0.394"/>
+              <dgm:constr type="b" for="ch" forName="d3" refType="h" fact="0.735"/>
+              <dgm:constr type="w" for="ch" forName="d3" refType="w" fact="0.231"/>
+              <dgm:constr type="h" for="ch" forName="d3" refType="h" fact="0.325"/>
+              <dgm:constr type="w" for="ch" forName="circle4" refType="w" fact="0.4667"/>
+              <dgm:constr type="h" for="ch" forName="circle4" refType="w" refFor="ch" refForName="circle4"/>
+              <dgm:constr type="ctrX" for="ch" forName="circle4" refType="ctrX" refFor="ch" refForName="circle1"/>
+              <dgm:constr type="ctrY" for="ch" forName="circle4" refType="ctrY" refFor="ch" refForName="circle1"/>
+              <dgm:constr type="w" for="ch" forName="text4" refType="w" fact="0.3"/>
+              <dgm:constr type="h" for="ch" forName="text4" refType="h" fact="0.1324"/>
+              <dgm:constr type="r" for="ch" forName="text4" refType="w"/>
+              <dgm:constr type="ctrY" for="ch" forName="text4" refType="h" fact="0.547"/>
+              <dgm:constr type="l" for="ch" forName="line4" refType="w" fact="0.625"/>
+              <dgm:constr type="ctrY" for="ch" forName="line4" refType="ctrY" refFor="ch" refForName="text4"/>
+              <dgm:constr type="w" for="ch" forName="line4" refType="w" fact="0.075"/>
+              <dgm:constr type="h" for="ch" forName="line4"/>
+              <dgm:constr type="l" for="ch" forName="d4" refType="w" fact="0.446"/>
+              <dgm:constr type="b" for="ch" forName="d4" refType="h" fact="0.795"/>
+              <dgm:constr type="w" for="ch" forName="d4" refType="w" fact="0.179"/>
+              <dgm:constr type="h" for="ch" forName="d4" refType="h" fact="0.248"/>
+              <dgm:constr type="w" for="ch" forName="circle5" refType="w" fact="0.6"/>
+              <dgm:constr type="h" for="ch" forName="circle5" refType="w" refFor="ch" refForName="circle5"/>
+              <dgm:constr type="ctrX" for="ch" forName="circle5" refType="ctrX" refFor="ch" refForName="circle1"/>
+              <dgm:constr type="ctrY" for="ch" forName="circle5" refType="ctrY" refFor="ch" refForName="circle1"/>
+              <dgm:constr type="w" for="ch" forName="text5" refType="w" fact="0.3"/>
+              <dgm:constr type="h" for="ch" forName="text5" refType="h" fact="0.1324"/>
+              <dgm:constr type="r" for="ch" forName="text5" refType="w"/>
+              <dgm:constr type="ctrY" for="ch" forName="text5" refType="h" fact="0.68"/>
+              <dgm:constr type="l" for="ch" forName="line5" refType="w" fact="0.625"/>
+              <dgm:constr type="ctrY" for="ch" forName="line5" refType="ctrY" refFor="ch" refForName="text5"/>
+              <dgm:constr type="w" for="ch" forName="line5" refType="w" fact="0.075"/>
+              <dgm:constr type="h" for="ch" forName="line5"/>
+              <dgm:constr type="l" for="ch" forName="d5" refType="w" fact="0.495"/>
+              <dgm:constr type="b" for="ch" forName="d5" refType="h" fact="0.855"/>
+              <dgm:constr type="w" for="ch" forName="d5" refType="w" fact="0.13"/>
+              <dgm:constr type="h" for="ch" forName="d5" refType="h" fact="0.175"/>
+            </dgm:constrLst>
+          </dgm:if>
+          <dgm:else name="Name9"/>
+        </dgm:choose>
+      </dgm:if>
+      <dgm:else name="Name10">
+        <dgm:choose name="Name11">
+          <dgm:if name="Name12" axis="ch" ptType="node" func="cnt" op="equ" val="0">
+            <dgm:constrLst/>
+          </dgm:if>
+          <dgm:if name="Name13" axis="ch" ptType="node" func="cnt" op="equ" val="1">
+            <dgm:constrLst>
+              <dgm:constr type="primFontSz" for="des" ptType="node" op="equ" val="65"/>
+              <dgm:constr type="w" for="ch" forName="circle1" refType="w" fact="0.6"/>
+              <dgm:constr type="h" for="ch" forName="circle1" refType="w" refFor="ch" refForName="circle1"/>
+              <dgm:constr type="ctrX" for="ch" forName="circle1" refType="w" fact="0.7"/>
+              <dgm:constr type="ctrY" for="ch" forName="circle1" refType="h" fact="0.625"/>
+              <dgm:constr type="w" for="ch" forName="text1" refType="w" fact="0.3"/>
+              <dgm:constr type="h" for="ch" forName="text1" refType="h" fact="0.3125"/>
+              <dgm:constr type="l" for="ch" forName="text1"/>
+              <dgm:constr type="t" for="ch" forName="text1"/>
+              <dgm:constr type="l" for="ch" forName="line1" refType="r" refFor="ch" refForName="text1"/>
+              <dgm:constr type="ctrY" for="ch" forName="line1" refType="ctrY" refFor="ch" refForName="text1"/>
+              <dgm:constr type="r" for="ch" forName="line1" refType="w" fact="0.375"/>
+              <dgm:constr type="h" for="ch" forName="line1"/>
+              <dgm:constr type="r" for="ch" forName="d1" refType="w" fact="0.7"/>
+              <dgm:constr type="b" for="ch" forName="d1" refType="h" fact="0.625"/>
+              <dgm:constr type="w" for="ch" forName="d1" refType="w" fact="0.32475"/>
+              <dgm:constr type="h" for="ch" forName="d1" refType="h" fact="0.469"/>
+            </dgm:constrLst>
+          </dgm:if>
+          <dgm:if name="Name14" axis="ch" ptType="node" func="cnt" op="equ" val="2">
+            <dgm:constrLst>
+              <dgm:constr type="primFontSz" for="des" ptType="node" op="equ" val="65"/>
+              <dgm:constr type="w" for="ch" forName="circle1" refType="w" fact="0.2"/>
+              <dgm:constr type="h" for="ch" forName="circle1" refType="w" refFor="ch" refForName="circle1"/>
+              <dgm:constr type="ctrX" for="ch" forName="circle1" refType="w" fact="0.7"/>
+              <dgm:constr type="ctrY" for="ch" forName="circle1" refType="h" fact="0.625"/>
+              <dgm:constr type="w" for="ch" forName="text1" refType="w" fact="0.3"/>
+              <dgm:constr type="h" for="ch" forName="text1" refType="h" fact="0.3125"/>
+              <dgm:constr type="l" for="ch" forName="text1"/>
+              <dgm:constr type="t" for="ch" forName="text1"/>
+              <dgm:constr type="l" for="ch" forName="line1" refType="r" refFor="ch" refForName="text1"/>
+              <dgm:constr type="ctrY" for="ch" forName="line1" refType="ctrY" refFor="ch" refForName="text1"/>
+              <dgm:constr type="r" for="ch" forName="line1" refType="w" fact="0.375"/>
+              <dgm:constr type="h" for="ch" forName="line1"/>
+              <dgm:constr type="r" for="ch" forName="d1" refType="w" fact="0.7"/>
+              <dgm:constr type="b" for="ch" forName="d1" refType="h" fact="0.625"/>
+              <dgm:constr type="w" for="ch" forName="d1" refType="w" fact="0.32475"/>
+              <dgm:constr type="h" for="ch" forName="d1" refType="h" fact="0.469"/>
+              <dgm:constr type="w" for="ch" forName="circle2" refType="w" fact="0.6"/>
+              <dgm:constr type="h" for="ch" forName="circle2" refType="w" refFor="ch" refForName="circle2"/>
+              <dgm:constr type="ctrX" for="ch" forName="circle2" refType="w" fact="0.7"/>
+              <dgm:constr type="ctrY" for="ch" forName="circle2" refType="h" fact="0.625"/>
+              <dgm:constr type="w" for="ch" forName="text2" refType="w" fact="0.3"/>
+              <dgm:constr type="h" for="ch" forName="text2" refType="h" fact="0.3125"/>
+              <dgm:constr type="l" for="ch" forName="text2"/>
+              <dgm:constr type="t" for="ch" forName="text2" refType="b" refFor="ch" refForName="text1"/>
+              <dgm:constr type="l" for="ch" forName="line2" refType="r" refFor="ch" refForName="text2"/>
+              <dgm:constr type="ctrY" for="ch" forName="line2" refType="ctrY" refFor="ch" refForName="text2"/>
+              <dgm:constr type="r" for="ch" forName="line2" refType="w" fact="0.375"/>
+              <dgm:constr type="h" for="ch" forName="line2"/>
+              <dgm:constr type="r" for="ch" forName="d2" refType="w" fact="0.55675"/>
+              <dgm:constr type="b" for="ch" forName="d2" refType="h" fact="0.7975"/>
+              <dgm:constr type="w" for="ch" forName="d2" refType="w" fact="0.1815"/>
+              <dgm:constr type="h" for="ch" forName="d2" refType="h" fact="0.3283"/>
+            </dgm:constrLst>
+          </dgm:if>
+          <dgm:if name="Name15" axis="ch" ptType="node" func="cnt" op="equ" val="3">
+            <dgm:constrLst>
+              <dgm:constr type="primFontSz" for="des" ptType="node" op="equ" val="65"/>
+              <dgm:constr type="w" for="ch" forName="circle1" refType="w" fact="0.12"/>
+              <dgm:constr type="h" for="ch" forName="circle1" refType="w" refFor="ch" refForName="circle1"/>
+              <dgm:constr type="ctrX" for="ch" forName="circle1" refType="w" fact="0.7"/>
+              <dgm:constr type="ctrY" for="ch" forName="circle1" refType="h" fact="0.625"/>
+              <dgm:constr type="w" for="ch" forName="text1" refType="w" fact="0.3"/>
+              <dgm:constr type="h" for="ch" forName="text1" refType="h" fact="0.21875"/>
+              <dgm:constr type="l" for="ch" forName="text1"/>
+              <dgm:constr type="t" for="ch" forName="text1"/>
+              <dgm:constr type="l" for="ch" forName="line1" refType="r" refFor="ch" refForName="text1"/>
+              <dgm:constr type="ctrY" for="ch" forName="line1" refType="ctrY" refFor="ch" refForName="text1"/>
+              <dgm:constr type="r" for="ch" forName="line1" refType="w" fact="0.375"/>
+              <dgm:constr type="h" for="ch" forName="line1"/>
+              <dgm:constr type="r" for="ch" forName="d1" refType="w" fact="0.7"/>
+              <dgm:constr type="b" for="ch" forName="d1" refType="h" fact="0.625"/>
+              <dgm:constr type="w" for="ch" forName="d1" refType="w" fact="0.3247"/>
+              <dgm:constr type="h" for="ch" forName="d1" refType="h" fact="0.5155"/>
+              <dgm:constr type="w" for="ch" forName="circle2" refType="w" fact="0.36"/>
+              <dgm:constr type="h" for="ch" forName="circle2" refType="w" refFor="ch" refForName="circle2"/>
+              <dgm:constr type="ctrX" for="ch" forName="circle2" refType="w" fact="0.7"/>
+              <dgm:constr type="ctrY" for="ch" forName="circle2" refType="h" fact="0.625"/>
+              <dgm:constr type="w" for="ch" forName="text2" refType="w" fact="0.3"/>
+              <dgm:constr type="h" for="ch" forName="text2" refType="h" fact="0.21875"/>
+              <dgm:constr type="l" for="ch" forName="text2"/>
+              <dgm:constr type="t" for="ch" forName="text2" refType="b" refFor="ch" refForName="text1"/>
+              <dgm:constr type="l" for="ch" forName="line2" refType="r" refFor="ch" refForName="text2"/>
+              <dgm:constr type="ctrY" for="ch" forName="line2" refType="ctrY" refFor="ch" refForName="text2"/>
+              <dgm:constr type="r" for="ch" forName="line2" refType="w" fact="0.375"/>
+              <dgm:constr type="h" for="ch" forName="line2"/>
+              <dgm:constr type="r" for="ch" forName="d2" refType="w" fact="0.614"/>
+              <dgm:constr type="b" for="ch" forName="d2" refType="h" fact="0.72969"/>
+              <dgm:constr type="w" for="ch" forName="d2" refType="w" fact="0.2387"/>
+              <dgm:constr type="h" for="ch" forName="d2" refType="h" fact="0.4017"/>
+              <dgm:constr type="w" for="ch" forName="circle3" refType="w" fact="0.6"/>
+              <dgm:constr type="h" for="ch" forName="circle3" refType="w" refFor="ch" refForName="circle3"/>
+              <dgm:constr type="ctrX" for="ch" forName="circle3" refType="ctrX" refFor="ch" refForName="circle1"/>
+              <dgm:constr type="ctrY" for="ch" forName="circle3" refType="ctrY" refFor="ch" refForName="circle1"/>
+              <dgm:constr type="w" for="ch" forName="text3" refType="w" fact="0.3"/>
+              <dgm:constr type="h" for="ch" forName="text3" refType="h" fact="0.21875"/>
+              <dgm:constr type="l" for="ch" forName="text3"/>
+              <dgm:constr type="t" for="ch" forName="text3" refType="b" refFor="ch" refForName="text2"/>
+              <dgm:constr type="l" for="ch" forName="line3" refType="r" refFor="ch" refForName="text3"/>
+              <dgm:constr type="ctrY" for="ch" forName="line3" refType="ctrY" refFor="ch" refForName="text3"/>
+              <dgm:constr type="r" for="ch" forName="line3" refType="w" fact="0.375"/>
+              <dgm:constr type="h" for="ch" forName="line3"/>
+              <dgm:constr type="r" for="ch" forName="d3" refType="w" fact="0.52825"/>
+              <dgm:constr type="b" for="ch" forName="d3" refType="h" fact="0.83375"/>
+              <dgm:constr type="w" for="ch" forName="d3" refType="w" fact="0.1527"/>
+              <dgm:constr type="h" for="ch" forName="d3" refType="h" fact="0.287"/>
+            </dgm:constrLst>
+          </dgm:if>
+          <dgm:if name="Name16" axis="ch" ptType="node" func="cnt" op="equ" val="4">
+            <dgm:constrLst>
+              <dgm:constr type="primFontSz" for="des" ptType="node" op="equ" val="65"/>
+              <dgm:constr type="w" for="ch" forName="circle1" refType="w" fact="0.0857"/>
+              <dgm:constr type="h" for="ch" forName="circle1" refType="w" refFor="ch" refForName="circle1"/>
+              <dgm:constr type="ctrX" for="ch" forName="circle1" refType="w" fact="0.7"/>
+              <dgm:constr type="ctrY" for="ch" forName="circle1" refType="h" fact="0.625"/>
+              <dgm:constr type="w" for="ch" forName="text1" refType="w" fact="0.3"/>
+              <dgm:constr type="h" for="ch" forName="text1" refType="h" fact="0.17938"/>
+              <dgm:constr type="l" for="ch" forName="text1"/>
+              <dgm:constr type="t" for="ch" forName="text1"/>
+              <dgm:constr type="l" for="ch" forName="line1" refType="r" refFor="ch" refForName="text1"/>
+              <dgm:constr type="ctrY" for="ch" forName="line1" refType="ctrY" refFor="ch" refForName="text1"/>
+              <dgm:constr type="r" for="ch" forName="line1" refType="w" fact="0.375"/>
+              <dgm:constr type="h" for="ch" forName="line1"/>
+              <dgm:constr type="r" for="ch" forName="d1" refType="w" fact="0.705"/>
+              <dgm:constr type="b" for="ch" forName="d1" refType="h" fact="0.62"/>
+              <dgm:constr type="w" for="ch" forName="d1" refType="w" fact="0.33"/>
+              <dgm:constr type="h" for="ch" forName="d1" refType="h" fact="0.53"/>
+              <dgm:constr type="w" for="ch" forName="circle2" refType="w" fact="0.2571"/>
+              <dgm:constr type="h" for="ch" forName="circle2" refType="w" refFor="ch" refForName="circle2"/>
+              <dgm:constr type="ctrX" for="ch" forName="circle2" refType="w" fact="0.7"/>
+              <dgm:constr type="ctrY" for="ch" forName="circle2" refType="h" fact="0.625"/>
+              <dgm:constr type="w" for="ch" forName="text2" refType="w" fact="0.3"/>
+              <dgm:constr type="h" for="ch" forName="text2" refType="h" fact="0.17938"/>
+              <dgm:constr type="l" for="ch" forName="text2"/>
+              <dgm:constr type="t" for="ch" forName="text2" refType="b" refFor="ch" refForName="text1"/>
+              <dgm:constr type="l" for="ch" forName="line2" refType="r" refFor="ch" refForName="text2"/>
+              <dgm:constr type="ctrY" for="ch" forName="line2" refType="ctrY" refFor="ch" refForName="text2"/>
+              <dgm:constr type="r" for="ch" forName="line2" refType="w" fact="0.375"/>
+              <dgm:constr type="h" for="ch" forName="line2"/>
+              <dgm:constr type="r" for="ch" forName="d2" refType="w" fact="0.63375"/>
+              <dgm:constr type="b" for="ch" forName="d2" refType="h" fact="0.70438"/>
+              <dgm:constr type="w" for="ch" forName="d2" refType="w" fact="0.2585"/>
+              <dgm:constr type="h" for="ch" forName="d2" refType="h" fact="0.43525"/>
+              <dgm:constr type="w" for="ch" forName="circle3" refType="w" fact="0.4285"/>
+              <dgm:constr type="h" for="ch" forName="circle3" refType="w" refFor="ch" refForName="circle3"/>
+              <dgm:constr type="ctrX" for="ch" forName="circle3" refType="ctrX" refFor="ch" refForName="circle1"/>
+              <dgm:constr type="ctrY" for="ch" forName="circle3" refType="ctrY" refFor="ch" refForName="circle1"/>
+              <dgm:constr type="w" for="ch" forName="text3" refType="w" fact="0.3"/>
+              <dgm:constr type="h" for="ch" forName="text3" refType="h" fact="0.17938"/>
+              <dgm:constr type="l" for="ch" forName="text3"/>
+              <dgm:constr type="t" for="ch" forName="text3" refType="b" refFor="ch" refForName="text2"/>
+              <dgm:constr type="l" for="ch" forName="line3" refType="r" refFor="ch" refForName="text3"/>
+              <dgm:constr type="ctrY" for="ch" forName="line3" refType="ctrY" refFor="ch" refForName="text3"/>
+              <dgm:constr type="r" for="ch" forName="line3" refType="w" fact="0.375"/>
+              <dgm:constr type="h" for="ch" forName="line3"/>
+              <dgm:constr type="r" for="ch" forName="d3" refType="w" fact="0.5745"/>
+              <dgm:constr type="b" for="ch" forName="d3" refType="h" fact="0.78031"/>
+              <dgm:constr type="w" for="ch" forName="d3" refType="w" fact="0.1995"/>
+              <dgm:constr type="h" for="ch" forName="d3" refType="h" fact="0.332"/>
+              <dgm:constr type="w" for="ch" forName="circle4" refType="w" fact="0.6"/>
+              <dgm:constr type="h" for="ch" forName="circle4" refType="w" refFor="ch" refForName="circle4"/>
+              <dgm:constr type="ctrX" for="ch" forName="circle4" refType="ctrX" refFor="ch" refForName="circle1"/>
+              <dgm:constr type="ctrY" for="ch" forName="circle4" refType="ctrY" refFor="ch" refForName="circle1"/>
+              <dgm:constr type="w" for="ch" forName="text4" refType="w" fact="0.3"/>
+              <dgm:constr type="h" for="ch" forName="text4" refType="h" fact="0.17938"/>
+              <dgm:constr type="l" for="ch" forName="text4"/>
+              <dgm:constr type="t" for="ch" forName="text4" refType="b" refFor="ch" refForName="text3"/>
+              <dgm:constr type="l" for="ch" forName="line4" refType="r" refFor="ch" refForName="text4"/>
+              <dgm:constr type="ctrY" for="ch" forName="line4" refType="ctrY" refFor="ch" refForName="text4"/>
+              <dgm:constr type="r" for="ch" forName="line4" refType="w" fact="0.375"/>
+              <dgm:constr type="h" for="ch" forName="line4"/>
+              <dgm:constr type="r" for="ch" forName="d4" refType="w" fact="0.51475"/>
+              <dgm:constr type="b" for="ch" forName="d4" refType="h" fact="0.85594"/>
+              <dgm:constr type="w" for="ch" forName="d4" refType="w" fact="0.1394"/>
+              <dgm:constr type="h" for="ch" forName="d4" refType="h" fact="0.2282"/>
+            </dgm:constrLst>
+          </dgm:if>
+          <dgm:if name="Name17" axis="ch" ptType="node" func="cnt" op="gte" val="5">
+            <dgm:constrLst>
+              <dgm:constr type="primFontSz" for="des" ptType="node" op="equ" val="65"/>
+              <dgm:constr type="w" for="ch" forName="circle1" refType="w" fact="0.0667"/>
+              <dgm:constr type="h" for="ch" forName="circle1" refType="w" refFor="ch" refForName="circle1"/>
+              <dgm:constr type="ctrX" for="ch" forName="circle1" refType="w" fact="0.7"/>
+              <dgm:constr type="ctrY" for="ch" forName="circle1" refType="h" fact="0.625"/>
+              <dgm:constr type="w" for="ch" forName="text1" refType="w" fact="0.3"/>
+              <dgm:constr type="h" for="ch" forName="text1" refType="h" fact="0.1324"/>
+              <dgm:constr type="l" for="ch" forName="text1"/>
+              <dgm:constr type="ctrY" for="ch" forName="text1" refType="h" fact="0.13"/>
+              <dgm:constr type="l" for="ch" forName="line1" refType="r" refFor="ch" refForName="text1"/>
+              <dgm:constr type="ctrY" for="ch" forName="line1" refType="ctrY" refFor="ch" refForName="text1"/>
+              <dgm:constr type="r" for="ch" forName="line1" refType="w" fact="0.375"/>
+              <dgm:constr type="h" for="ch" forName="line1"/>
+              <dgm:constr type="r" for="ch" forName="d1" refType="w" fact="0.7"/>
+              <dgm:constr type="b" for="ch" forName="d1" refType="h" fact="0.625"/>
+              <dgm:constr type="w" for="ch" forName="d1" refType="w" fact="0.3245"/>
+              <dgm:constr type="h" for="ch" forName="d1" refType="h" fact="0.495"/>
+              <dgm:constr type="w" for="ch" forName="circle2" refType="w" fact="0.2"/>
+              <dgm:constr type="h" for="ch" forName="circle2" refType="w" refFor="ch" refForName="circle2"/>
+              <dgm:constr type="ctrX" for="ch" forName="circle2" refType="w" fact="0.7"/>
+              <dgm:constr type="ctrY" for="ch" forName="circle2" refType="h" fact="0.625"/>
+              <dgm:constr type="w" for="ch" forName="text2" refType="w" fact="0.3"/>
+              <dgm:constr type="h" for="ch" forName="text2" refType="h" fact="0.1324"/>
+              <dgm:constr type="l" for="ch" forName="text2"/>
+              <dgm:constr type="ctrY" for="ch" forName="text2" refType="h" fact="0.27"/>
+              <dgm:constr type="l" for="ch" forName="line2" refType="r" refFor="ch" refForName="text2"/>
+              <dgm:constr type="ctrY" for="ch" forName="line2" refType="ctrY" refFor="ch" refForName="text2"/>
+              <dgm:constr type="r" for="ch" forName="line2" refType="w" fact="0.375"/>
+              <dgm:constr type="h" for="ch" forName="line2"/>
+              <dgm:constr type="r" for="ch" forName="d2" refType="w" fact="0.6502"/>
+              <dgm:constr type="b" for="ch" forName="d2" refType="h" fact="0.682"/>
+              <dgm:constr type="w" for="ch" forName="d2" refType="w" fact="0.275"/>
+              <dgm:constr type="h" for="ch" forName="d2" refType="h" fact="0.41215"/>
+              <dgm:constr type="w" for="ch" forName="circle3" refType="w" fact="0.3334"/>
+              <dgm:constr type="h" for="ch" forName="circle3" refType="w" refFor="ch" refForName="circle3"/>
+              <dgm:constr type="ctrX" for="ch" forName="circle3" refType="ctrX" refFor="ch" refForName="circle1"/>
+              <dgm:constr type="ctrY" for="ch" forName="circle3" refType="ctrY" refFor="ch" refForName="circle1"/>
+              <dgm:constr type="w" for="ch" forName="text3" refType="w" fact="0.3"/>
+              <dgm:constr type="h" for="ch" forName="text3" refType="h" fact="0.1324"/>
+              <dgm:constr type="l" for="ch" forName="text3"/>
+              <dgm:constr type="ctrY" for="ch" forName="text3" refType="h" fact="0.41"/>
+              <dgm:constr type="l" for="ch" forName="line3" refType="r" refFor="ch" refForName="text3"/>
+              <dgm:constr type="ctrY" for="ch" forName="line3" refType="ctrY" refFor="ch" refForName="text3"/>
+              <dgm:constr type="r" for="ch" forName="line3" refType="w" fact="0.375"/>
+              <dgm:constr type="h" for="ch" forName="line3"/>
+              <dgm:constr type="r" for="ch" forName="d3" refType="w" fact="0.606"/>
+              <dgm:constr type="b" for="ch" forName="d3" refType="h" fact="0.735"/>
+              <dgm:constr type="w" for="ch" forName="d3" refType="w" fact="0.231"/>
+              <dgm:constr type="h" for="ch" forName="d3" refType="h" fact="0.325"/>
+              <dgm:constr type="w" for="ch" forName="circle4" refType="w" fact="0.4667"/>
+              <dgm:constr type="h" for="ch" forName="circle4" refType="w" refFor="ch" refForName="circle4"/>
+              <dgm:constr type="ctrX" for="ch" forName="circle4" refType="ctrX" refFor="ch" refForName="circle1"/>
+              <dgm:constr type="ctrY" for="ch" forName="circle4" refType="ctrY" refFor="ch" refForName="circle1"/>
+              <dgm:constr type="w" for="ch" forName="text4" refType="w" fact="0.3"/>
+              <dgm:constr type="h" for="ch" forName="text4" refType="h" fact="0.1324"/>
+              <dgm:constr type="l" for="ch" forName="text4"/>
+              <dgm:constr type="ctrY" for="ch" forName="text4" refType="h" fact="0.547"/>
+              <dgm:constr type="l" for="ch" forName="line4" refType="r" refFor="ch" refForName="text4"/>
+              <dgm:constr type="ctrY" for="ch" forName="line4" refType="ctrY" refFor="ch" refForName="text4"/>
+              <dgm:constr type="r" for="ch" forName="line4" refType="w" fact="0.375"/>
+              <dgm:constr type="h" for="ch" forName="line4"/>
+              <dgm:constr type="r" for="ch" forName="d4" refType="w" fact="0.554"/>
+              <dgm:constr type="b" for="ch" forName="d4" refType="h" fact="0.795"/>
+              <dgm:constr type="w" for="ch" forName="d4" refType="w" fact="0.179"/>
+              <dgm:constr type="h" for="ch" forName="d4" refType="h" fact="0.248"/>
+              <dgm:constr type="w" for="ch" forName="circle5" refType="w" fact="0.6"/>
+              <dgm:constr type="h" for="ch" forName="circle5" refType="w" refFor="ch" refForName="circle5"/>
+              <dgm:constr type="ctrX" for="ch" forName="circle5" refType="ctrX" refFor="ch" refForName="circle1"/>
+              <dgm:constr type="ctrY" for="ch" forName="circle5" refType="ctrY" refFor="ch" refForName="circle1"/>
+              <dgm:constr type="w" for="ch" forName="text5" refType="w" fact="0.3"/>
+              <dgm:constr type="h" for="ch" forName="text5" refType="h" fact="0.1324"/>
+              <dgm:constr type="l" for="ch" forName="text5"/>
+              <dgm:constr type="ctrY" for="ch" forName="text5" refType="h" fact="0.68"/>
+              <dgm:constr type="l" for="ch" forName="line5" refType="r" refFor="ch" refForName="text5"/>
+              <dgm:constr type="ctrY" for="ch" forName="line5" refType="ctrY" refFor="ch" refForName="text5"/>
+              <dgm:constr type="r" for="ch" forName="line5" refType="w" fact="0.375"/>
+              <dgm:constr type="h" for="ch" forName="line5"/>
+              <dgm:constr type="r" for="ch" forName="d5" refType="w" fact="0.505"/>
+              <dgm:constr type="b" for="ch" forName="d5" refType="h" fact="0.855"/>
+              <dgm:constr type="w" for="ch" forName="d5" refType="w" fact="0.13"/>
+              <dgm:constr type="h" for="ch" forName="d5" refType="h" fact="0.175"/>
+            </dgm:constrLst>
+          </dgm:if>
+          <dgm:else name="Name18"/>
+        </dgm:choose>
+      </dgm:else>
+    </dgm:choose>
+    <dgm:ruleLst/>
+    <dgm:forEach name="Name19" axis="ch" ptType="node" cnt="1">
+      <dgm:layoutNode name="circle1" styleLbl="lnNode1">
+        <dgm:alg type="sp"/>
+        <dgm:shape xmlns:r="http://schemas.openxmlformats.org/officeDocument/2006/relationships" type="ellipse" r:blip="">
+          <dgm:adjLst/>
+        </dgm:shape>
+        <dgm:presOf/>
+        <dgm:constrLst/>
+        <dgm:ruleLst/>
+      </dgm:layoutNode>
+      <dgm:layoutNode name="text1" styleLbl="revTx">
+        <dgm:varLst>
+          <dgm:bulletEnabled val="1"/>
+        </dgm:varLst>
+        <dgm:choose name="Name20">
+          <dgm:if name="Name21" func="var" arg="dir" op="equ" val="norm">
+            <dgm:choose name="Name22">
+              <dgm:if name="Name23" axis="root des" ptType="all node" func="maxDepth" op="gt" val="1">
+                <dgm:alg type="tx">
+                  <dgm:param type="parTxLTRAlign" val="l"/>
+                  <dgm:param type="parTxRTLAlign" val="r"/>
+                </dgm:alg>
+              </dgm:if>
+              <dgm:else name="Name24">
+                <dgm:alg type="tx">
+                  <dgm:param type="parTxLTRAlign" val="l"/>
+                  <dgm:param type="parTxRTLAlign" val="l"/>
+                </dgm:alg>
+              </dgm:else>
+            </dgm:choose>
+          </dgm:if>
+          <dgm:else name="Name25">
+            <dgm:choose name="Name26">
+              <dgm:if name="Name27" axis="root des" ptType="all node" func="maxDepth" op="gt" val="1">
+                <dgm:alg type="tx">
+                  <dgm:param type="parTxLTRAlign" val="l"/>
+                  <dgm:param type="parTxRTLAlign" val="r"/>
+                </dgm:alg>
+              </dgm:if>
+              <dgm:else name="Name28">
+                <dgm:alg type="tx">
+                  <dgm:param type="parTxLTRAlign" val="r"/>
+                  <dgm:param type="parTxRTLAlign" val="r"/>
+                </dgm:alg>
+              </dgm:else>
+            </dgm:choose>
+          </dgm:else>
+        </dgm:choose>
+        <dgm:shape xmlns:r="http://schemas.openxmlformats.org/officeDocument/2006/relationships" type="rect" r:blip="">
+          <dgm:adjLst/>
+        </dgm:shape>
+        <dgm:presOf axis="desOrSelf" ptType="node"/>
+        <dgm:choose name="Name29">
+          <dgm:if name="Name30" func="var" arg="dir" op="equ" val="norm">
+            <dgm:constrLst>
+              <dgm:constr type="tMarg" refType="primFontSz" fact="0.1"/>
+              <dgm:constr type="bMarg" refType="primFontSz" fact="0.1"/>
+              <dgm:constr type="rMarg" refType="primFontSz" fact="0.1"/>
+            </dgm:constrLst>
+          </dgm:if>
+          <dgm:else name="Name31">
+            <dgm:constrLst>
+              <dgm:constr type="tMarg" refType="primFontSz" fact="0.1"/>
+              <dgm:constr type="bMarg" refType="primFontSz" fact="0.1"/>
+              <dgm:constr type="lMarg" refType="primFontSz" fact="0.1"/>
+            </dgm:constrLst>
+          </dgm:else>
+        </dgm:choose>
+        <dgm:ruleLst>
+          <dgm:rule type="primFontSz" val="5" fact="NaN" max="NaN"/>
+        </dgm:ruleLst>
+      </dgm:layoutNode>
+      <dgm:layoutNode name="line1" styleLbl="callout">
+        <dgm:alg type="sp"/>
+        <dgm:shape xmlns:r="http://schemas.openxmlformats.org/officeDocument/2006/relationships" type="line" r:blip="">
+          <dgm:adjLst/>
+        </dgm:shape>
+        <dgm:presOf/>
+        <dgm:constrLst/>
+        <dgm:ruleLst/>
+      </dgm:layoutNode>
+      <dgm:layoutNode name="d1" styleLbl="callout">
+        <dgm:alg type="sp"/>
+        <dgm:choose name="Name32">
+          <dgm:if name="Name33" func="var" arg="dir" op="equ" val="norm">
+            <dgm:shape xmlns:r="http://schemas.openxmlformats.org/officeDocument/2006/relationships" rot="90" type="line" r:blip="">
+              <dgm:adjLst/>
+            </dgm:shape>
+          </dgm:if>
+          <dgm:else name="Name34">
+            <dgm:shape xmlns:r="http://schemas.openxmlformats.org/officeDocument/2006/relationships" rot="180" type="line" r:blip="">
+              <dgm:adjLst/>
+            </dgm:shape>
+          </dgm:else>
+        </dgm:choose>
+        <dgm:presOf/>
+        <dgm:constrLst/>
+        <dgm:ruleLst/>
+      </dgm:layoutNode>
+    </dgm:forEach>
+    <dgm:forEach name="Name35" axis="ch" ptType="node" st="2" cnt="1">
+      <dgm:layoutNode name="circle2" styleLbl="lnNode1">
+        <dgm:alg type="sp"/>
+        <dgm:shape xmlns:r="http://schemas.openxmlformats.org/officeDocument/2006/relationships" type="ellipse" r:blip="" zOrderOff="-5">
+          <dgm:adjLst/>
+        </dgm:shape>
+        <dgm:presOf/>
+        <dgm:constrLst/>
+        <dgm:ruleLst/>
+      </dgm:layoutNode>
+      <dgm:layoutNode name="text2" styleLbl="revTx">
+        <dgm:varLst>
+          <dgm:bulletEnabled val="1"/>
+        </dgm:varLst>
+        <dgm:choose name="Name36">
+          <dgm:if name="Name37" func="var" arg="dir" op="equ" val="norm">
+            <dgm:choose name="Name38">
+              <dgm:if name="Name39" axis="root des" ptType="all node" func="maxDepth" op="gt" val="1">
+                <dgm:alg type="tx">
+                  <dgm:param type="parTxLTRAlign" val="l"/>
+                  <dgm:param type="parTxRTLAlign" val="r"/>
+                </dgm:alg>
+              </dgm:if>
+              <dgm:else name="Name40">
+                <dgm:alg type="tx">
+                  <dgm:param type="parTxLTRAlign" val="l"/>
+                  <dgm:param type="parTxRTLAlign" val="l"/>
+                </dgm:alg>
+              </dgm:else>
+            </dgm:choose>
+          </dgm:if>
+          <dgm:else name="Name41">
+            <dgm:choose name="Name42">
+              <dgm:if name="Name43" axis="root des" ptType="all node" func="maxDepth" op="gt" val="1">
+                <dgm:alg type="tx">
+                  <dgm:param type="parTxLTRAlign" val="l"/>
+                  <dgm:param type="parTxRTLAlign" val="r"/>
+                </dgm:alg>
+              </dgm:if>
+              <dgm:else name="Name44">
+                <dgm:alg type="tx">
+                  <dgm:param type="parTxLTRAlign" val="r"/>
+                  <dgm:param type="parTxRTLAlign" val="r"/>
+                </dgm:alg>
+              </dgm:else>
+            </dgm:choose>
+          </dgm:else>
+        </dgm:choose>
+        <dgm:shape xmlns:r="http://schemas.openxmlformats.org/officeDocument/2006/relationships" type="rect" r:blip="">
+          <dgm:adjLst/>
+        </dgm:shape>
+        <dgm:presOf axis="desOrSelf" ptType="node"/>
+        <dgm:choose name="Name45">
+          <dgm:if name="Name46" func="var" arg="dir" op="equ" val="norm">
+            <dgm:constrLst>
+              <dgm:constr type="tMarg" refType="primFontSz" fact="0.1"/>
+              <dgm:constr type="bMarg" refType="primFontSz" fact="0.1"/>
+              <dgm:constr type="rMarg" refType="primFontSz" fact="0.1"/>
+            </dgm:constrLst>
+          </dgm:if>
+          <dgm:else name="Name47">
+            <dgm:constrLst>
+              <dgm:constr type="tMarg" refType="primFontSz" fact="0.1"/>
+              <dgm:constr type="bMarg" refType="primFontSz" fact="0.1"/>
+              <dgm:constr type="lMarg" refType="primFontSz" fact="0.1"/>
+            </dgm:constrLst>
+          </dgm:else>
+        </dgm:choose>
+        <dgm:ruleLst>
+          <dgm:rule type="primFontSz" val="5" fact="NaN" max="NaN"/>
+        </dgm:ruleLst>
+      </dgm:layoutNode>
+      <dgm:layoutNode name="line2" styleLbl="callout">
+        <dgm:alg type="sp"/>
+        <dgm:shape xmlns:r="http://schemas.openxmlformats.org/officeDocument/2006/relationships" type="line" r:blip="">
+          <dgm:adjLst/>
+        </dgm:shape>
+        <dgm:presOf/>
+        <dgm:constrLst/>
+        <dgm:ruleLst/>
+      </dgm:layoutNode>
+      <dgm:layoutNode name="d2" styleLbl="callout">
+        <dgm:alg type="sp"/>
+        <dgm:choose name="Name48">
+          <dgm:if name="Name49" func="var" arg="dir" op="equ" val="norm">
+            <dgm:shape xmlns:r="http://schemas.openxmlformats.org/officeDocument/2006/relationships" rot="90" type="line" r:blip="">
+              <dgm:adjLst/>
+            </dgm:shape>
+          </dgm:if>
+          <dgm:else name="Name50">
+            <dgm:shape xmlns:r="http://schemas.openxmlformats.org/officeDocument/2006/relationships" rot="180" type="line" r:blip="">
+              <dgm:adjLst/>
+            </dgm:shape>
+          </dgm:else>
+        </dgm:choose>
+        <dgm:presOf/>
+        <dgm:constrLst/>
+        <dgm:ruleLst/>
+      </dgm:layoutNode>
+    </dgm:forEach>
+    <dgm:forEach name="Name51" axis="ch" ptType="node" st="3" cnt="1">
+      <dgm:layoutNode name="circle3" styleLbl="lnNode1">
+        <dgm:alg type="sp"/>
+        <dgm:shape xmlns:r="http://schemas.openxmlformats.org/officeDocument/2006/relationships" type="ellipse" r:blip="" zOrderOff="-10">
+          <dgm:adjLst/>
+        </dgm:shape>
+        <dgm:presOf/>
+        <dgm:constrLst/>
+        <dgm:ruleLst/>
+      </dgm:layoutNode>
+      <dgm:layoutNode name="text3" styleLbl="revTx">
+        <dgm:varLst>
+          <dgm:bulletEnabled val="1"/>
+        </dgm:varLst>
+        <dgm:choose name="Name52">
+          <dgm:if name="Name53" func="var" arg="dir" op="equ" val="norm">
+            <dgm:choose name="Name54">
+              <dgm:if name="Name55" axis="root des" ptType="all node" func="maxDepth" op="gt" val="1">
+                <dgm:alg type="tx">
+                  <dgm:param type="parTxLTRAlign" val="l"/>
+                  <dgm:param type="parTxRTLAlign" val="r"/>
+                </dgm:alg>
+              </dgm:if>
+              <dgm:else name="Name56">
+                <dgm:alg type="tx">
+                  <dgm:param type="parTxLTRAlign" val="l"/>
+                  <dgm:param type="parTxRTLAlign" val="l"/>
+                </dgm:alg>
+              </dgm:else>
+            </dgm:choose>
+          </dgm:if>
+          <dgm:else name="Name57">
+            <dgm:choose name="Name58">
+              <dgm:if name="Name59" axis="root des" ptType="all node" func="maxDepth" op="gt" val="1">
+                <dgm:alg type="tx">
+                  <dgm:param type="parTxLTRAlign" val="l"/>
+                  <dgm:param type="parTxRTLAlign" val="r"/>
+                </dgm:alg>
+              </dgm:if>
+              <dgm:else name="Name60">
+                <dgm:alg type="tx">
+                  <dgm:param type="parTxLTRAlign" val="r"/>
+                  <dgm:param type="parTxRTLAlign" val="r"/>
+                </dgm:alg>
+              </dgm:else>
+            </dgm:choose>
+          </dgm:else>
+        </dgm:choose>
+        <dgm:shape xmlns:r="http://schemas.openxmlformats.org/officeDocument/2006/relationships" type="rect" r:blip="">
+          <dgm:adjLst/>
+        </dgm:shape>
+        <dgm:presOf axis="desOrSelf" ptType="node"/>
+        <dgm:choose name="Name61">
+          <dgm:if name="Name62" func="var" arg="dir" op="equ" val="norm">
+            <dgm:constrLst>
+              <dgm:constr type="tMarg" refType="primFontSz" fact="0.1"/>
+              <dgm:constr type="bMarg" refType="primFontSz" fact="0.1"/>
+              <dgm:constr type="rMarg" refType="primFontSz" fact="0.1"/>
+            </dgm:constrLst>
+          </dgm:if>
+          <dgm:else name="Name63">
+            <dgm:constrLst>
+              <dgm:constr type="tMarg" refType="primFontSz" fact="0.1"/>
+              <dgm:constr type="bMarg" refType="primFontSz" fact="0.1"/>
+              <dgm:constr type="lMarg" refType="primFontSz" fact="0.1"/>
+            </dgm:constrLst>
+          </dgm:else>
+        </dgm:choose>
+        <dgm:ruleLst>
+          <dgm:rule type="primFontSz" val="5" fact="NaN" max="NaN"/>
+        </dgm:ruleLst>
+      </dgm:layoutNode>
+      <dgm:layoutNode name="line3" styleLbl="callout">
+        <dgm:alg type="sp"/>
+        <dgm:shape xmlns:r="http://schemas.openxmlformats.org/officeDocument/2006/relationships" type="line" r:blip="">
+          <dgm:adjLst/>
+        </dgm:shape>
+        <dgm:presOf/>
+        <dgm:constrLst/>
+        <dgm:ruleLst/>
+      </dgm:layoutNode>
+      <dgm:layoutNode name="d3" styleLbl="callout">
+        <dgm:alg type="sp"/>
+        <dgm:choose name="Name64">
+          <dgm:if name="Name65" func="var" arg="dir" op="equ" val="norm">
+            <dgm:shape xmlns:r="http://schemas.openxmlformats.org/officeDocument/2006/relationships" rot="90" type="line" r:blip="">
+              <dgm:adjLst/>
+            </dgm:shape>
+          </dgm:if>
+          <dgm:else name="Name66">
+            <dgm:shape xmlns:r="http://schemas.openxmlformats.org/officeDocument/2006/relationships" rot="180" type="line" r:blip="">
+              <dgm:adjLst/>
+            </dgm:shape>
+          </dgm:else>
+        </dgm:choose>
+        <dgm:presOf/>
+        <dgm:constrLst/>
+        <dgm:ruleLst/>
+      </dgm:layoutNode>
+    </dgm:forEach>
+    <dgm:forEach name="Name67" axis="ch" ptType="node" st="4" cnt="1">
+      <dgm:layoutNode name="circle4" styleLbl="lnNode1">
+        <dgm:alg type="sp"/>
+        <dgm:shape xmlns:r="http://schemas.openxmlformats.org/officeDocument/2006/relationships" type="ellipse" r:blip="" zOrderOff="-15">
+          <dgm:adjLst/>
+        </dgm:shape>
+        <dgm:presOf/>
+        <dgm:constrLst/>
+        <dgm:ruleLst/>
+      </dgm:layoutNode>
+      <dgm:layoutNode name="text4" styleLbl="revTx">
+        <dgm:varLst>
+          <dgm:bulletEnabled val="1"/>
+        </dgm:varLst>
+        <dgm:choose name="Name68">
+          <dgm:if name="Name69" func="var" arg="dir" op="equ" val="norm">
+            <dgm:choose name="Name70">
+              <dgm:if name="Name71" axis="root des" ptType="all node" func="maxDepth" op="gt" val="1">
+                <dgm:alg type="tx">
+                  <dgm:param type="parTxLTRAlign" val="l"/>
+                  <dgm:param type="parTxRTLAlign" val="r"/>
+                </dgm:alg>
+              </dgm:if>
+              <dgm:else name="Name72">
+                <dgm:alg type="tx">
+                  <dgm:param type="parTxLTRAlign" val="l"/>
+                  <dgm:param type="parTxRTLAlign" val="l"/>
+                </dgm:alg>
+              </dgm:else>
+            </dgm:choose>
+          </dgm:if>
+          <dgm:else name="Name73">
+            <dgm:choose name="Name74">
+              <dgm:if name="Name75" axis="root des" ptType="all node" func="maxDepth" op="gt" val="1">
+                <dgm:alg type="tx">
+                  <dgm:param type="parTxLTRAlign" val="l"/>
+                  <dgm:param type="parTxRTLAlign" val="r"/>
+                </dgm:alg>
+              </dgm:if>
+              <dgm:else name="Name76">
+                <dgm:alg type="tx">
+                  <dgm:param type="parTxLTRAlign" val="r"/>
+                  <dgm:param type="parTxRTLAlign" val="r"/>
+                </dgm:alg>
+              </dgm:else>
+            </dgm:choose>
+          </dgm:else>
+        </dgm:choose>
+        <dgm:shape xmlns:r="http://schemas.openxmlformats.org/officeDocument/2006/relationships" type="rect" r:blip="">
+          <dgm:adjLst/>
+        </dgm:shape>
+        <dgm:presOf axis="desOrSelf" ptType="node"/>
+        <dgm:choose name="Name77">
+          <dgm:if name="Name78" func="var" arg="dir" op="equ" val="norm">
+            <dgm:constrLst>
+              <dgm:constr type="tMarg" refType="primFontSz" fact="0.1"/>
+              <dgm:constr type="bMarg" refType="primFontSz" fact="0.1"/>
+              <dgm:constr type="rMarg" refType="primFontSz" fact="0.1"/>
+            </dgm:constrLst>
+          </dgm:if>
+          <dgm:else name="Name79">
+            <dgm:constrLst>
+              <dgm:constr type="tMarg" refType="primFontSz" fact="0.1"/>
+              <dgm:constr type="bMarg" refType="primFontSz" fact="0.1"/>
+              <dgm:constr type="lMarg" refType="primFontSz" fact="0.1"/>
+            </dgm:constrLst>
+          </dgm:else>
+        </dgm:choose>
+        <dgm:ruleLst>
+          <dgm:rule type="primFontSz" val="5" fact="NaN" max="NaN"/>
+        </dgm:ruleLst>
+      </dgm:layoutNode>
+      <dgm:layoutNode name="line4" styleLbl="callout">
+        <dgm:alg type="sp"/>
+        <dgm:shape xmlns:r="http://schemas.openxmlformats.org/officeDocument/2006/relationships" type="line" r:blip="">
+          <dgm:adjLst/>
+        </dgm:shape>
+        <dgm:presOf/>
+        <dgm:constrLst/>
+        <dgm:ruleLst/>
+      </dgm:layoutNode>
+      <dgm:layoutNode name="d4" styleLbl="callout">
+        <dgm:alg type="sp"/>
+        <dgm:choose name="Name80">
+          <dgm:if name="Name81" func="var" arg="dir" op="equ" val="norm">
+            <dgm:shape xmlns:r="http://schemas.openxmlformats.org/officeDocument/2006/relationships" rot="90" type="line" r:blip="">
+              <dgm:adjLst/>
+            </dgm:shape>
+          </dgm:if>
+          <dgm:else name="Name82">
+            <dgm:shape xmlns:r="http://schemas.openxmlformats.org/officeDocument/2006/relationships" rot="180" type="line" r:blip="">
+              <dgm:adjLst/>
+            </dgm:shape>
+          </dgm:else>
+        </dgm:choose>
+        <dgm:presOf/>
+        <dgm:constrLst/>
+        <dgm:ruleLst/>
+      </dgm:layoutNode>
+    </dgm:forEach>
+    <dgm:forEach name="Name83" axis="ch" ptType="node" st="5" cnt="1">
+      <dgm:layoutNode name="circle5" styleLbl="lnNode1">
+        <dgm:alg type="sp"/>
+        <dgm:shape xmlns:r="http://schemas.openxmlformats.org/officeDocument/2006/relationships" type="ellipse" r:blip="" zOrderOff="-20">
+          <dgm:adjLst/>
+        </dgm:shape>
+        <dgm:presOf/>
+        <dgm:constrLst/>
+        <dgm:ruleLst/>
+      </dgm:layoutNode>
+      <dgm:layoutNode name="text5" styleLbl="revTx">
+        <dgm:varLst>
+          <dgm:bulletEnabled val="1"/>
+        </dgm:varLst>
+        <dgm:choose name="Name84">
+          <dgm:if name="Name85" func="var" arg="dir" op="equ" val="norm">
+            <dgm:choose name="Name86">
+              <dgm:if name="Name87" axis="root des" ptType="all node" func="maxDepth" op="gt" val="1">
+                <dgm:alg type="tx">
+                  <dgm:param type="parTxLTRAlign" val="l"/>
+                  <dgm:param type="parTxRTLAlign" val="r"/>
+                </dgm:alg>
+              </dgm:if>
+              <dgm:else name="Name88">
+                <dgm:alg type="tx">
+                  <dgm:param type="parTxLTRAlign" val="l"/>
+                  <dgm:param type="parTxRTLAlign" val="l"/>
+                </dgm:alg>
+              </dgm:else>
+            </dgm:choose>
+          </dgm:if>
+          <dgm:else name="Name89">
+            <dgm:choose name="Name90">
+              <dgm:if name="Name91" axis="root des" ptType="all node" func="maxDepth" op="gt" val="1">
+                <dgm:alg type="tx">
+                  <dgm:param type="parTxLTRAlign" val="l"/>
+                  <dgm:param type="parTxRTLAlign" val="r"/>
+                </dgm:alg>
+              </dgm:if>
+              <dgm:else name="Name92">
+                <dgm:alg type="tx">
+                  <dgm:param type="parTxLTRAlign" val="r"/>
+                  <dgm:param type="parTxRTLAlign" val="r"/>
+                </dgm:alg>
+              </dgm:else>
+            </dgm:choose>
+          </dgm:else>
+        </dgm:choose>
+        <dgm:shape xmlns:r="http://schemas.openxmlformats.org/officeDocument/2006/relationships" type="rect" r:blip="">
+          <dgm:adjLst/>
+        </dgm:shape>
+        <dgm:presOf axis="desOrSelf" ptType="node"/>
+        <dgm:choose name="Name93">
+          <dgm:if name="Name94" func="var" arg="dir" op="equ" val="norm">
+            <dgm:constrLst>
+              <dgm:constr type="tMarg" refType="primFontSz" fact="0.1"/>
+              <dgm:constr type="bMarg" refType="primFontSz" fact="0.1"/>
+              <dgm:constr type="rMarg" refType="primFontSz" fact="0.1"/>
+            </dgm:constrLst>
+          </dgm:if>
+          <dgm:else name="Name95">
+            <dgm:constrLst>
+              <dgm:constr type="tMarg" refType="primFontSz" fact="0.1"/>
+              <dgm:constr type="bMarg" refType="primFontSz" fact="0.1"/>
+              <dgm:constr type="lMarg" refType="primFontSz" fact="0.1"/>
+            </dgm:constrLst>
+          </dgm:else>
+        </dgm:choose>
+        <dgm:ruleLst>
+          <dgm:rule type="primFontSz" val="5" fact="NaN" max="NaN"/>
+        </dgm:ruleLst>
+      </dgm:layoutNode>
+      <dgm:layoutNode name="line5" styleLbl="callout">
+        <dgm:alg type="sp"/>
+        <dgm:shape xmlns:r="http://schemas.openxmlformats.org/officeDocument/2006/relationships" type="line" r:blip="">
+          <dgm:adjLst/>
+        </dgm:shape>
+        <dgm:presOf/>
+        <dgm:constrLst/>
+        <dgm:ruleLst/>
+      </dgm:layoutNode>
+      <dgm:layoutNode name="d5" styleLbl="callout">
+        <dgm:alg type="sp"/>
+        <dgm:choose name="Name96">
+          <dgm:if name="Name97" func="var" arg="dir" op="equ" val="norm">
+            <dgm:shape xmlns:r="http://schemas.openxmlformats.org/officeDocument/2006/relationships" rot="90" type="line" r:blip="">
+              <dgm:adjLst/>
+            </dgm:shape>
+          </dgm:if>
+          <dgm:else name="Name98">
+            <dgm:shape xmlns:r="http://schemas.openxmlformats.org/officeDocument/2006/relationships" rot="180" type="line" r:blip="">
+              <dgm:adjLst/>
+            </dgm:shape>
+          </dgm:else>
+        </dgm:choose>
+        <dgm:presOf/>
+        <dgm:constrLst/>
+        <dgm:ruleLst/>
+      </dgm:layoutNode>
+    </dgm:forEach>
+  </dgm:layoutNode>
+</dgm:layoutDef>
+</file>
+
+<file path=ppt/diagrams/quickStyle1.xml><?xml version="1.0" encoding="utf-8"?>
+<dgm:styleDef xmlns:dgm="http://schemas.openxmlformats.org/drawingml/2006/diagram" xmlns:a="http://schemas.openxmlformats.org/drawingml/2006/main" uniqueId="urn:microsoft.com/office/officeart/2005/8/quickstyle/3d6">
+  <dgm:title val=""/>
+  <dgm:desc val=""/>
+  <dgm:catLst>
+    <dgm:cat type="3D" pri="11600"/>
+  </dgm:catLst>
+  <dgm:scene3d>
+    <a:camera prst="perspectiveRelaxedModerately" zoom="92000"/>
+    <a:lightRig rig="balanced" dir="t">
+      <a:rot lat="0" lon="0" rev="12700000"/>
+    </a:lightRig>
+  </dgm:scene3d>
+  <dgm:styleLbl name="node0">
+    <dgm:scene3d>
+      <a:camera prst="orthographicFront"/>
+      <a:lightRig rig="threePt" dir="t"/>
+    </dgm:scene3d>
+    <dgm:sp3d prstMaterial="plastic">
+      <a:bevelT w="50800" h="50800"/>
+      <a:bevelB w="50800" h="50800"/>
+    </dgm:sp3d>
+    <dgm:txPr/>
+    <dgm:style>
+      <a:lnRef idx="0">
+        <a:scrgbClr r="0" g="0" b="0"/>
+      </a:lnRef>
+      <a:fillRef idx="1">
+        <a:scrgbClr r="0" g="0" b="0"/>
+      </a:fillRef>
+      <a:effectRef idx="2">
+        <a:scrgbClr r="0" g="0" b="0"/>
+      </a:effectRef>
+      <a:fontRef idx="minor">
+        <a:schemeClr val="lt1"/>
+      </a:fontRef>
+    </dgm:style>
+  </dgm:styleLbl>
+  <dgm:styleLbl name="lnNode1">
+    <dgm:scene3d>
+      <a:camera prst="orthographicFront"/>
+      <a:lightRig rig="threePt" dir="t"/>
+    </dgm:scene3d>
+    <dgm:sp3d prstMaterial="plastic">
+      <a:bevelT w="50800" h="50800"/>
+      <a:bevelB w="50800" h="50800"/>
+    </dgm:sp3d>
+    <dgm:txPr/>
+    <dgm:style>
+      <a:lnRef idx="0">
+        <a:scrgbClr r="0" g="0" b="0"/>
+      </a:lnRef>
+      <a:fillRef idx="1">
+        <a:scrgbClr r="0" g="0" b="0"/>
+      </a:fillRef>
+      <a:effectRef idx="2">
+        <a:scrgbClr r="0" g="0" b="0"/>
+      </a:effectRef>
+      <a:fontRef idx="minor">
+        <a:schemeClr val="lt1"/>
+      </a:fontRef>
+    </dgm:style>
+  </dgm:styleLbl>
+  <dgm:styleLbl name="vennNode1">
+    <dgm:scene3d>
+      <a:camera prst="orthographicFront"/>
+      <a:lightRig rig="threePt" dir="t"/>
+    </dgm:scene3d>
+    <dgm:sp3d prstMaterial="plastic">
+      <a:bevelT w="50800" h="50800"/>
+      <a:bevelB w="50800" h="50800"/>
+    </dgm:sp3d>
+    <dgm:txPr/>
+    <dgm:style>
+      <a:lnRef idx="0">
+        <a:scrgbClr r="0" g="0" b="0"/>
+      </a:lnRef>
+      <a:fillRef idx="1">
+        <a:scrgbClr r="0" g="0" b="0"/>
+      </a:fillRef>
+      <a:effectRef idx="2">
+        <a:scrgbClr r="0" g="0" b="0"/>
+      </a:effectRef>
+      <a:fontRef idx="minor">
+        <a:schemeClr val="tx1"/>
+      </a:fontRef>
+    </dgm:style>
+  </dgm:styleLbl>
+  <dgm:styleLbl name="alignNode1">
+    <dgm:scene3d>
+      <a:camera prst="orthographicFront"/>
+      <a:lightRig rig="threePt" dir="t"/>
+    </dgm:scene3d>
+    <dgm:sp3d prstMaterial="plastic">
+      <a:bevelT w="50800" h="50800"/>
+      <a:bevelB w="50800" h="50800"/>
+    </dgm:sp3d>
+    <dgm:txPr/>
+    <dgm:style>
+      <a:lnRef idx="1">
+        <a:scrgbClr r="0" g="0" b="0"/>
+      </a:lnRef>
+      <a:fillRef idx="1">
+        <a:scrgbClr r="0" g="0" b="0"/>
+      </a:fillRef>
+      <a:effectRef idx="2">
+        <a:scrgbClr r="0" g="0" b="0"/>
+      </a:effectRef>
+      <a:fontRef idx="minor">
+        <a:schemeClr val="lt1"/>
+      </a:fontRef>
+    </dgm:style>
+  </dgm:styleLbl>
+  <dgm:styleLbl name="node1">
+    <dgm:scene3d>
+      <a:camera prst="orthographicFront"/>
+      <a:lightRig rig="threePt" dir="t"/>
+    </dgm:scene3d>
+    <dgm:sp3d prstMaterial="plastic">
+      <a:bevelT w="50800" h="50800"/>
+      <a:bevelB w="50800" h="50800"/>
+    </dgm:sp3d>
+    <dgm:txPr/>
+    <dgm:style>
+      <a:lnRef idx="0">
+        <a:scrgbClr r="0" g="0" b="0"/>
+      </a:lnRef>
+      <a:fillRef idx="1">
+        <a:scrgbClr r="0" g="0" b="0"/>
+      </a:fillRef>
+      <a:effectRef idx="2">
+        <a:scrgbClr r="0" g="0" b="0"/>
+      </a:effectRef>
+      <a:fontRef idx="minor">
+        <a:schemeClr val="lt1"/>
+      </a:fontRef>
+    </dgm:style>
+  </dgm:styleLbl>
+  <dgm:styleLbl name="node2">
+    <dgm:scene3d>
+      <a:camera prst="orthographicFront"/>
+      <a:lightRig rig="threePt" dir="t"/>
+    </dgm:scene3d>
+    <dgm:sp3d prstMaterial="plastic">
+      <a:bevelT w="50800" h="50800"/>
+      <a:bevelB w="50800" h="50800"/>
+    </dgm:sp3d>
+    <dgm:txPr/>
+    <dgm:style>
+      <a:lnRef idx="0">
+        <a:scrgbClr r="0" g="0" b="0"/>
+      </a:lnRef>
+      <a:fillRef idx="1">
+        <a:scrgbClr r="0" g="0" b="0"/>
+      </a:fillRef>
+      <a:effectRef idx="2">
+        <a:scrgbClr r="0" g="0" b="0"/>
+      </a:effectRef>
+      <a:fontRef idx="minor">
+        <a:schemeClr val="lt1"/>
+      </a:fontRef>
+    </dgm:style>
+  </dgm:styleLbl>
+  <dgm:styleLbl name="node3">
+    <dgm:scene3d>
+      <a:camera prst="orthographicFront"/>
+      <a:lightRig rig="threePt" dir="t"/>
+    </dgm:scene3d>
+    <dgm:sp3d prstMaterial="plastic">
+      <a:bevelT w="50800" h="50800"/>
+      <a:bevelB w="50800" h="50800"/>
+    </dgm:sp3d>
+    <dgm:txPr/>
+    <dgm:style>
+      <a:lnRef idx="0">
+        <a:scrgbClr r="0" g="0" b="0"/>
+      </a:lnRef>
+      <a:fillRef idx="1">
+        <a:scrgbClr r="0" g="0" b="0"/>
+      </a:fillRef>
+      <a:effectRef idx="2">
+        <a:scrgbClr r="0" g="0" b="0"/>
+      </a:effectRef>
+      <a:fontRef idx="minor">
+        <a:schemeClr val="lt1"/>
+      </a:fontRef>
+    </dgm:style>
+  </dgm:styleLbl>
+  <dgm:styleLbl name="node4">
+    <dgm:scene3d>
+      <a:camera prst="orthographicFront"/>
+      <a:lightRig rig="threePt" dir="t"/>
+    </dgm:scene3d>
+    <dgm:sp3d prstMaterial="plastic">
+      <a:bevelT w="50800" h="50800"/>
+      <a:bevelB w="50800" h="50800"/>
+    </dgm:sp3d>
+    <dgm:txPr/>
+    <dgm:style>
+      <a:lnRef idx="0">
+        <a:scrgbClr r="0" g="0" b="0"/>
+      </a:lnRef>
+      <a:fillRef idx="1">
+        <a:scrgbClr r="0" g="0" b="0"/>
+      </a:fillRef>
+      <a:effectRef idx="2">
+        <a:scrgbClr r="0" g="0" b="0"/>
+      </a:effectRef>
+      <a:fontRef idx="minor">
+        <a:schemeClr val="lt1"/>
+      </a:fontRef>
+    </dgm:style>
+  </dgm:styleLbl>
+  <dgm:styleLbl name="fgImgPlace1">
+    <dgm:scene3d>
+      <a:camera prst="orthographicFront"/>
+      <a:lightRig rig="threePt" dir="t"/>
+    </dgm:scene3d>
+    <dgm:sp3d z="50080" prstMaterial="plastic">
+      <a:bevelT w="50800" h="50800"/>
+      <a:bevelB w="50800" h="50800"/>
+    </dgm:sp3d>
+    <dgm:txPr/>
+    <dgm:style>
+      <a:lnRef idx="0">
+        <a:scrgbClr r="0" g="0" b="0"/>
+      </a:lnRef>
+      <a:fillRef idx="1">
+        <a:scrgbClr r="0" g="0" b="0"/>
+      </a:fillRef>
+      <a:effectRef idx="2">
+        <a:scrgbClr r="0" g="0" b="0"/>
+      </a:effectRef>
+      <a:fontRef idx="minor"/>
+    </dgm:style>
+  </dgm:styleLbl>
+  <dgm:styleLbl name="alignImgPlace1">
+    <dgm:scene3d>
+      <a:camera prst="orthographicFront"/>
+      <a:lightRig rig="threePt" dir="t"/>
+    </dgm:scene3d>
+    <dgm:sp3d prstMaterial="plastic">
+      <a:bevelT w="50800" h="50800"/>
+      <a:bevelB w="50800" h="50800"/>
+    </dgm:sp3d>
+    <dgm:txPr/>
+    <dgm:style>
+      <a:lnRef idx="0">
+        <a:scrgbClr r="0" g="0" b="0"/>
+      </a:lnRef>
+      <a:fillRef idx="1">
+        <a:scrgbClr r="0" g="0" b="0"/>
+      </a:fillRef>
+      <a:effectRef idx="2">
+        <a:scrgbClr r="0" g="0" b="0"/>
+      </a:effectRef>
+      <a:fontRef idx="minor"/>
+    </dgm:style>
+  </dgm:styleLbl>
+  <dgm:styleLbl name="bgImgPlace1">
+    <dgm:scene3d>
+      <a:camera prst="orthographicFront"/>
+      <a:lightRig rig="threePt" dir="t"/>
+    </dgm:scene3d>
+    <dgm:sp3d z="-54000" prstMaterial="plastic">
+      <a:bevelT w="50800" h="50800"/>
+      <a:bevelB w="50800" h="50800"/>
+    </dgm:sp3d>
+    <dgm:txPr/>
+    <dgm:style>
+      <a:lnRef idx="0">
+        <a:scrgbClr r="0" g="0" b="0"/>
+      </a:lnRef>
+      <a:fillRef idx="1">
+        <a:scrgbClr r="0" g="0" b="0"/>
+      </a:fillRef>
+      <a:effectRef idx="2">
+        <a:scrgbClr r="0" g="0" b="0"/>
+      </a:effectRef>
+      <a:fontRef idx="minor"/>
+    </dgm:style>
+  </dgm:styleLbl>
+  <dgm:styleLbl name="sibTrans2D1">
+    <dgm:scene3d>
+      <a:camera prst="orthographicFront"/>
+      <a:lightRig rig="threePt" dir="t"/>
+    </dgm:scene3d>
+    <dgm:sp3d z="-25400" prstMaterial="plastic">
+      <a:bevelT w="25400" h="25400"/>
+      <a:bevelB w="25400" h="25400"/>
+    </dgm:sp3d>
+    <dgm:txPr/>
+    <dgm:style>
+      <a:lnRef idx="1">
+        <a:scrgbClr r="0" g="0" b="0"/>
+      </a:lnRef>
+      <a:fillRef idx="1">
+        <a:scrgbClr r="0" g="0" b="0"/>
+      </a:fillRef>
+      <a:effectRef idx="2">
+        <a:scrgbClr r="0" g="0" b="0"/>
+      </a:effectRef>
+      <a:fontRef idx="minor">
+        <a:schemeClr val="lt1"/>
+      </a:fontRef>
+    </dgm:style>
+  </dgm:styleLbl>
+  <dgm:styleLbl name="fgSibTrans2D1">
+    <dgm:scene3d>
+      <a:camera prst="orthographicFront"/>
+      <a:lightRig rig="threePt" dir="t"/>
+    </dgm:scene3d>
+    <dgm:sp3d z="50080" prstMaterial="plastic">
+      <a:bevelT w="25400" h="25400"/>
+      <a:bevelB w="25400" h="25400"/>
+    </dgm:sp3d>
+    <dgm:txPr/>
+    <dgm:style>
+      <a:lnRef idx="1">
+        <a:scrgbClr r="0" g="0" b="0"/>
+      </a:lnRef>
+      <a:fillRef idx="1">
+        <a:scrgbClr r="0" g="0" b="0"/>
+      </a:fillRef>
+      <a:effectRef idx="2">
+        <a:scrgbClr r="0" g="0" b="0"/>
+      </a:effectRef>
+      <a:fontRef idx="minor">
+        <a:schemeClr val="lt1"/>
+      </a:fontRef>
+    </dgm:style>
+  </dgm:styleLbl>
+  <dgm:styleLbl name="bgSibTrans2D1">
+    <dgm:scene3d>
+      <a:camera prst="orthographicFront"/>
+      <a:lightRig rig="threePt" dir="t"/>
+    </dgm:scene3d>
+    <dgm:sp3d z="-54080" prstMaterial="plastic">
+      <a:bevelT w="25400" h="25400"/>
+      <a:bevelB w="25400" h="25400"/>
+    </dgm:sp3d>
+    <dgm:txPr/>
+    <dgm:style>
+      <a:lnRef idx="1">
+        <a:scrgbClr r="0" g="0" b="0"/>
+      </a:lnRef>
+      <a:fillRef idx="1">
+        <a:scrgbClr r="0" g="0" b="0"/>
+      </a:fillRef>
+      <a:effectRef idx="2">
+        <a:scrgbClr r="0" g="0" b="0"/>
+      </a:effectRef>
+      <a:fontRef idx="minor">
+        <a:schemeClr val="lt1"/>
+      </a:fontRef>
+    </dgm:style>
+  </dgm:styleLbl>
+  <dgm:styleLbl name="sibTrans1D1">
+    <dgm:scene3d>
+      <a:camera prst="orthographicFront"/>
+      <a:lightRig rig="threePt" dir="t"/>
+    </dgm:scene3d>
+    <dgm:sp3d z="-25400" prstMaterial="plastic"/>
+    <dgm:txPr/>
+    <dgm:style>
+      <a:lnRef idx="1">
+        <a:scrgbClr r="0" g="0" b="0"/>
+      </a:lnRef>
+      <a:fillRef idx="0">
+        <a:scrgbClr r="0" g="0" b="0"/>
+      </a:fillRef>
+      <a:effectRef idx="0">
+        <a:scrgbClr r="0" g="0" b="0"/>
+      </a:effectRef>
+      <a:fontRef idx="minor"/>
+    </dgm:style>
+  </dgm:styleLbl>
+  <dgm:styleLbl name="callout">
+    <dgm:scene3d>
+      <a:camera prst="orthographicFront"/>
+      <a:lightRig rig="threePt" dir="t"/>
+    </dgm:scene3d>
+    <dgm:sp3d z="75000" prstMaterial="plastic"/>
+    <dgm:txPr/>
+    <dgm:style>
+      <a:lnRef idx="2">
+        <a:scrgbClr r="0" g="0" b="0"/>
+      </a:lnRef>
+      <a:fillRef idx="1">
+        <a:scrgbClr r="0" g="0" b="0"/>
+      </a:fillRef>
+      <a:effectRef idx="0">
+        <a:scrgbClr r="0" g="0" b="0"/>
+      </a:effectRef>
+      <a:fontRef idx="minor"/>
+    </dgm:style>
+  </dgm:styleLbl>
+  <dgm:styleLbl name="asst0">
+    <dgm:scene3d>
+      <a:camera prst="orthographicFront"/>
+      <a:lightRig rig="threePt" dir="t"/>
+    </dgm:scene3d>
+    <dgm:sp3d prstMaterial="plastic">
+      <a:bevelT w="50800" h="50800"/>
+      <a:bevelB w="50800" h="50800"/>
+    </dgm:sp3d>
+    <dgm:txPr/>
+    <dgm:style>
+      <a:lnRef idx="0">
+        <a:scrgbClr r="0" g="0" b="0"/>
+      </a:lnRef>
+      <a:fillRef idx="1">
+        <a:scrgbClr r="0" g="0" b="0"/>
+      </a:fillRef>
+      <a:effectRef idx="2">
+        <a:scrgbClr r="0" g="0" b="0"/>
+      </a:effectRef>
+      <a:fontRef idx="minor">
+        <a:schemeClr val="lt1"/>
+      </a:fontRef>
+    </dgm:style>
+  </dgm:styleLbl>
+  <dgm:styleLbl name="asst1">
+    <dgm:scene3d>
+      <a:camera prst="orthographicFront"/>
+      <a:lightRig rig="threePt" dir="t"/>
+    </dgm:scene3d>
+    <dgm:sp3d prstMaterial="plastic">
+      <a:bevelT w="50800" h="50800"/>
+      <a:bevelB w="50800" h="50800"/>
+    </dgm:sp3d>
+    <dgm:txPr/>
+    <dgm:style>
+      <a:lnRef idx="0">
+        <a:scrgbClr r="0" g="0" b="0"/>
+      </a:lnRef>
+      <a:fillRef idx="1">
+        <a:scrgbClr r="0" g="0" b="0"/>
+      </a:fillRef>
+      <a:effectRef idx="2">
+        <a:scrgbClr r="0" g="0" b="0"/>
+      </a:effectRef>
+      <a:fontRef idx="minor">
+        <a:schemeClr val="lt1"/>
+      </a:fontRef>
+    </dgm:style>
+  </dgm:styleLbl>
+  <dgm:styleLbl name="asst2">
+    <dgm:scene3d>
+      <a:camera prst="orthographicFront"/>
+      <a:lightRig rig="threePt" dir="t"/>
+    </dgm:scene3d>
+    <dgm:sp3d prstMaterial="plastic">
+      <a:bevelT w="50800" h="50800"/>
+      <a:bevelB w="50800" h="50800"/>
+    </dgm:sp3d>
+    <dgm:txPr/>
+    <dgm:style>
+      <a:lnRef idx="0">
+        <a:scrgbClr r="0" g="0" b="0"/>
+      </a:lnRef>
+      <a:fillRef idx="1">
+        <a:scrgbClr r="0" g="0" b="0"/>
+      </a:fillRef>
+      <a:effectRef idx="2">
+        <a:scrgbClr r="0" g="0" b="0"/>
+      </a:effectRef>
+      <a:fontRef idx="minor">
+        <a:schemeClr val="lt1"/>
+      </a:fontRef>
+    </dgm:style>
+  </dgm:styleLbl>
+  <dgm:styleLbl name="asst3">
+    <dgm:scene3d>
+      <a:camera prst="orthographicFront"/>
+      <a:lightRig rig="threePt" dir="t"/>
+    </dgm:scene3d>
+    <dgm:sp3d prstMaterial="plastic">
+      <a:bevelT w="50800" h="50800"/>
+      <a:bevelB w="50800" h="50800"/>
+    </dgm:sp3d>
+    <dgm:txPr/>
+    <dgm:style>
+      <a:lnRef idx="0">
+        <a:scrgbClr r="0" g="0" b="0"/>
+      </a:lnRef>
+      <a:fillRef idx="1">
+        <a:scrgbClr r="0" g="0" b="0"/>
+      </a:fillRef>
+      <a:effectRef idx="2">
+        <a:scrgbClr r="0" g="0" b="0"/>
+      </a:effectRef>
+      <a:fontRef idx="minor">
+        <a:schemeClr val="lt1"/>
+      </a:fontRef>
+    </dgm:style>
+  </dgm:styleLbl>
+  <dgm:styleLbl name="parChTrans2D1">
+    <dgm:scene3d>
+      <a:camera prst="orthographicFront"/>
+      <a:lightRig rig="threePt" dir="t"/>
+    </dgm:scene3d>
+    <dgm:sp3d z="-25400" prstMaterial="plastic">
+      <a:bevelT w="25400" h="25400"/>
+      <a:bevelB w="25400" h="25400"/>
+    </dgm:sp3d>
+    <dgm:txPr/>
+    <dgm:style>
+      <a:lnRef idx="0">
+        <a:scrgbClr r="0" g="0" b="0"/>
+      </a:lnRef>
+      <a:fillRef idx="1">
+        <a:scrgbClr r="0" g="0" b="0"/>
+      </a:fillRef>
+      <a:effectRef idx="2">
+        <a:scrgbClr r="0" g="0" b="0"/>
+      </a:effectRef>
+      <a:fontRef idx="minor">
+        <a:schemeClr val="lt1"/>
+      </a:fontRef>
+    </dgm:style>
+  </dgm:styleLbl>
+  <dgm:styleLbl name="parChTrans2D2">
+    <dgm:scene3d>
+      <a:camera prst="orthographicFront"/>
+      <a:lightRig rig="threePt" dir="t"/>
+    </dgm:scene3d>
+    <dgm:sp3d z="-25400" prstMaterial="plastic">
+      <a:bevelT w="25400" h="25400"/>
+      <a:bevelB w="25400" h="25400"/>
+    </dgm:sp3d>
+    <dgm:txPr/>
+    <dgm:style>
+      <a:lnRef idx="0">
+        <a:scrgbClr r="0" g="0" b="0"/>
+      </a:lnRef>
+      <a:fillRef idx="1">
+        <a:scrgbClr r="0" g="0" b="0"/>
+      </a:fillRef>
+      <a:effectRef idx="2">
+        <a:scrgbClr r="0" g="0" b="0"/>
+      </a:effectRef>
+      <a:fontRef idx="minor">
+        <a:schemeClr val="lt1"/>
+      </a:fontRef>
+    </dgm:style>
+  </dgm:styleLbl>
+  <dgm:styleLbl name="parChTrans2D3">
+    <dgm:scene3d>
+      <a:camera prst="orthographicFront"/>
+      <a:lightRig rig="threePt" dir="t"/>
+    </dgm:scene3d>
+    <dgm:sp3d z="-25400" prstMaterial="plastic">
+      <a:bevelT w="25400" h="25400"/>
+      <a:bevelB w="25400" h="25400"/>
+    </dgm:sp3d>
+    <dgm:txPr/>
+    <dgm:style>
+      <a:lnRef idx="0">
+        <a:scrgbClr r="0" g="0" b="0"/>
+      </a:lnRef>
+      <a:fillRef idx="1">
+        <a:scrgbClr r="0" g="0" b="0"/>
+      </a:fillRef>
+      <a:effectRef idx="2">
+        <a:scrgbClr r="0" g="0" b="0"/>
+      </a:effectRef>
+      <a:fontRef idx="minor">
+        <a:schemeClr val="lt1"/>
+      </a:fontRef>
+    </dgm:style>
+  </dgm:styleLbl>
+  <dgm:styleLbl name="parChTrans2D4">
+    <dgm:scene3d>
+      <a:camera prst="orthographicFront"/>
+      <a:lightRig rig="threePt" dir="t"/>
+    </dgm:scene3d>
+    <dgm:sp3d z="-25400" prstMaterial="plastic">
+      <a:bevelT w="25400" h="25400"/>
+      <a:bevelB w="25400" h="25400"/>
+    </dgm:sp3d>
+    <dgm:txPr/>
+    <dgm:style>
+      <a:lnRef idx="0">
+        <a:scrgbClr r="0" g="0" b="0"/>
+      </a:lnRef>
+      <a:fillRef idx="1">
+        <a:scrgbClr r="0" g="0" b="0"/>
+      </a:fillRef>
+      <a:effectRef idx="2">
+        <a:scrgbClr r="0" g="0" b="0"/>
+      </a:effectRef>
+      <a:fontRef idx="minor">
+        <a:schemeClr val="lt1"/>
+      </a:fontRef>
+    </dgm:style>
+  </dgm:styleLbl>
+  <dgm:styleLbl name="parChTrans1D1">
+    <dgm:scene3d>
+      <a:camera prst="orthographicFront"/>
+      <a:lightRig rig="threePt" dir="t"/>
+    </dgm:scene3d>
+    <dgm:sp3d z="-25400" prstMaterial="plastic"/>
+    <dgm:txPr/>
+    <dgm:style>
+      <a:lnRef idx="2">
+        <a:scrgbClr r="0" g="0" b="0"/>
+      </a:lnRef>
+      <a:fillRef idx="0">
+        <a:scrgbClr r="0" g="0" b="0"/>
+      </a:fillRef>
+      <a:effectRef idx="0">
+        <a:scrgbClr r="0" g="0" b="0"/>
+      </a:effectRef>
+      <a:fontRef idx="minor">
+        <a:schemeClr val="tx1"/>
+      </a:fontRef>
+    </dgm:style>
+  </dgm:styleLbl>
+  <dgm:styleLbl name="parChTrans1D2">
+    <dgm:scene3d>
+      <a:camera prst="orthographicFront"/>
+      <a:lightRig rig="threePt" dir="t"/>
+    </dgm:scene3d>
+    <dgm:sp3d z="-25400" prstMaterial="plastic"/>
+    <dgm:txPr/>
+    <dgm:style>
+      <a:lnRef idx="2">
+        <a:scrgbClr r="0" g="0" b="0"/>
+      </a:lnRef>
+      <a:fillRef idx="0">
+        <a:scrgbClr r="0" g="0" b="0"/>
+      </a:fillRef>
+      <a:effectRef idx="0">
+        <a:scrgbClr r="0" g="0" b="0"/>
+      </a:effectRef>
+      <a:fontRef idx="minor">
+        <a:schemeClr val="tx1"/>
+      </a:fontRef>
+    </dgm:style>
+  </dgm:styleLbl>
+  <dgm:styleLbl name="parChTrans1D3">
+    <dgm:scene3d>
+      <a:camera prst="orthographicFront"/>
+      <a:lightRig rig="threePt" dir="t"/>
+    </dgm:scene3d>
+    <dgm:sp3d z="-25400" prstMaterial="plastic"/>
+    <dgm:txPr/>
+    <dgm:style>
+      <a:lnRef idx="2">
+        <a:scrgbClr r="0" g="0" b="0"/>
+      </a:lnRef>
+      <a:fillRef idx="0">
+        <a:scrgbClr r="0" g="0" b="0"/>
+      </a:fillRef>
+      <a:effectRef idx="0">
+        <a:scrgbClr r="0" g="0" b="0"/>
+      </a:effectRef>
+      <a:fontRef idx="minor">
+        <a:schemeClr val="tx1"/>
+      </a:fontRef>
+    </dgm:style>
+  </dgm:styleLbl>
+  <dgm:styleLbl name="parChTrans1D4">
+    <dgm:scene3d>
+      <a:camera prst="orthographicFront"/>
+      <a:lightRig rig="threePt" dir="t"/>
+    </dgm:scene3d>
+    <dgm:sp3d z="-25400" prstMaterial="plastic"/>
+    <dgm:txPr/>
+    <dgm:style>
+      <a:lnRef idx="2">
+        <a:scrgbClr r="0" g="0" b="0"/>
+      </a:lnRef>
+      <a:fillRef idx="0">
+        <a:scrgbClr r="0" g="0" b="0"/>
+      </a:fillRef>
+      <a:effectRef idx="0">
+        <a:scrgbClr r="0" g="0" b="0"/>
+      </a:effectRef>
+      <a:fontRef idx="minor">
+        <a:schemeClr val="tx1"/>
+      </a:fontRef>
+    </dgm:style>
+  </dgm:styleLbl>
+  <dgm:styleLbl name="fgAcc1">
+    <dgm:scene3d>
+      <a:camera prst="orthographicFront"/>
+      <a:lightRig rig="threePt" dir="t"/>
+    </dgm:scene3d>
+    <dgm:sp3d z="50080" prstMaterial="plastic">
+      <a:bevelT w="25400" h="25400"/>
+      <a:bevelB w="25400" h="25400"/>
+    </dgm:sp3d>
+    <dgm:txPr/>
+    <dgm:style>
+      <a:lnRef idx="1">
+        <a:scrgbClr r="0" g="0" b="0"/>
+      </a:lnRef>
+      <a:fillRef idx="1">
+        <a:scrgbClr r="0" g="0" b="0"/>
+      </a:fillRef>
+      <a:effectRef idx="2">
+        <a:scrgbClr r="0" g="0" b="0"/>
+      </a:effectRef>
+      <a:fontRef idx="minor"/>
+    </dgm:style>
+  </dgm:styleLbl>
+  <dgm:styleLbl name="conFgAcc1">
+    <dgm:scene3d>
+      <a:camera prst="orthographicFront"/>
+      <a:lightRig rig="threePt" dir="t"/>
+    </dgm:scene3d>
+    <dgm:sp3d z="-152400" prstMaterial="plastic">
+      <a:bevelT w="25400" h="25400"/>
+      <a:bevelB w="25400" h="25400"/>
+    </dgm:sp3d>
+    <dgm:txPr/>
+    <dgm:style>
+      <a:lnRef idx="1">
+        <a:scrgbClr r="0" g="0" b="0"/>
+      </a:lnRef>
+      <a:fillRef idx="1">
+        <a:scrgbClr r="0" g="0" b="0"/>
+      </a:fillRef>
+      <a:effectRef idx="2">
+        <a:scrgbClr r="0" g="0" b="0"/>
+      </a:effectRef>
+      <a:fontRef idx="minor"/>
+    </dgm:style>
+  </dgm:styleLbl>
+  <dgm:styleLbl name="alignAcc1">
+    <dgm:scene3d>
+      <a:camera prst="orthographicFront"/>
+      <a:lightRig rig="threePt" dir="t"/>
+    </dgm:scene3d>
+    <dgm:sp3d prstMaterial="plastic">
+      <a:bevelT w="25400" h="25400"/>
+      <a:bevelB w="25400" h="25400"/>
+    </dgm:sp3d>
+    <dgm:txPr/>
+    <dgm:style>
+      <a:lnRef idx="1">
+        <a:scrgbClr r="0" g="0" b="0"/>
+      </a:lnRef>
+      <a:fillRef idx="1">
+        <a:scrgbClr r="0" g="0" b="0"/>
+      </a:fillRef>
+      <a:effectRef idx="2">
+        <a:scrgbClr r="0" g="0" b="0"/>
+      </a:effectRef>
+      <a:fontRef idx="minor"/>
+    </dgm:style>
+  </dgm:styleLbl>
+  <dgm:styleLbl name="trAlignAcc1">
+    <dgm:scene3d>
+      <a:camera prst="orthographicFront"/>
+      <a:lightRig rig="threePt" dir="t"/>
+    </dgm:scene3d>
+    <dgm:sp3d prstMaterial="plastic">
+      <a:bevelT w="50800" h="50800"/>
+      <a:bevelB w="50800" h="50800"/>
+    </dgm:sp3d>
+    <dgm:txPr/>
+    <dgm:style>
+      <a:lnRef idx="1">
+        <a:scrgbClr r="0" g="0" b="0"/>
+      </a:lnRef>
+      <a:fillRef idx="1">
+        <a:scrgbClr r="0" g="0" b="0"/>
+      </a:fillRef>
+      <a:effectRef idx="2">
+        <a:scrgbClr r="0" g="0" b="0"/>
+      </a:effectRef>
+      <a:fontRef idx="minor"/>
+    </dgm:style>
+  </dgm:styleLbl>
+  <dgm:styleLbl name="bgAcc1">
+    <dgm:scene3d>
+      <a:camera prst="orthographicFront"/>
+      <a:lightRig rig="threePt" dir="t"/>
+    </dgm:scene3d>
+    <dgm:sp3d z="-152400" prstMaterial="plastic">
+      <a:bevelT w="25400" h="25400"/>
+      <a:bevelB w="25400" h="25400"/>
+    </dgm:sp3d>
+    <dgm:txPr/>
+    <dgm:style>
+      <a:lnRef idx="1">
+        <a:scrgbClr r="0" g="0" b="0"/>
+      </a:lnRef>
+      <a:fillRef idx="1">
+        <a:scrgbClr r="0" g="0" b="0"/>
+      </a:fillRef>
+      <a:effectRef idx="2">
+        <a:scrgbClr r="0" g="0" b="0"/>
+      </a:effectRef>
+      <a:fontRef idx="minor"/>
+    </dgm:style>
+  </dgm:styleLbl>
+  <dgm:styleLbl name="solidFgAcc1">
+    <dgm:scene3d>
+      <a:camera prst="orthographicFront"/>
+      <a:lightRig rig="threePt" dir="t"/>
+    </dgm:scene3d>
+    <dgm:sp3d z="152400" prstMaterial="plastic">
+      <a:bevelT w="25400" h="25400"/>
+      <a:bevelB w="25400" h="25400"/>
+    </dgm:sp3d>
+    <dgm:txPr/>
+    <dgm:style>
+      <a:lnRef idx="1">
+        <a:scrgbClr r="0" g="0" b="0"/>
+      </a:lnRef>
+      <a:fillRef idx="1">
+        <a:scrgbClr r="0" g="0" b="0"/>
+      </a:fillRef>
+      <a:effectRef idx="2">
+        <a:scrgbClr r="0" g="0" b="0"/>
+      </a:effectRef>
+      <a:fontRef idx="minor"/>
+    </dgm:style>
+  </dgm:styleLbl>
+  <dgm:styleLbl name="solidAlignAcc1">
+    <dgm:scene3d>
+      <a:camera prst="orthographicFront"/>
+      <a:lightRig rig="threePt" dir="t"/>
+    </dgm:scene3d>
+    <dgm:sp3d prstMaterial="plastic">
+      <a:bevelT w="25400" h="25400"/>
+      <a:bevelB w="25400" h="25400"/>
+    </dgm:sp3d>
+    <dgm:txPr/>
+    <dgm:style>
+      <a:lnRef idx="1">
+        <a:scrgbClr r="0" g="0" b="0"/>
+      </a:lnRef>
+      <a:fillRef idx="1">
+        <a:scrgbClr r="0" g="0" b="0"/>
+      </a:fillRef>
+      <a:effectRef idx="2">
+        <a:scrgbClr r="0" g="0" b="0"/>
+      </a:effectRef>
+      <a:fontRef idx="minor"/>
+    </dgm:style>
+  </dgm:styleLbl>
+  <dgm:styleLbl name="solidBgAcc1">
+    <dgm:scene3d>
+      <a:camera prst="orthographicFront"/>
+      <a:lightRig rig="threePt" dir="t"/>
+    </dgm:scene3d>
+    <dgm:sp3d z="-152400" prstMaterial="plastic">
+      <a:bevelT w="25400" h="25400"/>
+      <a:bevelB w="25400" h="25400"/>
+    </dgm:sp3d>
+    <dgm:txPr/>
+    <dgm:style>
+      <a:lnRef idx="1">
+        <a:scrgbClr r="0" g="0" b="0"/>
+      </a:lnRef>
+      <a:fillRef idx="1">
+        <a:scrgbClr r="0" g="0" b="0"/>
+      </a:fillRef>
+      <a:effectRef idx="2">
+        <a:scrgbClr r="0" g="0" b="0"/>
+      </a:effectRef>
+      <a:fontRef idx="minor"/>
+    </dgm:style>
+  </dgm:styleLbl>
+  <dgm:styleLbl name="fgAccFollowNode1">
+    <dgm:scene3d>
+      <a:camera prst="orthographicFront"/>
+      <a:lightRig rig="threePt" dir="t"/>
+    </dgm:scene3d>
+    <dgm:sp3d z="50080" prstMaterial="plastic">
+      <a:bevelT w="25400" h="25400"/>
+      <a:bevelB w="25400" h="25400"/>
+    </dgm:sp3d>
+    <dgm:txPr/>
+    <dgm:style>
+      <a:lnRef idx="0">
+        <a:scrgbClr r="0" g="0" b="0"/>
+      </a:lnRef>
+      <a:fillRef idx="1">
+        <a:scrgbClr r="0" g="0" b="0"/>
+      </a:fillRef>
+      <a:effectRef idx="2">
+        <a:scrgbClr r="0" g="0" b="0"/>
+      </a:effectRef>
+      <a:fontRef idx="minor"/>
+    </dgm:style>
+  </dgm:styleLbl>
+  <dgm:styleLbl name="alignAccFollowNode1">
+    <dgm:scene3d>
+      <a:camera prst="orthographicFront"/>
+      <a:lightRig rig="threePt" dir="t"/>
+    </dgm:scene3d>
+    <dgm:sp3d prstMaterial="plastic">
+      <a:bevelT w="25400" h="25400"/>
+      <a:bevelB w="25400" h="25400"/>
+    </dgm:sp3d>
+    <dgm:txPr/>
+    <dgm:style>
+      <a:lnRef idx="0">
+        <a:scrgbClr r="0" g="0" b="0"/>
+      </a:lnRef>
+      <a:fillRef idx="1">
+        <a:scrgbClr r="0" g="0" b="0"/>
+      </a:fillRef>
+      <a:effectRef idx="2">
+        <a:scrgbClr r="0" g="0" b="0"/>
+      </a:effectRef>
+      <a:fontRef idx="minor"/>
+    </dgm:style>
+  </dgm:styleLbl>
+  <dgm:styleLbl name="bgAccFollowNode1">
+    <dgm:scene3d>
+      <a:camera prst="orthographicFront"/>
+      <a:lightRig rig="threePt" dir="t"/>
+    </dgm:scene3d>
+    <dgm:sp3d z="-152400" prstMaterial="plastic">
+      <a:bevelT w="25400" h="25400"/>
+      <a:bevelB w="25400" h="25400"/>
+    </dgm:sp3d>
+    <dgm:txPr/>
+    <dgm:style>
+      <a:lnRef idx="0">
+        <a:scrgbClr r="0" g="0" b="0"/>
+      </a:lnRef>
+      <a:fillRef idx="1">
+        <a:scrgbClr r="0" g="0" b="0"/>
+      </a:fillRef>
+      <a:effectRef idx="2">
+        <a:scrgbClr r="0" g="0" b="0"/>
+      </a:effectRef>
+      <a:fontRef idx="minor"/>
+    </dgm:style>
+  </dgm:styleLbl>
+  <dgm:styleLbl name="fgAcc0">
+    <dgm:scene3d>
+      <a:camera prst="orthographicFront"/>
+      <a:lightRig rig="threePt" dir="t"/>
+    </dgm:scene3d>
+    <dgm:sp3d z="50080" prstMaterial="plastic">
+      <a:bevelT w="25400" h="25400"/>
+      <a:bevelB w="25400" h="25400"/>
+    </dgm:sp3d>
+    <dgm:txPr/>
+    <dgm:style>
+      <a:lnRef idx="1">
+        <a:scrgbClr r="0" g="0" b="0"/>
+      </a:lnRef>
+      <a:fillRef idx="1">
+        <a:scrgbClr r="0" g="0" b="0"/>
+      </a:fillRef>
+      <a:effectRef idx="0">
+        <a:scrgbClr r="0" g="0" b="0"/>
+      </a:effectRef>
+      <a:fontRef idx="minor"/>
+    </dgm:style>
+  </dgm:styleLbl>
+  <dgm:styleLbl name="fgAcc2">
+    <dgm:scene3d>
+      <a:camera prst="orthographicFront"/>
+      <a:lightRig rig="threePt" dir="t"/>
+    </dgm:scene3d>
+    <dgm:sp3d z="50080" prstMaterial="plastic">
+      <a:bevelT w="25400" h="25400"/>
+      <a:bevelB w="25400" h="25400"/>
+    </dgm:sp3d>
+    <dgm:txPr/>
+    <dgm:style>
+      <a:lnRef idx="1">
+        <a:scrgbClr r="0" g="0" b="0"/>
+      </a:lnRef>
+      <a:fillRef idx="1">
+        <a:scrgbClr r="0" g="0" b="0"/>
+      </a:fillRef>
+      <a:effectRef idx="0">
+        <a:scrgbClr r="0" g="0" b="0"/>
+      </a:effectRef>
+      <a:fontRef idx="minor"/>
+    </dgm:style>
+  </dgm:styleLbl>
+  <dgm:styleLbl name="fgAcc3">
+    <dgm:scene3d>
+      <a:camera prst="orthographicFront"/>
+      <a:lightRig rig="threePt" dir="t"/>
+    </dgm:scene3d>
+    <dgm:sp3d z="50080" prstMaterial="plastic">
+      <a:bevelT w="25400" h="25400"/>
+      <a:bevelB w="25400" h="25400"/>
+    </dgm:sp3d>
+    <dgm:txPr/>
+    <dgm:style>
+      <a:lnRef idx="1">
+        <a:scrgbClr r="0" g="0" b="0"/>
+      </a:lnRef>
+      <a:fillRef idx="1">
+        <a:scrgbClr r="0" g="0" b="0"/>
+      </a:fillRef>
+      <a:effectRef idx="0">
+        <a:scrgbClr r="0" g="0" b="0"/>
+      </a:effectRef>
+      <a:fontRef idx="minor"/>
+    </dgm:style>
+  </dgm:styleLbl>
+  <dgm:styleLbl name="fgAcc4">
+    <dgm:scene3d>
+      <a:camera prst="orthographicFront"/>
+      <a:lightRig rig="threePt" dir="t"/>
+    </dgm:scene3d>
+    <dgm:sp3d z="50080" prstMaterial="plastic">
+      <a:bevelT w="25400" h="25400"/>
+      <a:bevelB w="25400" h="25400"/>
+    </dgm:sp3d>
+    <dgm:txPr/>
+    <dgm:style>
+      <a:lnRef idx="1">
+        <a:scrgbClr r="0" g="0" b="0"/>
+      </a:lnRef>
+      <a:fillRef idx="1">
+        <a:scrgbClr r="0" g="0" b="0"/>
+      </a:fillRef>
+      <a:effectRef idx="0">
+        <a:scrgbClr r="0" g="0" b="0"/>
+      </a:effectRef>
+      <a:fontRef idx="minor"/>
+    </dgm:style>
+  </dgm:styleLbl>
+  <dgm:styleLbl name="bgShp">
+    <dgm:scene3d>
+      <a:camera prst="orthographicFront"/>
+      <a:lightRig rig="threePt" dir="t"/>
+    </dgm:scene3d>
+    <dgm:sp3d z="-152400" prstMaterial="plastic">
+      <a:bevelT w="25400" h="25400"/>
+      <a:bevelB w="25400" h="25400"/>
+    </dgm:sp3d>
+    <dgm:txPr/>
+    <dgm:style>
+      <a:lnRef idx="0">
+        <a:scrgbClr r="0" g="0" b="0"/>
+      </a:lnRef>
+      <a:fillRef idx="1">
+        <a:scrgbClr r="0" g="0" b="0"/>
+      </a:fillRef>
+      <a:effectRef idx="0">
+        <a:scrgbClr r="0" g="0" b="0"/>
+      </a:effectRef>
+      <a:fontRef idx="minor"/>
+    </dgm:style>
+  </dgm:styleLbl>
+  <dgm:styleLbl name="dkBgShp">
+    <dgm:scene3d>
+      <a:camera prst="orthographicFront"/>
+      <a:lightRig rig="threePt" dir="t"/>
+    </dgm:scene3d>
+    <dgm:sp3d prstMaterial="plastic">
+      <a:bevelT w="50800" h="50800"/>
+      <a:bevelB w="50800" h="50800"/>
+    </dgm:sp3d>
+    <dgm:txPr/>
+    <dgm:style>
+      <a:lnRef idx="0">
+        <a:scrgbClr r="0" g="0" b="0"/>
+      </a:lnRef>
+      <a:fillRef idx="1">
+        <a:scrgbClr r="0" g="0" b="0"/>
+      </a:fillRef>
+      <a:effectRef idx="2">
+        <a:scrgbClr r="0" g="0" b="0"/>
+      </a:effectRef>
+      <a:fontRef idx="minor"/>
+    </dgm:style>
+  </dgm:styleLbl>
+  <dgm:styleLbl name="trBgShp">
+    <dgm:scene3d>
+      <a:camera prst="orthographicFront"/>
+      <a:lightRig rig="threePt" dir="t"/>
+    </dgm:scene3d>
+    <dgm:sp3d z="-10400" extrusionH="12700" prstMaterial="plastic"/>
+    <dgm:txPr/>
+    <dgm:style>
+      <a:lnRef idx="0">
+        <a:scrgbClr r="0" g="0" b="0"/>
+      </a:lnRef>
+      <a:fillRef idx="1">
+        <a:scrgbClr r="0" g="0" b="0"/>
+      </a:fillRef>
+      <a:effectRef idx="0">
+        <a:scrgbClr r="0" g="0" b="0"/>
+      </a:effectRef>
+      <a:fontRef idx="minor"/>
+    </dgm:style>
+  </dgm:styleLbl>
+  <dgm:styleLbl name="fgShp">
+    <dgm:scene3d>
+      <a:camera prst="orthographicFront"/>
+      <a:lightRig rig="threePt" dir="t"/>
+    </dgm:scene3d>
+    <dgm:sp3d z="50080" prstMaterial="plastic">
+      <a:bevelT w="50800" h="50800"/>
+      <a:bevelB w="50800" h="50800"/>
+    </dgm:sp3d>
+    <dgm:txPr/>
+    <dgm:style>
+      <a:lnRef idx="0">
+        <a:scrgbClr r="0" g="0" b="0"/>
+      </a:lnRef>
+      <a:fillRef idx="1">
+        <a:scrgbClr r="0" g="0" b="0"/>
+      </a:fillRef>
+      <a:effectRef idx="2">
+        <a:scrgbClr r="0" g="0" b="0"/>
+      </a:effectRef>
+      <a:fontRef idx="minor"/>
+    </dgm:style>
+  </dgm:styleLbl>
+  <dgm:styleLbl name="revTx">
+    <dgm:scene3d>
+      <a:camera prst="orthographicFront"/>
+      <a:lightRig rig="threePt" dir="t"/>
+    </dgm:scene3d>
+    <dgm:sp3d/>
+    <dgm:txPr/>
+    <dgm:style>
+      <a:lnRef idx="0">
+        <a:scrgbClr r="0" g="0" b="0"/>
+      </a:lnRef>
+      <a:fillRef idx="1">
+        <a:scrgbClr r="0" g="0" b="0"/>
+      </a:fillRef>
+      <a:effectRef idx="0">
+        <a:scrgbClr r="0" g="0" b="0"/>
+      </a:effectRef>
+      <a:fontRef idx="minor"/>
+    </dgm:style>
+  </dgm:styleLbl>
+</dgm:styleDef>
+</file>
+
 <file path=ppt/notesMasters/notesMaster1.xml><?xml version="1.0" encoding="utf-8"?>
 <p:notesMaster xmlns:a="http://schemas.openxmlformats.org/drawingml/2006/main" xmlns:r="http://schemas.openxmlformats.org/officeDocument/2006/relationships" xmlns:p="http://schemas.openxmlformats.org/presentationml/2006/main">
   <p:cSld>
@@ -215,7 +4226,7 @@
             <a:fld id="{C238408C-6839-46EE-8131-EDA75C487F2E}" type="datetimeFigureOut">
               <a:rPr lang="en-US" smtClean="0"/>
               <a:pPr/>
-              <a:t>10/11/2017</a:t>
+              <a:t>10/10/2017</a:t>
             </a:fld>
             <a:endParaRPr lang="en-US"/>
           </a:p>
@@ -547,7 +4558,7 @@
             <a:fld id="{743653DA-8BF4-4869-96FE-9BCF43372D46}" type="datetimeFigureOut">
               <a:rPr lang="en-US" smtClean="0"/>
               <a:pPr/>
-              <a:t>10/11/2017</a:t>
+              <a:t>10/10/2017</a:t>
             </a:fld>
             <a:endParaRPr lang="en-US" dirty="0"/>
           </a:p>
@@ -1280,7 +5291,7 @@
             <a:fld id="{B7129108-AC8D-4212-9283-60D9E99BF07A}" type="datetimeFigureOut">
               <a:rPr lang="en-US" smtClean="0"/>
               <a:pPr/>
-              <a:t>10/11/2017</a:t>
+              <a:t>10/10/2017</a:t>
             </a:fld>
             <a:endParaRPr lang="en-US" dirty="0"/>
           </a:p>
@@ -1509,7 +5520,7 @@
             <a:fld id="{B6DED3D3-6235-4F4C-B439-DF277FB555A7}" type="datetimeFigureOut">
               <a:rPr lang="en-US" smtClean="0"/>
               <a:pPr/>
-              <a:t>10/11/2017</a:t>
+              <a:t>10/10/2017</a:t>
             </a:fld>
             <a:endParaRPr lang="en-US" dirty="0"/>
           </a:p>
@@ -1797,7 +5808,7 @@
             <a:fld id="{3B5F1E3E-4B2F-4895-B65E-28B2E64F39F6}" type="datetimeFigureOut">
               <a:rPr lang="en-US" smtClean="0"/>
               <a:pPr/>
-              <a:t>10/11/2017</a:t>
+              <a:t>10/10/2017</a:t>
             </a:fld>
             <a:endParaRPr lang="en-US" dirty="0"/>
           </a:p>
@@ -2269,7 +6280,7 @@
             <a:fld id="{63085435-8225-4333-BFFA-0096413F0D76}" type="datetimeFigureOut">
               <a:rPr lang="en-US" smtClean="0"/>
               <a:pPr/>
-              <a:t>10/11/2017</a:t>
+              <a:t>10/10/2017</a:t>
             </a:fld>
             <a:endParaRPr lang="en-US"/>
           </a:p>
@@ -2812,7 +6823,7 @@
             <a:fld id="{0783C494-2A87-468C-A21B-CB14FB9ABB00}" type="datetimeFigureOut">
               <a:rPr lang="en-US" smtClean="0"/>
               <a:pPr/>
-              <a:t>10/11/2017</a:t>
+              <a:t>10/10/2017</a:t>
             </a:fld>
             <a:endParaRPr lang="en-US"/>
           </a:p>
@@ -2904,7 +6915,7 @@
             <a:fld id="{9A180FA0-5B31-4864-A2BB-719EA5A679C6}" type="datetimeFigureOut">
               <a:rPr lang="en-US" smtClean="0"/>
               <a:pPr/>
-              <a:t>10/11/2017</a:t>
+              <a:t>10/10/2017</a:t>
             </a:fld>
             <a:endParaRPr lang="en-US"/>
           </a:p>
@@ -3158,7 +7169,7 @@
             <a:fld id="{4BECC0C8-36B8-442A-833D-B6AACE86BB77}" type="datetimeFigureOut">
               <a:rPr lang="en-US" smtClean="0"/>
               <a:pPr/>
-              <a:t>10/11/2017</a:t>
+              <a:t>10/10/2017</a:t>
             </a:fld>
             <a:endParaRPr lang="en-US"/>
           </a:p>
@@ -3427,7 +7438,7 @@
             <a:fld id="{51E20EC5-AC53-4169-941E-EDF10CD23748}" type="datetimeFigureOut">
               <a:rPr lang="en-US" smtClean="0"/>
               <a:pPr/>
-              <a:t>10/11/2017</a:t>
+              <a:t>10/10/2017</a:t>
             </a:fld>
             <a:endParaRPr lang="en-US" dirty="0"/>
           </a:p>
@@ -3841,7 +7852,7 @@
                 </a:solidFill>
               </a:rPr>
               <a:pPr/>
-              <a:t>10/11/2017</a:t>
+              <a:t>10/10/2017</a:t>
             </a:fld>
             <a:endParaRPr lang="en-US" sz="1100" dirty="0">
               <a:solidFill>
@@ -4603,23 +8614,7 @@
                   <a:schemeClr val="tx1"/>
                 </a:solidFill>
               </a:rPr>
-              <a:t>Mars </a:t>
-            </a:r>
-            <a:r>
-              <a:rPr lang="en-US" sz="2400" dirty="0" smtClean="0">
-                <a:solidFill>
-                  <a:schemeClr val="tx1"/>
-                </a:solidFill>
-              </a:rPr>
-              <a:t>Orbiter </a:t>
-            </a:r>
-            <a:r>
-              <a:rPr lang="en-US" sz="2400" dirty="0" smtClean="0">
-                <a:solidFill>
-                  <a:schemeClr val="tx1"/>
-                </a:solidFill>
-              </a:rPr>
-              <a:t>Mission</a:t>
+              <a:t>Mars Orbital Mission</a:t>
             </a:r>
           </a:p>
           <a:p>
@@ -5215,243 +9210,174 @@
           <a:lstStyle/>
           <a:p>
             <a:r>
-              <a:rPr lang="en-US" sz="4000" dirty="0" smtClean="0"/>
-              <a:t>Earlier Days</a:t>
+              <a:rPr lang="en-US" sz="4000" dirty="0" smtClean="0">
+                <a:solidFill>
+                  <a:schemeClr val="tx1"/>
+                </a:solidFill>
+              </a:rPr>
+              <a:t>Facts about MOM</a:t>
             </a:r>
-            <a:endParaRPr lang="en-US" sz="4000" dirty="0"/>
+            <a:endParaRPr lang="en-US" sz="4000" dirty="0">
+              <a:solidFill>
+                <a:schemeClr val="tx1"/>
+              </a:solidFill>
+            </a:endParaRPr>
           </a:p>
         </p:txBody>
       </p:sp>
       <p:sp>
         <p:nvSpPr>
-          <p:cNvPr id="5" name="Text Placeholder 3"/>
-          <p:cNvSpPr txBox="1">
-            <a:spLocks/>
+          <p:cNvPr id="3" name="Text Placeholder 2"/>
+          <p:cNvSpPr>
+            <a:spLocks noGrp="1"/>
           </p:cNvSpPr>
-          <p:nvPr/>
+          <p:nvPr>
+            <p:ph type="body" idx="1"/>
+          </p:nvPr>
         </p:nvSpPr>
         <p:spPr>
           <a:xfrm>
-            <a:off x="4495800" y="1843088"/>
-            <a:ext cx="4114800" cy="4405312"/>
+            <a:off x="685800" y="1435100"/>
+            <a:ext cx="8153400" cy="4965700"/>
           </a:xfrm>
-          <a:prstGeom prst="rect">
-            <a:avLst/>
-          </a:prstGeom>
         </p:spPr>
         <p:txBody>
-          <a:bodyPr vert="horz">
-            <a:normAutofit/>
-          </a:bodyPr>
-          <a:lstStyle>
-            <a:lvl1pPr marL="27432" indent="0" algn="l" rtl="0" eaLnBrk="1" latinLnBrk="0" hangingPunct="1">
-              <a:spcBef>
-                <a:spcPts val="0"/>
-              </a:spcBef>
-              <a:buSzPct val="95000"/>
-              <a:buFont typeface="Wingdings"/>
-              <a:buNone/>
-              <a:defRPr sz="1400" kern="1200">
-                <a:solidFill>
-                  <a:schemeClr val="tx1"/>
-                </a:solidFill>
-                <a:latin typeface="+mn-lt"/>
-                <a:ea typeface="+mn-ea"/>
-                <a:cs typeface="Arial" pitchFamily="34" charset="0"/>
-              </a:defRPr>
-            </a:lvl1pPr>
-            <a:lvl2pPr marL="740664" indent="-285750" algn="l" rtl="0" eaLnBrk="1" latinLnBrk="0" hangingPunct="1">
-              <a:spcBef>
-                <a:spcPct val="20000"/>
-              </a:spcBef>
-              <a:buClr>
-                <a:schemeClr val="accent2"/>
-              </a:buClr>
-              <a:buSzPct val="90000"/>
-              <a:buFont typeface="Wingdings"/>
-              <a:buChar char=""/>
-              <a:defRPr sz="1200" kern="1200">
-                <a:solidFill>
-                  <a:schemeClr val="tx1"/>
-                </a:solidFill>
-                <a:latin typeface="+mn-lt"/>
-                <a:ea typeface="+mn-ea"/>
-                <a:cs typeface="Arial" pitchFamily="34" charset="0"/>
-              </a:defRPr>
-            </a:lvl2pPr>
-            <a:lvl3pPr marL="996696" indent="-228600" algn="l" rtl="0" eaLnBrk="1" latinLnBrk="0" hangingPunct="1">
-              <a:spcBef>
-                <a:spcPct val="20000"/>
-              </a:spcBef>
-              <a:buClr>
-                <a:schemeClr val="accent2"/>
-              </a:buClr>
-              <a:buFont typeface="Wingdings 2"/>
-              <a:buChar char=""/>
-              <a:defRPr sz="1000" kern="1200">
-                <a:solidFill>
-                  <a:schemeClr val="tx1"/>
-                </a:solidFill>
-                <a:latin typeface="+mn-lt"/>
-                <a:ea typeface="+mn-ea"/>
-                <a:cs typeface="Arial" pitchFamily="34" charset="0"/>
-              </a:defRPr>
-            </a:lvl3pPr>
-            <a:lvl4pPr marL="1261872" indent="-228600" algn="l" rtl="0" eaLnBrk="1" latinLnBrk="0" hangingPunct="1">
-              <a:spcBef>
-                <a:spcPct val="20000"/>
-              </a:spcBef>
-              <a:buClr>
-                <a:schemeClr val="accent3"/>
-              </a:buClr>
-              <a:buFont typeface="Wingdings 3"/>
-              <a:buChar char=""/>
-              <a:defRPr sz="900" kern="1200">
-                <a:solidFill>
-                  <a:schemeClr val="tx1"/>
-                </a:solidFill>
-                <a:latin typeface="+mn-lt"/>
-                <a:ea typeface="+mn-ea"/>
-                <a:cs typeface="Arial" pitchFamily="34" charset="0"/>
-              </a:defRPr>
-            </a:lvl4pPr>
-            <a:lvl5pPr marL="1481328" indent="-210312" algn="l" rtl="0" eaLnBrk="1" latinLnBrk="0" hangingPunct="1">
-              <a:spcBef>
-                <a:spcPct val="20000"/>
-              </a:spcBef>
-              <a:buClr>
-                <a:schemeClr val="accent3"/>
-              </a:buClr>
-              <a:buFont typeface="Wingdings 2"/>
-              <a:buChar char=""/>
-              <a:defRPr sz="900" kern="1200">
-                <a:solidFill>
-                  <a:schemeClr val="tx1"/>
-                </a:solidFill>
-                <a:latin typeface="+mn-lt"/>
-                <a:ea typeface="+mn-ea"/>
-                <a:cs typeface="Arial" pitchFamily="34" charset="0"/>
-              </a:defRPr>
-            </a:lvl5pPr>
-            <a:lvl6pPr marL="1709928" indent="-210312" algn="l" rtl="0" eaLnBrk="1" latinLnBrk="0" hangingPunct="1">
-              <a:spcBef>
-                <a:spcPct val="20000"/>
-              </a:spcBef>
-              <a:buClr>
-                <a:schemeClr val="accent3"/>
-              </a:buClr>
-              <a:buFont typeface="Wingdings 2"/>
-              <a:buChar char=""/>
-              <a:defRPr sz="1800" kern="1200">
-                <a:solidFill>
-                  <a:schemeClr val="tx1"/>
-                </a:solidFill>
-                <a:latin typeface="+mn-lt"/>
-                <a:ea typeface="+mn-ea"/>
-                <a:cs typeface="+mn-cs"/>
-              </a:defRPr>
-            </a:lvl6pPr>
-            <a:lvl7pPr marL="1901952" indent="-182880" algn="l" rtl="0" eaLnBrk="1" latinLnBrk="0" hangingPunct="1">
-              <a:spcBef>
-                <a:spcPct val="20000"/>
-              </a:spcBef>
-              <a:buClr>
-                <a:schemeClr val="accent4"/>
-              </a:buClr>
-              <a:buFont typeface="Wingdings 2"/>
-              <a:buChar char=""/>
-              <a:defRPr sz="1600" kern="1200">
-                <a:solidFill>
-                  <a:schemeClr val="tx1"/>
-                </a:solidFill>
-                <a:latin typeface="+mn-lt"/>
-                <a:ea typeface="+mn-ea"/>
-                <a:cs typeface="+mn-cs"/>
-              </a:defRPr>
-            </a:lvl7pPr>
-            <a:lvl8pPr marL="2093976" indent="-182880" algn="l" rtl="0" eaLnBrk="1" latinLnBrk="0" hangingPunct="1">
-              <a:spcBef>
-                <a:spcPct val="20000"/>
-              </a:spcBef>
-              <a:buClr>
-                <a:schemeClr val="accent4"/>
-              </a:buClr>
-              <a:buFont typeface="Wingdings 2"/>
-              <a:buChar char=""/>
-              <a:defRPr sz="1600" kern="1200">
-                <a:solidFill>
-                  <a:schemeClr val="tx1"/>
-                </a:solidFill>
-                <a:latin typeface="+mn-lt"/>
-                <a:ea typeface="+mn-ea"/>
-                <a:cs typeface="+mn-cs"/>
-              </a:defRPr>
-            </a:lvl8pPr>
-            <a:lvl9pPr marL="2286000" indent="-182880" algn="l" rtl="0" eaLnBrk="1" latinLnBrk="0" hangingPunct="1">
-              <a:spcBef>
-                <a:spcPct val="20000"/>
-              </a:spcBef>
-              <a:buClr>
-                <a:schemeClr val="accent4"/>
-              </a:buClr>
-              <a:buFont typeface="Wingdings 2"/>
-              <a:buChar char=""/>
-              <a:defRPr sz="1600" kern="1200">
-                <a:solidFill>
-                  <a:schemeClr val="tx1"/>
-                </a:solidFill>
-                <a:latin typeface="+mn-lt"/>
-                <a:ea typeface="+mn-ea"/>
-                <a:cs typeface="+mn-cs"/>
-              </a:defRPr>
-            </a:lvl9pPr>
-            <a:extLst/>
-          </a:lstStyle>
-          <a:p>
-            <a:endParaRPr lang="en-US" sz="1800" dirty="0"/>
+          <a:bodyPr/>
+          <a:lstStyle/>
+          <a:p>
+            <a:r>
+              <a:rPr lang="en-US" dirty="0" smtClean="0"/>
+              <a:t>There are some of the real </a:t>
+            </a:r>
+            <a:r>
+              <a:rPr lang="en-US" dirty="0" err="1" smtClean="0"/>
+              <a:t>criticle</a:t>
+            </a:r>
+            <a:r>
+              <a:rPr lang="en-US" dirty="0" smtClean="0"/>
+              <a:t> issues with the MOM</a:t>
+            </a:r>
+            <a:r>
+              <a:rPr lang="en-US" sz="1900" dirty="0" smtClean="0"/>
+              <a:t>:</a:t>
+            </a:r>
+            <a:endParaRPr lang="en-US" dirty="0" smtClean="0"/>
+          </a:p>
+          <a:p>
+            <a:pPr lvl="1">
+              <a:buFontTx/>
+              <a:buChar char="•"/>
+            </a:pPr>
+            <a:r>
+              <a:rPr lang="en-US" sz="1900" dirty="0" smtClean="0"/>
+              <a:t>Min distance - 54.6 million </a:t>
+            </a:r>
+            <a:r>
+              <a:rPr lang="en-US" sz="1900" dirty="0" err="1" smtClean="0"/>
+              <a:t>kms</a:t>
+            </a:r>
+            <a:endParaRPr lang="en-US" sz="1900" dirty="0" smtClean="0"/>
+          </a:p>
+          <a:p>
+            <a:pPr marL="454914" lvl="1" indent="0"/>
+            <a:endParaRPr lang="en-US" sz="800" dirty="0" smtClean="0"/>
+          </a:p>
+          <a:p>
+            <a:pPr lvl="1">
+              <a:buFontTx/>
+              <a:buChar char="•"/>
+            </a:pPr>
+            <a:r>
+              <a:rPr lang="en-US" sz="1900" dirty="0" smtClean="0"/>
+              <a:t>Max distance – 401 million </a:t>
+            </a:r>
+            <a:r>
+              <a:rPr lang="en-US" sz="1900" dirty="0" err="1" smtClean="0"/>
+              <a:t>kms</a:t>
+            </a:r>
+            <a:endParaRPr lang="en-US" sz="1900" dirty="0" smtClean="0"/>
+          </a:p>
+          <a:p>
+            <a:pPr lvl="1">
+              <a:buFontTx/>
+              <a:buChar char="•"/>
+            </a:pPr>
+            <a:endParaRPr lang="en-US" sz="800" dirty="0" smtClean="0"/>
+          </a:p>
+          <a:p>
+            <a:pPr lvl="1">
+              <a:buFontTx/>
+              <a:buChar char="•"/>
+            </a:pPr>
+            <a:r>
+              <a:rPr lang="en-US" sz="1900" dirty="0" smtClean="0"/>
+              <a:t>4</a:t>
+            </a:r>
+            <a:r>
+              <a:rPr lang="en-US" sz="1900" baseline="30000" dirty="0" smtClean="0"/>
+              <a:t>th</a:t>
+            </a:r>
+            <a:r>
+              <a:rPr lang="en-US" sz="1900" dirty="0" smtClean="0"/>
+              <a:t> bullet point</a:t>
+            </a:r>
+          </a:p>
+          <a:p>
+            <a:pPr lvl="1">
+              <a:buFontTx/>
+              <a:buChar char="•"/>
+            </a:pPr>
+            <a:endParaRPr lang="en-US" sz="800" dirty="0" smtClean="0"/>
+          </a:p>
+          <a:p>
+            <a:pPr lvl="1">
+              <a:buFontTx/>
+              <a:buChar char="•"/>
+            </a:pPr>
+            <a:r>
+              <a:rPr lang="en-US" sz="1900" dirty="0" smtClean="0"/>
+              <a:t>5</a:t>
+            </a:r>
+            <a:r>
+              <a:rPr lang="en-US" sz="1900" baseline="30000" dirty="0" smtClean="0"/>
+              <a:t>th</a:t>
+            </a:r>
+            <a:r>
+              <a:rPr lang="en-US" sz="1900" dirty="0" smtClean="0"/>
+              <a:t> bullet point</a:t>
+            </a:r>
+            <a:endParaRPr lang="en-US" dirty="0"/>
           </a:p>
         </p:txBody>
       </p:sp>
-      <p:pic>
-        <p:nvPicPr>
-          <p:cNvPr id="3" name="Picture 2"/>
-          <p:cNvPicPr>
-            <a:picLocks noChangeAspect="1"/>
-          </p:cNvPicPr>
+      <p:graphicFrame>
+        <p:nvGraphicFramePr>
+          <p:cNvPr id="7" name="Diagram 6"/>
+          <p:cNvGraphicFramePr/>
           <p:nvPr/>
-        </p:nvPicPr>
-        <p:blipFill>
-          <a:blip r:embed="rId2">
-            <a:extLst>
-              <a:ext uri="{28A0092B-C50C-407E-A947-70E740481C1C}">
-                <a14:useLocalDpi xmlns:a14="http://schemas.microsoft.com/office/drawing/2010/main" val="0"/>
-              </a:ext>
-            </a:extLst>
-          </a:blip>
-          <a:stretch>
-            <a:fillRect/>
-          </a:stretch>
-        </p:blipFill>
-        <p:spPr>
-          <a:xfrm>
-            <a:off x="152400" y="1454944"/>
-            <a:ext cx="8839200" cy="5181600"/>
-          </a:xfrm>
-          <a:prstGeom prst="rect">
-            <a:avLst/>
-          </a:prstGeom>
-        </p:spPr>
-      </p:pic>
+        </p:nvGraphicFramePr>
+        <p:xfrm>
+          <a:off x="3276600" y="2743200"/>
+          <a:ext cx="5715000" cy="3657600"/>
+        </p:xfrm>
+        <a:graphic>
+          <a:graphicData uri="http://schemas.openxmlformats.org/drawingml/2006/diagram">
+            <dgm:relIds xmlns:dgm="http://schemas.openxmlformats.org/drawingml/2006/diagram" xmlns:r="http://schemas.openxmlformats.org/officeDocument/2006/relationships" r:dm="rId2" r:lo="rId3" r:qs="rId4" r:cs="rId5"/>
+          </a:graphicData>
+        </a:graphic>
+      </p:graphicFrame>
     </p:spTree>
-    <p:extLst>
-      <p:ext uri="{BB962C8B-B14F-4D97-AF65-F5344CB8AC3E}">
-        <p14:creationId xmlns:p14="http://schemas.microsoft.com/office/powerpoint/2010/main" val="107196225"/>
-      </p:ext>
-    </p:extLst>
   </p:cSld>
   <p:clrMapOvr>
     <a:masterClrMapping/>
   </p:clrMapOvr>
+  <p:timing>
+    <p:tnLst>
+      <p:par>
+        <p:cTn id="1" dur="indefinite" restart="never" nodeType="tmRoot"/>
+      </p:par>
+    </p:tnLst>
+  </p:timing>
 </p:sld>
 </file>
 
@@ -5493,15 +9419,7 @@
                   <a:schemeClr val="tx1"/>
                 </a:solidFill>
               </a:rPr>
-              <a:t>Facts about </a:t>
-            </a:r>
-            <a:r>
-              <a:rPr lang="en-US" sz="4000" dirty="0" smtClean="0">
-                <a:solidFill>
-                  <a:schemeClr val="tx1"/>
-                </a:solidFill>
-              </a:rPr>
-              <a:t>Mars</a:t>
+              <a:t>Variables</a:t>
             </a:r>
             <a:endParaRPr lang="en-US" sz="4000" dirty="0">
               <a:solidFill>
@@ -5523,8 +9441,8 @@
         </p:nvSpPr>
         <p:spPr>
           <a:xfrm>
-            <a:off x="685800" y="1905000"/>
-            <a:ext cx="8153400" cy="4495800"/>
+            <a:off x="685800" y="1219200"/>
+            <a:ext cx="8229600" cy="4787900"/>
           </a:xfrm>
         </p:spPr>
         <p:txBody>
@@ -5533,78 +9451,1672 @@
           </a:bodyPr>
           <a:lstStyle/>
           <a:p>
-            <a:endParaRPr lang="en-US" sz="2800" dirty="0" smtClean="0"/>
-          </a:p>
-          <a:p>
-            <a:pPr lvl="1">
-              <a:buFontTx/>
-              <a:buChar char="•"/>
+            <a:pPr marL="411480" lvl="0" indent="-342900">
+              <a:buFont typeface="Wingdings"/>
+              <a:buChar char=""/>
+              <a:defRPr/>
             </a:pPr>
             <a:r>
-              <a:rPr lang="en-US" sz="2800" dirty="0" smtClean="0"/>
-              <a:t>Min distance - 54.6 million </a:t>
+              <a:rPr lang="en-US" sz="1400" dirty="0" smtClean="0"/>
+              <a:t>Controlled variables:  These are the things that are kept the same throughout your experiments.</a:t>
+            </a:r>
+          </a:p>
+          <a:p>
+            <a:pPr marL="411480" lvl="0" indent="-342900">
+              <a:buFont typeface="Wingdings"/>
+              <a:buChar char=""/>
+              <a:defRPr/>
+            </a:pPr>
+            <a:r>
+              <a:rPr lang="en-US" sz="1400" dirty="0" smtClean="0"/>
+              <a:t>Independent variable:  The </a:t>
             </a:r>
             <a:r>
-              <a:rPr lang="en-US" sz="2800" dirty="0" smtClean="0"/>
-              <a:t>km</a:t>
+              <a:rPr lang="en-US" sz="1400" u="sng" dirty="0" smtClean="0"/>
+              <a:t>one</a:t>
             </a:r>
-            <a:endParaRPr lang="en-US" sz="2800" dirty="0" smtClean="0"/>
-          </a:p>
-          <a:p>
-            <a:pPr lvl="1">
-              <a:buFontTx/>
-              <a:buChar char="•"/>
+            <a:r>
+              <a:rPr lang="en-US" sz="1400" dirty="0" smtClean="0"/>
+              <a:t> variable that you purposely change and test.</a:t>
+            </a:r>
+          </a:p>
+          <a:p>
+            <a:pPr marL="411480" lvl="0" indent="-342900">
+              <a:buFont typeface="Wingdings"/>
+              <a:buChar char=""/>
+              <a:defRPr/>
             </a:pPr>
             <a:r>
-              <a:rPr lang="en-US" sz="2800" dirty="0" smtClean="0"/>
-              <a:t>Max distance – 401 million </a:t>
+              <a:rPr lang="en-US" sz="1400" dirty="0" smtClean="0"/>
+              <a:t>Dependent variable:  The measure of change observed because of the independent variable.  It is important to decide how you are going to measure the change.</a:t>
             </a:r>
-            <a:r>
-              <a:rPr lang="en-US" sz="2800" dirty="0" smtClean="0"/>
-              <a:t>km</a:t>
-            </a:r>
-          </a:p>
-          <a:p>
-            <a:pPr lvl="1">
-              <a:buFontTx/>
-              <a:buChar char="•"/>
-            </a:pPr>
-            <a:r>
-              <a:rPr lang="en-US" sz="2800" dirty="0" smtClean="0"/>
-              <a:t>Year span- 687 earth days</a:t>
-            </a:r>
-          </a:p>
-          <a:p>
-            <a:pPr lvl="1">
-              <a:buFontTx/>
-              <a:buChar char="•"/>
-            </a:pPr>
-            <a:r>
-              <a:rPr lang="en-US" sz="2800" dirty="0" smtClean="0"/>
-              <a:t>2 satellites- </a:t>
-            </a:r>
-            <a:r>
-              <a:rPr lang="en-US" sz="2800" dirty="0" err="1" smtClean="0"/>
-              <a:t>Phobos</a:t>
-            </a:r>
-            <a:r>
-              <a:rPr lang="en-US" sz="2800" dirty="0" smtClean="0"/>
-              <a:t> and Deimos</a:t>
-            </a:r>
-          </a:p>
-          <a:p>
-            <a:pPr lvl="1">
-              <a:buFontTx/>
-              <a:buChar char="•"/>
-            </a:pPr>
-            <a:r>
-              <a:rPr lang="en-US" sz="2800" dirty="0" smtClean="0"/>
-              <a:t>Size is half of the earth</a:t>
-            </a:r>
-            <a:endParaRPr lang="en-US" sz="2800" dirty="0"/>
+          </a:p>
+          <a:p>
+            <a:endParaRPr lang="en-US" sz="1400" dirty="0"/>
           </a:p>
         </p:txBody>
       </p:sp>
+      <p:graphicFrame>
+        <p:nvGraphicFramePr>
+          <p:cNvPr id="5" name="Table 4"/>
+          <p:cNvGraphicFramePr>
+            <a:graphicFrameLocks noGrp="1"/>
+          </p:cNvGraphicFramePr>
+          <p:nvPr/>
+        </p:nvGraphicFramePr>
+        <p:xfrm>
+          <a:off x="2438400" y="2438400"/>
+          <a:ext cx="4876800" cy="4267200"/>
+        </p:xfrm>
+        <a:graphic>
+          <a:graphicData uri="http://schemas.openxmlformats.org/drawingml/2006/table">
+            <a:tbl>
+              <a:tblPr firstRow="1" bandRow="1">
+                <a:tableStyleId>{8A107856-5554-42FB-B03E-39F5DBC370BA}</a:tableStyleId>
+              </a:tblPr>
+              <a:tblGrid>
+                <a:gridCol w="1161143">
+                  <a:extLst>
+                    <a:ext uri="{9D8B030D-6E8A-4147-A177-3AD203B41FA5}">
+                      <a16:colId xmlns:a16="http://schemas.microsoft.com/office/drawing/2014/main" val="20000"/>
+                    </a:ext>
+                  </a:extLst>
+                </a:gridCol>
+                <a:gridCol w="1277257">
+                  <a:extLst>
+                    <a:ext uri="{9D8B030D-6E8A-4147-A177-3AD203B41FA5}">
+                      <a16:colId xmlns:a16="http://schemas.microsoft.com/office/drawing/2014/main" val="20001"/>
+                    </a:ext>
+                  </a:extLst>
+                </a:gridCol>
+                <a:gridCol w="1219200">
+                  <a:extLst>
+                    <a:ext uri="{9D8B030D-6E8A-4147-A177-3AD203B41FA5}">
+                      <a16:colId xmlns:a16="http://schemas.microsoft.com/office/drawing/2014/main" val="20002"/>
+                    </a:ext>
+                  </a:extLst>
+                </a:gridCol>
+                <a:gridCol w="1219200">
+                  <a:extLst>
+                    <a:ext uri="{9D8B030D-6E8A-4147-A177-3AD203B41FA5}">
+                      <a16:colId xmlns:a16="http://schemas.microsoft.com/office/drawing/2014/main" val="20003"/>
+                    </a:ext>
+                  </a:extLst>
+                </a:gridCol>
+              </a:tblGrid>
+              <a:tr h="1016000">
+                <a:tc>
+                  <a:txBody>
+                    <a:bodyPr/>
+                    <a:lstStyle/>
+                    <a:p>
+                      <a:r>
+                        <a:rPr lang="en-US" dirty="0" smtClean="0">
+                          <a:solidFill>
+                            <a:schemeClr val="tx1"/>
+                          </a:solidFill>
+                          <a:latin typeface="Gill Sans MT" pitchFamily="34" charset="0"/>
+                        </a:rPr>
+                        <a:t>Planet</a:t>
+                      </a:r>
+                      <a:endParaRPr lang="en-US" dirty="0">
+                        <a:solidFill>
+                          <a:schemeClr val="tx1"/>
+                        </a:solidFill>
+                        <a:latin typeface="Gill Sans MT" pitchFamily="34" charset="0"/>
+                      </a:endParaRPr>
+                    </a:p>
+                  </a:txBody>
+                  <a:tcPr>
+                    <a:gradFill>
+                      <a:gsLst>
+                        <a:gs pos="0">
+                          <a:schemeClr val="bg1">
+                            <a:shade val="100000"/>
+                            <a:satMod val="150000"/>
+                          </a:schemeClr>
+                        </a:gs>
+                        <a:gs pos="65000">
+                          <a:schemeClr val="bg1">
+                            <a:shade val="90000"/>
+                            <a:satMod val="375000"/>
+                          </a:schemeClr>
+                        </a:gs>
+                        <a:gs pos="100000">
+                          <a:schemeClr val="bg2">
+                            <a:tint val="88000"/>
+                            <a:satMod val="400000"/>
+                          </a:schemeClr>
+                        </a:gs>
+                      </a:gsLst>
+                      <a:lin ang="5400000" scaled="0"/>
+                    </a:gradFill>
+                  </a:tcPr>
+                </a:tc>
+                <a:tc>
+                  <a:txBody>
+                    <a:bodyPr/>
+                    <a:lstStyle/>
+                    <a:p>
+                      <a:r>
+                        <a:rPr lang="en-US" dirty="0" smtClean="0">
+                          <a:solidFill>
+                            <a:schemeClr val="tx1"/>
+                          </a:solidFill>
+                          <a:latin typeface="Gill Sans MT" pitchFamily="34" charset="0"/>
+                        </a:rPr>
+                        <a:t>Mass</a:t>
+                      </a:r>
+                      <a:endParaRPr lang="en-US" dirty="0">
+                        <a:solidFill>
+                          <a:schemeClr val="tx1"/>
+                        </a:solidFill>
+                        <a:latin typeface="Gill Sans MT" pitchFamily="34" charset="0"/>
+                      </a:endParaRPr>
+                    </a:p>
+                  </a:txBody>
+                  <a:tcPr>
+                    <a:gradFill>
+                      <a:gsLst>
+                        <a:gs pos="0">
+                          <a:schemeClr val="bg1">
+                            <a:shade val="100000"/>
+                            <a:satMod val="150000"/>
+                          </a:schemeClr>
+                        </a:gs>
+                        <a:gs pos="65000">
+                          <a:schemeClr val="bg1">
+                            <a:shade val="90000"/>
+                            <a:satMod val="375000"/>
+                          </a:schemeClr>
+                        </a:gs>
+                        <a:gs pos="100000">
+                          <a:schemeClr val="bg2">
+                            <a:tint val="88000"/>
+                            <a:satMod val="400000"/>
+                          </a:schemeClr>
+                        </a:gs>
+                      </a:gsLst>
+                      <a:lin ang="5400000" scaled="0"/>
+                    </a:gradFill>
+                  </a:tcPr>
+                </a:tc>
+                <a:tc>
+                  <a:txBody>
+                    <a:bodyPr/>
+                    <a:lstStyle/>
+                    <a:p>
+                      <a:r>
+                        <a:rPr lang="en-US" dirty="0" smtClean="0">
+                          <a:solidFill>
+                            <a:schemeClr val="tx1"/>
+                          </a:solidFill>
+                          <a:latin typeface="Gill Sans MT" pitchFamily="34" charset="0"/>
+                        </a:rPr>
+                        <a:t>Period of rotation </a:t>
+                      </a:r>
+                      <a:endParaRPr lang="en-US" dirty="0">
+                        <a:solidFill>
+                          <a:schemeClr val="tx1"/>
+                        </a:solidFill>
+                        <a:latin typeface="Gill Sans MT" pitchFamily="34" charset="0"/>
+                      </a:endParaRPr>
+                    </a:p>
+                  </a:txBody>
+                  <a:tcPr>
+                    <a:gradFill>
+                      <a:gsLst>
+                        <a:gs pos="0">
+                          <a:schemeClr val="bg1">
+                            <a:shade val="100000"/>
+                            <a:satMod val="150000"/>
+                          </a:schemeClr>
+                        </a:gs>
+                        <a:gs pos="65000">
+                          <a:schemeClr val="bg1">
+                            <a:shade val="90000"/>
+                            <a:satMod val="375000"/>
+                          </a:schemeClr>
+                        </a:gs>
+                        <a:gs pos="100000">
+                          <a:schemeClr val="bg2">
+                            <a:tint val="88000"/>
+                            <a:satMod val="400000"/>
+                          </a:schemeClr>
+                        </a:gs>
+                      </a:gsLst>
+                      <a:lin ang="5400000" scaled="0"/>
+                    </a:gradFill>
+                  </a:tcPr>
+                </a:tc>
+                <a:tc>
+                  <a:txBody>
+                    <a:bodyPr/>
+                    <a:lstStyle/>
+                    <a:p>
+                      <a:r>
+                        <a:rPr lang="en-US" dirty="0" smtClean="0">
+                          <a:solidFill>
+                            <a:schemeClr val="tx1"/>
+                          </a:solidFill>
+                          <a:latin typeface="Gill Sans MT" pitchFamily="34" charset="0"/>
+                        </a:rPr>
+                        <a:t>Distance from the sun </a:t>
+                      </a:r>
+                      <a:endParaRPr lang="en-US" dirty="0">
+                        <a:solidFill>
+                          <a:schemeClr val="tx1"/>
+                        </a:solidFill>
+                        <a:latin typeface="Gill Sans MT" pitchFamily="34" charset="0"/>
+                      </a:endParaRPr>
+                    </a:p>
+                  </a:txBody>
+                  <a:tcPr>
+                    <a:gradFill>
+                      <a:gsLst>
+                        <a:gs pos="0">
+                          <a:schemeClr val="bg1">
+                            <a:shade val="100000"/>
+                            <a:satMod val="150000"/>
+                          </a:schemeClr>
+                        </a:gs>
+                        <a:gs pos="65000">
+                          <a:schemeClr val="bg1">
+                            <a:shade val="90000"/>
+                            <a:satMod val="375000"/>
+                          </a:schemeClr>
+                        </a:gs>
+                        <a:gs pos="100000">
+                          <a:schemeClr val="bg2">
+                            <a:tint val="88000"/>
+                            <a:satMod val="400000"/>
+                          </a:schemeClr>
+                        </a:gs>
+                      </a:gsLst>
+                      <a:lin ang="5400000" scaled="0"/>
+                    </a:gradFill>
+                  </a:tcPr>
+                </a:tc>
+                <a:extLst>
+                  <a:ext uri="{0D108BD9-81ED-4DB2-BD59-A6C34878D82A}">
+                    <a16:rowId xmlns:a16="http://schemas.microsoft.com/office/drawing/2014/main" val="10000"/>
+                  </a:ext>
+                </a:extLst>
+              </a:tr>
+              <a:tr h="406400">
+                <a:tc>
+                  <a:txBody>
+                    <a:bodyPr/>
+                    <a:lstStyle/>
+                    <a:p>
+                      <a:r>
+                        <a:rPr lang="en-US" dirty="0" smtClean="0">
+                          <a:solidFill>
+                            <a:schemeClr val="tx1"/>
+                          </a:solidFill>
+                          <a:latin typeface="Gill Sans MT" pitchFamily="34" charset="0"/>
+                        </a:rPr>
+                        <a:t>Mercury</a:t>
+                      </a:r>
+                    </a:p>
+                  </a:txBody>
+                  <a:tcPr>
+                    <a:gradFill>
+                      <a:gsLst>
+                        <a:gs pos="0">
+                          <a:schemeClr val="bg1">
+                            <a:shade val="100000"/>
+                            <a:satMod val="150000"/>
+                          </a:schemeClr>
+                        </a:gs>
+                        <a:gs pos="65000">
+                          <a:schemeClr val="bg1">
+                            <a:shade val="90000"/>
+                            <a:satMod val="375000"/>
+                          </a:schemeClr>
+                        </a:gs>
+                        <a:gs pos="100000">
+                          <a:schemeClr val="bg2">
+                            <a:tint val="88000"/>
+                            <a:satMod val="400000"/>
+                          </a:schemeClr>
+                        </a:gs>
+                      </a:gsLst>
+                      <a:lin ang="5400000" scaled="0"/>
+                    </a:gradFill>
+                  </a:tcPr>
+                </a:tc>
+                <a:tc>
+                  <a:txBody>
+                    <a:bodyPr/>
+                    <a:lstStyle/>
+                    <a:p>
+                      <a:endParaRPr lang="en-US" dirty="0">
+                        <a:solidFill>
+                          <a:schemeClr val="tx1"/>
+                        </a:solidFill>
+                        <a:latin typeface="Gill Sans MT" pitchFamily="34" charset="0"/>
+                      </a:endParaRPr>
+                    </a:p>
+                  </a:txBody>
+                  <a:tcPr>
+                    <a:gradFill>
+                      <a:gsLst>
+                        <a:gs pos="0">
+                          <a:schemeClr val="bg1">
+                            <a:shade val="100000"/>
+                            <a:satMod val="150000"/>
+                          </a:schemeClr>
+                        </a:gs>
+                        <a:gs pos="65000">
+                          <a:schemeClr val="bg1">
+                            <a:shade val="90000"/>
+                            <a:satMod val="375000"/>
+                          </a:schemeClr>
+                        </a:gs>
+                        <a:gs pos="100000">
+                          <a:schemeClr val="bg2">
+                            <a:tint val="88000"/>
+                            <a:satMod val="400000"/>
+                          </a:schemeClr>
+                        </a:gs>
+                      </a:gsLst>
+                      <a:lin ang="5400000" scaled="0"/>
+                    </a:gradFill>
+                  </a:tcPr>
+                </a:tc>
+                <a:tc>
+                  <a:txBody>
+                    <a:bodyPr/>
+                    <a:lstStyle/>
+                    <a:p>
+                      <a:endParaRPr lang="en-US" dirty="0">
+                        <a:solidFill>
+                          <a:schemeClr val="tx1"/>
+                        </a:solidFill>
+                        <a:latin typeface="Gill Sans MT" pitchFamily="34" charset="0"/>
+                      </a:endParaRPr>
+                    </a:p>
+                  </a:txBody>
+                  <a:tcPr>
+                    <a:gradFill>
+                      <a:gsLst>
+                        <a:gs pos="0">
+                          <a:schemeClr val="bg1">
+                            <a:shade val="100000"/>
+                            <a:satMod val="150000"/>
+                          </a:schemeClr>
+                        </a:gs>
+                        <a:gs pos="65000">
+                          <a:schemeClr val="bg1">
+                            <a:shade val="90000"/>
+                            <a:satMod val="375000"/>
+                          </a:schemeClr>
+                        </a:gs>
+                        <a:gs pos="100000">
+                          <a:schemeClr val="bg2">
+                            <a:tint val="88000"/>
+                            <a:satMod val="400000"/>
+                          </a:schemeClr>
+                        </a:gs>
+                      </a:gsLst>
+                      <a:lin ang="5400000" scaled="0"/>
+                    </a:gradFill>
+                  </a:tcPr>
+                </a:tc>
+                <a:tc>
+                  <a:txBody>
+                    <a:bodyPr/>
+                    <a:lstStyle/>
+                    <a:p>
+                      <a:endParaRPr lang="en-US" dirty="0">
+                        <a:solidFill>
+                          <a:schemeClr val="tx1"/>
+                        </a:solidFill>
+                        <a:latin typeface="Gill Sans MT" pitchFamily="34" charset="0"/>
+                      </a:endParaRPr>
+                    </a:p>
+                  </a:txBody>
+                  <a:tcPr>
+                    <a:gradFill>
+                      <a:gsLst>
+                        <a:gs pos="0">
+                          <a:schemeClr val="bg1">
+                            <a:shade val="100000"/>
+                            <a:satMod val="150000"/>
+                          </a:schemeClr>
+                        </a:gs>
+                        <a:gs pos="65000">
+                          <a:schemeClr val="bg1">
+                            <a:shade val="90000"/>
+                            <a:satMod val="375000"/>
+                          </a:schemeClr>
+                        </a:gs>
+                        <a:gs pos="100000">
+                          <a:schemeClr val="bg2">
+                            <a:tint val="88000"/>
+                            <a:satMod val="400000"/>
+                          </a:schemeClr>
+                        </a:gs>
+                      </a:gsLst>
+                      <a:lin ang="5400000" scaled="0"/>
+                    </a:gradFill>
+                  </a:tcPr>
+                </a:tc>
+                <a:extLst>
+                  <a:ext uri="{0D108BD9-81ED-4DB2-BD59-A6C34878D82A}">
+                    <a16:rowId xmlns:a16="http://schemas.microsoft.com/office/drawing/2014/main" val="10001"/>
+                  </a:ext>
+                </a:extLst>
+              </a:tr>
+              <a:tr h="406400">
+                <a:tc>
+                  <a:txBody>
+                    <a:bodyPr/>
+                    <a:lstStyle/>
+                    <a:p>
+                      <a:r>
+                        <a:rPr lang="en-US" dirty="0" smtClean="0">
+                          <a:solidFill>
+                            <a:schemeClr val="tx1"/>
+                          </a:solidFill>
+                          <a:latin typeface="Gill Sans MT" pitchFamily="34" charset="0"/>
+                        </a:rPr>
+                        <a:t>Venus</a:t>
+                      </a:r>
+                      <a:endParaRPr lang="en-US" dirty="0">
+                        <a:solidFill>
+                          <a:schemeClr val="tx1"/>
+                        </a:solidFill>
+                        <a:latin typeface="Gill Sans MT" pitchFamily="34" charset="0"/>
+                      </a:endParaRPr>
+                    </a:p>
+                  </a:txBody>
+                  <a:tcPr>
+                    <a:gradFill>
+                      <a:gsLst>
+                        <a:gs pos="0">
+                          <a:schemeClr val="bg1">
+                            <a:shade val="100000"/>
+                            <a:satMod val="150000"/>
+                          </a:schemeClr>
+                        </a:gs>
+                        <a:gs pos="65000">
+                          <a:schemeClr val="bg1">
+                            <a:shade val="90000"/>
+                            <a:satMod val="375000"/>
+                          </a:schemeClr>
+                        </a:gs>
+                        <a:gs pos="100000">
+                          <a:schemeClr val="bg2">
+                            <a:tint val="88000"/>
+                            <a:satMod val="400000"/>
+                          </a:schemeClr>
+                        </a:gs>
+                      </a:gsLst>
+                      <a:lin ang="5400000" scaled="0"/>
+                    </a:gradFill>
+                  </a:tcPr>
+                </a:tc>
+                <a:tc>
+                  <a:txBody>
+                    <a:bodyPr/>
+                    <a:lstStyle/>
+                    <a:p>
+                      <a:endParaRPr lang="en-US" dirty="0">
+                        <a:solidFill>
+                          <a:schemeClr val="tx1"/>
+                        </a:solidFill>
+                        <a:latin typeface="Gill Sans MT" pitchFamily="34" charset="0"/>
+                      </a:endParaRPr>
+                    </a:p>
+                  </a:txBody>
+                  <a:tcPr>
+                    <a:gradFill>
+                      <a:gsLst>
+                        <a:gs pos="0">
+                          <a:schemeClr val="bg1">
+                            <a:shade val="100000"/>
+                            <a:satMod val="150000"/>
+                          </a:schemeClr>
+                        </a:gs>
+                        <a:gs pos="65000">
+                          <a:schemeClr val="bg1">
+                            <a:shade val="90000"/>
+                            <a:satMod val="375000"/>
+                          </a:schemeClr>
+                        </a:gs>
+                        <a:gs pos="100000">
+                          <a:schemeClr val="bg2">
+                            <a:tint val="88000"/>
+                            <a:satMod val="400000"/>
+                          </a:schemeClr>
+                        </a:gs>
+                      </a:gsLst>
+                      <a:lin ang="5400000" scaled="0"/>
+                    </a:gradFill>
+                  </a:tcPr>
+                </a:tc>
+                <a:tc>
+                  <a:txBody>
+                    <a:bodyPr/>
+                    <a:lstStyle/>
+                    <a:p>
+                      <a:endParaRPr lang="en-US">
+                        <a:solidFill>
+                          <a:schemeClr val="tx1"/>
+                        </a:solidFill>
+                        <a:latin typeface="Gill Sans MT" pitchFamily="34" charset="0"/>
+                      </a:endParaRPr>
+                    </a:p>
+                  </a:txBody>
+                  <a:tcPr>
+                    <a:gradFill>
+                      <a:gsLst>
+                        <a:gs pos="0">
+                          <a:schemeClr val="bg1">
+                            <a:shade val="100000"/>
+                            <a:satMod val="150000"/>
+                          </a:schemeClr>
+                        </a:gs>
+                        <a:gs pos="65000">
+                          <a:schemeClr val="bg1">
+                            <a:shade val="90000"/>
+                            <a:satMod val="375000"/>
+                          </a:schemeClr>
+                        </a:gs>
+                        <a:gs pos="100000">
+                          <a:schemeClr val="bg2">
+                            <a:tint val="88000"/>
+                            <a:satMod val="400000"/>
+                          </a:schemeClr>
+                        </a:gs>
+                      </a:gsLst>
+                      <a:lin ang="5400000" scaled="0"/>
+                    </a:gradFill>
+                  </a:tcPr>
+                </a:tc>
+                <a:tc>
+                  <a:txBody>
+                    <a:bodyPr/>
+                    <a:lstStyle/>
+                    <a:p>
+                      <a:endParaRPr lang="en-US">
+                        <a:solidFill>
+                          <a:schemeClr val="tx1"/>
+                        </a:solidFill>
+                        <a:latin typeface="Gill Sans MT" pitchFamily="34" charset="0"/>
+                      </a:endParaRPr>
+                    </a:p>
+                  </a:txBody>
+                  <a:tcPr>
+                    <a:gradFill>
+                      <a:gsLst>
+                        <a:gs pos="0">
+                          <a:schemeClr val="bg1">
+                            <a:shade val="100000"/>
+                            <a:satMod val="150000"/>
+                          </a:schemeClr>
+                        </a:gs>
+                        <a:gs pos="65000">
+                          <a:schemeClr val="bg1">
+                            <a:shade val="90000"/>
+                            <a:satMod val="375000"/>
+                          </a:schemeClr>
+                        </a:gs>
+                        <a:gs pos="100000">
+                          <a:schemeClr val="bg2">
+                            <a:tint val="88000"/>
+                            <a:satMod val="400000"/>
+                          </a:schemeClr>
+                        </a:gs>
+                      </a:gsLst>
+                      <a:lin ang="5400000" scaled="0"/>
+                    </a:gradFill>
+                  </a:tcPr>
+                </a:tc>
+                <a:extLst>
+                  <a:ext uri="{0D108BD9-81ED-4DB2-BD59-A6C34878D82A}">
+                    <a16:rowId xmlns:a16="http://schemas.microsoft.com/office/drawing/2014/main" val="10002"/>
+                  </a:ext>
+                </a:extLst>
+              </a:tr>
+              <a:tr h="406400">
+                <a:tc>
+                  <a:txBody>
+                    <a:bodyPr/>
+                    <a:lstStyle/>
+                    <a:p>
+                      <a:r>
+                        <a:rPr lang="en-US" dirty="0" smtClean="0">
+                          <a:solidFill>
+                            <a:schemeClr val="tx1"/>
+                          </a:solidFill>
+                          <a:latin typeface="Gill Sans MT" pitchFamily="34" charset="0"/>
+                        </a:rPr>
+                        <a:t>Earth</a:t>
+                      </a:r>
+                      <a:endParaRPr lang="en-US" dirty="0">
+                        <a:solidFill>
+                          <a:schemeClr val="tx1"/>
+                        </a:solidFill>
+                        <a:latin typeface="Gill Sans MT" pitchFamily="34" charset="0"/>
+                      </a:endParaRPr>
+                    </a:p>
+                  </a:txBody>
+                  <a:tcPr>
+                    <a:gradFill>
+                      <a:gsLst>
+                        <a:gs pos="0">
+                          <a:schemeClr val="bg1">
+                            <a:shade val="100000"/>
+                            <a:satMod val="150000"/>
+                          </a:schemeClr>
+                        </a:gs>
+                        <a:gs pos="65000">
+                          <a:schemeClr val="bg1">
+                            <a:shade val="90000"/>
+                            <a:satMod val="375000"/>
+                          </a:schemeClr>
+                        </a:gs>
+                        <a:gs pos="100000">
+                          <a:schemeClr val="bg2">
+                            <a:tint val="88000"/>
+                            <a:satMod val="400000"/>
+                          </a:schemeClr>
+                        </a:gs>
+                      </a:gsLst>
+                      <a:lin ang="5400000" scaled="0"/>
+                    </a:gradFill>
+                  </a:tcPr>
+                </a:tc>
+                <a:tc>
+                  <a:txBody>
+                    <a:bodyPr/>
+                    <a:lstStyle/>
+                    <a:p>
+                      <a:endParaRPr lang="en-US" dirty="0">
+                        <a:solidFill>
+                          <a:schemeClr val="tx1"/>
+                        </a:solidFill>
+                        <a:latin typeface="Gill Sans MT" pitchFamily="34" charset="0"/>
+                      </a:endParaRPr>
+                    </a:p>
+                  </a:txBody>
+                  <a:tcPr>
+                    <a:gradFill>
+                      <a:gsLst>
+                        <a:gs pos="0">
+                          <a:schemeClr val="bg1">
+                            <a:shade val="100000"/>
+                            <a:satMod val="150000"/>
+                          </a:schemeClr>
+                        </a:gs>
+                        <a:gs pos="65000">
+                          <a:schemeClr val="bg1">
+                            <a:shade val="90000"/>
+                            <a:satMod val="375000"/>
+                          </a:schemeClr>
+                        </a:gs>
+                        <a:gs pos="100000">
+                          <a:schemeClr val="bg2">
+                            <a:tint val="88000"/>
+                            <a:satMod val="400000"/>
+                          </a:schemeClr>
+                        </a:gs>
+                      </a:gsLst>
+                      <a:lin ang="5400000" scaled="0"/>
+                    </a:gradFill>
+                  </a:tcPr>
+                </a:tc>
+                <a:tc>
+                  <a:txBody>
+                    <a:bodyPr/>
+                    <a:lstStyle/>
+                    <a:p>
+                      <a:endParaRPr lang="en-US" dirty="0">
+                        <a:solidFill>
+                          <a:schemeClr val="tx1"/>
+                        </a:solidFill>
+                        <a:latin typeface="Gill Sans MT" pitchFamily="34" charset="0"/>
+                      </a:endParaRPr>
+                    </a:p>
+                  </a:txBody>
+                  <a:tcPr>
+                    <a:gradFill>
+                      <a:gsLst>
+                        <a:gs pos="0">
+                          <a:schemeClr val="bg1">
+                            <a:shade val="100000"/>
+                            <a:satMod val="150000"/>
+                          </a:schemeClr>
+                        </a:gs>
+                        <a:gs pos="65000">
+                          <a:schemeClr val="bg1">
+                            <a:shade val="90000"/>
+                            <a:satMod val="375000"/>
+                          </a:schemeClr>
+                        </a:gs>
+                        <a:gs pos="100000">
+                          <a:schemeClr val="bg2">
+                            <a:tint val="88000"/>
+                            <a:satMod val="400000"/>
+                          </a:schemeClr>
+                        </a:gs>
+                      </a:gsLst>
+                      <a:lin ang="5400000" scaled="0"/>
+                    </a:gradFill>
+                  </a:tcPr>
+                </a:tc>
+                <a:tc>
+                  <a:txBody>
+                    <a:bodyPr/>
+                    <a:lstStyle/>
+                    <a:p>
+                      <a:endParaRPr lang="en-US" dirty="0">
+                        <a:solidFill>
+                          <a:schemeClr val="tx1"/>
+                        </a:solidFill>
+                        <a:latin typeface="Gill Sans MT" pitchFamily="34" charset="0"/>
+                      </a:endParaRPr>
+                    </a:p>
+                  </a:txBody>
+                  <a:tcPr>
+                    <a:gradFill>
+                      <a:gsLst>
+                        <a:gs pos="0">
+                          <a:schemeClr val="bg1">
+                            <a:shade val="100000"/>
+                            <a:satMod val="150000"/>
+                          </a:schemeClr>
+                        </a:gs>
+                        <a:gs pos="65000">
+                          <a:schemeClr val="bg1">
+                            <a:shade val="90000"/>
+                            <a:satMod val="375000"/>
+                          </a:schemeClr>
+                        </a:gs>
+                        <a:gs pos="100000">
+                          <a:schemeClr val="bg2">
+                            <a:tint val="88000"/>
+                            <a:satMod val="400000"/>
+                          </a:schemeClr>
+                        </a:gs>
+                      </a:gsLst>
+                      <a:lin ang="5400000" scaled="0"/>
+                    </a:gradFill>
+                  </a:tcPr>
+                </a:tc>
+                <a:extLst>
+                  <a:ext uri="{0D108BD9-81ED-4DB2-BD59-A6C34878D82A}">
+                    <a16:rowId xmlns:a16="http://schemas.microsoft.com/office/drawing/2014/main" val="10003"/>
+                  </a:ext>
+                </a:extLst>
+              </a:tr>
+              <a:tr h="406400">
+                <a:tc>
+                  <a:txBody>
+                    <a:bodyPr/>
+                    <a:lstStyle/>
+                    <a:p>
+                      <a:r>
+                        <a:rPr lang="en-US" dirty="0" smtClean="0">
+                          <a:solidFill>
+                            <a:schemeClr val="tx1"/>
+                          </a:solidFill>
+                          <a:latin typeface="Gill Sans MT" pitchFamily="34" charset="0"/>
+                        </a:rPr>
+                        <a:t>Mars</a:t>
+                      </a:r>
+                      <a:endParaRPr lang="en-US" dirty="0">
+                        <a:solidFill>
+                          <a:schemeClr val="tx1"/>
+                        </a:solidFill>
+                        <a:latin typeface="Gill Sans MT" pitchFamily="34" charset="0"/>
+                      </a:endParaRPr>
+                    </a:p>
+                  </a:txBody>
+                  <a:tcPr>
+                    <a:gradFill>
+                      <a:gsLst>
+                        <a:gs pos="0">
+                          <a:schemeClr val="bg1">
+                            <a:shade val="100000"/>
+                            <a:satMod val="150000"/>
+                          </a:schemeClr>
+                        </a:gs>
+                        <a:gs pos="65000">
+                          <a:schemeClr val="bg1">
+                            <a:shade val="90000"/>
+                            <a:satMod val="375000"/>
+                          </a:schemeClr>
+                        </a:gs>
+                        <a:gs pos="100000">
+                          <a:schemeClr val="bg2">
+                            <a:tint val="88000"/>
+                            <a:satMod val="400000"/>
+                          </a:schemeClr>
+                        </a:gs>
+                      </a:gsLst>
+                      <a:lin ang="5400000" scaled="0"/>
+                    </a:gradFill>
+                  </a:tcPr>
+                </a:tc>
+                <a:tc>
+                  <a:txBody>
+                    <a:bodyPr/>
+                    <a:lstStyle/>
+                    <a:p>
+                      <a:endParaRPr lang="en-US" dirty="0">
+                        <a:solidFill>
+                          <a:schemeClr val="tx1"/>
+                        </a:solidFill>
+                        <a:latin typeface="Gill Sans MT" pitchFamily="34" charset="0"/>
+                      </a:endParaRPr>
+                    </a:p>
+                  </a:txBody>
+                  <a:tcPr>
+                    <a:gradFill>
+                      <a:gsLst>
+                        <a:gs pos="0">
+                          <a:schemeClr val="bg1">
+                            <a:shade val="100000"/>
+                            <a:satMod val="150000"/>
+                          </a:schemeClr>
+                        </a:gs>
+                        <a:gs pos="65000">
+                          <a:schemeClr val="bg1">
+                            <a:shade val="90000"/>
+                            <a:satMod val="375000"/>
+                          </a:schemeClr>
+                        </a:gs>
+                        <a:gs pos="100000">
+                          <a:schemeClr val="bg2">
+                            <a:tint val="88000"/>
+                            <a:satMod val="400000"/>
+                          </a:schemeClr>
+                        </a:gs>
+                      </a:gsLst>
+                      <a:lin ang="5400000" scaled="0"/>
+                    </a:gradFill>
+                  </a:tcPr>
+                </a:tc>
+                <a:tc>
+                  <a:txBody>
+                    <a:bodyPr/>
+                    <a:lstStyle/>
+                    <a:p>
+                      <a:endParaRPr lang="en-US">
+                        <a:solidFill>
+                          <a:schemeClr val="tx1"/>
+                        </a:solidFill>
+                        <a:latin typeface="Gill Sans MT" pitchFamily="34" charset="0"/>
+                      </a:endParaRPr>
+                    </a:p>
+                  </a:txBody>
+                  <a:tcPr>
+                    <a:gradFill>
+                      <a:gsLst>
+                        <a:gs pos="0">
+                          <a:schemeClr val="bg1">
+                            <a:shade val="100000"/>
+                            <a:satMod val="150000"/>
+                          </a:schemeClr>
+                        </a:gs>
+                        <a:gs pos="65000">
+                          <a:schemeClr val="bg1">
+                            <a:shade val="90000"/>
+                            <a:satMod val="375000"/>
+                          </a:schemeClr>
+                        </a:gs>
+                        <a:gs pos="100000">
+                          <a:schemeClr val="bg2">
+                            <a:tint val="88000"/>
+                            <a:satMod val="400000"/>
+                          </a:schemeClr>
+                        </a:gs>
+                      </a:gsLst>
+                      <a:lin ang="5400000" scaled="0"/>
+                    </a:gradFill>
+                  </a:tcPr>
+                </a:tc>
+                <a:tc>
+                  <a:txBody>
+                    <a:bodyPr/>
+                    <a:lstStyle/>
+                    <a:p>
+                      <a:endParaRPr lang="en-US">
+                        <a:solidFill>
+                          <a:schemeClr val="tx1"/>
+                        </a:solidFill>
+                        <a:latin typeface="Gill Sans MT" pitchFamily="34" charset="0"/>
+                      </a:endParaRPr>
+                    </a:p>
+                  </a:txBody>
+                  <a:tcPr>
+                    <a:gradFill>
+                      <a:gsLst>
+                        <a:gs pos="0">
+                          <a:schemeClr val="bg1">
+                            <a:shade val="100000"/>
+                            <a:satMod val="150000"/>
+                          </a:schemeClr>
+                        </a:gs>
+                        <a:gs pos="65000">
+                          <a:schemeClr val="bg1">
+                            <a:shade val="90000"/>
+                            <a:satMod val="375000"/>
+                          </a:schemeClr>
+                        </a:gs>
+                        <a:gs pos="100000">
+                          <a:schemeClr val="bg2">
+                            <a:tint val="88000"/>
+                            <a:satMod val="400000"/>
+                          </a:schemeClr>
+                        </a:gs>
+                      </a:gsLst>
+                      <a:lin ang="5400000" scaled="0"/>
+                    </a:gradFill>
+                  </a:tcPr>
+                </a:tc>
+                <a:extLst>
+                  <a:ext uri="{0D108BD9-81ED-4DB2-BD59-A6C34878D82A}">
+                    <a16:rowId xmlns:a16="http://schemas.microsoft.com/office/drawing/2014/main" val="10004"/>
+                  </a:ext>
+                </a:extLst>
+              </a:tr>
+              <a:tr h="406400">
+                <a:tc>
+                  <a:txBody>
+                    <a:bodyPr/>
+                    <a:lstStyle/>
+                    <a:p>
+                      <a:r>
+                        <a:rPr lang="en-US" dirty="0" smtClean="0">
+                          <a:solidFill>
+                            <a:schemeClr val="tx1"/>
+                          </a:solidFill>
+                          <a:latin typeface="Gill Sans MT" pitchFamily="34" charset="0"/>
+                        </a:rPr>
+                        <a:t>Jupiter</a:t>
+                      </a:r>
+                      <a:endParaRPr lang="en-US" dirty="0">
+                        <a:solidFill>
+                          <a:schemeClr val="tx1"/>
+                        </a:solidFill>
+                        <a:latin typeface="Gill Sans MT" pitchFamily="34" charset="0"/>
+                      </a:endParaRPr>
+                    </a:p>
+                  </a:txBody>
+                  <a:tcPr>
+                    <a:gradFill>
+                      <a:gsLst>
+                        <a:gs pos="0">
+                          <a:schemeClr val="bg1">
+                            <a:shade val="100000"/>
+                            <a:satMod val="150000"/>
+                          </a:schemeClr>
+                        </a:gs>
+                        <a:gs pos="65000">
+                          <a:schemeClr val="bg1">
+                            <a:shade val="90000"/>
+                            <a:satMod val="375000"/>
+                          </a:schemeClr>
+                        </a:gs>
+                        <a:gs pos="100000">
+                          <a:schemeClr val="bg2">
+                            <a:tint val="88000"/>
+                            <a:satMod val="400000"/>
+                          </a:schemeClr>
+                        </a:gs>
+                      </a:gsLst>
+                      <a:lin ang="5400000" scaled="0"/>
+                    </a:gradFill>
+                  </a:tcPr>
+                </a:tc>
+                <a:tc>
+                  <a:txBody>
+                    <a:bodyPr/>
+                    <a:lstStyle/>
+                    <a:p>
+                      <a:endParaRPr lang="en-US" dirty="0">
+                        <a:solidFill>
+                          <a:schemeClr val="tx1"/>
+                        </a:solidFill>
+                        <a:latin typeface="Gill Sans MT" pitchFamily="34" charset="0"/>
+                      </a:endParaRPr>
+                    </a:p>
+                  </a:txBody>
+                  <a:tcPr>
+                    <a:gradFill>
+                      <a:gsLst>
+                        <a:gs pos="0">
+                          <a:schemeClr val="bg1">
+                            <a:shade val="100000"/>
+                            <a:satMod val="150000"/>
+                          </a:schemeClr>
+                        </a:gs>
+                        <a:gs pos="65000">
+                          <a:schemeClr val="bg1">
+                            <a:shade val="90000"/>
+                            <a:satMod val="375000"/>
+                          </a:schemeClr>
+                        </a:gs>
+                        <a:gs pos="100000">
+                          <a:schemeClr val="bg2">
+                            <a:tint val="88000"/>
+                            <a:satMod val="400000"/>
+                          </a:schemeClr>
+                        </a:gs>
+                      </a:gsLst>
+                      <a:lin ang="5400000" scaled="0"/>
+                    </a:gradFill>
+                  </a:tcPr>
+                </a:tc>
+                <a:tc>
+                  <a:txBody>
+                    <a:bodyPr/>
+                    <a:lstStyle/>
+                    <a:p>
+                      <a:endParaRPr lang="en-US" dirty="0">
+                        <a:solidFill>
+                          <a:schemeClr val="tx1"/>
+                        </a:solidFill>
+                        <a:latin typeface="Gill Sans MT" pitchFamily="34" charset="0"/>
+                      </a:endParaRPr>
+                    </a:p>
+                  </a:txBody>
+                  <a:tcPr>
+                    <a:gradFill>
+                      <a:gsLst>
+                        <a:gs pos="0">
+                          <a:schemeClr val="bg1">
+                            <a:shade val="100000"/>
+                            <a:satMod val="150000"/>
+                          </a:schemeClr>
+                        </a:gs>
+                        <a:gs pos="65000">
+                          <a:schemeClr val="bg1">
+                            <a:shade val="90000"/>
+                            <a:satMod val="375000"/>
+                          </a:schemeClr>
+                        </a:gs>
+                        <a:gs pos="100000">
+                          <a:schemeClr val="bg2">
+                            <a:tint val="88000"/>
+                            <a:satMod val="400000"/>
+                          </a:schemeClr>
+                        </a:gs>
+                      </a:gsLst>
+                      <a:lin ang="5400000" scaled="0"/>
+                    </a:gradFill>
+                  </a:tcPr>
+                </a:tc>
+                <a:tc>
+                  <a:txBody>
+                    <a:bodyPr/>
+                    <a:lstStyle/>
+                    <a:p>
+                      <a:endParaRPr lang="en-US">
+                        <a:solidFill>
+                          <a:schemeClr val="tx1"/>
+                        </a:solidFill>
+                        <a:latin typeface="Gill Sans MT" pitchFamily="34" charset="0"/>
+                      </a:endParaRPr>
+                    </a:p>
+                  </a:txBody>
+                  <a:tcPr>
+                    <a:gradFill>
+                      <a:gsLst>
+                        <a:gs pos="0">
+                          <a:schemeClr val="bg1">
+                            <a:shade val="100000"/>
+                            <a:satMod val="150000"/>
+                          </a:schemeClr>
+                        </a:gs>
+                        <a:gs pos="65000">
+                          <a:schemeClr val="bg1">
+                            <a:shade val="90000"/>
+                            <a:satMod val="375000"/>
+                          </a:schemeClr>
+                        </a:gs>
+                        <a:gs pos="100000">
+                          <a:schemeClr val="bg2">
+                            <a:tint val="88000"/>
+                            <a:satMod val="400000"/>
+                          </a:schemeClr>
+                        </a:gs>
+                      </a:gsLst>
+                      <a:lin ang="5400000" scaled="0"/>
+                    </a:gradFill>
+                  </a:tcPr>
+                </a:tc>
+                <a:extLst>
+                  <a:ext uri="{0D108BD9-81ED-4DB2-BD59-A6C34878D82A}">
+                    <a16:rowId xmlns:a16="http://schemas.microsoft.com/office/drawing/2014/main" val="10005"/>
+                  </a:ext>
+                </a:extLst>
+              </a:tr>
+              <a:tr h="406400">
+                <a:tc>
+                  <a:txBody>
+                    <a:bodyPr/>
+                    <a:lstStyle/>
+                    <a:p>
+                      <a:r>
+                        <a:rPr lang="en-US" dirty="0" smtClean="0">
+                          <a:solidFill>
+                            <a:schemeClr val="tx1"/>
+                          </a:solidFill>
+                          <a:latin typeface="Gill Sans MT" pitchFamily="34" charset="0"/>
+                        </a:rPr>
+                        <a:t>Saturn</a:t>
+                      </a:r>
+                      <a:endParaRPr lang="en-US" dirty="0">
+                        <a:solidFill>
+                          <a:schemeClr val="tx1"/>
+                        </a:solidFill>
+                        <a:latin typeface="Gill Sans MT" pitchFamily="34" charset="0"/>
+                      </a:endParaRPr>
+                    </a:p>
+                  </a:txBody>
+                  <a:tcPr>
+                    <a:gradFill>
+                      <a:gsLst>
+                        <a:gs pos="0">
+                          <a:schemeClr val="bg1">
+                            <a:shade val="100000"/>
+                            <a:satMod val="150000"/>
+                          </a:schemeClr>
+                        </a:gs>
+                        <a:gs pos="65000">
+                          <a:schemeClr val="bg1">
+                            <a:shade val="90000"/>
+                            <a:satMod val="375000"/>
+                          </a:schemeClr>
+                        </a:gs>
+                        <a:gs pos="100000">
+                          <a:schemeClr val="bg2">
+                            <a:tint val="88000"/>
+                            <a:satMod val="400000"/>
+                          </a:schemeClr>
+                        </a:gs>
+                      </a:gsLst>
+                      <a:lin ang="5400000" scaled="0"/>
+                    </a:gradFill>
+                  </a:tcPr>
+                </a:tc>
+                <a:tc>
+                  <a:txBody>
+                    <a:bodyPr/>
+                    <a:lstStyle/>
+                    <a:p>
+                      <a:endParaRPr lang="en-US" dirty="0">
+                        <a:solidFill>
+                          <a:schemeClr val="tx1"/>
+                        </a:solidFill>
+                        <a:latin typeface="Gill Sans MT" pitchFamily="34" charset="0"/>
+                      </a:endParaRPr>
+                    </a:p>
+                  </a:txBody>
+                  <a:tcPr>
+                    <a:gradFill>
+                      <a:gsLst>
+                        <a:gs pos="0">
+                          <a:schemeClr val="bg1">
+                            <a:shade val="100000"/>
+                            <a:satMod val="150000"/>
+                          </a:schemeClr>
+                        </a:gs>
+                        <a:gs pos="65000">
+                          <a:schemeClr val="bg1">
+                            <a:shade val="90000"/>
+                            <a:satMod val="375000"/>
+                          </a:schemeClr>
+                        </a:gs>
+                        <a:gs pos="100000">
+                          <a:schemeClr val="bg2">
+                            <a:tint val="88000"/>
+                            <a:satMod val="400000"/>
+                          </a:schemeClr>
+                        </a:gs>
+                      </a:gsLst>
+                      <a:lin ang="5400000" scaled="0"/>
+                    </a:gradFill>
+                  </a:tcPr>
+                </a:tc>
+                <a:tc>
+                  <a:txBody>
+                    <a:bodyPr/>
+                    <a:lstStyle/>
+                    <a:p>
+                      <a:endParaRPr lang="en-US">
+                        <a:solidFill>
+                          <a:schemeClr val="tx1"/>
+                        </a:solidFill>
+                        <a:latin typeface="Gill Sans MT" pitchFamily="34" charset="0"/>
+                      </a:endParaRPr>
+                    </a:p>
+                  </a:txBody>
+                  <a:tcPr>
+                    <a:gradFill>
+                      <a:gsLst>
+                        <a:gs pos="0">
+                          <a:schemeClr val="bg1">
+                            <a:shade val="100000"/>
+                            <a:satMod val="150000"/>
+                          </a:schemeClr>
+                        </a:gs>
+                        <a:gs pos="65000">
+                          <a:schemeClr val="bg1">
+                            <a:shade val="90000"/>
+                            <a:satMod val="375000"/>
+                          </a:schemeClr>
+                        </a:gs>
+                        <a:gs pos="100000">
+                          <a:schemeClr val="bg2">
+                            <a:tint val="88000"/>
+                            <a:satMod val="400000"/>
+                          </a:schemeClr>
+                        </a:gs>
+                      </a:gsLst>
+                      <a:lin ang="5400000" scaled="0"/>
+                    </a:gradFill>
+                  </a:tcPr>
+                </a:tc>
+                <a:tc>
+                  <a:txBody>
+                    <a:bodyPr/>
+                    <a:lstStyle/>
+                    <a:p>
+                      <a:endParaRPr lang="en-US">
+                        <a:solidFill>
+                          <a:schemeClr val="tx1"/>
+                        </a:solidFill>
+                        <a:latin typeface="Gill Sans MT" pitchFamily="34" charset="0"/>
+                      </a:endParaRPr>
+                    </a:p>
+                  </a:txBody>
+                  <a:tcPr>
+                    <a:gradFill>
+                      <a:gsLst>
+                        <a:gs pos="0">
+                          <a:schemeClr val="bg1">
+                            <a:shade val="100000"/>
+                            <a:satMod val="150000"/>
+                          </a:schemeClr>
+                        </a:gs>
+                        <a:gs pos="65000">
+                          <a:schemeClr val="bg1">
+                            <a:shade val="90000"/>
+                            <a:satMod val="375000"/>
+                          </a:schemeClr>
+                        </a:gs>
+                        <a:gs pos="100000">
+                          <a:schemeClr val="bg2">
+                            <a:tint val="88000"/>
+                            <a:satMod val="400000"/>
+                          </a:schemeClr>
+                        </a:gs>
+                      </a:gsLst>
+                      <a:lin ang="5400000" scaled="0"/>
+                    </a:gradFill>
+                  </a:tcPr>
+                </a:tc>
+                <a:extLst>
+                  <a:ext uri="{0D108BD9-81ED-4DB2-BD59-A6C34878D82A}">
+                    <a16:rowId xmlns:a16="http://schemas.microsoft.com/office/drawing/2014/main" val="10006"/>
+                  </a:ext>
+                </a:extLst>
+              </a:tr>
+              <a:tr h="406400">
+                <a:tc>
+                  <a:txBody>
+                    <a:bodyPr/>
+                    <a:lstStyle/>
+                    <a:p>
+                      <a:r>
+                        <a:rPr lang="en-US" dirty="0" smtClean="0">
+                          <a:solidFill>
+                            <a:schemeClr val="tx1"/>
+                          </a:solidFill>
+                          <a:latin typeface="Gill Sans MT" pitchFamily="34" charset="0"/>
+                        </a:rPr>
+                        <a:t>Uranus</a:t>
+                      </a:r>
+                      <a:endParaRPr lang="en-US" dirty="0">
+                        <a:solidFill>
+                          <a:schemeClr val="tx1"/>
+                        </a:solidFill>
+                        <a:latin typeface="Gill Sans MT" pitchFamily="34" charset="0"/>
+                      </a:endParaRPr>
+                    </a:p>
+                  </a:txBody>
+                  <a:tcPr>
+                    <a:gradFill>
+                      <a:gsLst>
+                        <a:gs pos="0">
+                          <a:schemeClr val="bg1">
+                            <a:shade val="100000"/>
+                            <a:satMod val="150000"/>
+                          </a:schemeClr>
+                        </a:gs>
+                        <a:gs pos="65000">
+                          <a:schemeClr val="bg1">
+                            <a:shade val="90000"/>
+                            <a:satMod val="375000"/>
+                          </a:schemeClr>
+                        </a:gs>
+                        <a:gs pos="100000">
+                          <a:schemeClr val="bg2">
+                            <a:tint val="88000"/>
+                            <a:satMod val="400000"/>
+                          </a:schemeClr>
+                        </a:gs>
+                      </a:gsLst>
+                      <a:lin ang="5400000" scaled="0"/>
+                    </a:gradFill>
+                  </a:tcPr>
+                </a:tc>
+                <a:tc>
+                  <a:txBody>
+                    <a:bodyPr/>
+                    <a:lstStyle/>
+                    <a:p>
+                      <a:endParaRPr lang="en-US" dirty="0">
+                        <a:solidFill>
+                          <a:schemeClr val="tx1"/>
+                        </a:solidFill>
+                        <a:latin typeface="Gill Sans MT" pitchFamily="34" charset="0"/>
+                      </a:endParaRPr>
+                    </a:p>
+                  </a:txBody>
+                  <a:tcPr>
+                    <a:gradFill>
+                      <a:gsLst>
+                        <a:gs pos="0">
+                          <a:schemeClr val="bg1">
+                            <a:shade val="100000"/>
+                            <a:satMod val="150000"/>
+                          </a:schemeClr>
+                        </a:gs>
+                        <a:gs pos="65000">
+                          <a:schemeClr val="bg1">
+                            <a:shade val="90000"/>
+                            <a:satMod val="375000"/>
+                          </a:schemeClr>
+                        </a:gs>
+                        <a:gs pos="100000">
+                          <a:schemeClr val="bg2">
+                            <a:tint val="88000"/>
+                            <a:satMod val="400000"/>
+                          </a:schemeClr>
+                        </a:gs>
+                      </a:gsLst>
+                      <a:lin ang="5400000" scaled="0"/>
+                    </a:gradFill>
+                  </a:tcPr>
+                </a:tc>
+                <a:tc>
+                  <a:txBody>
+                    <a:bodyPr/>
+                    <a:lstStyle/>
+                    <a:p>
+                      <a:endParaRPr lang="en-US" dirty="0">
+                        <a:solidFill>
+                          <a:schemeClr val="tx1"/>
+                        </a:solidFill>
+                        <a:latin typeface="Gill Sans MT" pitchFamily="34" charset="0"/>
+                      </a:endParaRPr>
+                    </a:p>
+                  </a:txBody>
+                  <a:tcPr>
+                    <a:gradFill>
+                      <a:gsLst>
+                        <a:gs pos="0">
+                          <a:schemeClr val="bg1">
+                            <a:shade val="100000"/>
+                            <a:satMod val="150000"/>
+                          </a:schemeClr>
+                        </a:gs>
+                        <a:gs pos="65000">
+                          <a:schemeClr val="bg1">
+                            <a:shade val="90000"/>
+                            <a:satMod val="375000"/>
+                          </a:schemeClr>
+                        </a:gs>
+                        <a:gs pos="100000">
+                          <a:schemeClr val="bg2">
+                            <a:tint val="88000"/>
+                            <a:satMod val="400000"/>
+                          </a:schemeClr>
+                        </a:gs>
+                      </a:gsLst>
+                      <a:lin ang="5400000" scaled="0"/>
+                    </a:gradFill>
+                  </a:tcPr>
+                </a:tc>
+                <a:tc>
+                  <a:txBody>
+                    <a:bodyPr/>
+                    <a:lstStyle/>
+                    <a:p>
+                      <a:endParaRPr lang="en-US" dirty="0">
+                        <a:solidFill>
+                          <a:schemeClr val="tx1"/>
+                        </a:solidFill>
+                        <a:latin typeface="Gill Sans MT" pitchFamily="34" charset="0"/>
+                      </a:endParaRPr>
+                    </a:p>
+                  </a:txBody>
+                  <a:tcPr>
+                    <a:gradFill>
+                      <a:gsLst>
+                        <a:gs pos="0">
+                          <a:schemeClr val="bg1">
+                            <a:shade val="100000"/>
+                            <a:satMod val="150000"/>
+                          </a:schemeClr>
+                        </a:gs>
+                        <a:gs pos="65000">
+                          <a:schemeClr val="bg1">
+                            <a:shade val="90000"/>
+                            <a:satMod val="375000"/>
+                          </a:schemeClr>
+                        </a:gs>
+                        <a:gs pos="100000">
+                          <a:schemeClr val="bg2">
+                            <a:tint val="88000"/>
+                            <a:satMod val="400000"/>
+                          </a:schemeClr>
+                        </a:gs>
+                      </a:gsLst>
+                      <a:lin ang="5400000" scaled="0"/>
+                    </a:gradFill>
+                  </a:tcPr>
+                </a:tc>
+                <a:extLst>
+                  <a:ext uri="{0D108BD9-81ED-4DB2-BD59-A6C34878D82A}">
+                    <a16:rowId xmlns:a16="http://schemas.microsoft.com/office/drawing/2014/main" val="10007"/>
+                  </a:ext>
+                </a:extLst>
+              </a:tr>
+              <a:tr h="406400">
+                <a:tc>
+                  <a:txBody>
+                    <a:bodyPr/>
+                    <a:lstStyle/>
+                    <a:p>
+                      <a:r>
+                        <a:rPr lang="en-US" dirty="0" smtClean="0">
+                          <a:solidFill>
+                            <a:schemeClr val="tx1"/>
+                          </a:solidFill>
+                          <a:latin typeface="Gill Sans MT" pitchFamily="34" charset="0"/>
+                        </a:rPr>
+                        <a:t>Neptune</a:t>
+                      </a:r>
+                      <a:endParaRPr lang="en-US" dirty="0">
+                        <a:solidFill>
+                          <a:schemeClr val="tx1"/>
+                        </a:solidFill>
+                        <a:latin typeface="Gill Sans MT" pitchFamily="34" charset="0"/>
+                      </a:endParaRPr>
+                    </a:p>
+                  </a:txBody>
+                  <a:tcPr>
+                    <a:gradFill>
+                      <a:gsLst>
+                        <a:gs pos="0">
+                          <a:schemeClr val="bg1">
+                            <a:shade val="100000"/>
+                            <a:satMod val="150000"/>
+                          </a:schemeClr>
+                        </a:gs>
+                        <a:gs pos="65000">
+                          <a:schemeClr val="bg1">
+                            <a:shade val="90000"/>
+                            <a:satMod val="375000"/>
+                          </a:schemeClr>
+                        </a:gs>
+                        <a:gs pos="100000">
+                          <a:schemeClr val="bg2">
+                            <a:tint val="88000"/>
+                            <a:satMod val="400000"/>
+                          </a:schemeClr>
+                        </a:gs>
+                      </a:gsLst>
+                      <a:lin ang="5400000" scaled="0"/>
+                    </a:gradFill>
+                  </a:tcPr>
+                </a:tc>
+                <a:tc>
+                  <a:txBody>
+                    <a:bodyPr/>
+                    <a:lstStyle/>
+                    <a:p>
+                      <a:endParaRPr lang="en-US" dirty="0">
+                        <a:solidFill>
+                          <a:schemeClr val="tx1"/>
+                        </a:solidFill>
+                        <a:latin typeface="Gill Sans MT" pitchFamily="34" charset="0"/>
+                      </a:endParaRPr>
+                    </a:p>
+                  </a:txBody>
+                  <a:tcPr>
+                    <a:gradFill>
+                      <a:gsLst>
+                        <a:gs pos="0">
+                          <a:schemeClr val="bg1">
+                            <a:shade val="100000"/>
+                            <a:satMod val="150000"/>
+                          </a:schemeClr>
+                        </a:gs>
+                        <a:gs pos="65000">
+                          <a:schemeClr val="bg1">
+                            <a:shade val="90000"/>
+                            <a:satMod val="375000"/>
+                          </a:schemeClr>
+                        </a:gs>
+                        <a:gs pos="100000">
+                          <a:schemeClr val="bg2">
+                            <a:tint val="88000"/>
+                            <a:satMod val="400000"/>
+                          </a:schemeClr>
+                        </a:gs>
+                      </a:gsLst>
+                      <a:lin ang="5400000" scaled="0"/>
+                    </a:gradFill>
+                  </a:tcPr>
+                </a:tc>
+                <a:tc>
+                  <a:txBody>
+                    <a:bodyPr/>
+                    <a:lstStyle/>
+                    <a:p>
+                      <a:endParaRPr lang="en-US" dirty="0">
+                        <a:solidFill>
+                          <a:schemeClr val="tx1"/>
+                        </a:solidFill>
+                        <a:latin typeface="Gill Sans MT" pitchFamily="34" charset="0"/>
+                      </a:endParaRPr>
+                    </a:p>
+                  </a:txBody>
+                  <a:tcPr>
+                    <a:gradFill>
+                      <a:gsLst>
+                        <a:gs pos="0">
+                          <a:schemeClr val="bg1">
+                            <a:shade val="100000"/>
+                            <a:satMod val="150000"/>
+                          </a:schemeClr>
+                        </a:gs>
+                        <a:gs pos="65000">
+                          <a:schemeClr val="bg1">
+                            <a:shade val="90000"/>
+                            <a:satMod val="375000"/>
+                          </a:schemeClr>
+                        </a:gs>
+                        <a:gs pos="100000">
+                          <a:schemeClr val="bg2">
+                            <a:tint val="88000"/>
+                            <a:satMod val="400000"/>
+                          </a:schemeClr>
+                        </a:gs>
+                      </a:gsLst>
+                      <a:lin ang="5400000" scaled="0"/>
+                    </a:gradFill>
+                  </a:tcPr>
+                </a:tc>
+                <a:tc>
+                  <a:txBody>
+                    <a:bodyPr/>
+                    <a:lstStyle/>
+                    <a:p>
+                      <a:endParaRPr lang="en-US" dirty="0">
+                        <a:solidFill>
+                          <a:schemeClr val="tx1"/>
+                        </a:solidFill>
+                        <a:latin typeface="Gill Sans MT" pitchFamily="34" charset="0"/>
+                      </a:endParaRPr>
+                    </a:p>
+                  </a:txBody>
+                  <a:tcPr>
+                    <a:gradFill>
+                      <a:gsLst>
+                        <a:gs pos="0">
+                          <a:schemeClr val="bg1">
+                            <a:shade val="100000"/>
+                            <a:satMod val="150000"/>
+                          </a:schemeClr>
+                        </a:gs>
+                        <a:gs pos="65000">
+                          <a:schemeClr val="bg1">
+                            <a:shade val="90000"/>
+                            <a:satMod val="375000"/>
+                          </a:schemeClr>
+                        </a:gs>
+                        <a:gs pos="100000">
+                          <a:schemeClr val="bg2">
+                            <a:tint val="88000"/>
+                            <a:satMod val="400000"/>
+                          </a:schemeClr>
+                        </a:gs>
+                      </a:gsLst>
+                      <a:lin ang="5400000" scaled="0"/>
+                    </a:gradFill>
+                  </a:tcPr>
+                </a:tc>
+                <a:extLst>
+                  <a:ext uri="{0D108BD9-81ED-4DB2-BD59-A6C34878D82A}">
+                    <a16:rowId xmlns:a16="http://schemas.microsoft.com/office/drawing/2014/main" val="10008"/>
+                  </a:ext>
+                </a:extLst>
+              </a:tr>
+            </a:tbl>
+          </a:graphicData>
+        </a:graphic>
+      </p:graphicFrame>
     </p:spTree>
   </p:cSld>
   <p:clrMapOvr>
@@ -5653,200 +11165,12 @@
           <a:lstStyle/>
           <a:p>
             <a:r>
-              <a:rPr lang="en-US" sz="4000" dirty="0" smtClean="0">
-                <a:solidFill>
-                  <a:schemeClr val="tx1"/>
-                </a:solidFill>
-              </a:rPr>
-              <a:t>Facts about </a:t>
-            </a:r>
-            <a:r>
-              <a:rPr lang="en-US" sz="4000" dirty="0" smtClean="0">
-                <a:solidFill>
-                  <a:schemeClr val="tx1"/>
-                </a:solidFill>
-              </a:rPr>
-              <a:t>MOM</a:t>
-            </a:r>
-            <a:endParaRPr lang="en-US" sz="4000" dirty="0">
-              <a:solidFill>
-                <a:schemeClr val="tx1"/>
-              </a:solidFill>
-            </a:endParaRPr>
-          </a:p>
-        </p:txBody>
-      </p:sp>
-      <p:sp>
-        <p:nvSpPr>
-          <p:cNvPr id="3" name="Text Placeholder 2"/>
-          <p:cNvSpPr>
-            <a:spLocks noGrp="1"/>
-          </p:cNvSpPr>
-          <p:nvPr>
-            <p:ph type="body" idx="1"/>
-          </p:nvPr>
-        </p:nvSpPr>
-        <p:spPr>
-          <a:xfrm>
-            <a:off x="685800" y="1435100"/>
-            <a:ext cx="8153400" cy="4965700"/>
-          </a:xfrm>
-        </p:spPr>
-        <p:txBody>
-          <a:bodyPr>
-            <a:normAutofit/>
-          </a:bodyPr>
-          <a:lstStyle/>
-          <a:p>
-            <a:pPr marL="454914" lvl="1" indent="0"/>
-            <a:endParaRPr lang="en-US" sz="2800" dirty="0" smtClean="0"/>
-          </a:p>
-          <a:p>
-            <a:pPr lvl="1">
-              <a:buFontTx/>
-              <a:buChar char="•"/>
-            </a:pPr>
-            <a:endParaRPr lang="en-US" sz="2800" dirty="0" smtClean="0"/>
-          </a:p>
-          <a:p>
-            <a:pPr lvl="1">
-              <a:buFontTx/>
-              <a:buChar char="•"/>
-            </a:pPr>
-            <a:r>
-              <a:rPr lang="en-US" sz="2800" dirty="0" smtClean="0"/>
-              <a:t>Total travelled distance – 650 millions km</a:t>
-            </a:r>
-            <a:endParaRPr lang="en-US" sz="2800" dirty="0" smtClean="0"/>
-          </a:p>
-          <a:p>
-            <a:pPr lvl="1">
-              <a:buFontTx/>
-              <a:buChar char="•"/>
-            </a:pPr>
-            <a:r>
-              <a:rPr lang="en-US" sz="2800" dirty="0" smtClean="0"/>
-              <a:t>Min fuel used</a:t>
-            </a:r>
-          </a:p>
-          <a:p>
-            <a:pPr lvl="1">
-              <a:buFontTx/>
-              <a:buChar char="•"/>
-            </a:pPr>
-            <a:r>
-              <a:rPr lang="en-US" sz="2800" dirty="0" smtClean="0"/>
-              <a:t>First interplanetary mission for ISRO</a:t>
-            </a:r>
-          </a:p>
-          <a:p>
-            <a:pPr lvl="1">
-              <a:buFontTx/>
-              <a:buChar char="•"/>
-            </a:pPr>
-            <a:r>
-              <a:rPr lang="en-US" sz="2800" dirty="0" smtClean="0"/>
-              <a:t>First mission- First attempt success</a:t>
-            </a:r>
-          </a:p>
-          <a:p>
-            <a:pPr lvl="1">
-              <a:buFontTx/>
-              <a:buChar char="•"/>
-            </a:pPr>
-            <a:r>
-              <a:rPr lang="en-US" sz="2800" dirty="0" smtClean="0"/>
-              <a:t>Min cost- </a:t>
-            </a:r>
-            <a:r>
-              <a:rPr lang="en-IN" sz="3200" b="1" dirty="0" smtClean="0"/>
-              <a:t>₹ </a:t>
-            </a:r>
-            <a:r>
-              <a:rPr lang="en-US" sz="2800" dirty="0" smtClean="0"/>
-              <a:t>4.5 billion</a:t>
-            </a:r>
-          </a:p>
-          <a:p>
-            <a:pPr lvl="1">
-              <a:buFontTx/>
-              <a:buChar char="•"/>
-            </a:pPr>
-            <a:endParaRPr lang="en-US" sz="2800" dirty="0" smtClean="0"/>
-          </a:p>
-          <a:p>
-            <a:pPr lvl="1">
-              <a:buFontTx/>
-              <a:buChar char="•"/>
-            </a:pPr>
-            <a:endParaRPr lang="en-US" sz="2800" dirty="0"/>
-          </a:p>
-        </p:txBody>
-      </p:sp>
-    </p:spTree>
-    <p:extLst>
-      <p:ext uri="{BB962C8B-B14F-4D97-AF65-F5344CB8AC3E}">
-        <p14:creationId xmlns:p14="http://schemas.microsoft.com/office/powerpoint/2010/main" val="1905867381"/>
-      </p:ext>
-    </p:extLst>
-  </p:cSld>
-  <p:clrMapOvr>
-    <a:masterClrMapping/>
-  </p:clrMapOvr>
-  <p:timing>
-    <p:tnLst>
-      <p:par>
-        <p:cTn id="1" dur="indefinite" restart="never" nodeType="tmRoot"/>
-      </p:par>
-    </p:tnLst>
-  </p:timing>
-</p:sld>
-</file>
-
-<file path=ppt/slides/slide7.xml><?xml version="1.0" encoding="utf-8"?>
-<p:sld xmlns:a="http://schemas.openxmlformats.org/drawingml/2006/main" xmlns:r="http://schemas.openxmlformats.org/officeDocument/2006/relationships" xmlns:p="http://schemas.openxmlformats.org/presentationml/2006/main">
-  <p:cSld>
-    <p:spTree>
-      <p:nvGrpSpPr>
-        <p:cNvPr id="1" name=""/>
-        <p:cNvGrpSpPr/>
-        <p:nvPr/>
-      </p:nvGrpSpPr>
-      <p:grpSpPr>
-        <a:xfrm>
-          <a:off x="0" y="0"/>
-          <a:ext cx="0" cy="0"/>
-          <a:chOff x="0" y="0"/>
-          <a:chExt cx="0" cy="0"/>
-        </a:xfrm>
-      </p:grpSpPr>
-      <p:sp>
-        <p:nvSpPr>
-          <p:cNvPr id="2" name="Title 1"/>
-          <p:cNvSpPr>
-            <a:spLocks noGrp="1"/>
-          </p:cNvSpPr>
-          <p:nvPr>
-            <p:ph type="title"/>
-          </p:nvPr>
-        </p:nvSpPr>
-        <p:spPr>
-          <a:xfrm>
-            <a:off x="914400" y="512064"/>
-            <a:ext cx="7086600" cy="914400"/>
-          </a:xfrm>
-        </p:spPr>
-        <p:txBody>
-          <a:bodyPr/>
-          <a:lstStyle/>
-          <a:p>
-            <a:r>
               <a:rPr lang="en-US" dirty="0" smtClean="0">
                 <a:solidFill>
                   <a:schemeClr val="tx1"/>
                 </a:solidFill>
               </a:rPr>
-              <a:t>Conclusion</a:t>
+              <a:t>Works Cited</a:t>
             </a:r>
             <a:endParaRPr lang="en-US" dirty="0">
               <a:solidFill>
@@ -5866,12 +11190,7 @@
             <p:ph idx="1"/>
           </p:nvPr>
         </p:nvSpPr>
-        <p:spPr>
-          <a:xfrm>
-            <a:off x="1295400" y="3276600"/>
-            <a:ext cx="7391400" cy="3078960"/>
-          </a:xfrm>
-        </p:spPr>
+        <p:spPr/>
         <p:txBody>
           <a:bodyPr/>
           <a:lstStyle/>
@@ -5881,42 +11200,10 @@
             </a:pPr>
             <a:r>
               <a:rPr lang="en-US" dirty="0" smtClean="0"/>
-              <a:t>We, the Indians, no longer </a:t>
+              <a:t>	Be sure to include print and electronic sources and put them in alphabetical order.</a:t>
             </a:r>
-            <a:r>
-              <a:rPr lang="en-US" dirty="0" smtClean="0"/>
-              <a:t>are</a:t>
-            </a:r>
-            <a:r>
-              <a:rPr lang="en-US" dirty="0" smtClean="0"/>
-              <a:t> behind</a:t>
-            </a:r>
-          </a:p>
-          <a:p>
-            <a:pPr lvl="0">
-              <a:buNone/>
-            </a:pPr>
-            <a:r>
-              <a:rPr lang="en-US" dirty="0" smtClean="0"/>
-              <a:t>from anybody from the west. </a:t>
-            </a:r>
-          </a:p>
-          <a:p>
-            <a:pPr lvl="0">
-              <a:buNone/>
-            </a:pPr>
-            <a:r>
-              <a:rPr lang="en-US" dirty="0"/>
-              <a:t>	</a:t>
-            </a:r>
-            <a:r>
-              <a:rPr lang="en-US" dirty="0" smtClean="0"/>
-              <a:t>		     </a:t>
-            </a:r>
-            <a:r>
-              <a:rPr lang="en-US" dirty="0" smtClean="0"/>
-              <a:t>Feel PROUD.</a:t>
-            </a:r>
+          </a:p>
+          <a:p>
             <a:endParaRPr lang="en-US" dirty="0"/>
           </a:p>
         </p:txBody>
@@ -6544,15 +11831,6 @@
 </file>
 
 <file path=customXml/item1.xml><?xml version="1.0" encoding="utf-8"?>
-<?mso-contentType ?>
-<FormTemplates xmlns="http://schemas.microsoft.com/sharepoint/v3/contenttype/forms">
-  <Display>DocumentLibraryForm</Display>
-  <Edit>AssetEditForm</Edit>
-  <New>DocumentLibraryForm</New>
-</FormTemplates>
-</file>
-
-<file path=customXml/item2.xml><?xml version="1.0" encoding="utf-8"?>
 <ct:contentTypeSchema xmlns:ct="http://schemas.microsoft.com/office/2006/metadata/contentType" xmlns:ma="http://schemas.microsoft.com/office/2006/metadata/properties/metaAttributes" ct:_="" ma:_="" ma:contentTypeName="TemplateFile" ma:contentTypeID="0x0101006EDDDB5EE6D98C44930B742096920B300400F5B6D36B3EF94B4E9A635CDF2A18F5B8" ma:contentTypeVersion="72" ma:contentTypeDescription="Create a new document." ma:contentTypeScope="" ma:versionID="a23e56308344d904b51738559c3d67c9">
   <xsd:schema xmlns:xsd="http://www.w3.org/2001/XMLSchema" xmlns:xs="http://www.w3.org/2001/XMLSchema" xmlns:p="http://schemas.microsoft.com/office/2006/metadata/properties" xmlns:ns2="4873beb7-5857-4685-be1f-d57550cc96cc" targetNamespace="http://schemas.microsoft.com/office/2006/metadata/properties" ma:root="true" ma:fieldsID="cd0908cc4600e77bf5da051303e00c8d" ns2:_="">
     <xsd:import namespace="4873beb7-5857-4685-be1f-d57550cc96cc"/>
@@ -7592,6 +12870,15 @@
 </ct:contentTypeSchema>
 </file>
 
+<file path=customXml/item2.xml><?xml version="1.0" encoding="utf-8"?>
+<?mso-contentType ?>
+<FormTemplates xmlns="http://schemas.microsoft.com/sharepoint/v3/contenttype/forms">
+  <Display>DocumentLibraryForm</Display>
+  <Edit>AssetEditForm</Edit>
+  <New>DocumentLibraryForm</New>
+</FormTemplates>
+</file>
+
 <file path=customXml/item3.xml><?xml version="1.0" encoding="utf-8"?>
 <p:properties xmlns:p="http://schemas.microsoft.com/office/2006/metadata/properties" xmlns:xsi="http://www.w3.org/2001/XMLSchema-instance" xmlns:pc="http://schemas.microsoft.com/office/infopath/2007/PartnerControls">
   <documentManagement>
@@ -7731,14 +13018,6 @@
 </file>
 
 <file path=customXml/itemProps1.xml><?xml version="1.0" encoding="utf-8"?>
-<ds:datastoreItem xmlns:ds="http://schemas.openxmlformats.org/officeDocument/2006/customXml" ds:itemID="{153D0EEB-48D4-4D47-B029-07D95F2CF443}">
-  <ds:schemaRefs>
-    <ds:schemaRef ds:uri="http://schemas.microsoft.com/sharepoint/v3/contenttype/forms"/>
-  </ds:schemaRefs>
-</ds:datastoreItem>
-</file>
-
-<file path=customXml/itemProps2.xml><?xml version="1.0" encoding="utf-8"?>
 <ds:datastoreItem xmlns:ds="http://schemas.openxmlformats.org/officeDocument/2006/customXml" ds:itemID="{9C256434-A32F-422C-BBE8-1B351A55677D}">
   <ds:schemaRefs>
     <ds:schemaRef ds:uri="http://schemas.microsoft.com/office/2006/metadata/contentType"/>
@@ -7752,6 +13031,14 @@
     <ds:schemaRef ds:uri="http://purl.org/dc/elements/1.1/"/>
     <ds:schemaRef ds:uri="http://purl.org/dc/terms/"/>
     <ds:schemaRef ds:uri="http://schemas.microsoft.com/internal/obd"/>
+  </ds:schemaRefs>
+</ds:datastoreItem>
+</file>
+
+<file path=customXml/itemProps2.xml><?xml version="1.0" encoding="utf-8"?>
+<ds:datastoreItem xmlns:ds="http://schemas.openxmlformats.org/officeDocument/2006/customXml" ds:itemID="{153D0EEB-48D4-4D47-B029-07D95F2CF443}">
+  <ds:schemaRefs>
+    <ds:schemaRef ds:uri="http://schemas.microsoft.com/sharepoint/v3/contenttype/forms"/>
   </ds:schemaRefs>
 </ds:datastoreItem>
 </file>

--- a/MOM- Taking India to MARS.pptx
+++ b/MOM- Taking India to MARS.pptx
@@ -5,15 +5,22 @@
     <p:sldMasterId id="2147483648" r:id="rId4"/>
   </p:sldMasterIdLst>
   <p:notesMasterIdLst>
-    <p:notesMasterId r:id="rId11"/>
+    <p:notesMasterId r:id="rId18"/>
   </p:notesMasterIdLst>
   <p:sldIdLst>
     <p:sldId id="292" r:id="rId5"/>
     <p:sldId id="293" r:id="rId6"/>
     <p:sldId id="297" r:id="rId7"/>
-    <p:sldId id="294" r:id="rId8"/>
-    <p:sldId id="295" r:id="rId9"/>
-    <p:sldId id="296" r:id="rId10"/>
+    <p:sldId id="298" r:id="rId8"/>
+    <p:sldId id="294" r:id="rId9"/>
+    <p:sldId id="302" r:id="rId10"/>
+    <p:sldId id="299" r:id="rId11"/>
+    <p:sldId id="301" r:id="rId12"/>
+    <p:sldId id="303" r:id="rId13"/>
+    <p:sldId id="304" r:id="rId14"/>
+    <p:sldId id="305" r:id="rId15"/>
+    <p:sldId id="306" r:id="rId16"/>
+    <p:sldId id="296" r:id="rId17"/>
   </p:sldIdLst>
   <p:sldSz cx="9144000" cy="6858000" type="screen4x3"/>
   <p:notesSz cx="6858000" cy="9144000"/>
@@ -129,4018 +136,6 @@
 </p:presentation>
 </file>
 
-<file path=ppt/diagrams/colors1.xml><?xml version="1.0" encoding="utf-8"?>
-<dgm:colorsDef xmlns:dgm="http://schemas.openxmlformats.org/drawingml/2006/diagram" xmlns:a="http://schemas.openxmlformats.org/drawingml/2006/main" uniqueId="urn:microsoft.com/office/officeart/2005/8/colors/accent0_3">
-  <dgm:title val=""/>
-  <dgm:desc val=""/>
-  <dgm:catLst>
-    <dgm:cat type="mainScheme" pri="10300"/>
-  </dgm:catLst>
-  <dgm:styleLbl name="node0">
-    <dgm:fillClrLst meth="repeat">
-      <a:schemeClr val="dk2"/>
-    </dgm:fillClrLst>
-    <dgm:linClrLst meth="repeat">
-      <a:schemeClr val="lt2"/>
-    </dgm:linClrLst>
-    <dgm:effectClrLst/>
-    <dgm:txLinClrLst/>
-    <dgm:txFillClrLst/>
-    <dgm:txEffectClrLst/>
-  </dgm:styleLbl>
-  <dgm:styleLbl name="alignNode1">
-    <dgm:fillClrLst meth="repeat">
-      <a:schemeClr val="dk2"/>
-    </dgm:fillClrLst>
-    <dgm:linClrLst meth="repeat">
-      <a:schemeClr val="dk2"/>
-    </dgm:linClrLst>
-    <dgm:effectClrLst/>
-    <dgm:txLinClrLst/>
-    <dgm:txFillClrLst/>
-    <dgm:txEffectClrLst/>
-  </dgm:styleLbl>
-  <dgm:styleLbl name="node1">
-    <dgm:fillClrLst meth="repeat">
-      <a:schemeClr val="dk2"/>
-    </dgm:fillClrLst>
-    <dgm:linClrLst meth="repeat">
-      <a:schemeClr val="lt2"/>
-    </dgm:linClrLst>
-    <dgm:effectClrLst/>
-    <dgm:txLinClrLst/>
-    <dgm:txFillClrLst/>
-    <dgm:txEffectClrLst/>
-  </dgm:styleLbl>
-  <dgm:styleLbl name="lnNode1">
-    <dgm:fillClrLst meth="repeat">
-      <a:schemeClr val="dk2"/>
-    </dgm:fillClrLst>
-    <dgm:linClrLst meth="repeat">
-      <a:schemeClr val="lt2"/>
-    </dgm:linClrLst>
-    <dgm:effectClrLst/>
-    <dgm:txLinClrLst/>
-    <dgm:txFillClrLst/>
-    <dgm:txEffectClrLst/>
-  </dgm:styleLbl>
-  <dgm:styleLbl name="vennNode1">
-    <dgm:fillClrLst meth="repeat">
-      <a:schemeClr val="dk2">
-        <a:alpha val="50000"/>
-      </a:schemeClr>
-    </dgm:fillClrLst>
-    <dgm:linClrLst meth="repeat">
-      <a:schemeClr val="lt2"/>
-    </dgm:linClrLst>
-    <dgm:effectClrLst/>
-    <dgm:txLinClrLst/>
-    <dgm:txFillClrLst/>
-    <dgm:txEffectClrLst/>
-  </dgm:styleLbl>
-  <dgm:styleLbl name="node2">
-    <dgm:fillClrLst meth="repeat">
-      <a:schemeClr val="dk2"/>
-    </dgm:fillClrLst>
-    <dgm:linClrLst meth="repeat">
-      <a:schemeClr val="lt2"/>
-    </dgm:linClrLst>
-    <dgm:effectClrLst/>
-    <dgm:txLinClrLst/>
-    <dgm:txFillClrLst/>
-    <dgm:txEffectClrLst/>
-  </dgm:styleLbl>
-  <dgm:styleLbl name="node3">
-    <dgm:fillClrLst meth="repeat">
-      <a:schemeClr val="dk2"/>
-    </dgm:fillClrLst>
-    <dgm:linClrLst meth="repeat">
-      <a:schemeClr val="lt2"/>
-    </dgm:linClrLst>
-    <dgm:effectClrLst/>
-    <dgm:txLinClrLst/>
-    <dgm:txFillClrLst/>
-    <dgm:txEffectClrLst/>
-  </dgm:styleLbl>
-  <dgm:styleLbl name="node4">
-    <dgm:fillClrLst meth="repeat">
-      <a:schemeClr val="dk2"/>
-    </dgm:fillClrLst>
-    <dgm:linClrLst meth="repeat">
-      <a:schemeClr val="lt2"/>
-    </dgm:linClrLst>
-    <dgm:effectClrLst/>
-    <dgm:txLinClrLst/>
-    <dgm:txFillClrLst/>
-    <dgm:txEffectClrLst/>
-  </dgm:styleLbl>
-  <dgm:styleLbl name="fgImgPlace1">
-    <dgm:fillClrLst meth="repeat">
-      <a:schemeClr val="dk2">
-        <a:tint val="50000"/>
-      </a:schemeClr>
-    </dgm:fillClrLst>
-    <dgm:linClrLst meth="repeat">
-      <a:schemeClr val="lt2"/>
-    </dgm:linClrLst>
-    <dgm:effectClrLst/>
-    <dgm:txLinClrLst/>
-    <dgm:txFillClrLst meth="repeat">
-      <a:schemeClr val="lt2"/>
-    </dgm:txFillClrLst>
-    <dgm:txEffectClrLst/>
-  </dgm:styleLbl>
-  <dgm:styleLbl name="alignImgPlace1">
-    <dgm:fillClrLst meth="repeat">
-      <a:schemeClr val="dk2">
-        <a:tint val="50000"/>
-      </a:schemeClr>
-    </dgm:fillClrLst>
-    <dgm:linClrLst meth="repeat">
-      <a:schemeClr val="dk2">
-        <a:shade val="80000"/>
-      </a:schemeClr>
-    </dgm:linClrLst>
-    <dgm:effectClrLst/>
-    <dgm:txLinClrLst/>
-    <dgm:txFillClrLst meth="repeat">
-      <a:schemeClr val="lt2"/>
-    </dgm:txFillClrLst>
-    <dgm:txEffectClrLst/>
-  </dgm:styleLbl>
-  <dgm:styleLbl name="bgImgPlace1">
-    <dgm:fillClrLst meth="repeat">
-      <a:schemeClr val="dk2">
-        <a:tint val="50000"/>
-      </a:schemeClr>
-    </dgm:fillClrLst>
-    <dgm:linClrLst meth="repeat">
-      <a:schemeClr val="dk2">
-        <a:shade val="80000"/>
-      </a:schemeClr>
-    </dgm:linClrLst>
-    <dgm:effectClrLst/>
-    <dgm:txLinClrLst/>
-    <dgm:txFillClrLst meth="repeat">
-      <a:schemeClr val="lt2"/>
-    </dgm:txFillClrLst>
-    <dgm:txEffectClrLst/>
-  </dgm:styleLbl>
-  <dgm:styleLbl name="sibTrans2D1">
-    <dgm:fillClrLst meth="repeat">
-      <a:schemeClr val="dk2">
-        <a:tint val="60000"/>
-      </a:schemeClr>
-    </dgm:fillClrLst>
-    <dgm:linClrLst meth="repeat">
-      <a:schemeClr val="dk2">
-        <a:tint val="60000"/>
-      </a:schemeClr>
-    </dgm:linClrLst>
-    <dgm:effectClrLst/>
-    <dgm:txLinClrLst/>
-    <dgm:txFillClrLst/>
-    <dgm:txEffectClrLst/>
-  </dgm:styleLbl>
-  <dgm:styleLbl name="fgSibTrans2D1">
-    <dgm:fillClrLst meth="repeat">
-      <a:schemeClr val="dk2">
-        <a:tint val="60000"/>
-      </a:schemeClr>
-    </dgm:fillClrLst>
-    <dgm:linClrLst meth="repeat">
-      <a:schemeClr val="dk2">
-        <a:tint val="60000"/>
-      </a:schemeClr>
-    </dgm:linClrLst>
-    <dgm:effectClrLst/>
-    <dgm:txLinClrLst/>
-    <dgm:txFillClrLst/>
-    <dgm:txEffectClrLst/>
-  </dgm:styleLbl>
-  <dgm:styleLbl name="bgSibTrans2D1">
-    <dgm:fillClrLst meth="repeat">
-      <a:schemeClr val="dk2">
-        <a:tint val="60000"/>
-      </a:schemeClr>
-    </dgm:fillClrLst>
-    <dgm:linClrLst meth="repeat">
-      <a:schemeClr val="dk2">
-        <a:tint val="60000"/>
-      </a:schemeClr>
-    </dgm:linClrLst>
-    <dgm:effectClrLst/>
-    <dgm:txLinClrLst/>
-    <dgm:txFillClrLst/>
-    <dgm:txEffectClrLst/>
-  </dgm:styleLbl>
-  <dgm:styleLbl name="sibTrans1D1">
-    <dgm:fillClrLst meth="repeat">
-      <a:schemeClr val="dk2"/>
-    </dgm:fillClrLst>
-    <dgm:linClrLst meth="repeat">
-      <a:schemeClr val="dk2"/>
-    </dgm:linClrLst>
-    <dgm:effectClrLst/>
-    <dgm:txLinClrLst/>
-    <dgm:txFillClrLst meth="repeat">
-      <a:schemeClr val="lt2"/>
-    </dgm:txFillClrLst>
-    <dgm:txEffectClrLst/>
-  </dgm:styleLbl>
-  <dgm:styleLbl name="callout">
-    <dgm:fillClrLst meth="repeat">
-      <a:schemeClr val="dk2"/>
-    </dgm:fillClrLst>
-    <dgm:linClrLst meth="repeat">
-      <a:schemeClr val="dk2">
-        <a:tint val="50000"/>
-      </a:schemeClr>
-    </dgm:linClrLst>
-    <dgm:effectClrLst/>
-    <dgm:txLinClrLst/>
-    <dgm:txFillClrLst meth="repeat">
-      <a:schemeClr val="lt2"/>
-    </dgm:txFillClrLst>
-    <dgm:txEffectClrLst/>
-  </dgm:styleLbl>
-  <dgm:styleLbl name="asst0">
-    <dgm:fillClrLst meth="repeat">
-      <a:schemeClr val="dk2"/>
-    </dgm:fillClrLst>
-    <dgm:linClrLst meth="repeat">
-      <a:schemeClr val="lt2"/>
-    </dgm:linClrLst>
-    <dgm:effectClrLst/>
-    <dgm:txLinClrLst/>
-    <dgm:txFillClrLst/>
-    <dgm:txEffectClrLst/>
-  </dgm:styleLbl>
-  <dgm:styleLbl name="asst1">
-    <dgm:fillClrLst meth="repeat">
-      <a:schemeClr val="dk2"/>
-    </dgm:fillClrLst>
-    <dgm:linClrLst meth="repeat">
-      <a:schemeClr val="lt2"/>
-    </dgm:linClrLst>
-    <dgm:effectClrLst/>
-    <dgm:txLinClrLst/>
-    <dgm:txFillClrLst/>
-    <dgm:txEffectClrLst/>
-  </dgm:styleLbl>
-  <dgm:styleLbl name="asst2">
-    <dgm:fillClrLst meth="repeat">
-      <a:schemeClr val="dk2"/>
-    </dgm:fillClrLst>
-    <dgm:linClrLst meth="repeat">
-      <a:schemeClr val="lt2"/>
-    </dgm:linClrLst>
-    <dgm:effectClrLst/>
-    <dgm:txLinClrLst/>
-    <dgm:txFillClrLst/>
-    <dgm:txEffectClrLst/>
-  </dgm:styleLbl>
-  <dgm:styleLbl name="asst3">
-    <dgm:fillClrLst meth="repeat">
-      <a:schemeClr val="dk2"/>
-    </dgm:fillClrLst>
-    <dgm:linClrLst meth="repeat">
-      <a:schemeClr val="lt2"/>
-    </dgm:linClrLst>
-    <dgm:effectClrLst/>
-    <dgm:txLinClrLst/>
-    <dgm:txFillClrLst/>
-    <dgm:txEffectClrLst/>
-  </dgm:styleLbl>
-  <dgm:styleLbl name="asst4">
-    <dgm:fillClrLst meth="repeat">
-      <a:schemeClr val="dk2"/>
-    </dgm:fillClrLst>
-    <dgm:linClrLst meth="repeat">
-      <a:schemeClr val="lt2"/>
-    </dgm:linClrLst>
-    <dgm:effectClrLst/>
-    <dgm:txLinClrLst/>
-    <dgm:txFillClrLst/>
-    <dgm:txEffectClrLst/>
-  </dgm:styleLbl>
-  <dgm:styleLbl name="parChTrans2D1">
-    <dgm:fillClrLst meth="repeat">
-      <a:schemeClr val="dk2">
-        <a:tint val="60000"/>
-      </a:schemeClr>
-    </dgm:fillClrLst>
-    <dgm:linClrLst meth="repeat">
-      <a:schemeClr val="dk2">
-        <a:tint val="60000"/>
-      </a:schemeClr>
-    </dgm:linClrLst>
-    <dgm:effectClrLst/>
-    <dgm:txLinClrLst/>
-    <dgm:txFillClrLst meth="repeat">
-      <a:schemeClr val="lt2"/>
-    </dgm:txFillClrLst>
-    <dgm:txEffectClrLst/>
-  </dgm:styleLbl>
-  <dgm:styleLbl name="parChTrans2D2">
-    <dgm:fillClrLst meth="repeat">
-      <a:schemeClr val="dk2"/>
-    </dgm:fillClrLst>
-    <dgm:linClrLst meth="repeat">
-      <a:schemeClr val="dk2"/>
-    </dgm:linClrLst>
-    <dgm:effectClrLst/>
-    <dgm:txLinClrLst/>
-    <dgm:txFillClrLst meth="repeat">
-      <a:schemeClr val="lt2"/>
-    </dgm:txFillClrLst>
-    <dgm:txEffectClrLst/>
-  </dgm:styleLbl>
-  <dgm:styleLbl name="parChTrans2D3">
-    <dgm:fillClrLst meth="repeat">
-      <a:schemeClr val="dk2"/>
-    </dgm:fillClrLst>
-    <dgm:linClrLst meth="repeat">
-      <a:schemeClr val="dk2"/>
-    </dgm:linClrLst>
-    <dgm:effectClrLst/>
-    <dgm:txLinClrLst/>
-    <dgm:txFillClrLst meth="repeat">
-      <a:schemeClr val="lt2"/>
-    </dgm:txFillClrLst>
-    <dgm:txEffectClrLst/>
-  </dgm:styleLbl>
-  <dgm:styleLbl name="parChTrans2D4">
-    <dgm:fillClrLst meth="repeat">
-      <a:schemeClr val="dk2"/>
-    </dgm:fillClrLst>
-    <dgm:linClrLst meth="repeat">
-      <a:schemeClr val="dk2"/>
-    </dgm:linClrLst>
-    <dgm:effectClrLst/>
-    <dgm:txLinClrLst/>
-    <dgm:txFillClrLst meth="repeat">
-      <a:schemeClr val="lt2"/>
-    </dgm:txFillClrLst>
-    <dgm:txEffectClrLst/>
-  </dgm:styleLbl>
-  <dgm:styleLbl name="parChTrans1D1">
-    <dgm:fillClrLst meth="repeat">
-      <a:schemeClr val="dk2"/>
-    </dgm:fillClrLst>
-    <dgm:linClrLst meth="repeat">
-      <a:schemeClr val="dk2">
-        <a:shade val="60000"/>
-      </a:schemeClr>
-    </dgm:linClrLst>
-    <dgm:effectClrLst/>
-    <dgm:txLinClrLst/>
-    <dgm:txFillClrLst meth="repeat">
-      <a:schemeClr val="tx1"/>
-    </dgm:txFillClrLst>
-    <dgm:txEffectClrLst/>
-  </dgm:styleLbl>
-  <dgm:styleLbl name="parChTrans1D2">
-    <dgm:fillClrLst meth="repeat">
-      <a:schemeClr val="dk2"/>
-    </dgm:fillClrLst>
-    <dgm:linClrLst meth="repeat">
-      <a:schemeClr val="dk2">
-        <a:shade val="60000"/>
-      </a:schemeClr>
-    </dgm:linClrLst>
-    <dgm:effectClrLst/>
-    <dgm:txLinClrLst/>
-    <dgm:txFillClrLst meth="repeat">
-      <a:schemeClr val="tx1"/>
-    </dgm:txFillClrLst>
-    <dgm:txEffectClrLst/>
-  </dgm:styleLbl>
-  <dgm:styleLbl name="parChTrans1D3">
-    <dgm:fillClrLst meth="repeat">
-      <a:schemeClr val="dk2"/>
-    </dgm:fillClrLst>
-    <dgm:linClrLst meth="repeat">
-      <a:schemeClr val="dk2">
-        <a:shade val="80000"/>
-      </a:schemeClr>
-    </dgm:linClrLst>
-    <dgm:effectClrLst/>
-    <dgm:txLinClrLst/>
-    <dgm:txFillClrLst meth="repeat">
-      <a:schemeClr val="tx1"/>
-    </dgm:txFillClrLst>
-    <dgm:txEffectClrLst/>
-  </dgm:styleLbl>
-  <dgm:styleLbl name="parChTrans1D4">
-    <dgm:fillClrLst meth="repeat">
-      <a:schemeClr val="dk2"/>
-    </dgm:fillClrLst>
-    <dgm:linClrLst meth="repeat">
-      <a:schemeClr val="dk2">
-        <a:shade val="80000"/>
-      </a:schemeClr>
-    </dgm:linClrLst>
-    <dgm:effectClrLst/>
-    <dgm:txLinClrLst/>
-    <dgm:txFillClrLst meth="repeat">
-      <a:schemeClr val="tx1"/>
-    </dgm:txFillClrLst>
-    <dgm:txEffectClrLst/>
-  </dgm:styleLbl>
-  <dgm:styleLbl name="fgAcc1">
-    <dgm:fillClrLst meth="repeat">
-      <a:schemeClr val="lt2">
-        <a:alpha val="90000"/>
-      </a:schemeClr>
-    </dgm:fillClrLst>
-    <dgm:linClrLst meth="repeat">
-      <a:schemeClr val="dk2"/>
-    </dgm:linClrLst>
-    <dgm:effectClrLst/>
-    <dgm:txLinClrLst/>
-    <dgm:txFillClrLst meth="repeat">
-      <a:schemeClr val="dk1"/>
-    </dgm:txFillClrLst>
-    <dgm:txEffectClrLst/>
-  </dgm:styleLbl>
-  <dgm:styleLbl name="conFgAcc1">
-    <dgm:fillClrLst meth="repeat">
-      <a:schemeClr val="lt2">
-        <a:alpha val="90000"/>
-      </a:schemeClr>
-    </dgm:fillClrLst>
-    <dgm:linClrLst meth="repeat">
-      <a:schemeClr val="dk2"/>
-    </dgm:linClrLst>
-    <dgm:effectClrLst/>
-    <dgm:txLinClrLst/>
-    <dgm:txFillClrLst meth="repeat">
-      <a:schemeClr val="dk1"/>
-    </dgm:txFillClrLst>
-    <dgm:txEffectClrLst/>
-  </dgm:styleLbl>
-  <dgm:styleLbl name="alignAcc1">
-    <dgm:fillClrLst meth="repeat">
-      <a:schemeClr val="lt2">
-        <a:alpha val="90000"/>
-      </a:schemeClr>
-    </dgm:fillClrLst>
-    <dgm:linClrLst meth="repeat">
-      <a:schemeClr val="dk2"/>
-    </dgm:linClrLst>
-    <dgm:effectClrLst/>
-    <dgm:txLinClrLst/>
-    <dgm:txFillClrLst meth="repeat">
-      <a:schemeClr val="dk1"/>
-    </dgm:txFillClrLst>
-    <dgm:txEffectClrLst/>
-  </dgm:styleLbl>
-  <dgm:styleLbl name="trAlignAcc1">
-    <dgm:fillClrLst meth="repeat">
-      <a:schemeClr val="lt2">
-        <a:alpha val="40000"/>
-      </a:schemeClr>
-    </dgm:fillClrLst>
-    <dgm:linClrLst meth="repeat">
-      <a:schemeClr val="dk2"/>
-    </dgm:linClrLst>
-    <dgm:effectClrLst/>
-    <dgm:txLinClrLst/>
-    <dgm:txFillClrLst meth="repeat">
-      <a:schemeClr val="dk1"/>
-    </dgm:txFillClrLst>
-    <dgm:txEffectClrLst/>
-  </dgm:styleLbl>
-  <dgm:styleLbl name="bgAcc1">
-    <dgm:fillClrLst meth="repeat">
-      <a:schemeClr val="lt2">
-        <a:alpha val="90000"/>
-      </a:schemeClr>
-    </dgm:fillClrLst>
-    <dgm:linClrLst meth="repeat">
-      <a:schemeClr val="dk2"/>
-    </dgm:linClrLst>
-    <dgm:effectClrLst/>
-    <dgm:txLinClrLst/>
-    <dgm:txFillClrLst meth="repeat">
-      <a:schemeClr val="dk1"/>
-    </dgm:txFillClrLst>
-    <dgm:txEffectClrLst/>
-  </dgm:styleLbl>
-  <dgm:styleLbl name="solidFgAcc1">
-    <dgm:fillClrLst meth="repeat">
-      <a:schemeClr val="lt2"/>
-    </dgm:fillClrLst>
-    <dgm:linClrLst meth="repeat">
-      <a:schemeClr val="dk2"/>
-    </dgm:linClrLst>
-    <dgm:effectClrLst/>
-    <dgm:txLinClrLst/>
-    <dgm:txFillClrLst meth="repeat">
-      <a:schemeClr val="dk1"/>
-    </dgm:txFillClrLst>
-    <dgm:txEffectClrLst/>
-  </dgm:styleLbl>
-  <dgm:styleLbl name="solidAlignAcc1">
-    <dgm:fillClrLst meth="repeat">
-      <a:schemeClr val="lt2"/>
-    </dgm:fillClrLst>
-    <dgm:linClrLst meth="repeat">
-      <a:schemeClr val="dk2"/>
-    </dgm:linClrLst>
-    <dgm:effectClrLst/>
-    <dgm:txLinClrLst/>
-    <dgm:txFillClrLst meth="repeat">
-      <a:schemeClr val="dk1"/>
-    </dgm:txFillClrLst>
-    <dgm:txEffectClrLst/>
-  </dgm:styleLbl>
-  <dgm:styleLbl name="solidBgAcc1">
-    <dgm:fillClrLst meth="repeat">
-      <a:schemeClr val="lt2"/>
-    </dgm:fillClrLst>
-    <dgm:linClrLst meth="repeat">
-      <a:schemeClr val="dk2"/>
-    </dgm:linClrLst>
-    <dgm:effectClrLst/>
-    <dgm:txLinClrLst/>
-    <dgm:txFillClrLst meth="repeat">
-      <a:schemeClr val="dk1"/>
-    </dgm:txFillClrLst>
-    <dgm:txEffectClrLst/>
-  </dgm:styleLbl>
-  <dgm:styleLbl name="fgAccFollowNode1">
-    <dgm:fillClrLst meth="repeat">
-      <a:schemeClr val="dk2">
-        <a:alpha val="90000"/>
-        <a:tint val="40000"/>
-      </a:schemeClr>
-    </dgm:fillClrLst>
-    <dgm:linClrLst meth="repeat">
-      <a:schemeClr val="dk2">
-        <a:alpha val="90000"/>
-        <a:tint val="40000"/>
-      </a:schemeClr>
-    </dgm:linClrLst>
-    <dgm:effectClrLst/>
-    <dgm:txLinClrLst/>
-    <dgm:txFillClrLst meth="repeat">
-      <a:schemeClr val="dk1"/>
-    </dgm:txFillClrLst>
-    <dgm:txEffectClrLst/>
-  </dgm:styleLbl>
-  <dgm:styleLbl name="alignAccFollowNode1">
-    <dgm:fillClrLst meth="repeat">
-      <a:schemeClr val="dk2">
-        <a:alpha val="90000"/>
-        <a:tint val="40000"/>
-      </a:schemeClr>
-    </dgm:fillClrLst>
-    <dgm:linClrLst meth="repeat">
-      <a:schemeClr val="dk2">
-        <a:alpha val="90000"/>
-        <a:tint val="40000"/>
-      </a:schemeClr>
-    </dgm:linClrLst>
-    <dgm:effectClrLst/>
-    <dgm:txLinClrLst/>
-    <dgm:txFillClrLst meth="repeat">
-      <a:schemeClr val="dk1"/>
-    </dgm:txFillClrLst>
-    <dgm:txEffectClrLst/>
-  </dgm:styleLbl>
-  <dgm:styleLbl name="bgAccFollowNode1">
-    <dgm:fillClrLst meth="repeat">
-      <a:schemeClr val="dk2">
-        <a:alpha val="90000"/>
-        <a:tint val="40000"/>
-      </a:schemeClr>
-    </dgm:fillClrLst>
-    <dgm:linClrLst meth="repeat">
-      <a:schemeClr val="dk2">
-        <a:alpha val="90000"/>
-        <a:tint val="40000"/>
-      </a:schemeClr>
-    </dgm:linClrLst>
-    <dgm:effectClrLst/>
-    <dgm:txLinClrLst/>
-    <dgm:txFillClrLst meth="repeat">
-      <a:schemeClr val="dk1"/>
-    </dgm:txFillClrLst>
-    <dgm:txEffectClrLst/>
-  </dgm:styleLbl>
-  <dgm:styleLbl name="fgAcc0">
-    <dgm:fillClrLst meth="repeat">
-      <a:schemeClr val="lt2">
-        <a:alpha val="90000"/>
-      </a:schemeClr>
-    </dgm:fillClrLst>
-    <dgm:linClrLst meth="repeat">
-      <a:schemeClr val="dk2"/>
-    </dgm:linClrLst>
-    <dgm:effectClrLst/>
-    <dgm:txLinClrLst/>
-    <dgm:txFillClrLst meth="repeat">
-      <a:schemeClr val="dk1"/>
-    </dgm:txFillClrLst>
-    <dgm:txEffectClrLst/>
-  </dgm:styleLbl>
-  <dgm:styleLbl name="fgAcc2">
-    <dgm:fillClrLst meth="repeat">
-      <a:schemeClr val="lt2">
-        <a:alpha val="90000"/>
-      </a:schemeClr>
-    </dgm:fillClrLst>
-    <dgm:linClrLst meth="repeat">
-      <a:schemeClr val="dk2"/>
-    </dgm:linClrLst>
-    <dgm:effectClrLst/>
-    <dgm:txLinClrLst/>
-    <dgm:txFillClrLst meth="repeat">
-      <a:schemeClr val="dk1"/>
-    </dgm:txFillClrLst>
-    <dgm:txEffectClrLst/>
-  </dgm:styleLbl>
-  <dgm:styleLbl name="fgAcc3">
-    <dgm:fillClrLst meth="repeat">
-      <a:schemeClr val="lt2">
-        <a:alpha val="90000"/>
-      </a:schemeClr>
-    </dgm:fillClrLst>
-    <dgm:linClrLst meth="repeat">
-      <a:schemeClr val="dk2"/>
-    </dgm:linClrLst>
-    <dgm:effectClrLst/>
-    <dgm:txLinClrLst/>
-    <dgm:txFillClrLst meth="repeat">
-      <a:schemeClr val="dk1"/>
-    </dgm:txFillClrLst>
-    <dgm:txEffectClrLst/>
-  </dgm:styleLbl>
-  <dgm:styleLbl name="fgAcc4">
-    <dgm:fillClrLst meth="repeat">
-      <a:schemeClr val="lt2">
-        <a:alpha val="90000"/>
-      </a:schemeClr>
-    </dgm:fillClrLst>
-    <dgm:linClrLst meth="repeat">
-      <a:schemeClr val="dk2"/>
-    </dgm:linClrLst>
-    <dgm:effectClrLst/>
-    <dgm:txLinClrLst/>
-    <dgm:txFillClrLst meth="repeat">
-      <a:schemeClr val="dk1"/>
-    </dgm:txFillClrLst>
-    <dgm:txEffectClrLst/>
-  </dgm:styleLbl>
-  <dgm:styleLbl name="bgShp">
-    <dgm:fillClrLst meth="repeat">
-      <a:schemeClr val="dk2">
-        <a:tint val="40000"/>
-      </a:schemeClr>
-    </dgm:fillClrLst>
-    <dgm:linClrLst meth="repeat">
-      <a:schemeClr val="dk2"/>
-    </dgm:linClrLst>
-    <dgm:effectClrLst/>
-    <dgm:txLinClrLst/>
-    <dgm:txFillClrLst meth="repeat">
-      <a:schemeClr val="dk1"/>
-    </dgm:txFillClrLst>
-    <dgm:txEffectClrLst/>
-  </dgm:styleLbl>
-  <dgm:styleLbl name="dkBgShp">
-    <dgm:fillClrLst meth="repeat">
-      <a:schemeClr val="dk2">
-        <a:shade val="80000"/>
-      </a:schemeClr>
-    </dgm:fillClrLst>
-    <dgm:linClrLst meth="repeat">
-      <a:schemeClr val="dk2"/>
-    </dgm:linClrLst>
-    <dgm:effectClrLst/>
-    <dgm:txLinClrLst/>
-    <dgm:txFillClrLst meth="repeat">
-      <a:schemeClr val="lt1"/>
-    </dgm:txFillClrLst>
-    <dgm:txEffectClrLst/>
-  </dgm:styleLbl>
-  <dgm:styleLbl name="trBgShp">
-    <dgm:fillClrLst meth="repeat">
-      <a:schemeClr val="dk2">
-        <a:tint val="50000"/>
-        <a:alpha val="40000"/>
-      </a:schemeClr>
-    </dgm:fillClrLst>
-    <dgm:linClrLst meth="repeat">
-      <a:schemeClr val="dk2"/>
-    </dgm:linClrLst>
-    <dgm:effectClrLst/>
-    <dgm:txLinClrLst/>
-    <dgm:txFillClrLst meth="repeat">
-      <a:schemeClr val="lt1"/>
-    </dgm:txFillClrLst>
-    <dgm:txEffectClrLst/>
-  </dgm:styleLbl>
-  <dgm:styleLbl name="fgShp">
-    <dgm:fillClrLst meth="repeat">
-      <a:schemeClr val="dk2">
-        <a:tint val="60000"/>
-      </a:schemeClr>
-    </dgm:fillClrLst>
-    <dgm:linClrLst meth="repeat">
-      <a:schemeClr val="lt2"/>
-    </dgm:linClrLst>
-    <dgm:effectClrLst/>
-    <dgm:txLinClrLst/>
-    <dgm:txFillClrLst meth="repeat">
-      <a:schemeClr val="dk1"/>
-    </dgm:txFillClrLst>
-    <dgm:txEffectClrLst/>
-  </dgm:styleLbl>
-  <dgm:styleLbl name="revTx">
-    <dgm:fillClrLst meth="repeat">
-      <a:schemeClr val="lt2">
-        <a:alpha val="0"/>
-      </a:schemeClr>
-    </dgm:fillClrLst>
-    <dgm:linClrLst meth="repeat">
-      <a:schemeClr val="dk1">
-        <a:alpha val="0"/>
-      </a:schemeClr>
-    </dgm:linClrLst>
-    <dgm:effectClrLst/>
-    <dgm:txLinClrLst/>
-    <dgm:txFillClrLst meth="repeat">
-      <a:schemeClr val="tx1"/>
-    </dgm:txFillClrLst>
-    <dgm:txEffectClrLst/>
-  </dgm:styleLbl>
-</dgm:colorsDef>
-</file>
-
-<file path=ppt/diagrams/data1.xml><?xml version="1.0" encoding="utf-8"?>
-<dgm:dataModel xmlns:dgm="http://schemas.openxmlformats.org/drawingml/2006/diagram" xmlns:a="http://schemas.openxmlformats.org/drawingml/2006/main">
-  <dgm:ptLst>
-    <dgm:pt modelId="{978A06C0-4888-4ADC-BB0C-9E7361168730}" type="doc">
-      <dgm:prSet loTypeId="urn:microsoft.com/office/officeart/2005/8/layout/target1" loCatId="relationship" qsTypeId="urn:microsoft.com/office/officeart/2005/8/quickstyle/3d6" qsCatId="3D" csTypeId="urn:microsoft.com/office/officeart/2005/8/colors/accent0_3" csCatId="mainScheme"/>
-      <dgm:spPr/>
-      <dgm:t>
-        <a:bodyPr/>
-        <a:lstStyle/>
-        <a:p>
-          <a:endParaRPr lang="en-US"/>
-        </a:p>
-      </dgm:t>
-    </dgm:pt>
-    <dgm:pt modelId="{566E96CA-8735-4E63-8D54-7B02E452E33D}">
-      <dgm:prSet/>
-      <dgm:spPr/>
-      <dgm:t>
-        <a:bodyPr/>
-        <a:lstStyle/>
-        <a:p>
-          <a:pPr rtl="0"/>
-          <a:r>
-            <a:rPr lang="en-US" dirty="0" smtClean="0">
-              <a:latin typeface="+mn-lt"/>
-              <a:cs typeface="Arial" pitchFamily="34" charset="0"/>
-            </a:rPr>
-            <a:t>The sun is in the center of all orbits</a:t>
-          </a:r>
-          <a:endParaRPr lang="en-US" dirty="0">
-            <a:latin typeface="+mn-lt"/>
-            <a:cs typeface="Arial" pitchFamily="34" charset="0"/>
-          </a:endParaRPr>
-        </a:p>
-      </dgm:t>
-    </dgm:pt>
-    <dgm:pt modelId="{A01A9E41-DF95-4BCB-BF9F-376913A77E2E}" type="parTrans" cxnId="{6526A243-8A27-4C04-8B49-6B697ABA410A}">
-      <dgm:prSet/>
-      <dgm:spPr/>
-      <dgm:t>
-        <a:bodyPr/>
-        <a:lstStyle/>
-        <a:p>
-          <a:endParaRPr lang="en-US"/>
-        </a:p>
-      </dgm:t>
-    </dgm:pt>
-    <dgm:pt modelId="{76AB8D80-F69A-434E-81B9-73FEF72CC578}" type="sibTrans" cxnId="{6526A243-8A27-4C04-8B49-6B697ABA410A}">
-      <dgm:prSet/>
-      <dgm:spPr/>
-      <dgm:t>
-        <a:bodyPr/>
-        <a:lstStyle/>
-        <a:p>
-          <a:endParaRPr lang="en-US"/>
-        </a:p>
-      </dgm:t>
-    </dgm:pt>
-    <dgm:pt modelId="{062EC279-DBB5-4FB2-A50F-143FC9F6C740}">
-      <dgm:prSet/>
-      <dgm:spPr/>
-      <dgm:t>
-        <a:bodyPr/>
-        <a:lstStyle/>
-        <a:p>
-          <a:pPr rtl="0"/>
-          <a:r>
-            <a:rPr lang="en-US" dirty="0" smtClean="0">
-              <a:latin typeface="+mn-lt"/>
-              <a:cs typeface="Arial" pitchFamily="34" charset="0"/>
-            </a:rPr>
-            <a:t>There are smaller planets closer to the sun</a:t>
-          </a:r>
-          <a:endParaRPr lang="en-US" dirty="0">
-            <a:latin typeface="+mn-lt"/>
-            <a:cs typeface="Arial" pitchFamily="34" charset="0"/>
-          </a:endParaRPr>
-        </a:p>
-      </dgm:t>
-    </dgm:pt>
-    <dgm:pt modelId="{96F5537F-9F33-4E8D-A843-B0BB93AD5F51}" type="parTrans" cxnId="{02A9E34A-0234-47EA-82F6-490648A5BBDB}">
-      <dgm:prSet/>
-      <dgm:spPr/>
-      <dgm:t>
-        <a:bodyPr/>
-        <a:lstStyle/>
-        <a:p>
-          <a:endParaRPr lang="en-US"/>
-        </a:p>
-      </dgm:t>
-    </dgm:pt>
-    <dgm:pt modelId="{607C11F1-8A58-4B97-9478-8E41AD02BD07}" type="sibTrans" cxnId="{02A9E34A-0234-47EA-82F6-490648A5BBDB}">
-      <dgm:prSet/>
-      <dgm:spPr/>
-      <dgm:t>
-        <a:bodyPr/>
-        <a:lstStyle/>
-        <a:p>
-          <a:endParaRPr lang="en-US"/>
-        </a:p>
-      </dgm:t>
-    </dgm:pt>
-    <dgm:pt modelId="{554B6B70-78BF-4B46-9BF4-E86FFF69B0AD}">
-      <dgm:prSet/>
-      <dgm:spPr/>
-      <dgm:t>
-        <a:bodyPr/>
-        <a:lstStyle/>
-        <a:p>
-          <a:pPr rtl="0"/>
-          <a:r>
-            <a:rPr lang="en-US" dirty="0" smtClean="0">
-              <a:latin typeface="+mn-lt"/>
-              <a:cs typeface="Arial" pitchFamily="34" charset="0"/>
-            </a:rPr>
-            <a:t>There is a mix of planet sizes further away</a:t>
-          </a:r>
-          <a:endParaRPr lang="en-US" dirty="0">
-            <a:latin typeface="+mn-lt"/>
-            <a:cs typeface="Arial" pitchFamily="34" charset="0"/>
-          </a:endParaRPr>
-        </a:p>
-      </dgm:t>
-    </dgm:pt>
-    <dgm:pt modelId="{E505A992-23B5-4A06-BB51-E11F804383FC}" type="parTrans" cxnId="{36B31DB1-1FA1-45E4-8AE5-BA441E41E11D}">
-      <dgm:prSet/>
-      <dgm:spPr/>
-      <dgm:t>
-        <a:bodyPr/>
-        <a:lstStyle/>
-        <a:p>
-          <a:endParaRPr lang="en-US"/>
-        </a:p>
-      </dgm:t>
-    </dgm:pt>
-    <dgm:pt modelId="{6F81C20C-D97B-4A8B-987A-9EED43F613EE}" type="sibTrans" cxnId="{36B31DB1-1FA1-45E4-8AE5-BA441E41E11D}">
-      <dgm:prSet/>
-      <dgm:spPr/>
-      <dgm:t>
-        <a:bodyPr/>
-        <a:lstStyle/>
-        <a:p>
-          <a:endParaRPr lang="en-US"/>
-        </a:p>
-      </dgm:t>
-    </dgm:pt>
-    <dgm:pt modelId="{F83FC547-7C98-4BA1-A525-A388021023AD}" type="pres">
-      <dgm:prSet presAssocID="{978A06C0-4888-4ADC-BB0C-9E7361168730}" presName="composite" presStyleCnt="0">
-        <dgm:presLayoutVars>
-          <dgm:chMax val="5"/>
-          <dgm:dir/>
-          <dgm:resizeHandles val="exact"/>
-        </dgm:presLayoutVars>
-      </dgm:prSet>
-      <dgm:spPr/>
-      <dgm:t>
-        <a:bodyPr/>
-        <a:lstStyle/>
-        <a:p>
-          <a:endParaRPr lang="en-US"/>
-        </a:p>
-      </dgm:t>
-    </dgm:pt>
-    <dgm:pt modelId="{5B2A6C11-B8FD-420B-BE47-355E2F8B3DFC}" type="pres">
-      <dgm:prSet presAssocID="{566E96CA-8735-4E63-8D54-7B02E452E33D}" presName="circle1" presStyleLbl="lnNode1" presStyleIdx="0" presStyleCnt="3" custLinFactNeighborX="-5556" custLinFactNeighborY="12418"/>
-      <dgm:spPr>
-        <a:solidFill>
-          <a:srgbClr val="0070C0"/>
-        </a:solidFill>
-      </dgm:spPr>
-    </dgm:pt>
-    <dgm:pt modelId="{3D7AB509-6BA0-4C30-9B59-90C18990B40E}" type="pres">
-      <dgm:prSet presAssocID="{566E96CA-8735-4E63-8D54-7B02E452E33D}" presName="text1" presStyleLbl="revTx" presStyleIdx="0" presStyleCnt="3">
-        <dgm:presLayoutVars>
-          <dgm:bulletEnabled val="1"/>
-        </dgm:presLayoutVars>
-      </dgm:prSet>
-      <dgm:spPr/>
-      <dgm:t>
-        <a:bodyPr/>
-        <a:lstStyle/>
-        <a:p>
-          <a:endParaRPr lang="en-US"/>
-        </a:p>
-      </dgm:t>
-    </dgm:pt>
-    <dgm:pt modelId="{DC840353-2282-4112-92DE-A3E5E740D83E}" type="pres">
-      <dgm:prSet presAssocID="{566E96CA-8735-4E63-8D54-7B02E452E33D}" presName="line1" presStyleLbl="callout" presStyleIdx="0" presStyleCnt="6"/>
-      <dgm:spPr/>
-    </dgm:pt>
-    <dgm:pt modelId="{8C034039-2DFB-4963-879A-D2FCDCB1BD05}" type="pres">
-      <dgm:prSet presAssocID="{566E96CA-8735-4E63-8D54-7B02E452E33D}" presName="d1" presStyleLbl="callout" presStyleIdx="1" presStyleCnt="6"/>
-      <dgm:spPr/>
-    </dgm:pt>
-    <dgm:pt modelId="{1F39E39C-0280-4F42-94ED-A35C53334115}" type="pres">
-      <dgm:prSet presAssocID="{062EC279-DBB5-4FB2-A50F-143FC9F6C740}" presName="circle2" presStyleLbl="lnNode1" presStyleIdx="1" presStyleCnt="3"/>
-      <dgm:spPr>
-        <a:solidFill>
-          <a:srgbClr val="0070C0">
-            <a:alpha val="39000"/>
-          </a:srgbClr>
-        </a:solidFill>
-      </dgm:spPr>
-      <dgm:t>
-        <a:bodyPr/>
-        <a:lstStyle/>
-        <a:p>
-          <a:endParaRPr lang="en-US"/>
-        </a:p>
-      </dgm:t>
-    </dgm:pt>
-    <dgm:pt modelId="{D1036620-22CD-4210-B9CB-CC9557B12E47}" type="pres">
-      <dgm:prSet presAssocID="{062EC279-DBB5-4FB2-A50F-143FC9F6C740}" presName="text2" presStyleLbl="revTx" presStyleIdx="1" presStyleCnt="3">
-        <dgm:presLayoutVars>
-          <dgm:bulletEnabled val="1"/>
-        </dgm:presLayoutVars>
-      </dgm:prSet>
-      <dgm:spPr/>
-      <dgm:t>
-        <a:bodyPr/>
-        <a:lstStyle/>
-        <a:p>
-          <a:endParaRPr lang="en-US"/>
-        </a:p>
-      </dgm:t>
-    </dgm:pt>
-    <dgm:pt modelId="{FD6221E4-5503-4B42-94DA-FE23DE0A12B5}" type="pres">
-      <dgm:prSet presAssocID="{062EC279-DBB5-4FB2-A50F-143FC9F6C740}" presName="line2" presStyleLbl="callout" presStyleIdx="2" presStyleCnt="6"/>
-      <dgm:spPr/>
-    </dgm:pt>
-    <dgm:pt modelId="{FD53BD5F-3D10-4661-9F3E-B99C43FB6B3C}" type="pres">
-      <dgm:prSet presAssocID="{062EC279-DBB5-4FB2-A50F-143FC9F6C740}" presName="d2" presStyleLbl="callout" presStyleIdx="3" presStyleCnt="6"/>
-      <dgm:spPr/>
-    </dgm:pt>
-    <dgm:pt modelId="{3F30D057-F4F1-4E8E-BA1C-1EA6ED36557C}" type="pres">
-      <dgm:prSet presAssocID="{554B6B70-78BF-4B46-9BF4-E86FFF69B0AD}" presName="circle3" presStyleLbl="lnNode1" presStyleIdx="2" presStyleCnt="3"/>
-      <dgm:spPr>
-        <a:solidFill>
-          <a:srgbClr val="002060"/>
-        </a:solidFill>
-      </dgm:spPr>
-    </dgm:pt>
-    <dgm:pt modelId="{72554440-F6E0-409C-BEB8-1658A7D0C84D}" type="pres">
-      <dgm:prSet presAssocID="{554B6B70-78BF-4B46-9BF4-E86FFF69B0AD}" presName="text3" presStyleLbl="revTx" presStyleIdx="2" presStyleCnt="3">
-        <dgm:presLayoutVars>
-          <dgm:bulletEnabled val="1"/>
-        </dgm:presLayoutVars>
-      </dgm:prSet>
-      <dgm:spPr/>
-      <dgm:t>
-        <a:bodyPr/>
-        <a:lstStyle/>
-        <a:p>
-          <a:endParaRPr lang="en-US"/>
-        </a:p>
-      </dgm:t>
-    </dgm:pt>
-    <dgm:pt modelId="{3565DF0B-FF98-431E-94BA-52C1748A7EE8}" type="pres">
-      <dgm:prSet presAssocID="{554B6B70-78BF-4B46-9BF4-E86FFF69B0AD}" presName="line3" presStyleLbl="callout" presStyleIdx="4" presStyleCnt="6"/>
-      <dgm:spPr/>
-    </dgm:pt>
-    <dgm:pt modelId="{FA4F0EDC-FF8B-47C2-911B-5D735A0E2535}" type="pres">
-      <dgm:prSet presAssocID="{554B6B70-78BF-4B46-9BF4-E86FFF69B0AD}" presName="d3" presStyleLbl="callout" presStyleIdx="5" presStyleCnt="6"/>
-      <dgm:spPr/>
-    </dgm:pt>
-  </dgm:ptLst>
-  <dgm:cxnLst>
-    <dgm:cxn modelId="{3D3B5D40-1BD1-4060-B6B2-2DD98431D479}" type="presOf" srcId="{062EC279-DBB5-4FB2-A50F-143FC9F6C740}" destId="{D1036620-22CD-4210-B9CB-CC9557B12E47}" srcOrd="0" destOrd="0" presId="urn:microsoft.com/office/officeart/2005/8/layout/target1"/>
-    <dgm:cxn modelId="{66DB6C31-96F0-4334-AD0F-CE70084A8431}" type="presOf" srcId="{566E96CA-8735-4E63-8D54-7B02E452E33D}" destId="{3D7AB509-6BA0-4C30-9B59-90C18990B40E}" srcOrd="0" destOrd="0" presId="urn:microsoft.com/office/officeart/2005/8/layout/target1"/>
-    <dgm:cxn modelId="{B96DAC0F-CB73-411F-92AD-052AAD8AD0E5}" type="presOf" srcId="{978A06C0-4888-4ADC-BB0C-9E7361168730}" destId="{F83FC547-7C98-4BA1-A525-A388021023AD}" srcOrd="0" destOrd="0" presId="urn:microsoft.com/office/officeart/2005/8/layout/target1"/>
-    <dgm:cxn modelId="{02A9E34A-0234-47EA-82F6-490648A5BBDB}" srcId="{978A06C0-4888-4ADC-BB0C-9E7361168730}" destId="{062EC279-DBB5-4FB2-A50F-143FC9F6C740}" srcOrd="1" destOrd="0" parTransId="{96F5537F-9F33-4E8D-A843-B0BB93AD5F51}" sibTransId="{607C11F1-8A58-4B97-9478-8E41AD02BD07}"/>
-    <dgm:cxn modelId="{CCA53FD9-E033-4104-AC52-AB1B2811ADA5}" type="presOf" srcId="{554B6B70-78BF-4B46-9BF4-E86FFF69B0AD}" destId="{72554440-F6E0-409C-BEB8-1658A7D0C84D}" srcOrd="0" destOrd="0" presId="urn:microsoft.com/office/officeart/2005/8/layout/target1"/>
-    <dgm:cxn modelId="{36B31DB1-1FA1-45E4-8AE5-BA441E41E11D}" srcId="{978A06C0-4888-4ADC-BB0C-9E7361168730}" destId="{554B6B70-78BF-4B46-9BF4-E86FFF69B0AD}" srcOrd="2" destOrd="0" parTransId="{E505A992-23B5-4A06-BB51-E11F804383FC}" sibTransId="{6F81C20C-D97B-4A8B-987A-9EED43F613EE}"/>
-    <dgm:cxn modelId="{6526A243-8A27-4C04-8B49-6B697ABA410A}" srcId="{978A06C0-4888-4ADC-BB0C-9E7361168730}" destId="{566E96CA-8735-4E63-8D54-7B02E452E33D}" srcOrd="0" destOrd="0" parTransId="{A01A9E41-DF95-4BCB-BF9F-376913A77E2E}" sibTransId="{76AB8D80-F69A-434E-81B9-73FEF72CC578}"/>
-    <dgm:cxn modelId="{7AB30518-AEDF-4BB4-90A3-7D27D529C4C3}" type="presParOf" srcId="{F83FC547-7C98-4BA1-A525-A388021023AD}" destId="{5B2A6C11-B8FD-420B-BE47-355E2F8B3DFC}" srcOrd="0" destOrd="0" presId="urn:microsoft.com/office/officeart/2005/8/layout/target1"/>
-    <dgm:cxn modelId="{F9A34EC6-2636-4E42-BD58-F7DE83BA8FC8}" type="presParOf" srcId="{F83FC547-7C98-4BA1-A525-A388021023AD}" destId="{3D7AB509-6BA0-4C30-9B59-90C18990B40E}" srcOrd="1" destOrd="0" presId="urn:microsoft.com/office/officeart/2005/8/layout/target1"/>
-    <dgm:cxn modelId="{A8960AC4-775E-4D5E-ADEA-9A462D9D0210}" type="presParOf" srcId="{F83FC547-7C98-4BA1-A525-A388021023AD}" destId="{DC840353-2282-4112-92DE-A3E5E740D83E}" srcOrd="2" destOrd="0" presId="urn:microsoft.com/office/officeart/2005/8/layout/target1"/>
-    <dgm:cxn modelId="{21D543BF-BB3E-4D21-AA4B-E17DF7FAA8ED}" type="presParOf" srcId="{F83FC547-7C98-4BA1-A525-A388021023AD}" destId="{8C034039-2DFB-4963-879A-D2FCDCB1BD05}" srcOrd="3" destOrd="0" presId="urn:microsoft.com/office/officeart/2005/8/layout/target1"/>
-    <dgm:cxn modelId="{221C3BD8-8155-40E2-AB95-14D4A5537EA6}" type="presParOf" srcId="{F83FC547-7C98-4BA1-A525-A388021023AD}" destId="{1F39E39C-0280-4F42-94ED-A35C53334115}" srcOrd="4" destOrd="0" presId="urn:microsoft.com/office/officeart/2005/8/layout/target1"/>
-    <dgm:cxn modelId="{A2CF1743-3444-4D9B-AFE3-A7CA7A7B4716}" type="presParOf" srcId="{F83FC547-7C98-4BA1-A525-A388021023AD}" destId="{D1036620-22CD-4210-B9CB-CC9557B12E47}" srcOrd="5" destOrd="0" presId="urn:microsoft.com/office/officeart/2005/8/layout/target1"/>
-    <dgm:cxn modelId="{A7D562A6-A5F4-436E-94F9-33885AD5D8C9}" type="presParOf" srcId="{F83FC547-7C98-4BA1-A525-A388021023AD}" destId="{FD6221E4-5503-4B42-94DA-FE23DE0A12B5}" srcOrd="6" destOrd="0" presId="urn:microsoft.com/office/officeart/2005/8/layout/target1"/>
-    <dgm:cxn modelId="{C8F72AE5-8E4D-46B3-8C24-644ABDC933B3}" type="presParOf" srcId="{F83FC547-7C98-4BA1-A525-A388021023AD}" destId="{FD53BD5F-3D10-4661-9F3E-B99C43FB6B3C}" srcOrd="7" destOrd="0" presId="urn:microsoft.com/office/officeart/2005/8/layout/target1"/>
-    <dgm:cxn modelId="{649F1897-A3AC-42DC-ACF4-1D81A28FC6C5}" type="presParOf" srcId="{F83FC547-7C98-4BA1-A525-A388021023AD}" destId="{3F30D057-F4F1-4E8E-BA1C-1EA6ED36557C}" srcOrd="8" destOrd="0" presId="urn:microsoft.com/office/officeart/2005/8/layout/target1"/>
-    <dgm:cxn modelId="{087D1B95-6858-466E-94AD-1B9C661710BB}" type="presParOf" srcId="{F83FC547-7C98-4BA1-A525-A388021023AD}" destId="{72554440-F6E0-409C-BEB8-1658A7D0C84D}" srcOrd="9" destOrd="0" presId="urn:microsoft.com/office/officeart/2005/8/layout/target1"/>
-    <dgm:cxn modelId="{DE8E6C1C-9A74-4FA6-9EB5-1BB03280FD97}" type="presParOf" srcId="{F83FC547-7C98-4BA1-A525-A388021023AD}" destId="{3565DF0B-FF98-431E-94BA-52C1748A7EE8}" srcOrd="10" destOrd="0" presId="urn:microsoft.com/office/officeart/2005/8/layout/target1"/>
-    <dgm:cxn modelId="{09849858-7AC5-47D4-9D48-29B7F5C09474}" type="presParOf" srcId="{F83FC547-7C98-4BA1-A525-A388021023AD}" destId="{FA4F0EDC-FF8B-47C2-911B-5D735A0E2535}" srcOrd="11" destOrd="0" presId="urn:microsoft.com/office/officeart/2005/8/layout/target1"/>
-  </dgm:cxnLst>
-  <dgm:bg/>
-  <dgm:whole/>
-  <dgm:extLst>
-    <a:ext uri="http://schemas.microsoft.com/office/drawing/2008/diagram">
-      <dsp:dataModelExt xmlns:dsp="http://schemas.microsoft.com/office/drawing/2008/diagram" relId="rId6" minVer="http://schemas.openxmlformats.org/drawingml/2006/diagram"/>
-    </a:ext>
-  </dgm:extLst>
-</dgm:dataModel>
-</file>
-
-<file path=ppt/diagrams/drawing1.xml><?xml version="1.0" encoding="utf-8"?>
-<dsp:drawing xmlns:dgm="http://schemas.openxmlformats.org/drawingml/2006/diagram" xmlns:dsp="http://schemas.microsoft.com/office/drawing/2008/diagram" xmlns:a="http://schemas.openxmlformats.org/drawingml/2006/main">
-  <dsp:spTree>
-    <dsp:nvGrpSpPr>
-      <dsp:cNvPr id="0" name=""/>
-      <dsp:cNvGrpSpPr/>
-    </dsp:nvGrpSpPr>
-    <dsp:grpSpPr/>
-    <dsp:sp modelId="{3F30D057-F4F1-4E8E-BA1C-1EA6ED36557C}">
-      <dsp:nvSpPr>
-        <dsp:cNvPr id="0" name=""/>
-        <dsp:cNvSpPr/>
-      </dsp:nvSpPr>
-      <dsp:spPr>
-        <a:xfrm>
-          <a:off x="571500" y="914399"/>
-          <a:ext cx="2743200" cy="2743200"/>
-        </a:xfrm>
-        <a:prstGeom prst="ellipse">
-          <a:avLst/>
-        </a:prstGeom>
-        <a:solidFill>
-          <a:srgbClr val="002060"/>
-        </a:solidFill>
-        <a:ln>
-          <a:noFill/>
-        </a:ln>
-        <a:effectLst>
-          <a:glow rad="63500">
-            <a:schemeClr val="dk2">
-              <a:hueOff val="0"/>
-              <a:satOff val="0"/>
-              <a:lumOff val="0"/>
-              <a:alphaOff val="0"/>
-              <a:alpha val="45000"/>
-              <a:satMod val="120000"/>
-            </a:schemeClr>
-          </a:glow>
-        </a:effectLst>
-        <a:scene3d>
-          <a:camera prst="orthographicFront" fov="0">
-            <a:rot lat="0" lon="0" rev="0"/>
-          </a:camera>
-          <a:lightRig rig="brightRoom" dir="tl">
-            <a:rot lat="0" lon="0" rev="8700000"/>
-          </a:lightRig>
-        </a:scene3d>
-        <a:sp3d prstMaterial="plastic">
-          <a:bevelT w="50800" h="50800"/>
-          <a:bevelB w="50800" h="50800"/>
-        </a:sp3d>
-      </dsp:spPr>
-      <dsp:style>
-        <a:lnRef idx="0">
-          <a:scrgbClr r="0" g="0" b="0"/>
-        </a:lnRef>
-        <a:fillRef idx="1">
-          <a:scrgbClr r="0" g="0" b="0"/>
-        </a:fillRef>
-        <a:effectRef idx="2">
-          <a:scrgbClr r="0" g="0" b="0"/>
-        </a:effectRef>
-        <a:fontRef idx="minor">
-          <a:schemeClr val="lt1"/>
-        </a:fontRef>
-      </dsp:style>
-    </dsp:sp>
-    <dsp:sp modelId="{1F39E39C-0280-4F42-94ED-A35C53334115}">
-      <dsp:nvSpPr>
-        <dsp:cNvPr id="0" name=""/>
-        <dsp:cNvSpPr/>
-      </dsp:nvSpPr>
-      <dsp:spPr>
-        <a:xfrm>
-          <a:off x="1120140" y="1463039"/>
-          <a:ext cx="1645920" cy="1645920"/>
-        </a:xfrm>
-        <a:prstGeom prst="ellipse">
-          <a:avLst/>
-        </a:prstGeom>
-        <a:solidFill>
-          <a:srgbClr val="0070C0">
-            <a:alpha val="39000"/>
-          </a:srgbClr>
-        </a:solidFill>
-        <a:ln>
-          <a:noFill/>
-        </a:ln>
-        <a:effectLst>
-          <a:glow rad="63500">
-            <a:schemeClr val="dk2">
-              <a:hueOff val="0"/>
-              <a:satOff val="0"/>
-              <a:lumOff val="0"/>
-              <a:alphaOff val="0"/>
-              <a:alpha val="45000"/>
-              <a:satMod val="120000"/>
-            </a:schemeClr>
-          </a:glow>
-        </a:effectLst>
-        <a:scene3d>
-          <a:camera prst="orthographicFront" fov="0">
-            <a:rot lat="0" lon="0" rev="0"/>
-          </a:camera>
-          <a:lightRig rig="brightRoom" dir="tl">
-            <a:rot lat="0" lon="0" rev="8700000"/>
-          </a:lightRig>
-        </a:scene3d>
-        <a:sp3d prstMaterial="plastic">
-          <a:bevelT w="50800" h="50800"/>
-          <a:bevelB w="50800" h="50800"/>
-        </a:sp3d>
-      </dsp:spPr>
-      <dsp:style>
-        <a:lnRef idx="0">
-          <a:scrgbClr r="0" g="0" b="0"/>
-        </a:lnRef>
-        <a:fillRef idx="1">
-          <a:scrgbClr r="0" g="0" b="0"/>
-        </a:fillRef>
-        <a:effectRef idx="2">
-          <a:scrgbClr r="0" g="0" b="0"/>
-        </a:effectRef>
-        <a:fontRef idx="minor">
-          <a:schemeClr val="lt1"/>
-        </a:fontRef>
-      </dsp:style>
-    </dsp:sp>
-    <dsp:sp modelId="{5B2A6C11-B8FD-420B-BE47-355E2F8B3DFC}">
-      <dsp:nvSpPr>
-        <dsp:cNvPr id="0" name=""/>
-        <dsp:cNvSpPr/>
-      </dsp:nvSpPr>
-      <dsp:spPr>
-        <a:xfrm>
-          <a:off x="1638297" y="2079810"/>
-          <a:ext cx="548640" cy="548640"/>
-        </a:xfrm>
-        <a:prstGeom prst="ellipse">
-          <a:avLst/>
-        </a:prstGeom>
-        <a:solidFill>
-          <a:srgbClr val="0070C0"/>
-        </a:solidFill>
-        <a:ln>
-          <a:noFill/>
-        </a:ln>
-        <a:effectLst>
-          <a:glow rad="63500">
-            <a:schemeClr val="dk2">
-              <a:hueOff val="0"/>
-              <a:satOff val="0"/>
-              <a:lumOff val="0"/>
-              <a:alphaOff val="0"/>
-              <a:alpha val="45000"/>
-              <a:satMod val="120000"/>
-            </a:schemeClr>
-          </a:glow>
-        </a:effectLst>
-        <a:scene3d>
-          <a:camera prst="orthographicFront" fov="0">
-            <a:rot lat="0" lon="0" rev="0"/>
-          </a:camera>
-          <a:lightRig rig="brightRoom" dir="tl">
-            <a:rot lat="0" lon="0" rev="8700000"/>
-          </a:lightRig>
-        </a:scene3d>
-        <a:sp3d prstMaterial="plastic">
-          <a:bevelT w="50800" h="50800"/>
-          <a:bevelB w="50800" h="50800"/>
-        </a:sp3d>
-      </dsp:spPr>
-      <dsp:style>
-        <a:lnRef idx="0">
-          <a:scrgbClr r="0" g="0" b="0"/>
-        </a:lnRef>
-        <a:fillRef idx="1">
-          <a:scrgbClr r="0" g="0" b="0"/>
-        </a:fillRef>
-        <a:effectRef idx="2">
-          <a:scrgbClr r="0" g="0" b="0"/>
-        </a:effectRef>
-        <a:fontRef idx="minor">
-          <a:schemeClr val="lt1"/>
-        </a:fontRef>
-      </dsp:style>
-    </dsp:sp>
-    <dsp:sp modelId="{3D7AB509-6BA0-4C30-9B59-90C18990B40E}">
-      <dsp:nvSpPr>
-        <dsp:cNvPr id="0" name=""/>
-        <dsp:cNvSpPr/>
-      </dsp:nvSpPr>
-      <dsp:spPr>
-        <a:xfrm>
-          <a:off x="3771900" y="0"/>
-          <a:ext cx="1371600" cy="800100"/>
-        </a:xfrm>
-        <a:prstGeom prst="rect">
-          <a:avLst/>
-        </a:prstGeom>
-        <a:solidFill>
-          <a:schemeClr val="lt2">
-            <a:alpha val="0"/>
-            <a:hueOff val="0"/>
-            <a:satOff val="0"/>
-            <a:lumOff val="0"/>
-            <a:alphaOff val="0"/>
-          </a:schemeClr>
-        </a:solidFill>
-        <a:ln>
-          <a:noFill/>
-        </a:ln>
-        <a:effectLst/>
-      </dsp:spPr>
-      <dsp:style>
-        <a:lnRef idx="0">
-          <a:scrgbClr r="0" g="0" b="0"/>
-        </a:lnRef>
-        <a:fillRef idx="1">
-          <a:scrgbClr r="0" g="0" b="0"/>
-        </a:fillRef>
-        <a:effectRef idx="0">
-          <a:scrgbClr r="0" g="0" b="0"/>
-        </a:effectRef>
-        <a:fontRef idx="minor"/>
-      </dsp:style>
-      <dsp:txBody>
-        <a:bodyPr spcFirstLastPara="0" vert="horz" wrap="square" lIns="99568" tIns="17780" rIns="17780" bIns="17780" numCol="1" spcCol="1270" anchor="ctr" anchorCtr="0">
-          <a:noAutofit/>
-        </a:bodyPr>
-        <a:lstStyle/>
-        <a:p>
-          <a:pPr lvl="0" algn="l" defTabSz="622300" rtl="0">
-            <a:lnSpc>
-              <a:spcPct val="90000"/>
-            </a:lnSpc>
-            <a:spcBef>
-              <a:spcPct val="0"/>
-            </a:spcBef>
-            <a:spcAft>
-              <a:spcPct val="35000"/>
-            </a:spcAft>
-          </a:pPr>
-          <a:r>
-            <a:rPr lang="en-US" sz="1400" kern="1200" dirty="0" smtClean="0">
-              <a:latin typeface="+mn-lt"/>
-              <a:cs typeface="Arial" pitchFamily="34" charset="0"/>
-            </a:rPr>
-            <a:t>The sun is in the center of all orbits</a:t>
-          </a:r>
-          <a:endParaRPr lang="en-US" sz="1400" kern="1200" dirty="0">
-            <a:latin typeface="+mn-lt"/>
-            <a:cs typeface="Arial" pitchFamily="34" charset="0"/>
-          </a:endParaRPr>
-        </a:p>
-      </dsp:txBody>
-      <dsp:txXfrm>
-        <a:off x="3771900" y="0"/>
-        <a:ext cx="1371600" cy="800100"/>
-      </dsp:txXfrm>
-    </dsp:sp>
-    <dsp:sp modelId="{DC840353-2282-4112-92DE-A3E5E740D83E}">
-      <dsp:nvSpPr>
-        <dsp:cNvPr id="0" name=""/>
-        <dsp:cNvSpPr/>
-      </dsp:nvSpPr>
-      <dsp:spPr>
-        <a:xfrm>
-          <a:off x="3429000" y="400049"/>
-          <a:ext cx="342900" cy="0"/>
-        </a:xfrm>
-        <a:prstGeom prst="line">
-          <a:avLst/>
-        </a:prstGeom>
-        <a:solidFill>
-          <a:schemeClr val="dk2">
-            <a:hueOff val="0"/>
-            <a:satOff val="0"/>
-            <a:lumOff val="0"/>
-            <a:alphaOff val="0"/>
-          </a:schemeClr>
-        </a:solidFill>
-        <a:ln w="19050" cap="flat" cmpd="sng" algn="ctr">
-          <a:solidFill>
-            <a:schemeClr val="dk2">
-              <a:tint val="50000"/>
-              <a:hueOff val="0"/>
-              <a:satOff val="0"/>
-              <a:lumOff val="0"/>
-              <a:alphaOff val="0"/>
-            </a:schemeClr>
-          </a:solidFill>
-          <a:prstDash val="solid"/>
-        </a:ln>
-        <a:effectLst/>
-        <a:sp3d z="75000" prstMaterial="plastic"/>
-      </dsp:spPr>
-      <dsp:style>
-        <a:lnRef idx="2">
-          <a:scrgbClr r="0" g="0" b="0"/>
-        </a:lnRef>
-        <a:fillRef idx="1">
-          <a:scrgbClr r="0" g="0" b="0"/>
-        </a:fillRef>
-        <a:effectRef idx="0">
-          <a:scrgbClr r="0" g="0" b="0"/>
-        </a:effectRef>
-        <a:fontRef idx="minor"/>
-      </dsp:style>
-    </dsp:sp>
-    <dsp:sp modelId="{8C034039-2DFB-4963-879A-D2FCDCB1BD05}">
-      <dsp:nvSpPr>
-        <dsp:cNvPr id="0" name=""/>
-        <dsp:cNvSpPr/>
-      </dsp:nvSpPr>
-      <dsp:spPr>
-        <a:xfrm rot="5400000">
-          <a:off x="1742617" y="600989"/>
-          <a:ext cx="1885492" cy="1484528"/>
-        </a:xfrm>
-        <a:prstGeom prst="line">
-          <a:avLst/>
-        </a:prstGeom>
-        <a:solidFill>
-          <a:schemeClr val="dk2">
-            <a:hueOff val="0"/>
-            <a:satOff val="0"/>
-            <a:lumOff val="0"/>
-            <a:alphaOff val="0"/>
-          </a:schemeClr>
-        </a:solidFill>
-        <a:ln w="19050" cap="flat" cmpd="sng" algn="ctr">
-          <a:solidFill>
-            <a:schemeClr val="dk2">
-              <a:tint val="50000"/>
-              <a:hueOff val="0"/>
-              <a:satOff val="0"/>
-              <a:lumOff val="0"/>
-              <a:alphaOff val="0"/>
-            </a:schemeClr>
-          </a:solidFill>
-          <a:prstDash val="solid"/>
-        </a:ln>
-        <a:effectLst/>
-        <a:sp3d z="75000" prstMaterial="plastic"/>
-      </dsp:spPr>
-      <dsp:style>
-        <a:lnRef idx="2">
-          <a:scrgbClr r="0" g="0" b="0"/>
-        </a:lnRef>
-        <a:fillRef idx="1">
-          <a:scrgbClr r="0" g="0" b="0"/>
-        </a:fillRef>
-        <a:effectRef idx="0">
-          <a:scrgbClr r="0" g="0" b="0"/>
-        </a:effectRef>
-        <a:fontRef idx="minor"/>
-      </dsp:style>
-    </dsp:sp>
-    <dsp:sp modelId="{D1036620-22CD-4210-B9CB-CC9557B12E47}">
-      <dsp:nvSpPr>
-        <dsp:cNvPr id="0" name=""/>
-        <dsp:cNvSpPr/>
-      </dsp:nvSpPr>
-      <dsp:spPr>
-        <a:xfrm>
-          <a:off x="3771900" y="800099"/>
-          <a:ext cx="1371600" cy="800100"/>
-        </a:xfrm>
-        <a:prstGeom prst="rect">
-          <a:avLst/>
-        </a:prstGeom>
-        <a:solidFill>
-          <a:schemeClr val="lt2">
-            <a:alpha val="0"/>
-            <a:hueOff val="0"/>
-            <a:satOff val="0"/>
-            <a:lumOff val="0"/>
-            <a:alphaOff val="0"/>
-          </a:schemeClr>
-        </a:solidFill>
-        <a:ln>
-          <a:noFill/>
-        </a:ln>
-        <a:effectLst/>
-      </dsp:spPr>
-      <dsp:style>
-        <a:lnRef idx="0">
-          <a:scrgbClr r="0" g="0" b="0"/>
-        </a:lnRef>
-        <a:fillRef idx="1">
-          <a:scrgbClr r="0" g="0" b="0"/>
-        </a:fillRef>
-        <a:effectRef idx="0">
-          <a:scrgbClr r="0" g="0" b="0"/>
-        </a:effectRef>
-        <a:fontRef idx="minor"/>
-      </dsp:style>
-      <dsp:txBody>
-        <a:bodyPr spcFirstLastPara="0" vert="horz" wrap="square" lIns="99568" tIns="17780" rIns="17780" bIns="17780" numCol="1" spcCol="1270" anchor="ctr" anchorCtr="0">
-          <a:noAutofit/>
-        </a:bodyPr>
-        <a:lstStyle/>
-        <a:p>
-          <a:pPr lvl="0" algn="l" defTabSz="622300" rtl="0">
-            <a:lnSpc>
-              <a:spcPct val="90000"/>
-            </a:lnSpc>
-            <a:spcBef>
-              <a:spcPct val="0"/>
-            </a:spcBef>
-            <a:spcAft>
-              <a:spcPct val="35000"/>
-            </a:spcAft>
-          </a:pPr>
-          <a:r>
-            <a:rPr lang="en-US" sz="1400" kern="1200" dirty="0" smtClean="0">
-              <a:latin typeface="+mn-lt"/>
-              <a:cs typeface="Arial" pitchFamily="34" charset="0"/>
-            </a:rPr>
-            <a:t>There are smaller planets closer to the sun</a:t>
-          </a:r>
-          <a:endParaRPr lang="en-US" sz="1400" kern="1200" dirty="0">
-            <a:latin typeface="+mn-lt"/>
-            <a:cs typeface="Arial" pitchFamily="34" charset="0"/>
-          </a:endParaRPr>
-        </a:p>
-      </dsp:txBody>
-      <dsp:txXfrm>
-        <a:off x="3771900" y="800099"/>
-        <a:ext cx="1371600" cy="800100"/>
-      </dsp:txXfrm>
-    </dsp:sp>
-    <dsp:sp modelId="{FD6221E4-5503-4B42-94DA-FE23DE0A12B5}">
-      <dsp:nvSpPr>
-        <dsp:cNvPr id="0" name=""/>
-        <dsp:cNvSpPr/>
-      </dsp:nvSpPr>
-      <dsp:spPr>
-        <a:xfrm>
-          <a:off x="3429000" y="1200149"/>
-          <a:ext cx="342900" cy="0"/>
-        </a:xfrm>
-        <a:prstGeom prst="line">
-          <a:avLst/>
-        </a:prstGeom>
-        <a:solidFill>
-          <a:schemeClr val="dk2">
-            <a:hueOff val="0"/>
-            <a:satOff val="0"/>
-            <a:lumOff val="0"/>
-            <a:alphaOff val="0"/>
-          </a:schemeClr>
-        </a:solidFill>
-        <a:ln w="19050" cap="flat" cmpd="sng" algn="ctr">
-          <a:solidFill>
-            <a:schemeClr val="dk2">
-              <a:tint val="50000"/>
-              <a:hueOff val="0"/>
-              <a:satOff val="0"/>
-              <a:lumOff val="0"/>
-              <a:alphaOff val="0"/>
-            </a:schemeClr>
-          </a:solidFill>
-          <a:prstDash val="solid"/>
-        </a:ln>
-        <a:effectLst/>
-        <a:sp3d z="75000" prstMaterial="plastic"/>
-      </dsp:spPr>
-      <dsp:style>
-        <a:lnRef idx="2">
-          <a:scrgbClr r="0" g="0" b="0"/>
-        </a:lnRef>
-        <a:fillRef idx="1">
-          <a:scrgbClr r="0" g="0" b="0"/>
-        </a:fillRef>
-        <a:effectRef idx="0">
-          <a:scrgbClr r="0" g="0" b="0"/>
-        </a:effectRef>
-        <a:fontRef idx="minor"/>
-      </dsp:style>
-    </dsp:sp>
-    <dsp:sp modelId="{FD53BD5F-3D10-4661-9F3E-B99C43FB6B3C}">
-      <dsp:nvSpPr>
-        <dsp:cNvPr id="0" name=""/>
-        <dsp:cNvSpPr/>
-      </dsp:nvSpPr>
-      <dsp:spPr>
-        <a:xfrm rot="5400000">
-          <a:off x="2147331" y="1388607"/>
-          <a:ext cx="1469257" cy="1091336"/>
-        </a:xfrm>
-        <a:prstGeom prst="line">
-          <a:avLst/>
-        </a:prstGeom>
-        <a:solidFill>
-          <a:schemeClr val="dk2">
-            <a:hueOff val="0"/>
-            <a:satOff val="0"/>
-            <a:lumOff val="0"/>
-            <a:alphaOff val="0"/>
-          </a:schemeClr>
-        </a:solidFill>
-        <a:ln w="19050" cap="flat" cmpd="sng" algn="ctr">
-          <a:solidFill>
-            <a:schemeClr val="dk2">
-              <a:tint val="50000"/>
-              <a:hueOff val="0"/>
-              <a:satOff val="0"/>
-              <a:lumOff val="0"/>
-              <a:alphaOff val="0"/>
-            </a:schemeClr>
-          </a:solidFill>
-          <a:prstDash val="solid"/>
-        </a:ln>
-        <a:effectLst/>
-        <a:sp3d z="75000" prstMaterial="plastic"/>
-      </dsp:spPr>
-      <dsp:style>
-        <a:lnRef idx="2">
-          <a:scrgbClr r="0" g="0" b="0"/>
-        </a:lnRef>
-        <a:fillRef idx="1">
-          <a:scrgbClr r="0" g="0" b="0"/>
-        </a:fillRef>
-        <a:effectRef idx="0">
-          <a:scrgbClr r="0" g="0" b="0"/>
-        </a:effectRef>
-        <a:fontRef idx="minor"/>
-      </dsp:style>
-    </dsp:sp>
-    <dsp:sp modelId="{72554440-F6E0-409C-BEB8-1658A7D0C84D}">
-      <dsp:nvSpPr>
-        <dsp:cNvPr id="0" name=""/>
-        <dsp:cNvSpPr/>
-      </dsp:nvSpPr>
-      <dsp:spPr>
-        <a:xfrm>
-          <a:off x="3771900" y="1600199"/>
-          <a:ext cx="1371600" cy="800100"/>
-        </a:xfrm>
-        <a:prstGeom prst="rect">
-          <a:avLst/>
-        </a:prstGeom>
-        <a:solidFill>
-          <a:schemeClr val="lt2">
-            <a:alpha val="0"/>
-            <a:hueOff val="0"/>
-            <a:satOff val="0"/>
-            <a:lumOff val="0"/>
-            <a:alphaOff val="0"/>
-          </a:schemeClr>
-        </a:solidFill>
-        <a:ln>
-          <a:noFill/>
-        </a:ln>
-        <a:effectLst/>
-      </dsp:spPr>
-      <dsp:style>
-        <a:lnRef idx="0">
-          <a:scrgbClr r="0" g="0" b="0"/>
-        </a:lnRef>
-        <a:fillRef idx="1">
-          <a:scrgbClr r="0" g="0" b="0"/>
-        </a:fillRef>
-        <a:effectRef idx="0">
-          <a:scrgbClr r="0" g="0" b="0"/>
-        </a:effectRef>
-        <a:fontRef idx="minor"/>
-      </dsp:style>
-      <dsp:txBody>
-        <a:bodyPr spcFirstLastPara="0" vert="horz" wrap="square" lIns="99568" tIns="17780" rIns="17780" bIns="17780" numCol="1" spcCol="1270" anchor="ctr" anchorCtr="0">
-          <a:noAutofit/>
-        </a:bodyPr>
-        <a:lstStyle/>
-        <a:p>
-          <a:pPr lvl="0" algn="l" defTabSz="622300" rtl="0">
-            <a:lnSpc>
-              <a:spcPct val="90000"/>
-            </a:lnSpc>
-            <a:spcBef>
-              <a:spcPct val="0"/>
-            </a:spcBef>
-            <a:spcAft>
-              <a:spcPct val="35000"/>
-            </a:spcAft>
-          </a:pPr>
-          <a:r>
-            <a:rPr lang="en-US" sz="1400" kern="1200" dirty="0" smtClean="0">
-              <a:latin typeface="+mn-lt"/>
-              <a:cs typeface="Arial" pitchFamily="34" charset="0"/>
-            </a:rPr>
-            <a:t>There is a mix of planet sizes further away</a:t>
-          </a:r>
-          <a:endParaRPr lang="en-US" sz="1400" kern="1200" dirty="0">
-            <a:latin typeface="+mn-lt"/>
-            <a:cs typeface="Arial" pitchFamily="34" charset="0"/>
-          </a:endParaRPr>
-        </a:p>
-      </dsp:txBody>
-      <dsp:txXfrm>
-        <a:off x="3771900" y="1600199"/>
-        <a:ext cx="1371600" cy="800100"/>
-      </dsp:txXfrm>
-    </dsp:sp>
-    <dsp:sp modelId="{3565DF0B-FF98-431E-94BA-52C1748A7EE8}">
-      <dsp:nvSpPr>
-        <dsp:cNvPr id="0" name=""/>
-        <dsp:cNvSpPr/>
-      </dsp:nvSpPr>
-      <dsp:spPr>
-        <a:xfrm>
-          <a:off x="3429000" y="2000249"/>
-          <a:ext cx="342900" cy="0"/>
-        </a:xfrm>
-        <a:prstGeom prst="line">
-          <a:avLst/>
-        </a:prstGeom>
-        <a:solidFill>
-          <a:schemeClr val="dk2">
-            <a:hueOff val="0"/>
-            <a:satOff val="0"/>
-            <a:lumOff val="0"/>
-            <a:alphaOff val="0"/>
-          </a:schemeClr>
-        </a:solidFill>
-        <a:ln w="19050" cap="flat" cmpd="sng" algn="ctr">
-          <a:solidFill>
-            <a:schemeClr val="dk2">
-              <a:tint val="50000"/>
-              <a:hueOff val="0"/>
-              <a:satOff val="0"/>
-              <a:lumOff val="0"/>
-              <a:alphaOff val="0"/>
-            </a:schemeClr>
-          </a:solidFill>
-          <a:prstDash val="solid"/>
-        </a:ln>
-        <a:effectLst/>
-        <a:sp3d z="75000" prstMaterial="plastic"/>
-      </dsp:spPr>
-      <dsp:style>
-        <a:lnRef idx="2">
-          <a:scrgbClr r="0" g="0" b="0"/>
-        </a:lnRef>
-        <a:fillRef idx="1">
-          <a:scrgbClr r="0" g="0" b="0"/>
-        </a:fillRef>
-        <a:effectRef idx="0">
-          <a:scrgbClr r="0" g="0" b="0"/>
-        </a:effectRef>
-        <a:fontRef idx="minor"/>
-      </dsp:style>
-    </dsp:sp>
-    <dsp:sp modelId="{FA4F0EDC-FF8B-47C2-911B-5D735A0E2535}">
-      <dsp:nvSpPr>
-        <dsp:cNvPr id="0" name=""/>
-        <dsp:cNvSpPr/>
-      </dsp:nvSpPr>
-      <dsp:spPr>
-        <a:xfrm rot="5400000">
-          <a:off x="2552547" y="2175586"/>
-          <a:ext cx="1049731" cy="698144"/>
-        </a:xfrm>
-        <a:prstGeom prst="line">
-          <a:avLst/>
-        </a:prstGeom>
-        <a:solidFill>
-          <a:schemeClr val="dk2">
-            <a:hueOff val="0"/>
-            <a:satOff val="0"/>
-            <a:lumOff val="0"/>
-            <a:alphaOff val="0"/>
-          </a:schemeClr>
-        </a:solidFill>
-        <a:ln w="19050" cap="flat" cmpd="sng" algn="ctr">
-          <a:solidFill>
-            <a:schemeClr val="dk2">
-              <a:tint val="50000"/>
-              <a:hueOff val="0"/>
-              <a:satOff val="0"/>
-              <a:lumOff val="0"/>
-              <a:alphaOff val="0"/>
-            </a:schemeClr>
-          </a:solidFill>
-          <a:prstDash val="solid"/>
-        </a:ln>
-        <a:effectLst/>
-        <a:sp3d z="75000" prstMaterial="plastic"/>
-      </dsp:spPr>
-      <dsp:style>
-        <a:lnRef idx="2">
-          <a:scrgbClr r="0" g="0" b="0"/>
-        </a:lnRef>
-        <a:fillRef idx="1">
-          <a:scrgbClr r="0" g="0" b="0"/>
-        </a:fillRef>
-        <a:effectRef idx="0">
-          <a:scrgbClr r="0" g="0" b="0"/>
-        </a:effectRef>
-        <a:fontRef idx="minor"/>
-      </dsp:style>
-    </dsp:sp>
-  </dsp:spTree>
-</dsp:drawing>
-</file>
-
-<file path=ppt/diagrams/layout1.xml><?xml version="1.0" encoding="utf-8"?>
-<dgm:layoutDef xmlns:dgm="http://schemas.openxmlformats.org/drawingml/2006/diagram" xmlns:a="http://schemas.openxmlformats.org/drawingml/2006/main" uniqueId="urn:microsoft.com/office/officeart/2005/8/layout/target1">
-  <dgm:title val=""/>
-  <dgm:desc val=""/>
-  <dgm:catLst>
-    <dgm:cat type="relationship" pri="25000"/>
-    <dgm:cat type="convert" pri="20000"/>
-  </dgm:catLst>
-  <dgm:sampData useDef="1">
-    <dgm:dataModel>
-      <dgm:ptLst/>
-      <dgm:bg/>
-      <dgm:whole/>
-    </dgm:dataModel>
-  </dgm:sampData>
-  <dgm:styleData>
-    <dgm:dataModel>
-      <dgm:ptLst>
-        <dgm:pt modelId="0" type="doc"/>
-        <dgm:pt modelId="1"/>
-        <dgm:pt modelId="2"/>
-      </dgm:ptLst>
-      <dgm:cxnLst>
-        <dgm:cxn modelId="3" srcId="0" destId="1" srcOrd="0" destOrd="0"/>
-        <dgm:cxn modelId="4" srcId="0" destId="2" srcOrd="1" destOrd="0"/>
-      </dgm:cxnLst>
-      <dgm:bg/>
-      <dgm:whole/>
-    </dgm:dataModel>
-  </dgm:styleData>
-  <dgm:clrData>
-    <dgm:dataModel>
-      <dgm:ptLst>
-        <dgm:pt modelId="0" type="doc"/>
-        <dgm:pt modelId="1"/>
-        <dgm:pt modelId="2"/>
-        <dgm:pt modelId="3"/>
-        <dgm:pt modelId="4"/>
-      </dgm:ptLst>
-      <dgm:cxnLst>
-        <dgm:cxn modelId="5" srcId="0" destId="1" srcOrd="0" destOrd="0"/>
-        <dgm:cxn modelId="6" srcId="0" destId="2" srcOrd="1" destOrd="0"/>
-        <dgm:cxn modelId="7" srcId="0" destId="3" srcOrd="2" destOrd="0"/>
-        <dgm:cxn modelId="8" srcId="0" destId="4" srcOrd="3" destOrd="0"/>
-      </dgm:cxnLst>
-      <dgm:bg/>
-      <dgm:whole/>
-    </dgm:dataModel>
-  </dgm:clrData>
-  <dgm:layoutNode name="composite">
-    <dgm:varLst>
-      <dgm:chMax val="5"/>
-      <dgm:dir/>
-      <dgm:resizeHandles val="exact"/>
-    </dgm:varLst>
-    <dgm:alg type="composite">
-      <dgm:param type="ar" val="1.25"/>
-    </dgm:alg>
-    <dgm:shape xmlns:r="http://schemas.openxmlformats.org/officeDocument/2006/relationships" r:blip="">
-      <dgm:adjLst/>
-    </dgm:shape>
-    <dgm:presOf/>
-    <dgm:choose name="Name0">
-      <dgm:if name="Name1" func="var" arg="dir" op="equ" val="norm">
-        <dgm:choose name="Name2">
-          <dgm:if name="Name3" axis="ch" ptType="node" func="cnt" op="equ" val="0">
-            <dgm:constrLst/>
-          </dgm:if>
-          <dgm:if name="Name4" axis="ch" ptType="node" func="cnt" op="equ" val="1">
-            <dgm:constrLst>
-              <dgm:constr type="primFontSz" for="des" ptType="node" op="equ" val="65"/>
-              <dgm:constr type="w" for="ch" forName="circle1" refType="w" fact="0.6"/>
-              <dgm:constr type="h" for="ch" forName="circle1" refType="w" refFor="ch" refForName="circle1"/>
-              <dgm:constr type="ctrX" for="ch" forName="circle1" refType="w" fact="0.3"/>
-              <dgm:constr type="ctrY" for="ch" forName="circle1" refType="h" fact="0.625"/>
-              <dgm:constr type="w" for="ch" forName="text1" refType="w" fact="0.3"/>
-              <dgm:constr type="h" for="ch" forName="text1" refType="h" fact="0.3125"/>
-              <dgm:constr type="r" for="ch" forName="text1" refType="w"/>
-              <dgm:constr type="t" for="ch" forName="text1"/>
-              <dgm:constr type="l" for="ch" forName="line1" refType="w" fact="0.625"/>
-              <dgm:constr type="ctrY" for="ch" forName="line1" refType="ctrY" refFor="ch" refForName="text1"/>
-              <dgm:constr type="r" for="ch" forName="line1" refType="l" refFor="ch" refForName="text1"/>
-              <dgm:constr type="h" for="ch" forName="line1"/>
-              <dgm:constr type="l" for="ch" forName="d1" refType="w" fact="0.3"/>
-              <dgm:constr type="b" for="ch" forName="d1" refType="h" fact="0.625"/>
-              <dgm:constr type="w" for="ch" forName="d1" refType="w" fact="0.32475"/>
-              <dgm:constr type="h" for="ch" forName="d1" refType="h" fact="0.469"/>
-            </dgm:constrLst>
-          </dgm:if>
-          <dgm:if name="Name5" axis="ch" ptType="node" func="cnt" op="equ" val="2">
-            <dgm:constrLst>
-              <dgm:constr type="primFontSz" for="des" ptType="node" op="equ" val="65"/>
-              <dgm:constr type="w" for="ch" forName="circle1" refType="w" fact="0.2"/>
-              <dgm:constr type="h" for="ch" forName="circle1" refType="w" refFor="ch" refForName="circle1"/>
-              <dgm:constr type="ctrX" for="ch" forName="circle1" refType="w" fact="0.3"/>
-              <dgm:constr type="ctrY" for="ch" forName="circle1" refType="h" fact="0.625"/>
-              <dgm:constr type="w" for="ch" forName="text1" refType="w" fact="0.3"/>
-              <dgm:constr type="h" for="ch" forName="text1" refType="h" fact="0.3125"/>
-              <dgm:constr type="r" for="ch" forName="text1" refType="w"/>
-              <dgm:constr type="t" for="ch" forName="text1"/>
-              <dgm:constr type="l" for="ch" forName="line1" refType="w" fact="0.625"/>
-              <dgm:constr type="ctrY" for="ch" forName="line1" refType="ctrY" refFor="ch" refForName="text1"/>
-              <dgm:constr type="w" for="ch" forName="line1" refType="w" fact="0.075"/>
-              <dgm:constr type="h" for="ch" forName="line1"/>
-              <dgm:constr type="l" for="ch" forName="d1" refType="w" fact="0.3"/>
-              <dgm:constr type="b" for="ch" forName="d1" refType="h" fact="0.625"/>
-              <dgm:constr type="w" for="ch" forName="d1" refType="w" fact="0.32475"/>
-              <dgm:constr type="h" for="ch" forName="d1" refType="h" fact="0.469"/>
-              <dgm:constr type="w" for="ch" forName="circle2" refType="w" fact="0.6"/>
-              <dgm:constr type="h" for="ch" forName="circle2" refType="w" refFor="ch" refForName="circle2"/>
-              <dgm:constr type="ctrX" for="ch" forName="circle2" refType="w" fact="0.3"/>
-              <dgm:constr type="ctrY" for="ch" forName="circle2" refType="h" fact="0.625"/>
-              <dgm:constr type="w" for="ch" forName="text2" refType="w" fact="0.3"/>
-              <dgm:constr type="h" for="ch" forName="text2" refType="h" fact="0.3125"/>
-              <dgm:constr type="r" for="ch" forName="text2" refType="w"/>
-              <dgm:constr type="t" for="ch" forName="text2" refType="b" refFor="ch" refForName="text1"/>
-              <dgm:constr type="l" for="ch" forName="line2" refType="w" fact="0.625"/>
-              <dgm:constr type="ctrY" for="ch" forName="line2" refType="ctrY" refFor="ch" refForName="text2"/>
-              <dgm:constr type="w" for="ch" forName="line2" refType="w" fact="0.075"/>
-              <dgm:constr type="h" for="ch" forName="line2"/>
-              <dgm:constr type="l" for="ch" forName="d2" refType="w" fact="0.44325"/>
-              <dgm:constr type="b" for="ch" forName="d2" refType="h" fact="0.7975"/>
-              <dgm:constr type="w" for="ch" forName="d2" refType="w" fact="0.1815"/>
-              <dgm:constr type="h" for="ch" forName="d2" refType="h" fact="0.3283"/>
-            </dgm:constrLst>
-          </dgm:if>
-          <dgm:if name="Name6" axis="ch" ptType="node" func="cnt" op="equ" val="3">
-            <dgm:constrLst>
-              <dgm:constr type="primFontSz" for="des" ptType="node" op="equ" val="65"/>
-              <dgm:constr type="w" for="ch" forName="circle1" refType="w" fact="0.12"/>
-              <dgm:constr type="h" for="ch" forName="circle1" refType="w" refFor="ch" refForName="circle1"/>
-              <dgm:constr type="ctrX" for="ch" forName="circle1" refType="w" fact="0.3"/>
-              <dgm:constr type="ctrY" for="ch" forName="circle1" refType="h" fact="0.625"/>
-              <dgm:constr type="w" for="ch" forName="text1" refType="w" fact="0.3"/>
-              <dgm:constr type="h" for="ch" forName="text1" refType="h" fact="0.21875"/>
-              <dgm:constr type="r" for="ch" forName="text1" refType="w"/>
-              <dgm:constr type="t" for="ch" forName="text1"/>
-              <dgm:constr type="l" for="ch" forName="line1" refType="w" fact="0.625"/>
-              <dgm:constr type="ctrY" for="ch" forName="line1" refType="ctrY" refFor="ch" refForName="text1"/>
-              <dgm:constr type="w" for="ch" forName="line1" refType="w" fact="0.075"/>
-              <dgm:constr type="h" for="ch" forName="line1"/>
-              <dgm:constr type="l" for="ch" forName="d1" refType="w" fact="0.3"/>
-              <dgm:constr type="b" for="ch" forName="d1" refType="h" fact="0.625"/>
-              <dgm:constr type="w" for="ch" forName="d1" refType="w" fact="0.3247"/>
-              <dgm:constr type="h" for="ch" forName="d1" refType="h" fact="0.5155"/>
-              <dgm:constr type="w" for="ch" forName="circle2" refType="w" fact="0.36"/>
-              <dgm:constr type="h" for="ch" forName="circle2" refType="w" refFor="ch" refForName="circle2"/>
-              <dgm:constr type="ctrX" for="ch" forName="circle2" refType="w" fact="0.3"/>
-              <dgm:constr type="ctrY" for="ch" forName="circle2" refType="h" fact="0.625"/>
-              <dgm:constr type="w" for="ch" forName="text2" refType="w" fact="0.3"/>
-              <dgm:constr type="h" for="ch" forName="text2" refType="h" fact="0.21875"/>
-              <dgm:constr type="r" for="ch" forName="text2" refType="w"/>
-              <dgm:constr type="t" for="ch" forName="text2" refType="b" refFor="ch" refForName="text1"/>
-              <dgm:constr type="l" for="ch" forName="line2" refType="w" fact="0.625"/>
-              <dgm:constr type="ctrY" for="ch" forName="line2" refType="ctrY" refFor="ch" refForName="text2"/>
-              <dgm:constr type="w" for="ch" forName="line2" refType="w" fact="0.075"/>
-              <dgm:constr type="h" for="ch" forName="line2"/>
-              <dgm:constr type="l" for="ch" forName="d2" refType="w" fact="0.386"/>
-              <dgm:constr type="b" for="ch" forName="d2" refType="h" fact="0.72969"/>
-              <dgm:constr type="w" for="ch" forName="d2" refType="w" fact="0.2387"/>
-              <dgm:constr type="h" for="ch" forName="d2" refType="h" fact="0.4017"/>
-              <dgm:constr type="w" for="ch" forName="circle3" refType="w" fact="0.6"/>
-              <dgm:constr type="h" for="ch" forName="circle3" refType="w" refFor="ch" refForName="circle3"/>
-              <dgm:constr type="ctrX" for="ch" forName="circle3" refType="ctrX" refFor="ch" refForName="circle1"/>
-              <dgm:constr type="ctrY" for="ch" forName="circle3" refType="ctrY" refFor="ch" refForName="circle1"/>
-              <dgm:constr type="w" for="ch" forName="text3" refType="w" fact="0.3"/>
-              <dgm:constr type="h" for="ch" forName="text3" refType="h" fact="0.21875"/>
-              <dgm:constr type="r" for="ch" forName="text3" refType="w"/>
-              <dgm:constr type="t" for="ch" forName="text3" refType="b" refFor="ch" refForName="text2"/>
-              <dgm:constr type="l" for="ch" forName="line3" refType="w" fact="0.625"/>
-              <dgm:constr type="ctrY" for="ch" forName="line3" refType="ctrY" refFor="ch" refForName="text3"/>
-              <dgm:constr type="w" for="ch" forName="line3" refType="w" fact="0.075"/>
-              <dgm:constr type="h" for="ch" forName="line3"/>
-              <dgm:constr type="l" for="ch" forName="d3" refType="w" fact="0.47175"/>
-              <dgm:constr type="b" for="ch" forName="d3" refType="h" fact="0.83375"/>
-              <dgm:constr type="w" for="ch" forName="d3" refType="w" fact="0.1527"/>
-              <dgm:constr type="h" for="ch" forName="d3" refType="h" fact="0.287"/>
-            </dgm:constrLst>
-          </dgm:if>
-          <dgm:if name="Name7" axis="ch" ptType="node" func="cnt" op="equ" val="4">
-            <dgm:constrLst>
-              <dgm:constr type="primFontSz" for="des" ptType="node" op="equ" val="65"/>
-              <dgm:constr type="w" for="ch" forName="circle1" refType="w" fact="0.0857"/>
-              <dgm:constr type="h" for="ch" forName="circle1" refType="w" refFor="ch" refForName="circle1"/>
-              <dgm:constr type="ctrX" for="ch" forName="circle1" refType="w" fact="0.3"/>
-              <dgm:constr type="ctrY" for="ch" forName="circle1" refType="h" fact="0.625"/>
-              <dgm:constr type="w" for="ch" forName="text1" refType="w" fact="0.3"/>
-              <dgm:constr type="h" for="ch" forName="text1" refType="h" fact="0.17938"/>
-              <dgm:constr type="r" for="ch" forName="text1" refType="w"/>
-              <dgm:constr type="t" for="ch" forName="text1"/>
-              <dgm:constr type="l" for="ch" forName="line1" refType="w" fact="0.625"/>
-              <dgm:constr type="ctrY" for="ch" forName="line1" refType="ctrY" refFor="ch" refForName="text1"/>
-              <dgm:constr type="w" for="ch" forName="line1" refType="w" fact="0.075"/>
-              <dgm:constr type="h" for="ch" forName="line1"/>
-              <dgm:constr type="l" for="ch" forName="d1" refType="w" fact="0.295"/>
-              <dgm:constr type="b" for="ch" forName="d1" refType="h" fact="0.62"/>
-              <dgm:constr type="w" for="ch" forName="d1" refType="w" fact="0.33"/>
-              <dgm:constr type="h" for="ch" forName="d1" refType="h" fact="0.53"/>
-              <dgm:constr type="w" for="ch" forName="circle2" refType="w" fact="0.2571"/>
-              <dgm:constr type="h" for="ch" forName="circle2" refType="w" refFor="ch" refForName="circle2"/>
-              <dgm:constr type="ctrX" for="ch" forName="circle2" refType="w" fact="0.3"/>
-              <dgm:constr type="ctrY" for="ch" forName="circle2" refType="h" fact="0.625"/>
-              <dgm:constr type="w" for="ch" forName="text2" refType="w" fact="0.3"/>
-              <dgm:constr type="h" for="ch" forName="text2" refType="h" fact="0.17938"/>
-              <dgm:constr type="r" for="ch" forName="text2" refType="w"/>
-              <dgm:constr type="t" for="ch" forName="text2" refType="b" refFor="ch" refForName="text1"/>
-              <dgm:constr type="l" for="ch" forName="line2" refType="w" fact="0.625"/>
-              <dgm:constr type="ctrY" for="ch" forName="line2" refType="ctrY" refFor="ch" refForName="text2"/>
-              <dgm:constr type="w" for="ch" forName="line2" refType="w" fact="0.075"/>
-              <dgm:constr type="h" for="ch" forName="line2"/>
-              <dgm:constr type="l" for="ch" forName="d2" refType="w" fact="0.36625"/>
-              <dgm:constr type="b" for="ch" forName="d2" refType="h" fact="0.70438"/>
-              <dgm:constr type="w" for="ch" forName="d2" refType="w" fact="0.2585"/>
-              <dgm:constr type="h" for="ch" forName="d2" refType="h" fact="0.43525"/>
-              <dgm:constr type="w" for="ch" forName="circle3" refType="w" fact="0.4285"/>
-              <dgm:constr type="h" for="ch" forName="circle3" refType="w" refFor="ch" refForName="circle3"/>
-              <dgm:constr type="ctrX" for="ch" forName="circle3" refType="ctrX" refFor="ch" refForName="circle1"/>
-              <dgm:constr type="ctrY" for="ch" forName="circle3" refType="ctrY" refFor="ch" refForName="circle1"/>
-              <dgm:constr type="w" for="ch" forName="text3" refType="w" fact="0.3"/>
-              <dgm:constr type="h" for="ch" forName="text3" refType="h" fact="0.17938"/>
-              <dgm:constr type="r" for="ch" forName="text3" refType="w"/>
-              <dgm:constr type="t" for="ch" forName="text3" refType="b" refFor="ch" refForName="text2"/>
-              <dgm:constr type="l" for="ch" forName="line3" refType="w" fact="0.625"/>
-              <dgm:constr type="ctrY" for="ch" forName="line3" refType="ctrY" refFor="ch" refForName="text3"/>
-              <dgm:constr type="w" for="ch" forName="line3" refType="w" fact="0.075"/>
-              <dgm:constr type="h" for="ch" forName="line3"/>
-              <dgm:constr type="l" for="ch" forName="d3" refType="w" fact="0.4255"/>
-              <dgm:constr type="b" for="ch" forName="d3" refType="h" fact="0.78031"/>
-              <dgm:constr type="w" for="ch" forName="d3" refType="w" fact="0.1995"/>
-              <dgm:constr type="h" for="ch" forName="d3" refType="h" fact="0.332"/>
-              <dgm:constr type="w" for="ch" forName="circle4" refType="w" fact="0.6"/>
-              <dgm:constr type="h" for="ch" forName="circle4" refType="w" refFor="ch" refForName="circle4"/>
-              <dgm:constr type="ctrX" for="ch" forName="circle4" refType="ctrX" refFor="ch" refForName="circle1"/>
-              <dgm:constr type="ctrY" for="ch" forName="circle4" refType="ctrY" refFor="ch" refForName="circle1"/>
-              <dgm:constr type="w" for="ch" forName="text4" refType="w" fact="0.3"/>
-              <dgm:constr type="h" for="ch" forName="text4" refType="h" fact="0.17938"/>
-              <dgm:constr type="r" for="ch" forName="text4" refType="w"/>
-              <dgm:constr type="t" for="ch" forName="text4" refType="b" refFor="ch" refForName="text3"/>
-              <dgm:constr type="l" for="ch" forName="line4" refType="w" fact="0.625"/>
-              <dgm:constr type="ctrY" for="ch" forName="line4" refType="ctrY" refFor="ch" refForName="text4"/>
-              <dgm:constr type="w" for="ch" forName="line4" refType="w" fact="0.075"/>
-              <dgm:constr type="h" for="ch" forName="line4"/>
-              <dgm:constr type="l" for="ch" forName="d4" refType="w" fact="0.48525"/>
-              <dgm:constr type="b" for="ch" forName="d4" refType="h" fact="0.85594"/>
-              <dgm:constr type="w" for="ch" forName="d4" refType="w" fact="0.1394"/>
-              <dgm:constr type="h" for="ch" forName="d4" refType="h" fact="0.2282"/>
-            </dgm:constrLst>
-          </dgm:if>
-          <dgm:if name="Name8" axis="ch" ptType="node" func="cnt" op="gte" val="5">
-            <dgm:constrLst>
-              <dgm:constr type="primFontSz" for="des" ptType="node" op="equ" val="65"/>
-              <dgm:constr type="w" for="ch" forName="circle1" refType="w" fact="0.0667"/>
-              <dgm:constr type="h" for="ch" forName="circle1" refType="w" refFor="ch" refForName="circle1"/>
-              <dgm:constr type="ctrX" for="ch" forName="circle1" refType="w" fact="0.3"/>
-              <dgm:constr type="ctrY" for="ch" forName="circle1" refType="h" fact="0.625"/>
-              <dgm:constr type="w" for="ch" forName="text1" refType="w" fact="0.3"/>
-              <dgm:constr type="h" for="ch" forName="text1" refType="h" fact="0.1324"/>
-              <dgm:constr type="r" for="ch" forName="text1" refType="w"/>
-              <dgm:constr type="ctrY" for="ch" forName="text1" refType="h" fact="0.13"/>
-              <dgm:constr type="l" for="ch" forName="line1" refType="w" fact="0.625"/>
-              <dgm:constr type="ctrY" for="ch" forName="line1" refType="ctrY" refFor="ch" refForName="text1"/>
-              <dgm:constr type="w" for="ch" forName="line1" refType="w" fact="0.075"/>
-              <dgm:constr type="h" for="ch" forName="line1"/>
-              <dgm:constr type="l" for="ch" forName="d1" refType="w" fact="0.3"/>
-              <dgm:constr type="b" for="ch" forName="d1" refType="h" fact="0.625"/>
-              <dgm:constr type="w" for="ch" forName="d1" refType="w" fact="0.3245"/>
-              <dgm:constr type="h" for="ch" forName="d1" refType="h" fact="0.495"/>
-              <dgm:constr type="w" for="ch" forName="circle2" refType="w" fact="0.2"/>
-              <dgm:constr type="h" for="ch" forName="circle2" refType="w" refFor="ch" refForName="circle2"/>
-              <dgm:constr type="ctrX" for="ch" forName="circle2" refType="w" fact="0.3"/>
-              <dgm:constr type="ctrY" for="ch" forName="circle2" refType="h" fact="0.625"/>
-              <dgm:constr type="w" for="ch" forName="text2" refType="w" fact="0.3"/>
-              <dgm:constr type="h" for="ch" forName="text2" refType="h" fact="0.1324"/>
-              <dgm:constr type="r" for="ch" forName="text2" refType="w"/>
-              <dgm:constr type="ctrY" for="ch" forName="text2" refType="h" fact="0.27"/>
-              <dgm:constr type="l" for="ch" forName="line2" refType="w" fact="0.625"/>
-              <dgm:constr type="ctrY" for="ch" forName="line2" refType="ctrY" refFor="ch" refForName="text2"/>
-              <dgm:constr type="w" for="ch" forName="line2" refType="w" fact="0.075"/>
-              <dgm:constr type="h" for="ch" forName="line2"/>
-              <dgm:constr type="l" for="ch" forName="d2" refType="w" fact="0.3498"/>
-              <dgm:constr type="b" for="ch" forName="d2" refType="h" fact="0.682"/>
-              <dgm:constr type="w" for="ch" forName="d2" refType="w" fact="0.275"/>
-              <dgm:constr type="h" for="ch" forName="d2" refType="h" fact="0.41215"/>
-              <dgm:constr type="w" for="ch" forName="circle3" refType="w" fact="0.3334"/>
-              <dgm:constr type="h" for="ch" forName="circle3" refType="w" refFor="ch" refForName="circle3"/>
-              <dgm:constr type="ctrX" for="ch" forName="circle3" refType="ctrX" refFor="ch" refForName="circle1"/>
-              <dgm:constr type="ctrY" for="ch" forName="circle3" refType="ctrY" refFor="ch" refForName="circle1"/>
-              <dgm:constr type="w" for="ch" forName="text3" refType="w" fact="0.3"/>
-              <dgm:constr type="h" for="ch" forName="text3" refType="h" fact="0.1324"/>
-              <dgm:constr type="r" for="ch" forName="text3" refType="w"/>
-              <dgm:constr type="ctrY" for="ch" forName="text3" refType="h" fact="0.41"/>
-              <dgm:constr type="l" for="ch" forName="line3" refType="w" fact="0.625"/>
-              <dgm:constr type="ctrY" for="ch" forName="line3" refType="ctrY" refFor="ch" refForName="text3"/>
-              <dgm:constr type="w" for="ch" forName="line3" refType="w" fact="0.075"/>
-              <dgm:constr type="h" for="ch" forName="line3"/>
-              <dgm:constr type="l" for="ch" forName="d3" refType="w" fact="0.394"/>
-              <dgm:constr type="b" for="ch" forName="d3" refType="h" fact="0.735"/>
-              <dgm:constr type="w" for="ch" forName="d3" refType="w" fact="0.231"/>
-              <dgm:constr type="h" for="ch" forName="d3" refType="h" fact="0.325"/>
-              <dgm:constr type="w" for="ch" forName="circle4" refType="w" fact="0.4667"/>
-              <dgm:constr type="h" for="ch" forName="circle4" refType="w" refFor="ch" refForName="circle4"/>
-              <dgm:constr type="ctrX" for="ch" forName="circle4" refType="ctrX" refFor="ch" refForName="circle1"/>
-              <dgm:constr type="ctrY" for="ch" forName="circle4" refType="ctrY" refFor="ch" refForName="circle1"/>
-              <dgm:constr type="w" for="ch" forName="text4" refType="w" fact="0.3"/>
-              <dgm:constr type="h" for="ch" forName="text4" refType="h" fact="0.1324"/>
-              <dgm:constr type="r" for="ch" forName="text4" refType="w"/>
-              <dgm:constr type="ctrY" for="ch" forName="text4" refType="h" fact="0.547"/>
-              <dgm:constr type="l" for="ch" forName="line4" refType="w" fact="0.625"/>
-              <dgm:constr type="ctrY" for="ch" forName="line4" refType="ctrY" refFor="ch" refForName="text4"/>
-              <dgm:constr type="w" for="ch" forName="line4" refType="w" fact="0.075"/>
-              <dgm:constr type="h" for="ch" forName="line4"/>
-              <dgm:constr type="l" for="ch" forName="d4" refType="w" fact="0.446"/>
-              <dgm:constr type="b" for="ch" forName="d4" refType="h" fact="0.795"/>
-              <dgm:constr type="w" for="ch" forName="d4" refType="w" fact="0.179"/>
-              <dgm:constr type="h" for="ch" forName="d4" refType="h" fact="0.248"/>
-              <dgm:constr type="w" for="ch" forName="circle5" refType="w" fact="0.6"/>
-              <dgm:constr type="h" for="ch" forName="circle5" refType="w" refFor="ch" refForName="circle5"/>
-              <dgm:constr type="ctrX" for="ch" forName="circle5" refType="ctrX" refFor="ch" refForName="circle1"/>
-              <dgm:constr type="ctrY" for="ch" forName="circle5" refType="ctrY" refFor="ch" refForName="circle1"/>
-              <dgm:constr type="w" for="ch" forName="text5" refType="w" fact="0.3"/>
-              <dgm:constr type="h" for="ch" forName="text5" refType="h" fact="0.1324"/>
-              <dgm:constr type="r" for="ch" forName="text5" refType="w"/>
-              <dgm:constr type="ctrY" for="ch" forName="text5" refType="h" fact="0.68"/>
-              <dgm:constr type="l" for="ch" forName="line5" refType="w" fact="0.625"/>
-              <dgm:constr type="ctrY" for="ch" forName="line5" refType="ctrY" refFor="ch" refForName="text5"/>
-              <dgm:constr type="w" for="ch" forName="line5" refType="w" fact="0.075"/>
-              <dgm:constr type="h" for="ch" forName="line5"/>
-              <dgm:constr type="l" for="ch" forName="d5" refType="w" fact="0.495"/>
-              <dgm:constr type="b" for="ch" forName="d5" refType="h" fact="0.855"/>
-              <dgm:constr type="w" for="ch" forName="d5" refType="w" fact="0.13"/>
-              <dgm:constr type="h" for="ch" forName="d5" refType="h" fact="0.175"/>
-            </dgm:constrLst>
-          </dgm:if>
-          <dgm:else name="Name9"/>
-        </dgm:choose>
-      </dgm:if>
-      <dgm:else name="Name10">
-        <dgm:choose name="Name11">
-          <dgm:if name="Name12" axis="ch" ptType="node" func="cnt" op="equ" val="0">
-            <dgm:constrLst/>
-          </dgm:if>
-          <dgm:if name="Name13" axis="ch" ptType="node" func="cnt" op="equ" val="1">
-            <dgm:constrLst>
-              <dgm:constr type="primFontSz" for="des" ptType="node" op="equ" val="65"/>
-              <dgm:constr type="w" for="ch" forName="circle1" refType="w" fact="0.6"/>
-              <dgm:constr type="h" for="ch" forName="circle1" refType="w" refFor="ch" refForName="circle1"/>
-              <dgm:constr type="ctrX" for="ch" forName="circle1" refType="w" fact="0.7"/>
-              <dgm:constr type="ctrY" for="ch" forName="circle1" refType="h" fact="0.625"/>
-              <dgm:constr type="w" for="ch" forName="text1" refType="w" fact="0.3"/>
-              <dgm:constr type="h" for="ch" forName="text1" refType="h" fact="0.3125"/>
-              <dgm:constr type="l" for="ch" forName="text1"/>
-              <dgm:constr type="t" for="ch" forName="text1"/>
-              <dgm:constr type="l" for="ch" forName="line1" refType="r" refFor="ch" refForName="text1"/>
-              <dgm:constr type="ctrY" for="ch" forName="line1" refType="ctrY" refFor="ch" refForName="text1"/>
-              <dgm:constr type="r" for="ch" forName="line1" refType="w" fact="0.375"/>
-              <dgm:constr type="h" for="ch" forName="line1"/>
-              <dgm:constr type="r" for="ch" forName="d1" refType="w" fact="0.7"/>
-              <dgm:constr type="b" for="ch" forName="d1" refType="h" fact="0.625"/>
-              <dgm:constr type="w" for="ch" forName="d1" refType="w" fact="0.32475"/>
-              <dgm:constr type="h" for="ch" forName="d1" refType="h" fact="0.469"/>
-            </dgm:constrLst>
-          </dgm:if>
-          <dgm:if name="Name14" axis="ch" ptType="node" func="cnt" op="equ" val="2">
-            <dgm:constrLst>
-              <dgm:constr type="primFontSz" for="des" ptType="node" op="equ" val="65"/>
-              <dgm:constr type="w" for="ch" forName="circle1" refType="w" fact="0.2"/>
-              <dgm:constr type="h" for="ch" forName="circle1" refType="w" refFor="ch" refForName="circle1"/>
-              <dgm:constr type="ctrX" for="ch" forName="circle1" refType="w" fact="0.7"/>
-              <dgm:constr type="ctrY" for="ch" forName="circle1" refType="h" fact="0.625"/>
-              <dgm:constr type="w" for="ch" forName="text1" refType="w" fact="0.3"/>
-              <dgm:constr type="h" for="ch" forName="text1" refType="h" fact="0.3125"/>
-              <dgm:constr type="l" for="ch" forName="text1"/>
-              <dgm:constr type="t" for="ch" forName="text1"/>
-              <dgm:constr type="l" for="ch" forName="line1" refType="r" refFor="ch" refForName="text1"/>
-              <dgm:constr type="ctrY" for="ch" forName="line1" refType="ctrY" refFor="ch" refForName="text1"/>
-              <dgm:constr type="r" for="ch" forName="line1" refType="w" fact="0.375"/>
-              <dgm:constr type="h" for="ch" forName="line1"/>
-              <dgm:constr type="r" for="ch" forName="d1" refType="w" fact="0.7"/>
-              <dgm:constr type="b" for="ch" forName="d1" refType="h" fact="0.625"/>
-              <dgm:constr type="w" for="ch" forName="d1" refType="w" fact="0.32475"/>
-              <dgm:constr type="h" for="ch" forName="d1" refType="h" fact="0.469"/>
-              <dgm:constr type="w" for="ch" forName="circle2" refType="w" fact="0.6"/>
-              <dgm:constr type="h" for="ch" forName="circle2" refType="w" refFor="ch" refForName="circle2"/>
-              <dgm:constr type="ctrX" for="ch" forName="circle2" refType="w" fact="0.7"/>
-              <dgm:constr type="ctrY" for="ch" forName="circle2" refType="h" fact="0.625"/>
-              <dgm:constr type="w" for="ch" forName="text2" refType="w" fact="0.3"/>
-              <dgm:constr type="h" for="ch" forName="text2" refType="h" fact="0.3125"/>
-              <dgm:constr type="l" for="ch" forName="text2"/>
-              <dgm:constr type="t" for="ch" forName="text2" refType="b" refFor="ch" refForName="text1"/>
-              <dgm:constr type="l" for="ch" forName="line2" refType="r" refFor="ch" refForName="text2"/>
-              <dgm:constr type="ctrY" for="ch" forName="line2" refType="ctrY" refFor="ch" refForName="text2"/>
-              <dgm:constr type="r" for="ch" forName="line2" refType="w" fact="0.375"/>
-              <dgm:constr type="h" for="ch" forName="line2"/>
-              <dgm:constr type="r" for="ch" forName="d2" refType="w" fact="0.55675"/>
-              <dgm:constr type="b" for="ch" forName="d2" refType="h" fact="0.7975"/>
-              <dgm:constr type="w" for="ch" forName="d2" refType="w" fact="0.1815"/>
-              <dgm:constr type="h" for="ch" forName="d2" refType="h" fact="0.3283"/>
-            </dgm:constrLst>
-          </dgm:if>
-          <dgm:if name="Name15" axis="ch" ptType="node" func="cnt" op="equ" val="3">
-            <dgm:constrLst>
-              <dgm:constr type="primFontSz" for="des" ptType="node" op="equ" val="65"/>
-              <dgm:constr type="w" for="ch" forName="circle1" refType="w" fact="0.12"/>
-              <dgm:constr type="h" for="ch" forName="circle1" refType="w" refFor="ch" refForName="circle1"/>
-              <dgm:constr type="ctrX" for="ch" forName="circle1" refType="w" fact="0.7"/>
-              <dgm:constr type="ctrY" for="ch" forName="circle1" refType="h" fact="0.625"/>
-              <dgm:constr type="w" for="ch" forName="text1" refType="w" fact="0.3"/>
-              <dgm:constr type="h" for="ch" forName="text1" refType="h" fact="0.21875"/>
-              <dgm:constr type="l" for="ch" forName="text1"/>
-              <dgm:constr type="t" for="ch" forName="text1"/>
-              <dgm:constr type="l" for="ch" forName="line1" refType="r" refFor="ch" refForName="text1"/>
-              <dgm:constr type="ctrY" for="ch" forName="line1" refType="ctrY" refFor="ch" refForName="text1"/>
-              <dgm:constr type="r" for="ch" forName="line1" refType="w" fact="0.375"/>
-              <dgm:constr type="h" for="ch" forName="line1"/>
-              <dgm:constr type="r" for="ch" forName="d1" refType="w" fact="0.7"/>
-              <dgm:constr type="b" for="ch" forName="d1" refType="h" fact="0.625"/>
-              <dgm:constr type="w" for="ch" forName="d1" refType="w" fact="0.3247"/>
-              <dgm:constr type="h" for="ch" forName="d1" refType="h" fact="0.5155"/>
-              <dgm:constr type="w" for="ch" forName="circle2" refType="w" fact="0.36"/>
-              <dgm:constr type="h" for="ch" forName="circle2" refType="w" refFor="ch" refForName="circle2"/>
-              <dgm:constr type="ctrX" for="ch" forName="circle2" refType="w" fact="0.7"/>
-              <dgm:constr type="ctrY" for="ch" forName="circle2" refType="h" fact="0.625"/>
-              <dgm:constr type="w" for="ch" forName="text2" refType="w" fact="0.3"/>
-              <dgm:constr type="h" for="ch" forName="text2" refType="h" fact="0.21875"/>
-              <dgm:constr type="l" for="ch" forName="text2"/>
-              <dgm:constr type="t" for="ch" forName="text2" refType="b" refFor="ch" refForName="text1"/>
-              <dgm:constr type="l" for="ch" forName="line2" refType="r" refFor="ch" refForName="text2"/>
-              <dgm:constr type="ctrY" for="ch" forName="line2" refType="ctrY" refFor="ch" refForName="text2"/>
-              <dgm:constr type="r" for="ch" forName="line2" refType="w" fact="0.375"/>
-              <dgm:constr type="h" for="ch" forName="line2"/>
-              <dgm:constr type="r" for="ch" forName="d2" refType="w" fact="0.614"/>
-              <dgm:constr type="b" for="ch" forName="d2" refType="h" fact="0.72969"/>
-              <dgm:constr type="w" for="ch" forName="d2" refType="w" fact="0.2387"/>
-              <dgm:constr type="h" for="ch" forName="d2" refType="h" fact="0.4017"/>
-              <dgm:constr type="w" for="ch" forName="circle3" refType="w" fact="0.6"/>
-              <dgm:constr type="h" for="ch" forName="circle3" refType="w" refFor="ch" refForName="circle3"/>
-              <dgm:constr type="ctrX" for="ch" forName="circle3" refType="ctrX" refFor="ch" refForName="circle1"/>
-              <dgm:constr type="ctrY" for="ch" forName="circle3" refType="ctrY" refFor="ch" refForName="circle1"/>
-              <dgm:constr type="w" for="ch" forName="text3" refType="w" fact="0.3"/>
-              <dgm:constr type="h" for="ch" forName="text3" refType="h" fact="0.21875"/>
-              <dgm:constr type="l" for="ch" forName="text3"/>
-              <dgm:constr type="t" for="ch" forName="text3" refType="b" refFor="ch" refForName="text2"/>
-              <dgm:constr type="l" for="ch" forName="line3" refType="r" refFor="ch" refForName="text3"/>
-              <dgm:constr type="ctrY" for="ch" forName="line3" refType="ctrY" refFor="ch" refForName="text3"/>
-              <dgm:constr type="r" for="ch" forName="line3" refType="w" fact="0.375"/>
-              <dgm:constr type="h" for="ch" forName="line3"/>
-              <dgm:constr type="r" for="ch" forName="d3" refType="w" fact="0.52825"/>
-              <dgm:constr type="b" for="ch" forName="d3" refType="h" fact="0.83375"/>
-              <dgm:constr type="w" for="ch" forName="d3" refType="w" fact="0.1527"/>
-              <dgm:constr type="h" for="ch" forName="d3" refType="h" fact="0.287"/>
-            </dgm:constrLst>
-          </dgm:if>
-          <dgm:if name="Name16" axis="ch" ptType="node" func="cnt" op="equ" val="4">
-            <dgm:constrLst>
-              <dgm:constr type="primFontSz" for="des" ptType="node" op="equ" val="65"/>
-              <dgm:constr type="w" for="ch" forName="circle1" refType="w" fact="0.0857"/>
-              <dgm:constr type="h" for="ch" forName="circle1" refType="w" refFor="ch" refForName="circle1"/>
-              <dgm:constr type="ctrX" for="ch" forName="circle1" refType="w" fact="0.7"/>
-              <dgm:constr type="ctrY" for="ch" forName="circle1" refType="h" fact="0.625"/>
-              <dgm:constr type="w" for="ch" forName="text1" refType="w" fact="0.3"/>
-              <dgm:constr type="h" for="ch" forName="text1" refType="h" fact="0.17938"/>
-              <dgm:constr type="l" for="ch" forName="text1"/>
-              <dgm:constr type="t" for="ch" forName="text1"/>
-              <dgm:constr type="l" for="ch" forName="line1" refType="r" refFor="ch" refForName="text1"/>
-              <dgm:constr type="ctrY" for="ch" forName="line1" refType="ctrY" refFor="ch" refForName="text1"/>
-              <dgm:constr type="r" for="ch" forName="line1" refType="w" fact="0.375"/>
-              <dgm:constr type="h" for="ch" forName="line1"/>
-              <dgm:constr type="r" for="ch" forName="d1" refType="w" fact="0.705"/>
-              <dgm:constr type="b" for="ch" forName="d1" refType="h" fact="0.62"/>
-              <dgm:constr type="w" for="ch" forName="d1" refType="w" fact="0.33"/>
-              <dgm:constr type="h" for="ch" forName="d1" refType="h" fact="0.53"/>
-              <dgm:constr type="w" for="ch" forName="circle2" refType="w" fact="0.2571"/>
-              <dgm:constr type="h" for="ch" forName="circle2" refType="w" refFor="ch" refForName="circle2"/>
-              <dgm:constr type="ctrX" for="ch" forName="circle2" refType="w" fact="0.7"/>
-              <dgm:constr type="ctrY" for="ch" forName="circle2" refType="h" fact="0.625"/>
-              <dgm:constr type="w" for="ch" forName="text2" refType="w" fact="0.3"/>
-              <dgm:constr type="h" for="ch" forName="text2" refType="h" fact="0.17938"/>
-              <dgm:constr type="l" for="ch" forName="text2"/>
-              <dgm:constr type="t" for="ch" forName="text2" refType="b" refFor="ch" refForName="text1"/>
-              <dgm:constr type="l" for="ch" forName="line2" refType="r" refFor="ch" refForName="text2"/>
-              <dgm:constr type="ctrY" for="ch" forName="line2" refType="ctrY" refFor="ch" refForName="text2"/>
-              <dgm:constr type="r" for="ch" forName="line2" refType="w" fact="0.375"/>
-              <dgm:constr type="h" for="ch" forName="line2"/>
-              <dgm:constr type="r" for="ch" forName="d2" refType="w" fact="0.63375"/>
-              <dgm:constr type="b" for="ch" forName="d2" refType="h" fact="0.70438"/>
-              <dgm:constr type="w" for="ch" forName="d2" refType="w" fact="0.2585"/>
-              <dgm:constr type="h" for="ch" forName="d2" refType="h" fact="0.43525"/>
-              <dgm:constr type="w" for="ch" forName="circle3" refType="w" fact="0.4285"/>
-              <dgm:constr type="h" for="ch" forName="circle3" refType="w" refFor="ch" refForName="circle3"/>
-              <dgm:constr type="ctrX" for="ch" forName="circle3" refType="ctrX" refFor="ch" refForName="circle1"/>
-              <dgm:constr type="ctrY" for="ch" forName="circle3" refType="ctrY" refFor="ch" refForName="circle1"/>
-              <dgm:constr type="w" for="ch" forName="text3" refType="w" fact="0.3"/>
-              <dgm:constr type="h" for="ch" forName="text3" refType="h" fact="0.17938"/>
-              <dgm:constr type="l" for="ch" forName="text3"/>
-              <dgm:constr type="t" for="ch" forName="text3" refType="b" refFor="ch" refForName="text2"/>
-              <dgm:constr type="l" for="ch" forName="line3" refType="r" refFor="ch" refForName="text3"/>
-              <dgm:constr type="ctrY" for="ch" forName="line3" refType="ctrY" refFor="ch" refForName="text3"/>
-              <dgm:constr type="r" for="ch" forName="line3" refType="w" fact="0.375"/>
-              <dgm:constr type="h" for="ch" forName="line3"/>
-              <dgm:constr type="r" for="ch" forName="d3" refType="w" fact="0.5745"/>
-              <dgm:constr type="b" for="ch" forName="d3" refType="h" fact="0.78031"/>
-              <dgm:constr type="w" for="ch" forName="d3" refType="w" fact="0.1995"/>
-              <dgm:constr type="h" for="ch" forName="d3" refType="h" fact="0.332"/>
-              <dgm:constr type="w" for="ch" forName="circle4" refType="w" fact="0.6"/>
-              <dgm:constr type="h" for="ch" forName="circle4" refType="w" refFor="ch" refForName="circle4"/>
-              <dgm:constr type="ctrX" for="ch" forName="circle4" refType="ctrX" refFor="ch" refForName="circle1"/>
-              <dgm:constr type="ctrY" for="ch" forName="circle4" refType="ctrY" refFor="ch" refForName="circle1"/>
-              <dgm:constr type="w" for="ch" forName="text4" refType="w" fact="0.3"/>
-              <dgm:constr type="h" for="ch" forName="text4" refType="h" fact="0.17938"/>
-              <dgm:constr type="l" for="ch" forName="text4"/>
-              <dgm:constr type="t" for="ch" forName="text4" refType="b" refFor="ch" refForName="text3"/>
-              <dgm:constr type="l" for="ch" forName="line4" refType="r" refFor="ch" refForName="text4"/>
-              <dgm:constr type="ctrY" for="ch" forName="line4" refType="ctrY" refFor="ch" refForName="text4"/>
-              <dgm:constr type="r" for="ch" forName="line4" refType="w" fact="0.375"/>
-              <dgm:constr type="h" for="ch" forName="line4"/>
-              <dgm:constr type="r" for="ch" forName="d4" refType="w" fact="0.51475"/>
-              <dgm:constr type="b" for="ch" forName="d4" refType="h" fact="0.85594"/>
-              <dgm:constr type="w" for="ch" forName="d4" refType="w" fact="0.1394"/>
-              <dgm:constr type="h" for="ch" forName="d4" refType="h" fact="0.2282"/>
-            </dgm:constrLst>
-          </dgm:if>
-          <dgm:if name="Name17" axis="ch" ptType="node" func="cnt" op="gte" val="5">
-            <dgm:constrLst>
-              <dgm:constr type="primFontSz" for="des" ptType="node" op="equ" val="65"/>
-              <dgm:constr type="w" for="ch" forName="circle1" refType="w" fact="0.0667"/>
-              <dgm:constr type="h" for="ch" forName="circle1" refType="w" refFor="ch" refForName="circle1"/>
-              <dgm:constr type="ctrX" for="ch" forName="circle1" refType="w" fact="0.7"/>
-              <dgm:constr type="ctrY" for="ch" forName="circle1" refType="h" fact="0.625"/>
-              <dgm:constr type="w" for="ch" forName="text1" refType="w" fact="0.3"/>
-              <dgm:constr type="h" for="ch" forName="text1" refType="h" fact="0.1324"/>
-              <dgm:constr type="l" for="ch" forName="text1"/>
-              <dgm:constr type="ctrY" for="ch" forName="text1" refType="h" fact="0.13"/>
-              <dgm:constr type="l" for="ch" forName="line1" refType="r" refFor="ch" refForName="text1"/>
-              <dgm:constr type="ctrY" for="ch" forName="line1" refType="ctrY" refFor="ch" refForName="text1"/>
-              <dgm:constr type="r" for="ch" forName="line1" refType="w" fact="0.375"/>
-              <dgm:constr type="h" for="ch" forName="line1"/>
-              <dgm:constr type="r" for="ch" forName="d1" refType="w" fact="0.7"/>
-              <dgm:constr type="b" for="ch" forName="d1" refType="h" fact="0.625"/>
-              <dgm:constr type="w" for="ch" forName="d1" refType="w" fact="0.3245"/>
-              <dgm:constr type="h" for="ch" forName="d1" refType="h" fact="0.495"/>
-              <dgm:constr type="w" for="ch" forName="circle2" refType="w" fact="0.2"/>
-              <dgm:constr type="h" for="ch" forName="circle2" refType="w" refFor="ch" refForName="circle2"/>
-              <dgm:constr type="ctrX" for="ch" forName="circle2" refType="w" fact="0.7"/>
-              <dgm:constr type="ctrY" for="ch" forName="circle2" refType="h" fact="0.625"/>
-              <dgm:constr type="w" for="ch" forName="text2" refType="w" fact="0.3"/>
-              <dgm:constr type="h" for="ch" forName="text2" refType="h" fact="0.1324"/>
-              <dgm:constr type="l" for="ch" forName="text2"/>
-              <dgm:constr type="ctrY" for="ch" forName="text2" refType="h" fact="0.27"/>
-              <dgm:constr type="l" for="ch" forName="line2" refType="r" refFor="ch" refForName="text2"/>
-              <dgm:constr type="ctrY" for="ch" forName="line2" refType="ctrY" refFor="ch" refForName="text2"/>
-              <dgm:constr type="r" for="ch" forName="line2" refType="w" fact="0.375"/>
-              <dgm:constr type="h" for="ch" forName="line2"/>
-              <dgm:constr type="r" for="ch" forName="d2" refType="w" fact="0.6502"/>
-              <dgm:constr type="b" for="ch" forName="d2" refType="h" fact="0.682"/>
-              <dgm:constr type="w" for="ch" forName="d2" refType="w" fact="0.275"/>
-              <dgm:constr type="h" for="ch" forName="d2" refType="h" fact="0.41215"/>
-              <dgm:constr type="w" for="ch" forName="circle3" refType="w" fact="0.3334"/>
-              <dgm:constr type="h" for="ch" forName="circle3" refType="w" refFor="ch" refForName="circle3"/>
-              <dgm:constr type="ctrX" for="ch" forName="circle3" refType="ctrX" refFor="ch" refForName="circle1"/>
-              <dgm:constr type="ctrY" for="ch" forName="circle3" refType="ctrY" refFor="ch" refForName="circle1"/>
-              <dgm:constr type="w" for="ch" forName="text3" refType="w" fact="0.3"/>
-              <dgm:constr type="h" for="ch" forName="text3" refType="h" fact="0.1324"/>
-              <dgm:constr type="l" for="ch" forName="text3"/>
-              <dgm:constr type="ctrY" for="ch" forName="text3" refType="h" fact="0.41"/>
-              <dgm:constr type="l" for="ch" forName="line3" refType="r" refFor="ch" refForName="text3"/>
-              <dgm:constr type="ctrY" for="ch" forName="line3" refType="ctrY" refFor="ch" refForName="text3"/>
-              <dgm:constr type="r" for="ch" forName="line3" refType="w" fact="0.375"/>
-              <dgm:constr type="h" for="ch" forName="line3"/>
-              <dgm:constr type="r" for="ch" forName="d3" refType="w" fact="0.606"/>
-              <dgm:constr type="b" for="ch" forName="d3" refType="h" fact="0.735"/>
-              <dgm:constr type="w" for="ch" forName="d3" refType="w" fact="0.231"/>
-              <dgm:constr type="h" for="ch" forName="d3" refType="h" fact="0.325"/>
-              <dgm:constr type="w" for="ch" forName="circle4" refType="w" fact="0.4667"/>
-              <dgm:constr type="h" for="ch" forName="circle4" refType="w" refFor="ch" refForName="circle4"/>
-              <dgm:constr type="ctrX" for="ch" forName="circle4" refType="ctrX" refFor="ch" refForName="circle1"/>
-              <dgm:constr type="ctrY" for="ch" forName="circle4" refType="ctrY" refFor="ch" refForName="circle1"/>
-              <dgm:constr type="w" for="ch" forName="text4" refType="w" fact="0.3"/>
-              <dgm:constr type="h" for="ch" forName="text4" refType="h" fact="0.1324"/>
-              <dgm:constr type="l" for="ch" forName="text4"/>
-              <dgm:constr type="ctrY" for="ch" forName="text4" refType="h" fact="0.547"/>
-              <dgm:constr type="l" for="ch" forName="line4" refType="r" refFor="ch" refForName="text4"/>
-              <dgm:constr type="ctrY" for="ch" forName="line4" refType="ctrY" refFor="ch" refForName="text4"/>
-              <dgm:constr type="r" for="ch" forName="line4" refType="w" fact="0.375"/>
-              <dgm:constr type="h" for="ch" forName="line4"/>
-              <dgm:constr type="r" for="ch" forName="d4" refType="w" fact="0.554"/>
-              <dgm:constr type="b" for="ch" forName="d4" refType="h" fact="0.795"/>
-              <dgm:constr type="w" for="ch" forName="d4" refType="w" fact="0.179"/>
-              <dgm:constr type="h" for="ch" forName="d4" refType="h" fact="0.248"/>
-              <dgm:constr type="w" for="ch" forName="circle5" refType="w" fact="0.6"/>
-              <dgm:constr type="h" for="ch" forName="circle5" refType="w" refFor="ch" refForName="circle5"/>
-              <dgm:constr type="ctrX" for="ch" forName="circle5" refType="ctrX" refFor="ch" refForName="circle1"/>
-              <dgm:constr type="ctrY" for="ch" forName="circle5" refType="ctrY" refFor="ch" refForName="circle1"/>
-              <dgm:constr type="w" for="ch" forName="text5" refType="w" fact="0.3"/>
-              <dgm:constr type="h" for="ch" forName="text5" refType="h" fact="0.1324"/>
-              <dgm:constr type="l" for="ch" forName="text5"/>
-              <dgm:constr type="ctrY" for="ch" forName="text5" refType="h" fact="0.68"/>
-              <dgm:constr type="l" for="ch" forName="line5" refType="r" refFor="ch" refForName="text5"/>
-              <dgm:constr type="ctrY" for="ch" forName="line5" refType="ctrY" refFor="ch" refForName="text5"/>
-              <dgm:constr type="r" for="ch" forName="line5" refType="w" fact="0.375"/>
-              <dgm:constr type="h" for="ch" forName="line5"/>
-              <dgm:constr type="r" for="ch" forName="d5" refType="w" fact="0.505"/>
-              <dgm:constr type="b" for="ch" forName="d5" refType="h" fact="0.855"/>
-              <dgm:constr type="w" for="ch" forName="d5" refType="w" fact="0.13"/>
-              <dgm:constr type="h" for="ch" forName="d5" refType="h" fact="0.175"/>
-            </dgm:constrLst>
-          </dgm:if>
-          <dgm:else name="Name18"/>
-        </dgm:choose>
-      </dgm:else>
-    </dgm:choose>
-    <dgm:ruleLst/>
-    <dgm:forEach name="Name19" axis="ch" ptType="node" cnt="1">
-      <dgm:layoutNode name="circle1" styleLbl="lnNode1">
-        <dgm:alg type="sp"/>
-        <dgm:shape xmlns:r="http://schemas.openxmlformats.org/officeDocument/2006/relationships" type="ellipse" r:blip="">
-          <dgm:adjLst/>
-        </dgm:shape>
-        <dgm:presOf/>
-        <dgm:constrLst/>
-        <dgm:ruleLst/>
-      </dgm:layoutNode>
-      <dgm:layoutNode name="text1" styleLbl="revTx">
-        <dgm:varLst>
-          <dgm:bulletEnabled val="1"/>
-        </dgm:varLst>
-        <dgm:choose name="Name20">
-          <dgm:if name="Name21" func="var" arg="dir" op="equ" val="norm">
-            <dgm:choose name="Name22">
-              <dgm:if name="Name23" axis="root des" ptType="all node" func="maxDepth" op="gt" val="1">
-                <dgm:alg type="tx">
-                  <dgm:param type="parTxLTRAlign" val="l"/>
-                  <dgm:param type="parTxRTLAlign" val="r"/>
-                </dgm:alg>
-              </dgm:if>
-              <dgm:else name="Name24">
-                <dgm:alg type="tx">
-                  <dgm:param type="parTxLTRAlign" val="l"/>
-                  <dgm:param type="parTxRTLAlign" val="l"/>
-                </dgm:alg>
-              </dgm:else>
-            </dgm:choose>
-          </dgm:if>
-          <dgm:else name="Name25">
-            <dgm:choose name="Name26">
-              <dgm:if name="Name27" axis="root des" ptType="all node" func="maxDepth" op="gt" val="1">
-                <dgm:alg type="tx">
-                  <dgm:param type="parTxLTRAlign" val="l"/>
-                  <dgm:param type="parTxRTLAlign" val="r"/>
-                </dgm:alg>
-              </dgm:if>
-              <dgm:else name="Name28">
-                <dgm:alg type="tx">
-                  <dgm:param type="parTxLTRAlign" val="r"/>
-                  <dgm:param type="parTxRTLAlign" val="r"/>
-                </dgm:alg>
-              </dgm:else>
-            </dgm:choose>
-          </dgm:else>
-        </dgm:choose>
-        <dgm:shape xmlns:r="http://schemas.openxmlformats.org/officeDocument/2006/relationships" type="rect" r:blip="">
-          <dgm:adjLst/>
-        </dgm:shape>
-        <dgm:presOf axis="desOrSelf" ptType="node"/>
-        <dgm:choose name="Name29">
-          <dgm:if name="Name30" func="var" arg="dir" op="equ" val="norm">
-            <dgm:constrLst>
-              <dgm:constr type="tMarg" refType="primFontSz" fact="0.1"/>
-              <dgm:constr type="bMarg" refType="primFontSz" fact="0.1"/>
-              <dgm:constr type="rMarg" refType="primFontSz" fact="0.1"/>
-            </dgm:constrLst>
-          </dgm:if>
-          <dgm:else name="Name31">
-            <dgm:constrLst>
-              <dgm:constr type="tMarg" refType="primFontSz" fact="0.1"/>
-              <dgm:constr type="bMarg" refType="primFontSz" fact="0.1"/>
-              <dgm:constr type="lMarg" refType="primFontSz" fact="0.1"/>
-            </dgm:constrLst>
-          </dgm:else>
-        </dgm:choose>
-        <dgm:ruleLst>
-          <dgm:rule type="primFontSz" val="5" fact="NaN" max="NaN"/>
-        </dgm:ruleLst>
-      </dgm:layoutNode>
-      <dgm:layoutNode name="line1" styleLbl="callout">
-        <dgm:alg type="sp"/>
-        <dgm:shape xmlns:r="http://schemas.openxmlformats.org/officeDocument/2006/relationships" type="line" r:blip="">
-          <dgm:adjLst/>
-        </dgm:shape>
-        <dgm:presOf/>
-        <dgm:constrLst/>
-        <dgm:ruleLst/>
-      </dgm:layoutNode>
-      <dgm:layoutNode name="d1" styleLbl="callout">
-        <dgm:alg type="sp"/>
-        <dgm:choose name="Name32">
-          <dgm:if name="Name33" func="var" arg="dir" op="equ" val="norm">
-            <dgm:shape xmlns:r="http://schemas.openxmlformats.org/officeDocument/2006/relationships" rot="90" type="line" r:blip="">
-              <dgm:adjLst/>
-            </dgm:shape>
-          </dgm:if>
-          <dgm:else name="Name34">
-            <dgm:shape xmlns:r="http://schemas.openxmlformats.org/officeDocument/2006/relationships" rot="180" type="line" r:blip="">
-              <dgm:adjLst/>
-            </dgm:shape>
-          </dgm:else>
-        </dgm:choose>
-        <dgm:presOf/>
-        <dgm:constrLst/>
-        <dgm:ruleLst/>
-      </dgm:layoutNode>
-    </dgm:forEach>
-    <dgm:forEach name="Name35" axis="ch" ptType="node" st="2" cnt="1">
-      <dgm:layoutNode name="circle2" styleLbl="lnNode1">
-        <dgm:alg type="sp"/>
-        <dgm:shape xmlns:r="http://schemas.openxmlformats.org/officeDocument/2006/relationships" type="ellipse" r:blip="" zOrderOff="-5">
-          <dgm:adjLst/>
-        </dgm:shape>
-        <dgm:presOf/>
-        <dgm:constrLst/>
-        <dgm:ruleLst/>
-      </dgm:layoutNode>
-      <dgm:layoutNode name="text2" styleLbl="revTx">
-        <dgm:varLst>
-          <dgm:bulletEnabled val="1"/>
-        </dgm:varLst>
-        <dgm:choose name="Name36">
-          <dgm:if name="Name37" func="var" arg="dir" op="equ" val="norm">
-            <dgm:choose name="Name38">
-              <dgm:if name="Name39" axis="root des" ptType="all node" func="maxDepth" op="gt" val="1">
-                <dgm:alg type="tx">
-                  <dgm:param type="parTxLTRAlign" val="l"/>
-                  <dgm:param type="parTxRTLAlign" val="r"/>
-                </dgm:alg>
-              </dgm:if>
-              <dgm:else name="Name40">
-                <dgm:alg type="tx">
-                  <dgm:param type="parTxLTRAlign" val="l"/>
-                  <dgm:param type="parTxRTLAlign" val="l"/>
-                </dgm:alg>
-              </dgm:else>
-            </dgm:choose>
-          </dgm:if>
-          <dgm:else name="Name41">
-            <dgm:choose name="Name42">
-              <dgm:if name="Name43" axis="root des" ptType="all node" func="maxDepth" op="gt" val="1">
-                <dgm:alg type="tx">
-                  <dgm:param type="parTxLTRAlign" val="l"/>
-                  <dgm:param type="parTxRTLAlign" val="r"/>
-                </dgm:alg>
-              </dgm:if>
-              <dgm:else name="Name44">
-                <dgm:alg type="tx">
-                  <dgm:param type="parTxLTRAlign" val="r"/>
-                  <dgm:param type="parTxRTLAlign" val="r"/>
-                </dgm:alg>
-              </dgm:else>
-            </dgm:choose>
-          </dgm:else>
-        </dgm:choose>
-        <dgm:shape xmlns:r="http://schemas.openxmlformats.org/officeDocument/2006/relationships" type="rect" r:blip="">
-          <dgm:adjLst/>
-        </dgm:shape>
-        <dgm:presOf axis="desOrSelf" ptType="node"/>
-        <dgm:choose name="Name45">
-          <dgm:if name="Name46" func="var" arg="dir" op="equ" val="norm">
-            <dgm:constrLst>
-              <dgm:constr type="tMarg" refType="primFontSz" fact="0.1"/>
-              <dgm:constr type="bMarg" refType="primFontSz" fact="0.1"/>
-              <dgm:constr type="rMarg" refType="primFontSz" fact="0.1"/>
-            </dgm:constrLst>
-          </dgm:if>
-          <dgm:else name="Name47">
-            <dgm:constrLst>
-              <dgm:constr type="tMarg" refType="primFontSz" fact="0.1"/>
-              <dgm:constr type="bMarg" refType="primFontSz" fact="0.1"/>
-              <dgm:constr type="lMarg" refType="primFontSz" fact="0.1"/>
-            </dgm:constrLst>
-          </dgm:else>
-        </dgm:choose>
-        <dgm:ruleLst>
-          <dgm:rule type="primFontSz" val="5" fact="NaN" max="NaN"/>
-        </dgm:ruleLst>
-      </dgm:layoutNode>
-      <dgm:layoutNode name="line2" styleLbl="callout">
-        <dgm:alg type="sp"/>
-        <dgm:shape xmlns:r="http://schemas.openxmlformats.org/officeDocument/2006/relationships" type="line" r:blip="">
-          <dgm:adjLst/>
-        </dgm:shape>
-        <dgm:presOf/>
-        <dgm:constrLst/>
-        <dgm:ruleLst/>
-      </dgm:layoutNode>
-      <dgm:layoutNode name="d2" styleLbl="callout">
-        <dgm:alg type="sp"/>
-        <dgm:choose name="Name48">
-          <dgm:if name="Name49" func="var" arg="dir" op="equ" val="norm">
-            <dgm:shape xmlns:r="http://schemas.openxmlformats.org/officeDocument/2006/relationships" rot="90" type="line" r:blip="">
-              <dgm:adjLst/>
-            </dgm:shape>
-          </dgm:if>
-          <dgm:else name="Name50">
-            <dgm:shape xmlns:r="http://schemas.openxmlformats.org/officeDocument/2006/relationships" rot="180" type="line" r:blip="">
-              <dgm:adjLst/>
-            </dgm:shape>
-          </dgm:else>
-        </dgm:choose>
-        <dgm:presOf/>
-        <dgm:constrLst/>
-        <dgm:ruleLst/>
-      </dgm:layoutNode>
-    </dgm:forEach>
-    <dgm:forEach name="Name51" axis="ch" ptType="node" st="3" cnt="1">
-      <dgm:layoutNode name="circle3" styleLbl="lnNode1">
-        <dgm:alg type="sp"/>
-        <dgm:shape xmlns:r="http://schemas.openxmlformats.org/officeDocument/2006/relationships" type="ellipse" r:blip="" zOrderOff="-10">
-          <dgm:adjLst/>
-        </dgm:shape>
-        <dgm:presOf/>
-        <dgm:constrLst/>
-        <dgm:ruleLst/>
-      </dgm:layoutNode>
-      <dgm:layoutNode name="text3" styleLbl="revTx">
-        <dgm:varLst>
-          <dgm:bulletEnabled val="1"/>
-        </dgm:varLst>
-        <dgm:choose name="Name52">
-          <dgm:if name="Name53" func="var" arg="dir" op="equ" val="norm">
-            <dgm:choose name="Name54">
-              <dgm:if name="Name55" axis="root des" ptType="all node" func="maxDepth" op="gt" val="1">
-                <dgm:alg type="tx">
-                  <dgm:param type="parTxLTRAlign" val="l"/>
-                  <dgm:param type="parTxRTLAlign" val="r"/>
-                </dgm:alg>
-              </dgm:if>
-              <dgm:else name="Name56">
-                <dgm:alg type="tx">
-                  <dgm:param type="parTxLTRAlign" val="l"/>
-                  <dgm:param type="parTxRTLAlign" val="l"/>
-                </dgm:alg>
-              </dgm:else>
-            </dgm:choose>
-          </dgm:if>
-          <dgm:else name="Name57">
-            <dgm:choose name="Name58">
-              <dgm:if name="Name59" axis="root des" ptType="all node" func="maxDepth" op="gt" val="1">
-                <dgm:alg type="tx">
-                  <dgm:param type="parTxLTRAlign" val="l"/>
-                  <dgm:param type="parTxRTLAlign" val="r"/>
-                </dgm:alg>
-              </dgm:if>
-              <dgm:else name="Name60">
-                <dgm:alg type="tx">
-                  <dgm:param type="parTxLTRAlign" val="r"/>
-                  <dgm:param type="parTxRTLAlign" val="r"/>
-                </dgm:alg>
-              </dgm:else>
-            </dgm:choose>
-          </dgm:else>
-        </dgm:choose>
-        <dgm:shape xmlns:r="http://schemas.openxmlformats.org/officeDocument/2006/relationships" type="rect" r:blip="">
-          <dgm:adjLst/>
-        </dgm:shape>
-        <dgm:presOf axis="desOrSelf" ptType="node"/>
-        <dgm:choose name="Name61">
-          <dgm:if name="Name62" func="var" arg="dir" op="equ" val="norm">
-            <dgm:constrLst>
-              <dgm:constr type="tMarg" refType="primFontSz" fact="0.1"/>
-              <dgm:constr type="bMarg" refType="primFontSz" fact="0.1"/>
-              <dgm:constr type="rMarg" refType="primFontSz" fact="0.1"/>
-            </dgm:constrLst>
-          </dgm:if>
-          <dgm:else name="Name63">
-            <dgm:constrLst>
-              <dgm:constr type="tMarg" refType="primFontSz" fact="0.1"/>
-              <dgm:constr type="bMarg" refType="primFontSz" fact="0.1"/>
-              <dgm:constr type="lMarg" refType="primFontSz" fact="0.1"/>
-            </dgm:constrLst>
-          </dgm:else>
-        </dgm:choose>
-        <dgm:ruleLst>
-          <dgm:rule type="primFontSz" val="5" fact="NaN" max="NaN"/>
-        </dgm:ruleLst>
-      </dgm:layoutNode>
-      <dgm:layoutNode name="line3" styleLbl="callout">
-        <dgm:alg type="sp"/>
-        <dgm:shape xmlns:r="http://schemas.openxmlformats.org/officeDocument/2006/relationships" type="line" r:blip="">
-          <dgm:adjLst/>
-        </dgm:shape>
-        <dgm:presOf/>
-        <dgm:constrLst/>
-        <dgm:ruleLst/>
-      </dgm:layoutNode>
-      <dgm:layoutNode name="d3" styleLbl="callout">
-        <dgm:alg type="sp"/>
-        <dgm:choose name="Name64">
-          <dgm:if name="Name65" func="var" arg="dir" op="equ" val="norm">
-            <dgm:shape xmlns:r="http://schemas.openxmlformats.org/officeDocument/2006/relationships" rot="90" type="line" r:blip="">
-              <dgm:adjLst/>
-            </dgm:shape>
-          </dgm:if>
-          <dgm:else name="Name66">
-            <dgm:shape xmlns:r="http://schemas.openxmlformats.org/officeDocument/2006/relationships" rot="180" type="line" r:blip="">
-              <dgm:adjLst/>
-            </dgm:shape>
-          </dgm:else>
-        </dgm:choose>
-        <dgm:presOf/>
-        <dgm:constrLst/>
-        <dgm:ruleLst/>
-      </dgm:layoutNode>
-    </dgm:forEach>
-    <dgm:forEach name="Name67" axis="ch" ptType="node" st="4" cnt="1">
-      <dgm:layoutNode name="circle4" styleLbl="lnNode1">
-        <dgm:alg type="sp"/>
-        <dgm:shape xmlns:r="http://schemas.openxmlformats.org/officeDocument/2006/relationships" type="ellipse" r:blip="" zOrderOff="-15">
-          <dgm:adjLst/>
-        </dgm:shape>
-        <dgm:presOf/>
-        <dgm:constrLst/>
-        <dgm:ruleLst/>
-      </dgm:layoutNode>
-      <dgm:layoutNode name="text4" styleLbl="revTx">
-        <dgm:varLst>
-          <dgm:bulletEnabled val="1"/>
-        </dgm:varLst>
-        <dgm:choose name="Name68">
-          <dgm:if name="Name69" func="var" arg="dir" op="equ" val="norm">
-            <dgm:choose name="Name70">
-              <dgm:if name="Name71" axis="root des" ptType="all node" func="maxDepth" op="gt" val="1">
-                <dgm:alg type="tx">
-                  <dgm:param type="parTxLTRAlign" val="l"/>
-                  <dgm:param type="parTxRTLAlign" val="r"/>
-                </dgm:alg>
-              </dgm:if>
-              <dgm:else name="Name72">
-                <dgm:alg type="tx">
-                  <dgm:param type="parTxLTRAlign" val="l"/>
-                  <dgm:param type="parTxRTLAlign" val="l"/>
-                </dgm:alg>
-              </dgm:else>
-            </dgm:choose>
-          </dgm:if>
-          <dgm:else name="Name73">
-            <dgm:choose name="Name74">
-              <dgm:if name="Name75" axis="root des" ptType="all node" func="maxDepth" op="gt" val="1">
-                <dgm:alg type="tx">
-                  <dgm:param type="parTxLTRAlign" val="l"/>
-                  <dgm:param type="parTxRTLAlign" val="r"/>
-                </dgm:alg>
-              </dgm:if>
-              <dgm:else name="Name76">
-                <dgm:alg type="tx">
-                  <dgm:param type="parTxLTRAlign" val="r"/>
-                  <dgm:param type="parTxRTLAlign" val="r"/>
-                </dgm:alg>
-              </dgm:else>
-            </dgm:choose>
-          </dgm:else>
-        </dgm:choose>
-        <dgm:shape xmlns:r="http://schemas.openxmlformats.org/officeDocument/2006/relationships" type="rect" r:blip="">
-          <dgm:adjLst/>
-        </dgm:shape>
-        <dgm:presOf axis="desOrSelf" ptType="node"/>
-        <dgm:choose name="Name77">
-          <dgm:if name="Name78" func="var" arg="dir" op="equ" val="norm">
-            <dgm:constrLst>
-              <dgm:constr type="tMarg" refType="primFontSz" fact="0.1"/>
-              <dgm:constr type="bMarg" refType="primFontSz" fact="0.1"/>
-              <dgm:constr type="rMarg" refType="primFontSz" fact="0.1"/>
-            </dgm:constrLst>
-          </dgm:if>
-          <dgm:else name="Name79">
-            <dgm:constrLst>
-              <dgm:constr type="tMarg" refType="primFontSz" fact="0.1"/>
-              <dgm:constr type="bMarg" refType="primFontSz" fact="0.1"/>
-              <dgm:constr type="lMarg" refType="primFontSz" fact="0.1"/>
-            </dgm:constrLst>
-          </dgm:else>
-        </dgm:choose>
-        <dgm:ruleLst>
-          <dgm:rule type="primFontSz" val="5" fact="NaN" max="NaN"/>
-        </dgm:ruleLst>
-      </dgm:layoutNode>
-      <dgm:layoutNode name="line4" styleLbl="callout">
-        <dgm:alg type="sp"/>
-        <dgm:shape xmlns:r="http://schemas.openxmlformats.org/officeDocument/2006/relationships" type="line" r:blip="">
-          <dgm:adjLst/>
-        </dgm:shape>
-        <dgm:presOf/>
-        <dgm:constrLst/>
-        <dgm:ruleLst/>
-      </dgm:layoutNode>
-      <dgm:layoutNode name="d4" styleLbl="callout">
-        <dgm:alg type="sp"/>
-        <dgm:choose name="Name80">
-          <dgm:if name="Name81" func="var" arg="dir" op="equ" val="norm">
-            <dgm:shape xmlns:r="http://schemas.openxmlformats.org/officeDocument/2006/relationships" rot="90" type="line" r:blip="">
-              <dgm:adjLst/>
-            </dgm:shape>
-          </dgm:if>
-          <dgm:else name="Name82">
-            <dgm:shape xmlns:r="http://schemas.openxmlformats.org/officeDocument/2006/relationships" rot="180" type="line" r:blip="">
-              <dgm:adjLst/>
-            </dgm:shape>
-          </dgm:else>
-        </dgm:choose>
-        <dgm:presOf/>
-        <dgm:constrLst/>
-        <dgm:ruleLst/>
-      </dgm:layoutNode>
-    </dgm:forEach>
-    <dgm:forEach name="Name83" axis="ch" ptType="node" st="5" cnt="1">
-      <dgm:layoutNode name="circle5" styleLbl="lnNode1">
-        <dgm:alg type="sp"/>
-        <dgm:shape xmlns:r="http://schemas.openxmlformats.org/officeDocument/2006/relationships" type="ellipse" r:blip="" zOrderOff="-20">
-          <dgm:adjLst/>
-        </dgm:shape>
-        <dgm:presOf/>
-        <dgm:constrLst/>
-        <dgm:ruleLst/>
-      </dgm:layoutNode>
-      <dgm:layoutNode name="text5" styleLbl="revTx">
-        <dgm:varLst>
-          <dgm:bulletEnabled val="1"/>
-        </dgm:varLst>
-        <dgm:choose name="Name84">
-          <dgm:if name="Name85" func="var" arg="dir" op="equ" val="norm">
-            <dgm:choose name="Name86">
-              <dgm:if name="Name87" axis="root des" ptType="all node" func="maxDepth" op="gt" val="1">
-                <dgm:alg type="tx">
-                  <dgm:param type="parTxLTRAlign" val="l"/>
-                  <dgm:param type="parTxRTLAlign" val="r"/>
-                </dgm:alg>
-              </dgm:if>
-              <dgm:else name="Name88">
-                <dgm:alg type="tx">
-                  <dgm:param type="parTxLTRAlign" val="l"/>
-                  <dgm:param type="parTxRTLAlign" val="l"/>
-                </dgm:alg>
-              </dgm:else>
-            </dgm:choose>
-          </dgm:if>
-          <dgm:else name="Name89">
-            <dgm:choose name="Name90">
-              <dgm:if name="Name91" axis="root des" ptType="all node" func="maxDepth" op="gt" val="1">
-                <dgm:alg type="tx">
-                  <dgm:param type="parTxLTRAlign" val="l"/>
-                  <dgm:param type="parTxRTLAlign" val="r"/>
-                </dgm:alg>
-              </dgm:if>
-              <dgm:else name="Name92">
-                <dgm:alg type="tx">
-                  <dgm:param type="parTxLTRAlign" val="r"/>
-                  <dgm:param type="parTxRTLAlign" val="r"/>
-                </dgm:alg>
-              </dgm:else>
-            </dgm:choose>
-          </dgm:else>
-        </dgm:choose>
-        <dgm:shape xmlns:r="http://schemas.openxmlformats.org/officeDocument/2006/relationships" type="rect" r:blip="">
-          <dgm:adjLst/>
-        </dgm:shape>
-        <dgm:presOf axis="desOrSelf" ptType="node"/>
-        <dgm:choose name="Name93">
-          <dgm:if name="Name94" func="var" arg="dir" op="equ" val="norm">
-            <dgm:constrLst>
-              <dgm:constr type="tMarg" refType="primFontSz" fact="0.1"/>
-              <dgm:constr type="bMarg" refType="primFontSz" fact="0.1"/>
-              <dgm:constr type="rMarg" refType="primFontSz" fact="0.1"/>
-            </dgm:constrLst>
-          </dgm:if>
-          <dgm:else name="Name95">
-            <dgm:constrLst>
-              <dgm:constr type="tMarg" refType="primFontSz" fact="0.1"/>
-              <dgm:constr type="bMarg" refType="primFontSz" fact="0.1"/>
-              <dgm:constr type="lMarg" refType="primFontSz" fact="0.1"/>
-            </dgm:constrLst>
-          </dgm:else>
-        </dgm:choose>
-        <dgm:ruleLst>
-          <dgm:rule type="primFontSz" val="5" fact="NaN" max="NaN"/>
-        </dgm:ruleLst>
-      </dgm:layoutNode>
-      <dgm:layoutNode name="line5" styleLbl="callout">
-        <dgm:alg type="sp"/>
-        <dgm:shape xmlns:r="http://schemas.openxmlformats.org/officeDocument/2006/relationships" type="line" r:blip="">
-          <dgm:adjLst/>
-        </dgm:shape>
-        <dgm:presOf/>
-        <dgm:constrLst/>
-        <dgm:ruleLst/>
-      </dgm:layoutNode>
-      <dgm:layoutNode name="d5" styleLbl="callout">
-        <dgm:alg type="sp"/>
-        <dgm:choose name="Name96">
-          <dgm:if name="Name97" func="var" arg="dir" op="equ" val="norm">
-            <dgm:shape xmlns:r="http://schemas.openxmlformats.org/officeDocument/2006/relationships" rot="90" type="line" r:blip="">
-              <dgm:adjLst/>
-            </dgm:shape>
-          </dgm:if>
-          <dgm:else name="Name98">
-            <dgm:shape xmlns:r="http://schemas.openxmlformats.org/officeDocument/2006/relationships" rot="180" type="line" r:blip="">
-              <dgm:adjLst/>
-            </dgm:shape>
-          </dgm:else>
-        </dgm:choose>
-        <dgm:presOf/>
-        <dgm:constrLst/>
-        <dgm:ruleLst/>
-      </dgm:layoutNode>
-    </dgm:forEach>
-  </dgm:layoutNode>
-</dgm:layoutDef>
-</file>
-
-<file path=ppt/diagrams/quickStyle1.xml><?xml version="1.0" encoding="utf-8"?>
-<dgm:styleDef xmlns:dgm="http://schemas.openxmlformats.org/drawingml/2006/diagram" xmlns:a="http://schemas.openxmlformats.org/drawingml/2006/main" uniqueId="urn:microsoft.com/office/officeart/2005/8/quickstyle/3d6">
-  <dgm:title val=""/>
-  <dgm:desc val=""/>
-  <dgm:catLst>
-    <dgm:cat type="3D" pri="11600"/>
-  </dgm:catLst>
-  <dgm:scene3d>
-    <a:camera prst="perspectiveRelaxedModerately" zoom="92000"/>
-    <a:lightRig rig="balanced" dir="t">
-      <a:rot lat="0" lon="0" rev="12700000"/>
-    </a:lightRig>
-  </dgm:scene3d>
-  <dgm:styleLbl name="node0">
-    <dgm:scene3d>
-      <a:camera prst="orthographicFront"/>
-      <a:lightRig rig="threePt" dir="t"/>
-    </dgm:scene3d>
-    <dgm:sp3d prstMaterial="plastic">
-      <a:bevelT w="50800" h="50800"/>
-      <a:bevelB w="50800" h="50800"/>
-    </dgm:sp3d>
-    <dgm:txPr/>
-    <dgm:style>
-      <a:lnRef idx="0">
-        <a:scrgbClr r="0" g="0" b="0"/>
-      </a:lnRef>
-      <a:fillRef idx="1">
-        <a:scrgbClr r="0" g="0" b="0"/>
-      </a:fillRef>
-      <a:effectRef idx="2">
-        <a:scrgbClr r="0" g="0" b="0"/>
-      </a:effectRef>
-      <a:fontRef idx="minor">
-        <a:schemeClr val="lt1"/>
-      </a:fontRef>
-    </dgm:style>
-  </dgm:styleLbl>
-  <dgm:styleLbl name="lnNode1">
-    <dgm:scene3d>
-      <a:camera prst="orthographicFront"/>
-      <a:lightRig rig="threePt" dir="t"/>
-    </dgm:scene3d>
-    <dgm:sp3d prstMaterial="plastic">
-      <a:bevelT w="50800" h="50800"/>
-      <a:bevelB w="50800" h="50800"/>
-    </dgm:sp3d>
-    <dgm:txPr/>
-    <dgm:style>
-      <a:lnRef idx="0">
-        <a:scrgbClr r="0" g="0" b="0"/>
-      </a:lnRef>
-      <a:fillRef idx="1">
-        <a:scrgbClr r="0" g="0" b="0"/>
-      </a:fillRef>
-      <a:effectRef idx="2">
-        <a:scrgbClr r="0" g="0" b="0"/>
-      </a:effectRef>
-      <a:fontRef idx="minor">
-        <a:schemeClr val="lt1"/>
-      </a:fontRef>
-    </dgm:style>
-  </dgm:styleLbl>
-  <dgm:styleLbl name="vennNode1">
-    <dgm:scene3d>
-      <a:camera prst="orthographicFront"/>
-      <a:lightRig rig="threePt" dir="t"/>
-    </dgm:scene3d>
-    <dgm:sp3d prstMaterial="plastic">
-      <a:bevelT w="50800" h="50800"/>
-      <a:bevelB w="50800" h="50800"/>
-    </dgm:sp3d>
-    <dgm:txPr/>
-    <dgm:style>
-      <a:lnRef idx="0">
-        <a:scrgbClr r="0" g="0" b="0"/>
-      </a:lnRef>
-      <a:fillRef idx="1">
-        <a:scrgbClr r="0" g="0" b="0"/>
-      </a:fillRef>
-      <a:effectRef idx="2">
-        <a:scrgbClr r="0" g="0" b="0"/>
-      </a:effectRef>
-      <a:fontRef idx="minor">
-        <a:schemeClr val="tx1"/>
-      </a:fontRef>
-    </dgm:style>
-  </dgm:styleLbl>
-  <dgm:styleLbl name="alignNode1">
-    <dgm:scene3d>
-      <a:camera prst="orthographicFront"/>
-      <a:lightRig rig="threePt" dir="t"/>
-    </dgm:scene3d>
-    <dgm:sp3d prstMaterial="plastic">
-      <a:bevelT w="50800" h="50800"/>
-      <a:bevelB w="50800" h="50800"/>
-    </dgm:sp3d>
-    <dgm:txPr/>
-    <dgm:style>
-      <a:lnRef idx="1">
-        <a:scrgbClr r="0" g="0" b="0"/>
-      </a:lnRef>
-      <a:fillRef idx="1">
-        <a:scrgbClr r="0" g="0" b="0"/>
-      </a:fillRef>
-      <a:effectRef idx="2">
-        <a:scrgbClr r="0" g="0" b="0"/>
-      </a:effectRef>
-      <a:fontRef idx="minor">
-        <a:schemeClr val="lt1"/>
-      </a:fontRef>
-    </dgm:style>
-  </dgm:styleLbl>
-  <dgm:styleLbl name="node1">
-    <dgm:scene3d>
-      <a:camera prst="orthographicFront"/>
-      <a:lightRig rig="threePt" dir="t"/>
-    </dgm:scene3d>
-    <dgm:sp3d prstMaterial="plastic">
-      <a:bevelT w="50800" h="50800"/>
-      <a:bevelB w="50800" h="50800"/>
-    </dgm:sp3d>
-    <dgm:txPr/>
-    <dgm:style>
-      <a:lnRef idx="0">
-        <a:scrgbClr r="0" g="0" b="0"/>
-      </a:lnRef>
-      <a:fillRef idx="1">
-        <a:scrgbClr r="0" g="0" b="0"/>
-      </a:fillRef>
-      <a:effectRef idx="2">
-        <a:scrgbClr r="0" g="0" b="0"/>
-      </a:effectRef>
-      <a:fontRef idx="minor">
-        <a:schemeClr val="lt1"/>
-      </a:fontRef>
-    </dgm:style>
-  </dgm:styleLbl>
-  <dgm:styleLbl name="node2">
-    <dgm:scene3d>
-      <a:camera prst="orthographicFront"/>
-      <a:lightRig rig="threePt" dir="t"/>
-    </dgm:scene3d>
-    <dgm:sp3d prstMaterial="plastic">
-      <a:bevelT w="50800" h="50800"/>
-      <a:bevelB w="50800" h="50800"/>
-    </dgm:sp3d>
-    <dgm:txPr/>
-    <dgm:style>
-      <a:lnRef idx="0">
-        <a:scrgbClr r="0" g="0" b="0"/>
-      </a:lnRef>
-      <a:fillRef idx="1">
-        <a:scrgbClr r="0" g="0" b="0"/>
-      </a:fillRef>
-      <a:effectRef idx="2">
-        <a:scrgbClr r="0" g="0" b="0"/>
-      </a:effectRef>
-      <a:fontRef idx="minor">
-        <a:schemeClr val="lt1"/>
-      </a:fontRef>
-    </dgm:style>
-  </dgm:styleLbl>
-  <dgm:styleLbl name="node3">
-    <dgm:scene3d>
-      <a:camera prst="orthographicFront"/>
-      <a:lightRig rig="threePt" dir="t"/>
-    </dgm:scene3d>
-    <dgm:sp3d prstMaterial="plastic">
-      <a:bevelT w="50800" h="50800"/>
-      <a:bevelB w="50800" h="50800"/>
-    </dgm:sp3d>
-    <dgm:txPr/>
-    <dgm:style>
-      <a:lnRef idx="0">
-        <a:scrgbClr r="0" g="0" b="0"/>
-      </a:lnRef>
-      <a:fillRef idx="1">
-        <a:scrgbClr r="0" g="0" b="0"/>
-      </a:fillRef>
-      <a:effectRef idx="2">
-        <a:scrgbClr r="0" g="0" b="0"/>
-      </a:effectRef>
-      <a:fontRef idx="minor">
-        <a:schemeClr val="lt1"/>
-      </a:fontRef>
-    </dgm:style>
-  </dgm:styleLbl>
-  <dgm:styleLbl name="node4">
-    <dgm:scene3d>
-      <a:camera prst="orthographicFront"/>
-      <a:lightRig rig="threePt" dir="t"/>
-    </dgm:scene3d>
-    <dgm:sp3d prstMaterial="plastic">
-      <a:bevelT w="50800" h="50800"/>
-      <a:bevelB w="50800" h="50800"/>
-    </dgm:sp3d>
-    <dgm:txPr/>
-    <dgm:style>
-      <a:lnRef idx="0">
-        <a:scrgbClr r="0" g="0" b="0"/>
-      </a:lnRef>
-      <a:fillRef idx="1">
-        <a:scrgbClr r="0" g="0" b="0"/>
-      </a:fillRef>
-      <a:effectRef idx="2">
-        <a:scrgbClr r="0" g="0" b="0"/>
-      </a:effectRef>
-      <a:fontRef idx="minor">
-        <a:schemeClr val="lt1"/>
-      </a:fontRef>
-    </dgm:style>
-  </dgm:styleLbl>
-  <dgm:styleLbl name="fgImgPlace1">
-    <dgm:scene3d>
-      <a:camera prst="orthographicFront"/>
-      <a:lightRig rig="threePt" dir="t"/>
-    </dgm:scene3d>
-    <dgm:sp3d z="50080" prstMaterial="plastic">
-      <a:bevelT w="50800" h="50800"/>
-      <a:bevelB w="50800" h="50800"/>
-    </dgm:sp3d>
-    <dgm:txPr/>
-    <dgm:style>
-      <a:lnRef idx="0">
-        <a:scrgbClr r="0" g="0" b="0"/>
-      </a:lnRef>
-      <a:fillRef idx="1">
-        <a:scrgbClr r="0" g="0" b="0"/>
-      </a:fillRef>
-      <a:effectRef idx="2">
-        <a:scrgbClr r="0" g="0" b="0"/>
-      </a:effectRef>
-      <a:fontRef idx="minor"/>
-    </dgm:style>
-  </dgm:styleLbl>
-  <dgm:styleLbl name="alignImgPlace1">
-    <dgm:scene3d>
-      <a:camera prst="orthographicFront"/>
-      <a:lightRig rig="threePt" dir="t"/>
-    </dgm:scene3d>
-    <dgm:sp3d prstMaterial="plastic">
-      <a:bevelT w="50800" h="50800"/>
-      <a:bevelB w="50800" h="50800"/>
-    </dgm:sp3d>
-    <dgm:txPr/>
-    <dgm:style>
-      <a:lnRef idx="0">
-        <a:scrgbClr r="0" g="0" b="0"/>
-      </a:lnRef>
-      <a:fillRef idx="1">
-        <a:scrgbClr r="0" g="0" b="0"/>
-      </a:fillRef>
-      <a:effectRef idx="2">
-        <a:scrgbClr r="0" g="0" b="0"/>
-      </a:effectRef>
-      <a:fontRef idx="minor"/>
-    </dgm:style>
-  </dgm:styleLbl>
-  <dgm:styleLbl name="bgImgPlace1">
-    <dgm:scene3d>
-      <a:camera prst="orthographicFront"/>
-      <a:lightRig rig="threePt" dir="t"/>
-    </dgm:scene3d>
-    <dgm:sp3d z="-54000" prstMaterial="plastic">
-      <a:bevelT w="50800" h="50800"/>
-      <a:bevelB w="50800" h="50800"/>
-    </dgm:sp3d>
-    <dgm:txPr/>
-    <dgm:style>
-      <a:lnRef idx="0">
-        <a:scrgbClr r="0" g="0" b="0"/>
-      </a:lnRef>
-      <a:fillRef idx="1">
-        <a:scrgbClr r="0" g="0" b="0"/>
-      </a:fillRef>
-      <a:effectRef idx="2">
-        <a:scrgbClr r="0" g="0" b="0"/>
-      </a:effectRef>
-      <a:fontRef idx="minor"/>
-    </dgm:style>
-  </dgm:styleLbl>
-  <dgm:styleLbl name="sibTrans2D1">
-    <dgm:scene3d>
-      <a:camera prst="orthographicFront"/>
-      <a:lightRig rig="threePt" dir="t"/>
-    </dgm:scene3d>
-    <dgm:sp3d z="-25400" prstMaterial="plastic">
-      <a:bevelT w="25400" h="25400"/>
-      <a:bevelB w="25400" h="25400"/>
-    </dgm:sp3d>
-    <dgm:txPr/>
-    <dgm:style>
-      <a:lnRef idx="1">
-        <a:scrgbClr r="0" g="0" b="0"/>
-      </a:lnRef>
-      <a:fillRef idx="1">
-        <a:scrgbClr r="0" g="0" b="0"/>
-      </a:fillRef>
-      <a:effectRef idx="2">
-        <a:scrgbClr r="0" g="0" b="0"/>
-      </a:effectRef>
-      <a:fontRef idx="minor">
-        <a:schemeClr val="lt1"/>
-      </a:fontRef>
-    </dgm:style>
-  </dgm:styleLbl>
-  <dgm:styleLbl name="fgSibTrans2D1">
-    <dgm:scene3d>
-      <a:camera prst="orthographicFront"/>
-      <a:lightRig rig="threePt" dir="t"/>
-    </dgm:scene3d>
-    <dgm:sp3d z="50080" prstMaterial="plastic">
-      <a:bevelT w="25400" h="25400"/>
-      <a:bevelB w="25400" h="25400"/>
-    </dgm:sp3d>
-    <dgm:txPr/>
-    <dgm:style>
-      <a:lnRef idx="1">
-        <a:scrgbClr r="0" g="0" b="0"/>
-      </a:lnRef>
-      <a:fillRef idx="1">
-        <a:scrgbClr r="0" g="0" b="0"/>
-      </a:fillRef>
-      <a:effectRef idx="2">
-        <a:scrgbClr r="0" g="0" b="0"/>
-      </a:effectRef>
-      <a:fontRef idx="minor">
-        <a:schemeClr val="lt1"/>
-      </a:fontRef>
-    </dgm:style>
-  </dgm:styleLbl>
-  <dgm:styleLbl name="bgSibTrans2D1">
-    <dgm:scene3d>
-      <a:camera prst="orthographicFront"/>
-      <a:lightRig rig="threePt" dir="t"/>
-    </dgm:scene3d>
-    <dgm:sp3d z="-54080" prstMaterial="plastic">
-      <a:bevelT w="25400" h="25400"/>
-      <a:bevelB w="25400" h="25400"/>
-    </dgm:sp3d>
-    <dgm:txPr/>
-    <dgm:style>
-      <a:lnRef idx="1">
-        <a:scrgbClr r="0" g="0" b="0"/>
-      </a:lnRef>
-      <a:fillRef idx="1">
-        <a:scrgbClr r="0" g="0" b="0"/>
-      </a:fillRef>
-      <a:effectRef idx="2">
-        <a:scrgbClr r="0" g="0" b="0"/>
-      </a:effectRef>
-      <a:fontRef idx="minor">
-        <a:schemeClr val="lt1"/>
-      </a:fontRef>
-    </dgm:style>
-  </dgm:styleLbl>
-  <dgm:styleLbl name="sibTrans1D1">
-    <dgm:scene3d>
-      <a:camera prst="orthographicFront"/>
-      <a:lightRig rig="threePt" dir="t"/>
-    </dgm:scene3d>
-    <dgm:sp3d z="-25400" prstMaterial="plastic"/>
-    <dgm:txPr/>
-    <dgm:style>
-      <a:lnRef idx="1">
-        <a:scrgbClr r="0" g="0" b="0"/>
-      </a:lnRef>
-      <a:fillRef idx="0">
-        <a:scrgbClr r="0" g="0" b="0"/>
-      </a:fillRef>
-      <a:effectRef idx="0">
-        <a:scrgbClr r="0" g="0" b="0"/>
-      </a:effectRef>
-      <a:fontRef idx="minor"/>
-    </dgm:style>
-  </dgm:styleLbl>
-  <dgm:styleLbl name="callout">
-    <dgm:scene3d>
-      <a:camera prst="orthographicFront"/>
-      <a:lightRig rig="threePt" dir="t"/>
-    </dgm:scene3d>
-    <dgm:sp3d z="75000" prstMaterial="plastic"/>
-    <dgm:txPr/>
-    <dgm:style>
-      <a:lnRef idx="2">
-        <a:scrgbClr r="0" g="0" b="0"/>
-      </a:lnRef>
-      <a:fillRef idx="1">
-        <a:scrgbClr r="0" g="0" b="0"/>
-      </a:fillRef>
-      <a:effectRef idx="0">
-        <a:scrgbClr r="0" g="0" b="0"/>
-      </a:effectRef>
-      <a:fontRef idx="minor"/>
-    </dgm:style>
-  </dgm:styleLbl>
-  <dgm:styleLbl name="asst0">
-    <dgm:scene3d>
-      <a:camera prst="orthographicFront"/>
-      <a:lightRig rig="threePt" dir="t"/>
-    </dgm:scene3d>
-    <dgm:sp3d prstMaterial="plastic">
-      <a:bevelT w="50800" h="50800"/>
-      <a:bevelB w="50800" h="50800"/>
-    </dgm:sp3d>
-    <dgm:txPr/>
-    <dgm:style>
-      <a:lnRef idx="0">
-        <a:scrgbClr r="0" g="0" b="0"/>
-      </a:lnRef>
-      <a:fillRef idx="1">
-        <a:scrgbClr r="0" g="0" b="0"/>
-      </a:fillRef>
-      <a:effectRef idx="2">
-        <a:scrgbClr r="0" g="0" b="0"/>
-      </a:effectRef>
-      <a:fontRef idx="minor">
-        <a:schemeClr val="lt1"/>
-      </a:fontRef>
-    </dgm:style>
-  </dgm:styleLbl>
-  <dgm:styleLbl name="asst1">
-    <dgm:scene3d>
-      <a:camera prst="orthographicFront"/>
-      <a:lightRig rig="threePt" dir="t"/>
-    </dgm:scene3d>
-    <dgm:sp3d prstMaterial="plastic">
-      <a:bevelT w="50800" h="50800"/>
-      <a:bevelB w="50800" h="50800"/>
-    </dgm:sp3d>
-    <dgm:txPr/>
-    <dgm:style>
-      <a:lnRef idx="0">
-        <a:scrgbClr r="0" g="0" b="0"/>
-      </a:lnRef>
-      <a:fillRef idx="1">
-        <a:scrgbClr r="0" g="0" b="0"/>
-      </a:fillRef>
-      <a:effectRef idx="2">
-        <a:scrgbClr r="0" g="0" b="0"/>
-      </a:effectRef>
-      <a:fontRef idx="minor">
-        <a:schemeClr val="lt1"/>
-      </a:fontRef>
-    </dgm:style>
-  </dgm:styleLbl>
-  <dgm:styleLbl name="asst2">
-    <dgm:scene3d>
-      <a:camera prst="orthographicFront"/>
-      <a:lightRig rig="threePt" dir="t"/>
-    </dgm:scene3d>
-    <dgm:sp3d prstMaterial="plastic">
-      <a:bevelT w="50800" h="50800"/>
-      <a:bevelB w="50800" h="50800"/>
-    </dgm:sp3d>
-    <dgm:txPr/>
-    <dgm:style>
-      <a:lnRef idx="0">
-        <a:scrgbClr r="0" g="0" b="0"/>
-      </a:lnRef>
-      <a:fillRef idx="1">
-        <a:scrgbClr r="0" g="0" b="0"/>
-      </a:fillRef>
-      <a:effectRef idx="2">
-        <a:scrgbClr r="0" g="0" b="0"/>
-      </a:effectRef>
-      <a:fontRef idx="minor">
-        <a:schemeClr val="lt1"/>
-      </a:fontRef>
-    </dgm:style>
-  </dgm:styleLbl>
-  <dgm:styleLbl name="asst3">
-    <dgm:scene3d>
-      <a:camera prst="orthographicFront"/>
-      <a:lightRig rig="threePt" dir="t"/>
-    </dgm:scene3d>
-    <dgm:sp3d prstMaterial="plastic">
-      <a:bevelT w="50800" h="50800"/>
-      <a:bevelB w="50800" h="50800"/>
-    </dgm:sp3d>
-    <dgm:txPr/>
-    <dgm:style>
-      <a:lnRef idx="0">
-        <a:scrgbClr r="0" g="0" b="0"/>
-      </a:lnRef>
-      <a:fillRef idx="1">
-        <a:scrgbClr r="0" g="0" b="0"/>
-      </a:fillRef>
-      <a:effectRef idx="2">
-        <a:scrgbClr r="0" g="0" b="0"/>
-      </a:effectRef>
-      <a:fontRef idx="minor">
-        <a:schemeClr val="lt1"/>
-      </a:fontRef>
-    </dgm:style>
-  </dgm:styleLbl>
-  <dgm:styleLbl name="parChTrans2D1">
-    <dgm:scene3d>
-      <a:camera prst="orthographicFront"/>
-      <a:lightRig rig="threePt" dir="t"/>
-    </dgm:scene3d>
-    <dgm:sp3d z="-25400" prstMaterial="plastic">
-      <a:bevelT w="25400" h="25400"/>
-      <a:bevelB w="25400" h="25400"/>
-    </dgm:sp3d>
-    <dgm:txPr/>
-    <dgm:style>
-      <a:lnRef idx="0">
-        <a:scrgbClr r="0" g="0" b="0"/>
-      </a:lnRef>
-      <a:fillRef idx="1">
-        <a:scrgbClr r="0" g="0" b="0"/>
-      </a:fillRef>
-      <a:effectRef idx="2">
-        <a:scrgbClr r="0" g="0" b="0"/>
-      </a:effectRef>
-      <a:fontRef idx="minor">
-        <a:schemeClr val="lt1"/>
-      </a:fontRef>
-    </dgm:style>
-  </dgm:styleLbl>
-  <dgm:styleLbl name="parChTrans2D2">
-    <dgm:scene3d>
-      <a:camera prst="orthographicFront"/>
-      <a:lightRig rig="threePt" dir="t"/>
-    </dgm:scene3d>
-    <dgm:sp3d z="-25400" prstMaterial="plastic">
-      <a:bevelT w="25400" h="25400"/>
-      <a:bevelB w="25400" h="25400"/>
-    </dgm:sp3d>
-    <dgm:txPr/>
-    <dgm:style>
-      <a:lnRef idx="0">
-        <a:scrgbClr r="0" g="0" b="0"/>
-      </a:lnRef>
-      <a:fillRef idx="1">
-        <a:scrgbClr r="0" g="0" b="0"/>
-      </a:fillRef>
-      <a:effectRef idx="2">
-        <a:scrgbClr r="0" g="0" b="0"/>
-      </a:effectRef>
-      <a:fontRef idx="minor">
-        <a:schemeClr val="lt1"/>
-      </a:fontRef>
-    </dgm:style>
-  </dgm:styleLbl>
-  <dgm:styleLbl name="parChTrans2D3">
-    <dgm:scene3d>
-      <a:camera prst="orthographicFront"/>
-      <a:lightRig rig="threePt" dir="t"/>
-    </dgm:scene3d>
-    <dgm:sp3d z="-25400" prstMaterial="plastic">
-      <a:bevelT w="25400" h="25400"/>
-      <a:bevelB w="25400" h="25400"/>
-    </dgm:sp3d>
-    <dgm:txPr/>
-    <dgm:style>
-      <a:lnRef idx="0">
-        <a:scrgbClr r="0" g="0" b="0"/>
-      </a:lnRef>
-      <a:fillRef idx="1">
-        <a:scrgbClr r="0" g="0" b="0"/>
-      </a:fillRef>
-      <a:effectRef idx="2">
-        <a:scrgbClr r="0" g="0" b="0"/>
-      </a:effectRef>
-      <a:fontRef idx="minor">
-        <a:schemeClr val="lt1"/>
-      </a:fontRef>
-    </dgm:style>
-  </dgm:styleLbl>
-  <dgm:styleLbl name="parChTrans2D4">
-    <dgm:scene3d>
-      <a:camera prst="orthographicFront"/>
-      <a:lightRig rig="threePt" dir="t"/>
-    </dgm:scene3d>
-    <dgm:sp3d z="-25400" prstMaterial="plastic">
-      <a:bevelT w="25400" h="25400"/>
-      <a:bevelB w="25400" h="25400"/>
-    </dgm:sp3d>
-    <dgm:txPr/>
-    <dgm:style>
-      <a:lnRef idx="0">
-        <a:scrgbClr r="0" g="0" b="0"/>
-      </a:lnRef>
-      <a:fillRef idx="1">
-        <a:scrgbClr r="0" g="0" b="0"/>
-      </a:fillRef>
-      <a:effectRef idx="2">
-        <a:scrgbClr r="0" g="0" b="0"/>
-      </a:effectRef>
-      <a:fontRef idx="minor">
-        <a:schemeClr val="lt1"/>
-      </a:fontRef>
-    </dgm:style>
-  </dgm:styleLbl>
-  <dgm:styleLbl name="parChTrans1D1">
-    <dgm:scene3d>
-      <a:camera prst="orthographicFront"/>
-      <a:lightRig rig="threePt" dir="t"/>
-    </dgm:scene3d>
-    <dgm:sp3d z="-25400" prstMaterial="plastic"/>
-    <dgm:txPr/>
-    <dgm:style>
-      <a:lnRef idx="2">
-        <a:scrgbClr r="0" g="0" b="0"/>
-      </a:lnRef>
-      <a:fillRef idx="0">
-        <a:scrgbClr r="0" g="0" b="0"/>
-      </a:fillRef>
-      <a:effectRef idx="0">
-        <a:scrgbClr r="0" g="0" b="0"/>
-      </a:effectRef>
-      <a:fontRef idx="minor">
-        <a:schemeClr val="tx1"/>
-      </a:fontRef>
-    </dgm:style>
-  </dgm:styleLbl>
-  <dgm:styleLbl name="parChTrans1D2">
-    <dgm:scene3d>
-      <a:camera prst="orthographicFront"/>
-      <a:lightRig rig="threePt" dir="t"/>
-    </dgm:scene3d>
-    <dgm:sp3d z="-25400" prstMaterial="plastic"/>
-    <dgm:txPr/>
-    <dgm:style>
-      <a:lnRef idx="2">
-        <a:scrgbClr r="0" g="0" b="0"/>
-      </a:lnRef>
-      <a:fillRef idx="0">
-        <a:scrgbClr r="0" g="0" b="0"/>
-      </a:fillRef>
-      <a:effectRef idx="0">
-        <a:scrgbClr r="0" g="0" b="0"/>
-      </a:effectRef>
-      <a:fontRef idx="minor">
-        <a:schemeClr val="tx1"/>
-      </a:fontRef>
-    </dgm:style>
-  </dgm:styleLbl>
-  <dgm:styleLbl name="parChTrans1D3">
-    <dgm:scene3d>
-      <a:camera prst="orthographicFront"/>
-      <a:lightRig rig="threePt" dir="t"/>
-    </dgm:scene3d>
-    <dgm:sp3d z="-25400" prstMaterial="plastic"/>
-    <dgm:txPr/>
-    <dgm:style>
-      <a:lnRef idx="2">
-        <a:scrgbClr r="0" g="0" b="0"/>
-      </a:lnRef>
-      <a:fillRef idx="0">
-        <a:scrgbClr r="0" g="0" b="0"/>
-      </a:fillRef>
-      <a:effectRef idx="0">
-        <a:scrgbClr r="0" g="0" b="0"/>
-      </a:effectRef>
-      <a:fontRef idx="minor">
-        <a:schemeClr val="tx1"/>
-      </a:fontRef>
-    </dgm:style>
-  </dgm:styleLbl>
-  <dgm:styleLbl name="parChTrans1D4">
-    <dgm:scene3d>
-      <a:camera prst="orthographicFront"/>
-      <a:lightRig rig="threePt" dir="t"/>
-    </dgm:scene3d>
-    <dgm:sp3d z="-25400" prstMaterial="plastic"/>
-    <dgm:txPr/>
-    <dgm:style>
-      <a:lnRef idx="2">
-        <a:scrgbClr r="0" g="0" b="0"/>
-      </a:lnRef>
-      <a:fillRef idx="0">
-        <a:scrgbClr r="0" g="0" b="0"/>
-      </a:fillRef>
-      <a:effectRef idx="0">
-        <a:scrgbClr r="0" g="0" b="0"/>
-      </a:effectRef>
-      <a:fontRef idx="minor">
-        <a:schemeClr val="tx1"/>
-      </a:fontRef>
-    </dgm:style>
-  </dgm:styleLbl>
-  <dgm:styleLbl name="fgAcc1">
-    <dgm:scene3d>
-      <a:camera prst="orthographicFront"/>
-      <a:lightRig rig="threePt" dir="t"/>
-    </dgm:scene3d>
-    <dgm:sp3d z="50080" prstMaterial="plastic">
-      <a:bevelT w="25400" h="25400"/>
-      <a:bevelB w="25400" h="25400"/>
-    </dgm:sp3d>
-    <dgm:txPr/>
-    <dgm:style>
-      <a:lnRef idx="1">
-        <a:scrgbClr r="0" g="0" b="0"/>
-      </a:lnRef>
-      <a:fillRef idx="1">
-        <a:scrgbClr r="0" g="0" b="0"/>
-      </a:fillRef>
-      <a:effectRef idx="2">
-        <a:scrgbClr r="0" g="0" b="0"/>
-      </a:effectRef>
-      <a:fontRef idx="minor"/>
-    </dgm:style>
-  </dgm:styleLbl>
-  <dgm:styleLbl name="conFgAcc1">
-    <dgm:scene3d>
-      <a:camera prst="orthographicFront"/>
-      <a:lightRig rig="threePt" dir="t"/>
-    </dgm:scene3d>
-    <dgm:sp3d z="-152400" prstMaterial="plastic">
-      <a:bevelT w="25400" h="25400"/>
-      <a:bevelB w="25400" h="25400"/>
-    </dgm:sp3d>
-    <dgm:txPr/>
-    <dgm:style>
-      <a:lnRef idx="1">
-        <a:scrgbClr r="0" g="0" b="0"/>
-      </a:lnRef>
-      <a:fillRef idx="1">
-        <a:scrgbClr r="0" g="0" b="0"/>
-      </a:fillRef>
-      <a:effectRef idx="2">
-        <a:scrgbClr r="0" g="0" b="0"/>
-      </a:effectRef>
-      <a:fontRef idx="minor"/>
-    </dgm:style>
-  </dgm:styleLbl>
-  <dgm:styleLbl name="alignAcc1">
-    <dgm:scene3d>
-      <a:camera prst="orthographicFront"/>
-      <a:lightRig rig="threePt" dir="t"/>
-    </dgm:scene3d>
-    <dgm:sp3d prstMaterial="plastic">
-      <a:bevelT w="25400" h="25400"/>
-      <a:bevelB w="25400" h="25400"/>
-    </dgm:sp3d>
-    <dgm:txPr/>
-    <dgm:style>
-      <a:lnRef idx="1">
-        <a:scrgbClr r="0" g="0" b="0"/>
-      </a:lnRef>
-      <a:fillRef idx="1">
-        <a:scrgbClr r="0" g="0" b="0"/>
-      </a:fillRef>
-      <a:effectRef idx="2">
-        <a:scrgbClr r="0" g="0" b="0"/>
-      </a:effectRef>
-      <a:fontRef idx="minor"/>
-    </dgm:style>
-  </dgm:styleLbl>
-  <dgm:styleLbl name="trAlignAcc1">
-    <dgm:scene3d>
-      <a:camera prst="orthographicFront"/>
-      <a:lightRig rig="threePt" dir="t"/>
-    </dgm:scene3d>
-    <dgm:sp3d prstMaterial="plastic">
-      <a:bevelT w="50800" h="50800"/>
-      <a:bevelB w="50800" h="50800"/>
-    </dgm:sp3d>
-    <dgm:txPr/>
-    <dgm:style>
-      <a:lnRef idx="1">
-        <a:scrgbClr r="0" g="0" b="0"/>
-      </a:lnRef>
-      <a:fillRef idx="1">
-        <a:scrgbClr r="0" g="0" b="0"/>
-      </a:fillRef>
-      <a:effectRef idx="2">
-        <a:scrgbClr r="0" g="0" b="0"/>
-      </a:effectRef>
-      <a:fontRef idx="minor"/>
-    </dgm:style>
-  </dgm:styleLbl>
-  <dgm:styleLbl name="bgAcc1">
-    <dgm:scene3d>
-      <a:camera prst="orthographicFront"/>
-      <a:lightRig rig="threePt" dir="t"/>
-    </dgm:scene3d>
-    <dgm:sp3d z="-152400" prstMaterial="plastic">
-      <a:bevelT w="25400" h="25400"/>
-      <a:bevelB w="25400" h="25400"/>
-    </dgm:sp3d>
-    <dgm:txPr/>
-    <dgm:style>
-      <a:lnRef idx="1">
-        <a:scrgbClr r="0" g="0" b="0"/>
-      </a:lnRef>
-      <a:fillRef idx="1">
-        <a:scrgbClr r="0" g="0" b="0"/>
-      </a:fillRef>
-      <a:effectRef idx="2">
-        <a:scrgbClr r="0" g="0" b="0"/>
-      </a:effectRef>
-      <a:fontRef idx="minor"/>
-    </dgm:style>
-  </dgm:styleLbl>
-  <dgm:styleLbl name="solidFgAcc1">
-    <dgm:scene3d>
-      <a:camera prst="orthographicFront"/>
-      <a:lightRig rig="threePt" dir="t"/>
-    </dgm:scene3d>
-    <dgm:sp3d z="152400" prstMaterial="plastic">
-      <a:bevelT w="25400" h="25400"/>
-      <a:bevelB w="25400" h="25400"/>
-    </dgm:sp3d>
-    <dgm:txPr/>
-    <dgm:style>
-      <a:lnRef idx="1">
-        <a:scrgbClr r="0" g="0" b="0"/>
-      </a:lnRef>
-      <a:fillRef idx="1">
-        <a:scrgbClr r="0" g="0" b="0"/>
-      </a:fillRef>
-      <a:effectRef idx="2">
-        <a:scrgbClr r="0" g="0" b="0"/>
-      </a:effectRef>
-      <a:fontRef idx="minor"/>
-    </dgm:style>
-  </dgm:styleLbl>
-  <dgm:styleLbl name="solidAlignAcc1">
-    <dgm:scene3d>
-      <a:camera prst="orthographicFront"/>
-      <a:lightRig rig="threePt" dir="t"/>
-    </dgm:scene3d>
-    <dgm:sp3d prstMaterial="plastic">
-      <a:bevelT w="25400" h="25400"/>
-      <a:bevelB w="25400" h="25400"/>
-    </dgm:sp3d>
-    <dgm:txPr/>
-    <dgm:style>
-      <a:lnRef idx="1">
-        <a:scrgbClr r="0" g="0" b="0"/>
-      </a:lnRef>
-      <a:fillRef idx="1">
-        <a:scrgbClr r="0" g="0" b="0"/>
-      </a:fillRef>
-      <a:effectRef idx="2">
-        <a:scrgbClr r="0" g="0" b="0"/>
-      </a:effectRef>
-      <a:fontRef idx="minor"/>
-    </dgm:style>
-  </dgm:styleLbl>
-  <dgm:styleLbl name="solidBgAcc1">
-    <dgm:scene3d>
-      <a:camera prst="orthographicFront"/>
-      <a:lightRig rig="threePt" dir="t"/>
-    </dgm:scene3d>
-    <dgm:sp3d z="-152400" prstMaterial="plastic">
-      <a:bevelT w="25400" h="25400"/>
-      <a:bevelB w="25400" h="25400"/>
-    </dgm:sp3d>
-    <dgm:txPr/>
-    <dgm:style>
-      <a:lnRef idx="1">
-        <a:scrgbClr r="0" g="0" b="0"/>
-      </a:lnRef>
-      <a:fillRef idx="1">
-        <a:scrgbClr r="0" g="0" b="0"/>
-      </a:fillRef>
-      <a:effectRef idx="2">
-        <a:scrgbClr r="0" g="0" b="0"/>
-      </a:effectRef>
-      <a:fontRef idx="minor"/>
-    </dgm:style>
-  </dgm:styleLbl>
-  <dgm:styleLbl name="fgAccFollowNode1">
-    <dgm:scene3d>
-      <a:camera prst="orthographicFront"/>
-      <a:lightRig rig="threePt" dir="t"/>
-    </dgm:scene3d>
-    <dgm:sp3d z="50080" prstMaterial="plastic">
-      <a:bevelT w="25400" h="25400"/>
-      <a:bevelB w="25400" h="25400"/>
-    </dgm:sp3d>
-    <dgm:txPr/>
-    <dgm:style>
-      <a:lnRef idx="0">
-        <a:scrgbClr r="0" g="0" b="0"/>
-      </a:lnRef>
-      <a:fillRef idx="1">
-        <a:scrgbClr r="0" g="0" b="0"/>
-      </a:fillRef>
-      <a:effectRef idx="2">
-        <a:scrgbClr r="0" g="0" b="0"/>
-      </a:effectRef>
-      <a:fontRef idx="minor"/>
-    </dgm:style>
-  </dgm:styleLbl>
-  <dgm:styleLbl name="alignAccFollowNode1">
-    <dgm:scene3d>
-      <a:camera prst="orthographicFront"/>
-      <a:lightRig rig="threePt" dir="t"/>
-    </dgm:scene3d>
-    <dgm:sp3d prstMaterial="plastic">
-      <a:bevelT w="25400" h="25400"/>
-      <a:bevelB w="25400" h="25400"/>
-    </dgm:sp3d>
-    <dgm:txPr/>
-    <dgm:style>
-      <a:lnRef idx="0">
-        <a:scrgbClr r="0" g="0" b="0"/>
-      </a:lnRef>
-      <a:fillRef idx="1">
-        <a:scrgbClr r="0" g="0" b="0"/>
-      </a:fillRef>
-      <a:effectRef idx="2">
-        <a:scrgbClr r="0" g="0" b="0"/>
-      </a:effectRef>
-      <a:fontRef idx="minor"/>
-    </dgm:style>
-  </dgm:styleLbl>
-  <dgm:styleLbl name="bgAccFollowNode1">
-    <dgm:scene3d>
-      <a:camera prst="orthographicFront"/>
-      <a:lightRig rig="threePt" dir="t"/>
-    </dgm:scene3d>
-    <dgm:sp3d z="-152400" prstMaterial="plastic">
-      <a:bevelT w="25400" h="25400"/>
-      <a:bevelB w="25400" h="25400"/>
-    </dgm:sp3d>
-    <dgm:txPr/>
-    <dgm:style>
-      <a:lnRef idx="0">
-        <a:scrgbClr r="0" g="0" b="0"/>
-      </a:lnRef>
-      <a:fillRef idx="1">
-        <a:scrgbClr r="0" g="0" b="0"/>
-      </a:fillRef>
-      <a:effectRef idx="2">
-        <a:scrgbClr r="0" g="0" b="0"/>
-      </a:effectRef>
-      <a:fontRef idx="minor"/>
-    </dgm:style>
-  </dgm:styleLbl>
-  <dgm:styleLbl name="fgAcc0">
-    <dgm:scene3d>
-      <a:camera prst="orthographicFront"/>
-      <a:lightRig rig="threePt" dir="t"/>
-    </dgm:scene3d>
-    <dgm:sp3d z="50080" prstMaterial="plastic">
-      <a:bevelT w="25400" h="25400"/>
-      <a:bevelB w="25400" h="25400"/>
-    </dgm:sp3d>
-    <dgm:txPr/>
-    <dgm:style>
-      <a:lnRef idx="1">
-        <a:scrgbClr r="0" g="0" b="0"/>
-      </a:lnRef>
-      <a:fillRef idx="1">
-        <a:scrgbClr r="0" g="0" b="0"/>
-      </a:fillRef>
-      <a:effectRef idx="0">
-        <a:scrgbClr r="0" g="0" b="0"/>
-      </a:effectRef>
-      <a:fontRef idx="minor"/>
-    </dgm:style>
-  </dgm:styleLbl>
-  <dgm:styleLbl name="fgAcc2">
-    <dgm:scene3d>
-      <a:camera prst="orthographicFront"/>
-      <a:lightRig rig="threePt" dir="t"/>
-    </dgm:scene3d>
-    <dgm:sp3d z="50080" prstMaterial="plastic">
-      <a:bevelT w="25400" h="25400"/>
-      <a:bevelB w="25400" h="25400"/>
-    </dgm:sp3d>
-    <dgm:txPr/>
-    <dgm:style>
-      <a:lnRef idx="1">
-        <a:scrgbClr r="0" g="0" b="0"/>
-      </a:lnRef>
-      <a:fillRef idx="1">
-        <a:scrgbClr r="0" g="0" b="0"/>
-      </a:fillRef>
-      <a:effectRef idx="0">
-        <a:scrgbClr r="0" g="0" b="0"/>
-      </a:effectRef>
-      <a:fontRef idx="minor"/>
-    </dgm:style>
-  </dgm:styleLbl>
-  <dgm:styleLbl name="fgAcc3">
-    <dgm:scene3d>
-      <a:camera prst="orthographicFront"/>
-      <a:lightRig rig="threePt" dir="t"/>
-    </dgm:scene3d>
-    <dgm:sp3d z="50080" prstMaterial="plastic">
-      <a:bevelT w="25400" h="25400"/>
-      <a:bevelB w="25400" h="25400"/>
-    </dgm:sp3d>
-    <dgm:txPr/>
-    <dgm:style>
-      <a:lnRef idx="1">
-        <a:scrgbClr r="0" g="0" b="0"/>
-      </a:lnRef>
-      <a:fillRef idx="1">
-        <a:scrgbClr r="0" g="0" b="0"/>
-      </a:fillRef>
-      <a:effectRef idx="0">
-        <a:scrgbClr r="0" g="0" b="0"/>
-      </a:effectRef>
-      <a:fontRef idx="minor"/>
-    </dgm:style>
-  </dgm:styleLbl>
-  <dgm:styleLbl name="fgAcc4">
-    <dgm:scene3d>
-      <a:camera prst="orthographicFront"/>
-      <a:lightRig rig="threePt" dir="t"/>
-    </dgm:scene3d>
-    <dgm:sp3d z="50080" prstMaterial="plastic">
-      <a:bevelT w="25400" h="25400"/>
-      <a:bevelB w="25400" h="25400"/>
-    </dgm:sp3d>
-    <dgm:txPr/>
-    <dgm:style>
-      <a:lnRef idx="1">
-        <a:scrgbClr r="0" g="0" b="0"/>
-      </a:lnRef>
-      <a:fillRef idx="1">
-        <a:scrgbClr r="0" g="0" b="0"/>
-      </a:fillRef>
-      <a:effectRef idx="0">
-        <a:scrgbClr r="0" g="0" b="0"/>
-      </a:effectRef>
-      <a:fontRef idx="minor"/>
-    </dgm:style>
-  </dgm:styleLbl>
-  <dgm:styleLbl name="bgShp">
-    <dgm:scene3d>
-      <a:camera prst="orthographicFront"/>
-      <a:lightRig rig="threePt" dir="t"/>
-    </dgm:scene3d>
-    <dgm:sp3d z="-152400" prstMaterial="plastic">
-      <a:bevelT w="25400" h="25400"/>
-      <a:bevelB w="25400" h="25400"/>
-    </dgm:sp3d>
-    <dgm:txPr/>
-    <dgm:style>
-      <a:lnRef idx="0">
-        <a:scrgbClr r="0" g="0" b="0"/>
-      </a:lnRef>
-      <a:fillRef idx="1">
-        <a:scrgbClr r="0" g="0" b="0"/>
-      </a:fillRef>
-      <a:effectRef idx="0">
-        <a:scrgbClr r="0" g="0" b="0"/>
-      </a:effectRef>
-      <a:fontRef idx="minor"/>
-    </dgm:style>
-  </dgm:styleLbl>
-  <dgm:styleLbl name="dkBgShp">
-    <dgm:scene3d>
-      <a:camera prst="orthographicFront"/>
-      <a:lightRig rig="threePt" dir="t"/>
-    </dgm:scene3d>
-    <dgm:sp3d prstMaterial="plastic">
-      <a:bevelT w="50800" h="50800"/>
-      <a:bevelB w="50800" h="50800"/>
-    </dgm:sp3d>
-    <dgm:txPr/>
-    <dgm:style>
-      <a:lnRef idx="0">
-        <a:scrgbClr r="0" g="0" b="0"/>
-      </a:lnRef>
-      <a:fillRef idx="1">
-        <a:scrgbClr r="0" g="0" b="0"/>
-      </a:fillRef>
-      <a:effectRef idx="2">
-        <a:scrgbClr r="0" g="0" b="0"/>
-      </a:effectRef>
-      <a:fontRef idx="minor"/>
-    </dgm:style>
-  </dgm:styleLbl>
-  <dgm:styleLbl name="trBgShp">
-    <dgm:scene3d>
-      <a:camera prst="orthographicFront"/>
-      <a:lightRig rig="threePt" dir="t"/>
-    </dgm:scene3d>
-    <dgm:sp3d z="-10400" extrusionH="12700" prstMaterial="plastic"/>
-    <dgm:txPr/>
-    <dgm:style>
-      <a:lnRef idx="0">
-        <a:scrgbClr r="0" g="0" b="0"/>
-      </a:lnRef>
-      <a:fillRef idx="1">
-        <a:scrgbClr r="0" g="0" b="0"/>
-      </a:fillRef>
-      <a:effectRef idx="0">
-        <a:scrgbClr r="0" g="0" b="0"/>
-      </a:effectRef>
-      <a:fontRef idx="minor"/>
-    </dgm:style>
-  </dgm:styleLbl>
-  <dgm:styleLbl name="fgShp">
-    <dgm:scene3d>
-      <a:camera prst="orthographicFront"/>
-      <a:lightRig rig="threePt" dir="t"/>
-    </dgm:scene3d>
-    <dgm:sp3d z="50080" prstMaterial="plastic">
-      <a:bevelT w="50800" h="50800"/>
-      <a:bevelB w="50800" h="50800"/>
-    </dgm:sp3d>
-    <dgm:txPr/>
-    <dgm:style>
-      <a:lnRef idx="0">
-        <a:scrgbClr r="0" g="0" b="0"/>
-      </a:lnRef>
-      <a:fillRef idx="1">
-        <a:scrgbClr r="0" g="0" b="0"/>
-      </a:fillRef>
-      <a:effectRef idx="2">
-        <a:scrgbClr r="0" g="0" b="0"/>
-      </a:effectRef>
-      <a:fontRef idx="minor"/>
-    </dgm:style>
-  </dgm:styleLbl>
-  <dgm:styleLbl name="revTx">
-    <dgm:scene3d>
-      <a:camera prst="orthographicFront"/>
-      <a:lightRig rig="threePt" dir="t"/>
-    </dgm:scene3d>
-    <dgm:sp3d/>
-    <dgm:txPr/>
-    <dgm:style>
-      <a:lnRef idx="0">
-        <a:scrgbClr r="0" g="0" b="0"/>
-      </a:lnRef>
-      <a:fillRef idx="1">
-        <a:scrgbClr r="0" g="0" b="0"/>
-      </a:fillRef>
-      <a:effectRef idx="0">
-        <a:scrgbClr r="0" g="0" b="0"/>
-      </a:effectRef>
-      <a:fontRef idx="minor"/>
-    </dgm:style>
-  </dgm:styleLbl>
-</dgm:styleDef>
-</file>
-
 <file path=ppt/notesMasters/notesMaster1.xml><?xml version="1.0" encoding="utf-8"?>
 <p:notesMaster xmlns:a="http://schemas.openxmlformats.org/drawingml/2006/main" xmlns:r="http://schemas.openxmlformats.org/officeDocument/2006/relationships" xmlns:p="http://schemas.openxmlformats.org/presentationml/2006/main">
   <p:cSld>
@@ -4226,7 +221,7 @@
             <a:fld id="{C238408C-6839-46EE-8131-EDA75C487F2E}" type="datetimeFigureOut">
               <a:rPr lang="en-US" smtClean="0"/>
               <a:pPr/>
-              <a:t>10/10/2017</a:t>
+              <a:t>10/11/2017</a:t>
             </a:fld>
             <a:endParaRPr lang="en-US"/>
           </a:p>
@@ -4558,7 +553,7 @@
             <a:fld id="{743653DA-8BF4-4869-96FE-9BCF43372D46}" type="datetimeFigureOut">
               <a:rPr lang="en-US" smtClean="0"/>
               <a:pPr/>
-              <a:t>10/10/2017</a:t>
+              <a:t>10/11/2017</a:t>
             </a:fld>
             <a:endParaRPr lang="en-US" dirty="0"/>
           </a:p>
@@ -5291,7 +1286,7 @@
             <a:fld id="{B7129108-AC8D-4212-9283-60D9E99BF07A}" type="datetimeFigureOut">
               <a:rPr lang="en-US" smtClean="0"/>
               <a:pPr/>
-              <a:t>10/10/2017</a:t>
+              <a:t>10/11/2017</a:t>
             </a:fld>
             <a:endParaRPr lang="en-US" dirty="0"/>
           </a:p>
@@ -5520,7 +1515,7 @@
             <a:fld id="{B6DED3D3-6235-4F4C-B439-DF277FB555A7}" type="datetimeFigureOut">
               <a:rPr lang="en-US" smtClean="0"/>
               <a:pPr/>
-              <a:t>10/10/2017</a:t>
+              <a:t>10/11/2017</a:t>
             </a:fld>
             <a:endParaRPr lang="en-US" dirty="0"/>
           </a:p>
@@ -5808,7 +1803,7 @@
             <a:fld id="{3B5F1E3E-4B2F-4895-B65E-28B2E64F39F6}" type="datetimeFigureOut">
               <a:rPr lang="en-US" smtClean="0"/>
               <a:pPr/>
-              <a:t>10/10/2017</a:t>
+              <a:t>10/11/2017</a:t>
             </a:fld>
             <a:endParaRPr lang="en-US" dirty="0"/>
           </a:p>
@@ -6280,7 +2275,7 @@
             <a:fld id="{63085435-8225-4333-BFFA-0096413F0D76}" type="datetimeFigureOut">
               <a:rPr lang="en-US" smtClean="0"/>
               <a:pPr/>
-              <a:t>10/10/2017</a:t>
+              <a:t>10/11/2017</a:t>
             </a:fld>
             <a:endParaRPr lang="en-US"/>
           </a:p>
@@ -6823,7 +2818,7 @@
             <a:fld id="{0783C494-2A87-468C-A21B-CB14FB9ABB00}" type="datetimeFigureOut">
               <a:rPr lang="en-US" smtClean="0"/>
               <a:pPr/>
-              <a:t>10/10/2017</a:t>
+              <a:t>10/11/2017</a:t>
             </a:fld>
             <a:endParaRPr lang="en-US"/>
           </a:p>
@@ -6915,7 +2910,7 @@
             <a:fld id="{9A180FA0-5B31-4864-A2BB-719EA5A679C6}" type="datetimeFigureOut">
               <a:rPr lang="en-US" smtClean="0"/>
               <a:pPr/>
-              <a:t>10/10/2017</a:t>
+              <a:t>10/11/2017</a:t>
             </a:fld>
             <a:endParaRPr lang="en-US"/>
           </a:p>
@@ -7169,7 +3164,7 @@
             <a:fld id="{4BECC0C8-36B8-442A-833D-B6AACE86BB77}" type="datetimeFigureOut">
               <a:rPr lang="en-US" smtClean="0"/>
               <a:pPr/>
-              <a:t>10/10/2017</a:t>
+              <a:t>10/11/2017</a:t>
             </a:fld>
             <a:endParaRPr lang="en-US"/>
           </a:p>
@@ -7438,7 +3433,7 @@
             <a:fld id="{51E20EC5-AC53-4169-941E-EDF10CD23748}" type="datetimeFigureOut">
               <a:rPr lang="en-US" smtClean="0"/>
               <a:pPr/>
-              <a:t>10/10/2017</a:t>
+              <a:t>10/11/2017</a:t>
             </a:fld>
             <a:endParaRPr lang="en-US" dirty="0"/>
           </a:p>
@@ -7852,7 +3847,7 @@
                 </a:solidFill>
               </a:rPr>
               <a:pPr/>
-              <a:t>10/10/2017</a:t>
+              <a:t>10/11/2017</a:t>
             </a:fld>
             <a:endParaRPr lang="en-US" sz="1100" dirty="0">
               <a:solidFill>
@@ -8398,21 +4393,6 @@
               <a:defRPr/>
             </a:pPr>
             <a:r>
-              <a:rPr kumimoji="0" lang="en-US" sz="2400" b="0" i="0" u="none" strike="noStrike" kern="1200" cap="none" spc="0" normalizeH="0" baseline="0" noProof="0" dirty="0" err="1" smtClean="0">
-                <a:ln>
-                  <a:noFill/>
-                </a:ln>
-                <a:solidFill>
-                  <a:schemeClr val="tx1"/>
-                </a:solidFill>
-                <a:effectLst/>
-                <a:uLnTx/>
-                <a:uFillTx/>
-                <a:cs typeface="Arial" pitchFamily="34" charset="0"/>
-              </a:rPr>
-              <a:t>Tedx</a:t>
-            </a:r>
-            <a:r>
               <a:rPr kumimoji="0" lang="en-US" sz="2400" b="0" i="0" u="none" strike="noStrike" kern="1200" cap="none" spc="0" normalizeH="0" baseline="0" noProof="0" dirty="0" smtClean="0">
                 <a:ln>
                   <a:noFill/>
@@ -8425,7 +4405,43 @@
                 <a:uFillTx/>
                 <a:cs typeface="Arial" pitchFamily="34" charset="0"/>
               </a:rPr>
-              <a:t> video by </a:t>
+              <a:t>Ted </a:t>
+            </a:r>
+            <a:r>
+              <a:rPr lang="en-US" sz="2400" dirty="0" smtClean="0">
+                <a:cs typeface="Arial" pitchFamily="34" charset="0"/>
+              </a:rPr>
+              <a:t>talk</a:t>
+            </a:r>
+            <a:r>
+              <a:rPr kumimoji="0" lang="en-US" sz="2400" b="0" i="0" u="none" strike="noStrike" kern="1200" cap="none" spc="0" normalizeH="0" baseline="0" noProof="0" dirty="0" smtClean="0">
+                <a:ln>
+                  <a:noFill/>
+                </a:ln>
+                <a:solidFill>
+                  <a:schemeClr val="tx1"/>
+                </a:solidFill>
+                <a:effectLst/>
+                <a:uLnTx/>
+                <a:uFillTx/>
+                <a:cs typeface="Arial" pitchFamily="34" charset="0"/>
+              </a:rPr>
+              <a:t> </a:t>
+            </a:r>
+            <a:r>
+              <a:rPr kumimoji="0" lang="en-US" sz="2400" b="0" i="0" u="none" strike="noStrike" kern="1200" cap="none" spc="0" normalizeH="0" baseline="0" noProof="0" dirty="0" smtClean="0">
+                <a:ln>
+                  <a:noFill/>
+                </a:ln>
+                <a:solidFill>
+                  <a:schemeClr val="tx1"/>
+                </a:solidFill>
+                <a:effectLst/>
+                <a:uLnTx/>
+                <a:uFillTx/>
+                <a:cs typeface="Arial" pitchFamily="34" charset="0"/>
+              </a:rPr>
+              <a:t>by </a:t>
             </a:r>
             <a:r>
               <a:rPr kumimoji="0" lang="en-US" sz="2400" b="0" i="0" u="none" strike="noStrike" kern="1200" cap="none" spc="0" normalizeH="0" baseline="0" noProof="0" dirty="0" err="1" smtClean="0">
@@ -8458,6 +4474,12 @@
               <a:t> </a:t>
             </a:r>
             <a:r>
+              <a:rPr lang="en-US" sz="2400" dirty="0" err="1">
+                <a:cs typeface="Arial" pitchFamily="34" charset="0"/>
+              </a:rPr>
+              <a:t>K</a:t>
+            </a:r>
+            <a:r>
               <a:rPr kumimoji="0" lang="en-US" sz="2400" b="0" i="0" u="none" strike="noStrike" kern="1200" cap="none" spc="0" normalizeH="0" baseline="0" noProof="0" dirty="0" err="1" smtClean="0">
                 <a:ln>
                   <a:noFill/>
@@ -8470,7 +4492,22 @@
                 <a:uFillTx/>
                 <a:cs typeface="Arial" pitchFamily="34" charset="0"/>
               </a:rPr>
-              <a:t>karidhal</a:t>
+              <a:t>aridhal</a:t>
+            </a:r>
+            <a:r>
+              <a:rPr kumimoji="0" lang="en-US" sz="2400" b="0" i="0" u="none" strike="noStrike" kern="1200" cap="none" spc="0" normalizeH="0" baseline="0" noProof="0" dirty="0" smtClean="0">
+                <a:ln>
+                  <a:noFill/>
+                </a:ln>
+                <a:solidFill>
+                  <a:schemeClr val="tx1"/>
+                </a:solidFill>
+                <a:effectLst/>
+                <a:uLnTx/>
+                <a:uFillTx/>
+                <a:cs typeface="Arial" pitchFamily="34" charset="0"/>
+              </a:rPr>
+              <a:t>,</a:t>
             </a:r>
             <a:endParaRPr kumimoji="0" lang="en-US" sz="2400" b="0" i="0" u="none" strike="noStrike" kern="1200" cap="none" spc="0" normalizeH="0" baseline="0" noProof="0" dirty="0" smtClean="0">
               <a:ln>
@@ -8505,7 +4542,13 @@
               <a:rPr lang="en-US" sz="2400" dirty="0" smtClean="0">
                 <a:cs typeface="Arial" pitchFamily="34" charset="0"/>
               </a:rPr>
-              <a:t>Deputy Operations directions</a:t>
+              <a:t>Deputy Operations </a:t>
+            </a:r>
+            <a:r>
+              <a:rPr lang="en-US" sz="2400" dirty="0" smtClean="0">
+                <a:cs typeface="Arial" pitchFamily="34" charset="0"/>
+              </a:rPr>
+              <a:t>director</a:t>
             </a:r>
             <a:endParaRPr kumimoji="0" lang="en-US" sz="2400" b="0" i="0" u="none" strike="noStrike" kern="1200" cap="none" spc="0" normalizeH="0" baseline="0" noProof="0" dirty="0">
               <a:ln>
@@ -8519,6 +4562,352 @@
               <a:uFillTx/>
               <a:cs typeface="Arial" pitchFamily="34" charset="0"/>
             </a:endParaRPr>
+          </a:p>
+        </p:txBody>
+      </p:sp>
+    </p:spTree>
+  </p:cSld>
+  <p:clrMapOvr>
+    <a:masterClrMapping/>
+  </p:clrMapOvr>
+  <p:timing>
+    <p:tnLst>
+      <p:par>
+        <p:cTn id="1" dur="indefinite" restart="never" nodeType="tmRoot"/>
+      </p:par>
+    </p:tnLst>
+  </p:timing>
+</p:sld>
+</file>
+
+<file path=ppt/slides/slide10.xml><?xml version="1.0" encoding="utf-8"?>
+<p:sld xmlns:a="http://schemas.openxmlformats.org/drawingml/2006/main" xmlns:r="http://schemas.openxmlformats.org/officeDocument/2006/relationships" xmlns:p="http://schemas.openxmlformats.org/presentationml/2006/main">
+  <p:cSld>
+    <p:spTree>
+      <p:nvGrpSpPr>
+        <p:cNvPr id="1" name=""/>
+        <p:cNvGrpSpPr/>
+        <p:nvPr/>
+      </p:nvGrpSpPr>
+      <p:grpSpPr>
+        <a:xfrm>
+          <a:off x="0" y="0"/>
+          <a:ext cx="0" cy="0"/>
+          <a:chOff x="0" y="0"/>
+          <a:chExt cx="0" cy="0"/>
+        </a:xfrm>
+      </p:grpSpPr>
+      <p:pic>
+        <p:nvPicPr>
+          <p:cNvPr id="3" name="Content Placeholder 2"/>
+          <p:cNvPicPr>
+            <a:picLocks noGrp="1" noChangeAspect="1"/>
+          </p:cNvPicPr>
+          <p:nvPr>
+            <p:ph sz="half" idx="2"/>
+          </p:nvPr>
+        </p:nvPicPr>
+        <p:blipFill>
+          <a:blip r:embed="rId2">
+            <a:extLst>
+              <a:ext uri="{28A0092B-C50C-407E-A947-70E740481C1C}">
+                <a14:useLocalDpi xmlns:a14="http://schemas.microsoft.com/office/drawing/2010/main" val="0"/>
+              </a:ext>
+            </a:extLst>
+          </a:blip>
+          <a:stretch>
+            <a:fillRect/>
+          </a:stretch>
+        </p:blipFill>
+        <p:spPr>
+          <a:xfrm>
+            <a:off x="0" y="0"/>
+            <a:ext cx="9144000" cy="6858000"/>
+          </a:xfrm>
+        </p:spPr>
+      </p:pic>
+    </p:spTree>
+    <p:extLst>
+      <p:ext uri="{BB962C8B-B14F-4D97-AF65-F5344CB8AC3E}">
+        <p14:creationId xmlns:p14="http://schemas.microsoft.com/office/powerpoint/2010/main" val="3952013672"/>
+      </p:ext>
+    </p:extLst>
+  </p:cSld>
+  <p:clrMapOvr>
+    <a:masterClrMapping/>
+  </p:clrMapOvr>
+  <p:timing>
+    <p:tnLst>
+      <p:par>
+        <p:cTn id="1" dur="indefinite" restart="never" nodeType="tmRoot"/>
+      </p:par>
+    </p:tnLst>
+  </p:timing>
+</p:sld>
+</file>
+
+<file path=ppt/slides/slide11.xml><?xml version="1.0" encoding="utf-8"?>
+<p:sld xmlns:a="http://schemas.openxmlformats.org/drawingml/2006/main" xmlns:r="http://schemas.openxmlformats.org/officeDocument/2006/relationships" xmlns:p="http://schemas.openxmlformats.org/presentationml/2006/main">
+  <p:cSld>
+    <p:spTree>
+      <p:nvGrpSpPr>
+        <p:cNvPr id="1" name=""/>
+        <p:cNvGrpSpPr/>
+        <p:nvPr/>
+      </p:nvGrpSpPr>
+      <p:grpSpPr>
+        <a:xfrm>
+          <a:off x="0" y="0"/>
+          <a:ext cx="0" cy="0"/>
+          <a:chOff x="0" y="0"/>
+          <a:chExt cx="0" cy="0"/>
+        </a:xfrm>
+      </p:grpSpPr>
+      <p:pic>
+        <p:nvPicPr>
+          <p:cNvPr id="3" name="Content Placeholder 2"/>
+          <p:cNvPicPr>
+            <a:picLocks noGrp="1" noChangeAspect="1"/>
+          </p:cNvPicPr>
+          <p:nvPr>
+            <p:ph sz="half" idx="2"/>
+          </p:nvPr>
+        </p:nvPicPr>
+        <p:blipFill>
+          <a:blip r:embed="rId2" cstate="print">
+            <a:extLst>
+              <a:ext uri="{28A0092B-C50C-407E-A947-70E740481C1C}">
+                <a14:useLocalDpi xmlns:a14="http://schemas.microsoft.com/office/drawing/2010/main" val="0"/>
+              </a:ext>
+            </a:extLst>
+          </a:blip>
+          <a:stretch>
+            <a:fillRect/>
+          </a:stretch>
+        </p:blipFill>
+        <p:spPr>
+          <a:xfrm>
+            <a:off x="152400" y="152400"/>
+            <a:ext cx="8763000" cy="5867400"/>
+          </a:xfrm>
+        </p:spPr>
+      </p:pic>
+    </p:spTree>
+    <p:extLst>
+      <p:ext uri="{BB962C8B-B14F-4D97-AF65-F5344CB8AC3E}">
+        <p14:creationId xmlns:p14="http://schemas.microsoft.com/office/powerpoint/2010/main" val="3559520355"/>
+      </p:ext>
+    </p:extLst>
+  </p:cSld>
+  <p:clrMapOvr>
+    <a:masterClrMapping/>
+  </p:clrMapOvr>
+  <p:timing>
+    <p:tnLst>
+      <p:par>
+        <p:cTn id="1" dur="indefinite" restart="never" nodeType="tmRoot"/>
+      </p:par>
+    </p:tnLst>
+  </p:timing>
+</p:sld>
+</file>
+
+<file path=ppt/slides/slide12.xml><?xml version="1.0" encoding="utf-8"?>
+<p:sld xmlns:a="http://schemas.openxmlformats.org/drawingml/2006/main" xmlns:r="http://schemas.openxmlformats.org/officeDocument/2006/relationships" xmlns:p="http://schemas.openxmlformats.org/presentationml/2006/main">
+  <p:cSld>
+    <p:spTree>
+      <p:nvGrpSpPr>
+        <p:cNvPr id="1" name=""/>
+        <p:cNvGrpSpPr/>
+        <p:nvPr/>
+      </p:nvGrpSpPr>
+      <p:grpSpPr>
+        <a:xfrm>
+          <a:off x="0" y="0"/>
+          <a:ext cx="0" cy="0"/>
+          <a:chOff x="0" y="0"/>
+          <a:chExt cx="0" cy="0"/>
+        </a:xfrm>
+      </p:grpSpPr>
+      <p:pic>
+        <p:nvPicPr>
+          <p:cNvPr id="3" name="Content Placeholder 2"/>
+          <p:cNvPicPr>
+            <a:picLocks noGrp="1" noChangeAspect="1"/>
+          </p:cNvPicPr>
+          <p:nvPr>
+            <p:ph sz="half" idx="2"/>
+          </p:nvPr>
+        </p:nvPicPr>
+        <p:blipFill>
+          <a:blip r:embed="rId2">
+            <a:extLst>
+              <a:ext uri="{28A0092B-C50C-407E-A947-70E740481C1C}">
+                <a14:useLocalDpi xmlns:a14="http://schemas.microsoft.com/office/drawing/2010/main" val="0"/>
+              </a:ext>
+            </a:extLst>
+          </a:blip>
+          <a:stretch>
+            <a:fillRect/>
+          </a:stretch>
+        </p:blipFill>
+        <p:spPr>
+          <a:xfrm>
+            <a:off x="0" y="609600"/>
+            <a:ext cx="9144000" cy="5562599"/>
+          </a:xfrm>
+        </p:spPr>
+      </p:pic>
+    </p:spTree>
+    <p:extLst>
+      <p:ext uri="{BB962C8B-B14F-4D97-AF65-F5344CB8AC3E}">
+        <p14:creationId xmlns:p14="http://schemas.microsoft.com/office/powerpoint/2010/main" val="1858997838"/>
+      </p:ext>
+    </p:extLst>
+  </p:cSld>
+  <p:clrMapOvr>
+    <a:masterClrMapping/>
+  </p:clrMapOvr>
+  <p:timing>
+    <p:tnLst>
+      <p:par>
+        <p:cTn id="1" dur="indefinite" restart="never" nodeType="tmRoot"/>
+      </p:par>
+    </p:tnLst>
+  </p:timing>
+</p:sld>
+</file>
+
+<file path=ppt/slides/slide13.xml><?xml version="1.0" encoding="utf-8"?>
+<p:sld xmlns:a="http://schemas.openxmlformats.org/drawingml/2006/main" xmlns:r="http://schemas.openxmlformats.org/officeDocument/2006/relationships" xmlns:p="http://schemas.openxmlformats.org/presentationml/2006/main">
+  <p:cSld>
+    <p:spTree>
+      <p:nvGrpSpPr>
+        <p:cNvPr id="1" name=""/>
+        <p:cNvGrpSpPr/>
+        <p:nvPr/>
+      </p:nvGrpSpPr>
+      <p:grpSpPr>
+        <a:xfrm>
+          <a:off x="0" y="0"/>
+          <a:ext cx="0" cy="0"/>
+          <a:chOff x="0" y="0"/>
+          <a:chExt cx="0" cy="0"/>
+        </a:xfrm>
+      </p:grpSpPr>
+      <p:sp>
+        <p:nvSpPr>
+          <p:cNvPr id="2" name="Title 1"/>
+          <p:cNvSpPr>
+            <a:spLocks noGrp="1"/>
+          </p:cNvSpPr>
+          <p:nvPr>
+            <p:ph type="title"/>
+          </p:nvPr>
+        </p:nvSpPr>
+        <p:spPr>
+          <a:xfrm>
+            <a:off x="914400" y="512064"/>
+            <a:ext cx="7086600" cy="914400"/>
+          </a:xfrm>
+        </p:spPr>
+        <p:txBody>
+          <a:bodyPr/>
+          <a:lstStyle/>
+          <a:p>
+            <a:r>
+              <a:rPr lang="en-US" dirty="0" smtClean="0">
+                <a:solidFill>
+                  <a:schemeClr val="tx1"/>
+                </a:solidFill>
+              </a:rPr>
+              <a:t>Conclusion</a:t>
+            </a:r>
+            <a:endParaRPr lang="en-US" dirty="0">
+              <a:solidFill>
+                <a:schemeClr val="tx1"/>
+              </a:solidFill>
+            </a:endParaRPr>
+          </a:p>
+        </p:txBody>
+      </p:sp>
+      <p:sp>
+        <p:nvSpPr>
+          <p:cNvPr id="3" name="Content Placeholder 2"/>
+          <p:cNvSpPr>
+            <a:spLocks noGrp="1"/>
+          </p:cNvSpPr>
+          <p:nvPr>
+            <p:ph idx="1"/>
+          </p:nvPr>
+        </p:nvSpPr>
+        <p:spPr>
+          <a:xfrm>
+            <a:off x="304800" y="2209800"/>
+            <a:ext cx="8610600" cy="4145760"/>
+          </a:xfrm>
+        </p:spPr>
+        <p:txBody>
+          <a:bodyPr/>
+          <a:lstStyle/>
+          <a:p>
+            <a:pPr lvl="0">
+              <a:buNone/>
+            </a:pPr>
+            <a:r>
+              <a:rPr lang="en-US" dirty="0" smtClean="0"/>
+              <a:t>We, </a:t>
+            </a:r>
+            <a:r>
+              <a:rPr lang="en-US" dirty="0" smtClean="0"/>
+              <a:t>no longer </a:t>
+            </a:r>
+            <a:r>
+              <a:rPr lang="en-US" dirty="0" smtClean="0"/>
+              <a:t>are behind from any other country. </a:t>
+            </a:r>
+            <a:endParaRPr lang="en-US" dirty="0" smtClean="0"/>
+          </a:p>
+          <a:p>
+            <a:pPr lvl="0">
+              <a:buNone/>
+            </a:pPr>
+            <a:r>
+              <a:rPr lang="en-US" dirty="0"/>
+              <a:t>	</a:t>
+            </a:r>
+            <a:r>
+              <a:rPr lang="en-US" dirty="0" smtClean="0"/>
+              <a:t>		    </a:t>
+            </a:r>
+            <a:r>
+              <a:rPr lang="en-US" dirty="0" smtClean="0"/>
+              <a:t>      </a:t>
+            </a:r>
+            <a:r>
+              <a:rPr lang="en-US" dirty="0" smtClean="0"/>
+              <a:t>Feel PROUD</a:t>
+            </a:r>
+            <a:r>
+              <a:rPr lang="en-US" dirty="0" smtClean="0"/>
+              <a:t>.</a:t>
+            </a:r>
+          </a:p>
+          <a:p>
+            <a:pPr lvl="0">
+              <a:buNone/>
+            </a:pPr>
+            <a:endParaRPr lang="en-US" dirty="0"/>
+          </a:p>
+          <a:p>
+            <a:pPr lvl="0">
+              <a:buNone/>
+            </a:pPr>
+            <a:r>
+              <a:rPr lang="en-US" dirty="0" smtClean="0"/>
+              <a:t>				     Thanks !</a:t>
+            </a:r>
+            <a:endParaRPr lang="en-US" dirty="0"/>
           </a:p>
         </p:txBody>
       </p:sp>
@@ -8614,7 +5003,7 @@
                   <a:schemeClr val="tx1"/>
                 </a:solidFill>
               </a:rPr>
-              <a:t>Mars Orbital Mission</a:t>
+              <a:t>Mars Orbiter Mission</a:t>
             </a:r>
           </a:p>
           <a:p>
@@ -8628,7 +5017,7 @@
       </p:sp>
       <p:pic>
         <p:nvPicPr>
-          <p:cNvPr id="7" name="Picture Placeholder 6"/>
+          <p:cNvPr id="5" name="Picture Placeholder 4"/>
           <p:cNvPicPr>
             <a:picLocks noGrp="1" noChangeAspect="1"/>
           </p:cNvPicPr>
@@ -8637,24 +5026,19 @@
           </p:nvPr>
         </p:nvPicPr>
         <p:blipFill>
-          <a:blip r:embed="rId2" cstate="print">
+          <a:blip r:embed="rId2">
             <a:extLst>
               <a:ext uri="{28A0092B-C50C-407E-A947-70E740481C1C}">
                 <a14:useLocalDpi xmlns:a14="http://schemas.microsoft.com/office/drawing/2010/main" val="0"/>
               </a:ext>
             </a:extLst>
           </a:blip>
-          <a:srcRect t="7762" b="7762"/>
+          <a:srcRect t="3980" b="3980"/>
           <a:stretch>
             <a:fillRect/>
           </a:stretch>
         </p:blipFill>
-        <p:spPr>
-          <a:xfrm>
-            <a:off x="76200" y="1822440"/>
-            <a:ext cx="8778240" cy="4960144"/>
-          </a:xfrm>
-        </p:spPr>
+        <p:spPr/>
       </p:pic>
     </p:spTree>
   </p:cSld>
@@ -9174,6 +5558,13 @@
   <p:clrMapOvr>
     <a:masterClrMapping/>
   </p:clrMapOvr>
+  <p:timing>
+    <p:tnLst>
+      <p:par>
+        <p:cTn id="1" dur="indefinite" restart="never" nodeType="tmRoot"/>
+      </p:par>
+    </p:tnLst>
+  </p:timing>
 </p:sld>
 </file>
 
@@ -9210,163 +5601,239 @@
           <a:lstStyle/>
           <a:p>
             <a:r>
-              <a:rPr lang="en-US" sz="4000" dirty="0" smtClean="0">
+              <a:rPr lang="en-US" sz="4000" dirty="0" smtClean="0"/>
+              <a:t>Earlier Days</a:t>
+            </a:r>
+            <a:endParaRPr lang="en-US" sz="4000" dirty="0"/>
+          </a:p>
+        </p:txBody>
+      </p:sp>
+      <p:sp>
+        <p:nvSpPr>
+          <p:cNvPr id="5" name="Text Placeholder 3"/>
+          <p:cNvSpPr txBox="1">
+            <a:spLocks/>
+          </p:cNvSpPr>
+          <p:nvPr/>
+        </p:nvSpPr>
+        <p:spPr>
+          <a:xfrm>
+            <a:off x="4495800" y="1843088"/>
+            <a:ext cx="4114800" cy="4405312"/>
+          </a:xfrm>
+          <a:prstGeom prst="rect">
+            <a:avLst/>
+          </a:prstGeom>
+        </p:spPr>
+        <p:txBody>
+          <a:bodyPr vert="horz">
+            <a:normAutofit/>
+          </a:bodyPr>
+          <a:lstStyle>
+            <a:lvl1pPr marL="27432" indent="0" algn="l" rtl="0" eaLnBrk="1" latinLnBrk="0" hangingPunct="1">
+              <a:spcBef>
+                <a:spcPts val="0"/>
+              </a:spcBef>
+              <a:buSzPct val="95000"/>
+              <a:buFont typeface="Wingdings"/>
+              <a:buNone/>
+              <a:defRPr sz="1400" kern="1200">
                 <a:solidFill>
                   <a:schemeClr val="tx1"/>
                 </a:solidFill>
-              </a:rPr>
-              <a:t>Facts about MOM</a:t>
-            </a:r>
-            <a:endParaRPr lang="en-US" sz="4000" dirty="0">
-              <a:solidFill>
-                <a:schemeClr val="tx1"/>
-              </a:solidFill>
-            </a:endParaRPr>
-          </a:p>
-        </p:txBody>
-      </p:sp>
-      <p:sp>
-        <p:nvSpPr>
-          <p:cNvPr id="3" name="Text Placeholder 2"/>
-          <p:cNvSpPr>
-            <a:spLocks noGrp="1"/>
-          </p:cNvSpPr>
-          <p:nvPr>
-            <p:ph type="body" idx="1"/>
-          </p:nvPr>
-        </p:nvSpPr>
+                <a:latin typeface="+mn-lt"/>
+                <a:ea typeface="+mn-ea"/>
+                <a:cs typeface="Arial" pitchFamily="34" charset="0"/>
+              </a:defRPr>
+            </a:lvl1pPr>
+            <a:lvl2pPr marL="740664" indent="-285750" algn="l" rtl="0" eaLnBrk="1" latinLnBrk="0" hangingPunct="1">
+              <a:spcBef>
+                <a:spcPct val="20000"/>
+              </a:spcBef>
+              <a:buClr>
+                <a:schemeClr val="accent2"/>
+              </a:buClr>
+              <a:buSzPct val="90000"/>
+              <a:buFont typeface="Wingdings"/>
+              <a:buChar char=""/>
+              <a:defRPr sz="1200" kern="1200">
+                <a:solidFill>
+                  <a:schemeClr val="tx1"/>
+                </a:solidFill>
+                <a:latin typeface="+mn-lt"/>
+                <a:ea typeface="+mn-ea"/>
+                <a:cs typeface="Arial" pitchFamily="34" charset="0"/>
+              </a:defRPr>
+            </a:lvl2pPr>
+            <a:lvl3pPr marL="996696" indent="-228600" algn="l" rtl="0" eaLnBrk="1" latinLnBrk="0" hangingPunct="1">
+              <a:spcBef>
+                <a:spcPct val="20000"/>
+              </a:spcBef>
+              <a:buClr>
+                <a:schemeClr val="accent2"/>
+              </a:buClr>
+              <a:buFont typeface="Wingdings 2"/>
+              <a:buChar char=""/>
+              <a:defRPr sz="1000" kern="1200">
+                <a:solidFill>
+                  <a:schemeClr val="tx1"/>
+                </a:solidFill>
+                <a:latin typeface="+mn-lt"/>
+                <a:ea typeface="+mn-ea"/>
+                <a:cs typeface="Arial" pitchFamily="34" charset="0"/>
+              </a:defRPr>
+            </a:lvl3pPr>
+            <a:lvl4pPr marL="1261872" indent="-228600" algn="l" rtl="0" eaLnBrk="1" latinLnBrk="0" hangingPunct="1">
+              <a:spcBef>
+                <a:spcPct val="20000"/>
+              </a:spcBef>
+              <a:buClr>
+                <a:schemeClr val="accent3"/>
+              </a:buClr>
+              <a:buFont typeface="Wingdings 3"/>
+              <a:buChar char=""/>
+              <a:defRPr sz="900" kern="1200">
+                <a:solidFill>
+                  <a:schemeClr val="tx1"/>
+                </a:solidFill>
+                <a:latin typeface="+mn-lt"/>
+                <a:ea typeface="+mn-ea"/>
+                <a:cs typeface="Arial" pitchFamily="34" charset="0"/>
+              </a:defRPr>
+            </a:lvl4pPr>
+            <a:lvl5pPr marL="1481328" indent="-210312" algn="l" rtl="0" eaLnBrk="1" latinLnBrk="0" hangingPunct="1">
+              <a:spcBef>
+                <a:spcPct val="20000"/>
+              </a:spcBef>
+              <a:buClr>
+                <a:schemeClr val="accent3"/>
+              </a:buClr>
+              <a:buFont typeface="Wingdings 2"/>
+              <a:buChar char=""/>
+              <a:defRPr sz="900" kern="1200">
+                <a:solidFill>
+                  <a:schemeClr val="tx1"/>
+                </a:solidFill>
+                <a:latin typeface="+mn-lt"/>
+                <a:ea typeface="+mn-ea"/>
+                <a:cs typeface="Arial" pitchFamily="34" charset="0"/>
+              </a:defRPr>
+            </a:lvl5pPr>
+            <a:lvl6pPr marL="1709928" indent="-210312" algn="l" rtl="0" eaLnBrk="1" latinLnBrk="0" hangingPunct="1">
+              <a:spcBef>
+                <a:spcPct val="20000"/>
+              </a:spcBef>
+              <a:buClr>
+                <a:schemeClr val="accent3"/>
+              </a:buClr>
+              <a:buFont typeface="Wingdings 2"/>
+              <a:buChar char=""/>
+              <a:defRPr sz="1800" kern="1200">
+                <a:solidFill>
+                  <a:schemeClr val="tx1"/>
+                </a:solidFill>
+                <a:latin typeface="+mn-lt"/>
+                <a:ea typeface="+mn-ea"/>
+                <a:cs typeface="+mn-cs"/>
+              </a:defRPr>
+            </a:lvl6pPr>
+            <a:lvl7pPr marL="1901952" indent="-182880" algn="l" rtl="0" eaLnBrk="1" latinLnBrk="0" hangingPunct="1">
+              <a:spcBef>
+                <a:spcPct val="20000"/>
+              </a:spcBef>
+              <a:buClr>
+                <a:schemeClr val="accent4"/>
+              </a:buClr>
+              <a:buFont typeface="Wingdings 2"/>
+              <a:buChar char=""/>
+              <a:defRPr sz="1600" kern="1200">
+                <a:solidFill>
+                  <a:schemeClr val="tx1"/>
+                </a:solidFill>
+                <a:latin typeface="+mn-lt"/>
+                <a:ea typeface="+mn-ea"/>
+                <a:cs typeface="+mn-cs"/>
+              </a:defRPr>
+            </a:lvl7pPr>
+            <a:lvl8pPr marL="2093976" indent="-182880" algn="l" rtl="0" eaLnBrk="1" latinLnBrk="0" hangingPunct="1">
+              <a:spcBef>
+                <a:spcPct val="20000"/>
+              </a:spcBef>
+              <a:buClr>
+                <a:schemeClr val="accent4"/>
+              </a:buClr>
+              <a:buFont typeface="Wingdings 2"/>
+              <a:buChar char=""/>
+              <a:defRPr sz="1600" kern="1200">
+                <a:solidFill>
+                  <a:schemeClr val="tx1"/>
+                </a:solidFill>
+                <a:latin typeface="+mn-lt"/>
+                <a:ea typeface="+mn-ea"/>
+                <a:cs typeface="+mn-cs"/>
+              </a:defRPr>
+            </a:lvl8pPr>
+            <a:lvl9pPr marL="2286000" indent="-182880" algn="l" rtl="0" eaLnBrk="1" latinLnBrk="0" hangingPunct="1">
+              <a:spcBef>
+                <a:spcPct val="20000"/>
+              </a:spcBef>
+              <a:buClr>
+                <a:schemeClr val="accent4"/>
+              </a:buClr>
+              <a:buFont typeface="Wingdings 2"/>
+              <a:buChar char=""/>
+              <a:defRPr sz="1600" kern="1200">
+                <a:solidFill>
+                  <a:schemeClr val="tx1"/>
+                </a:solidFill>
+                <a:latin typeface="+mn-lt"/>
+                <a:ea typeface="+mn-ea"/>
+                <a:cs typeface="+mn-cs"/>
+              </a:defRPr>
+            </a:lvl9pPr>
+            <a:extLst/>
+          </a:lstStyle>
+          <a:p>
+            <a:endParaRPr lang="en-US" sz="1800" dirty="0"/>
+          </a:p>
+        </p:txBody>
+      </p:sp>
+      <p:pic>
+        <p:nvPicPr>
+          <p:cNvPr id="3" name="Picture 2"/>
+          <p:cNvPicPr>
+            <a:picLocks noChangeAspect="1"/>
+          </p:cNvPicPr>
+          <p:nvPr/>
+        </p:nvPicPr>
+        <p:blipFill>
+          <a:blip r:embed="rId2">
+            <a:extLst>
+              <a:ext uri="{28A0092B-C50C-407E-A947-70E740481C1C}">
+                <a14:useLocalDpi xmlns:a14="http://schemas.microsoft.com/office/drawing/2010/main" val="0"/>
+              </a:ext>
+            </a:extLst>
+          </a:blip>
+          <a:stretch>
+            <a:fillRect/>
+          </a:stretch>
+        </p:blipFill>
         <p:spPr>
           <a:xfrm>
-            <a:off x="685800" y="1435100"/>
-            <a:ext cx="8153400" cy="4965700"/>
+            <a:off x="152400" y="1454944"/>
+            <a:ext cx="8839200" cy="5181600"/>
           </a:xfrm>
+          <a:prstGeom prst="rect">
+            <a:avLst/>
+          </a:prstGeom>
         </p:spPr>
-        <p:txBody>
-          <a:bodyPr/>
-          <a:lstStyle/>
-          <a:p>
-            <a:r>
-              <a:rPr lang="en-US" dirty="0" smtClean="0"/>
-              <a:t>There are some of the real </a:t>
-            </a:r>
-            <a:r>
-              <a:rPr lang="en-US" dirty="0" err="1" smtClean="0"/>
-              <a:t>criticle</a:t>
-            </a:r>
-            <a:r>
-              <a:rPr lang="en-US" dirty="0" smtClean="0"/>
-              <a:t> issues with the MOM</a:t>
-            </a:r>
-            <a:r>
-              <a:rPr lang="en-US" sz="1900" dirty="0" smtClean="0"/>
-              <a:t>:</a:t>
-            </a:r>
-            <a:endParaRPr lang="en-US" dirty="0" smtClean="0"/>
-          </a:p>
-          <a:p>
-            <a:pPr lvl="1">
-              <a:buFontTx/>
-              <a:buChar char="•"/>
-            </a:pPr>
-            <a:r>
-              <a:rPr lang="en-US" sz="1900" dirty="0" smtClean="0"/>
-              <a:t>Min distance - 54.6 million </a:t>
-            </a:r>
-            <a:r>
-              <a:rPr lang="en-US" sz="1900" dirty="0" err="1" smtClean="0"/>
-              <a:t>kms</a:t>
-            </a:r>
-            <a:endParaRPr lang="en-US" sz="1900" dirty="0" smtClean="0"/>
-          </a:p>
-          <a:p>
-            <a:pPr marL="454914" lvl="1" indent="0"/>
-            <a:endParaRPr lang="en-US" sz="800" dirty="0" smtClean="0"/>
-          </a:p>
-          <a:p>
-            <a:pPr lvl="1">
-              <a:buFontTx/>
-              <a:buChar char="•"/>
-            </a:pPr>
-            <a:r>
-              <a:rPr lang="en-US" sz="1900" dirty="0" smtClean="0"/>
-              <a:t>Max distance – 401 million </a:t>
-            </a:r>
-            <a:r>
-              <a:rPr lang="en-US" sz="1900" dirty="0" err="1" smtClean="0"/>
-              <a:t>kms</a:t>
-            </a:r>
-            <a:endParaRPr lang="en-US" sz="1900" dirty="0" smtClean="0"/>
-          </a:p>
-          <a:p>
-            <a:pPr lvl="1">
-              <a:buFontTx/>
-              <a:buChar char="•"/>
-            </a:pPr>
-            <a:endParaRPr lang="en-US" sz="800" dirty="0" smtClean="0"/>
-          </a:p>
-          <a:p>
-            <a:pPr lvl="1">
-              <a:buFontTx/>
-              <a:buChar char="•"/>
-            </a:pPr>
-            <a:r>
-              <a:rPr lang="en-US" sz="1900" dirty="0" smtClean="0"/>
-              <a:t>4</a:t>
-            </a:r>
-            <a:r>
-              <a:rPr lang="en-US" sz="1900" baseline="30000" dirty="0" smtClean="0"/>
-              <a:t>th</a:t>
-            </a:r>
-            <a:r>
-              <a:rPr lang="en-US" sz="1900" dirty="0" smtClean="0"/>
-              <a:t> bullet point</a:t>
-            </a:r>
-          </a:p>
-          <a:p>
-            <a:pPr lvl="1">
-              <a:buFontTx/>
-              <a:buChar char="•"/>
-            </a:pPr>
-            <a:endParaRPr lang="en-US" sz="800" dirty="0" smtClean="0"/>
-          </a:p>
-          <a:p>
-            <a:pPr lvl="1">
-              <a:buFontTx/>
-              <a:buChar char="•"/>
-            </a:pPr>
-            <a:r>
-              <a:rPr lang="en-US" sz="1900" dirty="0" smtClean="0"/>
-              <a:t>5</a:t>
-            </a:r>
-            <a:r>
-              <a:rPr lang="en-US" sz="1900" baseline="30000" dirty="0" smtClean="0"/>
-              <a:t>th</a:t>
-            </a:r>
-            <a:r>
-              <a:rPr lang="en-US" sz="1900" dirty="0" smtClean="0"/>
-              <a:t> bullet point</a:t>
-            </a:r>
-            <a:endParaRPr lang="en-US" dirty="0"/>
-          </a:p>
-        </p:txBody>
-      </p:sp>
-      <p:graphicFrame>
-        <p:nvGraphicFramePr>
-          <p:cNvPr id="7" name="Diagram 6"/>
-          <p:cNvGraphicFramePr/>
-          <p:nvPr/>
-        </p:nvGraphicFramePr>
-        <p:xfrm>
-          <a:off x="3276600" y="2743200"/>
-          <a:ext cx="5715000" cy="3657600"/>
-        </p:xfrm>
-        <a:graphic>
-          <a:graphicData uri="http://schemas.openxmlformats.org/drawingml/2006/diagram">
-            <dgm:relIds xmlns:dgm="http://schemas.openxmlformats.org/drawingml/2006/diagram" xmlns:r="http://schemas.openxmlformats.org/officeDocument/2006/relationships" r:dm="rId2" r:lo="rId3" r:qs="rId4" r:cs="rId5"/>
-          </a:graphicData>
-        </a:graphic>
-      </p:graphicFrame>
+      </p:pic>
     </p:spTree>
+    <p:extLst>
+      <p:ext uri="{BB962C8B-B14F-4D97-AF65-F5344CB8AC3E}">
+        <p14:creationId xmlns:p14="http://schemas.microsoft.com/office/powerpoint/2010/main" val="107196225"/>
+      </p:ext>
+    </p:extLst>
   </p:cSld>
   <p:clrMapOvr>
     <a:masterClrMapping/>
@@ -9419,7 +5886,7 @@
                   <a:schemeClr val="tx1"/>
                 </a:solidFill>
               </a:rPr>
-              <a:t>Variables</a:t>
+              <a:t>Facts about Mars</a:t>
             </a:r>
             <a:endParaRPr lang="en-US" sz="4000" dirty="0">
               <a:solidFill>
@@ -9441,8 +5908,8 @@
         </p:nvSpPr>
         <p:spPr>
           <a:xfrm>
-            <a:off x="685800" y="1219200"/>
-            <a:ext cx="8229600" cy="4787900"/>
+            <a:off x="685800" y="1905000"/>
+            <a:ext cx="8153400" cy="4495800"/>
           </a:xfrm>
         </p:spPr>
         <p:txBody>
@@ -9451,1672 +5918,83 @@
           </a:bodyPr>
           <a:lstStyle/>
           <a:p>
-            <a:pPr marL="411480" lvl="0" indent="-342900">
-              <a:buFont typeface="Wingdings"/>
-              <a:buChar char=""/>
-              <a:defRPr/>
+            <a:endParaRPr lang="en-US" sz="2800" dirty="0" smtClean="0"/>
+          </a:p>
+          <a:p>
+            <a:pPr lvl="1">
+              <a:buFontTx/>
+              <a:buChar char="•"/>
             </a:pPr>
             <a:r>
-              <a:rPr lang="en-US" sz="1400" dirty="0" smtClean="0"/>
-              <a:t>Controlled variables:  These are the things that are kept the same throughout your experiments.</a:t>
-            </a:r>
-          </a:p>
-          <a:p>
-            <a:pPr marL="411480" lvl="0" indent="-342900">
-              <a:buFont typeface="Wingdings"/>
-              <a:buChar char=""/>
-              <a:defRPr/>
+              <a:rPr lang="en-US" sz="2800" dirty="0" smtClean="0"/>
+              <a:t>Min distance - 54.6 million km</a:t>
+            </a:r>
+          </a:p>
+          <a:p>
+            <a:pPr lvl="1">
+              <a:buFontTx/>
+              <a:buChar char="•"/>
             </a:pPr>
             <a:r>
-              <a:rPr lang="en-US" sz="1400" dirty="0" smtClean="0"/>
-              <a:t>Independent variable:  The </a:t>
-            </a:r>
-            <a:r>
-              <a:rPr lang="en-US" sz="1400" u="sng" dirty="0" smtClean="0"/>
-              <a:t>one</a:t>
-            </a:r>
-            <a:r>
-              <a:rPr lang="en-US" sz="1400" dirty="0" smtClean="0"/>
-              <a:t> variable that you purposely change and test.</a:t>
-            </a:r>
-          </a:p>
-          <a:p>
-            <a:pPr marL="411480" lvl="0" indent="-342900">
-              <a:buFont typeface="Wingdings"/>
-              <a:buChar char=""/>
-              <a:defRPr/>
+              <a:rPr lang="en-US" sz="2800" dirty="0" smtClean="0"/>
+              <a:t>Max distance – 401 million km</a:t>
+            </a:r>
+          </a:p>
+          <a:p>
+            <a:pPr lvl="1">
+              <a:buFontTx/>
+              <a:buChar char="•"/>
             </a:pPr>
             <a:r>
-              <a:rPr lang="en-US" sz="1400" dirty="0" smtClean="0"/>
-              <a:t>Dependent variable:  The measure of change observed because of the independent variable.  It is important to decide how you are going to measure the change.</a:t>
-            </a:r>
-          </a:p>
-          <a:p>
-            <a:endParaRPr lang="en-US" sz="1400" dirty="0"/>
-          </a:p>
-        </p:txBody>
-      </p:sp>
-      <p:graphicFrame>
-        <p:nvGraphicFramePr>
-          <p:cNvPr id="5" name="Table 4"/>
-          <p:cNvGraphicFramePr>
-            <a:graphicFrameLocks noGrp="1"/>
-          </p:cNvGraphicFramePr>
-          <p:nvPr/>
-        </p:nvGraphicFramePr>
-        <p:xfrm>
-          <a:off x="2438400" y="2438400"/>
-          <a:ext cx="4876800" cy="4267200"/>
-        </p:xfrm>
-        <a:graphic>
-          <a:graphicData uri="http://schemas.openxmlformats.org/drawingml/2006/table">
-            <a:tbl>
-              <a:tblPr firstRow="1" bandRow="1">
-                <a:tableStyleId>{8A107856-5554-42FB-B03E-39F5DBC370BA}</a:tableStyleId>
-              </a:tblPr>
-              <a:tblGrid>
-                <a:gridCol w="1161143">
-                  <a:extLst>
-                    <a:ext uri="{9D8B030D-6E8A-4147-A177-3AD203B41FA5}">
-                      <a16:colId xmlns:a16="http://schemas.microsoft.com/office/drawing/2014/main" val="20000"/>
-                    </a:ext>
-                  </a:extLst>
-                </a:gridCol>
-                <a:gridCol w="1277257">
-                  <a:extLst>
-                    <a:ext uri="{9D8B030D-6E8A-4147-A177-3AD203B41FA5}">
-                      <a16:colId xmlns:a16="http://schemas.microsoft.com/office/drawing/2014/main" val="20001"/>
-                    </a:ext>
-                  </a:extLst>
-                </a:gridCol>
-                <a:gridCol w="1219200">
-                  <a:extLst>
-                    <a:ext uri="{9D8B030D-6E8A-4147-A177-3AD203B41FA5}">
-                      <a16:colId xmlns:a16="http://schemas.microsoft.com/office/drawing/2014/main" val="20002"/>
-                    </a:ext>
-                  </a:extLst>
-                </a:gridCol>
-                <a:gridCol w="1219200">
-                  <a:extLst>
-                    <a:ext uri="{9D8B030D-6E8A-4147-A177-3AD203B41FA5}">
-                      <a16:colId xmlns:a16="http://schemas.microsoft.com/office/drawing/2014/main" val="20003"/>
-                    </a:ext>
-                  </a:extLst>
-                </a:gridCol>
-              </a:tblGrid>
-              <a:tr h="1016000">
-                <a:tc>
-                  <a:txBody>
-                    <a:bodyPr/>
-                    <a:lstStyle/>
-                    <a:p>
-                      <a:r>
-                        <a:rPr lang="en-US" dirty="0" smtClean="0">
-                          <a:solidFill>
-                            <a:schemeClr val="tx1"/>
-                          </a:solidFill>
-                          <a:latin typeface="Gill Sans MT" pitchFamily="34" charset="0"/>
-                        </a:rPr>
-                        <a:t>Planet</a:t>
-                      </a:r>
-                      <a:endParaRPr lang="en-US" dirty="0">
-                        <a:solidFill>
-                          <a:schemeClr val="tx1"/>
-                        </a:solidFill>
-                        <a:latin typeface="Gill Sans MT" pitchFamily="34" charset="0"/>
-                      </a:endParaRPr>
-                    </a:p>
-                  </a:txBody>
-                  <a:tcPr>
-                    <a:gradFill>
-                      <a:gsLst>
-                        <a:gs pos="0">
-                          <a:schemeClr val="bg1">
-                            <a:shade val="100000"/>
-                            <a:satMod val="150000"/>
-                          </a:schemeClr>
-                        </a:gs>
-                        <a:gs pos="65000">
-                          <a:schemeClr val="bg1">
-                            <a:shade val="90000"/>
-                            <a:satMod val="375000"/>
-                          </a:schemeClr>
-                        </a:gs>
-                        <a:gs pos="100000">
-                          <a:schemeClr val="bg2">
-                            <a:tint val="88000"/>
-                            <a:satMod val="400000"/>
-                          </a:schemeClr>
-                        </a:gs>
-                      </a:gsLst>
-                      <a:lin ang="5400000" scaled="0"/>
-                    </a:gradFill>
-                  </a:tcPr>
-                </a:tc>
-                <a:tc>
-                  <a:txBody>
-                    <a:bodyPr/>
-                    <a:lstStyle/>
-                    <a:p>
-                      <a:r>
-                        <a:rPr lang="en-US" dirty="0" smtClean="0">
-                          <a:solidFill>
-                            <a:schemeClr val="tx1"/>
-                          </a:solidFill>
-                          <a:latin typeface="Gill Sans MT" pitchFamily="34" charset="0"/>
-                        </a:rPr>
-                        <a:t>Mass</a:t>
-                      </a:r>
-                      <a:endParaRPr lang="en-US" dirty="0">
-                        <a:solidFill>
-                          <a:schemeClr val="tx1"/>
-                        </a:solidFill>
-                        <a:latin typeface="Gill Sans MT" pitchFamily="34" charset="0"/>
-                      </a:endParaRPr>
-                    </a:p>
-                  </a:txBody>
-                  <a:tcPr>
-                    <a:gradFill>
-                      <a:gsLst>
-                        <a:gs pos="0">
-                          <a:schemeClr val="bg1">
-                            <a:shade val="100000"/>
-                            <a:satMod val="150000"/>
-                          </a:schemeClr>
-                        </a:gs>
-                        <a:gs pos="65000">
-                          <a:schemeClr val="bg1">
-                            <a:shade val="90000"/>
-                            <a:satMod val="375000"/>
-                          </a:schemeClr>
-                        </a:gs>
-                        <a:gs pos="100000">
-                          <a:schemeClr val="bg2">
-                            <a:tint val="88000"/>
-                            <a:satMod val="400000"/>
-                          </a:schemeClr>
-                        </a:gs>
-                      </a:gsLst>
-                      <a:lin ang="5400000" scaled="0"/>
-                    </a:gradFill>
-                  </a:tcPr>
-                </a:tc>
-                <a:tc>
-                  <a:txBody>
-                    <a:bodyPr/>
-                    <a:lstStyle/>
-                    <a:p>
-                      <a:r>
-                        <a:rPr lang="en-US" dirty="0" smtClean="0">
-                          <a:solidFill>
-                            <a:schemeClr val="tx1"/>
-                          </a:solidFill>
-                          <a:latin typeface="Gill Sans MT" pitchFamily="34" charset="0"/>
-                        </a:rPr>
-                        <a:t>Period of rotation </a:t>
-                      </a:r>
-                      <a:endParaRPr lang="en-US" dirty="0">
-                        <a:solidFill>
-                          <a:schemeClr val="tx1"/>
-                        </a:solidFill>
-                        <a:latin typeface="Gill Sans MT" pitchFamily="34" charset="0"/>
-                      </a:endParaRPr>
-                    </a:p>
-                  </a:txBody>
-                  <a:tcPr>
-                    <a:gradFill>
-                      <a:gsLst>
-                        <a:gs pos="0">
-                          <a:schemeClr val="bg1">
-                            <a:shade val="100000"/>
-                            <a:satMod val="150000"/>
-                          </a:schemeClr>
-                        </a:gs>
-                        <a:gs pos="65000">
-                          <a:schemeClr val="bg1">
-                            <a:shade val="90000"/>
-                            <a:satMod val="375000"/>
-                          </a:schemeClr>
-                        </a:gs>
-                        <a:gs pos="100000">
-                          <a:schemeClr val="bg2">
-                            <a:tint val="88000"/>
-                            <a:satMod val="400000"/>
-                          </a:schemeClr>
-                        </a:gs>
-                      </a:gsLst>
-                      <a:lin ang="5400000" scaled="0"/>
-                    </a:gradFill>
-                  </a:tcPr>
-                </a:tc>
-                <a:tc>
-                  <a:txBody>
-                    <a:bodyPr/>
-                    <a:lstStyle/>
-                    <a:p>
-                      <a:r>
-                        <a:rPr lang="en-US" dirty="0" smtClean="0">
-                          <a:solidFill>
-                            <a:schemeClr val="tx1"/>
-                          </a:solidFill>
-                          <a:latin typeface="Gill Sans MT" pitchFamily="34" charset="0"/>
-                        </a:rPr>
-                        <a:t>Distance from the sun </a:t>
-                      </a:r>
-                      <a:endParaRPr lang="en-US" dirty="0">
-                        <a:solidFill>
-                          <a:schemeClr val="tx1"/>
-                        </a:solidFill>
-                        <a:latin typeface="Gill Sans MT" pitchFamily="34" charset="0"/>
-                      </a:endParaRPr>
-                    </a:p>
-                  </a:txBody>
-                  <a:tcPr>
-                    <a:gradFill>
-                      <a:gsLst>
-                        <a:gs pos="0">
-                          <a:schemeClr val="bg1">
-                            <a:shade val="100000"/>
-                            <a:satMod val="150000"/>
-                          </a:schemeClr>
-                        </a:gs>
-                        <a:gs pos="65000">
-                          <a:schemeClr val="bg1">
-                            <a:shade val="90000"/>
-                            <a:satMod val="375000"/>
-                          </a:schemeClr>
-                        </a:gs>
-                        <a:gs pos="100000">
-                          <a:schemeClr val="bg2">
-                            <a:tint val="88000"/>
-                            <a:satMod val="400000"/>
-                          </a:schemeClr>
-                        </a:gs>
-                      </a:gsLst>
-                      <a:lin ang="5400000" scaled="0"/>
-                    </a:gradFill>
-                  </a:tcPr>
-                </a:tc>
-                <a:extLst>
-                  <a:ext uri="{0D108BD9-81ED-4DB2-BD59-A6C34878D82A}">
-                    <a16:rowId xmlns:a16="http://schemas.microsoft.com/office/drawing/2014/main" val="10000"/>
-                  </a:ext>
-                </a:extLst>
-              </a:tr>
-              <a:tr h="406400">
-                <a:tc>
-                  <a:txBody>
-                    <a:bodyPr/>
-                    <a:lstStyle/>
-                    <a:p>
-                      <a:r>
-                        <a:rPr lang="en-US" dirty="0" smtClean="0">
-                          <a:solidFill>
-                            <a:schemeClr val="tx1"/>
-                          </a:solidFill>
-                          <a:latin typeface="Gill Sans MT" pitchFamily="34" charset="0"/>
-                        </a:rPr>
-                        <a:t>Mercury</a:t>
-                      </a:r>
-                    </a:p>
-                  </a:txBody>
-                  <a:tcPr>
-                    <a:gradFill>
-                      <a:gsLst>
-                        <a:gs pos="0">
-                          <a:schemeClr val="bg1">
-                            <a:shade val="100000"/>
-                            <a:satMod val="150000"/>
-                          </a:schemeClr>
-                        </a:gs>
-                        <a:gs pos="65000">
-                          <a:schemeClr val="bg1">
-                            <a:shade val="90000"/>
-                            <a:satMod val="375000"/>
-                          </a:schemeClr>
-                        </a:gs>
-                        <a:gs pos="100000">
-                          <a:schemeClr val="bg2">
-                            <a:tint val="88000"/>
-                            <a:satMod val="400000"/>
-                          </a:schemeClr>
-                        </a:gs>
-                      </a:gsLst>
-                      <a:lin ang="5400000" scaled="0"/>
-                    </a:gradFill>
-                  </a:tcPr>
-                </a:tc>
-                <a:tc>
-                  <a:txBody>
-                    <a:bodyPr/>
-                    <a:lstStyle/>
-                    <a:p>
-                      <a:endParaRPr lang="en-US" dirty="0">
-                        <a:solidFill>
-                          <a:schemeClr val="tx1"/>
-                        </a:solidFill>
-                        <a:latin typeface="Gill Sans MT" pitchFamily="34" charset="0"/>
-                      </a:endParaRPr>
-                    </a:p>
-                  </a:txBody>
-                  <a:tcPr>
-                    <a:gradFill>
-                      <a:gsLst>
-                        <a:gs pos="0">
-                          <a:schemeClr val="bg1">
-                            <a:shade val="100000"/>
-                            <a:satMod val="150000"/>
-                          </a:schemeClr>
-                        </a:gs>
-                        <a:gs pos="65000">
-                          <a:schemeClr val="bg1">
-                            <a:shade val="90000"/>
-                            <a:satMod val="375000"/>
-                          </a:schemeClr>
-                        </a:gs>
-                        <a:gs pos="100000">
-                          <a:schemeClr val="bg2">
-                            <a:tint val="88000"/>
-                            <a:satMod val="400000"/>
-                          </a:schemeClr>
-                        </a:gs>
-                      </a:gsLst>
-                      <a:lin ang="5400000" scaled="0"/>
-                    </a:gradFill>
-                  </a:tcPr>
-                </a:tc>
-                <a:tc>
-                  <a:txBody>
-                    <a:bodyPr/>
-                    <a:lstStyle/>
-                    <a:p>
-                      <a:endParaRPr lang="en-US" dirty="0">
-                        <a:solidFill>
-                          <a:schemeClr val="tx1"/>
-                        </a:solidFill>
-                        <a:latin typeface="Gill Sans MT" pitchFamily="34" charset="0"/>
-                      </a:endParaRPr>
-                    </a:p>
-                  </a:txBody>
-                  <a:tcPr>
-                    <a:gradFill>
-                      <a:gsLst>
-                        <a:gs pos="0">
-                          <a:schemeClr val="bg1">
-                            <a:shade val="100000"/>
-                            <a:satMod val="150000"/>
-                          </a:schemeClr>
-                        </a:gs>
-                        <a:gs pos="65000">
-                          <a:schemeClr val="bg1">
-                            <a:shade val="90000"/>
-                            <a:satMod val="375000"/>
-                          </a:schemeClr>
-                        </a:gs>
-                        <a:gs pos="100000">
-                          <a:schemeClr val="bg2">
-                            <a:tint val="88000"/>
-                            <a:satMod val="400000"/>
-                          </a:schemeClr>
-                        </a:gs>
-                      </a:gsLst>
-                      <a:lin ang="5400000" scaled="0"/>
-                    </a:gradFill>
-                  </a:tcPr>
-                </a:tc>
-                <a:tc>
-                  <a:txBody>
-                    <a:bodyPr/>
-                    <a:lstStyle/>
-                    <a:p>
-                      <a:endParaRPr lang="en-US" dirty="0">
-                        <a:solidFill>
-                          <a:schemeClr val="tx1"/>
-                        </a:solidFill>
-                        <a:latin typeface="Gill Sans MT" pitchFamily="34" charset="0"/>
-                      </a:endParaRPr>
-                    </a:p>
-                  </a:txBody>
-                  <a:tcPr>
-                    <a:gradFill>
-                      <a:gsLst>
-                        <a:gs pos="0">
-                          <a:schemeClr val="bg1">
-                            <a:shade val="100000"/>
-                            <a:satMod val="150000"/>
-                          </a:schemeClr>
-                        </a:gs>
-                        <a:gs pos="65000">
-                          <a:schemeClr val="bg1">
-                            <a:shade val="90000"/>
-                            <a:satMod val="375000"/>
-                          </a:schemeClr>
-                        </a:gs>
-                        <a:gs pos="100000">
-                          <a:schemeClr val="bg2">
-                            <a:tint val="88000"/>
-                            <a:satMod val="400000"/>
-                          </a:schemeClr>
-                        </a:gs>
-                      </a:gsLst>
-                      <a:lin ang="5400000" scaled="0"/>
-                    </a:gradFill>
-                  </a:tcPr>
-                </a:tc>
-                <a:extLst>
-                  <a:ext uri="{0D108BD9-81ED-4DB2-BD59-A6C34878D82A}">
-                    <a16:rowId xmlns:a16="http://schemas.microsoft.com/office/drawing/2014/main" val="10001"/>
-                  </a:ext>
-                </a:extLst>
-              </a:tr>
-              <a:tr h="406400">
-                <a:tc>
-                  <a:txBody>
-                    <a:bodyPr/>
-                    <a:lstStyle/>
-                    <a:p>
-                      <a:r>
-                        <a:rPr lang="en-US" dirty="0" smtClean="0">
-                          <a:solidFill>
-                            <a:schemeClr val="tx1"/>
-                          </a:solidFill>
-                          <a:latin typeface="Gill Sans MT" pitchFamily="34" charset="0"/>
-                        </a:rPr>
-                        <a:t>Venus</a:t>
-                      </a:r>
-                      <a:endParaRPr lang="en-US" dirty="0">
-                        <a:solidFill>
-                          <a:schemeClr val="tx1"/>
-                        </a:solidFill>
-                        <a:latin typeface="Gill Sans MT" pitchFamily="34" charset="0"/>
-                      </a:endParaRPr>
-                    </a:p>
-                  </a:txBody>
-                  <a:tcPr>
-                    <a:gradFill>
-                      <a:gsLst>
-                        <a:gs pos="0">
-                          <a:schemeClr val="bg1">
-                            <a:shade val="100000"/>
-                            <a:satMod val="150000"/>
-                          </a:schemeClr>
-                        </a:gs>
-                        <a:gs pos="65000">
-                          <a:schemeClr val="bg1">
-                            <a:shade val="90000"/>
-                            <a:satMod val="375000"/>
-                          </a:schemeClr>
-                        </a:gs>
-                        <a:gs pos="100000">
-                          <a:schemeClr val="bg2">
-                            <a:tint val="88000"/>
-                            <a:satMod val="400000"/>
-                          </a:schemeClr>
-                        </a:gs>
-                      </a:gsLst>
-                      <a:lin ang="5400000" scaled="0"/>
-                    </a:gradFill>
-                  </a:tcPr>
-                </a:tc>
-                <a:tc>
-                  <a:txBody>
-                    <a:bodyPr/>
-                    <a:lstStyle/>
-                    <a:p>
-                      <a:endParaRPr lang="en-US" dirty="0">
-                        <a:solidFill>
-                          <a:schemeClr val="tx1"/>
-                        </a:solidFill>
-                        <a:latin typeface="Gill Sans MT" pitchFamily="34" charset="0"/>
-                      </a:endParaRPr>
-                    </a:p>
-                  </a:txBody>
-                  <a:tcPr>
-                    <a:gradFill>
-                      <a:gsLst>
-                        <a:gs pos="0">
-                          <a:schemeClr val="bg1">
-                            <a:shade val="100000"/>
-                            <a:satMod val="150000"/>
-                          </a:schemeClr>
-                        </a:gs>
-                        <a:gs pos="65000">
-                          <a:schemeClr val="bg1">
-                            <a:shade val="90000"/>
-                            <a:satMod val="375000"/>
-                          </a:schemeClr>
-                        </a:gs>
-                        <a:gs pos="100000">
-                          <a:schemeClr val="bg2">
-                            <a:tint val="88000"/>
-                            <a:satMod val="400000"/>
-                          </a:schemeClr>
-                        </a:gs>
-                      </a:gsLst>
-                      <a:lin ang="5400000" scaled="0"/>
-                    </a:gradFill>
-                  </a:tcPr>
-                </a:tc>
-                <a:tc>
-                  <a:txBody>
-                    <a:bodyPr/>
-                    <a:lstStyle/>
-                    <a:p>
-                      <a:endParaRPr lang="en-US">
-                        <a:solidFill>
-                          <a:schemeClr val="tx1"/>
-                        </a:solidFill>
-                        <a:latin typeface="Gill Sans MT" pitchFamily="34" charset="0"/>
-                      </a:endParaRPr>
-                    </a:p>
-                  </a:txBody>
-                  <a:tcPr>
-                    <a:gradFill>
-                      <a:gsLst>
-                        <a:gs pos="0">
-                          <a:schemeClr val="bg1">
-                            <a:shade val="100000"/>
-                            <a:satMod val="150000"/>
-                          </a:schemeClr>
-                        </a:gs>
-                        <a:gs pos="65000">
-                          <a:schemeClr val="bg1">
-                            <a:shade val="90000"/>
-                            <a:satMod val="375000"/>
-                          </a:schemeClr>
-                        </a:gs>
-                        <a:gs pos="100000">
-                          <a:schemeClr val="bg2">
-                            <a:tint val="88000"/>
-                            <a:satMod val="400000"/>
-                          </a:schemeClr>
-                        </a:gs>
-                      </a:gsLst>
-                      <a:lin ang="5400000" scaled="0"/>
-                    </a:gradFill>
-                  </a:tcPr>
-                </a:tc>
-                <a:tc>
-                  <a:txBody>
-                    <a:bodyPr/>
-                    <a:lstStyle/>
-                    <a:p>
-                      <a:endParaRPr lang="en-US">
-                        <a:solidFill>
-                          <a:schemeClr val="tx1"/>
-                        </a:solidFill>
-                        <a:latin typeface="Gill Sans MT" pitchFamily="34" charset="0"/>
-                      </a:endParaRPr>
-                    </a:p>
-                  </a:txBody>
-                  <a:tcPr>
-                    <a:gradFill>
-                      <a:gsLst>
-                        <a:gs pos="0">
-                          <a:schemeClr val="bg1">
-                            <a:shade val="100000"/>
-                            <a:satMod val="150000"/>
-                          </a:schemeClr>
-                        </a:gs>
-                        <a:gs pos="65000">
-                          <a:schemeClr val="bg1">
-                            <a:shade val="90000"/>
-                            <a:satMod val="375000"/>
-                          </a:schemeClr>
-                        </a:gs>
-                        <a:gs pos="100000">
-                          <a:schemeClr val="bg2">
-                            <a:tint val="88000"/>
-                            <a:satMod val="400000"/>
-                          </a:schemeClr>
-                        </a:gs>
-                      </a:gsLst>
-                      <a:lin ang="5400000" scaled="0"/>
-                    </a:gradFill>
-                  </a:tcPr>
-                </a:tc>
-                <a:extLst>
-                  <a:ext uri="{0D108BD9-81ED-4DB2-BD59-A6C34878D82A}">
-                    <a16:rowId xmlns:a16="http://schemas.microsoft.com/office/drawing/2014/main" val="10002"/>
-                  </a:ext>
-                </a:extLst>
-              </a:tr>
-              <a:tr h="406400">
-                <a:tc>
-                  <a:txBody>
-                    <a:bodyPr/>
-                    <a:lstStyle/>
-                    <a:p>
-                      <a:r>
-                        <a:rPr lang="en-US" dirty="0" smtClean="0">
-                          <a:solidFill>
-                            <a:schemeClr val="tx1"/>
-                          </a:solidFill>
-                          <a:latin typeface="Gill Sans MT" pitchFamily="34" charset="0"/>
-                        </a:rPr>
-                        <a:t>Earth</a:t>
-                      </a:r>
-                      <a:endParaRPr lang="en-US" dirty="0">
-                        <a:solidFill>
-                          <a:schemeClr val="tx1"/>
-                        </a:solidFill>
-                        <a:latin typeface="Gill Sans MT" pitchFamily="34" charset="0"/>
-                      </a:endParaRPr>
-                    </a:p>
-                  </a:txBody>
-                  <a:tcPr>
-                    <a:gradFill>
-                      <a:gsLst>
-                        <a:gs pos="0">
-                          <a:schemeClr val="bg1">
-                            <a:shade val="100000"/>
-                            <a:satMod val="150000"/>
-                          </a:schemeClr>
-                        </a:gs>
-                        <a:gs pos="65000">
-                          <a:schemeClr val="bg1">
-                            <a:shade val="90000"/>
-                            <a:satMod val="375000"/>
-                          </a:schemeClr>
-                        </a:gs>
-                        <a:gs pos="100000">
-                          <a:schemeClr val="bg2">
-                            <a:tint val="88000"/>
-                            <a:satMod val="400000"/>
-                          </a:schemeClr>
-                        </a:gs>
-                      </a:gsLst>
-                      <a:lin ang="5400000" scaled="0"/>
-                    </a:gradFill>
-                  </a:tcPr>
-                </a:tc>
-                <a:tc>
-                  <a:txBody>
-                    <a:bodyPr/>
-                    <a:lstStyle/>
-                    <a:p>
-                      <a:endParaRPr lang="en-US" dirty="0">
-                        <a:solidFill>
-                          <a:schemeClr val="tx1"/>
-                        </a:solidFill>
-                        <a:latin typeface="Gill Sans MT" pitchFamily="34" charset="0"/>
-                      </a:endParaRPr>
-                    </a:p>
-                  </a:txBody>
-                  <a:tcPr>
-                    <a:gradFill>
-                      <a:gsLst>
-                        <a:gs pos="0">
-                          <a:schemeClr val="bg1">
-                            <a:shade val="100000"/>
-                            <a:satMod val="150000"/>
-                          </a:schemeClr>
-                        </a:gs>
-                        <a:gs pos="65000">
-                          <a:schemeClr val="bg1">
-                            <a:shade val="90000"/>
-                            <a:satMod val="375000"/>
-                          </a:schemeClr>
-                        </a:gs>
-                        <a:gs pos="100000">
-                          <a:schemeClr val="bg2">
-                            <a:tint val="88000"/>
-                            <a:satMod val="400000"/>
-                          </a:schemeClr>
-                        </a:gs>
-                      </a:gsLst>
-                      <a:lin ang="5400000" scaled="0"/>
-                    </a:gradFill>
-                  </a:tcPr>
-                </a:tc>
-                <a:tc>
-                  <a:txBody>
-                    <a:bodyPr/>
-                    <a:lstStyle/>
-                    <a:p>
-                      <a:endParaRPr lang="en-US" dirty="0">
-                        <a:solidFill>
-                          <a:schemeClr val="tx1"/>
-                        </a:solidFill>
-                        <a:latin typeface="Gill Sans MT" pitchFamily="34" charset="0"/>
-                      </a:endParaRPr>
-                    </a:p>
-                  </a:txBody>
-                  <a:tcPr>
-                    <a:gradFill>
-                      <a:gsLst>
-                        <a:gs pos="0">
-                          <a:schemeClr val="bg1">
-                            <a:shade val="100000"/>
-                            <a:satMod val="150000"/>
-                          </a:schemeClr>
-                        </a:gs>
-                        <a:gs pos="65000">
-                          <a:schemeClr val="bg1">
-                            <a:shade val="90000"/>
-                            <a:satMod val="375000"/>
-                          </a:schemeClr>
-                        </a:gs>
-                        <a:gs pos="100000">
-                          <a:schemeClr val="bg2">
-                            <a:tint val="88000"/>
-                            <a:satMod val="400000"/>
-                          </a:schemeClr>
-                        </a:gs>
-                      </a:gsLst>
-                      <a:lin ang="5400000" scaled="0"/>
-                    </a:gradFill>
-                  </a:tcPr>
-                </a:tc>
-                <a:tc>
-                  <a:txBody>
-                    <a:bodyPr/>
-                    <a:lstStyle/>
-                    <a:p>
-                      <a:endParaRPr lang="en-US" dirty="0">
-                        <a:solidFill>
-                          <a:schemeClr val="tx1"/>
-                        </a:solidFill>
-                        <a:latin typeface="Gill Sans MT" pitchFamily="34" charset="0"/>
-                      </a:endParaRPr>
-                    </a:p>
-                  </a:txBody>
-                  <a:tcPr>
-                    <a:gradFill>
-                      <a:gsLst>
-                        <a:gs pos="0">
-                          <a:schemeClr val="bg1">
-                            <a:shade val="100000"/>
-                            <a:satMod val="150000"/>
-                          </a:schemeClr>
-                        </a:gs>
-                        <a:gs pos="65000">
-                          <a:schemeClr val="bg1">
-                            <a:shade val="90000"/>
-                            <a:satMod val="375000"/>
-                          </a:schemeClr>
-                        </a:gs>
-                        <a:gs pos="100000">
-                          <a:schemeClr val="bg2">
-                            <a:tint val="88000"/>
-                            <a:satMod val="400000"/>
-                          </a:schemeClr>
-                        </a:gs>
-                      </a:gsLst>
-                      <a:lin ang="5400000" scaled="0"/>
-                    </a:gradFill>
-                  </a:tcPr>
-                </a:tc>
-                <a:extLst>
-                  <a:ext uri="{0D108BD9-81ED-4DB2-BD59-A6C34878D82A}">
-                    <a16:rowId xmlns:a16="http://schemas.microsoft.com/office/drawing/2014/main" val="10003"/>
-                  </a:ext>
-                </a:extLst>
-              </a:tr>
-              <a:tr h="406400">
-                <a:tc>
-                  <a:txBody>
-                    <a:bodyPr/>
-                    <a:lstStyle/>
-                    <a:p>
-                      <a:r>
-                        <a:rPr lang="en-US" dirty="0" smtClean="0">
-                          <a:solidFill>
-                            <a:schemeClr val="tx1"/>
-                          </a:solidFill>
-                          <a:latin typeface="Gill Sans MT" pitchFamily="34" charset="0"/>
-                        </a:rPr>
-                        <a:t>Mars</a:t>
-                      </a:r>
-                      <a:endParaRPr lang="en-US" dirty="0">
-                        <a:solidFill>
-                          <a:schemeClr val="tx1"/>
-                        </a:solidFill>
-                        <a:latin typeface="Gill Sans MT" pitchFamily="34" charset="0"/>
-                      </a:endParaRPr>
-                    </a:p>
-                  </a:txBody>
-                  <a:tcPr>
-                    <a:gradFill>
-                      <a:gsLst>
-                        <a:gs pos="0">
-                          <a:schemeClr val="bg1">
-                            <a:shade val="100000"/>
-                            <a:satMod val="150000"/>
-                          </a:schemeClr>
-                        </a:gs>
-                        <a:gs pos="65000">
-                          <a:schemeClr val="bg1">
-                            <a:shade val="90000"/>
-                            <a:satMod val="375000"/>
-                          </a:schemeClr>
-                        </a:gs>
-                        <a:gs pos="100000">
-                          <a:schemeClr val="bg2">
-                            <a:tint val="88000"/>
-                            <a:satMod val="400000"/>
-                          </a:schemeClr>
-                        </a:gs>
-                      </a:gsLst>
-                      <a:lin ang="5400000" scaled="0"/>
-                    </a:gradFill>
-                  </a:tcPr>
-                </a:tc>
-                <a:tc>
-                  <a:txBody>
-                    <a:bodyPr/>
-                    <a:lstStyle/>
-                    <a:p>
-                      <a:endParaRPr lang="en-US" dirty="0">
-                        <a:solidFill>
-                          <a:schemeClr val="tx1"/>
-                        </a:solidFill>
-                        <a:latin typeface="Gill Sans MT" pitchFamily="34" charset="0"/>
-                      </a:endParaRPr>
-                    </a:p>
-                  </a:txBody>
-                  <a:tcPr>
-                    <a:gradFill>
-                      <a:gsLst>
-                        <a:gs pos="0">
-                          <a:schemeClr val="bg1">
-                            <a:shade val="100000"/>
-                            <a:satMod val="150000"/>
-                          </a:schemeClr>
-                        </a:gs>
-                        <a:gs pos="65000">
-                          <a:schemeClr val="bg1">
-                            <a:shade val="90000"/>
-                            <a:satMod val="375000"/>
-                          </a:schemeClr>
-                        </a:gs>
-                        <a:gs pos="100000">
-                          <a:schemeClr val="bg2">
-                            <a:tint val="88000"/>
-                            <a:satMod val="400000"/>
-                          </a:schemeClr>
-                        </a:gs>
-                      </a:gsLst>
-                      <a:lin ang="5400000" scaled="0"/>
-                    </a:gradFill>
-                  </a:tcPr>
-                </a:tc>
-                <a:tc>
-                  <a:txBody>
-                    <a:bodyPr/>
-                    <a:lstStyle/>
-                    <a:p>
-                      <a:endParaRPr lang="en-US">
-                        <a:solidFill>
-                          <a:schemeClr val="tx1"/>
-                        </a:solidFill>
-                        <a:latin typeface="Gill Sans MT" pitchFamily="34" charset="0"/>
-                      </a:endParaRPr>
-                    </a:p>
-                  </a:txBody>
-                  <a:tcPr>
-                    <a:gradFill>
-                      <a:gsLst>
-                        <a:gs pos="0">
-                          <a:schemeClr val="bg1">
-                            <a:shade val="100000"/>
-                            <a:satMod val="150000"/>
-                          </a:schemeClr>
-                        </a:gs>
-                        <a:gs pos="65000">
-                          <a:schemeClr val="bg1">
-                            <a:shade val="90000"/>
-                            <a:satMod val="375000"/>
-                          </a:schemeClr>
-                        </a:gs>
-                        <a:gs pos="100000">
-                          <a:schemeClr val="bg2">
-                            <a:tint val="88000"/>
-                            <a:satMod val="400000"/>
-                          </a:schemeClr>
-                        </a:gs>
-                      </a:gsLst>
-                      <a:lin ang="5400000" scaled="0"/>
-                    </a:gradFill>
-                  </a:tcPr>
-                </a:tc>
-                <a:tc>
-                  <a:txBody>
-                    <a:bodyPr/>
-                    <a:lstStyle/>
-                    <a:p>
-                      <a:endParaRPr lang="en-US">
-                        <a:solidFill>
-                          <a:schemeClr val="tx1"/>
-                        </a:solidFill>
-                        <a:latin typeface="Gill Sans MT" pitchFamily="34" charset="0"/>
-                      </a:endParaRPr>
-                    </a:p>
-                  </a:txBody>
-                  <a:tcPr>
-                    <a:gradFill>
-                      <a:gsLst>
-                        <a:gs pos="0">
-                          <a:schemeClr val="bg1">
-                            <a:shade val="100000"/>
-                            <a:satMod val="150000"/>
-                          </a:schemeClr>
-                        </a:gs>
-                        <a:gs pos="65000">
-                          <a:schemeClr val="bg1">
-                            <a:shade val="90000"/>
-                            <a:satMod val="375000"/>
-                          </a:schemeClr>
-                        </a:gs>
-                        <a:gs pos="100000">
-                          <a:schemeClr val="bg2">
-                            <a:tint val="88000"/>
-                            <a:satMod val="400000"/>
-                          </a:schemeClr>
-                        </a:gs>
-                      </a:gsLst>
-                      <a:lin ang="5400000" scaled="0"/>
-                    </a:gradFill>
-                  </a:tcPr>
-                </a:tc>
-                <a:extLst>
-                  <a:ext uri="{0D108BD9-81ED-4DB2-BD59-A6C34878D82A}">
-                    <a16:rowId xmlns:a16="http://schemas.microsoft.com/office/drawing/2014/main" val="10004"/>
-                  </a:ext>
-                </a:extLst>
-              </a:tr>
-              <a:tr h="406400">
-                <a:tc>
-                  <a:txBody>
-                    <a:bodyPr/>
-                    <a:lstStyle/>
-                    <a:p>
-                      <a:r>
-                        <a:rPr lang="en-US" dirty="0" smtClean="0">
-                          <a:solidFill>
-                            <a:schemeClr val="tx1"/>
-                          </a:solidFill>
-                          <a:latin typeface="Gill Sans MT" pitchFamily="34" charset="0"/>
-                        </a:rPr>
-                        <a:t>Jupiter</a:t>
-                      </a:r>
-                      <a:endParaRPr lang="en-US" dirty="0">
-                        <a:solidFill>
-                          <a:schemeClr val="tx1"/>
-                        </a:solidFill>
-                        <a:latin typeface="Gill Sans MT" pitchFamily="34" charset="0"/>
-                      </a:endParaRPr>
-                    </a:p>
-                  </a:txBody>
-                  <a:tcPr>
-                    <a:gradFill>
-                      <a:gsLst>
-                        <a:gs pos="0">
-                          <a:schemeClr val="bg1">
-                            <a:shade val="100000"/>
-                            <a:satMod val="150000"/>
-                          </a:schemeClr>
-                        </a:gs>
-                        <a:gs pos="65000">
-                          <a:schemeClr val="bg1">
-                            <a:shade val="90000"/>
-                            <a:satMod val="375000"/>
-                          </a:schemeClr>
-                        </a:gs>
-                        <a:gs pos="100000">
-                          <a:schemeClr val="bg2">
-                            <a:tint val="88000"/>
-                            <a:satMod val="400000"/>
-                          </a:schemeClr>
-                        </a:gs>
-                      </a:gsLst>
-                      <a:lin ang="5400000" scaled="0"/>
-                    </a:gradFill>
-                  </a:tcPr>
-                </a:tc>
-                <a:tc>
-                  <a:txBody>
-                    <a:bodyPr/>
-                    <a:lstStyle/>
-                    <a:p>
-                      <a:endParaRPr lang="en-US" dirty="0">
-                        <a:solidFill>
-                          <a:schemeClr val="tx1"/>
-                        </a:solidFill>
-                        <a:latin typeface="Gill Sans MT" pitchFamily="34" charset="0"/>
-                      </a:endParaRPr>
-                    </a:p>
-                  </a:txBody>
-                  <a:tcPr>
-                    <a:gradFill>
-                      <a:gsLst>
-                        <a:gs pos="0">
-                          <a:schemeClr val="bg1">
-                            <a:shade val="100000"/>
-                            <a:satMod val="150000"/>
-                          </a:schemeClr>
-                        </a:gs>
-                        <a:gs pos="65000">
-                          <a:schemeClr val="bg1">
-                            <a:shade val="90000"/>
-                            <a:satMod val="375000"/>
-                          </a:schemeClr>
-                        </a:gs>
-                        <a:gs pos="100000">
-                          <a:schemeClr val="bg2">
-                            <a:tint val="88000"/>
-                            <a:satMod val="400000"/>
-                          </a:schemeClr>
-                        </a:gs>
-                      </a:gsLst>
-                      <a:lin ang="5400000" scaled="0"/>
-                    </a:gradFill>
-                  </a:tcPr>
-                </a:tc>
-                <a:tc>
-                  <a:txBody>
-                    <a:bodyPr/>
-                    <a:lstStyle/>
-                    <a:p>
-                      <a:endParaRPr lang="en-US" dirty="0">
-                        <a:solidFill>
-                          <a:schemeClr val="tx1"/>
-                        </a:solidFill>
-                        <a:latin typeface="Gill Sans MT" pitchFamily="34" charset="0"/>
-                      </a:endParaRPr>
-                    </a:p>
-                  </a:txBody>
-                  <a:tcPr>
-                    <a:gradFill>
-                      <a:gsLst>
-                        <a:gs pos="0">
-                          <a:schemeClr val="bg1">
-                            <a:shade val="100000"/>
-                            <a:satMod val="150000"/>
-                          </a:schemeClr>
-                        </a:gs>
-                        <a:gs pos="65000">
-                          <a:schemeClr val="bg1">
-                            <a:shade val="90000"/>
-                            <a:satMod val="375000"/>
-                          </a:schemeClr>
-                        </a:gs>
-                        <a:gs pos="100000">
-                          <a:schemeClr val="bg2">
-                            <a:tint val="88000"/>
-                            <a:satMod val="400000"/>
-                          </a:schemeClr>
-                        </a:gs>
-                      </a:gsLst>
-                      <a:lin ang="5400000" scaled="0"/>
-                    </a:gradFill>
-                  </a:tcPr>
-                </a:tc>
-                <a:tc>
-                  <a:txBody>
-                    <a:bodyPr/>
-                    <a:lstStyle/>
-                    <a:p>
-                      <a:endParaRPr lang="en-US">
-                        <a:solidFill>
-                          <a:schemeClr val="tx1"/>
-                        </a:solidFill>
-                        <a:latin typeface="Gill Sans MT" pitchFamily="34" charset="0"/>
-                      </a:endParaRPr>
-                    </a:p>
-                  </a:txBody>
-                  <a:tcPr>
-                    <a:gradFill>
-                      <a:gsLst>
-                        <a:gs pos="0">
-                          <a:schemeClr val="bg1">
-                            <a:shade val="100000"/>
-                            <a:satMod val="150000"/>
-                          </a:schemeClr>
-                        </a:gs>
-                        <a:gs pos="65000">
-                          <a:schemeClr val="bg1">
-                            <a:shade val="90000"/>
-                            <a:satMod val="375000"/>
-                          </a:schemeClr>
-                        </a:gs>
-                        <a:gs pos="100000">
-                          <a:schemeClr val="bg2">
-                            <a:tint val="88000"/>
-                            <a:satMod val="400000"/>
-                          </a:schemeClr>
-                        </a:gs>
-                      </a:gsLst>
-                      <a:lin ang="5400000" scaled="0"/>
-                    </a:gradFill>
-                  </a:tcPr>
-                </a:tc>
-                <a:extLst>
-                  <a:ext uri="{0D108BD9-81ED-4DB2-BD59-A6C34878D82A}">
-                    <a16:rowId xmlns:a16="http://schemas.microsoft.com/office/drawing/2014/main" val="10005"/>
-                  </a:ext>
-                </a:extLst>
-              </a:tr>
-              <a:tr h="406400">
-                <a:tc>
-                  <a:txBody>
-                    <a:bodyPr/>
-                    <a:lstStyle/>
-                    <a:p>
-                      <a:r>
-                        <a:rPr lang="en-US" dirty="0" smtClean="0">
-                          <a:solidFill>
-                            <a:schemeClr val="tx1"/>
-                          </a:solidFill>
-                          <a:latin typeface="Gill Sans MT" pitchFamily="34" charset="0"/>
-                        </a:rPr>
-                        <a:t>Saturn</a:t>
-                      </a:r>
-                      <a:endParaRPr lang="en-US" dirty="0">
-                        <a:solidFill>
-                          <a:schemeClr val="tx1"/>
-                        </a:solidFill>
-                        <a:latin typeface="Gill Sans MT" pitchFamily="34" charset="0"/>
-                      </a:endParaRPr>
-                    </a:p>
-                  </a:txBody>
-                  <a:tcPr>
-                    <a:gradFill>
-                      <a:gsLst>
-                        <a:gs pos="0">
-                          <a:schemeClr val="bg1">
-                            <a:shade val="100000"/>
-                            <a:satMod val="150000"/>
-                          </a:schemeClr>
-                        </a:gs>
-                        <a:gs pos="65000">
-                          <a:schemeClr val="bg1">
-                            <a:shade val="90000"/>
-                            <a:satMod val="375000"/>
-                          </a:schemeClr>
-                        </a:gs>
-                        <a:gs pos="100000">
-                          <a:schemeClr val="bg2">
-                            <a:tint val="88000"/>
-                            <a:satMod val="400000"/>
-                          </a:schemeClr>
-                        </a:gs>
-                      </a:gsLst>
-                      <a:lin ang="5400000" scaled="0"/>
-                    </a:gradFill>
-                  </a:tcPr>
-                </a:tc>
-                <a:tc>
-                  <a:txBody>
-                    <a:bodyPr/>
-                    <a:lstStyle/>
-                    <a:p>
-                      <a:endParaRPr lang="en-US" dirty="0">
-                        <a:solidFill>
-                          <a:schemeClr val="tx1"/>
-                        </a:solidFill>
-                        <a:latin typeface="Gill Sans MT" pitchFamily="34" charset="0"/>
-                      </a:endParaRPr>
-                    </a:p>
-                  </a:txBody>
-                  <a:tcPr>
-                    <a:gradFill>
-                      <a:gsLst>
-                        <a:gs pos="0">
-                          <a:schemeClr val="bg1">
-                            <a:shade val="100000"/>
-                            <a:satMod val="150000"/>
-                          </a:schemeClr>
-                        </a:gs>
-                        <a:gs pos="65000">
-                          <a:schemeClr val="bg1">
-                            <a:shade val="90000"/>
-                            <a:satMod val="375000"/>
-                          </a:schemeClr>
-                        </a:gs>
-                        <a:gs pos="100000">
-                          <a:schemeClr val="bg2">
-                            <a:tint val="88000"/>
-                            <a:satMod val="400000"/>
-                          </a:schemeClr>
-                        </a:gs>
-                      </a:gsLst>
-                      <a:lin ang="5400000" scaled="0"/>
-                    </a:gradFill>
-                  </a:tcPr>
-                </a:tc>
-                <a:tc>
-                  <a:txBody>
-                    <a:bodyPr/>
-                    <a:lstStyle/>
-                    <a:p>
-                      <a:endParaRPr lang="en-US">
-                        <a:solidFill>
-                          <a:schemeClr val="tx1"/>
-                        </a:solidFill>
-                        <a:latin typeface="Gill Sans MT" pitchFamily="34" charset="0"/>
-                      </a:endParaRPr>
-                    </a:p>
-                  </a:txBody>
-                  <a:tcPr>
-                    <a:gradFill>
-                      <a:gsLst>
-                        <a:gs pos="0">
-                          <a:schemeClr val="bg1">
-                            <a:shade val="100000"/>
-                            <a:satMod val="150000"/>
-                          </a:schemeClr>
-                        </a:gs>
-                        <a:gs pos="65000">
-                          <a:schemeClr val="bg1">
-                            <a:shade val="90000"/>
-                            <a:satMod val="375000"/>
-                          </a:schemeClr>
-                        </a:gs>
-                        <a:gs pos="100000">
-                          <a:schemeClr val="bg2">
-                            <a:tint val="88000"/>
-                            <a:satMod val="400000"/>
-                          </a:schemeClr>
-                        </a:gs>
-                      </a:gsLst>
-                      <a:lin ang="5400000" scaled="0"/>
-                    </a:gradFill>
-                  </a:tcPr>
-                </a:tc>
-                <a:tc>
-                  <a:txBody>
-                    <a:bodyPr/>
-                    <a:lstStyle/>
-                    <a:p>
-                      <a:endParaRPr lang="en-US">
-                        <a:solidFill>
-                          <a:schemeClr val="tx1"/>
-                        </a:solidFill>
-                        <a:latin typeface="Gill Sans MT" pitchFamily="34" charset="0"/>
-                      </a:endParaRPr>
-                    </a:p>
-                  </a:txBody>
-                  <a:tcPr>
-                    <a:gradFill>
-                      <a:gsLst>
-                        <a:gs pos="0">
-                          <a:schemeClr val="bg1">
-                            <a:shade val="100000"/>
-                            <a:satMod val="150000"/>
-                          </a:schemeClr>
-                        </a:gs>
-                        <a:gs pos="65000">
-                          <a:schemeClr val="bg1">
-                            <a:shade val="90000"/>
-                            <a:satMod val="375000"/>
-                          </a:schemeClr>
-                        </a:gs>
-                        <a:gs pos="100000">
-                          <a:schemeClr val="bg2">
-                            <a:tint val="88000"/>
-                            <a:satMod val="400000"/>
-                          </a:schemeClr>
-                        </a:gs>
-                      </a:gsLst>
-                      <a:lin ang="5400000" scaled="0"/>
-                    </a:gradFill>
-                  </a:tcPr>
-                </a:tc>
-                <a:extLst>
-                  <a:ext uri="{0D108BD9-81ED-4DB2-BD59-A6C34878D82A}">
-                    <a16:rowId xmlns:a16="http://schemas.microsoft.com/office/drawing/2014/main" val="10006"/>
-                  </a:ext>
-                </a:extLst>
-              </a:tr>
-              <a:tr h="406400">
-                <a:tc>
-                  <a:txBody>
-                    <a:bodyPr/>
-                    <a:lstStyle/>
-                    <a:p>
-                      <a:r>
-                        <a:rPr lang="en-US" dirty="0" smtClean="0">
-                          <a:solidFill>
-                            <a:schemeClr val="tx1"/>
-                          </a:solidFill>
-                          <a:latin typeface="Gill Sans MT" pitchFamily="34" charset="0"/>
-                        </a:rPr>
-                        <a:t>Uranus</a:t>
-                      </a:r>
-                      <a:endParaRPr lang="en-US" dirty="0">
-                        <a:solidFill>
-                          <a:schemeClr val="tx1"/>
-                        </a:solidFill>
-                        <a:latin typeface="Gill Sans MT" pitchFamily="34" charset="0"/>
-                      </a:endParaRPr>
-                    </a:p>
-                  </a:txBody>
-                  <a:tcPr>
-                    <a:gradFill>
-                      <a:gsLst>
-                        <a:gs pos="0">
-                          <a:schemeClr val="bg1">
-                            <a:shade val="100000"/>
-                            <a:satMod val="150000"/>
-                          </a:schemeClr>
-                        </a:gs>
-                        <a:gs pos="65000">
-                          <a:schemeClr val="bg1">
-                            <a:shade val="90000"/>
-                            <a:satMod val="375000"/>
-                          </a:schemeClr>
-                        </a:gs>
-                        <a:gs pos="100000">
-                          <a:schemeClr val="bg2">
-                            <a:tint val="88000"/>
-                            <a:satMod val="400000"/>
-                          </a:schemeClr>
-                        </a:gs>
-                      </a:gsLst>
-                      <a:lin ang="5400000" scaled="0"/>
-                    </a:gradFill>
-                  </a:tcPr>
-                </a:tc>
-                <a:tc>
-                  <a:txBody>
-                    <a:bodyPr/>
-                    <a:lstStyle/>
-                    <a:p>
-                      <a:endParaRPr lang="en-US" dirty="0">
-                        <a:solidFill>
-                          <a:schemeClr val="tx1"/>
-                        </a:solidFill>
-                        <a:latin typeface="Gill Sans MT" pitchFamily="34" charset="0"/>
-                      </a:endParaRPr>
-                    </a:p>
-                  </a:txBody>
-                  <a:tcPr>
-                    <a:gradFill>
-                      <a:gsLst>
-                        <a:gs pos="0">
-                          <a:schemeClr val="bg1">
-                            <a:shade val="100000"/>
-                            <a:satMod val="150000"/>
-                          </a:schemeClr>
-                        </a:gs>
-                        <a:gs pos="65000">
-                          <a:schemeClr val="bg1">
-                            <a:shade val="90000"/>
-                            <a:satMod val="375000"/>
-                          </a:schemeClr>
-                        </a:gs>
-                        <a:gs pos="100000">
-                          <a:schemeClr val="bg2">
-                            <a:tint val="88000"/>
-                            <a:satMod val="400000"/>
-                          </a:schemeClr>
-                        </a:gs>
-                      </a:gsLst>
-                      <a:lin ang="5400000" scaled="0"/>
-                    </a:gradFill>
-                  </a:tcPr>
-                </a:tc>
-                <a:tc>
-                  <a:txBody>
-                    <a:bodyPr/>
-                    <a:lstStyle/>
-                    <a:p>
-                      <a:endParaRPr lang="en-US" dirty="0">
-                        <a:solidFill>
-                          <a:schemeClr val="tx1"/>
-                        </a:solidFill>
-                        <a:latin typeface="Gill Sans MT" pitchFamily="34" charset="0"/>
-                      </a:endParaRPr>
-                    </a:p>
-                  </a:txBody>
-                  <a:tcPr>
-                    <a:gradFill>
-                      <a:gsLst>
-                        <a:gs pos="0">
-                          <a:schemeClr val="bg1">
-                            <a:shade val="100000"/>
-                            <a:satMod val="150000"/>
-                          </a:schemeClr>
-                        </a:gs>
-                        <a:gs pos="65000">
-                          <a:schemeClr val="bg1">
-                            <a:shade val="90000"/>
-                            <a:satMod val="375000"/>
-                          </a:schemeClr>
-                        </a:gs>
-                        <a:gs pos="100000">
-                          <a:schemeClr val="bg2">
-                            <a:tint val="88000"/>
-                            <a:satMod val="400000"/>
-                          </a:schemeClr>
-                        </a:gs>
-                      </a:gsLst>
-                      <a:lin ang="5400000" scaled="0"/>
-                    </a:gradFill>
-                  </a:tcPr>
-                </a:tc>
-                <a:tc>
-                  <a:txBody>
-                    <a:bodyPr/>
-                    <a:lstStyle/>
-                    <a:p>
-                      <a:endParaRPr lang="en-US" dirty="0">
-                        <a:solidFill>
-                          <a:schemeClr val="tx1"/>
-                        </a:solidFill>
-                        <a:latin typeface="Gill Sans MT" pitchFamily="34" charset="0"/>
-                      </a:endParaRPr>
-                    </a:p>
-                  </a:txBody>
-                  <a:tcPr>
-                    <a:gradFill>
-                      <a:gsLst>
-                        <a:gs pos="0">
-                          <a:schemeClr val="bg1">
-                            <a:shade val="100000"/>
-                            <a:satMod val="150000"/>
-                          </a:schemeClr>
-                        </a:gs>
-                        <a:gs pos="65000">
-                          <a:schemeClr val="bg1">
-                            <a:shade val="90000"/>
-                            <a:satMod val="375000"/>
-                          </a:schemeClr>
-                        </a:gs>
-                        <a:gs pos="100000">
-                          <a:schemeClr val="bg2">
-                            <a:tint val="88000"/>
-                            <a:satMod val="400000"/>
-                          </a:schemeClr>
-                        </a:gs>
-                      </a:gsLst>
-                      <a:lin ang="5400000" scaled="0"/>
-                    </a:gradFill>
-                  </a:tcPr>
-                </a:tc>
-                <a:extLst>
-                  <a:ext uri="{0D108BD9-81ED-4DB2-BD59-A6C34878D82A}">
-                    <a16:rowId xmlns:a16="http://schemas.microsoft.com/office/drawing/2014/main" val="10007"/>
-                  </a:ext>
-                </a:extLst>
-              </a:tr>
-              <a:tr h="406400">
-                <a:tc>
-                  <a:txBody>
-                    <a:bodyPr/>
-                    <a:lstStyle/>
-                    <a:p>
-                      <a:r>
-                        <a:rPr lang="en-US" dirty="0" smtClean="0">
-                          <a:solidFill>
-                            <a:schemeClr val="tx1"/>
-                          </a:solidFill>
-                          <a:latin typeface="Gill Sans MT" pitchFamily="34" charset="0"/>
-                        </a:rPr>
-                        <a:t>Neptune</a:t>
-                      </a:r>
-                      <a:endParaRPr lang="en-US" dirty="0">
-                        <a:solidFill>
-                          <a:schemeClr val="tx1"/>
-                        </a:solidFill>
-                        <a:latin typeface="Gill Sans MT" pitchFamily="34" charset="0"/>
-                      </a:endParaRPr>
-                    </a:p>
-                  </a:txBody>
-                  <a:tcPr>
-                    <a:gradFill>
-                      <a:gsLst>
-                        <a:gs pos="0">
-                          <a:schemeClr val="bg1">
-                            <a:shade val="100000"/>
-                            <a:satMod val="150000"/>
-                          </a:schemeClr>
-                        </a:gs>
-                        <a:gs pos="65000">
-                          <a:schemeClr val="bg1">
-                            <a:shade val="90000"/>
-                            <a:satMod val="375000"/>
-                          </a:schemeClr>
-                        </a:gs>
-                        <a:gs pos="100000">
-                          <a:schemeClr val="bg2">
-                            <a:tint val="88000"/>
-                            <a:satMod val="400000"/>
-                          </a:schemeClr>
-                        </a:gs>
-                      </a:gsLst>
-                      <a:lin ang="5400000" scaled="0"/>
-                    </a:gradFill>
-                  </a:tcPr>
-                </a:tc>
-                <a:tc>
-                  <a:txBody>
-                    <a:bodyPr/>
-                    <a:lstStyle/>
-                    <a:p>
-                      <a:endParaRPr lang="en-US" dirty="0">
-                        <a:solidFill>
-                          <a:schemeClr val="tx1"/>
-                        </a:solidFill>
-                        <a:latin typeface="Gill Sans MT" pitchFamily="34" charset="0"/>
-                      </a:endParaRPr>
-                    </a:p>
-                  </a:txBody>
-                  <a:tcPr>
-                    <a:gradFill>
-                      <a:gsLst>
-                        <a:gs pos="0">
-                          <a:schemeClr val="bg1">
-                            <a:shade val="100000"/>
-                            <a:satMod val="150000"/>
-                          </a:schemeClr>
-                        </a:gs>
-                        <a:gs pos="65000">
-                          <a:schemeClr val="bg1">
-                            <a:shade val="90000"/>
-                            <a:satMod val="375000"/>
-                          </a:schemeClr>
-                        </a:gs>
-                        <a:gs pos="100000">
-                          <a:schemeClr val="bg2">
-                            <a:tint val="88000"/>
-                            <a:satMod val="400000"/>
-                          </a:schemeClr>
-                        </a:gs>
-                      </a:gsLst>
-                      <a:lin ang="5400000" scaled="0"/>
-                    </a:gradFill>
-                  </a:tcPr>
-                </a:tc>
-                <a:tc>
-                  <a:txBody>
-                    <a:bodyPr/>
-                    <a:lstStyle/>
-                    <a:p>
-                      <a:endParaRPr lang="en-US" dirty="0">
-                        <a:solidFill>
-                          <a:schemeClr val="tx1"/>
-                        </a:solidFill>
-                        <a:latin typeface="Gill Sans MT" pitchFamily="34" charset="0"/>
-                      </a:endParaRPr>
-                    </a:p>
-                  </a:txBody>
-                  <a:tcPr>
-                    <a:gradFill>
-                      <a:gsLst>
-                        <a:gs pos="0">
-                          <a:schemeClr val="bg1">
-                            <a:shade val="100000"/>
-                            <a:satMod val="150000"/>
-                          </a:schemeClr>
-                        </a:gs>
-                        <a:gs pos="65000">
-                          <a:schemeClr val="bg1">
-                            <a:shade val="90000"/>
-                            <a:satMod val="375000"/>
-                          </a:schemeClr>
-                        </a:gs>
-                        <a:gs pos="100000">
-                          <a:schemeClr val="bg2">
-                            <a:tint val="88000"/>
-                            <a:satMod val="400000"/>
-                          </a:schemeClr>
-                        </a:gs>
-                      </a:gsLst>
-                      <a:lin ang="5400000" scaled="0"/>
-                    </a:gradFill>
-                  </a:tcPr>
-                </a:tc>
-                <a:tc>
-                  <a:txBody>
-                    <a:bodyPr/>
-                    <a:lstStyle/>
-                    <a:p>
-                      <a:endParaRPr lang="en-US" dirty="0">
-                        <a:solidFill>
-                          <a:schemeClr val="tx1"/>
-                        </a:solidFill>
-                        <a:latin typeface="Gill Sans MT" pitchFamily="34" charset="0"/>
-                      </a:endParaRPr>
-                    </a:p>
-                  </a:txBody>
-                  <a:tcPr>
-                    <a:gradFill>
-                      <a:gsLst>
-                        <a:gs pos="0">
-                          <a:schemeClr val="bg1">
-                            <a:shade val="100000"/>
-                            <a:satMod val="150000"/>
-                          </a:schemeClr>
-                        </a:gs>
-                        <a:gs pos="65000">
-                          <a:schemeClr val="bg1">
-                            <a:shade val="90000"/>
-                            <a:satMod val="375000"/>
-                          </a:schemeClr>
-                        </a:gs>
-                        <a:gs pos="100000">
-                          <a:schemeClr val="bg2">
-                            <a:tint val="88000"/>
-                            <a:satMod val="400000"/>
-                          </a:schemeClr>
-                        </a:gs>
-                      </a:gsLst>
-                      <a:lin ang="5400000" scaled="0"/>
-                    </a:gradFill>
-                  </a:tcPr>
-                </a:tc>
-                <a:extLst>
-                  <a:ext uri="{0D108BD9-81ED-4DB2-BD59-A6C34878D82A}">
-                    <a16:rowId xmlns:a16="http://schemas.microsoft.com/office/drawing/2014/main" val="10008"/>
-                  </a:ext>
-                </a:extLst>
-              </a:tr>
-            </a:tbl>
-          </a:graphicData>
-        </a:graphic>
-      </p:graphicFrame>
+              <a:rPr lang="en-US" sz="2800" dirty="0" smtClean="0"/>
+              <a:t>Year span- 687 earth days</a:t>
+            </a:r>
+          </a:p>
+          <a:p>
+            <a:pPr lvl="1">
+              <a:buFontTx/>
+              <a:buChar char="•"/>
+            </a:pPr>
+            <a:r>
+              <a:rPr lang="en-US" sz="2800" dirty="0" smtClean="0"/>
+              <a:t>2 satellites- </a:t>
+            </a:r>
+            <a:r>
+              <a:rPr lang="en-US" sz="2800" dirty="0" err="1" smtClean="0"/>
+              <a:t>Phobos</a:t>
+            </a:r>
+            <a:r>
+              <a:rPr lang="en-US" sz="2800" dirty="0" smtClean="0"/>
+              <a:t> and Deimos</a:t>
+            </a:r>
+          </a:p>
+          <a:p>
+            <a:pPr lvl="1">
+              <a:buFontTx/>
+              <a:buChar char="•"/>
+            </a:pPr>
+            <a:r>
+              <a:rPr lang="en-US" sz="2800" dirty="0" smtClean="0"/>
+              <a:t>Size is half of the </a:t>
+            </a:r>
+            <a:r>
+              <a:rPr lang="en-US" sz="2800" dirty="0" smtClean="0"/>
+              <a:t>earth</a:t>
+            </a:r>
+          </a:p>
+          <a:p>
+            <a:pPr lvl="1">
+              <a:buFontTx/>
+              <a:buChar char="•"/>
+            </a:pPr>
+            <a:r>
+              <a:rPr lang="en-US" sz="2800" dirty="0" smtClean="0"/>
+              <a:t>20 min needed to reach a signal to mars</a:t>
+            </a:r>
+            <a:endParaRPr lang="en-US" sz="2800" dirty="0"/>
+          </a:p>
+        </p:txBody>
+      </p:sp>
     </p:spTree>
   </p:cSld>
   <p:clrMapOvr>
@@ -11165,14 +6043,18 @@
           <a:lstStyle/>
           <a:p>
             <a:r>
-              <a:rPr lang="en-US" dirty="0" smtClean="0">
+              <a:rPr lang="en-US" sz="4000" dirty="0" smtClean="0"/>
+              <a:t>Stages</a:t>
+            </a:r>
+            <a:r>
+              <a:rPr lang="en-US" sz="4000" dirty="0" smtClean="0">
                 <a:solidFill>
                   <a:schemeClr val="tx1"/>
                 </a:solidFill>
               </a:rPr>
-              <a:t>Works Cited</a:t>
-            </a:r>
-            <a:endParaRPr lang="en-US" dirty="0">
+              <a:t> MOM</a:t>
+            </a:r>
+            <a:endParaRPr lang="en-US" sz="4000" dirty="0">
               <a:solidFill>
                 <a:schemeClr val="tx1"/>
               </a:solidFill>
@@ -11182,12 +6064,174 @@
       </p:sp>
       <p:sp>
         <p:nvSpPr>
-          <p:cNvPr id="3" name="Content Placeholder 2"/>
+          <p:cNvPr id="3" name="Text Placeholder 2"/>
           <p:cNvSpPr>
             <a:spLocks noGrp="1"/>
           </p:cNvSpPr>
           <p:nvPr>
-            <p:ph idx="1"/>
+            <p:ph type="body" idx="1"/>
+          </p:nvPr>
+        </p:nvSpPr>
+        <p:spPr>
+          <a:xfrm>
+            <a:off x="685800" y="1435100"/>
+            <a:ext cx="8153400" cy="4965700"/>
+          </a:xfrm>
+        </p:spPr>
+        <p:txBody>
+          <a:bodyPr>
+            <a:normAutofit/>
+          </a:bodyPr>
+          <a:lstStyle/>
+          <a:p>
+            <a:pPr marL="454914" lvl="1" indent="0"/>
+            <a:endParaRPr lang="en-US" sz="2800" dirty="0" smtClean="0"/>
+          </a:p>
+          <a:p>
+            <a:pPr lvl="1">
+              <a:buFontTx/>
+              <a:buChar char="•"/>
+            </a:pPr>
+            <a:endParaRPr lang="en-US" sz="2800" dirty="0" smtClean="0"/>
+          </a:p>
+          <a:p>
+            <a:pPr lvl="1">
+              <a:buFontTx/>
+              <a:buChar char="•"/>
+            </a:pPr>
+            <a:r>
+              <a:rPr lang="en-US" sz="2800" dirty="0" smtClean="0"/>
+              <a:t>Launch date- 5</a:t>
+            </a:r>
+            <a:r>
+              <a:rPr lang="en-US" sz="2800" baseline="30000" dirty="0" smtClean="0"/>
+              <a:t>th</a:t>
+            </a:r>
+            <a:r>
+              <a:rPr lang="en-US" sz="2800" dirty="0" smtClean="0"/>
+              <a:t> Nov, 2013</a:t>
+            </a:r>
+          </a:p>
+          <a:p>
+            <a:pPr lvl="1">
+              <a:buFontTx/>
+              <a:buChar char="•"/>
+            </a:pPr>
+            <a:r>
+              <a:rPr lang="en-US" sz="2800" dirty="0" smtClean="0"/>
+              <a:t>1</a:t>
+            </a:r>
+            <a:r>
+              <a:rPr lang="en-US" sz="2800" baseline="30000" dirty="0" smtClean="0"/>
+              <a:t>st</a:t>
+            </a:r>
+            <a:r>
+              <a:rPr lang="en-US" sz="2800" dirty="0" smtClean="0"/>
+              <a:t> Stage - Launch </a:t>
+            </a:r>
+          </a:p>
+          <a:p>
+            <a:pPr lvl="1">
+              <a:buFontTx/>
+              <a:buChar char="•"/>
+            </a:pPr>
+            <a:r>
+              <a:rPr lang="en-US" sz="2800" dirty="0" smtClean="0"/>
+              <a:t>2</a:t>
+            </a:r>
+            <a:r>
+              <a:rPr lang="en-US" sz="2800" baseline="30000" dirty="0" smtClean="0"/>
+              <a:t>nd</a:t>
+            </a:r>
+            <a:r>
+              <a:rPr lang="en-US" sz="2800" dirty="0" smtClean="0"/>
+              <a:t> Stage - Sending out of the earth orbit</a:t>
+            </a:r>
+          </a:p>
+          <a:p>
+            <a:pPr lvl="1">
+              <a:buFontTx/>
+              <a:buChar char="•"/>
+            </a:pPr>
+            <a:r>
+              <a:rPr lang="en-US" sz="2800" dirty="0" smtClean="0"/>
+              <a:t>3</a:t>
+            </a:r>
+            <a:r>
+              <a:rPr lang="en-US" sz="2800" baseline="30000" dirty="0" smtClean="0"/>
+              <a:t>rd</a:t>
+            </a:r>
+            <a:r>
+              <a:rPr lang="en-US" sz="2800" dirty="0" smtClean="0"/>
+              <a:t> Stage – Injecting it to the Mars orbit</a:t>
+            </a:r>
+          </a:p>
+          <a:p>
+            <a:pPr lvl="1">
+              <a:buFontTx/>
+              <a:buChar char="•"/>
+            </a:pPr>
+            <a:r>
+              <a:rPr lang="en-US" sz="2800" dirty="0" smtClean="0"/>
+              <a:t>Reached Mars on 24</a:t>
+            </a:r>
+            <a:r>
+              <a:rPr lang="en-US" sz="2800" baseline="30000" dirty="0" smtClean="0"/>
+              <a:t>th</a:t>
+            </a:r>
+            <a:r>
+              <a:rPr lang="en-US" sz="2800" dirty="0" smtClean="0"/>
+              <a:t> Sept, 2014</a:t>
+            </a:r>
+            <a:endParaRPr lang="en-US" sz="2800" dirty="0"/>
+          </a:p>
+        </p:txBody>
+      </p:sp>
+    </p:spTree>
+    <p:extLst>
+      <p:ext uri="{BB962C8B-B14F-4D97-AF65-F5344CB8AC3E}">
+        <p14:creationId xmlns:p14="http://schemas.microsoft.com/office/powerpoint/2010/main" val="2922488964"/>
+      </p:ext>
+    </p:extLst>
+  </p:cSld>
+  <p:clrMapOvr>
+    <a:masterClrMapping/>
+  </p:clrMapOvr>
+  <p:timing>
+    <p:tnLst>
+      <p:par>
+        <p:cTn id="1" dur="indefinite" restart="never" nodeType="tmRoot"/>
+      </p:par>
+    </p:tnLst>
+  </p:timing>
+</p:sld>
+</file>
+
+<file path=ppt/slides/slide7.xml><?xml version="1.0" encoding="utf-8"?>
+<p:sld xmlns:a="http://schemas.openxmlformats.org/drawingml/2006/main" xmlns:r="http://schemas.openxmlformats.org/officeDocument/2006/relationships" xmlns:p="http://schemas.openxmlformats.org/presentationml/2006/main">
+  <p:cSld>
+    <p:spTree>
+      <p:nvGrpSpPr>
+        <p:cNvPr id="1" name=""/>
+        <p:cNvGrpSpPr/>
+        <p:nvPr/>
+      </p:nvGrpSpPr>
+      <p:grpSpPr>
+        <a:xfrm>
+          <a:off x="0" y="0"/>
+          <a:ext cx="0" cy="0"/>
+          <a:chOff x="0" y="0"/>
+          <a:chExt cx="0" cy="0"/>
+        </a:xfrm>
+      </p:grpSpPr>
+      <p:sp>
+        <p:nvSpPr>
+          <p:cNvPr id="2" name="Title 1"/>
+          <p:cNvSpPr>
+            <a:spLocks noGrp="1"/>
+          </p:cNvSpPr>
+          <p:nvPr>
+            <p:ph type="title"/>
           </p:nvPr>
         </p:nvSpPr>
         <p:spPr/>
@@ -11195,20 +6239,288 @@
           <a:bodyPr/>
           <a:lstStyle/>
           <a:p>
-            <a:pPr lvl="0">
-              <a:buNone/>
+            <a:r>
+              <a:rPr lang="en-US" sz="4000" dirty="0" smtClean="0">
+                <a:solidFill>
+                  <a:schemeClr val="tx1"/>
+                </a:solidFill>
+              </a:rPr>
+              <a:t>Facts about MOM</a:t>
+            </a:r>
+            <a:endParaRPr lang="en-US" sz="4000" dirty="0">
+              <a:solidFill>
+                <a:schemeClr val="tx1"/>
+              </a:solidFill>
+            </a:endParaRPr>
+          </a:p>
+        </p:txBody>
+      </p:sp>
+      <p:sp>
+        <p:nvSpPr>
+          <p:cNvPr id="3" name="Text Placeholder 2"/>
+          <p:cNvSpPr>
+            <a:spLocks noGrp="1"/>
+          </p:cNvSpPr>
+          <p:nvPr>
+            <p:ph type="body" idx="1"/>
+          </p:nvPr>
+        </p:nvSpPr>
+        <p:spPr>
+          <a:xfrm>
+            <a:off x="685800" y="1435100"/>
+            <a:ext cx="8153400" cy="4965700"/>
+          </a:xfrm>
+        </p:spPr>
+        <p:txBody>
+          <a:bodyPr>
+            <a:normAutofit/>
+          </a:bodyPr>
+          <a:lstStyle/>
+          <a:p>
+            <a:pPr marL="454914" lvl="1" indent="0"/>
+            <a:endParaRPr lang="en-US" sz="2800" dirty="0" smtClean="0"/>
+          </a:p>
+          <a:p>
+            <a:pPr lvl="1">
+              <a:buFontTx/>
+              <a:buChar char="•"/>
             </a:pPr>
+            <a:endParaRPr lang="en-US" sz="2800" dirty="0" smtClean="0"/>
+          </a:p>
+          <a:p>
+            <a:pPr lvl="1">
+              <a:buFontTx/>
+              <a:buChar char="•"/>
+            </a:pPr>
+            <a:r>
+              <a:rPr lang="en-US" sz="2800" dirty="0" smtClean="0"/>
+              <a:t>First mission to succeed in first attempt</a:t>
+            </a:r>
+            <a:endParaRPr lang="en-US" sz="2800" dirty="0" smtClean="0"/>
+          </a:p>
+          <a:p>
+            <a:pPr lvl="1">
+              <a:buFontTx/>
+              <a:buChar char="•"/>
+            </a:pPr>
+            <a:r>
+              <a:rPr lang="en-US" sz="2800" dirty="0" smtClean="0"/>
+              <a:t>Most economical interplanetary mission</a:t>
+            </a:r>
+          </a:p>
+          <a:p>
+            <a:pPr lvl="1">
+              <a:buFontTx/>
+              <a:buChar char="•"/>
+            </a:pPr>
+            <a:r>
+              <a:rPr lang="en-US" sz="2800" dirty="0"/>
+              <a:t>S</a:t>
+            </a:r>
+            <a:r>
+              <a:rPr lang="en-US" sz="2800" dirty="0" smtClean="0"/>
+              <a:t>hortest period of 18 months</a:t>
+            </a:r>
+            <a:endParaRPr lang="en-US" sz="2800" dirty="0" smtClean="0"/>
+          </a:p>
+          <a:p>
+            <a:pPr lvl="1">
+              <a:buFontTx/>
+              <a:buChar char="•"/>
+            </a:pPr>
+            <a:r>
+              <a:rPr lang="en-US" sz="2800" dirty="0" smtClean="0"/>
+              <a:t>Full scale onboard autonomy</a:t>
+            </a:r>
+          </a:p>
+          <a:p>
+            <a:pPr lvl="1">
+              <a:buFontTx/>
+              <a:buChar char="•"/>
+            </a:pPr>
+            <a:r>
+              <a:rPr lang="en-US" sz="2800" dirty="0" smtClean="0"/>
+              <a:t>Youngest team</a:t>
+            </a:r>
+            <a:endParaRPr lang="en-US" sz="2800" dirty="0" smtClean="0"/>
+          </a:p>
+          <a:p>
+            <a:pPr lvl="1">
+              <a:buFontTx/>
+              <a:buChar char="•"/>
+            </a:pPr>
+            <a:endParaRPr lang="en-US" sz="2800" dirty="0" smtClean="0"/>
+          </a:p>
+          <a:p>
+            <a:pPr lvl="1">
+              <a:buFontTx/>
+              <a:buChar char="•"/>
+            </a:pPr>
+            <a:endParaRPr lang="en-US" sz="2800" dirty="0"/>
+          </a:p>
+        </p:txBody>
+      </p:sp>
+    </p:spTree>
+    <p:extLst>
+      <p:ext uri="{BB962C8B-B14F-4D97-AF65-F5344CB8AC3E}">
+        <p14:creationId xmlns:p14="http://schemas.microsoft.com/office/powerpoint/2010/main" val="1905867381"/>
+      </p:ext>
+    </p:extLst>
+  </p:cSld>
+  <p:clrMapOvr>
+    <a:masterClrMapping/>
+  </p:clrMapOvr>
+  <p:timing>
+    <p:tnLst>
+      <p:par>
+        <p:cTn id="1" dur="indefinite" restart="never" nodeType="tmRoot"/>
+      </p:par>
+    </p:tnLst>
+  </p:timing>
+</p:sld>
+</file>
+
+<file path=ppt/slides/slide8.xml><?xml version="1.0" encoding="utf-8"?>
+<p:sld xmlns:a="http://schemas.openxmlformats.org/drawingml/2006/main" xmlns:r="http://schemas.openxmlformats.org/officeDocument/2006/relationships" xmlns:p="http://schemas.openxmlformats.org/presentationml/2006/main">
+  <p:cSld>
+    <p:spTree>
+      <p:nvGrpSpPr>
+        <p:cNvPr id="1" name=""/>
+        <p:cNvGrpSpPr/>
+        <p:nvPr/>
+      </p:nvGrpSpPr>
+      <p:grpSpPr>
+        <a:xfrm>
+          <a:off x="0" y="0"/>
+          <a:ext cx="0" cy="0"/>
+          <a:chOff x="0" y="0"/>
+          <a:chExt cx="0" cy="0"/>
+        </a:xfrm>
+      </p:grpSpPr>
+      <p:sp>
+        <p:nvSpPr>
+          <p:cNvPr id="2" name="Title 1"/>
+          <p:cNvSpPr>
+            <a:spLocks noGrp="1"/>
+          </p:cNvSpPr>
+          <p:nvPr>
+            <p:ph type="title"/>
+          </p:nvPr>
+        </p:nvSpPr>
+        <p:spPr/>
+        <p:txBody>
+          <a:bodyPr/>
+          <a:lstStyle/>
+          <a:p>
             <a:r>
               <a:rPr lang="en-US" dirty="0" smtClean="0"/>
-              <a:t>	Be sure to include print and electronic sources and put them in alphabetical order.</a:t>
-            </a:r>
-          </a:p>
-          <a:p>
+              <a:t>Trajectory</a:t>
+            </a:r>
             <a:endParaRPr lang="en-US" dirty="0"/>
           </a:p>
         </p:txBody>
       </p:sp>
+      <p:pic>
+        <p:nvPicPr>
+          <p:cNvPr id="7" name="Content Placeholder 6"/>
+          <p:cNvPicPr>
+            <a:picLocks noGrp="1" noChangeAspect="1"/>
+          </p:cNvPicPr>
+          <p:nvPr>
+            <p:ph sz="half" idx="2"/>
+          </p:nvPr>
+        </p:nvPicPr>
+        <p:blipFill>
+          <a:blip r:embed="rId2">
+            <a:extLst>
+              <a:ext uri="{28A0092B-C50C-407E-A947-70E740481C1C}">
+                <a14:useLocalDpi xmlns:a14="http://schemas.microsoft.com/office/drawing/2010/main" val="0"/>
+              </a:ext>
+            </a:extLst>
+          </a:blip>
+          <a:stretch>
+            <a:fillRect/>
+          </a:stretch>
+        </p:blipFill>
+        <p:spPr>
+          <a:xfrm>
+            <a:off x="0" y="1435100"/>
+            <a:ext cx="8915400" cy="5194300"/>
+          </a:xfrm>
+        </p:spPr>
+      </p:pic>
     </p:spTree>
+    <p:extLst>
+      <p:ext uri="{BB962C8B-B14F-4D97-AF65-F5344CB8AC3E}">
+        <p14:creationId xmlns:p14="http://schemas.microsoft.com/office/powerpoint/2010/main" val="2448257753"/>
+      </p:ext>
+    </p:extLst>
+  </p:cSld>
+  <p:clrMapOvr>
+    <a:masterClrMapping/>
+  </p:clrMapOvr>
+  <p:timing>
+    <p:tnLst>
+      <p:par>
+        <p:cTn id="1" dur="indefinite" restart="never" nodeType="tmRoot"/>
+      </p:par>
+    </p:tnLst>
+  </p:timing>
+</p:sld>
+</file>
+
+<file path=ppt/slides/slide9.xml><?xml version="1.0" encoding="utf-8"?>
+<p:sld xmlns:a="http://schemas.openxmlformats.org/drawingml/2006/main" xmlns:r="http://schemas.openxmlformats.org/officeDocument/2006/relationships" xmlns:p="http://schemas.openxmlformats.org/presentationml/2006/main">
+  <p:cSld>
+    <p:spTree>
+      <p:nvGrpSpPr>
+        <p:cNvPr id="1" name=""/>
+        <p:cNvGrpSpPr/>
+        <p:nvPr/>
+      </p:nvGrpSpPr>
+      <p:grpSpPr>
+        <a:xfrm>
+          <a:off x="0" y="0"/>
+          <a:ext cx="0" cy="0"/>
+          <a:chOff x="0" y="0"/>
+          <a:chExt cx="0" cy="0"/>
+        </a:xfrm>
+      </p:grpSpPr>
+      <p:pic>
+        <p:nvPicPr>
+          <p:cNvPr id="4" name="Content Placeholder 3"/>
+          <p:cNvPicPr>
+            <a:picLocks noGrp="1" noChangeAspect="1"/>
+          </p:cNvPicPr>
+          <p:nvPr>
+            <p:ph sz="half" idx="2"/>
+          </p:nvPr>
+        </p:nvPicPr>
+        <p:blipFill>
+          <a:blip r:embed="rId2" cstate="print">
+            <a:extLst>
+              <a:ext uri="{28A0092B-C50C-407E-A947-70E740481C1C}">
+                <a14:useLocalDpi xmlns:a14="http://schemas.microsoft.com/office/drawing/2010/main" val="0"/>
+              </a:ext>
+            </a:extLst>
+          </a:blip>
+          <a:stretch>
+            <a:fillRect/>
+          </a:stretch>
+        </p:blipFill>
+        <p:spPr>
+          <a:xfrm>
+            <a:off x="0" y="0"/>
+            <a:ext cx="9144000" cy="6858000"/>
+          </a:xfrm>
+        </p:spPr>
+      </p:pic>
+    </p:spTree>
+    <p:extLst>
+      <p:ext uri="{BB962C8B-B14F-4D97-AF65-F5344CB8AC3E}">
+        <p14:creationId xmlns:p14="http://schemas.microsoft.com/office/powerpoint/2010/main" val="3844107884"/>
+      </p:ext>
+    </p:extLst>
   </p:cSld>
   <p:clrMapOvr>
     <a:masterClrMapping/>
